--- a/Rapport_Projet_V1.pptx
+++ b/Rapport_Projet_V1.pptx
@@ -2473,32 +2473,6 @@
 </cs:chartStyle>
 </file>
 
-<file path=ppt/comments/modernComment_100_57191BDE.xml><?xml version="1.0" encoding="utf-8"?>
-<p188:cmLst xmlns:a="http://schemas.openxmlformats.org/drawingml/2006/main" xmlns:r="http://schemas.openxmlformats.org/officeDocument/2006/relationships" xmlns:p188="http://schemas.microsoft.com/office/powerpoint/2018/8/main">
-  <p188:cm id="{DB33E064-948B-4839-8550-1A4AF73B387D}" authorId="{4BB11620-EFBC-D13A-7B93-45F2C922ABDE}" created="2024-04-07T00:20:12.401">
-    <ac:txMkLst xmlns:ac="http://schemas.microsoft.com/office/drawing/2013/main/command">
-      <pc:docMk xmlns:pc="http://schemas.microsoft.com/office/powerpoint/2013/main/command"/>
-      <pc:sldMk xmlns:pc="http://schemas.microsoft.com/office/powerpoint/2013/main/command" cId="1461263326" sldId="256"/>
-      <ac:spMk id="3" creationId="{2747FDDE-CB2B-8FE9-4131-0BA966165B91}"/>
-      <ac:txMk cp="101" len="43">
-        <ac:context len="146" hash="325883667"/>
-      </ac:txMk>
-    </ac:txMkLst>
-    <p188:pos x="5671962" y="3016036"/>
-    <p188:txBody>
-      <a:bodyPr/>
-      <a:lstStyle/>
-      <a:p>
-        <a:r>
-          <a:rPr lang="en-CA"/>
-          <a:t>NE PAS OUBLIER DE CHANGER LE LIEN QD ON METTRA SUR GIT</a:t>
-        </a:r>
-      </a:p>
-    </p188:txBody>
-  </p188:cm>
-</p188:cmLst>
-</file>
-
 <file path=ppt/comments/modernComment_101_A4F9112F.xml><?xml version="1.0" encoding="utf-8"?>
 <p188:cmLst xmlns:a="http://schemas.openxmlformats.org/drawingml/2006/main" xmlns:r="http://schemas.openxmlformats.org/officeDocument/2006/relationships" xmlns:p188="http://schemas.microsoft.com/office/powerpoint/2018/8/main">
   <p188:cm id="{A23CB01A-4077-4E78-A594-C0D5037C2CBC}" authorId="{4BB11620-EFBC-D13A-7B93-45F2C922ABDE}" created="2024-04-07T00:10:12.690">
@@ -2781,7 +2755,7 @@
           <a:p>
             <a:fld id="{DAB5DE69-65B2-445A-B9D2-BC2BC199D49F}" type="datetimeFigureOut">
               <a:rPr lang="en-CA" smtClean="0"/>
-              <a:t>2024-04-06</a:t>
+              <a:t>2024-04-07</a:t>
             </a:fld>
             <a:endParaRPr lang="en-CA"/>
           </a:p>
@@ -3198,7 +3172,7 @@
           <a:p>
             <a:fld id="{CF633E34-DD75-4254-AB88-C9D2090F6CC5}" type="datetimeFigureOut">
               <a:rPr lang="en-CA" smtClean="0"/>
-              <a:t>2024-04-06</a:t>
+              <a:t>2024-04-07</a:t>
             </a:fld>
             <a:endParaRPr lang="en-CA"/>
           </a:p>
@@ -3398,7 +3372,7 @@
           <a:p>
             <a:fld id="{CF633E34-DD75-4254-AB88-C9D2090F6CC5}" type="datetimeFigureOut">
               <a:rPr lang="en-CA" smtClean="0"/>
-              <a:t>2024-04-06</a:t>
+              <a:t>2024-04-07</a:t>
             </a:fld>
             <a:endParaRPr lang="en-CA"/>
           </a:p>
@@ -3608,7 +3582,7 @@
           <a:p>
             <a:fld id="{CF633E34-DD75-4254-AB88-C9D2090F6CC5}" type="datetimeFigureOut">
               <a:rPr lang="en-CA" smtClean="0"/>
-              <a:t>2024-04-06</a:t>
+              <a:t>2024-04-07</a:t>
             </a:fld>
             <a:endParaRPr lang="en-CA"/>
           </a:p>
@@ -3808,7 +3782,7 @@
           <a:p>
             <a:fld id="{CF633E34-DD75-4254-AB88-C9D2090F6CC5}" type="datetimeFigureOut">
               <a:rPr lang="en-CA" smtClean="0"/>
-              <a:t>2024-04-06</a:t>
+              <a:t>2024-04-07</a:t>
             </a:fld>
             <a:endParaRPr lang="en-CA"/>
           </a:p>
@@ -4084,7 +4058,7 @@
           <a:p>
             <a:fld id="{CF633E34-DD75-4254-AB88-C9D2090F6CC5}" type="datetimeFigureOut">
               <a:rPr lang="en-CA" smtClean="0"/>
-              <a:t>2024-04-06</a:t>
+              <a:t>2024-04-07</a:t>
             </a:fld>
             <a:endParaRPr lang="en-CA"/>
           </a:p>
@@ -4352,7 +4326,7 @@
           <a:p>
             <a:fld id="{CF633E34-DD75-4254-AB88-C9D2090F6CC5}" type="datetimeFigureOut">
               <a:rPr lang="en-CA" smtClean="0"/>
-              <a:t>2024-04-06</a:t>
+              <a:t>2024-04-07</a:t>
             </a:fld>
             <a:endParaRPr lang="en-CA"/>
           </a:p>
@@ -4767,7 +4741,7 @@
           <a:p>
             <a:fld id="{CF633E34-DD75-4254-AB88-C9D2090F6CC5}" type="datetimeFigureOut">
               <a:rPr lang="en-CA" smtClean="0"/>
-              <a:t>2024-04-06</a:t>
+              <a:t>2024-04-07</a:t>
             </a:fld>
             <a:endParaRPr lang="en-CA"/>
           </a:p>
@@ -4909,7 +4883,7 @@
           <a:p>
             <a:fld id="{CF633E34-DD75-4254-AB88-C9D2090F6CC5}" type="datetimeFigureOut">
               <a:rPr lang="en-CA" smtClean="0"/>
-              <a:t>2024-04-06</a:t>
+              <a:t>2024-04-07</a:t>
             </a:fld>
             <a:endParaRPr lang="en-CA"/>
           </a:p>
@@ -5022,7 +4996,7 @@
           <a:p>
             <a:fld id="{CF633E34-DD75-4254-AB88-C9D2090F6CC5}" type="datetimeFigureOut">
               <a:rPr lang="en-CA" smtClean="0"/>
-              <a:t>2024-04-06</a:t>
+              <a:t>2024-04-07</a:t>
             </a:fld>
             <a:endParaRPr lang="en-CA"/>
           </a:p>
@@ -5335,7 +5309,7 @@
           <a:p>
             <a:fld id="{CF633E34-DD75-4254-AB88-C9D2090F6CC5}" type="datetimeFigureOut">
               <a:rPr lang="en-CA" smtClean="0"/>
-              <a:t>2024-04-06</a:t>
+              <a:t>2024-04-07</a:t>
             </a:fld>
             <a:endParaRPr lang="en-CA"/>
           </a:p>
@@ -5624,7 +5598,7 @@
           <a:p>
             <a:fld id="{CF633E34-DD75-4254-AB88-C9D2090F6CC5}" type="datetimeFigureOut">
               <a:rPr lang="en-CA" smtClean="0"/>
-              <a:t>2024-04-06</a:t>
+              <a:t>2024-04-07</a:t>
             </a:fld>
             <a:endParaRPr lang="en-CA"/>
           </a:p>
@@ -5867,7 +5841,7 @@
           <a:p>
             <a:fld id="{CF633E34-DD75-4254-AB88-C9D2090F6CC5}" type="datetimeFigureOut">
               <a:rPr lang="en-CA" smtClean="0"/>
-              <a:t>2024-04-06</a:t>
+              <a:t>2024-04-07</a:t>
             </a:fld>
             <a:endParaRPr lang="en-CA"/>
           </a:p>
@@ -6584,14 +6558,14 @@
             <a:pPr algn="l"/>
             <a:r>
               <a:rPr lang="en-CA" sz="2000" i="1" dirty="0">
-                <a:hlinkClick r:id="rId3"/>
+                <a:hlinkClick r:id="rId2"/>
               </a:rPr>
-              <a:t>https://github.com/mehdibendaya/MEC8211DEV3</a:t>
-            </a:r>
-            <a:endParaRPr lang="en-CA" sz="2000" i="1" dirty="0"/>
-          </a:p>
-          <a:p>
-            <a:pPr algn="l"/>
+              <a:t>https://github.com/AcileSf/MEC8211ProjetFinal</a:t>
+            </a:r>
+            <a:r>
+              <a:rPr lang="en-CA" sz="2000" i="1" dirty="0"/>
+              <a:t> </a:t>
+            </a:r>
             <a:endParaRPr lang="en-CA" dirty="0"/>
           </a:p>
         </p:txBody>
@@ -6669,11 +6643,6 @@
   <p:clrMapOvr>
     <a:masterClrMapping/>
   </p:clrMapOvr>
-  <p:extLst>
-    <p:ext uri="{6950BFC3-D8DA-4A85-94F7-54DA5524770B}">
-      <p188:commentRel xmlns:p188="http://schemas.microsoft.com/office/powerpoint/2018/8/main" r:id="rId2"/>
-    </p:ext>
-  </p:extLst>
 </p:sld>
 </file>
 
@@ -8007,7 +7976,7 @@
                         <a:rPr lang="en-CA" sz="1600" b="0" i="1" smtClean="0">
                           <a:latin typeface="Cambria Math" panose="02040503050406030204" pitchFamily="18" charset="0"/>
                         </a:rPr>
-                        <m:t>=</m:t>
+                        <m:t>≅</m:t>
                       </m:r>
                       <m:r>
                         <a:rPr lang="en-CA" sz="1600" b="0" i="1" smtClean="0">
@@ -8016,97 +7985,7 @@
                           </a:highlight>
                           <a:latin typeface="Cambria Math" panose="02040503050406030204" pitchFamily="18" charset="0"/>
                         </a:rPr>
-                        <m:t>𝑚𝑒𝑡𝑡𝑟𝑒</m:t>
-                      </m:r>
-                      <m:r>
-                        <a:rPr lang="en-CA" sz="1600" b="0" i="1" smtClean="0">
-                          <a:highlight>
-                            <a:srgbClr val="FFFF00"/>
-                          </a:highlight>
-                          <a:latin typeface="Cambria Math" panose="02040503050406030204" pitchFamily="18" charset="0"/>
-                        </a:rPr>
-                        <m:t> </m:t>
-                      </m:r>
-                      <m:r>
-                        <a:rPr lang="en-CA" sz="1600" b="0" i="1" smtClean="0">
-                          <a:highlight>
-                            <a:srgbClr val="FFFF00"/>
-                          </a:highlight>
-                          <a:latin typeface="Cambria Math" panose="02040503050406030204" pitchFamily="18" charset="0"/>
-                        </a:rPr>
-                        <m:t>𝑣𝑎𝑙𝑒𝑢𝑟</m:t>
-                      </m:r>
-                      <m:r>
-                        <a:rPr lang="en-CA" sz="1600" b="0" i="1" smtClean="0">
-                          <a:highlight>
-                            <a:srgbClr val="FFFF00"/>
-                          </a:highlight>
-                          <a:latin typeface="Cambria Math" panose="02040503050406030204" pitchFamily="18" charset="0"/>
-                        </a:rPr>
-                        <m:t> </m:t>
-                      </m:r>
-                      <m:r>
-                        <a:rPr lang="en-CA" sz="1600" b="0" i="1" smtClean="0">
-                          <a:highlight>
-                            <a:srgbClr val="FFFF00"/>
-                          </a:highlight>
-                          <a:latin typeface="Cambria Math" panose="02040503050406030204" pitchFamily="18" charset="0"/>
-                        </a:rPr>
-                        <m:t>𝑛𝑢𝑚𝑒𝑟𝑖𝑞𝑢𝑒</m:t>
-                      </m:r>
-                      <m:r>
-                        <a:rPr lang="en-CA" sz="1600" b="0" i="1" smtClean="0">
-                          <a:highlight>
-                            <a:srgbClr val="FFFF00"/>
-                          </a:highlight>
-                          <a:latin typeface="Cambria Math" panose="02040503050406030204" pitchFamily="18" charset="0"/>
-                        </a:rPr>
-                        <m:t> </m:t>
-                      </m:r>
-                      <m:r>
-                        <a:rPr lang="en-CA" sz="1600" b="0" i="1" smtClean="0">
-                          <a:highlight>
-                            <a:srgbClr val="FFFF00"/>
-                          </a:highlight>
-                          <a:latin typeface="Cambria Math" panose="02040503050406030204" pitchFamily="18" charset="0"/>
-                        </a:rPr>
-                        <m:t>𝑜𝑏𝑡𝑒𝑛𝑢𝑒</m:t>
-                      </m:r>
-                      <m:r>
-                        <a:rPr lang="en-CA" sz="1600" b="0" i="1" smtClean="0">
-                          <a:highlight>
-                            <a:srgbClr val="FFFF00"/>
-                          </a:highlight>
-                          <a:latin typeface="Cambria Math" panose="02040503050406030204" pitchFamily="18" charset="0"/>
-                        </a:rPr>
-                        <m:t> </m:t>
-                      </m:r>
-                      <m:r>
-                        <a:rPr lang="en-CA" sz="1600" b="0" i="1" smtClean="0">
-                          <a:highlight>
-                            <a:srgbClr val="FFFF00"/>
-                          </a:highlight>
-                          <a:latin typeface="Cambria Math" panose="02040503050406030204" pitchFamily="18" charset="0"/>
-                        </a:rPr>
-                        <m:t>𝑠𝑢𝑟</m:t>
-                      </m:r>
-                      <m:r>
-                        <a:rPr lang="en-CA" sz="1600" b="0" i="1" smtClean="0">
-                          <a:highlight>
-                            <a:srgbClr val="FFFF00"/>
-                          </a:highlight>
-                          <a:latin typeface="Cambria Math" panose="02040503050406030204" pitchFamily="18" charset="0"/>
-                        </a:rPr>
-                        <m:t> </m:t>
-                      </m:r>
-                      <m:r>
-                        <a:rPr lang="en-CA" sz="1600" b="0" i="1" smtClean="0">
-                          <a:highlight>
-                            <a:srgbClr val="FFFF00"/>
-                          </a:highlight>
-                          <a:latin typeface="Cambria Math" panose="02040503050406030204" pitchFamily="18" charset="0"/>
-                        </a:rPr>
-                        <m:t>𝑒𝑥𝑐𝑒𝑙</m:t>
+                        <m:t>1.62881</m:t>
                       </m:r>
                     </m:oMath>
                   </m:oMathPara>
@@ -8488,8 +8367,8 @@
           </a:p>
         </p:txBody>
       </p:sp>
-      <mc:AlternateContent xmlns:mc="http://schemas.openxmlformats.org/markup-compatibility/2006">
-        <mc:Choice xmlns:a14="http://schemas.microsoft.com/office/drawing/2010/main" Requires="a14">
+      <mc:AlternateContent xmlns:mc="http://schemas.openxmlformats.org/markup-compatibility/2006" xmlns:a14="http://schemas.microsoft.com/office/drawing/2010/main">
+        <mc:Choice Requires="a14">
           <p:sp>
             <p:nvSpPr>
               <p:cNvPr id="3" name="Content Placeholder 2">
@@ -9415,7 +9294,7 @@
             </p:txBody>
           </p:sp>
         </mc:Choice>
-        <mc:Fallback>
+        <mc:Fallback xmlns="">
           <p:sp>
             <p:nvSpPr>
               <p:cNvPr id="3" name="Content Placeholder 2">
@@ -10253,8 +10132,8 @@
           </p:sp>
         </mc:Fallback>
       </mc:AlternateContent>
-      <mc:AlternateContent xmlns:mc="http://schemas.openxmlformats.org/markup-compatibility/2006" xmlns:a14="http://schemas.microsoft.com/office/drawing/2010/main">
-        <mc:Choice Requires="a14">
+      <mc:AlternateContent xmlns:mc="http://schemas.openxmlformats.org/markup-compatibility/2006">
+        <mc:Choice xmlns:a14="http://schemas.microsoft.com/office/drawing/2010/main" Requires="a14">
           <p:graphicFrame>
             <p:nvGraphicFramePr>
               <p:cNvPr id="4" name="Table 3">
@@ -10270,7 +10149,7 @@
               <p:nvPr>
                 <p:extLst>
                   <p:ext uri="{D42A27DB-BD31-4B8C-83A1-F6EECF244321}">
-                    <p14:modId xmlns:p14="http://schemas.microsoft.com/office/powerpoint/2010/main" val="2026778381"/>
+                    <p14:modId xmlns:p14="http://schemas.microsoft.com/office/powerpoint/2010/main" val="3659098673"/>
                   </p:ext>
                 </p:extLst>
               </p:nvPr>
@@ -10334,7 +10213,11 @@
                         <a:lstStyle/>
                         <a:p>
                           <a:r>
-                            <a:rPr lang="en-CA" b="1" dirty="0"/>
+                            <a:rPr lang="en-CA" b="1" dirty="0">
+                              <a:highlight>
+                                <a:srgbClr val="FFFF00"/>
+                              </a:highlight>
+                            </a:rPr>
                             <a:t>xx</a:t>
                           </a:r>
                         </a:p>
@@ -10380,7 +10263,11 @@
                         <a:lstStyle/>
                         <a:p>
                           <a:r>
-                            <a:rPr lang="en-CA" b="1" dirty="0"/>
+                            <a:rPr lang="en-CA" b="1" dirty="0">
+                              <a:highlight>
+                                <a:srgbClr val="FFFF00"/>
+                              </a:highlight>
+                            </a:rPr>
                             <a:t>xx</a:t>
                           </a:r>
                         </a:p>
@@ -10466,7 +10353,11 @@
                         <a:lstStyle/>
                         <a:p>
                           <a:r>
-                            <a:rPr lang="en-CA" b="1" dirty="0"/>
+                            <a:rPr lang="en-CA" b="1" dirty="0">
+                              <a:highlight>
+                                <a:srgbClr val="FFFF00"/>
+                              </a:highlight>
+                            </a:rPr>
                             <a:t>xx</a:t>
                           </a:r>
                         </a:p>
@@ -10484,7 +10375,7 @@
             </a:graphic>
           </p:graphicFrame>
         </mc:Choice>
-        <mc:Fallback xmlns="">
+        <mc:Fallback>
           <p:graphicFrame>
             <p:nvGraphicFramePr>
               <p:cNvPr id="4" name="Table 3">
@@ -10500,7 +10391,7 @@
               <p:nvPr>
                 <p:extLst>
                   <p:ext uri="{D42A27DB-BD31-4B8C-83A1-F6EECF244321}">
-                    <p14:modId xmlns:p14="http://schemas.microsoft.com/office/powerpoint/2010/main" val="2026778381"/>
+                    <p14:modId xmlns:p14="http://schemas.microsoft.com/office/powerpoint/2010/main" val="3659098673"/>
                   </p:ext>
                 </p:extLst>
               </p:nvPr>
@@ -10555,7 +10446,11 @@
                         <a:lstStyle/>
                         <a:p>
                           <a:r>
-                            <a:rPr lang="en-CA" b="1" dirty="0"/>
+                            <a:rPr lang="en-CA" b="1" dirty="0">
+                              <a:highlight>
+                                <a:srgbClr val="FFFF00"/>
+                              </a:highlight>
+                            </a:rPr>
                             <a:t>xx</a:t>
                           </a:r>
                         </a:p>
@@ -10592,7 +10487,11 @@
                         <a:lstStyle/>
                         <a:p>
                           <a:r>
-                            <a:rPr lang="en-CA" b="1" dirty="0"/>
+                            <a:rPr lang="en-CA" b="1" dirty="0">
+                              <a:highlight>
+                                <a:srgbClr val="FFFF00"/>
+                              </a:highlight>
+                            </a:rPr>
                             <a:t>xx</a:t>
                           </a:r>
                         </a:p>
@@ -10629,7 +10528,11 @@
                         <a:lstStyle/>
                         <a:p>
                           <a:r>
-                            <a:rPr lang="en-CA" b="1" dirty="0"/>
+                            <a:rPr lang="en-CA" b="1" dirty="0">
+                              <a:highlight>
+                                <a:srgbClr val="FFFF00"/>
+                              </a:highlight>
+                            </a:rPr>
                             <a:t>xx</a:t>
                           </a:r>
                         </a:p>
@@ -12701,8 +12604,8 @@
           </a:p>
         </p:txBody>
       </p:sp>
-      <mc:AlternateContent xmlns:mc="http://schemas.openxmlformats.org/markup-compatibility/2006" xmlns:a14="http://schemas.microsoft.com/office/drawing/2010/main">
-        <mc:Choice Requires="a14">
+      <mc:AlternateContent xmlns:mc="http://schemas.openxmlformats.org/markup-compatibility/2006">
+        <mc:Choice xmlns:a14="http://schemas.microsoft.com/office/drawing/2010/main" Requires="a14">
           <p:sp>
             <p:nvSpPr>
               <p:cNvPr id="3" name="Content Placeholder 2">
@@ -12739,7 +12642,19 @@
                 </a:pPr>
                 <a:r>
                   <a:rPr lang="fr-CA" sz="1800" dirty="0"/>
-                  <a:t>Afin d’effectuer la vérification de solution et trouver la meilleure solution ou donner un intervalle d’incertitude sur la solution, il faut commencer par établir l’ordre de convergence observée pour le cas de la partie lombaire de la colonne vertébrale. On fixe la donnée d’entrée à F=200N pour effectuer la vérification.</a:t>
+                  <a:t>Afin d’effectuer la vérification de solution et trouver la meilleure solution ou donner un intervalle d’incertitude sur la solution, il faut commencer par établir l’ordre de convergence observée pour le cas de la partie lombaire de la colonne vertébrale. On fixe la donnée d’entrée à</a:t>
+                </a:r>
+                <a:r>
+                  <a:rPr lang="fr-CA" sz="1800" dirty="0">
+                    <a:highlight>
+                      <a:srgbClr val="FFFF00"/>
+                    </a:highlight>
+                  </a:rPr>
+                  <a:t> F=200N </a:t>
+                </a:r>
+                <a:r>
+                  <a:rPr lang="fr-CA" sz="1800" dirty="0"/>
+                  <a:t>pour effectuer la vérification.</a:t>
                 </a:r>
               </a:p>
               <a:p>
@@ -13237,7 +13152,7 @@
             </p:txBody>
           </p:sp>
         </mc:Choice>
-        <mc:Fallback xmlns="">
+        <mc:Fallback>
           <p:sp>
             <p:nvSpPr>
               <p:cNvPr id="3" name="Content Placeholder 2">
@@ -13296,14 +13211,14 @@
           <p:nvPr>
             <p:extLst>
               <p:ext uri="{D42A27DB-BD31-4B8C-83A1-F6EECF244321}">
-                <p14:modId xmlns:p14="http://schemas.microsoft.com/office/powerpoint/2010/main" val="2833665426"/>
+                <p14:modId xmlns:p14="http://schemas.microsoft.com/office/powerpoint/2010/main" val="1157605058"/>
               </p:ext>
             </p:extLst>
           </p:nvPr>
         </p:nvGraphicFramePr>
         <p:xfrm>
-          <a:off x="838200" y="4172647"/>
-          <a:ext cx="4038600" cy="2113935"/>
+          <a:off x="947528" y="4172647"/>
+          <a:ext cx="4220819" cy="2293128"/>
         </p:xfrm>
         <a:graphic>
           <a:graphicData uri="http://schemas.openxmlformats.org/drawingml/2006/table">
@@ -13312,14 +13227,21 @@
                 <a:tableStyleId>{073A0DAA-6AF3-43AB-8588-CEC1D06C72B9}</a:tableStyleId>
               </a:tblPr>
               <a:tblGrid>
-                <a:gridCol w="1404731">
+                <a:gridCol w="1200190">
+                  <a:extLst>
+                    <a:ext uri="{9D8B030D-6E8A-4147-A177-3AD203B41FA5}">
+                      <a16:colId xmlns:a16="http://schemas.microsoft.com/office/drawing/2014/main" val="492793411"/>
+                    </a:ext>
+                  </a:extLst>
+                </a:gridCol>
+                <a:gridCol w="1330978">
                   <a:extLst>
                     <a:ext uri="{9D8B030D-6E8A-4147-A177-3AD203B41FA5}">
                       <a16:colId xmlns:a16="http://schemas.microsoft.com/office/drawing/2014/main" val="3415350444"/>
                     </a:ext>
                   </a:extLst>
                 </a:gridCol>
-                <a:gridCol w="2633869">
+                <a:gridCol w="1689651">
                   <a:extLst>
                     <a:ext uri="{9D8B030D-6E8A-4147-A177-3AD203B41FA5}">
                       <a16:colId xmlns:a16="http://schemas.microsoft.com/office/drawing/2014/main" val="2443206338"/>
@@ -13335,13 +13257,40 @@
                     <a:p>
                       <a:pPr algn="ctr" fontAlgn="ctr"/>
                       <a:r>
+                        <a:rPr lang="fr-CA" sz="1300" b="1" i="0" u="none" strike="noStrike" dirty="0">
+                          <a:solidFill>
+                            <a:schemeClr val="bg1"/>
+                          </a:solidFill>
+                          <a:effectLst/>
+                          <a:latin typeface="Calibri" panose="020F0502020204030204" pitchFamily="34" charset="0"/>
+                        </a:rPr>
+                        <a:t>Nombre d’éléments</a:t>
+                      </a:r>
+                    </a:p>
+                  </a:txBody>
+                  <a:tcPr marL="7620" marR="7620" marT="7620" marB="0" anchor="ctr">
+                    <a:solidFill>
+                      <a:schemeClr val="tx1">
+                        <a:lumMod val="50000"/>
+                        <a:lumOff val="50000"/>
+                      </a:schemeClr>
+                    </a:solidFill>
+                  </a:tcPr>
+                </a:tc>
+                <a:tc>
+                  <a:txBody>
+                    <a:bodyPr/>
+                    <a:lstStyle/>
+                    <a:p>
+                      <a:pPr algn="ctr" fontAlgn="ctr"/>
+                      <a:r>
                         <a:rPr lang="fr-CA" sz="1300" b="1" u="none" strike="noStrike" dirty="0">
                           <a:solidFill>
                             <a:schemeClr val="bg1"/>
                           </a:solidFill>
                           <a:effectLst/>
                         </a:rPr>
-                        <a:t>Taille d’élément</a:t>
+                        <a:t>Taille d’élément (mm)</a:t>
                       </a:r>
                       <a:endParaRPr lang="fr-CA" sz="1300" b="1" i="0" u="none" strike="noStrike" dirty="0">
                         <a:solidFill>
@@ -13374,7 +13323,7 @@
                           </a:solidFill>
                           <a:effectLst/>
                         </a:rPr>
-                        <a:t>Magnitude du déplacement de L1</a:t>
+                        <a:t>Magnitude du déplacement de L1 (mm)</a:t>
                       </a:r>
                       <a:endParaRPr lang="fr-FR" sz="1300" b="1" i="0" u="none" strike="noStrike" dirty="0">
                         <a:solidFill>
@@ -13401,6 +13350,29 @@
                 </a:extLst>
               </a:tr>
               <a:tr h="422787">
+                <a:tc>
+                  <a:txBody>
+                    <a:bodyPr/>
+                    <a:lstStyle/>
+                    <a:p>
+                      <a:pPr algn="ctr" fontAlgn="ctr"/>
+                      <a:r>
+                        <a:rPr lang="fr-CA" sz="1300" b="0" i="0" u="none" strike="noStrike" dirty="0">
+                          <a:solidFill>
+                            <a:srgbClr val="000000"/>
+                          </a:solidFill>
+                          <a:effectLst/>
+                          <a:highlight>
+                            <a:srgbClr val="FFFF00"/>
+                          </a:highlight>
+                          <a:latin typeface="Calibri" panose="020F0502020204030204" pitchFamily="34" charset="0"/>
+                        </a:rPr>
+                        <a:t>x</a:t>
+                      </a:r>
+                    </a:p>
+                  </a:txBody>
+                  <a:tcPr marL="7620" marR="7620" marT="7620" marB="0" anchor="ctr"/>
+                </a:tc>
                 <a:tc>
                   <a:txBody>
                     <a:bodyPr/>
@@ -13461,6 +13433,29 @@
                     <a:p>
                       <a:pPr algn="ctr" fontAlgn="ctr"/>
                       <a:r>
+                        <a:rPr lang="fr-CA" sz="1300" b="0" i="0" u="none" strike="noStrike" dirty="0">
+                          <a:solidFill>
+                            <a:srgbClr val="000000"/>
+                          </a:solidFill>
+                          <a:effectLst/>
+                          <a:highlight>
+                            <a:srgbClr val="FFFF00"/>
+                          </a:highlight>
+                          <a:latin typeface="Calibri" panose="020F0502020204030204" pitchFamily="34" charset="0"/>
+                        </a:rPr>
+                        <a:t>x</a:t>
+                      </a:r>
+                    </a:p>
+                  </a:txBody>
+                  <a:tcPr marL="7620" marR="7620" marT="7620" marB="0" anchor="ctr"/>
+                </a:tc>
+                <a:tc>
+                  <a:txBody>
+                    <a:bodyPr/>
+                    <a:lstStyle/>
+                    <a:p>
+                      <a:pPr algn="ctr" fontAlgn="ctr"/>
+                      <a:r>
                         <a:rPr lang="fr-CA" sz="1300" u="none" strike="noStrike" dirty="0">
                           <a:effectLst/>
                         </a:rPr>
@@ -13514,12 +13509,35 @@
                     <a:p>
                       <a:pPr algn="ctr" fontAlgn="ctr"/>
                       <a:r>
-                        <a:rPr lang="fr-CA" sz="1300" u="none" strike="noStrike">
+                        <a:rPr lang="fr-CA" sz="1300" b="0" i="0" u="none" strike="noStrike" dirty="0">
+                          <a:solidFill>
+                            <a:srgbClr val="000000"/>
+                          </a:solidFill>
+                          <a:effectLst/>
+                          <a:highlight>
+                            <a:srgbClr val="FFFF00"/>
+                          </a:highlight>
+                          <a:latin typeface="Calibri" panose="020F0502020204030204" pitchFamily="34" charset="0"/>
+                        </a:rPr>
+                        <a:t>x</a:t>
+                      </a:r>
+                    </a:p>
+                  </a:txBody>
+                  <a:tcPr marL="7620" marR="7620" marT="7620" marB="0" anchor="ctr"/>
+                </a:tc>
+                <a:tc>
+                  <a:txBody>
+                    <a:bodyPr/>
+                    <a:lstStyle/>
+                    <a:p>
+                      <a:pPr algn="ctr" fontAlgn="ctr"/>
+                      <a:r>
+                        <a:rPr lang="fr-CA" sz="1300" u="none" strike="noStrike" dirty="0">
                           <a:effectLst/>
                         </a:rPr>
                         <a:t>0,1</a:t>
                       </a:r>
-                      <a:endParaRPr lang="fr-CA" sz="1300" b="0" i="0" u="none" strike="noStrike">
+                      <a:endParaRPr lang="fr-CA" sz="1300" b="0" i="0" u="none" strike="noStrike" dirty="0">
                         <a:solidFill>
                           <a:srgbClr val="000000"/>
                         </a:solidFill>
@@ -13567,12 +13585,35 @@
                     <a:p>
                       <a:pPr algn="ctr" fontAlgn="ctr"/>
                       <a:r>
-                        <a:rPr lang="fr-CA" sz="1300" u="none" strike="noStrike">
+                        <a:rPr lang="fr-CA" sz="1300" b="0" i="0" u="none" strike="noStrike" dirty="0">
+                          <a:solidFill>
+                            <a:srgbClr val="000000"/>
+                          </a:solidFill>
+                          <a:effectLst/>
+                          <a:highlight>
+                            <a:srgbClr val="FFFF00"/>
+                          </a:highlight>
+                          <a:latin typeface="Calibri" panose="020F0502020204030204" pitchFamily="34" charset="0"/>
+                        </a:rPr>
+                        <a:t>x</a:t>
+                      </a:r>
+                    </a:p>
+                  </a:txBody>
+                  <a:tcPr marL="7620" marR="7620" marT="7620" marB="0" anchor="ctr"/>
+                </a:tc>
+                <a:tc>
+                  <a:txBody>
+                    <a:bodyPr/>
+                    <a:lstStyle/>
+                    <a:p>
+                      <a:pPr algn="ctr" fontAlgn="ctr"/>
+                      <a:r>
+                        <a:rPr lang="fr-CA" sz="1300" u="none" strike="noStrike" dirty="0">
                           <a:effectLst/>
                         </a:rPr>
                         <a:t>0,01</a:t>
                       </a:r>
-                      <a:endParaRPr lang="fr-CA" sz="1300" b="0" i="0" u="none" strike="noStrike">
+                      <a:endParaRPr lang="fr-CA" sz="1300" b="0" i="0" u="none" strike="noStrike" dirty="0">
                         <a:solidFill>
                           <a:srgbClr val="000000"/>
                         </a:solidFill>
@@ -15375,26 +15416,6 @@
 </file>
 
 <file path=customXml/item1.xml><?xml version="1.0" encoding="utf-8"?>
-<p:properties xmlns:p="http://schemas.microsoft.com/office/2006/metadata/properties" xmlns:xsi="http://www.w3.org/2001/XMLSchema-instance" xmlns:pc="http://schemas.microsoft.com/office/infopath/2007/PartnerControls">
-  <documentManagement>
-    <lcf76f155ced4ddcb4097134ff3c332f xmlns="ec825916-6f01-4646-bf11-4e97fdd06dc8">
-      <Terms xmlns="http://schemas.microsoft.com/office/infopath/2007/PartnerControls"/>
-    </lcf76f155ced4ddcb4097134ff3c332f>
-    <TaxCatchAll xmlns="10202d72-3646-4d36-9cf4-1feba2c78df0" xsi:nil="true"/>
-  </documentManagement>
-</p:properties>
-</file>
-
-<file path=customXml/item2.xml><?xml version="1.0" encoding="utf-8"?>
-<?mso-contentType ?>
-<FormTemplates xmlns="http://schemas.microsoft.com/sharepoint/v3/contenttype/forms">
-  <Display>DocumentLibraryForm</Display>
-  <Edit>DocumentLibraryForm</Edit>
-  <New>DocumentLibraryForm</New>
-</FormTemplates>
-</file>
-
-<file path=customXml/item3.xml><?xml version="1.0" encoding="utf-8"?>
 <ct:contentTypeSchema xmlns:ct="http://schemas.microsoft.com/office/2006/metadata/contentType" xmlns:ma="http://schemas.microsoft.com/office/2006/metadata/properties/metaAttributes" ct:_="" ma:_="" ma:contentTypeName="Document" ma:contentTypeID="0x010100744768CFAF743F4A83B0523C20156377" ma:contentTypeVersion="11" ma:contentTypeDescription="Create a new document." ma:contentTypeScope="" ma:versionID="aafa440e1ffbdaf1b0956f4ac1c916a8">
   <xsd:schema xmlns:xsd="http://www.w3.org/2001/XMLSchema" xmlns:xs="http://www.w3.org/2001/XMLSchema" xmlns:p="http://schemas.microsoft.com/office/2006/metadata/properties" xmlns:ns2="ec825916-6f01-4646-bf11-4e97fdd06dc8" xmlns:ns3="10202d72-3646-4d36-9cf4-1feba2c78df0" targetNamespace="http://schemas.microsoft.com/office/2006/metadata/properties" ma:root="true" ma:fieldsID="7a73fe93b8aa32af4ca50956a2221801" ns2:_="" ns3:_="">
     <xsd:import namespace="ec825916-6f01-4646-bf11-4e97fdd06dc8"/>
@@ -15589,32 +15610,27 @@
 </ct:contentTypeSchema>
 </file>
 
-<file path=customXml/itemProps1.xml><?xml version="1.0" encoding="utf-8"?>
-<ds:datastoreItem xmlns:ds="http://schemas.openxmlformats.org/officeDocument/2006/customXml" ds:itemID="{CC0D4AF6-CA21-4510-812C-479171907BC9}">
-  <ds:schemaRefs>
-    <ds:schemaRef ds:uri="ec825916-6f01-4646-bf11-4e97fdd06dc8"/>
-    <ds:schemaRef ds:uri="http://schemas.microsoft.com/office/2006/documentManagement/types"/>
-    <ds:schemaRef ds:uri="http://purl.org/dc/dcmitype/"/>
-    <ds:schemaRef ds:uri="http://schemas.microsoft.com/office/infopath/2007/PartnerControls"/>
-    <ds:schemaRef ds:uri="http://purl.org/dc/terms/"/>
-    <ds:schemaRef ds:uri="10202d72-3646-4d36-9cf4-1feba2c78df0"/>
-    <ds:schemaRef ds:uri="http://www.w3.org/XML/1998/namespace"/>
-    <ds:schemaRef ds:uri="http://schemas.microsoft.com/office/2006/metadata/properties"/>
-    <ds:schemaRef ds:uri="http://schemas.openxmlformats.org/package/2006/metadata/core-properties"/>
-    <ds:schemaRef ds:uri="http://purl.org/dc/elements/1.1/"/>
-  </ds:schemaRefs>
-</ds:datastoreItem>
+<file path=customXml/item2.xml><?xml version="1.0" encoding="utf-8"?>
+<?mso-contentType ?>
+<FormTemplates xmlns="http://schemas.microsoft.com/sharepoint/v3/contenttype/forms">
+  <Display>DocumentLibraryForm</Display>
+  <Edit>DocumentLibraryForm</Edit>
+  <New>DocumentLibraryForm</New>
+</FormTemplates>
 </file>
 
-<file path=customXml/itemProps2.xml><?xml version="1.0" encoding="utf-8"?>
-<ds:datastoreItem xmlns:ds="http://schemas.openxmlformats.org/officeDocument/2006/customXml" ds:itemID="{73F4A501-0066-4B8E-9AA2-A07CF344BF69}">
-  <ds:schemaRefs>
-    <ds:schemaRef ds:uri="http://schemas.microsoft.com/sharepoint/v3/contenttype/forms"/>
-  </ds:schemaRefs>
-</ds:datastoreItem>
+<file path=customXml/item3.xml><?xml version="1.0" encoding="utf-8"?>
+<p:properties xmlns:p="http://schemas.microsoft.com/office/2006/metadata/properties" xmlns:xsi="http://www.w3.org/2001/XMLSchema-instance" xmlns:pc="http://schemas.microsoft.com/office/infopath/2007/PartnerControls">
+  <documentManagement>
+    <lcf76f155ced4ddcb4097134ff3c332f xmlns="ec825916-6f01-4646-bf11-4e97fdd06dc8">
+      <Terms xmlns="http://schemas.microsoft.com/office/infopath/2007/PartnerControls"/>
+    </lcf76f155ced4ddcb4097134ff3c332f>
+    <TaxCatchAll xmlns="10202d72-3646-4d36-9cf4-1feba2c78df0" xsi:nil="true"/>
+  </documentManagement>
+</p:properties>
 </file>
 
-<file path=customXml/itemProps3.xml><?xml version="1.0" encoding="utf-8"?>
+<file path=customXml/itemProps1.xml><?xml version="1.0" encoding="utf-8"?>
 <ds:datastoreItem xmlns:ds="http://schemas.openxmlformats.org/officeDocument/2006/customXml" ds:itemID="{4AB5C90D-8262-4EAC-95BF-2CC4C44D50EC}">
   <ds:schemaRefs>
     <ds:schemaRef ds:uri="10202d72-3646-4d36-9cf4-1feba2c78df0"/>
@@ -15631,4 +15647,29 @@
     <ds:schemaRef ds:uri="http://www.w3.org/2001/XMLSchema"/>
   </ds:schemaRefs>
 </ds:datastoreItem>
+</file>
+
+<file path=customXml/itemProps2.xml><?xml version="1.0" encoding="utf-8"?>
+<ds:datastoreItem xmlns:ds="http://schemas.openxmlformats.org/officeDocument/2006/customXml" ds:itemID="{73F4A501-0066-4B8E-9AA2-A07CF344BF69}">
+  <ds:schemaRefs>
+    <ds:schemaRef ds:uri="http://schemas.microsoft.com/sharepoint/v3/contenttype/forms"/>
+  </ds:schemaRefs>
+</ds:datastoreItem>
+</file>
+
+<file path=customXml/itemProps3.xml><?xml version="1.0" encoding="utf-8"?>
+<ds:datastoreItem xmlns:ds="http://schemas.openxmlformats.org/officeDocument/2006/customXml" ds:itemID="{CC0D4AF6-CA21-4510-812C-479171907BC9}">
+  <ds:schemaRefs>
+    <ds:schemaRef ds:uri="ec825916-6f01-4646-bf11-4e97fdd06dc8"/>
+    <ds:schemaRef ds:uri="http://schemas.microsoft.com/office/2006/documentManagement/types"/>
+    <ds:schemaRef ds:uri="http://purl.org/dc/dcmitype/"/>
+    <ds:schemaRef ds:uri="http://schemas.microsoft.com/office/infopath/2007/PartnerControls"/>
+    <ds:schemaRef ds:uri="http://purl.org/dc/terms/"/>
+    <ds:schemaRef ds:uri="10202d72-3646-4d36-9cf4-1feba2c78df0"/>
+    <ds:schemaRef ds:uri="http://www.w3.org/XML/1998/namespace"/>
+    <ds:schemaRef ds:uri="http://schemas.microsoft.com/office/2006/metadata/properties"/>
+    <ds:schemaRef ds:uri="http://schemas.openxmlformats.org/package/2006/metadata/core-properties"/>
+    <ds:schemaRef ds:uri="http://purl.org/dc/elements/1.1/"/>
+  </ds:schemaRefs>
+</ds:datastoreItem>
 </file>
--- a/Rapport_Projet_V1.pptx
+++ b/Rapport_Projet_V1.pptx
@@ -15,8 +15,8 @@
     <p:sldId id="264" r:id="rId9"/>
     <p:sldId id="262" r:id="rId10"/>
     <p:sldId id="268" r:id="rId11"/>
-    <p:sldId id="269" r:id="rId12"/>
-    <p:sldId id="276" r:id="rId13"/>
+    <p:sldId id="281" r:id="rId12"/>
+    <p:sldId id="280" r:id="rId13"/>
     <p:sldId id="270" r:id="rId14"/>
     <p:sldId id="274" r:id="rId15"/>
     <p:sldId id="273" r:id="rId16"/>
@@ -2480,8 +2480,8 @@
       <pc:docMk xmlns:pc="http://schemas.microsoft.com/office/powerpoint/2013/main/command"/>
       <pc:sldMk xmlns:pc="http://schemas.microsoft.com/office/powerpoint/2013/main/command" cId="2767786287" sldId="257"/>
       <ac:spMk id="3" creationId="{57846E6E-541E-C380-2EC3-91AF5BEE61F6}"/>
-      <ac:txMk cp="581" len="55">
-        <ac:context len="1227" hash="768600176"/>
+      <ac:txMk cp="580" len="55">
+        <ac:context len="1223" hash="775906197"/>
       </ac:txMk>
     </ac:txMkLst>
     <p188:pos x="10500360" y="1635760"/>
@@ -2525,32 +2525,6 @@
 </p188:cmLst>
 </file>
 
-<file path=ppt/comments/modernComment_10B_22F9F6A7.xml><?xml version="1.0" encoding="utf-8"?>
-<p188:cmLst xmlns:a="http://schemas.openxmlformats.org/drawingml/2006/main" xmlns:r="http://schemas.openxmlformats.org/officeDocument/2006/relationships" xmlns:p188="http://schemas.microsoft.com/office/powerpoint/2018/8/main">
-  <p188:cm id="{ED1E7CC7-23DC-409A-ADBD-8DFA31D60112}" authorId="{4BB11620-EFBC-D13A-7B93-45F2C922ABDE}" created="2024-04-06T22:11:07.088">
-    <ac:txMkLst xmlns:ac="http://schemas.microsoft.com/office/drawing/2013/main/command">
-      <pc:docMk xmlns:pc="http://schemas.microsoft.com/office/powerpoint/2013/main/command"/>
-      <pc:sldMk xmlns:pc="http://schemas.microsoft.com/office/powerpoint/2013/main/command" cId="586806951" sldId="267"/>
-      <ac:spMk id="3" creationId="{57846E6E-541E-C380-2EC3-91AF5BEE61F6}"/>
-      <ac:txMk cp="90" len="4">
-        <ac:context len="725" hash="820362600"/>
-      </ac:txMk>
-    </ac:txMkLst>
-    <p188:pos x="9528313" y="281609"/>
-    <p188:txBody>
-      <a:bodyPr/>
-      <a:lstStyle/>
-      <a:p>
-        <a:r>
-          <a:rPr lang="en-CA"/>
-          <a:t>Right?</a:t>
-        </a:r>
-      </a:p>
-    </p188:txBody>
-  </p188:cm>
-</p188:cmLst>
-</file>
-
 <file path=ppt/comments/modernComment_10C_2EECC42B.xml><?xml version="1.0" encoding="utf-8"?>
 <p188:cmLst xmlns:a="http://schemas.openxmlformats.org/drawingml/2006/main" xmlns:r="http://schemas.openxmlformats.org/officeDocument/2006/relationships" xmlns:p188="http://schemas.microsoft.com/office/powerpoint/2018/8/main">
   <p188:cm id="{FB552410-3568-487C-A036-1B1A7AA6A6BA}" authorId="{4BB11620-EFBC-D13A-7B93-45F2C922ABDE}" created="2024-04-06T22:20:24.107">
@@ -2577,53 +2551,6 @@
 </p188:cmLst>
 </file>
 
-<file path=ppt/comments/modernComment_10D_7E349E36.xml><?xml version="1.0" encoding="utf-8"?>
-<p188:cmLst xmlns:a="http://schemas.openxmlformats.org/drawingml/2006/main" xmlns:r="http://schemas.openxmlformats.org/officeDocument/2006/relationships" xmlns:p188="http://schemas.microsoft.com/office/powerpoint/2018/8/main">
-  <p188:cm id="{E5CD4D06-CBC4-4BBD-8A2F-2389111330B6}" authorId="{4BB11620-EFBC-D13A-7B93-45F2C922ABDE}" created="2024-04-06T22:52:32.116">
-    <ac:txMkLst xmlns:ac="http://schemas.microsoft.com/office/drawing/2013/main/command">
-      <pc:docMk xmlns:pc="http://schemas.microsoft.com/office/powerpoint/2013/main/command"/>
-      <pc:sldMk xmlns:pc="http://schemas.microsoft.com/office/powerpoint/2013/main/command" cId="2117377590" sldId="269"/>
-      <ac:spMk id="3" creationId="{57846E6E-541E-C380-2EC3-91AF5BEE61F6}"/>
-      <ac:txMk cp="1128" len="139">
-        <ac:context len="1357" hash="2915259097"/>
-      </ac:txMk>
-    </ac:txMkLst>
-    <p188:pos x="10184296" y="4306209"/>
-    <p188:txBody>
-      <a:bodyPr/>
-      <a:lstStyle/>
-      <a:p>
-        <a:r>
-          <a:rPr lang="en-CA"/>
-          <a:t>Est ce d'apres l'ordre des elements ou la formule de tomishenko qu'on a l'ordre 2?</a:t>
-        </a:r>
-      </a:p>
-    </p188:txBody>
-  </p188:cm>
-  <p188:cm id="{37F27A8D-EFA0-4410-B6C6-D9B44291E8C0}" authorId="{4BB11620-EFBC-D13A-7B93-45F2C922ABDE}" created="2024-04-06T23:02:52.806">
-    <ac:txMkLst xmlns:ac="http://schemas.microsoft.com/office/drawing/2013/main/command">
-      <pc:docMk xmlns:pc="http://schemas.microsoft.com/office/powerpoint/2013/main/command"/>
-      <pc:sldMk xmlns:pc="http://schemas.microsoft.com/office/powerpoint/2013/main/command" cId="2117377590" sldId="269"/>
-      <ac:spMk id="3" creationId="{57846E6E-541E-C380-2EC3-91AF5BEE61F6}"/>
-      <ac:txMk cp="255" len="67">
-        <ac:context len="1357" hash="2915259097"/>
-      </ac:txMk>
-    </ac:txMkLst>
-    <p188:pos x="8564217" y="748000"/>
-    <p188:txBody>
-      <a:bodyPr/>
-      <a:lstStyle/>
-      <a:p>
-        <a:r>
-          <a:rPr lang="en-CA"/>
-          <a:t>Qq1 peut confirmer?</a:t>
-        </a:r>
-      </a:p>
-    </p188:txBody>
-  </p188:cm>
-</p188:cmLst>
-</file>
-
 <file path=ppt/comments/modernComment_116_FD4FE663.xml><?xml version="1.0" encoding="utf-8"?>
 <p188:cmLst xmlns:a="http://schemas.openxmlformats.org/drawingml/2006/main" xmlns:r="http://schemas.openxmlformats.org/officeDocument/2006/relationships" xmlns:p188="http://schemas.microsoft.com/office/powerpoint/2018/8/main">
   <p188:cm id="{F2F0F44A-F931-466A-8B0E-614C350DBF7A}" authorId="{4BB11620-EFBC-D13A-7B93-45F2C922ABDE}" created="2024-04-07T04:29:07.183">
@@ -2633,8 +2560,8 @@
       <ac:graphicFrameMk id="4" creationId="{D67ADBAC-41C2-11B1-F6EC-DFFF95454C8C}"/>
       <ac:tblMk/>
       <ac:tcMk rowId="833508316" colId="4265653216"/>
-      <ac:txMk cp="0" len="2">
-        <ac:context len="3" hash="134653"/>
+      <ac:txMk cp="0" len="1">
+        <ac:context len="9" hash="1769128075"/>
       </ac:txMk>
     </ac:txMkLst>
     <p188:pos x="1871649" y="650240"/>
@@ -2666,6 +2593,67 @@
         <a:r>
           <a:rPr lang="en-CA"/>
           <a:t>@Alexandre je n'ai pas trouv l'info dans l'article, y a t-t-il une autre source? Ou bien j'ai mal lu</a:t>
+        </a:r>
+      </a:p>
+    </p188:txBody>
+  </p188:cm>
+</p188:cmLst>
+</file>
+
+<file path=ppt/comments/modernComment_119_D4A1683D.xml><?xml version="1.0" encoding="utf-8"?>
+<p188:cmLst xmlns:a="http://schemas.openxmlformats.org/drawingml/2006/main" xmlns:r="http://schemas.openxmlformats.org/officeDocument/2006/relationships" xmlns:p188="http://schemas.microsoft.com/office/powerpoint/2018/8/main">
+  <p188:cm id="{E5CD4D06-CBC4-4BBD-8A2F-2389111330B6}" authorId="{4BB11620-EFBC-D13A-7B93-45F2C922ABDE}" created="2024-04-06T22:52:32.116">
+    <ac:txMkLst xmlns:ac="http://schemas.microsoft.com/office/drawing/2013/main/command">
+      <pc:docMk xmlns:pc="http://schemas.microsoft.com/office/powerpoint/2013/main/command"/>
+      <pc:sldMk xmlns:pc="http://schemas.microsoft.com/office/powerpoint/2013/main/command" cId="3567347773" sldId="281"/>
+      <ac:spMk id="3" creationId="{57846E6E-541E-C380-2EC3-91AF5BEE61F6}"/>
+      <ac:txMk cp="1128" len="139">
+        <ac:context len="1357" hash="2915259097"/>
+      </ac:txMk>
+    </ac:txMkLst>
+    <p188:pos x="10184296" y="4306209"/>
+    <p188:replyLst>
+      <p188:reply id="{5BB1BFE5-C6BD-4BCE-B02D-C23A120FE53D}" authorId="{E68F2F47-82E5-2BC7-0FEC-4F4EC863DDC3}" created="2024-04-07T20:42:42.607">
+        <p188:txBody>
+          <a:bodyPr/>
+          <a:lstStyle/>
+          <a:p>
+            <a:r>
+              <a:rPr lang="fr-FR"/>
+              <a:t>L'ordre des elements +1</a:t>
+            </a:r>
+          </a:p>
+        </p188:txBody>
+      </p188:reply>
+    </p188:replyLst>
+    <p188:txBody>
+      <a:bodyPr/>
+      <a:lstStyle/>
+      <a:p>
+        <a:r>
+          <a:rPr lang="en-CA"/>
+          <a:t>Est ce d'apres l'ordre des elements ou la formule de tomishenko qu'on a l'ordre 2?</a:t>
+        </a:r>
+      </a:p>
+    </p188:txBody>
+  </p188:cm>
+  <p188:cm id="{37F27A8D-EFA0-4410-B6C6-D9B44291E8C0}" authorId="{4BB11620-EFBC-D13A-7B93-45F2C922ABDE}" created="2024-04-06T23:02:52.806">
+    <ac:txMkLst xmlns:ac="http://schemas.microsoft.com/office/drawing/2013/main/command">
+      <pc:docMk xmlns:pc="http://schemas.microsoft.com/office/powerpoint/2013/main/command"/>
+      <pc:sldMk xmlns:pc="http://schemas.microsoft.com/office/powerpoint/2013/main/command" cId="3567347773" sldId="281"/>
+      <ac:spMk id="3" creationId="{57846E6E-541E-C380-2EC3-91AF5BEE61F6}"/>
+      <ac:txMk cp="255" len="67">
+        <ac:context len="1357" hash="2915259097"/>
+      </ac:txMk>
+    </ac:txMkLst>
+    <p188:pos x="8564217" y="748000"/>
+    <p188:txBody>
+      <a:bodyPr/>
+      <a:lstStyle/>
+      <a:p>
+        <a:r>
+          <a:rPr lang="en-CA"/>
+          <a:t>Qq1 peut confirmer?</a:t>
         </a:r>
       </a:p>
     </p188:txBody>
@@ -2755,7 +2743,7 @@
           <a:p>
             <a:fld id="{DAB5DE69-65B2-445A-B9D2-BC2BC199D49F}" type="datetimeFigureOut">
               <a:rPr lang="en-CA" smtClean="0"/>
-              <a:t>2024-04-07</a:t>
+              <a:t>2024-04-08</a:t>
             </a:fld>
             <a:endParaRPr lang="en-CA"/>
           </a:p>
@@ -3172,7 +3160,7 @@
           <a:p>
             <a:fld id="{CF633E34-DD75-4254-AB88-C9D2090F6CC5}" type="datetimeFigureOut">
               <a:rPr lang="en-CA" smtClean="0"/>
-              <a:t>2024-04-07</a:t>
+              <a:t>2024-04-08</a:t>
             </a:fld>
             <a:endParaRPr lang="en-CA"/>
           </a:p>
@@ -3372,7 +3360,7 @@
           <a:p>
             <a:fld id="{CF633E34-DD75-4254-AB88-C9D2090F6CC5}" type="datetimeFigureOut">
               <a:rPr lang="en-CA" smtClean="0"/>
-              <a:t>2024-04-07</a:t>
+              <a:t>2024-04-08</a:t>
             </a:fld>
             <a:endParaRPr lang="en-CA"/>
           </a:p>
@@ -3582,7 +3570,7 @@
           <a:p>
             <a:fld id="{CF633E34-DD75-4254-AB88-C9D2090F6CC5}" type="datetimeFigureOut">
               <a:rPr lang="en-CA" smtClean="0"/>
-              <a:t>2024-04-07</a:t>
+              <a:t>2024-04-08</a:t>
             </a:fld>
             <a:endParaRPr lang="en-CA"/>
           </a:p>
@@ -3782,7 +3770,7 @@
           <a:p>
             <a:fld id="{CF633E34-DD75-4254-AB88-C9D2090F6CC5}" type="datetimeFigureOut">
               <a:rPr lang="en-CA" smtClean="0"/>
-              <a:t>2024-04-07</a:t>
+              <a:t>2024-04-08</a:t>
             </a:fld>
             <a:endParaRPr lang="en-CA"/>
           </a:p>
@@ -4058,7 +4046,7 @@
           <a:p>
             <a:fld id="{CF633E34-DD75-4254-AB88-C9D2090F6CC5}" type="datetimeFigureOut">
               <a:rPr lang="en-CA" smtClean="0"/>
-              <a:t>2024-04-07</a:t>
+              <a:t>2024-04-08</a:t>
             </a:fld>
             <a:endParaRPr lang="en-CA"/>
           </a:p>
@@ -4326,7 +4314,7 @@
           <a:p>
             <a:fld id="{CF633E34-DD75-4254-AB88-C9D2090F6CC5}" type="datetimeFigureOut">
               <a:rPr lang="en-CA" smtClean="0"/>
-              <a:t>2024-04-07</a:t>
+              <a:t>2024-04-08</a:t>
             </a:fld>
             <a:endParaRPr lang="en-CA"/>
           </a:p>
@@ -4741,7 +4729,7 @@
           <a:p>
             <a:fld id="{CF633E34-DD75-4254-AB88-C9D2090F6CC5}" type="datetimeFigureOut">
               <a:rPr lang="en-CA" smtClean="0"/>
-              <a:t>2024-04-07</a:t>
+              <a:t>2024-04-08</a:t>
             </a:fld>
             <a:endParaRPr lang="en-CA"/>
           </a:p>
@@ -4883,7 +4871,7 @@
           <a:p>
             <a:fld id="{CF633E34-DD75-4254-AB88-C9D2090F6CC5}" type="datetimeFigureOut">
               <a:rPr lang="en-CA" smtClean="0"/>
-              <a:t>2024-04-07</a:t>
+              <a:t>2024-04-08</a:t>
             </a:fld>
             <a:endParaRPr lang="en-CA"/>
           </a:p>
@@ -4996,7 +4984,7 @@
           <a:p>
             <a:fld id="{CF633E34-DD75-4254-AB88-C9D2090F6CC5}" type="datetimeFigureOut">
               <a:rPr lang="en-CA" smtClean="0"/>
-              <a:t>2024-04-07</a:t>
+              <a:t>2024-04-08</a:t>
             </a:fld>
             <a:endParaRPr lang="en-CA"/>
           </a:p>
@@ -5309,7 +5297,7 @@
           <a:p>
             <a:fld id="{CF633E34-DD75-4254-AB88-C9D2090F6CC5}" type="datetimeFigureOut">
               <a:rPr lang="en-CA" smtClean="0"/>
-              <a:t>2024-04-07</a:t>
+              <a:t>2024-04-08</a:t>
             </a:fld>
             <a:endParaRPr lang="en-CA"/>
           </a:p>
@@ -5598,7 +5586,7 @@
           <a:p>
             <a:fld id="{CF633E34-DD75-4254-AB88-C9D2090F6CC5}" type="datetimeFigureOut">
               <a:rPr lang="en-CA" smtClean="0"/>
-              <a:t>2024-04-07</a:t>
+              <a:t>2024-04-08</a:t>
             </a:fld>
             <a:endParaRPr lang="en-CA"/>
           </a:p>
@@ -5841,7 +5829,7 @@
           <a:p>
             <a:fld id="{CF633E34-DD75-4254-AB88-C9D2090F6CC5}" type="datetimeFigureOut">
               <a:rPr lang="en-CA" smtClean="0"/>
-              <a:t>2024-04-07</a:t>
+              <a:t>2024-04-08</a:t>
             </a:fld>
             <a:endParaRPr lang="en-CA"/>
           </a:p>
@@ -7637,8 +7625,8 @@
           </a:p>
         </p:txBody>
       </p:sp>
-      <mc:AlternateContent xmlns:mc="http://schemas.openxmlformats.org/markup-compatibility/2006">
-        <mc:Choice xmlns:a14="http://schemas.microsoft.com/office/drawing/2010/main" Requires="a14">
+      <mc:AlternateContent xmlns:mc="http://schemas.openxmlformats.org/markup-compatibility/2006" xmlns:a14="http://schemas.microsoft.com/office/drawing/2010/main">
+        <mc:Choice Requires="a14">
           <p:sp>
             <p:nvSpPr>
               <p:cNvPr id="3" name="Content Placeholder 2">
@@ -8257,7 +8245,7 @@
             </p:txBody>
           </p:sp>
         </mc:Choice>
-        <mc:Fallback>
+        <mc:Fallback xmlns="">
           <p:sp>
             <p:nvSpPr>
               <p:cNvPr id="3" name="Content Placeholder 2">
@@ -9409,8 +9397,8 @@
           </a:p>
         </p:txBody>
       </p:sp>
-      <mc:AlternateContent xmlns:mc="http://schemas.openxmlformats.org/markup-compatibility/2006" xmlns:a14="http://schemas.microsoft.com/office/drawing/2010/main">
-        <mc:Choice Requires="a14">
+      <mc:AlternateContent xmlns:mc="http://schemas.openxmlformats.org/markup-compatibility/2006">
+        <mc:Choice xmlns:a14="http://schemas.microsoft.com/office/drawing/2010/main" Requires="a14">
           <p:sp>
             <p:nvSpPr>
               <p:cNvPr id="3" name="Content Placeholder 2">
@@ -9479,7 +9467,19 @@
                 </a:pPr>
                 <a:r>
                   <a:rPr lang="fr-FR" sz="1700" dirty="0"/>
-                  <a:t>On compare le résultat de la déflexion obtenue par simulation pour F=200N, avec la valeur expérimentale  de la déflexion mesurée à cette même force (résultat figurant dans l’article de référence):</a:t>
+                  <a:t>On compare le résultat de la déflexion obtenue par simulation pour </a:t>
+                </a:r>
+                <a:r>
+                  <a:rPr lang="fr-FR" sz="1700" dirty="0">
+                    <a:solidFill>
+                      <a:srgbClr val="FF0000"/>
+                    </a:solidFill>
+                  </a:rPr>
+                  <a:t>F=150N</a:t>
+                </a:r>
+                <a:r>
+                  <a:rPr lang="fr-FR" sz="1700" dirty="0"/>
+                  <a:t>, avec la valeur expérimentale  de la déflexion mesurée à cette même force (résultat figurant dans l’article de référence):</a:t>
                 </a:r>
               </a:p>
               <a:p>
@@ -10088,7 +10088,7 @@
             </p:txBody>
           </p:sp>
         </mc:Choice>
-        <mc:Fallback xmlns="">
+        <mc:Fallback>
           <p:sp>
             <p:nvSpPr>
               <p:cNvPr id="3" name="Content Placeholder 2">
@@ -10149,7 +10149,7 @@
               <p:nvPr>
                 <p:extLst>
                   <p:ext uri="{D42A27DB-BD31-4B8C-83A1-F6EECF244321}">
-                    <p14:modId xmlns:p14="http://schemas.microsoft.com/office/powerpoint/2010/main" val="3659098673"/>
+                    <p14:modId xmlns:p14="http://schemas.microsoft.com/office/powerpoint/2010/main" val="138240644"/>
                   </p:ext>
                 </p:extLst>
               </p:nvPr>
@@ -10195,6 +10195,9 @@
                               <m:oMath xmlns:m="http://schemas.openxmlformats.org/officeDocument/2006/math">
                                 <m:r>
                                   <a:rPr lang="en-CA" i="1" dirty="0" smtClean="0">
+                                    <a:solidFill>
+                                      <a:srgbClr val="FF0000"/>
+                                    </a:solidFill>
                                     <a:latin typeface="Cambria Math" panose="02040503050406030204" pitchFamily="18" charset="0"/>
                                   </a:rPr>
                                   <m:t>𝑆</m:t>
@@ -10202,7 +10205,11 @@
                               </m:oMath>
                             </m:oMathPara>
                           </a14:m>
-                          <a:endParaRPr lang="en-CA" dirty="0"/>
+                          <a:endParaRPr lang="en-CA" dirty="0">
+                            <a:solidFill>
+                              <a:srgbClr val="FF0000"/>
+                            </a:solidFill>
+                          </a:endParaRPr>
                         </a:p>
                       </a:txBody>
                       <a:tcPr/>
@@ -10214,11 +10221,14 @@
                         <a:p>
                           <a:r>
                             <a:rPr lang="en-CA" b="1" dirty="0">
+                              <a:solidFill>
+                                <a:srgbClr val="FF0000"/>
+                              </a:solidFill>
                               <a:highlight>
                                 <a:srgbClr val="FFFF00"/>
                               </a:highlight>
                             </a:rPr>
-                            <a:t>xx</a:t>
+                            <a:t>18.88 mm</a:t>
                           </a:r>
                         </a:p>
                       </a:txBody>
@@ -10268,7 +10278,7 @@
                                 <a:srgbClr val="FFFF00"/>
                               </a:highlight>
                             </a:rPr>
-                            <a:t>xx</a:t>
+                            <a:t>17.86 mm</a:t>
                           </a:r>
                         </a:p>
                       </a:txBody>
@@ -10391,7 +10401,7 @@
               <p:nvPr>
                 <p:extLst>
                   <p:ext uri="{D42A27DB-BD31-4B8C-83A1-F6EECF244321}">
-                    <p14:modId xmlns:p14="http://schemas.microsoft.com/office/powerpoint/2010/main" val="3659098673"/>
+                    <p14:modId xmlns:p14="http://schemas.microsoft.com/office/powerpoint/2010/main" val="138240644"/>
                   </p:ext>
                 </p:extLst>
               </p:nvPr>
@@ -10447,11 +10457,14 @@
                         <a:p>
                           <a:r>
                             <a:rPr lang="en-CA" b="1" dirty="0">
+                              <a:solidFill>
+                                <a:srgbClr val="FF0000"/>
+                              </a:solidFill>
                               <a:highlight>
                                 <a:srgbClr val="FFFF00"/>
                               </a:highlight>
                             </a:rPr>
-                            <a:t>xx</a:t>
+                            <a:t>18.88 mm</a:t>
                           </a:r>
                         </a:p>
                       </a:txBody>
@@ -10492,7 +10505,7 @@
                                 <a:srgbClr val="FFFF00"/>
                               </a:highlight>
                             </a:rPr>
-                            <a:t>xx</a:t>
+                            <a:t>17.86 mm</a:t>
                           </a:r>
                         </a:p>
                       </a:txBody>
@@ -10786,7 +10799,7 @@
             </a:r>
             <a:r>
               <a:rPr lang="en-US" sz="1600" i="1" dirty="0"/>
-              <a:t> Stability of the human spine in  neutral postures. European Spine Journal</a:t>
+              <a:t> Stability of the human spine in neutral postures. European Spine Journal</a:t>
             </a:r>
             <a:r>
               <a:rPr lang="fr-FR" sz="1600" i="1" dirty="0"/>
@@ -10834,15 +10847,7 @@
             </a:pPr>
             <a:r>
               <a:rPr lang="fr-CA" sz="1600" dirty="0"/>
-              <a:t>En guise de validation lors du PI3, le membre de l’équipe avait simplement comparé visuellement l’allure et les ordres de grandeur des réponses obtenues par son modèle avec les courbes Force-</a:t>
-            </a:r>
-            <a:r>
-              <a:rPr lang="fr-CA" sz="1600" dirty="0" err="1"/>
-              <a:t>Déplacment</a:t>
-            </a:r>
-            <a:r>
-              <a:rPr lang="fr-CA" sz="1600" dirty="0"/>
-              <a:t> de l’article scientifique. Le projet final de MEC8211 est ainsi l’occasion idéale pour appliquer les acquis du cours et mettre à l’épreuve la validité de son modèle.</a:t>
+              <a:t>En guise de validation lors du PI3, le membre de l’équipe avait simplement comparé visuellement l’allure et les ordres de grandeur des réponses obtenues par son modèle avec les courbes Force-Déplacement de l’article scientifique. Le projet final de MEC8211 est ainsi l’occasion idéale pour appliquer les acquis du cours et mettre à l’épreuve la validité du modèle.</a:t>
             </a:r>
           </a:p>
           <a:p>
@@ -11023,8 +11028,8 @@
           <a:chExt cx="0" cy="0"/>
         </a:xfrm>
       </p:grpSpPr>
-      <mc:AlternateContent xmlns:mc="http://schemas.openxmlformats.org/markup-compatibility/2006" xmlns:a14="http://schemas.microsoft.com/office/drawing/2010/main">
-        <mc:Choice Requires="a14">
+      <mc:AlternateContent xmlns:mc="http://schemas.openxmlformats.org/markup-compatibility/2006">
+        <mc:Choice xmlns:a14="http://schemas.microsoft.com/office/drawing/2010/main" Requires="a14">
           <p:sp>
             <p:nvSpPr>
               <p:cNvPr id="3" name="Content Placeholder 2">
@@ -11063,7 +11068,7 @@
                   <a:rPr lang="fr-CA" sz="1600" dirty="0">
                     <a:latin typeface="Aptos "/>
                   </a:rPr>
-                  <a:t>La modélisation de la colonne vertébrale a été réalisée sur le logiciel SimCenter 3D en utilisant des éléments de type poutre (BEAM) ainsi que des éléments RBE2 permettant d’ajouter une rigidité infinie entre deux nœuds. La modélisation de la colonne vertébrale ce fait donc par un agencement d’éléments poutre et d’éléments RBE2.</a:t>
+                  <a:t>La modélisation de la colonne vertébrale a été réalisée sur le logiciel SimCenter 3D en utilisant des éléments de type poutre (BEAM) ainsi que des éléments RBE2 permettant d’ajouter une rigidité infinie entre deux nœuds. La modélisation de la colonne vertébrale se fait donc par un agencement d’éléments poutre et d’éléments RBE2.</a:t>
                 </a:r>
                 <a:endParaRPr lang="en-CA" sz="1600" dirty="0">
                   <a:latin typeface="Aptos "/>
@@ -11074,6 +11079,9 @@
                   <a:lnSpc>
                     <a:spcPct val="110000"/>
                   </a:lnSpc>
+                  <a:spcAft>
+                    <a:spcPts val="800"/>
+                  </a:spcAft>
                   <a:buNone/>
                 </a:pPr>
                 <a:r>
@@ -11110,7 +11118,7 @@
                   <a:rPr lang="fr-CA" sz="1600" dirty="0">
                     <a:latin typeface="Aptos "/>
                   </a:rPr>
-                  <a:t>utilisé pour la modélisation des éléments poutre (PBEAM) sur SimCenter 3D est le modèle de poutre de Timoshenko soit:</a:t>
+                  <a:t>utilisé pour la modélisation des éléments poutre (PBEAM) sur SimCenter 3D est le modèle de poutre de Timoshenko dont l’équation différentielle est d’ordre 2:</a:t>
                 </a:r>
               </a:p>
               <a:p>
@@ -11616,7 +11624,7 @@
             </p:txBody>
           </p:sp>
         </mc:Choice>
-        <mc:Fallback xmlns="">
+        <mc:Fallback>
           <p:sp>
             <p:nvSpPr>
               <p:cNvPr id="3" name="Content Placeholder 2">
@@ -11641,7 +11649,7 @@
               <a:blipFill>
                 <a:blip r:embed="rId2"/>
                 <a:stretch>
-                  <a:fillRect l="-232" t="-223" r="-174"/>
+                  <a:fillRect l="-232" t="-223" r="-174" b="-111"/>
                 </a:stretch>
               </a:blipFill>
             </p:spPr>
@@ -11841,7 +11849,7 @@
           <p:nvPr/>
         </p:nvPicPr>
         <p:blipFill>
-          <a:blip r:embed="rId3"/>
+          <a:blip r:embed="rId2"/>
           <a:stretch>
             <a:fillRect/>
           </a:stretch>
@@ -11922,7 +11930,7 @@
           <p:nvPr/>
         </p:nvPicPr>
         <p:blipFill>
-          <a:blip r:embed="rId4">
+          <a:blip r:embed="rId3">
             <a:extLst>
               <a:ext uri="{28A0092B-C50C-407E-A947-70E740481C1C}">
                 <a14:useLocalDpi xmlns:a14="http://schemas.microsoft.com/office/drawing/2010/main" val="0"/>
@@ -11964,11 +11972,6 @@
   <p:clrMapOvr>
     <a:masterClrMapping/>
   </p:clrMapOvr>
-  <p:extLst>
-    <p:ext uri="{6950BFC3-D8DA-4A85-94F7-54DA5524770B}">
-      <p188:commentRel xmlns:p188="http://schemas.microsoft.com/office/powerpoint/2018/8/main" r:id="rId2"/>
-    </p:ext>
-  </p:extLst>
 </p:sld>
 </file>
 
@@ -12336,7 +12339,7 @@
               <a:buNone/>
             </a:pPr>
             <a:r>
-              <a:rPr lang="en-CA" sz="1800">
+              <a:rPr lang="en-CA" sz="1800" dirty="0">
                 <a:highlight>
                   <a:srgbClr val="FFFF00"/>
                 </a:highlight>
@@ -12344,7 +12347,7 @@
               <a:t>Elements </a:t>
             </a:r>
             <a:r>
-              <a:rPr lang="en-CA" sz="1800" err="1">
+              <a:rPr lang="en-CA" sz="1800" dirty="0" err="1">
                 <a:highlight>
                   <a:srgbClr val="FFFF00"/>
                 </a:highlight>
@@ -12352,7 +12355,7 @@
               <a:t>d'ordre</a:t>
             </a:r>
             <a:r>
-              <a:rPr lang="en-CA" sz="1800">
+              <a:rPr lang="en-CA" sz="1800" dirty="0">
                 <a:highlight>
                   <a:srgbClr val="FFFF00"/>
                 </a:highlight>
@@ -12360,7 +12363,7 @@
               <a:t> 2 avec interpolation </a:t>
             </a:r>
             <a:r>
-              <a:rPr lang="en-CA" sz="1800" err="1">
+              <a:rPr lang="en-CA" sz="1800" dirty="0" err="1">
                 <a:highlight>
                   <a:srgbClr val="FFFF00"/>
                 </a:highlight>
@@ -12368,7 +12371,7 @@
               <a:t>lineaire</a:t>
             </a:r>
             <a:r>
-              <a:rPr lang="en-CA" sz="1800">
+              <a:rPr lang="en-CA" sz="1800" dirty="0">
                 <a:highlight>
                   <a:srgbClr val="FFFF00"/>
                 </a:highlight>
@@ -12376,13 +12379,18 @@
               <a:t> entre les </a:t>
             </a:r>
             <a:r>
-              <a:rPr lang="en-CA" sz="1800" err="1">
+              <a:rPr lang="en-CA" sz="1800" dirty="0" err="1">
                 <a:highlight>
                   <a:srgbClr val="FFFF00"/>
                 </a:highlight>
               </a:rPr>
               <a:t>noeuds</a:t>
             </a:r>
+            <a:endParaRPr lang="en-CA" sz="1800" dirty="0">
+              <a:highlight>
+                <a:srgbClr val="FFFF00"/>
+              </a:highlight>
+            </a:endParaRPr>
           </a:p>
         </p:txBody>
       </p:sp>
@@ -12497,7 +12505,7 @@
             </a:r>
           </a:p>
           <a:p>
-            <a:pPr marL="0" indent="0">
+            <a:pPr marL="0" indent="0" algn="just">
               <a:buNone/>
             </a:pPr>
             <a:r>
@@ -12604,8 +12612,8 @@
           </a:p>
         </p:txBody>
       </p:sp>
-      <mc:AlternateContent xmlns:mc="http://schemas.openxmlformats.org/markup-compatibility/2006">
-        <mc:Choice xmlns:a14="http://schemas.microsoft.com/office/drawing/2010/main" Requires="a14">
+      <mc:AlternateContent xmlns:mc="http://schemas.openxmlformats.org/markup-compatibility/2006" xmlns:a14="http://schemas.microsoft.com/office/drawing/2010/main">
+        <mc:Choice Requires="a14">
           <p:sp>
             <p:nvSpPr>
               <p:cNvPr id="3" name="Content Placeholder 2">
@@ -12642,19 +12650,7 @@
                 </a:pPr>
                 <a:r>
                   <a:rPr lang="fr-CA" sz="1800" dirty="0"/>
-                  <a:t>Afin d’effectuer la vérification de solution et trouver la meilleure solution ou donner un intervalle d’incertitude sur la solution, il faut commencer par établir l’ordre de convergence observée pour le cas de la partie lombaire de la colonne vertébrale. On fixe la donnée d’entrée à</a:t>
-                </a:r>
-                <a:r>
-                  <a:rPr lang="fr-CA" sz="1800" dirty="0">
-                    <a:highlight>
-                      <a:srgbClr val="FFFF00"/>
-                    </a:highlight>
-                  </a:rPr>
-                  <a:t> F=200N </a:t>
-                </a:r>
-                <a:r>
-                  <a:rPr lang="fr-CA" sz="1800" dirty="0"/>
-                  <a:t>pour effectuer la vérification.</a:t>
+                  <a:t>Afin d’effectuer la vérification de solution et trouver la meilleure solution ou donner un intervalle d’incertitude sur la solution, il faut commencer par établir l’ordre de convergence observée pour le cas de la partie lombaire de la colonne vertébrale. On fixe la donnée d’entrée à F=200N pour effectuer la vérification.</a:t>
                 </a:r>
               </a:p>
               <a:p>
@@ -13152,7 +13148,7 @@
             </p:txBody>
           </p:sp>
         </mc:Choice>
-        <mc:Fallback>
+        <mc:Fallback xmlns="">
           <p:sp>
             <p:nvSpPr>
               <p:cNvPr id="3" name="Content Placeholder 2">
@@ -13208,17 +13204,11 @@
           <p:cNvGraphicFramePr>
             <a:graphicFrameLocks noGrp="1"/>
           </p:cNvGraphicFramePr>
-          <p:nvPr>
-            <p:extLst>
-              <p:ext uri="{D42A27DB-BD31-4B8C-83A1-F6EECF244321}">
-                <p14:modId xmlns:p14="http://schemas.microsoft.com/office/powerpoint/2010/main" val="1157605058"/>
-              </p:ext>
-            </p:extLst>
-          </p:nvPr>
+          <p:nvPr/>
         </p:nvGraphicFramePr>
         <p:xfrm>
-          <a:off x="947528" y="4172647"/>
-          <a:ext cx="4220819" cy="2293128"/>
+          <a:off x="838200" y="4172647"/>
+          <a:ext cx="4038600" cy="2113935"/>
         </p:xfrm>
         <a:graphic>
           <a:graphicData uri="http://schemas.openxmlformats.org/drawingml/2006/table">
@@ -13227,21 +13217,14 @@
                 <a:tableStyleId>{073A0DAA-6AF3-43AB-8588-CEC1D06C72B9}</a:tableStyleId>
               </a:tblPr>
               <a:tblGrid>
-                <a:gridCol w="1200190">
-                  <a:extLst>
-                    <a:ext uri="{9D8B030D-6E8A-4147-A177-3AD203B41FA5}">
-                      <a16:colId xmlns:a16="http://schemas.microsoft.com/office/drawing/2014/main" val="492793411"/>
-                    </a:ext>
-                  </a:extLst>
-                </a:gridCol>
-                <a:gridCol w="1330978">
+                <a:gridCol w="1404731">
                   <a:extLst>
                     <a:ext uri="{9D8B030D-6E8A-4147-A177-3AD203B41FA5}">
                       <a16:colId xmlns:a16="http://schemas.microsoft.com/office/drawing/2014/main" val="3415350444"/>
                     </a:ext>
                   </a:extLst>
                 </a:gridCol>
-                <a:gridCol w="1689651">
+                <a:gridCol w="2633869">
                   <a:extLst>
                     <a:ext uri="{9D8B030D-6E8A-4147-A177-3AD203B41FA5}">
                       <a16:colId xmlns:a16="http://schemas.microsoft.com/office/drawing/2014/main" val="2443206338"/>
@@ -13257,40 +13240,13 @@
                     <a:p>
                       <a:pPr algn="ctr" fontAlgn="ctr"/>
                       <a:r>
-                        <a:rPr lang="fr-CA" sz="1300" b="1" i="0" u="none" strike="noStrike" dirty="0">
-                          <a:solidFill>
-                            <a:schemeClr val="bg1"/>
-                          </a:solidFill>
-                          <a:effectLst/>
-                          <a:latin typeface="Calibri" panose="020F0502020204030204" pitchFamily="34" charset="0"/>
-                        </a:rPr>
-                        <a:t>Nombre d’éléments</a:t>
-                      </a:r>
-                    </a:p>
-                  </a:txBody>
-                  <a:tcPr marL="7620" marR="7620" marT="7620" marB="0" anchor="ctr">
-                    <a:solidFill>
-                      <a:schemeClr val="tx1">
-                        <a:lumMod val="50000"/>
-                        <a:lumOff val="50000"/>
-                      </a:schemeClr>
-                    </a:solidFill>
-                  </a:tcPr>
-                </a:tc>
-                <a:tc>
-                  <a:txBody>
-                    <a:bodyPr/>
-                    <a:lstStyle/>
-                    <a:p>
-                      <a:pPr algn="ctr" fontAlgn="ctr"/>
-                      <a:r>
                         <a:rPr lang="fr-CA" sz="1300" b="1" u="none" strike="noStrike" dirty="0">
                           <a:solidFill>
                             <a:schemeClr val="bg1"/>
                           </a:solidFill>
                           <a:effectLst/>
                         </a:rPr>
-                        <a:t>Taille d’élément (mm)</a:t>
+                        <a:t>Taille d’élément</a:t>
                       </a:r>
                       <a:endParaRPr lang="fr-CA" sz="1300" b="1" i="0" u="none" strike="noStrike" dirty="0">
                         <a:solidFill>
@@ -13323,7 +13279,7 @@
                           </a:solidFill>
                           <a:effectLst/>
                         </a:rPr>
-                        <a:t>Magnitude du déplacement de L1 (mm)</a:t>
+                        <a:t>Magnitude du déplacement de L1</a:t>
                       </a:r>
                       <a:endParaRPr lang="fr-FR" sz="1300" b="1" i="0" u="none" strike="noStrike" dirty="0">
                         <a:solidFill>
@@ -13357,29 +13313,6 @@
                     <a:p>
                       <a:pPr algn="ctr" fontAlgn="ctr"/>
                       <a:r>
-                        <a:rPr lang="fr-CA" sz="1300" b="0" i="0" u="none" strike="noStrike" dirty="0">
-                          <a:solidFill>
-                            <a:srgbClr val="000000"/>
-                          </a:solidFill>
-                          <a:effectLst/>
-                          <a:highlight>
-                            <a:srgbClr val="FFFF00"/>
-                          </a:highlight>
-                          <a:latin typeface="Calibri" panose="020F0502020204030204" pitchFamily="34" charset="0"/>
-                        </a:rPr>
-                        <a:t>x</a:t>
-                      </a:r>
-                    </a:p>
-                  </a:txBody>
-                  <a:tcPr marL="7620" marR="7620" marT="7620" marB="0" anchor="ctr"/>
-                </a:tc>
-                <a:tc>
-                  <a:txBody>
-                    <a:bodyPr/>
-                    <a:lstStyle/>
-                    <a:p>
-                      <a:pPr algn="ctr" fontAlgn="ctr"/>
-                      <a:r>
                         <a:rPr lang="fr-CA" sz="1300" u="none" strike="noStrike" dirty="0">
                           <a:effectLst/>
                         </a:rPr>
@@ -13406,7 +13339,7 @@
                         <a:rPr lang="fr-CA" sz="1300" u="none" strike="noStrike" dirty="0">
                           <a:effectLst/>
                         </a:rPr>
-                        <a:t>45,5</a:t>
+                        <a:t>41,54</a:t>
                       </a:r>
                       <a:endParaRPr lang="fr-CA" sz="1300" b="0" i="0" u="none" strike="noStrike" dirty="0">
                         <a:solidFill>
@@ -13426,29 +13359,6 @@
                 </a:extLst>
               </a:tr>
               <a:tr h="422787">
-                <a:tc>
-                  <a:txBody>
-                    <a:bodyPr/>
-                    <a:lstStyle/>
-                    <a:p>
-                      <a:pPr algn="ctr" fontAlgn="ctr"/>
-                      <a:r>
-                        <a:rPr lang="fr-CA" sz="1300" b="0" i="0" u="none" strike="noStrike" dirty="0">
-                          <a:solidFill>
-                            <a:srgbClr val="000000"/>
-                          </a:solidFill>
-                          <a:effectLst/>
-                          <a:highlight>
-                            <a:srgbClr val="FFFF00"/>
-                          </a:highlight>
-                          <a:latin typeface="Calibri" panose="020F0502020204030204" pitchFamily="34" charset="0"/>
-                        </a:rPr>
-                        <a:t>x</a:t>
-                      </a:r>
-                    </a:p>
-                  </a:txBody>
-                  <a:tcPr marL="7620" marR="7620" marT="7620" marB="0" anchor="ctr"/>
-                </a:tc>
                 <a:tc>
                   <a:txBody>
                     <a:bodyPr/>
@@ -13482,15 +13392,8 @@
                         <a:rPr lang="fr-CA" sz="1300" u="none" strike="noStrike" dirty="0">
                           <a:effectLst/>
                         </a:rPr>
-                        <a:t>45,71489</a:t>
+                        <a:t>41,54752469</a:t>
                       </a:r>
-                      <a:endParaRPr lang="fr-CA" sz="1300" b="0" i="0" u="none" strike="noStrike" dirty="0">
-                        <a:solidFill>
-                          <a:srgbClr val="000000"/>
-                        </a:solidFill>
-                        <a:effectLst/>
-                        <a:latin typeface="Calibri" panose="020F0502020204030204" pitchFamily="34" charset="0"/>
-                      </a:endParaRPr>
                     </a:p>
                   </a:txBody>
                   <a:tcPr marL="7620" marR="7620" marT="7620" marB="0" anchor="ctr"/>
@@ -13509,35 +13412,12 @@
                     <a:p>
                       <a:pPr algn="ctr" fontAlgn="ctr"/>
                       <a:r>
-                        <a:rPr lang="fr-CA" sz="1300" b="0" i="0" u="none" strike="noStrike" dirty="0">
-                          <a:solidFill>
-                            <a:srgbClr val="000000"/>
-                          </a:solidFill>
-                          <a:effectLst/>
-                          <a:highlight>
-                            <a:srgbClr val="FFFF00"/>
-                          </a:highlight>
-                          <a:latin typeface="Calibri" panose="020F0502020204030204" pitchFamily="34" charset="0"/>
-                        </a:rPr>
-                        <a:t>x</a:t>
-                      </a:r>
-                    </a:p>
-                  </a:txBody>
-                  <a:tcPr marL="7620" marR="7620" marT="7620" marB="0" anchor="ctr"/>
-                </a:tc>
-                <a:tc>
-                  <a:txBody>
-                    <a:bodyPr/>
-                    <a:lstStyle/>
-                    <a:p>
-                      <a:pPr algn="ctr" fontAlgn="ctr"/>
-                      <a:r>
-                        <a:rPr lang="fr-CA" sz="1300" u="none" strike="noStrike" dirty="0">
+                        <a:rPr lang="fr-CA" sz="1300" u="none" strike="noStrike">
                           <a:effectLst/>
                         </a:rPr>
                         <a:t>0,1</a:t>
                       </a:r>
-                      <a:endParaRPr lang="fr-CA" sz="1300" b="0" i="0" u="none" strike="noStrike" dirty="0">
+                      <a:endParaRPr lang="fr-CA" sz="1300" b="0" i="0" u="none" strike="noStrike">
                         <a:solidFill>
                           <a:srgbClr val="000000"/>
                         </a:solidFill>
@@ -13558,15 +13438,8 @@
                         <a:rPr lang="fr-CA" sz="1300" u="none" strike="noStrike" dirty="0">
                           <a:effectLst/>
                         </a:rPr>
-                        <a:t>45,717048</a:t>
+                        <a:t>41,54968269</a:t>
                       </a:r>
-                      <a:endParaRPr lang="fr-CA" sz="1300" b="0" i="0" u="none" strike="noStrike" dirty="0">
-                        <a:solidFill>
-                          <a:srgbClr val="000000"/>
-                        </a:solidFill>
-                        <a:effectLst/>
-                        <a:latin typeface="Calibri" panose="020F0502020204030204" pitchFamily="34" charset="0"/>
-                      </a:endParaRPr>
                     </a:p>
                   </a:txBody>
                   <a:tcPr marL="7620" marR="7620" marT="7620" marB="0" anchor="ctr"/>
@@ -13585,35 +13458,12 @@
                     <a:p>
                       <a:pPr algn="ctr" fontAlgn="ctr"/>
                       <a:r>
-                        <a:rPr lang="fr-CA" sz="1300" b="0" i="0" u="none" strike="noStrike" dirty="0">
-                          <a:solidFill>
-                            <a:srgbClr val="000000"/>
-                          </a:solidFill>
-                          <a:effectLst/>
-                          <a:highlight>
-                            <a:srgbClr val="FFFF00"/>
-                          </a:highlight>
-                          <a:latin typeface="Calibri" panose="020F0502020204030204" pitchFamily="34" charset="0"/>
-                        </a:rPr>
-                        <a:t>x</a:t>
-                      </a:r>
-                    </a:p>
-                  </a:txBody>
-                  <a:tcPr marL="7620" marR="7620" marT="7620" marB="0" anchor="ctr"/>
-                </a:tc>
-                <a:tc>
-                  <a:txBody>
-                    <a:bodyPr/>
-                    <a:lstStyle/>
-                    <a:p>
-                      <a:pPr algn="ctr" fontAlgn="ctr"/>
-                      <a:r>
-                        <a:rPr lang="fr-CA" sz="1300" u="none" strike="noStrike" dirty="0">
+                        <a:rPr lang="fr-CA" sz="1300" u="none" strike="noStrike">
                           <a:effectLst/>
                         </a:rPr>
                         <a:t>0,01</a:t>
                       </a:r>
-                      <a:endParaRPr lang="fr-CA" sz="1300" b="0" i="0" u="none" strike="noStrike" dirty="0">
+                      <a:endParaRPr lang="fr-CA" sz="1300" b="0" i="0" u="none" strike="noStrike">
                         <a:solidFill>
                           <a:srgbClr val="000000"/>
                         </a:solidFill>
@@ -13634,15 +13484,8 @@
                         <a:rPr lang="fr-CA" sz="1300" u="none" strike="noStrike" dirty="0">
                           <a:effectLst/>
                         </a:rPr>
-                        <a:t>45,717067</a:t>
+                        <a:t>41,54970169</a:t>
                       </a:r>
-                      <a:endParaRPr lang="fr-CA" sz="1300" b="0" i="0" u="none" strike="noStrike" dirty="0">
-                        <a:solidFill>
-                          <a:srgbClr val="000000"/>
-                        </a:solidFill>
-                        <a:effectLst/>
-                        <a:latin typeface="Calibri" panose="020F0502020204030204" pitchFamily="34" charset="0"/>
-                      </a:endParaRPr>
                     </a:p>
                   </a:txBody>
                   <a:tcPr marL="7620" marR="7620" marT="7620" marB="0" anchor="ctr"/>
@@ -13716,7 +13559,7 @@
     </p:spTree>
     <p:extLst>
       <p:ext uri="{BB962C8B-B14F-4D97-AF65-F5344CB8AC3E}">
-        <p14:creationId xmlns:p14="http://schemas.microsoft.com/office/powerpoint/2010/main" val="2117377590"/>
+        <p14:creationId xmlns:p14="http://schemas.microsoft.com/office/powerpoint/2010/main" val="3567347773"/>
       </p:ext>
     </p:extLst>
   </p:cSld>
@@ -14314,22 +14157,10 @@
                       <a:rPr lang="fr-FR" sz="1600" i="1">
                         <a:latin typeface="Cambria Math" panose="02040503050406030204" pitchFamily="18" charset="0"/>
                       </a:rPr>
-                      <m:t>=</m:t>
+                      <m:t>=41,54970169±</m:t>
                     </m:r>
                     <m:r>
-                      <a:rPr lang="fr-CA" sz="1600">
-                        <a:latin typeface="Cambria Math" panose="02040503050406030204" pitchFamily="18" charset="0"/>
-                      </a:rPr>
-                      <m:t>45,717067</m:t>
-                    </m:r>
-                    <m:r>
-                      <a:rPr lang="fr-FR" sz="1600" i="1">
-                        <a:latin typeface="Cambria Math" panose="02040503050406030204" pitchFamily="18" charset="0"/>
-                      </a:rPr>
-                      <m:t>±</m:t>
-                    </m:r>
-                    <m:r>
-                      <a:rPr lang="en-CA" sz="1600" b="0" i="1" smtClean="0">
+                      <a:rPr lang="fr-CA" sz="1600" i="1">
                         <a:latin typeface="Cambria Math" panose="02040503050406030204" pitchFamily="18" charset="0"/>
                       </a:rPr>
                       <m:t>2,399 . </m:t>
@@ -14415,13 +14246,13 @@
                     </m:oMathParaPr>
                     <m:oMath xmlns:m="http://schemas.openxmlformats.org/officeDocument/2006/math">
                       <m:r>
-                        <a:rPr lang="fr-FR" sz="1600" i="1">
+                        <a:rPr lang="fr-FR" sz="1600">
                           <a:latin typeface="Cambria Math" panose="02040503050406030204" pitchFamily="18" charset="0"/>
                         </a:rPr>
                         <m:t>𝑓</m:t>
                       </m:r>
                       <m:r>
-                        <a:rPr lang="fr-FR" sz="1600" i="1">
+                        <a:rPr lang="fr-FR" sz="1600">
                           <a:latin typeface="Cambria Math" panose="02040503050406030204" pitchFamily="18" charset="0"/>
                         </a:rPr>
                         <m:t>=</m:t>
@@ -14436,7 +14267,7 @@
                         </m:sSubPr>
                         <m:e>
                           <m:r>
-                            <a:rPr lang="fr-FR" sz="1600" i="1">
+                            <a:rPr lang="fr-FR" sz="1600">
                               <a:latin typeface="Cambria Math" panose="02040503050406030204" pitchFamily="18" charset="0"/>
                             </a:rPr>
                             <m:t>𝑓</m:t>
@@ -14444,7 +14275,7 @@
                         </m:e>
                         <m:sub>
                           <m:r>
-                            <a:rPr lang="fr-FR" sz="1600" i="1">
+                            <a:rPr lang="fr-FR" sz="1600">
                               <a:latin typeface="Cambria Math" panose="02040503050406030204" pitchFamily="18" charset="0"/>
                             </a:rPr>
                             <m:t>h</m:t>
@@ -14452,7 +14283,7 @@
                         </m:sub>
                       </m:sSub>
                       <m:r>
-                        <a:rPr lang="fr-FR" sz="1600" i="1">
+                        <a:rPr lang="fr-FR" sz="1600">
                           <a:latin typeface="Cambria Math" panose="02040503050406030204" pitchFamily="18" charset="0"/>
                         </a:rPr>
                         <m:t>+</m:t>
@@ -14476,7 +14307,7 @@
                             </m:sSubPr>
                             <m:e>
                               <m:r>
-                                <a:rPr lang="fr-FR" sz="1600" i="1">
+                                <a:rPr lang="fr-FR" sz="1600">
                                   <a:latin typeface="Cambria Math" panose="02040503050406030204" pitchFamily="18" charset="0"/>
                                 </a:rPr>
                                 <m:t>𝑓</m:t>
@@ -14484,7 +14315,7 @@
                             </m:e>
                             <m:sub>
                               <m:r>
-                                <a:rPr lang="fr-FR" sz="1600" i="1">
+                                <a:rPr lang="fr-FR" sz="1600">
                                   <a:latin typeface="Cambria Math" panose="02040503050406030204" pitchFamily="18" charset="0"/>
                                 </a:rPr>
                                 <m:t>h</m:t>
@@ -14492,7 +14323,7 @@
                             </m:sub>
                           </m:sSub>
                           <m:r>
-                            <a:rPr lang="fr-FR" sz="1600" i="1">
+                            <a:rPr lang="fr-FR" sz="1600">
                               <a:latin typeface="Cambria Math" panose="02040503050406030204" pitchFamily="18" charset="0"/>
                             </a:rPr>
                             <m:t>−</m:t>
@@ -14507,7 +14338,7 @@
                             </m:sSubPr>
                             <m:e>
                               <m:r>
-                                <a:rPr lang="fr-FR" sz="1600" i="1">
+                                <a:rPr lang="fr-FR" sz="1600">
                                   <a:latin typeface="Cambria Math" panose="02040503050406030204" pitchFamily="18" charset="0"/>
                                 </a:rPr>
                                 <m:t>𝑓</m:t>
@@ -14515,7 +14346,7 @@
                             </m:e>
                             <m:sub>
                               <m:r>
-                                <a:rPr lang="fr-FR" sz="1600" i="1">
+                                <a:rPr lang="fr-FR" sz="1600">
                                   <a:latin typeface="Cambria Math" panose="02040503050406030204" pitchFamily="18" charset="0"/>
                                 </a:rPr>
                                 <m:t>𝑟h</m:t>
@@ -14534,7 +14365,7 @@
                             </m:sSupPr>
                             <m:e>
                               <m:r>
-                                <a:rPr lang="fr-FR" sz="1600" i="1">
+                                <a:rPr lang="fr-FR" sz="1600">
                                   <a:latin typeface="Cambria Math" panose="02040503050406030204" pitchFamily="18" charset="0"/>
                                 </a:rPr>
                                 <m:t>𝑟</m:t>
@@ -14551,7 +14382,7 @@
                                 </m:sSubPr>
                                 <m:e>
                                   <m:r>
-                                    <a:rPr lang="fr-FR" sz="1600" i="1">
+                                    <a:rPr lang="fr-FR" sz="1600">
                                       <a:latin typeface="Cambria Math" panose="02040503050406030204" pitchFamily="18" charset="0"/>
                                     </a:rPr>
                                     <m:t>𝑝</m:t>
@@ -14559,7 +14390,7 @@
                                 </m:e>
                                 <m:sub>
                                   <m:r>
-                                    <a:rPr lang="fr-FR" sz="1600" i="1">
+                                    <a:rPr lang="fr-FR" sz="1600">
                                       <a:latin typeface="Cambria Math" panose="02040503050406030204" pitchFamily="18" charset="0"/>
                                     </a:rPr>
                                     <m:t>𝑓</m:t>
@@ -14569,7 +14400,7 @@
                             </m:sup>
                           </m:sSup>
                           <m:r>
-                            <a:rPr lang="fr-FR" sz="1600" i="1">
+                            <a:rPr lang="fr-FR" sz="1600">
                               <a:latin typeface="Cambria Math" panose="02040503050406030204" pitchFamily="18" charset="0"/>
                             </a:rPr>
                             <m:t>−1</m:t>
@@ -14577,13 +14408,22 @@
                         </m:den>
                       </m:f>
                       <m:r>
-                        <a:rPr lang="en-CA" sz="1600" b="0" i="1" smtClean="0">
+                        <a:rPr lang="en-CA" sz="1600">
                           <a:latin typeface="Cambria Math" panose="02040503050406030204" pitchFamily="18" charset="0"/>
                         </a:rPr>
-                        <m:t>=45.71706719 </m:t>
+                        <m:t>=</m:t>
                       </m:r>
                       <m:r>
-                        <a:rPr lang="en-CA" sz="1600" b="0" i="1" smtClean="0">
+                        <m:rPr>
+                          <m:nor/>
+                        </m:rPr>
+                        <a:rPr lang="fr-CA" sz="1600">
+                          <a:latin typeface="Cambria Math" panose="02040503050406030204" pitchFamily="18" charset="0"/>
+                        </a:rPr>
+                        <m:t>41,54970188</m:t>
+                      </m:r>
+                      <m:r>
+                        <a:rPr lang="en-CA" sz="1600">
                           <a:latin typeface="Cambria Math" panose="02040503050406030204" pitchFamily="18" charset="0"/>
                         </a:rPr>
                         <m:t>𝑚</m:t>
@@ -14591,8 +14431,8 @@
                     </m:oMath>
                   </m:oMathPara>
                 </a14:m>
-                <a:endParaRPr lang="en-CA" sz="1600" b="0" dirty="0">
-                  <a:latin typeface="Aptos "/>
+                <a:endParaRPr lang="en-CA" sz="1600" dirty="0">
+                  <a:latin typeface="Cambria Math" panose="02040503050406030204" pitchFamily="18" charset="0"/>
                 </a:endParaRPr>
               </a:p>
               <a:p>
@@ -14762,7 +14602,7 @@
               <a:lstStyle/>
               <a:p>
                 <a:r>
-                  <a:rPr lang="en-CA">
+                  <a:rPr lang="en-GB">
                     <a:noFill/>
                   </a:rPr>
                   <a:t> </a:t>
@@ -14775,7 +14615,7 @@
     </p:spTree>
     <p:extLst>
       <p:ext uri="{BB962C8B-B14F-4D97-AF65-F5344CB8AC3E}">
-        <p14:creationId xmlns:p14="http://schemas.microsoft.com/office/powerpoint/2010/main" val="2002662924"/>
+        <p14:creationId xmlns:p14="http://schemas.microsoft.com/office/powerpoint/2010/main" val="2006935131"/>
       </p:ext>
     </p:extLst>
   </p:cSld>
@@ -15416,6 +15256,15 @@
 </file>
 
 <file path=customXml/item1.xml><?xml version="1.0" encoding="utf-8"?>
+<?mso-contentType ?>
+<FormTemplates xmlns="http://schemas.microsoft.com/sharepoint/v3/contenttype/forms">
+  <Display>DocumentLibraryForm</Display>
+  <Edit>DocumentLibraryForm</Edit>
+  <New>DocumentLibraryForm</New>
+</FormTemplates>
+</file>
+
+<file path=customXml/item2.xml><?xml version="1.0" encoding="utf-8"?>
 <ct:contentTypeSchema xmlns:ct="http://schemas.microsoft.com/office/2006/metadata/contentType" xmlns:ma="http://schemas.microsoft.com/office/2006/metadata/properties/metaAttributes" ct:_="" ma:_="" ma:contentTypeName="Document" ma:contentTypeID="0x010100744768CFAF743F4A83B0523C20156377" ma:contentTypeVersion="11" ma:contentTypeDescription="Create a new document." ma:contentTypeScope="" ma:versionID="aafa440e1ffbdaf1b0956f4ac1c916a8">
   <xsd:schema xmlns:xsd="http://www.w3.org/2001/XMLSchema" xmlns:xs="http://www.w3.org/2001/XMLSchema" xmlns:p="http://schemas.microsoft.com/office/2006/metadata/properties" xmlns:ns2="ec825916-6f01-4646-bf11-4e97fdd06dc8" xmlns:ns3="10202d72-3646-4d36-9cf4-1feba2c78df0" targetNamespace="http://schemas.microsoft.com/office/2006/metadata/properties" ma:root="true" ma:fieldsID="7a73fe93b8aa32af4ca50956a2221801" ns2:_="" ns3:_="">
     <xsd:import namespace="ec825916-6f01-4646-bf11-4e97fdd06dc8"/>
@@ -15610,15 +15459,6 @@
 </ct:contentTypeSchema>
 </file>
 
-<file path=customXml/item2.xml><?xml version="1.0" encoding="utf-8"?>
-<?mso-contentType ?>
-<FormTemplates xmlns="http://schemas.microsoft.com/sharepoint/v3/contenttype/forms">
-  <Display>DocumentLibraryForm</Display>
-  <Edit>DocumentLibraryForm</Edit>
-  <New>DocumentLibraryForm</New>
-</FormTemplates>
-</file>
-
 <file path=customXml/item3.xml><?xml version="1.0" encoding="utf-8"?>
 <p:properties xmlns:p="http://schemas.microsoft.com/office/2006/metadata/properties" xmlns:xsi="http://www.w3.org/2001/XMLSchema-instance" xmlns:pc="http://schemas.microsoft.com/office/infopath/2007/PartnerControls">
   <documentManagement>
@@ -15631,6 +15471,14 @@
 </file>
 
 <file path=customXml/itemProps1.xml><?xml version="1.0" encoding="utf-8"?>
+<ds:datastoreItem xmlns:ds="http://schemas.openxmlformats.org/officeDocument/2006/customXml" ds:itemID="{73F4A501-0066-4B8E-9AA2-A07CF344BF69}">
+  <ds:schemaRefs>
+    <ds:schemaRef ds:uri="http://schemas.microsoft.com/sharepoint/v3/contenttype/forms"/>
+  </ds:schemaRefs>
+</ds:datastoreItem>
+</file>
+
+<file path=customXml/itemProps2.xml><?xml version="1.0" encoding="utf-8"?>
 <ds:datastoreItem xmlns:ds="http://schemas.openxmlformats.org/officeDocument/2006/customXml" ds:itemID="{4AB5C90D-8262-4EAC-95BF-2CC4C44D50EC}">
   <ds:schemaRefs>
     <ds:schemaRef ds:uri="10202d72-3646-4d36-9cf4-1feba2c78df0"/>
@@ -15645,14 +15493,6 @@
     <ds:schemaRef ds:uri="http://schemas.microsoft.com/office/infopath/2007/PartnerControls"/>
     <ds:schemaRef ds:uri="http://schemas.openxmlformats.org/package/2006/metadata/core-properties"/>
     <ds:schemaRef ds:uri="http://www.w3.org/2001/XMLSchema"/>
-  </ds:schemaRefs>
-</ds:datastoreItem>
-</file>
-
-<file path=customXml/itemProps2.xml><?xml version="1.0" encoding="utf-8"?>
-<ds:datastoreItem xmlns:ds="http://schemas.openxmlformats.org/officeDocument/2006/customXml" ds:itemID="{73F4A501-0066-4B8E-9AA2-A07CF344BF69}">
-  <ds:schemaRefs>
-    <ds:schemaRef ds:uri="http://schemas.microsoft.com/sharepoint/v3/contenttype/forms"/>
   </ds:schemaRefs>
 </ds:datastoreItem>
 </file>

--- a/Rapport_Projet_V1.pptx
+++ b/Rapport_Projet_V1.pptx
@@ -8355,8 +8355,8 @@
           </a:p>
         </p:txBody>
       </p:sp>
-      <mc:AlternateContent xmlns:mc="http://schemas.openxmlformats.org/markup-compatibility/2006" xmlns:a14="http://schemas.microsoft.com/office/drawing/2010/main">
-        <mc:Choice Requires="a14">
+      <mc:AlternateContent xmlns:mc="http://schemas.openxmlformats.org/markup-compatibility/2006">
+        <mc:Choice xmlns:a14="http://schemas.microsoft.com/office/drawing/2010/main" Requires="a14">
           <p:sp>
             <p:nvSpPr>
               <p:cNvPr id="3" name="Content Placeholder 2">
@@ -8818,7 +8818,7 @@
                 </a:pPr>
                 <a:r>
                   <a:rPr lang="fr-FR" sz="1600" dirty="0"/>
-                  <a:t>On peut alors considérer qu’une erreur de 0.1% sur la variation de tension se reflète par une erreur de 0.1% sur l’allongement mesuré. Ainsi selon les données expérimentales de l’article pour F=200N on mesure un déplacement de </a:t>
+                  <a:t>On peut alors considérer qu’une erreur de 0.1% sur la variation de tension se reflète par une erreur de 0.1% sur l’allongement mesuré. Ainsi selon les données expérimentales de l’article pour F=150N on mesure un déplacement de </a:t>
                 </a:r>
                 <a:r>
                   <a:rPr lang="fr-FR" sz="1600" dirty="0">
@@ -9282,7 +9282,7 @@
             </p:txBody>
           </p:sp>
         </mc:Choice>
-        <mc:Fallback xmlns="">
+        <mc:Fallback>
           <p:sp>
             <p:nvSpPr>
               <p:cNvPr id="3" name="Content Placeholder 2">
@@ -9397,8 +9397,8 @@
           </a:p>
         </p:txBody>
       </p:sp>
-      <mc:AlternateContent xmlns:mc="http://schemas.openxmlformats.org/markup-compatibility/2006">
-        <mc:Choice xmlns:a14="http://schemas.microsoft.com/office/drawing/2010/main" Requires="a14">
+      <mc:AlternateContent xmlns:mc="http://schemas.openxmlformats.org/markup-compatibility/2006" xmlns:a14="http://schemas.microsoft.com/office/drawing/2010/main">
+        <mc:Choice Requires="a14">
           <p:sp>
             <p:nvSpPr>
               <p:cNvPr id="3" name="Content Placeholder 2">
@@ -10088,7 +10088,7 @@
             </p:txBody>
           </p:sp>
         </mc:Choice>
-        <mc:Fallback>
+        <mc:Fallback xmlns="">
           <p:sp>
             <p:nvSpPr>
               <p:cNvPr id="3" name="Content Placeholder 2">
@@ -10132,8 +10132,8 @@
           </p:sp>
         </mc:Fallback>
       </mc:AlternateContent>
-      <mc:AlternateContent xmlns:mc="http://schemas.openxmlformats.org/markup-compatibility/2006">
-        <mc:Choice xmlns:a14="http://schemas.microsoft.com/office/drawing/2010/main" Requires="a14">
+      <mc:AlternateContent xmlns:mc="http://schemas.openxmlformats.org/markup-compatibility/2006" xmlns:a14="http://schemas.microsoft.com/office/drawing/2010/main">
+        <mc:Choice Requires="a14">
           <p:graphicFrame>
             <p:nvGraphicFramePr>
               <p:cNvPr id="4" name="Table 3">
@@ -10385,7 +10385,7 @@
             </a:graphic>
           </p:graphicFrame>
         </mc:Choice>
-        <mc:Fallback>
+        <mc:Fallback xmlns="">
           <p:graphicFrame>
             <p:nvGraphicFramePr>
               <p:cNvPr id="4" name="Table 3">
@@ -11028,8 +11028,8 @@
           <a:chExt cx="0" cy="0"/>
         </a:xfrm>
       </p:grpSpPr>
-      <mc:AlternateContent xmlns:mc="http://schemas.openxmlformats.org/markup-compatibility/2006">
-        <mc:Choice xmlns:a14="http://schemas.microsoft.com/office/drawing/2010/main" Requires="a14">
+      <mc:AlternateContent xmlns:mc="http://schemas.openxmlformats.org/markup-compatibility/2006" xmlns:a14="http://schemas.microsoft.com/office/drawing/2010/main">
+        <mc:Choice Requires="a14">
           <p:sp>
             <p:nvSpPr>
               <p:cNvPr id="3" name="Content Placeholder 2">
@@ -11624,7 +11624,7 @@
             </p:txBody>
           </p:sp>
         </mc:Choice>
-        <mc:Fallback>
+        <mc:Fallback xmlns="">
           <p:sp>
             <p:nvSpPr>
               <p:cNvPr id="3" name="Content Placeholder 2">
@@ -14157,13 +14157,13 @@
                       <a:rPr lang="fr-FR" sz="1600" i="1">
                         <a:latin typeface="Cambria Math" panose="02040503050406030204" pitchFamily="18" charset="0"/>
                       </a:rPr>
-                      <m:t>=41,54970169±</m:t>
+                      <m:t>=41,54970169±2,39</m:t>
                     </m:r>
                     <m:r>
                       <a:rPr lang="fr-CA" sz="1600" i="1">
                         <a:latin typeface="Cambria Math" panose="02040503050406030204" pitchFamily="18" charset="0"/>
                       </a:rPr>
-                      <m:t>2,399 . </m:t>
+                      <m:t>9 . </m:t>
                     </m:r>
                     <m:sSup>
                       <m:sSupPr>
@@ -15256,15 +15256,6 @@
 </file>
 
 <file path=customXml/item1.xml><?xml version="1.0" encoding="utf-8"?>
-<?mso-contentType ?>
-<FormTemplates xmlns="http://schemas.microsoft.com/sharepoint/v3/contenttype/forms">
-  <Display>DocumentLibraryForm</Display>
-  <Edit>DocumentLibraryForm</Edit>
-  <New>DocumentLibraryForm</New>
-</FormTemplates>
-</file>
-
-<file path=customXml/item2.xml><?xml version="1.0" encoding="utf-8"?>
 <ct:contentTypeSchema xmlns:ct="http://schemas.microsoft.com/office/2006/metadata/contentType" xmlns:ma="http://schemas.microsoft.com/office/2006/metadata/properties/metaAttributes" ct:_="" ma:_="" ma:contentTypeName="Document" ma:contentTypeID="0x010100744768CFAF743F4A83B0523C20156377" ma:contentTypeVersion="11" ma:contentTypeDescription="Create a new document." ma:contentTypeScope="" ma:versionID="aafa440e1ffbdaf1b0956f4ac1c916a8">
   <xsd:schema xmlns:xsd="http://www.w3.org/2001/XMLSchema" xmlns:xs="http://www.w3.org/2001/XMLSchema" xmlns:p="http://schemas.microsoft.com/office/2006/metadata/properties" xmlns:ns2="ec825916-6f01-4646-bf11-4e97fdd06dc8" xmlns:ns3="10202d72-3646-4d36-9cf4-1feba2c78df0" targetNamespace="http://schemas.microsoft.com/office/2006/metadata/properties" ma:root="true" ma:fieldsID="7a73fe93b8aa32af4ca50956a2221801" ns2:_="" ns3:_="">
     <xsd:import namespace="ec825916-6f01-4646-bf11-4e97fdd06dc8"/>
@@ -15459,6 +15450,15 @@
 </ct:contentTypeSchema>
 </file>
 
+<file path=customXml/item2.xml><?xml version="1.0" encoding="utf-8"?>
+<?mso-contentType ?>
+<FormTemplates xmlns="http://schemas.microsoft.com/sharepoint/v3/contenttype/forms">
+  <Display>DocumentLibraryForm</Display>
+  <Edit>DocumentLibraryForm</Edit>
+  <New>DocumentLibraryForm</New>
+</FormTemplates>
+</file>
+
 <file path=customXml/item3.xml><?xml version="1.0" encoding="utf-8"?>
 <p:properties xmlns:p="http://schemas.microsoft.com/office/2006/metadata/properties" xmlns:xsi="http://www.w3.org/2001/XMLSchema-instance" xmlns:pc="http://schemas.microsoft.com/office/infopath/2007/PartnerControls">
   <documentManagement>
@@ -15471,14 +15471,6 @@
 </file>
 
 <file path=customXml/itemProps1.xml><?xml version="1.0" encoding="utf-8"?>
-<ds:datastoreItem xmlns:ds="http://schemas.openxmlformats.org/officeDocument/2006/customXml" ds:itemID="{73F4A501-0066-4B8E-9AA2-A07CF344BF69}">
-  <ds:schemaRefs>
-    <ds:schemaRef ds:uri="http://schemas.microsoft.com/sharepoint/v3/contenttype/forms"/>
-  </ds:schemaRefs>
-</ds:datastoreItem>
-</file>
-
-<file path=customXml/itemProps2.xml><?xml version="1.0" encoding="utf-8"?>
 <ds:datastoreItem xmlns:ds="http://schemas.openxmlformats.org/officeDocument/2006/customXml" ds:itemID="{4AB5C90D-8262-4EAC-95BF-2CC4C44D50EC}">
   <ds:schemaRefs>
     <ds:schemaRef ds:uri="10202d72-3646-4d36-9cf4-1feba2c78df0"/>
@@ -15493,6 +15485,14 @@
     <ds:schemaRef ds:uri="http://schemas.microsoft.com/office/infopath/2007/PartnerControls"/>
     <ds:schemaRef ds:uri="http://schemas.openxmlformats.org/package/2006/metadata/core-properties"/>
     <ds:schemaRef ds:uri="http://www.w3.org/2001/XMLSchema"/>
+  </ds:schemaRefs>
+</ds:datastoreItem>
+</file>
+
+<file path=customXml/itemProps2.xml><?xml version="1.0" encoding="utf-8"?>
+<ds:datastoreItem xmlns:ds="http://schemas.openxmlformats.org/officeDocument/2006/customXml" ds:itemID="{73F4A501-0066-4B8E-9AA2-A07CF344BF69}">
+  <ds:schemaRefs>
+    <ds:schemaRef ds:uri="http://schemas.microsoft.com/sharepoint/v3/contenttype/forms"/>
   </ds:schemaRefs>
 </ds:datastoreItem>
 </file>

--- a/Rapport_Projet_V1.pptx
+++ b/Rapport_Projet_V1.pptx
@@ -950,7 +950,7 @@
 <file path=ppt/charts/chart1.xml><?xml version="1.0" encoding="utf-8"?>
 <c:chartSpace xmlns:c="http://schemas.openxmlformats.org/drawingml/2006/chart" xmlns:a="http://schemas.openxmlformats.org/drawingml/2006/main" xmlns:r="http://schemas.openxmlformats.org/officeDocument/2006/relationships" xmlns:c16r2="http://schemas.microsoft.com/office/drawing/2015/06/chart">
   <c:date1904 val="0"/>
-  <c:lang val="en-US"/>
+  <c:lang val="fr-FR"/>
   <c:roundedCorners val="0"/>
   <mc:AlternateContent xmlns:mc="http://schemas.openxmlformats.org/markup-compatibility/2006">
     <mc:Choice xmlns:c14="http://schemas.microsoft.com/office/drawing/2007/8/2/chart" Requires="c14">
@@ -1711,7 +1711,7 @@
                   <a:cs typeface="+mn-cs"/>
                 </a:defRPr>
               </a:pPr>
-              <a:endParaRPr lang="en-US"/>
+              <a:endParaRPr lang="fr-FR"/>
             </a:p>
           </c:txPr>
         </c:title>
@@ -1749,7 +1749,7 @@
                 <a:cs typeface="+mn-cs"/>
               </a:defRPr>
             </a:pPr>
-            <a:endParaRPr lang="en-US"/>
+            <a:endParaRPr lang="fr-FR"/>
           </a:p>
         </c:txPr>
         <c:crossAx val="1457253920"/>
@@ -1829,7 +1829,7 @@
                   <a:cs typeface="+mn-cs"/>
                 </a:defRPr>
               </a:pPr>
-              <a:endParaRPr lang="en-US"/>
+              <a:endParaRPr lang="fr-FR"/>
             </a:p>
           </c:txPr>
         </c:title>
@@ -1867,7 +1867,7 @@
                 <a:cs typeface="+mn-cs"/>
               </a:defRPr>
             </a:pPr>
-            <a:endParaRPr lang="en-US"/>
+            <a:endParaRPr lang="fr-FR"/>
           </a:p>
         </c:txPr>
         <c:crossAx val="1457258720"/>
@@ -1907,7 +1907,7 @@
       <a:pPr>
         <a:defRPr/>
       </a:pPr>
-      <a:endParaRPr lang="en-US"/>
+      <a:endParaRPr lang="fr-FR"/>
     </a:p>
   </c:txPr>
   <c:externalData r:id="rId3">
@@ -1919,7 +1919,7 @@
 <file path=ppt/charts/chart2.xml><?xml version="1.0" encoding="utf-8"?>
 <c:chartSpace xmlns:c="http://schemas.openxmlformats.org/drawingml/2006/chart" xmlns:a="http://schemas.openxmlformats.org/drawingml/2006/main" xmlns:r="http://schemas.openxmlformats.org/officeDocument/2006/relationships" xmlns:c16r2="http://schemas.microsoft.com/office/drawing/2015/06/chart">
   <c:date1904 val="0"/>
-  <c:lang val="en-US"/>
+  <c:lang val="fr-FR"/>
   <c:roundedCorners val="0"/>
   <mc:AlternateContent xmlns:mc="http://schemas.openxmlformats.org/markup-compatibility/2006">
     <mc:Choice xmlns:c14="http://schemas.microsoft.com/office/drawing/2007/8/2/chart" Requires="c14">
@@ -2684,7 +2684,7 @@
                   <a:cs typeface="+mn-cs"/>
                 </a:defRPr>
               </a:pPr>
-              <a:endParaRPr lang="en-US"/>
+              <a:endParaRPr lang="fr-FR"/>
             </a:p>
           </c:txPr>
         </c:title>
@@ -2722,7 +2722,7 @@
                 <a:cs typeface="+mn-cs"/>
               </a:defRPr>
             </a:pPr>
-            <a:endParaRPr lang="en-US"/>
+            <a:endParaRPr lang="fr-FR"/>
           </a:p>
         </c:txPr>
         <c:crossAx val="2041938592"/>
@@ -2802,7 +2802,7 @@
                   <a:cs typeface="+mn-cs"/>
                 </a:defRPr>
               </a:pPr>
-              <a:endParaRPr lang="en-US"/>
+              <a:endParaRPr lang="fr-FR"/>
             </a:p>
           </c:txPr>
         </c:title>
@@ -2840,7 +2840,7 @@
                 <a:cs typeface="+mn-cs"/>
               </a:defRPr>
             </a:pPr>
-            <a:endParaRPr lang="en-US"/>
+            <a:endParaRPr lang="fr-FR"/>
           </a:p>
         </c:txPr>
         <c:crossAx val="2041944352"/>
@@ -2880,7 +2880,7 @@
       <a:pPr>
         <a:defRPr/>
       </a:pPr>
-      <a:endParaRPr lang="en-US"/>
+      <a:endParaRPr lang="fr-FR"/>
     </a:p>
   </c:txPr>
   <c:externalData r:id="rId3">
@@ -2892,7 +2892,7 @@
 <file path=ppt/charts/chart3.xml><?xml version="1.0" encoding="utf-8"?>
 <c:chartSpace xmlns:c="http://schemas.openxmlformats.org/drawingml/2006/chart" xmlns:a="http://schemas.openxmlformats.org/drawingml/2006/main" xmlns:r="http://schemas.openxmlformats.org/officeDocument/2006/relationships" xmlns:c16r2="http://schemas.microsoft.com/office/drawing/2015/06/chart">
   <c:date1904 val="0"/>
-  <c:lang val="en-US"/>
+  <c:lang val="fr-FR"/>
   <c:roundedCorners val="0"/>
   <mc:AlternateContent xmlns:mc="http://schemas.openxmlformats.org/markup-compatibility/2006">
     <mc:Choice xmlns:c14="http://schemas.microsoft.com/office/drawing/2007/8/2/chart" Requires="c14">
@@ -3677,7 +3677,7 @@
                   <a:cs typeface="+mn-cs"/>
                 </a:defRPr>
               </a:pPr>
-              <a:endParaRPr lang="en-US"/>
+              <a:endParaRPr lang="fr-FR"/>
             </a:p>
           </c:txPr>
         </c:title>
@@ -3715,7 +3715,7 @@
                 <a:cs typeface="+mn-cs"/>
               </a:defRPr>
             </a:pPr>
-            <a:endParaRPr lang="en-US"/>
+            <a:endParaRPr lang="fr-FR"/>
           </a:p>
         </c:txPr>
         <c:crossAx val="2041041472"/>
@@ -3795,7 +3795,7 @@
                   <a:cs typeface="+mn-cs"/>
                 </a:defRPr>
               </a:pPr>
-              <a:endParaRPr lang="en-US"/>
+              <a:endParaRPr lang="fr-FR"/>
             </a:p>
           </c:txPr>
         </c:title>
@@ -3833,7 +3833,7 @@
                 <a:cs typeface="+mn-cs"/>
               </a:defRPr>
             </a:pPr>
-            <a:endParaRPr lang="en-US"/>
+            <a:endParaRPr lang="fr-FR"/>
           </a:p>
         </c:txPr>
         <c:crossAx val="2041040032"/>
@@ -3873,7 +3873,7 @@
       <a:pPr>
         <a:defRPr/>
       </a:pPr>
-      <a:endParaRPr lang="en-US"/>
+      <a:endParaRPr lang="fr-FR"/>
     </a:p>
   </c:txPr>
   <c:externalData r:id="rId3">
@@ -3885,7 +3885,7 @@
 <file path=ppt/charts/chart4.xml><?xml version="1.0" encoding="utf-8"?>
 <c:chartSpace xmlns:c="http://schemas.openxmlformats.org/drawingml/2006/chart" xmlns:a="http://schemas.openxmlformats.org/drawingml/2006/main" xmlns:r="http://schemas.openxmlformats.org/officeDocument/2006/relationships" xmlns:c16r2="http://schemas.microsoft.com/office/drawing/2015/06/chart">
   <c:date1904 val="0"/>
-  <c:lang val="en-US"/>
+  <c:lang val="fr-FR"/>
   <c:roundedCorners val="0"/>
   <mc:AlternateContent xmlns:mc="http://schemas.openxmlformats.org/markup-compatibility/2006">
     <mc:Choice xmlns:c14="http://schemas.microsoft.com/office/drawing/2007/8/2/chart" Requires="c14">
@@ -4133,7 +4133,7 @@
                   <a:cs typeface="+mn-cs"/>
                 </a:defRPr>
               </a:pPr>
-              <a:endParaRPr lang="en-US"/>
+              <a:endParaRPr lang="fr-FR"/>
             </a:p>
           </c:txPr>
         </c:title>
@@ -4171,7 +4171,7 @@
                 <a:cs typeface="+mn-cs"/>
               </a:defRPr>
             </a:pPr>
-            <a:endParaRPr lang="en-US"/>
+            <a:endParaRPr lang="fr-FR"/>
           </a:p>
         </c:txPr>
         <c:crossAx val="1632011967"/>
@@ -4211,7 +4211,7 @@
       <a:pPr>
         <a:defRPr/>
       </a:pPr>
-      <a:endParaRPr lang="en-US"/>
+      <a:endParaRPr lang="fr-FR"/>
     </a:p>
   </c:txPr>
   <c:externalData r:id="rId3">
@@ -6530,7 +6530,7 @@
       <pc:sldMk xmlns:pc="http://schemas.microsoft.com/office/powerpoint/2013/main/command" cId="3567347773" sldId="281"/>
       <ac:spMk id="3" creationId="{57846E6E-541E-C380-2EC3-91AF5BEE61F6}"/>
       <ac:txMk cp="1128" len="139">
-        <ac:context len="1357" hash="2915259097"/>
+        <ac:context len="1357" hash="1021285693"/>
       </ac:txMk>
     </ac:txMkLst>
     <p188:pos x="10184296" y="4306209"/>
@@ -6565,7 +6565,7 @@
       <pc:sldMk xmlns:pc="http://schemas.microsoft.com/office/powerpoint/2013/main/command" cId="3567347773" sldId="281"/>
       <ac:spMk id="3" creationId="{57846E6E-541E-C380-2EC3-91AF5BEE61F6}"/>
       <ac:txMk cp="255" len="67">
-        <ac:context len="1357" hash="2915259097"/>
+        <ac:context len="1357" hash="1021285693"/>
       </ac:txMk>
     </ac:txMkLst>
     <p188:pos x="8564217" y="748000"/>
@@ -6665,7 +6665,7 @@
           <a:p>
             <a:fld id="{DAB5DE69-65B2-445A-B9D2-BC2BC199D49F}" type="datetimeFigureOut">
               <a:rPr lang="en-CA" smtClean="0"/>
-              <a:t>2024-04-08</a:t>
+              <a:t>2024-04-09</a:t>
             </a:fld>
             <a:endParaRPr lang="en-CA"/>
           </a:p>
@@ -6824,7 +6824,7 @@
           <a:p>
             <a:fld id="{603E9730-38DB-4F77-A139-6CE923099591}" type="slidenum">
               <a:rPr lang="en-CA" smtClean="0"/>
-              <a:t>‹#›</a:t>
+              <a:t>‹N°›</a:t>
             </a:fld>
             <a:endParaRPr lang="en-CA"/>
           </a:p>
@@ -7082,7 +7082,7 @@
           <a:p>
             <a:fld id="{CF633E34-DD75-4254-AB88-C9D2090F6CC5}" type="datetimeFigureOut">
               <a:rPr lang="en-CA" smtClean="0"/>
-              <a:t>2024-04-08</a:t>
+              <a:t>2024-04-09</a:t>
             </a:fld>
             <a:endParaRPr lang="en-CA"/>
           </a:p>
@@ -7136,7 +7136,7 @@
           <a:p>
             <a:fld id="{4BD3201E-7DF8-462B-AC18-61E63795AE0D}" type="slidenum">
               <a:rPr lang="en-CA" smtClean="0"/>
-              <a:t>‹#›</a:t>
+              <a:t>‹N°›</a:t>
             </a:fld>
             <a:endParaRPr lang="en-CA"/>
           </a:p>
@@ -7282,7 +7282,7 @@
           <a:p>
             <a:fld id="{CF633E34-DD75-4254-AB88-C9D2090F6CC5}" type="datetimeFigureOut">
               <a:rPr lang="en-CA" smtClean="0"/>
-              <a:t>2024-04-08</a:t>
+              <a:t>2024-04-09</a:t>
             </a:fld>
             <a:endParaRPr lang="en-CA"/>
           </a:p>
@@ -7336,7 +7336,7 @@
           <a:p>
             <a:fld id="{4BD3201E-7DF8-462B-AC18-61E63795AE0D}" type="slidenum">
               <a:rPr lang="en-CA" smtClean="0"/>
-              <a:t>‹#›</a:t>
+              <a:t>‹N°›</a:t>
             </a:fld>
             <a:endParaRPr lang="en-CA"/>
           </a:p>
@@ -7492,7 +7492,7 @@
           <a:p>
             <a:fld id="{CF633E34-DD75-4254-AB88-C9D2090F6CC5}" type="datetimeFigureOut">
               <a:rPr lang="en-CA" smtClean="0"/>
-              <a:t>2024-04-08</a:t>
+              <a:t>2024-04-09</a:t>
             </a:fld>
             <a:endParaRPr lang="en-CA"/>
           </a:p>
@@ -7546,7 +7546,7 @@
           <a:p>
             <a:fld id="{4BD3201E-7DF8-462B-AC18-61E63795AE0D}" type="slidenum">
               <a:rPr lang="en-CA" smtClean="0"/>
-              <a:t>‹#›</a:t>
+              <a:t>‹N°›</a:t>
             </a:fld>
             <a:endParaRPr lang="en-CA"/>
           </a:p>
@@ -7692,7 +7692,7 @@
           <a:p>
             <a:fld id="{CF633E34-DD75-4254-AB88-C9D2090F6CC5}" type="datetimeFigureOut">
               <a:rPr lang="en-CA" smtClean="0"/>
-              <a:t>2024-04-08</a:t>
+              <a:t>2024-04-09</a:t>
             </a:fld>
             <a:endParaRPr lang="en-CA"/>
           </a:p>
@@ -7746,7 +7746,7 @@
           <a:p>
             <a:fld id="{4BD3201E-7DF8-462B-AC18-61E63795AE0D}" type="slidenum">
               <a:rPr lang="en-CA" smtClean="0"/>
-              <a:t>‹#›</a:t>
+              <a:t>‹N°›</a:t>
             </a:fld>
             <a:endParaRPr lang="en-CA"/>
           </a:p>
@@ -7968,7 +7968,7 @@
           <a:p>
             <a:fld id="{CF633E34-DD75-4254-AB88-C9D2090F6CC5}" type="datetimeFigureOut">
               <a:rPr lang="en-CA" smtClean="0"/>
-              <a:t>2024-04-08</a:t>
+              <a:t>2024-04-09</a:t>
             </a:fld>
             <a:endParaRPr lang="en-CA"/>
           </a:p>
@@ -8022,7 +8022,7 @@
           <a:p>
             <a:fld id="{4BD3201E-7DF8-462B-AC18-61E63795AE0D}" type="slidenum">
               <a:rPr lang="en-CA" smtClean="0"/>
-              <a:t>‹#›</a:t>
+              <a:t>‹N°›</a:t>
             </a:fld>
             <a:endParaRPr lang="en-CA"/>
           </a:p>
@@ -8236,7 +8236,7 @@
           <a:p>
             <a:fld id="{CF633E34-DD75-4254-AB88-C9D2090F6CC5}" type="datetimeFigureOut">
               <a:rPr lang="en-CA" smtClean="0"/>
-              <a:t>2024-04-08</a:t>
+              <a:t>2024-04-09</a:t>
             </a:fld>
             <a:endParaRPr lang="en-CA"/>
           </a:p>
@@ -8290,7 +8290,7 @@
           <a:p>
             <a:fld id="{4BD3201E-7DF8-462B-AC18-61E63795AE0D}" type="slidenum">
               <a:rPr lang="en-CA" smtClean="0"/>
-              <a:t>‹#›</a:t>
+              <a:t>‹N°›</a:t>
             </a:fld>
             <a:endParaRPr lang="en-CA"/>
           </a:p>
@@ -8651,7 +8651,7 @@
           <a:p>
             <a:fld id="{CF633E34-DD75-4254-AB88-C9D2090F6CC5}" type="datetimeFigureOut">
               <a:rPr lang="en-CA" smtClean="0"/>
-              <a:t>2024-04-08</a:t>
+              <a:t>2024-04-09</a:t>
             </a:fld>
             <a:endParaRPr lang="en-CA"/>
           </a:p>
@@ -8705,7 +8705,7 @@
           <a:p>
             <a:fld id="{4BD3201E-7DF8-462B-AC18-61E63795AE0D}" type="slidenum">
               <a:rPr lang="en-CA" smtClean="0"/>
-              <a:t>‹#›</a:t>
+              <a:t>‹N°›</a:t>
             </a:fld>
             <a:endParaRPr lang="en-CA"/>
           </a:p>
@@ -8793,7 +8793,7 @@
           <a:p>
             <a:fld id="{CF633E34-DD75-4254-AB88-C9D2090F6CC5}" type="datetimeFigureOut">
               <a:rPr lang="en-CA" smtClean="0"/>
-              <a:t>2024-04-08</a:t>
+              <a:t>2024-04-09</a:t>
             </a:fld>
             <a:endParaRPr lang="en-CA"/>
           </a:p>
@@ -8847,7 +8847,7 @@
           <a:p>
             <a:fld id="{4BD3201E-7DF8-462B-AC18-61E63795AE0D}" type="slidenum">
               <a:rPr lang="en-CA" smtClean="0"/>
-              <a:t>‹#›</a:t>
+              <a:t>‹N°›</a:t>
             </a:fld>
             <a:endParaRPr lang="en-CA"/>
           </a:p>
@@ -8906,7 +8906,7 @@
           <a:p>
             <a:fld id="{CF633E34-DD75-4254-AB88-C9D2090F6CC5}" type="datetimeFigureOut">
               <a:rPr lang="en-CA" smtClean="0"/>
-              <a:t>2024-04-08</a:t>
+              <a:t>2024-04-09</a:t>
             </a:fld>
             <a:endParaRPr lang="en-CA"/>
           </a:p>
@@ -8960,7 +8960,7 @@
           <a:p>
             <a:fld id="{4BD3201E-7DF8-462B-AC18-61E63795AE0D}" type="slidenum">
               <a:rPr lang="en-CA" smtClean="0"/>
-              <a:t>‹#›</a:t>
+              <a:t>‹N°›</a:t>
             </a:fld>
             <a:endParaRPr lang="en-CA"/>
           </a:p>
@@ -9219,7 +9219,7 @@
           <a:p>
             <a:fld id="{CF633E34-DD75-4254-AB88-C9D2090F6CC5}" type="datetimeFigureOut">
               <a:rPr lang="en-CA" smtClean="0"/>
-              <a:t>2024-04-08</a:t>
+              <a:t>2024-04-09</a:t>
             </a:fld>
             <a:endParaRPr lang="en-CA"/>
           </a:p>
@@ -9273,7 +9273,7 @@
           <a:p>
             <a:fld id="{4BD3201E-7DF8-462B-AC18-61E63795AE0D}" type="slidenum">
               <a:rPr lang="en-CA" smtClean="0"/>
-              <a:t>‹#›</a:t>
+              <a:t>‹N°›</a:t>
             </a:fld>
             <a:endParaRPr lang="en-CA"/>
           </a:p>
@@ -9508,7 +9508,7 @@
           <a:p>
             <a:fld id="{CF633E34-DD75-4254-AB88-C9D2090F6CC5}" type="datetimeFigureOut">
               <a:rPr lang="en-CA" smtClean="0"/>
-              <a:t>2024-04-08</a:t>
+              <a:t>2024-04-09</a:t>
             </a:fld>
             <a:endParaRPr lang="en-CA"/>
           </a:p>
@@ -9562,7 +9562,7 @@
           <a:p>
             <a:fld id="{4BD3201E-7DF8-462B-AC18-61E63795AE0D}" type="slidenum">
               <a:rPr lang="en-CA" smtClean="0"/>
-              <a:t>‹#›</a:t>
+              <a:t>‹N°›</a:t>
             </a:fld>
             <a:endParaRPr lang="en-CA"/>
           </a:p>
@@ -9751,7 +9751,7 @@
           <a:p>
             <a:fld id="{CF633E34-DD75-4254-AB88-C9D2090F6CC5}" type="datetimeFigureOut">
               <a:rPr lang="en-CA" smtClean="0"/>
-              <a:t>2024-04-08</a:t>
+              <a:t>2024-04-09</a:t>
             </a:fld>
             <a:endParaRPr lang="en-CA"/>
           </a:p>
@@ -9841,7 +9841,7 @@
           <a:p>
             <a:fld id="{4BD3201E-7DF8-462B-AC18-61E63795AE0D}" type="slidenum">
               <a:rPr lang="en-CA" smtClean="0"/>
-              <a:t>‹#›</a:t>
+              <a:t>‹N°›</a:t>
             </a:fld>
             <a:endParaRPr lang="en-CA"/>
           </a:p>
@@ -11654,8 +11654,8 @@
           </a:p>
         </p:txBody>
       </p:sp>
-      <mc:AlternateContent xmlns:mc="http://schemas.openxmlformats.org/markup-compatibility/2006">
-        <mc:Choice xmlns:a14="http://schemas.microsoft.com/office/drawing/2010/main" Requires="a14">
+      <mc:AlternateContent xmlns:mc="http://schemas.openxmlformats.org/markup-compatibility/2006" xmlns:a14="http://schemas.microsoft.com/office/drawing/2010/main">
+        <mc:Choice Requires="a14">
           <p:sp>
             <p:nvSpPr>
               <p:cNvPr id="3" name="Content Placeholder 2">
@@ -11935,7 +11935,7 @@
             </p:txBody>
           </p:sp>
         </mc:Choice>
-        <mc:Fallback>
+        <mc:Fallback xmlns="">
           <p:sp>
             <p:nvSpPr>
               <p:cNvPr id="3" name="Content Placeholder 2">
@@ -12625,8 +12625,8 @@
           </a:p>
         </p:txBody>
       </p:sp>
-      <mc:AlternateContent xmlns:mc="http://schemas.openxmlformats.org/markup-compatibility/2006">
-        <mc:Choice xmlns:a14="http://schemas.microsoft.com/office/drawing/2010/main" Requires="a14">
+      <mc:AlternateContent xmlns:mc="http://schemas.openxmlformats.org/markup-compatibility/2006" xmlns:a14="http://schemas.microsoft.com/office/drawing/2010/main">
+        <mc:Choice Requires="a14">
           <p:sp>
             <p:nvSpPr>
               <p:cNvPr id="3" name="Content Placeholder 2">
@@ -13266,7 +13266,7 @@
             </p:txBody>
           </p:sp>
         </mc:Choice>
-        <mc:Fallback>
+        <mc:Fallback xmlns="">
           <p:sp>
             <p:nvSpPr>
               <p:cNvPr id="3" name="Content Placeholder 2">
@@ -13376,8 +13376,8 @@
           </a:p>
         </p:txBody>
       </p:sp>
-      <mc:AlternateContent xmlns:mc="http://schemas.openxmlformats.org/markup-compatibility/2006">
-        <mc:Choice xmlns:a14="http://schemas.microsoft.com/office/drawing/2010/main" Requires="a14">
+      <mc:AlternateContent xmlns:mc="http://schemas.openxmlformats.org/markup-compatibility/2006" xmlns:a14="http://schemas.microsoft.com/office/drawing/2010/main">
+        <mc:Choice Requires="a14">
           <p:sp>
             <p:nvSpPr>
               <p:cNvPr id="3" name="Content Placeholder 2">
@@ -14095,7 +14095,7 @@
             </p:txBody>
           </p:sp>
         </mc:Choice>
-        <mc:Fallback>
+        <mc:Fallback xmlns="">
           <p:sp>
             <p:nvSpPr>
               <p:cNvPr id="3" name="Content Placeholder 2">
@@ -14277,8 +14277,8 @@
           </a:p>
         </p:txBody>
       </p:sp>
-      <mc:AlternateContent xmlns:mc="http://schemas.openxmlformats.org/markup-compatibility/2006">
-        <mc:Choice xmlns:a14="http://schemas.microsoft.com/office/drawing/2010/main" Requires="a14">
+      <mc:AlternateContent xmlns:mc="http://schemas.openxmlformats.org/markup-compatibility/2006" xmlns:a14="http://schemas.microsoft.com/office/drawing/2010/main">
+        <mc:Choice Requires="a14">
           <p:sp>
             <p:nvSpPr>
               <p:cNvPr id="8" name="TextBox 7">
@@ -14523,7 +14523,7 @@
             </p:txBody>
           </p:sp>
         </mc:Choice>
-        <mc:Fallback>
+        <mc:Fallback xmlns="">
           <p:sp>
             <p:nvSpPr>
               <p:cNvPr id="8" name="TextBox 7">
@@ -14639,8 +14639,8 @@
           </a:p>
         </p:txBody>
       </p:sp>
-      <mc:AlternateContent xmlns:mc="http://schemas.openxmlformats.org/markup-compatibility/2006">
-        <mc:Choice xmlns:a14="http://schemas.microsoft.com/office/drawing/2010/main" Requires="a14">
+      <mc:AlternateContent xmlns:mc="http://schemas.openxmlformats.org/markup-compatibility/2006" xmlns:a14="http://schemas.microsoft.com/office/drawing/2010/main">
+        <mc:Choice Requires="a14">
           <p:sp>
             <p:nvSpPr>
               <p:cNvPr id="3" name="Content Placeholder 2">
@@ -15492,7 +15492,7 @@
             </p:txBody>
           </p:sp>
         </mc:Choice>
-        <mc:Fallback>
+        <mc:Fallback xmlns="">
           <p:sp>
             <p:nvSpPr>
               <p:cNvPr id="3" name="Content Placeholder 2">
@@ -15536,8 +15536,8 @@
           </p:sp>
         </mc:Fallback>
       </mc:AlternateContent>
-      <mc:AlternateContent xmlns:mc="http://schemas.openxmlformats.org/markup-compatibility/2006">
-        <mc:Choice xmlns:a14="http://schemas.microsoft.com/office/drawing/2010/main" Requires="a14">
+      <mc:AlternateContent xmlns:mc="http://schemas.openxmlformats.org/markup-compatibility/2006" xmlns:a14="http://schemas.microsoft.com/office/drawing/2010/main">
+        <mc:Choice Requires="a14">
           <p:graphicFrame>
             <p:nvGraphicFramePr>
               <p:cNvPr id="4" name="Table 3">
@@ -15820,7 +15820,7 @@
             </a:graphic>
           </p:graphicFrame>
         </mc:Choice>
-        <mc:Fallback>
+        <mc:Fallback xmlns="">
           <p:graphicFrame>
             <p:nvGraphicFramePr>
               <p:cNvPr id="4" name="Table 3">
@@ -16160,8 +16160,8 @@
           </a:p>
         </p:txBody>
       </p:sp>
-      <mc:AlternateContent xmlns:mc="http://schemas.openxmlformats.org/markup-compatibility/2006">
-        <mc:Choice xmlns:a14="http://schemas.microsoft.com/office/drawing/2010/main" Requires="a14">
+      <mc:AlternateContent xmlns:mc="http://schemas.openxmlformats.org/markup-compatibility/2006" xmlns:a14="http://schemas.microsoft.com/office/drawing/2010/main">
+        <mc:Choice Requires="a14">
           <p:sp>
             <p:nvSpPr>
               <p:cNvPr id="3" name="Content Placeholder 2">
@@ -16229,18 +16229,24 @@
                     <m:sSub>
                       <m:sSubPr>
                         <m:ctrlPr>
-                          <a:rPr lang="en-CA" sz="1800" dirty="0"/>
+                          <a:rPr lang="en-CA" sz="1800" i="1" dirty="0">
+                            <a:latin typeface="Cambria Math" panose="02040503050406030204" pitchFamily="18" charset="0"/>
+                          </a:rPr>
                         </m:ctrlPr>
                       </m:sSubPr>
                       <m:e>
                         <m:r>
-                          <a:rPr lang="en-CA" sz="1800" dirty="0"/>
+                          <a:rPr lang="en-CA" sz="1800" dirty="0">
+                            <a:latin typeface="Cambria Math" panose="02040503050406030204" pitchFamily="18" charset="0"/>
+                          </a:rPr>
                           <m:t>𝑢</m:t>
                         </m:r>
                       </m:e>
                       <m:sub>
                         <m:r>
-                          <a:rPr lang="en-CA" sz="1800" dirty="0"/>
+                          <a:rPr lang="en-CA" sz="1800" dirty="0">
+                            <a:latin typeface="Cambria Math" panose="02040503050406030204" pitchFamily="18" charset="0"/>
+                          </a:rPr>
                           <m:t>𝑣𝑎𝑙</m:t>
                         </m:r>
                       </m:sub>
@@ -16418,18 +16424,24 @@
                     <m:sSub>
                       <m:sSubPr>
                         <m:ctrlPr>
-                          <a:rPr lang="en-CA" sz="1800" dirty="0"/>
+                          <a:rPr lang="en-CA" sz="1800" i="1" dirty="0">
+                            <a:latin typeface="Cambria Math" panose="02040503050406030204" pitchFamily="18" charset="0"/>
+                          </a:rPr>
                         </m:ctrlPr>
                       </m:sSubPr>
                       <m:e>
                         <m:r>
-                          <a:rPr lang="en-CA" sz="1800" dirty="0"/>
+                          <a:rPr lang="en-CA" sz="1800" dirty="0">
+                            <a:latin typeface="Cambria Math" panose="02040503050406030204" pitchFamily="18" charset="0"/>
+                          </a:rPr>
                           <m:t>𝛿</m:t>
                         </m:r>
                       </m:e>
                       <m:sub>
                         <m:r>
-                          <a:rPr lang="en-CA" sz="1800" dirty="0"/>
+                          <a:rPr lang="en-CA" sz="1800" dirty="0">
+                            <a:latin typeface="Cambria Math" panose="02040503050406030204" pitchFamily="18" charset="0"/>
+                          </a:rPr>
                           <m:t>𝑚𝑜𝑑𝑒𝑙</m:t>
                         </m:r>
                       </m:sub>
@@ -16448,7 +16460,7 @@
             </p:txBody>
           </p:sp>
         </mc:Choice>
-        <mc:Fallback>
+        <mc:Fallback xmlns="">
           <p:sp>
             <p:nvSpPr>
               <p:cNvPr id="3" name="Content Placeholder 2">
@@ -16558,8 +16570,8 @@
           </a:p>
         </p:txBody>
       </p:sp>
-      <mc:AlternateContent xmlns:mc="http://schemas.openxmlformats.org/markup-compatibility/2006">
-        <mc:Choice xmlns:a14="http://schemas.microsoft.com/office/drawing/2010/main" Requires="a14">
+      <mc:AlternateContent xmlns:mc="http://schemas.openxmlformats.org/markup-compatibility/2006" xmlns:a14="http://schemas.microsoft.com/office/drawing/2010/main">
+        <mc:Choice Requires="a14">
           <p:sp>
             <p:nvSpPr>
               <p:cNvPr id="3" name="Content Placeholder 2">
@@ -17525,7 +17537,7 @@
             </p:txBody>
           </p:sp>
         </mc:Choice>
-        <mc:Fallback>
+        <mc:Fallback xmlns="">
           <p:sp>
             <p:nvSpPr>
               <p:cNvPr id="3" name="Content Placeholder 2">
@@ -18318,8 +18330,8 @@
           <a:chExt cx="0" cy="0"/>
         </a:xfrm>
       </p:grpSpPr>
-      <mc:AlternateContent xmlns:mc="http://schemas.openxmlformats.org/markup-compatibility/2006">
-        <mc:Choice xmlns:a14="http://schemas.microsoft.com/office/drawing/2010/main" Requires="a14">
+      <mc:AlternateContent xmlns:mc="http://schemas.openxmlformats.org/markup-compatibility/2006" xmlns:a14="http://schemas.microsoft.com/office/drawing/2010/main">
+        <mc:Choice Requires="a14">
           <p:sp>
             <p:nvSpPr>
               <p:cNvPr id="3" name="Content Placeholder 2">
@@ -18889,7 +18901,7 @@
             </p:txBody>
           </p:sp>
         </mc:Choice>
-        <mc:Fallback>
+        <mc:Fallback xmlns="">
           <p:sp>
             <p:nvSpPr>
               <p:cNvPr id="3" name="Content Placeholder 2">
@@ -20095,8 +20107,8 @@
           </a:p>
         </p:txBody>
       </p:sp>
-      <mc:AlternateContent xmlns:mc="http://schemas.openxmlformats.org/markup-compatibility/2006" xmlns:a14="http://schemas.microsoft.com/office/drawing/2010/main">
-        <mc:Choice Requires="a14">
+      <mc:AlternateContent xmlns:mc="http://schemas.openxmlformats.org/markup-compatibility/2006">
+        <mc:Choice xmlns:a14="http://schemas.microsoft.com/office/drawing/2010/main" Requires="a14">
           <p:sp>
             <p:nvSpPr>
               <p:cNvPr id="3" name="Content Placeholder 2">
@@ -20133,7 +20145,7 @@
                 </a:pPr>
                 <a:r>
                   <a:rPr lang="fr-CA" sz="1800" dirty="0"/>
-                  <a:t>Afin d’effectuer la vérification de solution et trouver la meilleure solution ou donner un intervalle d’incertitude sur la solution, il faut commencer par établir l’ordre de convergence observée pour le cas de la partie lombaire de la colonne vertébrale. On fixe la donnée d’entrée à F=200N pour effectuer la vérification.</a:t>
+                  <a:t>Afin d’effectuer la vérification de solution et trouver la meilleure solution ou donner un intervalle d’incertitude sur la solution, il faut commencer par établir l’ordre de convergence observée pour le cas de la partie lombaire de la colonne vertébrale. On fixe la donnée d’entrée à F=150N pour effectuer la vérification.</a:t>
                 </a:r>
               </a:p>
               <a:p>
@@ -20631,7 +20643,7 @@
             </p:txBody>
           </p:sp>
         </mc:Choice>
-        <mc:Fallback xmlns="">
+        <mc:Fallback>
           <p:sp>
             <p:nvSpPr>
               <p:cNvPr id="3" name="Content Placeholder 2">
@@ -20665,7 +20677,7 @@
               <a:lstStyle/>
               <a:p>
                 <a:r>
-                  <a:rPr lang="en-CA">
+                  <a:rPr lang="fr-FR">
                     <a:noFill/>
                   </a:rPr>
                   <a:t> </a:t>
@@ -20687,7 +20699,13 @@
           <p:cNvGraphicFramePr>
             <a:graphicFrameLocks noGrp="1"/>
           </p:cNvGraphicFramePr>
-          <p:nvPr/>
+          <p:nvPr>
+            <p:extLst>
+              <p:ext uri="{D42A27DB-BD31-4B8C-83A1-F6EECF244321}">
+                <p14:modId xmlns:p14="http://schemas.microsoft.com/office/powerpoint/2010/main" val="2064034302"/>
+              </p:ext>
+            </p:extLst>
+          </p:nvPr>
         </p:nvGraphicFramePr>
         <p:xfrm>
           <a:off x="838200" y="4172647"/>
@@ -20817,20 +20835,19 @@
                     <a:bodyPr/>
                     <a:lstStyle/>
                     <a:p>
-                      <a:pPr algn="ctr" fontAlgn="ctr"/>
+                      <a:pPr marL="0" algn="ctr" defTabSz="914400" rtl="0" eaLnBrk="1" fontAlgn="ctr" latinLnBrk="0" hangingPunct="1"/>
                       <a:r>
-                        <a:rPr lang="fr-CA" sz="1300" u="none" strike="noStrike" dirty="0">
+                        <a:rPr lang="fr-CA" sz="1300" u="none" strike="noStrike" kern="1200" dirty="0">
+                          <a:solidFill>
+                            <a:schemeClr val="dk1"/>
+                          </a:solidFill>
                           <a:effectLst/>
+                          <a:latin typeface="+mn-lt"/>
+                          <a:ea typeface="+mn-ea"/>
+                          <a:cs typeface="+mn-cs"/>
                         </a:rPr>
-                        <a:t>41,54</a:t>
+                        <a:t>18,8922314</a:t>
                       </a:r>
-                      <a:endParaRPr lang="fr-CA" sz="1300" b="0" i="0" u="none" strike="noStrike" dirty="0">
-                        <a:solidFill>
-                          <a:srgbClr val="000000"/>
-                        </a:solidFill>
-                        <a:effectLst/>
-                        <a:latin typeface="Calibri" panose="020F0502020204030204" pitchFamily="34" charset="0"/>
-                      </a:endParaRPr>
                     </a:p>
                   </a:txBody>
                   <a:tcPr marL="7620" marR="7620" marT="7620" marB="0" anchor="ctr"/>
@@ -20870,12 +20887,18 @@
                     <a:bodyPr/>
                     <a:lstStyle/>
                     <a:p>
-                      <a:pPr algn="ctr" fontAlgn="ctr"/>
+                      <a:pPr marL="0" algn="ctr" defTabSz="914400" rtl="0" eaLnBrk="1" fontAlgn="ctr" latinLnBrk="0" hangingPunct="1"/>
                       <a:r>
-                        <a:rPr lang="fr-CA" sz="1300" u="none" strike="noStrike" dirty="0">
+                        <a:rPr lang="fr-CA" sz="1300" u="none" strike="noStrike" kern="1200" dirty="0">
+                          <a:solidFill>
+                            <a:schemeClr val="dk1"/>
+                          </a:solidFill>
                           <a:effectLst/>
+                          <a:latin typeface="+mn-lt"/>
+                          <a:ea typeface="+mn-ea"/>
+                          <a:cs typeface="+mn-cs"/>
                         </a:rPr>
-                        <a:t>41,54752469</a:t>
+                        <a:t>18,8847067</a:t>
                       </a:r>
                     </a:p>
                   </a:txBody>
@@ -20895,12 +20918,12 @@
                     <a:p>
                       <a:pPr algn="ctr" fontAlgn="ctr"/>
                       <a:r>
-                        <a:rPr lang="fr-CA" sz="1300" u="none" strike="noStrike">
+                        <a:rPr lang="fr-CA" sz="1300" u="none" strike="noStrike" dirty="0">
                           <a:effectLst/>
                         </a:rPr>
                         <a:t>0,1</a:t>
                       </a:r>
-                      <a:endParaRPr lang="fr-CA" sz="1300" b="0" i="0" u="none" strike="noStrike">
+                      <a:endParaRPr lang="fr-CA" sz="1300" b="0" i="0" u="none" strike="noStrike" dirty="0">
                         <a:solidFill>
                           <a:srgbClr val="000000"/>
                         </a:solidFill>
@@ -20916,12 +20939,18 @@
                     <a:bodyPr/>
                     <a:lstStyle/>
                     <a:p>
-                      <a:pPr algn="ctr" fontAlgn="ctr"/>
+                      <a:pPr marL="0" algn="ctr" defTabSz="914400" rtl="0" eaLnBrk="1" fontAlgn="ctr" latinLnBrk="0" hangingPunct="1"/>
                       <a:r>
-                        <a:rPr lang="fr-CA" sz="1300" u="none" strike="noStrike" dirty="0">
+                        <a:rPr lang="fr-CA" sz="1300" u="none" strike="noStrike" kern="1200" dirty="0">
+                          <a:solidFill>
+                            <a:schemeClr val="dk1"/>
+                          </a:solidFill>
                           <a:effectLst/>
+                          <a:latin typeface="+mn-lt"/>
+                          <a:ea typeface="+mn-ea"/>
+                          <a:cs typeface="+mn-cs"/>
                         </a:rPr>
-                        <a:t>41,54968269</a:t>
+                        <a:t>18,8825487</a:t>
                       </a:r>
                     </a:p>
                   </a:txBody>
@@ -20962,12 +20991,18 @@
                     <a:bodyPr/>
                     <a:lstStyle/>
                     <a:p>
-                      <a:pPr algn="ctr" fontAlgn="ctr"/>
+                      <a:pPr marL="0" algn="ctr" defTabSz="914400" rtl="0" eaLnBrk="1" fontAlgn="ctr" latinLnBrk="0" hangingPunct="1"/>
                       <a:r>
-                        <a:rPr lang="fr-CA" sz="1300" u="none" strike="noStrike" dirty="0">
+                        <a:rPr lang="fr-CA" sz="1300" u="none" strike="noStrike" kern="1200" dirty="0">
+                          <a:solidFill>
+                            <a:schemeClr val="dk1"/>
+                          </a:solidFill>
                           <a:effectLst/>
+                          <a:latin typeface="+mn-lt"/>
+                          <a:ea typeface="+mn-ea"/>
+                          <a:cs typeface="+mn-cs"/>
                         </a:rPr>
-                        <a:t>41,54970169</a:t>
+                        <a:t>18,8825297</a:t>
                       </a:r>
                     </a:p>
                   </a:txBody>
@@ -21688,15 +21723,6 @@
 </file>
 
 <file path=customXml/item1.xml><?xml version="1.0" encoding="utf-8"?>
-<?mso-contentType ?>
-<FormTemplates xmlns="http://schemas.microsoft.com/sharepoint/v3/contenttype/forms">
-  <Display>DocumentLibraryForm</Display>
-  <Edit>DocumentLibraryForm</Edit>
-  <New>DocumentLibraryForm</New>
-</FormTemplates>
-</file>
-
-<file path=customXml/item2.xml><?xml version="1.0" encoding="utf-8"?>
 <ct:contentTypeSchema xmlns:ct="http://schemas.microsoft.com/office/2006/metadata/contentType" xmlns:ma="http://schemas.microsoft.com/office/2006/metadata/properties/metaAttributes" ct:_="" ma:_="" ma:contentTypeName="Document" ma:contentTypeID="0x010100744768CFAF743F4A83B0523C20156377" ma:contentTypeVersion="11" ma:contentTypeDescription="Create a new document." ma:contentTypeScope="" ma:versionID="aafa440e1ffbdaf1b0956f4ac1c916a8">
   <xsd:schema xmlns:xsd="http://www.w3.org/2001/XMLSchema" xmlns:xs="http://www.w3.org/2001/XMLSchema" xmlns:p="http://schemas.microsoft.com/office/2006/metadata/properties" xmlns:ns2="ec825916-6f01-4646-bf11-4e97fdd06dc8" xmlns:ns3="10202d72-3646-4d36-9cf4-1feba2c78df0" targetNamespace="http://schemas.microsoft.com/office/2006/metadata/properties" ma:root="true" ma:fieldsID="7a73fe93b8aa32af4ca50956a2221801" ns2:_="" ns3:_="">
     <xsd:import namespace="ec825916-6f01-4646-bf11-4e97fdd06dc8"/>
@@ -21891,6 +21917,15 @@
 </ct:contentTypeSchema>
 </file>
 
+<file path=customXml/item2.xml><?xml version="1.0" encoding="utf-8"?>
+<?mso-contentType ?>
+<FormTemplates xmlns="http://schemas.microsoft.com/sharepoint/v3/contenttype/forms">
+  <Display>DocumentLibraryForm</Display>
+  <Edit>DocumentLibraryForm</Edit>
+  <New>DocumentLibraryForm</New>
+</FormTemplates>
+</file>
+
 <file path=customXml/item3.xml><?xml version="1.0" encoding="utf-8"?>
 <p:properties xmlns:p="http://schemas.microsoft.com/office/2006/metadata/properties" xmlns:xsi="http://www.w3.org/2001/XMLSchema-instance" xmlns:pc="http://schemas.microsoft.com/office/infopath/2007/PartnerControls">
   <documentManagement>
@@ -21903,14 +21938,6 @@
 </file>
 
 <file path=customXml/itemProps1.xml><?xml version="1.0" encoding="utf-8"?>
-<ds:datastoreItem xmlns:ds="http://schemas.openxmlformats.org/officeDocument/2006/customXml" ds:itemID="{73F4A501-0066-4B8E-9AA2-A07CF344BF69}">
-  <ds:schemaRefs>
-    <ds:schemaRef ds:uri="http://schemas.microsoft.com/sharepoint/v3/contenttype/forms"/>
-  </ds:schemaRefs>
-</ds:datastoreItem>
-</file>
-
-<file path=customXml/itemProps2.xml><?xml version="1.0" encoding="utf-8"?>
 <ds:datastoreItem xmlns:ds="http://schemas.openxmlformats.org/officeDocument/2006/customXml" ds:itemID="{4AB5C90D-8262-4EAC-95BF-2CC4C44D50EC}">
   <ds:schemaRefs>
     <ds:schemaRef ds:uri="10202d72-3646-4d36-9cf4-1feba2c78df0"/>
@@ -21925,6 +21952,14 @@
     <ds:schemaRef ds:uri="http://schemas.microsoft.com/office/infopath/2007/PartnerControls"/>
     <ds:schemaRef ds:uri="http://schemas.openxmlformats.org/package/2006/metadata/core-properties"/>
     <ds:schemaRef ds:uri="http://www.w3.org/2001/XMLSchema"/>
+  </ds:schemaRefs>
+</ds:datastoreItem>
+</file>
+
+<file path=customXml/itemProps2.xml><?xml version="1.0" encoding="utf-8"?>
+<ds:datastoreItem xmlns:ds="http://schemas.openxmlformats.org/officeDocument/2006/customXml" ds:itemID="{73F4A501-0066-4B8E-9AA2-A07CF344BF69}">
+  <ds:schemaRefs>
+    <ds:schemaRef ds:uri="http://schemas.microsoft.com/sharepoint/v3/contenttype/forms"/>
   </ds:schemaRefs>
 </ds:datastoreItem>
 </file>

--- a/Rapport_Projet_V1.pptx
+++ b/Rapport_Projet_V1.pptx
@@ -5,7 +5,7 @@
     <p:sldMasterId id="2147483648" r:id="rId4"/>
   </p:sldMasterIdLst>
   <p:notesMasterIdLst>
-    <p:notesMasterId r:id="rId24"/>
+    <p:notesMasterId r:id="rId25"/>
   </p:notesMasterIdLst>
   <p:sldIdLst>
     <p:sldId id="256" r:id="rId5"/>
@@ -15,18 +15,19 @@
     <p:sldId id="264" r:id="rId9"/>
     <p:sldId id="262" r:id="rId10"/>
     <p:sldId id="268" r:id="rId11"/>
-    <p:sldId id="284" r:id="rId12"/>
-    <p:sldId id="281" r:id="rId13"/>
-    <p:sldId id="280" r:id="rId14"/>
-    <p:sldId id="270" r:id="rId15"/>
-    <p:sldId id="274" r:id="rId16"/>
-    <p:sldId id="273" r:id="rId17"/>
-    <p:sldId id="277" r:id="rId18"/>
-    <p:sldId id="279" r:id="rId19"/>
-    <p:sldId id="278" r:id="rId20"/>
-    <p:sldId id="271" r:id="rId21"/>
-    <p:sldId id="283" r:id="rId22"/>
-    <p:sldId id="282" r:id="rId23"/>
+    <p:sldId id="285" r:id="rId12"/>
+    <p:sldId id="286" r:id="rId13"/>
+    <p:sldId id="281" r:id="rId14"/>
+    <p:sldId id="280" r:id="rId15"/>
+    <p:sldId id="270" r:id="rId16"/>
+    <p:sldId id="274" r:id="rId17"/>
+    <p:sldId id="273" r:id="rId18"/>
+    <p:sldId id="277" r:id="rId19"/>
+    <p:sldId id="279" r:id="rId20"/>
+    <p:sldId id="278" r:id="rId21"/>
+    <p:sldId id="271" r:id="rId22"/>
+    <p:sldId id="283" r:id="rId23"/>
+    <p:sldId id="282" r:id="rId24"/>
   </p:sldIdLst>
   <p:sldSz cx="12192000" cy="6858000"/>
   <p:notesSz cx="6858000" cy="9144000"/>
@@ -961,6 +962,669 @@
     </mc:Fallback>
   </mc:AlternateContent>
   <c:chart>
+    <c:title>
+      <c:tx>
+        <c:rich>
+          <a:bodyPr rot="0" spcFirstLastPara="1" vertOverflow="ellipsis" vert="horz" wrap="square" anchor="ctr" anchorCtr="1"/>
+          <a:lstStyle/>
+          <a:p>
+            <a:pPr>
+              <a:defRPr sz="1400" b="0" i="0" u="none" strike="noStrike" kern="1200" spc="0" baseline="0">
+                <a:solidFill>
+                  <a:schemeClr val="tx1">
+                    <a:lumMod val="65000"/>
+                    <a:lumOff val="35000"/>
+                  </a:schemeClr>
+                </a:solidFill>
+                <a:latin typeface="+mn-lt"/>
+                <a:ea typeface="+mn-ea"/>
+                <a:cs typeface="+mn-cs"/>
+              </a:defRPr>
+            </a:pPr>
+            <a:r>
+              <a:rPr lang="fr-CA" dirty="0"/>
+              <a:t>Convergence</a:t>
+            </a:r>
+            <a:r>
+              <a:rPr lang="fr-CA" baseline="0" dirty="0"/>
+              <a:t> de l'erreur L</a:t>
+            </a:r>
+            <a:r>
+              <a:rPr lang="fr-CA" baseline="-25000" dirty="0"/>
+              <a:t>2</a:t>
+            </a:r>
+            <a:r>
+              <a:rPr lang="fr-CA" baseline="0" dirty="0"/>
+              <a:t> en fonction du pas en espace dx</a:t>
+            </a:r>
+            <a:endParaRPr lang="fr-CA" dirty="0"/>
+          </a:p>
+        </c:rich>
+      </c:tx>
+      <c:overlay val="0"/>
+      <c:spPr>
+        <a:noFill/>
+        <a:ln>
+          <a:noFill/>
+        </a:ln>
+        <a:effectLst/>
+      </c:spPr>
+      <c:txPr>
+        <a:bodyPr rot="0" spcFirstLastPara="1" vertOverflow="ellipsis" vert="horz" wrap="square" anchor="ctr" anchorCtr="1"/>
+        <a:lstStyle/>
+        <a:p>
+          <a:pPr>
+            <a:defRPr sz="1400" b="0" i="0" u="none" strike="noStrike" kern="1200" spc="0" baseline="0">
+              <a:solidFill>
+                <a:schemeClr val="tx1">
+                  <a:lumMod val="65000"/>
+                  <a:lumOff val="35000"/>
+                </a:schemeClr>
+              </a:solidFill>
+              <a:latin typeface="+mn-lt"/>
+              <a:ea typeface="+mn-ea"/>
+              <a:cs typeface="+mn-cs"/>
+            </a:defRPr>
+          </a:pPr>
+          <a:endParaRPr lang="fr-FR"/>
+        </a:p>
+      </c:txPr>
+    </c:title>
+    <c:autoTitleDeleted val="0"/>
+    <c:plotArea>
+      <c:layout/>
+      <c:scatterChart>
+        <c:scatterStyle val="lineMarker"/>
+        <c:varyColors val="0"/>
+        <c:ser>
+          <c:idx val="0"/>
+          <c:order val="0"/>
+          <c:tx>
+            <c:strRef>
+              <c:f>[2]AnalyseCV_Mehdi!$T$62</c:f>
+              <c:strCache>
+                <c:ptCount val="1"/>
+                <c:pt idx="0">
+                  <c:v>L2</c:v>
+                </c:pt>
+              </c:strCache>
+            </c:strRef>
+          </c:tx>
+          <c:spPr>
+            <a:ln w="25400" cap="rnd">
+              <a:noFill/>
+              <a:round/>
+            </a:ln>
+            <a:effectLst/>
+          </c:spPr>
+          <c:marker>
+            <c:symbol val="circle"/>
+            <c:size val="5"/>
+            <c:spPr>
+              <a:solidFill>
+                <a:schemeClr val="accent1"/>
+              </a:solidFill>
+              <a:ln w="9525">
+                <a:solidFill>
+                  <a:schemeClr val="accent1"/>
+                </a:solidFill>
+              </a:ln>
+              <a:effectLst/>
+            </c:spPr>
+          </c:marker>
+          <c:trendline>
+            <c:spPr>
+              <a:ln w="19050" cap="rnd">
+                <a:solidFill>
+                  <a:schemeClr val="accent1"/>
+                </a:solidFill>
+                <a:prstDash val="sysDot"/>
+              </a:ln>
+              <a:effectLst/>
+            </c:spPr>
+            <c:trendlineType val="power"/>
+            <c:dispRSqr val="1"/>
+            <c:dispEq val="1"/>
+            <c:trendlineLbl>
+              <c:layout>
+                <c:manualLayout>
+                  <c:x val="-0.15263381944437834"/>
+                  <c:y val="5.8601463102773456E-2"/>
+                </c:manualLayout>
+              </c:layout>
+              <c:numFmt formatCode="General" sourceLinked="0"/>
+              <c:spPr>
+                <a:noFill/>
+                <a:ln>
+                  <a:noFill/>
+                </a:ln>
+                <a:effectLst/>
+              </c:spPr>
+              <c:txPr>
+                <a:bodyPr rot="0" spcFirstLastPara="1" vertOverflow="ellipsis" vert="horz" wrap="square" anchor="ctr" anchorCtr="1"/>
+                <a:lstStyle/>
+                <a:p>
+                  <a:pPr>
+                    <a:defRPr sz="900" b="0" i="0" u="none" strike="noStrike" kern="1200" baseline="0">
+                      <a:solidFill>
+                        <a:schemeClr val="tx1">
+                          <a:lumMod val="65000"/>
+                          <a:lumOff val="35000"/>
+                        </a:schemeClr>
+                      </a:solidFill>
+                      <a:latin typeface="+mn-lt"/>
+                      <a:ea typeface="+mn-ea"/>
+                      <a:cs typeface="+mn-cs"/>
+                    </a:defRPr>
+                  </a:pPr>
+                  <a:endParaRPr lang="fr-FR"/>
+                </a:p>
+              </c:txPr>
+            </c:trendlineLbl>
+          </c:trendline>
+          <c:xVal>
+            <c:numRef>
+              <c:f>[2]AnalyseCV_Mehdi!$Q$63:$Q$68</c:f>
+              <c:numCache>
+                <c:formatCode>General</c:formatCode>
+                <c:ptCount val="6"/>
+                <c:pt idx="0">
+                  <c:v>500</c:v>
+                </c:pt>
+                <c:pt idx="1">
+                  <c:v>250</c:v>
+                </c:pt>
+                <c:pt idx="2">
+                  <c:v>125</c:v>
+                </c:pt>
+                <c:pt idx="3">
+                  <c:v>62.5</c:v>
+                </c:pt>
+                <c:pt idx="4">
+                  <c:v>31.25</c:v>
+                </c:pt>
+                <c:pt idx="5">
+                  <c:v>15.625</c:v>
+                </c:pt>
+              </c:numCache>
+            </c:numRef>
+          </c:xVal>
+          <c:yVal>
+            <c:numRef>
+              <c:f>[2]AnalyseCV_Mehdi!$T$63:$T$68</c:f>
+              <c:numCache>
+                <c:formatCode>General</c:formatCode>
+                <c:ptCount val="6"/>
+                <c:pt idx="0">
+                  <c:v>7.118441843312846</c:v>
+                </c:pt>
+                <c:pt idx="1">
+                  <c:v>1.9837612360525056</c:v>
+                </c:pt>
+                <c:pt idx="2">
+                  <c:v>1.1131635559756325</c:v>
+                </c:pt>
+                <c:pt idx="3">
+                  <c:v>0.13702613218810117</c:v>
+                </c:pt>
+                <c:pt idx="4">
+                  <c:v>4.3048024262074103E-2</c:v>
+                </c:pt>
+                <c:pt idx="5">
+                  <c:v>2.1287766398436783E-2</c:v>
+                </c:pt>
+              </c:numCache>
+            </c:numRef>
+          </c:yVal>
+          <c:smooth val="0"/>
+          <c:extLst>
+            <c:ext xmlns:c16="http://schemas.microsoft.com/office/drawing/2014/chart" uri="{C3380CC4-5D6E-409C-BE32-E72D297353CC}">
+              <c16:uniqueId val="{00000001-EFB4-41C8-9D97-799DDE8B7866}"/>
+            </c:ext>
+          </c:extLst>
+        </c:ser>
+        <c:dLbls>
+          <c:showLegendKey val="0"/>
+          <c:showVal val="0"/>
+          <c:showCatName val="0"/>
+          <c:showSerName val="0"/>
+          <c:showPercent val="0"/>
+          <c:showBubbleSize val="0"/>
+        </c:dLbls>
+        <c:axId val="1911372511"/>
+        <c:axId val="1420657695"/>
+        <c:extLst>
+          <c:ext xmlns:c15="http://schemas.microsoft.com/office/drawing/2012/chart" uri="{02D57815-91ED-43cb-92C2-25804820EDAC}">
+            <c15:filteredScatterSeries>
+              <c15:ser>
+                <c:idx val="1"/>
+                <c:order val="1"/>
+                <c:spPr>
+                  <a:ln w="25400" cap="rnd">
+                    <a:noFill/>
+                    <a:round/>
+                  </a:ln>
+                  <a:effectLst/>
+                </c:spPr>
+                <c:marker>
+                  <c:symbol val="circle"/>
+                  <c:size val="5"/>
+                  <c:spPr>
+                    <a:solidFill>
+                      <a:schemeClr val="accent2"/>
+                    </a:solidFill>
+                    <a:ln w="9525">
+                      <a:solidFill>
+                        <a:schemeClr val="accent2"/>
+                      </a:solidFill>
+                    </a:ln>
+                    <a:effectLst/>
+                  </c:spPr>
+                </c:marker>
+                <c:trendline>
+                  <c:spPr>
+                    <a:ln w="19050" cap="rnd">
+                      <a:solidFill>
+                        <a:schemeClr val="accent2"/>
+                      </a:solidFill>
+                      <a:prstDash val="sysDot"/>
+                    </a:ln>
+                    <a:effectLst/>
+                  </c:spPr>
+                  <c:trendlineType val="power"/>
+                  <c:dispRSqr val="1"/>
+                  <c:dispEq val="1"/>
+                  <c:trendlineLbl>
+                    <c:numFmt formatCode="General" sourceLinked="0"/>
+                    <c:spPr>
+                      <a:noFill/>
+                      <a:ln>
+                        <a:noFill/>
+                      </a:ln>
+                      <a:effectLst/>
+                    </c:spPr>
+                    <c:txPr>
+                      <a:bodyPr rot="0" spcFirstLastPara="1" vertOverflow="ellipsis" vert="horz" wrap="square" anchor="ctr" anchorCtr="1"/>
+                      <a:lstStyle/>
+                      <a:p>
+                        <a:pPr>
+                          <a:defRPr sz="900" b="0" i="0" u="none" strike="noStrike" kern="1200" baseline="0">
+                            <a:solidFill>
+                              <a:schemeClr val="tx1">
+                                <a:lumMod val="65000"/>
+                                <a:lumOff val="35000"/>
+                              </a:schemeClr>
+                            </a:solidFill>
+                            <a:latin typeface="+mn-lt"/>
+                            <a:ea typeface="+mn-ea"/>
+                            <a:cs typeface="+mn-cs"/>
+                          </a:defRPr>
+                        </a:pPr>
+                        <a:endParaRPr lang="fr-FR"/>
+                      </a:p>
+                    </c:txPr>
+                  </c:trendlineLbl>
+                </c:trendline>
+                <c:xVal>
+                  <c:numRef>
+                    <c:extLst>
+                      <c:ext uri="{02D57815-91ED-43cb-92C2-25804820EDAC}">
+                        <c15:formulaRef>
+                          <c15:sqref>[2]AnalyseCV_Mehdi!$Q$66:$Q$68</c15:sqref>
+                        </c15:formulaRef>
+                      </c:ext>
+                    </c:extLst>
+                    <c:numCache>
+                      <c:formatCode>General</c:formatCode>
+                      <c:ptCount val="3"/>
+                      <c:pt idx="0">
+                        <c:v>62.5</c:v>
+                      </c:pt>
+                      <c:pt idx="1">
+                        <c:v>31.25</c:v>
+                      </c:pt>
+                      <c:pt idx="2">
+                        <c:v>15.625</c:v>
+                      </c:pt>
+                    </c:numCache>
+                  </c:numRef>
+                </c:xVal>
+                <c:yVal>
+                  <c:numRef>
+                    <c:extLst>
+                      <c:ext uri="{02D57815-91ED-43cb-92C2-25804820EDAC}">
+                        <c15:formulaRef>
+                          <c15:sqref>[2]AnalyseCV_Mehdi!$T$66:$T$68</c15:sqref>
+                        </c15:formulaRef>
+                      </c:ext>
+                    </c:extLst>
+                    <c:numCache>
+                      <c:formatCode>General</c:formatCode>
+                      <c:ptCount val="3"/>
+                      <c:pt idx="0">
+                        <c:v>0.13702613218810117</c:v>
+                      </c:pt>
+                      <c:pt idx="1">
+                        <c:v>4.3048024262074103E-2</c:v>
+                      </c:pt>
+                      <c:pt idx="2">
+                        <c:v>2.1287766398436783E-2</c:v>
+                      </c:pt>
+                    </c:numCache>
+                  </c:numRef>
+                </c:yVal>
+                <c:smooth val="0"/>
+                <c:extLst>
+                  <c:ext xmlns:c16="http://schemas.microsoft.com/office/drawing/2014/chart" uri="{C3380CC4-5D6E-409C-BE32-E72D297353CC}">
+                    <c16:uniqueId val="{00000003-EFB4-41C8-9D97-799DDE8B7866}"/>
+                  </c:ext>
+                </c:extLst>
+              </c15:ser>
+            </c15:filteredScatterSeries>
+          </c:ext>
+        </c:extLst>
+      </c:scatterChart>
+      <c:valAx>
+        <c:axId val="1911372511"/>
+        <c:scaling>
+          <c:logBase val="10"/>
+          <c:orientation val="minMax"/>
+        </c:scaling>
+        <c:delete val="0"/>
+        <c:axPos val="b"/>
+        <c:majorGridlines>
+          <c:spPr>
+            <a:ln w="9525" cap="flat" cmpd="sng" algn="ctr">
+              <a:solidFill>
+                <a:schemeClr val="tx1">
+                  <a:lumMod val="15000"/>
+                  <a:lumOff val="85000"/>
+                </a:schemeClr>
+              </a:solidFill>
+              <a:round/>
+            </a:ln>
+            <a:effectLst/>
+          </c:spPr>
+        </c:majorGridlines>
+        <c:title>
+          <c:tx>
+            <c:rich>
+              <a:bodyPr rot="0" spcFirstLastPara="1" vertOverflow="ellipsis" vert="horz" wrap="square" anchor="ctr" anchorCtr="1"/>
+              <a:lstStyle/>
+              <a:p>
+                <a:pPr>
+                  <a:defRPr sz="1000" b="0" i="0" u="none" strike="noStrike" kern="1200" baseline="0">
+                    <a:solidFill>
+                      <a:schemeClr val="tx1">
+                        <a:lumMod val="65000"/>
+                        <a:lumOff val="35000"/>
+                      </a:schemeClr>
+                    </a:solidFill>
+                    <a:latin typeface="+mn-lt"/>
+                    <a:ea typeface="+mn-ea"/>
+                    <a:cs typeface="+mn-cs"/>
+                  </a:defRPr>
+                </a:pPr>
+                <a:r>
+                  <a:rPr lang="fr-CA"/>
+                  <a:t>dx</a:t>
+                </a:r>
+                <a:r>
+                  <a:rPr lang="fr-CA" baseline="0"/>
+                  <a:t> [m]</a:t>
+                </a:r>
+                <a:endParaRPr lang="fr-CA"/>
+              </a:p>
+            </c:rich>
+          </c:tx>
+          <c:overlay val="0"/>
+          <c:spPr>
+            <a:noFill/>
+            <a:ln>
+              <a:noFill/>
+            </a:ln>
+            <a:effectLst/>
+          </c:spPr>
+          <c:txPr>
+            <a:bodyPr rot="0" spcFirstLastPara="1" vertOverflow="ellipsis" vert="horz" wrap="square" anchor="ctr" anchorCtr="1"/>
+            <a:lstStyle/>
+            <a:p>
+              <a:pPr>
+                <a:defRPr sz="1000" b="0" i="0" u="none" strike="noStrike" kern="1200" baseline="0">
+                  <a:solidFill>
+                    <a:schemeClr val="tx1">
+                      <a:lumMod val="65000"/>
+                      <a:lumOff val="35000"/>
+                    </a:schemeClr>
+                  </a:solidFill>
+                  <a:latin typeface="+mn-lt"/>
+                  <a:ea typeface="+mn-ea"/>
+                  <a:cs typeface="+mn-cs"/>
+                </a:defRPr>
+              </a:pPr>
+              <a:endParaRPr lang="fr-FR"/>
+            </a:p>
+          </c:txPr>
+        </c:title>
+        <c:numFmt formatCode="General" sourceLinked="1"/>
+        <c:majorTickMark val="none"/>
+        <c:minorTickMark val="none"/>
+        <c:tickLblPos val="nextTo"/>
+        <c:spPr>
+          <a:noFill/>
+          <a:ln w="9525" cap="flat" cmpd="sng" algn="ctr">
+            <a:solidFill>
+              <a:schemeClr val="tx1">
+                <a:lumMod val="25000"/>
+                <a:lumOff val="75000"/>
+              </a:schemeClr>
+            </a:solidFill>
+            <a:round/>
+          </a:ln>
+          <a:effectLst/>
+        </c:spPr>
+        <c:txPr>
+          <a:bodyPr rot="-60000000" spcFirstLastPara="1" vertOverflow="ellipsis" vert="horz" wrap="square" anchor="ctr" anchorCtr="1"/>
+          <a:lstStyle/>
+          <a:p>
+            <a:pPr>
+              <a:defRPr sz="900" b="0" i="0" u="none" strike="noStrike" kern="1200" baseline="0">
+                <a:solidFill>
+                  <a:schemeClr val="tx1">
+                    <a:lumMod val="65000"/>
+                    <a:lumOff val="35000"/>
+                  </a:schemeClr>
+                </a:solidFill>
+                <a:latin typeface="+mn-lt"/>
+                <a:ea typeface="+mn-ea"/>
+                <a:cs typeface="+mn-cs"/>
+              </a:defRPr>
+            </a:pPr>
+            <a:endParaRPr lang="fr-FR"/>
+          </a:p>
+        </c:txPr>
+        <c:crossAx val="1420657695"/>
+        <c:crosses val="autoZero"/>
+        <c:crossBetween val="midCat"/>
+      </c:valAx>
+      <c:valAx>
+        <c:axId val="1420657695"/>
+        <c:scaling>
+          <c:logBase val="10"/>
+          <c:orientation val="minMax"/>
+        </c:scaling>
+        <c:delete val="0"/>
+        <c:axPos val="l"/>
+        <c:majorGridlines>
+          <c:spPr>
+            <a:ln w="9525" cap="flat" cmpd="sng" algn="ctr">
+              <a:solidFill>
+                <a:schemeClr val="tx1">
+                  <a:lumMod val="15000"/>
+                  <a:lumOff val="85000"/>
+                </a:schemeClr>
+              </a:solidFill>
+              <a:round/>
+            </a:ln>
+            <a:effectLst/>
+          </c:spPr>
+        </c:majorGridlines>
+        <c:title>
+          <c:tx>
+            <c:rich>
+              <a:bodyPr rot="-5400000" spcFirstLastPara="1" vertOverflow="ellipsis" vert="horz" wrap="square" anchor="ctr" anchorCtr="1"/>
+              <a:lstStyle/>
+              <a:p>
+                <a:pPr>
+                  <a:defRPr sz="1000" b="0" i="0" u="none" strike="noStrike" kern="1200" baseline="0">
+                    <a:solidFill>
+                      <a:schemeClr val="tx1">
+                        <a:lumMod val="65000"/>
+                        <a:lumOff val="35000"/>
+                      </a:schemeClr>
+                    </a:solidFill>
+                    <a:latin typeface="+mn-lt"/>
+                    <a:ea typeface="+mn-ea"/>
+                    <a:cs typeface="+mn-cs"/>
+                  </a:defRPr>
+                </a:pPr>
+                <a:r>
+                  <a:rPr lang="fr-CA" dirty="0"/>
+                  <a:t>Erreur L</a:t>
+                </a:r>
+                <a:r>
+                  <a:rPr lang="fr-CA" baseline="-25000" dirty="0"/>
+                  <a:t>2</a:t>
+                </a:r>
+              </a:p>
+            </c:rich>
+          </c:tx>
+          <c:overlay val="0"/>
+          <c:spPr>
+            <a:noFill/>
+            <a:ln>
+              <a:noFill/>
+            </a:ln>
+            <a:effectLst/>
+          </c:spPr>
+          <c:txPr>
+            <a:bodyPr rot="-5400000" spcFirstLastPara="1" vertOverflow="ellipsis" vert="horz" wrap="square" anchor="ctr" anchorCtr="1"/>
+            <a:lstStyle/>
+            <a:p>
+              <a:pPr>
+                <a:defRPr sz="1000" b="0" i="0" u="none" strike="noStrike" kern="1200" baseline="0">
+                  <a:solidFill>
+                    <a:schemeClr val="tx1">
+                      <a:lumMod val="65000"/>
+                      <a:lumOff val="35000"/>
+                    </a:schemeClr>
+                  </a:solidFill>
+                  <a:latin typeface="+mn-lt"/>
+                  <a:ea typeface="+mn-ea"/>
+                  <a:cs typeface="+mn-cs"/>
+                </a:defRPr>
+              </a:pPr>
+              <a:endParaRPr lang="fr-FR"/>
+            </a:p>
+          </c:txPr>
+        </c:title>
+        <c:numFmt formatCode="General" sourceLinked="1"/>
+        <c:majorTickMark val="none"/>
+        <c:minorTickMark val="none"/>
+        <c:tickLblPos val="nextTo"/>
+        <c:spPr>
+          <a:noFill/>
+          <a:ln w="9525" cap="flat" cmpd="sng" algn="ctr">
+            <a:solidFill>
+              <a:schemeClr val="tx1">
+                <a:lumMod val="25000"/>
+                <a:lumOff val="75000"/>
+              </a:schemeClr>
+            </a:solidFill>
+            <a:round/>
+          </a:ln>
+          <a:effectLst/>
+        </c:spPr>
+        <c:txPr>
+          <a:bodyPr rot="-60000000" spcFirstLastPara="1" vertOverflow="ellipsis" vert="horz" wrap="square" anchor="ctr" anchorCtr="1"/>
+          <a:lstStyle/>
+          <a:p>
+            <a:pPr>
+              <a:defRPr sz="900" b="0" i="0" u="none" strike="noStrike" kern="1200" baseline="0">
+                <a:solidFill>
+                  <a:schemeClr val="tx1">
+                    <a:lumMod val="65000"/>
+                    <a:lumOff val="35000"/>
+                  </a:schemeClr>
+                </a:solidFill>
+                <a:latin typeface="+mn-lt"/>
+                <a:ea typeface="+mn-ea"/>
+                <a:cs typeface="+mn-cs"/>
+              </a:defRPr>
+            </a:pPr>
+            <a:endParaRPr lang="fr-FR"/>
+          </a:p>
+        </c:txPr>
+        <c:crossAx val="1911372511"/>
+        <c:crosses val="autoZero"/>
+        <c:crossBetween val="midCat"/>
+      </c:valAx>
+      <c:spPr>
+        <a:noFill/>
+        <a:ln>
+          <a:noFill/>
+        </a:ln>
+        <a:effectLst/>
+      </c:spPr>
+    </c:plotArea>
+    <c:plotVisOnly val="1"/>
+    <c:dispBlanksAs val="gap"/>
+    <c:extLst>
+      <c:ext xmlns:c16r3="http://schemas.microsoft.com/office/drawing/2017/03/chart" uri="{56B9EC1D-385E-4148-901F-78D8002777C0}">
+        <c16r3:dataDisplayOptions16>
+          <c16r3:dispNaAsBlank val="1"/>
+        </c16r3:dataDisplayOptions16>
+      </c:ext>
+    </c:extLst>
+    <c:showDLblsOverMax val="0"/>
+  </c:chart>
+  <c:spPr>
+    <a:noFill/>
+    <a:ln>
+      <a:noFill/>
+    </a:ln>
+    <a:effectLst/>
+  </c:spPr>
+  <c:txPr>
+    <a:bodyPr/>
+    <a:lstStyle/>
+    <a:p>
+      <a:pPr>
+        <a:defRPr/>
+      </a:pPr>
+      <a:endParaRPr lang="fr-FR"/>
+    </a:p>
+  </c:txPr>
+  <c:externalData r:id="rId3">
+    <c:autoUpdate val="0"/>
+  </c:externalData>
+</c:chartSpace>
+</file>
+
+<file path=ppt/charts/chart2.xml><?xml version="1.0" encoding="utf-8"?>
+<c:chartSpace xmlns:c="http://schemas.openxmlformats.org/drawingml/2006/chart" xmlns:a="http://schemas.openxmlformats.org/drawingml/2006/main" xmlns:r="http://schemas.openxmlformats.org/officeDocument/2006/relationships" xmlns:c16r2="http://schemas.microsoft.com/office/drawing/2015/06/chart">
+  <c:date1904 val="0"/>
+  <c:lang val="fr-FR"/>
+  <c:roundedCorners val="0"/>
+  <mc:AlternateContent xmlns:mc="http://schemas.openxmlformats.org/markup-compatibility/2006">
+    <mc:Choice xmlns:c14="http://schemas.microsoft.com/office/drawing/2007/8/2/chart" Requires="c14">
+      <c14:style val="102"/>
+    </mc:Choice>
+    <mc:Fallback>
+      <c:style val="2"/>
+    </mc:Fallback>
+  </mc:AlternateContent>
+  <c:chart>
     <c:autoTitleDeleted val="1"/>
     <c:plotArea>
       <c:layout/>
@@ -1916,7 +2580,7 @@
 </c:chartSpace>
 </file>
 
-<file path=ppt/charts/chart2.xml><?xml version="1.0" encoding="utf-8"?>
+<file path=ppt/charts/chart3.xml><?xml version="1.0" encoding="utf-8"?>
 <c:chartSpace xmlns:c="http://schemas.openxmlformats.org/drawingml/2006/chart" xmlns:a="http://schemas.openxmlformats.org/drawingml/2006/main" xmlns:r="http://schemas.openxmlformats.org/officeDocument/2006/relationships" xmlns:c16r2="http://schemas.microsoft.com/office/drawing/2015/06/chart">
   <c:date1904 val="0"/>
   <c:lang val="fr-FR"/>
@@ -2889,7 +3553,7 @@
 </c:chartSpace>
 </file>
 
-<file path=ppt/charts/chart3.xml><?xml version="1.0" encoding="utf-8"?>
+<file path=ppt/charts/chart4.xml><?xml version="1.0" encoding="utf-8"?>
 <c:chartSpace xmlns:c="http://schemas.openxmlformats.org/drawingml/2006/chart" xmlns:a="http://schemas.openxmlformats.org/drawingml/2006/main" xmlns:r="http://schemas.openxmlformats.org/officeDocument/2006/relationships" xmlns:c16r2="http://schemas.microsoft.com/office/drawing/2015/06/chart">
   <c:date1904 val="0"/>
   <c:lang val="fr-FR"/>
@@ -3882,7 +4546,7 @@
 </c:chartSpace>
 </file>
 
-<file path=ppt/charts/chart4.xml><?xml version="1.0" encoding="utf-8"?>
+<file path=ppt/charts/chart5.xml><?xml version="1.0" encoding="utf-8"?>
 <c:chartSpace xmlns:c="http://schemas.openxmlformats.org/drawingml/2006/chart" xmlns:a="http://schemas.openxmlformats.org/drawingml/2006/main" xmlns:r="http://schemas.openxmlformats.org/officeDocument/2006/relationships" xmlns:c16r2="http://schemas.microsoft.com/office/drawing/2015/06/chart">
   <c:date1904 val="0"/>
   <c:lang val="fr-FR"/>
@@ -4341,6 +5005,46 @@
 </file>
 
 <file path=ppt/charts/colors4.xml><?xml version="1.0" encoding="utf-8"?>
+<cs:colorStyle xmlns:cs="http://schemas.microsoft.com/office/drawing/2012/chartStyle" xmlns:a="http://schemas.openxmlformats.org/drawingml/2006/main" meth="cycle" id="10">
+  <a:schemeClr val="accent1"/>
+  <a:schemeClr val="accent2"/>
+  <a:schemeClr val="accent3"/>
+  <a:schemeClr val="accent4"/>
+  <a:schemeClr val="accent5"/>
+  <a:schemeClr val="accent6"/>
+  <cs:variation/>
+  <cs:variation>
+    <a:lumMod val="60000"/>
+  </cs:variation>
+  <cs:variation>
+    <a:lumMod val="80000"/>
+    <a:lumOff val="20000"/>
+  </cs:variation>
+  <cs:variation>
+    <a:lumMod val="80000"/>
+  </cs:variation>
+  <cs:variation>
+    <a:lumMod val="60000"/>
+    <a:lumOff val="40000"/>
+  </cs:variation>
+  <cs:variation>
+    <a:lumMod val="50000"/>
+  </cs:variation>
+  <cs:variation>
+    <a:lumMod val="70000"/>
+    <a:lumOff val="30000"/>
+  </cs:variation>
+  <cs:variation>
+    <a:lumMod val="70000"/>
+  </cs:variation>
+  <cs:variation>
+    <a:lumMod val="50000"/>
+    <a:lumOff val="50000"/>
+  </cs:variation>
+</cs:colorStyle>
+</file>
+
+<file path=ppt/charts/colors5.xml><?xml version="1.0" encoding="utf-8"?>
 <cs:colorStyle xmlns:cs="http://schemas.microsoft.com/office/drawing/2012/chartStyle" xmlns:a="http://schemas.openxmlformats.org/drawingml/2006/main" meth="cycle" id="10">
   <a:schemeClr val="accent1"/>
   <a:schemeClr val="accent2"/>
@@ -6444,6 +7148,522 @@
 </cs:chartStyle>
 </file>
 
+<file path=ppt/charts/style5.xml><?xml version="1.0" encoding="utf-8"?>
+<cs:chartStyle xmlns:cs="http://schemas.microsoft.com/office/drawing/2012/chartStyle" xmlns:a="http://schemas.openxmlformats.org/drawingml/2006/main" id="240">
+  <cs:axisTitle>
+    <cs:lnRef idx="0"/>
+    <cs:fillRef idx="0"/>
+    <cs:effectRef idx="0"/>
+    <cs:fontRef idx="minor">
+      <a:schemeClr val="tx1">
+        <a:lumMod val="65000"/>
+        <a:lumOff val="35000"/>
+      </a:schemeClr>
+    </cs:fontRef>
+    <cs:defRPr sz="1000" kern="1200"/>
+  </cs:axisTitle>
+  <cs:categoryAxis>
+    <cs:lnRef idx="0"/>
+    <cs:fillRef idx="0"/>
+    <cs:effectRef idx="0"/>
+    <cs:fontRef idx="minor">
+      <a:schemeClr val="tx1">
+        <a:lumMod val="65000"/>
+        <a:lumOff val="35000"/>
+      </a:schemeClr>
+    </cs:fontRef>
+    <cs:spPr>
+      <a:ln w="9525" cap="flat" cmpd="sng" algn="ctr">
+        <a:solidFill>
+          <a:schemeClr val="tx1">
+            <a:lumMod val="25000"/>
+            <a:lumOff val="75000"/>
+          </a:schemeClr>
+        </a:solidFill>
+        <a:round/>
+      </a:ln>
+    </cs:spPr>
+    <cs:defRPr sz="900" kern="1200"/>
+  </cs:categoryAxis>
+  <cs:chartArea mods="allowNoFillOverride allowNoLineOverride">
+    <cs:lnRef idx="0"/>
+    <cs:fillRef idx="0"/>
+    <cs:effectRef idx="0"/>
+    <cs:fontRef idx="minor">
+      <a:schemeClr val="tx1"/>
+    </cs:fontRef>
+    <cs:spPr>
+      <a:solidFill>
+        <a:schemeClr val="bg1"/>
+      </a:solidFill>
+      <a:ln w="9525" cap="flat" cmpd="sng" algn="ctr">
+        <a:solidFill>
+          <a:schemeClr val="tx1">
+            <a:lumMod val="15000"/>
+            <a:lumOff val="85000"/>
+          </a:schemeClr>
+        </a:solidFill>
+        <a:round/>
+      </a:ln>
+    </cs:spPr>
+    <cs:defRPr sz="1000" kern="1200"/>
+  </cs:chartArea>
+  <cs:dataLabel>
+    <cs:lnRef idx="0"/>
+    <cs:fillRef idx="0"/>
+    <cs:effectRef idx="0"/>
+    <cs:fontRef idx="minor">
+      <a:schemeClr val="tx1">
+        <a:lumMod val="75000"/>
+        <a:lumOff val="25000"/>
+      </a:schemeClr>
+    </cs:fontRef>
+    <cs:defRPr sz="900" kern="1200"/>
+  </cs:dataLabel>
+  <cs:dataLabelCallout>
+    <cs:lnRef idx="0"/>
+    <cs:fillRef idx="0"/>
+    <cs:effectRef idx="0"/>
+    <cs:fontRef idx="minor">
+      <a:schemeClr val="dk1">
+        <a:lumMod val="65000"/>
+        <a:lumOff val="35000"/>
+      </a:schemeClr>
+    </cs:fontRef>
+    <cs:spPr>
+      <a:solidFill>
+        <a:schemeClr val="lt1"/>
+      </a:solidFill>
+      <a:ln>
+        <a:solidFill>
+          <a:schemeClr val="dk1">
+            <a:lumMod val="25000"/>
+            <a:lumOff val="75000"/>
+          </a:schemeClr>
+        </a:solidFill>
+      </a:ln>
+    </cs:spPr>
+    <cs:defRPr sz="900" kern="1200"/>
+    <cs:bodyPr rot="0" spcFirstLastPara="1" vertOverflow="clip" horzOverflow="clip" vert="horz" wrap="square" lIns="36576" tIns="18288" rIns="36576" bIns="18288" anchor="ctr" anchorCtr="1">
+      <a:spAutoFit/>
+    </cs:bodyPr>
+  </cs:dataLabelCallout>
+  <cs:dataPoint>
+    <cs:lnRef idx="0"/>
+    <cs:fillRef idx="1">
+      <cs:styleClr val="auto"/>
+    </cs:fillRef>
+    <cs:effectRef idx="0"/>
+    <cs:fontRef idx="minor">
+      <a:schemeClr val="tx1"/>
+    </cs:fontRef>
+  </cs:dataPoint>
+  <cs:dataPoint3D>
+    <cs:lnRef idx="0"/>
+    <cs:fillRef idx="1">
+      <cs:styleClr val="auto"/>
+    </cs:fillRef>
+    <cs:effectRef idx="0"/>
+    <cs:fontRef idx="minor">
+      <a:schemeClr val="tx1"/>
+    </cs:fontRef>
+  </cs:dataPoint3D>
+  <cs:dataPointLine>
+    <cs:lnRef idx="0">
+      <cs:styleClr val="auto"/>
+    </cs:lnRef>
+    <cs:fillRef idx="1"/>
+    <cs:effectRef idx="0"/>
+    <cs:fontRef idx="minor">
+      <a:schemeClr val="tx1"/>
+    </cs:fontRef>
+    <cs:spPr>
+      <a:ln w="19050" cap="rnd">
+        <a:solidFill>
+          <a:schemeClr val="phClr"/>
+        </a:solidFill>
+        <a:round/>
+      </a:ln>
+    </cs:spPr>
+  </cs:dataPointLine>
+  <cs:dataPointMarker>
+    <cs:lnRef idx="0">
+      <cs:styleClr val="auto"/>
+    </cs:lnRef>
+    <cs:fillRef idx="1">
+      <cs:styleClr val="auto"/>
+    </cs:fillRef>
+    <cs:effectRef idx="0"/>
+    <cs:fontRef idx="minor">
+      <a:schemeClr val="tx1"/>
+    </cs:fontRef>
+    <cs:spPr>
+      <a:ln w="9525">
+        <a:solidFill>
+          <a:schemeClr val="phClr"/>
+        </a:solidFill>
+      </a:ln>
+    </cs:spPr>
+  </cs:dataPointMarker>
+  <cs:dataPointMarkerLayout symbol="circle" size="5"/>
+  <cs:dataPointWireframe>
+    <cs:lnRef idx="0">
+      <cs:styleClr val="auto"/>
+    </cs:lnRef>
+    <cs:fillRef idx="0"/>
+    <cs:effectRef idx="0"/>
+    <cs:fontRef idx="minor">
+      <a:schemeClr val="dk1"/>
+    </cs:fontRef>
+    <cs:spPr>
+      <a:ln w="9525" cap="rnd">
+        <a:solidFill>
+          <a:schemeClr val="phClr"/>
+        </a:solidFill>
+        <a:round/>
+      </a:ln>
+    </cs:spPr>
+  </cs:dataPointWireframe>
+  <cs:dataTable>
+    <cs:lnRef idx="0"/>
+    <cs:fillRef idx="0"/>
+    <cs:effectRef idx="0"/>
+    <cs:fontRef idx="minor">
+      <a:schemeClr val="tx1">
+        <a:lumMod val="65000"/>
+        <a:lumOff val="35000"/>
+      </a:schemeClr>
+    </cs:fontRef>
+    <cs:spPr>
+      <a:noFill/>
+      <a:ln w="9525" cap="flat" cmpd="sng" algn="ctr">
+        <a:solidFill>
+          <a:schemeClr val="tx1">
+            <a:lumMod val="15000"/>
+            <a:lumOff val="85000"/>
+          </a:schemeClr>
+        </a:solidFill>
+        <a:round/>
+      </a:ln>
+    </cs:spPr>
+    <cs:defRPr sz="900" kern="1200"/>
+  </cs:dataTable>
+  <cs:downBar>
+    <cs:lnRef idx="0"/>
+    <cs:fillRef idx="0"/>
+    <cs:effectRef idx="0"/>
+    <cs:fontRef idx="minor">
+      <a:schemeClr val="tx1"/>
+    </cs:fontRef>
+    <cs:spPr>
+      <a:solidFill>
+        <a:schemeClr val="dk1">
+          <a:lumMod val="75000"/>
+          <a:lumOff val="25000"/>
+        </a:schemeClr>
+      </a:solidFill>
+      <a:ln w="9525" cap="flat" cmpd="sng" algn="ctr">
+        <a:solidFill>
+          <a:schemeClr val="tx1">
+            <a:lumMod val="65000"/>
+            <a:lumOff val="35000"/>
+          </a:schemeClr>
+        </a:solidFill>
+        <a:round/>
+      </a:ln>
+    </cs:spPr>
+  </cs:downBar>
+  <cs:dropLine>
+    <cs:lnRef idx="0"/>
+    <cs:fillRef idx="0"/>
+    <cs:effectRef idx="0"/>
+    <cs:fontRef idx="minor">
+      <a:schemeClr val="tx1"/>
+    </cs:fontRef>
+    <cs:spPr>
+      <a:ln w="9525" cap="flat" cmpd="sng" algn="ctr">
+        <a:solidFill>
+          <a:schemeClr val="tx1">
+            <a:lumMod val="35000"/>
+            <a:lumOff val="65000"/>
+          </a:schemeClr>
+        </a:solidFill>
+        <a:round/>
+      </a:ln>
+    </cs:spPr>
+  </cs:dropLine>
+  <cs:errorBar>
+    <cs:lnRef idx="0"/>
+    <cs:fillRef idx="0"/>
+    <cs:effectRef idx="0"/>
+    <cs:fontRef idx="minor">
+      <a:schemeClr val="tx1"/>
+    </cs:fontRef>
+    <cs:spPr>
+      <a:ln w="9525" cap="flat" cmpd="sng" algn="ctr">
+        <a:solidFill>
+          <a:schemeClr val="tx1">
+            <a:lumMod val="65000"/>
+            <a:lumOff val="35000"/>
+          </a:schemeClr>
+        </a:solidFill>
+        <a:round/>
+      </a:ln>
+    </cs:spPr>
+  </cs:errorBar>
+  <cs:floor>
+    <cs:lnRef idx="0"/>
+    <cs:fillRef idx="0"/>
+    <cs:effectRef idx="0"/>
+    <cs:fontRef idx="minor">
+      <a:schemeClr val="tx1"/>
+    </cs:fontRef>
+    <cs:spPr>
+      <a:noFill/>
+      <a:ln>
+        <a:noFill/>
+      </a:ln>
+    </cs:spPr>
+  </cs:floor>
+  <cs:gridlineMajor>
+    <cs:lnRef idx="0"/>
+    <cs:fillRef idx="0"/>
+    <cs:effectRef idx="0"/>
+    <cs:fontRef idx="minor">
+      <a:schemeClr val="tx1"/>
+    </cs:fontRef>
+    <cs:spPr>
+      <a:ln w="9525" cap="flat" cmpd="sng" algn="ctr">
+        <a:solidFill>
+          <a:schemeClr val="tx1">
+            <a:lumMod val="15000"/>
+            <a:lumOff val="85000"/>
+          </a:schemeClr>
+        </a:solidFill>
+        <a:round/>
+      </a:ln>
+    </cs:spPr>
+  </cs:gridlineMajor>
+  <cs:gridlineMinor>
+    <cs:lnRef idx="0"/>
+    <cs:fillRef idx="0"/>
+    <cs:effectRef idx="0"/>
+    <cs:fontRef idx="minor">
+      <a:schemeClr val="tx1"/>
+    </cs:fontRef>
+    <cs:spPr>
+      <a:ln w="9525" cap="flat" cmpd="sng" algn="ctr">
+        <a:solidFill>
+          <a:schemeClr val="tx1">
+            <a:lumMod val="5000"/>
+            <a:lumOff val="95000"/>
+          </a:schemeClr>
+        </a:solidFill>
+        <a:round/>
+      </a:ln>
+    </cs:spPr>
+  </cs:gridlineMinor>
+  <cs:hiLoLine>
+    <cs:lnRef idx="0"/>
+    <cs:fillRef idx="0"/>
+    <cs:effectRef idx="0"/>
+    <cs:fontRef idx="minor">
+      <a:schemeClr val="tx1"/>
+    </cs:fontRef>
+    <cs:spPr>
+      <a:ln w="9525" cap="flat" cmpd="sng" algn="ctr">
+        <a:solidFill>
+          <a:schemeClr val="tx1">
+            <a:lumMod val="50000"/>
+            <a:lumOff val="50000"/>
+          </a:schemeClr>
+        </a:solidFill>
+        <a:round/>
+      </a:ln>
+    </cs:spPr>
+  </cs:hiLoLine>
+  <cs:leaderLine>
+    <cs:lnRef idx="0"/>
+    <cs:fillRef idx="0"/>
+    <cs:effectRef idx="0"/>
+    <cs:fontRef idx="minor">
+      <a:schemeClr val="tx1"/>
+    </cs:fontRef>
+    <cs:spPr>
+      <a:ln w="9525" cap="flat" cmpd="sng" algn="ctr">
+        <a:solidFill>
+          <a:schemeClr val="tx1">
+            <a:lumMod val="35000"/>
+            <a:lumOff val="65000"/>
+          </a:schemeClr>
+        </a:solidFill>
+        <a:round/>
+      </a:ln>
+    </cs:spPr>
+  </cs:leaderLine>
+  <cs:legend>
+    <cs:lnRef idx="0"/>
+    <cs:fillRef idx="0"/>
+    <cs:effectRef idx="0"/>
+    <cs:fontRef idx="minor">
+      <a:schemeClr val="tx1">
+        <a:lumMod val="65000"/>
+        <a:lumOff val="35000"/>
+      </a:schemeClr>
+    </cs:fontRef>
+    <cs:defRPr sz="900" kern="1200"/>
+  </cs:legend>
+  <cs:plotArea mods="allowNoFillOverride allowNoLineOverride">
+    <cs:lnRef idx="0"/>
+    <cs:fillRef idx="0"/>
+    <cs:effectRef idx="0"/>
+    <cs:fontRef idx="minor">
+      <a:schemeClr val="tx1"/>
+    </cs:fontRef>
+  </cs:plotArea>
+  <cs:plotArea3D mods="allowNoFillOverride allowNoLineOverride">
+    <cs:lnRef idx="0"/>
+    <cs:fillRef idx="0"/>
+    <cs:effectRef idx="0"/>
+    <cs:fontRef idx="minor">
+      <a:schemeClr val="tx1"/>
+    </cs:fontRef>
+  </cs:plotArea3D>
+  <cs:seriesAxis>
+    <cs:lnRef idx="0"/>
+    <cs:fillRef idx="0"/>
+    <cs:effectRef idx="0"/>
+    <cs:fontRef idx="minor">
+      <a:schemeClr val="tx1">
+        <a:lumMod val="65000"/>
+        <a:lumOff val="35000"/>
+      </a:schemeClr>
+    </cs:fontRef>
+    <cs:defRPr sz="900" kern="1200"/>
+  </cs:seriesAxis>
+  <cs:seriesLine>
+    <cs:lnRef idx="0"/>
+    <cs:fillRef idx="0"/>
+    <cs:effectRef idx="0"/>
+    <cs:fontRef idx="minor">
+      <a:schemeClr val="tx1"/>
+    </cs:fontRef>
+    <cs:spPr>
+      <a:ln w="9525" cap="flat" cmpd="sng" algn="ctr">
+        <a:solidFill>
+          <a:schemeClr val="tx1">
+            <a:lumMod val="35000"/>
+            <a:lumOff val="65000"/>
+          </a:schemeClr>
+        </a:solidFill>
+        <a:round/>
+      </a:ln>
+    </cs:spPr>
+  </cs:seriesLine>
+  <cs:title>
+    <cs:lnRef idx="0"/>
+    <cs:fillRef idx="0"/>
+    <cs:effectRef idx="0"/>
+    <cs:fontRef idx="minor">
+      <a:schemeClr val="tx1">
+        <a:lumMod val="65000"/>
+        <a:lumOff val="35000"/>
+      </a:schemeClr>
+    </cs:fontRef>
+    <cs:defRPr sz="1400" b="0" kern="1200" spc="0" baseline="0"/>
+  </cs:title>
+  <cs:trendline>
+    <cs:lnRef idx="0">
+      <cs:styleClr val="auto"/>
+    </cs:lnRef>
+    <cs:fillRef idx="0"/>
+    <cs:effectRef idx="0"/>
+    <cs:fontRef idx="minor">
+      <a:schemeClr val="tx1"/>
+    </cs:fontRef>
+    <cs:spPr>
+      <a:ln w="19050" cap="rnd">
+        <a:solidFill>
+          <a:schemeClr val="phClr"/>
+        </a:solidFill>
+        <a:prstDash val="sysDot"/>
+      </a:ln>
+    </cs:spPr>
+  </cs:trendline>
+  <cs:trendlineLabel>
+    <cs:lnRef idx="0"/>
+    <cs:fillRef idx="0"/>
+    <cs:effectRef idx="0"/>
+    <cs:fontRef idx="minor">
+      <a:schemeClr val="tx1">
+        <a:lumMod val="65000"/>
+        <a:lumOff val="35000"/>
+      </a:schemeClr>
+    </cs:fontRef>
+    <cs:defRPr sz="900" kern="1200"/>
+  </cs:trendlineLabel>
+  <cs:upBar>
+    <cs:lnRef idx="0"/>
+    <cs:fillRef idx="0"/>
+    <cs:effectRef idx="0"/>
+    <cs:fontRef idx="minor">
+      <a:schemeClr val="tx1"/>
+    </cs:fontRef>
+    <cs:spPr>
+      <a:solidFill>
+        <a:schemeClr val="lt1"/>
+      </a:solidFill>
+      <a:ln w="9525" cap="flat" cmpd="sng" algn="ctr">
+        <a:solidFill>
+          <a:schemeClr val="tx1">
+            <a:lumMod val="65000"/>
+            <a:lumOff val="35000"/>
+          </a:schemeClr>
+        </a:solidFill>
+        <a:round/>
+      </a:ln>
+    </cs:spPr>
+  </cs:upBar>
+  <cs:valueAxis>
+    <cs:lnRef idx="0"/>
+    <cs:fillRef idx="0"/>
+    <cs:effectRef idx="0"/>
+    <cs:fontRef idx="minor">
+      <a:schemeClr val="tx1">
+        <a:lumMod val="65000"/>
+        <a:lumOff val="35000"/>
+      </a:schemeClr>
+    </cs:fontRef>
+    <cs:spPr>
+      <a:ln w="9525" cap="flat" cmpd="sng" algn="ctr">
+        <a:solidFill>
+          <a:schemeClr val="tx1">
+            <a:lumMod val="25000"/>
+            <a:lumOff val="75000"/>
+          </a:schemeClr>
+        </a:solidFill>
+        <a:round/>
+      </a:ln>
+    </cs:spPr>
+    <cs:defRPr sz="900" kern="1200"/>
+  </cs:valueAxis>
+  <cs:wall>
+    <cs:lnRef idx="0"/>
+    <cs:fillRef idx="0"/>
+    <cs:effectRef idx="0"/>
+    <cs:fontRef idx="minor">
+      <a:schemeClr val="tx1"/>
+    </cs:fontRef>
+    <cs:spPr>
+      <a:noFill/>
+      <a:ln>
+        <a:noFill/>
+      </a:ln>
+    </cs:spPr>
+  </cs:wall>
+</cs:chartStyle>
+</file>
+
 <file path=ppt/comments/modernComment_108_E5C5E786.xml><?xml version="1.0" encoding="utf-8"?>
 <p188:cmLst xmlns:a="http://schemas.openxmlformats.org/drawingml/2006/main" xmlns:r="http://schemas.openxmlformats.org/officeDocument/2006/relationships" xmlns:p188="http://schemas.microsoft.com/office/powerpoint/2018/8/main">
   <p188:cm id="{E208A256-2645-4215-A2E1-5835D144B8FF}" authorId="{4BB11620-EFBC-D13A-7B93-45F2C922ABDE}" created="2024-04-09T02:44:11.886">
@@ -6478,7 +7698,7 @@
       <pc:sldMk xmlns:pc="http://schemas.microsoft.com/office/powerpoint/2013/main/command" cId="787268651" sldId="268"/>
       <ac:spMk id="3" creationId="{57846E6E-541E-C380-2EC3-91AF5BEE61F6}"/>
       <ac:txMk cp="579">
-        <ac:context len="657" hash="2084323653"/>
+        <ac:context len="800" hash="3997376941"/>
       </ac:txMk>
     </ac:txMkLst>
     <p188:pos x="3940175" y="1481701"/>
@@ -10635,6 +11855,1044 @@
             </p:spPr>
             <p:txBody>
               <a:bodyPr>
+                <a:normAutofit fontScale="92500" lnSpcReduction="10000"/>
+              </a:bodyPr>
+              <a:lstStyle/>
+              <a:p>
+                <a:pPr marL="0" indent="0" algn="just">
+                  <a:lnSpc>
+                    <a:spcPct val="100000"/>
+                  </a:lnSpc>
+                  <a:buNone/>
+                </a:pPr>
+                <a:r>
+                  <a:rPr lang="fr-CA" sz="1800" dirty="0"/>
+                  <a:t>Afin d’effectuer la vérification de solution et trouver la meilleure solution ou donner un intervalle d’incertitude sur la solution, il faut commencer par établir l’ordre de convergence observée pour le cas de la partie lombaire de la colonne vertébrale. On fixe la donnée d’entrée à F=150N pour effectuer la vérification.</a:t>
+                </a:r>
+              </a:p>
+              <a:p>
+                <a:pPr marL="0" indent="0" algn="just">
+                  <a:lnSpc>
+                    <a:spcPct val="100000"/>
+                  </a:lnSpc>
+                  <a:buNone/>
+                </a:pPr>
+                <a:r>
+                  <a:rPr lang="fr-CA" sz="1800" dirty="0"/>
+                  <a:t>Pour cela, l’utilisation de l’équation de Richardson combinée à trois maillages, avec un raffinement d’un facteur r sera nécessaire car elle aboutit à la relation suivante:</a:t>
+                </a:r>
+              </a:p>
+              <a:p>
+                <a:pPr marL="0" indent="0" algn="just">
+                  <a:lnSpc>
+                    <a:spcPct val="100000"/>
+                  </a:lnSpc>
+                  <a:buNone/>
+                </a:pPr>
+                <a14:m>
+                  <m:oMath xmlns:m="http://schemas.openxmlformats.org/officeDocument/2006/math">
+                    <m:acc>
+                      <m:accPr>
+                        <m:chr m:val="̂"/>
+                        <m:ctrlPr>
+                          <a:rPr lang="fr-CA" sz="1800" i="1">
+                            <a:latin typeface="Cambria Math" panose="02040503050406030204" pitchFamily="18" charset="0"/>
+                          </a:rPr>
+                        </m:ctrlPr>
+                      </m:accPr>
+                      <m:e>
+                        <m:r>
+                          <a:rPr lang="fr-FR" sz="1800" i="1">
+                            <a:latin typeface="Cambria Math" panose="02040503050406030204" pitchFamily="18" charset="0"/>
+                          </a:rPr>
+                          <m:t>𝑝</m:t>
+                        </m:r>
+                      </m:e>
+                    </m:acc>
+                    <m:r>
+                      <a:rPr lang="fr-FR" sz="1800" i="1">
+                        <a:latin typeface="Cambria Math" panose="02040503050406030204" pitchFamily="18" charset="0"/>
+                      </a:rPr>
+                      <m:t>=</m:t>
+                    </m:r>
+                    <m:f>
+                      <m:fPr>
+                        <m:ctrlPr>
+                          <a:rPr lang="fr-FR" sz="1800" b="0" i="1" smtClean="0">
+                            <a:latin typeface="Cambria Math" panose="02040503050406030204" pitchFamily="18" charset="0"/>
+                          </a:rPr>
+                        </m:ctrlPr>
+                      </m:fPr>
+                      <m:num>
+                        <m:r>
+                          <m:rPr>
+                            <m:sty m:val="p"/>
+                          </m:rPr>
+                          <a:rPr lang="fr-FR" sz="1800" b="0" i="0" smtClean="0">
+                            <a:latin typeface="Cambria Math" panose="02040503050406030204" pitchFamily="18" charset="0"/>
+                          </a:rPr>
+                          <m:t>ln</m:t>
+                        </m:r>
+                        <m:r>
+                          <a:rPr lang="fr-FR" sz="1800" b="0" i="1" smtClean="0">
+                            <a:latin typeface="Cambria Math" panose="02040503050406030204" pitchFamily="18" charset="0"/>
+                          </a:rPr>
+                          <m:t>⁡</m:t>
+                        </m:r>
+                        <m:d>
+                          <m:dPr>
+                            <m:ctrlPr>
+                              <a:rPr lang="fr-FR" sz="1800" b="0" i="1" smtClean="0">
+                                <a:latin typeface="Cambria Math" panose="02040503050406030204" pitchFamily="18" charset="0"/>
+                              </a:rPr>
+                            </m:ctrlPr>
+                          </m:dPr>
+                          <m:e>
+                            <m:f>
+                              <m:fPr>
+                                <m:ctrlPr>
+                                  <a:rPr lang="fr-FR" sz="1800" i="1">
+                                    <a:latin typeface="Cambria Math" panose="02040503050406030204" pitchFamily="18" charset="0"/>
+                                  </a:rPr>
+                                </m:ctrlPr>
+                              </m:fPr>
+                              <m:num>
+                                <m:sSub>
+                                  <m:sSubPr>
+                                    <m:ctrlPr>
+                                      <a:rPr lang="fr-FR" sz="1800" i="1">
+                                        <a:latin typeface="Cambria Math" panose="02040503050406030204" pitchFamily="18" charset="0"/>
+                                      </a:rPr>
+                                    </m:ctrlPr>
+                                  </m:sSubPr>
+                                  <m:e>
+                                    <m:r>
+                                      <a:rPr lang="fr-FR" sz="1800" i="1">
+                                        <a:latin typeface="Cambria Math" panose="02040503050406030204" pitchFamily="18" charset="0"/>
+                                      </a:rPr>
+                                      <m:t>𝑓</m:t>
+                                    </m:r>
+                                  </m:e>
+                                  <m:sub>
+                                    <m:r>
+                                      <a:rPr lang="fr-FR" sz="1800" i="1">
+                                        <a:latin typeface="Cambria Math" panose="02040503050406030204" pitchFamily="18" charset="0"/>
+                                      </a:rPr>
+                                      <m:t>3</m:t>
+                                    </m:r>
+                                  </m:sub>
+                                </m:sSub>
+                                <m:r>
+                                  <a:rPr lang="fr-FR" sz="1800" i="1">
+                                    <a:latin typeface="Cambria Math" panose="02040503050406030204" pitchFamily="18" charset="0"/>
+                                  </a:rPr>
+                                  <m:t>−</m:t>
+                                </m:r>
+                                <m:sSub>
+                                  <m:sSubPr>
+                                    <m:ctrlPr>
+                                      <a:rPr lang="fr-FR" sz="1800" i="1">
+                                        <a:latin typeface="Cambria Math" panose="02040503050406030204" pitchFamily="18" charset="0"/>
+                                      </a:rPr>
+                                    </m:ctrlPr>
+                                  </m:sSubPr>
+                                  <m:e>
+                                    <m:r>
+                                      <a:rPr lang="fr-FR" sz="1800" i="1">
+                                        <a:latin typeface="Cambria Math" panose="02040503050406030204" pitchFamily="18" charset="0"/>
+                                      </a:rPr>
+                                      <m:t>𝑓</m:t>
+                                    </m:r>
+                                  </m:e>
+                                  <m:sub>
+                                    <m:r>
+                                      <a:rPr lang="fr-FR" sz="1800" i="1">
+                                        <a:latin typeface="Cambria Math" panose="02040503050406030204" pitchFamily="18" charset="0"/>
+                                      </a:rPr>
+                                      <m:t>2</m:t>
+                                    </m:r>
+                                  </m:sub>
+                                </m:sSub>
+                              </m:num>
+                              <m:den>
+                                <m:sSub>
+                                  <m:sSubPr>
+                                    <m:ctrlPr>
+                                      <a:rPr lang="fr-FR" sz="1800" i="1">
+                                        <a:latin typeface="Cambria Math" panose="02040503050406030204" pitchFamily="18" charset="0"/>
+                                      </a:rPr>
+                                    </m:ctrlPr>
+                                  </m:sSubPr>
+                                  <m:e>
+                                    <m:r>
+                                      <a:rPr lang="fr-FR" sz="1800" i="1">
+                                        <a:latin typeface="Cambria Math" panose="02040503050406030204" pitchFamily="18" charset="0"/>
+                                      </a:rPr>
+                                      <m:t>𝑓</m:t>
+                                    </m:r>
+                                  </m:e>
+                                  <m:sub>
+                                    <m:r>
+                                      <a:rPr lang="fr-FR" sz="1800" i="1">
+                                        <a:latin typeface="Cambria Math" panose="02040503050406030204" pitchFamily="18" charset="0"/>
+                                      </a:rPr>
+                                      <m:t>2</m:t>
+                                    </m:r>
+                                  </m:sub>
+                                </m:sSub>
+                                <m:r>
+                                  <a:rPr lang="fr-FR" sz="1800" i="1">
+                                    <a:latin typeface="Cambria Math" panose="02040503050406030204" pitchFamily="18" charset="0"/>
+                                  </a:rPr>
+                                  <m:t>−</m:t>
+                                </m:r>
+                                <m:sSub>
+                                  <m:sSubPr>
+                                    <m:ctrlPr>
+                                      <a:rPr lang="fr-FR" sz="1800" i="1">
+                                        <a:latin typeface="Cambria Math" panose="02040503050406030204" pitchFamily="18" charset="0"/>
+                                      </a:rPr>
+                                    </m:ctrlPr>
+                                  </m:sSubPr>
+                                  <m:e>
+                                    <m:r>
+                                      <a:rPr lang="fr-FR" sz="1800" i="1">
+                                        <a:latin typeface="Cambria Math" panose="02040503050406030204" pitchFamily="18" charset="0"/>
+                                      </a:rPr>
+                                      <m:t>𝑓</m:t>
+                                    </m:r>
+                                  </m:e>
+                                  <m:sub>
+                                    <m:r>
+                                      <a:rPr lang="fr-FR" sz="1800" i="1">
+                                        <a:latin typeface="Cambria Math" panose="02040503050406030204" pitchFamily="18" charset="0"/>
+                                      </a:rPr>
+                                      <m:t>1</m:t>
+                                    </m:r>
+                                  </m:sub>
+                                </m:sSub>
+                              </m:den>
+                            </m:f>
+                          </m:e>
+                        </m:d>
+                      </m:num>
+                      <m:den>
+                        <m:r>
+                          <m:rPr>
+                            <m:sty m:val="p"/>
+                          </m:rPr>
+                          <a:rPr lang="fr-FR" sz="1800" b="0" i="0" smtClean="0">
+                            <a:latin typeface="Cambria Math" panose="02040503050406030204" pitchFamily="18" charset="0"/>
+                          </a:rPr>
+                          <m:t>ln</m:t>
+                        </m:r>
+                        <m:r>
+                          <a:rPr lang="fr-FR" sz="1800" b="0" i="1" smtClean="0">
+                            <a:latin typeface="Cambria Math" panose="02040503050406030204" pitchFamily="18" charset="0"/>
+                          </a:rPr>
+                          <m:t>⁡(</m:t>
+                        </m:r>
+                        <m:r>
+                          <a:rPr lang="fr-FR" sz="1800" b="0" i="1" smtClean="0">
+                            <a:latin typeface="Cambria Math" panose="02040503050406030204" pitchFamily="18" charset="0"/>
+                          </a:rPr>
+                          <m:t>𝑟</m:t>
+                        </m:r>
+                        <m:r>
+                          <a:rPr lang="fr-FR" sz="1800" b="0" i="1" smtClean="0">
+                            <a:latin typeface="Cambria Math" panose="02040503050406030204" pitchFamily="18" charset="0"/>
+                          </a:rPr>
+                          <m:t>)</m:t>
+                        </m:r>
+                      </m:den>
+                    </m:f>
+                  </m:oMath>
+                </a14:m>
+                <a:r>
+                  <a:rPr lang="fr-CA" sz="1800" dirty="0"/>
+                  <a:t>                        (1) </a:t>
+                </a:r>
+              </a:p>
+              <a:p>
+                <a:pPr marL="0" indent="0" algn="just">
+                  <a:lnSpc>
+                    <a:spcPct val="100000"/>
+                  </a:lnSpc>
+                  <a:buNone/>
+                </a:pPr>
+                <a:r>
+                  <a:rPr lang="fr-CA" sz="1800" dirty="0"/>
+                  <a:t>avec </a:t>
+                </a:r>
+                <a14:m>
+                  <m:oMath xmlns:m="http://schemas.openxmlformats.org/officeDocument/2006/math">
+                    <m:sSub>
+                      <m:sSubPr>
+                        <m:ctrlPr>
+                          <a:rPr lang="fr-FR" sz="1800" i="1">
+                            <a:latin typeface="Cambria Math" panose="02040503050406030204" pitchFamily="18" charset="0"/>
+                          </a:rPr>
+                        </m:ctrlPr>
+                      </m:sSubPr>
+                      <m:e>
+                        <m:r>
+                          <a:rPr lang="fr-FR" sz="1800" i="1">
+                            <a:latin typeface="Cambria Math" panose="02040503050406030204" pitchFamily="18" charset="0"/>
+                          </a:rPr>
+                          <m:t>𝑓</m:t>
+                        </m:r>
+                      </m:e>
+                      <m:sub>
+                        <m:r>
+                          <a:rPr lang="fr-FR" sz="1800" i="1">
+                            <a:latin typeface="Cambria Math" panose="02040503050406030204" pitchFamily="18" charset="0"/>
+                          </a:rPr>
+                          <m:t>3</m:t>
+                        </m:r>
+                      </m:sub>
+                    </m:sSub>
+                  </m:oMath>
+                </a14:m>
+                <a:r>
+                  <a:rPr lang="fr-CA" sz="1800" dirty="0"/>
+                  <a:t>,</a:t>
+                </a:r>
+                <a:r>
+                  <a:rPr lang="fr-FR" sz="1800" dirty="0"/>
+                  <a:t> </a:t>
+                </a:r>
+                <a14:m>
+                  <m:oMath xmlns:m="http://schemas.openxmlformats.org/officeDocument/2006/math">
+                    <m:sSub>
+                      <m:sSubPr>
+                        <m:ctrlPr>
+                          <a:rPr lang="fr-FR" sz="1800" i="1">
+                            <a:latin typeface="Cambria Math" panose="02040503050406030204" pitchFamily="18" charset="0"/>
+                          </a:rPr>
+                        </m:ctrlPr>
+                      </m:sSubPr>
+                      <m:e>
+                        <m:r>
+                          <a:rPr lang="fr-FR" sz="1800" i="1">
+                            <a:latin typeface="Cambria Math" panose="02040503050406030204" pitchFamily="18" charset="0"/>
+                          </a:rPr>
+                          <m:t>𝑓</m:t>
+                        </m:r>
+                      </m:e>
+                      <m:sub>
+                        <m:r>
+                          <a:rPr lang="fr-FR" sz="1800" b="0" i="1" smtClean="0">
+                            <a:latin typeface="Cambria Math" panose="02040503050406030204" pitchFamily="18" charset="0"/>
+                          </a:rPr>
+                          <m:t>2</m:t>
+                        </m:r>
+                      </m:sub>
+                    </m:sSub>
+                    <m:r>
+                      <a:rPr lang="fr-FR" sz="1800" b="0" i="1" smtClean="0">
+                        <a:latin typeface="Cambria Math" panose="02040503050406030204" pitchFamily="18" charset="0"/>
+                      </a:rPr>
+                      <m:t> </m:t>
+                    </m:r>
+                    <m:r>
+                      <a:rPr lang="fr-FR" sz="1800" b="0" i="1" smtClean="0">
+                        <a:latin typeface="Cambria Math" panose="02040503050406030204" pitchFamily="18" charset="0"/>
+                      </a:rPr>
+                      <m:t>𝑒𝑡</m:t>
+                    </m:r>
+                    <m:sSub>
+                      <m:sSubPr>
+                        <m:ctrlPr>
+                          <a:rPr lang="fr-FR" sz="1800" i="1">
+                            <a:latin typeface="Cambria Math" panose="02040503050406030204" pitchFamily="18" charset="0"/>
+                          </a:rPr>
+                        </m:ctrlPr>
+                      </m:sSubPr>
+                      <m:e>
+                        <m:r>
+                          <a:rPr lang="fr-FR" sz="1800" i="1">
+                            <a:latin typeface="Cambria Math" panose="02040503050406030204" pitchFamily="18" charset="0"/>
+                          </a:rPr>
+                          <m:t>𝑓</m:t>
+                        </m:r>
+                      </m:e>
+                      <m:sub>
+                        <m:r>
+                          <a:rPr lang="fr-FR" sz="1800" b="0" i="1" smtClean="0">
+                            <a:latin typeface="Cambria Math" panose="02040503050406030204" pitchFamily="18" charset="0"/>
+                          </a:rPr>
+                          <m:t>1</m:t>
+                        </m:r>
+                      </m:sub>
+                    </m:sSub>
+                  </m:oMath>
+                </a14:m>
+                <a:r>
+                  <a:rPr lang="fr-CA" sz="1800" dirty="0"/>
+                  <a:t> qui représentent respectivement la réponse du système en termes de déplacement axiale de la vertèbre L1 pour des maillages de plus en plus fins, et </a:t>
+                </a:r>
+                <a:r>
+                  <a:rPr lang="fr-CA" sz="1800" i="1" dirty="0"/>
+                  <a:t>r=10</a:t>
+                </a:r>
+                <a:r>
+                  <a:rPr lang="fr-CA" sz="1800" dirty="0"/>
+                  <a:t>.</a:t>
+                </a:r>
+              </a:p>
+              <a:p>
+                <a:pPr marL="0" indent="0" algn="just">
+                  <a:lnSpc>
+                    <a:spcPct val="100000"/>
+                  </a:lnSpc>
+                  <a:buNone/>
+                </a:pPr>
+                <a:endParaRPr lang="fr-CA" sz="1800" dirty="0"/>
+              </a:p>
+              <a:p>
+                <a:pPr marL="0" indent="0" algn="just">
+                  <a:lnSpc>
+                    <a:spcPct val="100000"/>
+                  </a:lnSpc>
+                  <a:buNone/>
+                </a:pPr>
+                <a:r>
+                  <a:rPr lang="fr-CA" sz="1800" dirty="0"/>
+                  <a:t>                                                                                          	Grâce à l’équation (1) et aux données du tableau (les 3 						dernières lignes) il est possible d’estimer que </a:t>
+                </a:r>
+                <a14:m>
+                  <m:oMath xmlns:m="http://schemas.openxmlformats.org/officeDocument/2006/math">
+                    <m:acc>
+                      <m:accPr>
+                        <m:chr m:val="̂"/>
+                        <m:ctrlPr>
+                          <a:rPr lang="fr-CA" sz="1800" i="1" smtClean="0">
+                            <a:latin typeface="Cambria Math" panose="02040503050406030204" pitchFamily="18" charset="0"/>
+                          </a:rPr>
+                        </m:ctrlPr>
+                      </m:accPr>
+                      <m:e>
+                        <m:r>
+                          <a:rPr lang="fr-FR" sz="1800" b="0" i="1" smtClean="0">
+                            <a:latin typeface="Cambria Math" panose="02040503050406030204" pitchFamily="18" charset="0"/>
+                          </a:rPr>
+                          <m:t>𝑝</m:t>
+                        </m:r>
+                      </m:e>
+                    </m:acc>
+                  </m:oMath>
+                </a14:m>
+                <a:r>
+                  <a:rPr lang="fr-CA" sz="1800" dirty="0"/>
+                  <a:t>= 2,055.</a:t>
+                </a:r>
+              </a:p>
+              <a:p>
+                <a:pPr marL="0" indent="0" algn="just">
+                  <a:lnSpc>
+                    <a:spcPct val="100000"/>
+                  </a:lnSpc>
+                  <a:buNone/>
+                </a:pPr>
+                <a:r>
+                  <a:rPr lang="fr-CA" sz="1800" dirty="0"/>
+                  <a:t>                                                                                         	Cette valeur est attendue puisque l’ordre formel</a:t>
+                </a:r>
+                <a14:m>
+                  <m:oMath xmlns:m="http://schemas.openxmlformats.org/officeDocument/2006/math">
+                    <m:sSub>
+                      <m:sSubPr>
+                        <m:ctrlPr>
+                          <a:rPr lang="fr-CA" sz="1800" i="1" smtClean="0">
+                            <a:latin typeface="Cambria Math" panose="02040503050406030204" pitchFamily="18" charset="0"/>
+                          </a:rPr>
+                        </m:ctrlPr>
+                      </m:sSubPr>
+                      <m:e>
+                        <m:r>
+                          <a:rPr lang="fr-FR" sz="1800" b="0" i="1" smtClean="0">
+                            <a:latin typeface="Cambria Math" panose="02040503050406030204" pitchFamily="18" charset="0"/>
+                          </a:rPr>
+                          <m:t> </m:t>
+                        </m:r>
+                        <m:r>
+                          <a:rPr lang="fr-FR" sz="1800" b="0" i="1" smtClean="0">
+                            <a:latin typeface="Cambria Math" panose="02040503050406030204" pitchFamily="18" charset="0"/>
+                          </a:rPr>
+                          <m:t>𝑝</m:t>
+                        </m:r>
+                      </m:e>
+                      <m:sub>
+                        <m:r>
+                          <a:rPr lang="fr-FR" sz="1800" b="0" i="1" smtClean="0">
+                            <a:latin typeface="Cambria Math" panose="02040503050406030204" pitchFamily="18" charset="0"/>
+                          </a:rPr>
+                          <m:t>𝑓</m:t>
+                        </m:r>
+                      </m:sub>
+                    </m:sSub>
+                    <m:r>
+                      <a:rPr lang="en-CA" sz="1800" b="0" i="1" smtClean="0">
+                        <a:latin typeface="Cambria Math" panose="02040503050406030204" pitchFamily="18" charset="0"/>
+                      </a:rPr>
+                      <m:t>=2</m:t>
+                    </m:r>
+                  </m:oMath>
+                </a14:m>
+                <a:endParaRPr lang="en-CA" sz="1800" b="0" dirty="0"/>
+              </a:p>
+              <a:p>
+                <a:pPr marL="0" indent="0" algn="just">
+                  <a:lnSpc>
+                    <a:spcPct val="100000"/>
+                  </a:lnSpc>
+                  <a:buNone/>
+                </a:pPr>
+                <a:r>
+                  <a:rPr lang="fr-CA" sz="1800" dirty="0"/>
+                  <a:t>					(l’ordre formel est obtenu d’après l’ordre du type 							d’éléments utilisés en FEM – or ici les PBEAM sont des 						éléments d’ordre 2).</a:t>
+                </a:r>
+              </a:p>
+              <a:p>
+                <a:pPr marL="0" indent="0" algn="just">
+                  <a:buNone/>
+                </a:pPr>
+                <a:r>
+                  <a:rPr lang="fr-CA" sz="1800" dirty="0"/>
+                  <a:t>                                                                                        </a:t>
+                </a:r>
+              </a:p>
+            </p:txBody>
+          </p:sp>
+        </mc:Choice>
+        <mc:Fallback xmlns="">
+          <p:sp>
+            <p:nvSpPr>
+              <p:cNvPr id="3" name="Content Placeholder 2">
+                <a:extLst>
+                  <a:ext uri="{FF2B5EF4-FFF2-40B4-BE49-F238E27FC236}">
+                    <a16:creationId xmlns:a16="http://schemas.microsoft.com/office/drawing/2014/main" id="{57846E6E-541E-C380-2EC3-91AF5BEE61F6}"/>
+                  </a:ext>
+                </a:extLst>
+              </p:cNvPr>
+              <p:cNvSpPr>
+                <a:spLocks noGrp="1" noRot="1" noChangeAspect="1" noMove="1" noResize="1" noEditPoints="1" noAdjustHandles="1" noChangeArrowheads="1" noChangeShapeType="1" noTextEdit="1"/>
+              </p:cNvSpPr>
+              <p:nvPr>
+                <p:ph idx="1"/>
+              </p:nvPr>
+            </p:nvSpPr>
+            <p:spPr>
+              <a:xfrm>
+                <a:off x="838200" y="1150374"/>
+                <a:ext cx="10515600" cy="5342501"/>
+              </a:xfrm>
+              <a:blipFill>
+                <a:blip r:embed="rId3"/>
+                <a:stretch>
+                  <a:fillRect l="-406" t="-799" r="-348"/>
+                </a:stretch>
+              </a:blipFill>
+            </p:spPr>
+            <p:txBody>
+              <a:bodyPr/>
+              <a:lstStyle/>
+              <a:p>
+                <a:r>
+                  <a:rPr lang="fr-FR">
+                    <a:noFill/>
+                  </a:rPr>
+                  <a:t> </a:t>
+                </a:r>
+              </a:p>
+            </p:txBody>
+          </p:sp>
+        </mc:Fallback>
+      </mc:AlternateContent>
+      <p:graphicFrame>
+        <p:nvGraphicFramePr>
+          <p:cNvPr id="5" name="Tableau 4">
+            <a:extLst>
+              <a:ext uri="{FF2B5EF4-FFF2-40B4-BE49-F238E27FC236}">
+                <a16:creationId xmlns:a16="http://schemas.microsoft.com/office/drawing/2014/main" id="{EABFD2CE-56EE-BB92-262D-CAD7E39FC6D0}"/>
+              </a:ext>
+            </a:extLst>
+          </p:cNvPr>
+          <p:cNvGraphicFramePr>
+            <a:graphicFrameLocks noGrp="1"/>
+          </p:cNvGraphicFramePr>
+          <p:nvPr>
+            <p:extLst>
+              <p:ext uri="{D42A27DB-BD31-4B8C-83A1-F6EECF244321}">
+                <p14:modId xmlns:p14="http://schemas.microsoft.com/office/powerpoint/2010/main" val="2064034302"/>
+              </p:ext>
+            </p:extLst>
+          </p:nvPr>
+        </p:nvGraphicFramePr>
+        <p:xfrm>
+          <a:off x="838200" y="4172647"/>
+          <a:ext cx="4038600" cy="2113935"/>
+        </p:xfrm>
+        <a:graphic>
+          <a:graphicData uri="http://schemas.openxmlformats.org/drawingml/2006/table">
+            <a:tbl>
+              <a:tblPr>
+                <a:tableStyleId>{073A0DAA-6AF3-43AB-8588-CEC1D06C72B9}</a:tableStyleId>
+              </a:tblPr>
+              <a:tblGrid>
+                <a:gridCol w="1404731">
+                  <a:extLst>
+                    <a:ext uri="{9D8B030D-6E8A-4147-A177-3AD203B41FA5}">
+                      <a16:colId xmlns:a16="http://schemas.microsoft.com/office/drawing/2014/main" val="3415350444"/>
+                    </a:ext>
+                  </a:extLst>
+                </a:gridCol>
+                <a:gridCol w="2633869">
+                  <a:extLst>
+                    <a:ext uri="{9D8B030D-6E8A-4147-A177-3AD203B41FA5}">
+                      <a16:colId xmlns:a16="http://schemas.microsoft.com/office/drawing/2014/main" val="2443206338"/>
+                    </a:ext>
+                  </a:extLst>
+                </a:gridCol>
+              </a:tblGrid>
+              <a:tr h="422787">
+                <a:tc>
+                  <a:txBody>
+                    <a:bodyPr/>
+                    <a:lstStyle/>
+                    <a:p>
+                      <a:pPr algn="ctr" fontAlgn="ctr"/>
+                      <a:r>
+                        <a:rPr lang="fr-CA" sz="1300" b="1" u="none" strike="noStrike" dirty="0">
+                          <a:solidFill>
+                            <a:schemeClr val="bg1"/>
+                          </a:solidFill>
+                          <a:effectLst/>
+                        </a:rPr>
+                        <a:t>Taille d’élément</a:t>
+                      </a:r>
+                      <a:endParaRPr lang="fr-CA" sz="1300" b="1" i="0" u="none" strike="noStrike" dirty="0">
+                        <a:solidFill>
+                          <a:schemeClr val="bg1"/>
+                        </a:solidFill>
+                        <a:effectLst/>
+                        <a:latin typeface="Calibri" panose="020F0502020204030204" pitchFamily="34" charset="0"/>
+                      </a:endParaRPr>
+                    </a:p>
+                  </a:txBody>
+                  <a:tcPr marL="7620" marR="7620" marT="7620" marB="0" anchor="ctr">
+                    <a:solidFill>
+                      <a:schemeClr val="tx1">
+                        <a:lumMod val="50000"/>
+                        <a:lumOff val="50000"/>
+                      </a:schemeClr>
+                    </a:solidFill>
+                  </a:tcPr>
+                </a:tc>
+                <a:tc>
+                  <a:txBody>
+                    <a:bodyPr/>
+                    <a:lstStyle/>
+                    <a:p>
+                      <a:pPr algn="ctr" fontAlgn="ctr"/>
+                      <a:r>
+                        <a:rPr lang="fr-FR" sz="1300" b="1" u="none" strike="noStrike" dirty="0">
+                          <a:solidFill>
+                            <a:schemeClr val="bg1"/>
+                          </a:solidFill>
+                          <a:effectLst/>
+                        </a:rPr>
+                        <a:t>Magnitude du déplacement de L1</a:t>
+                      </a:r>
+                      <a:endParaRPr lang="fr-FR" sz="1300" b="1" i="0" u="none" strike="noStrike" dirty="0">
+                        <a:solidFill>
+                          <a:schemeClr val="bg1"/>
+                        </a:solidFill>
+                        <a:effectLst/>
+                        <a:latin typeface="Calibri" panose="020F0502020204030204" pitchFamily="34" charset="0"/>
+                      </a:endParaRPr>
+                    </a:p>
+                  </a:txBody>
+                  <a:tcPr marL="7620" marR="7620" marT="7620" marB="0" anchor="ctr">
+                    <a:solidFill>
+                      <a:schemeClr val="tx1">
+                        <a:lumMod val="50000"/>
+                        <a:lumOff val="50000"/>
+                      </a:schemeClr>
+                    </a:solidFill>
+                  </a:tcPr>
+                </a:tc>
+                <a:extLst>
+                  <a:ext uri="{0D108BD9-81ED-4DB2-BD59-A6C34878D82A}">
+                    <a16:rowId xmlns:a16="http://schemas.microsoft.com/office/drawing/2014/main" val="803735086"/>
+                  </a:ext>
+                </a:extLst>
+              </a:tr>
+              <a:tr h="422787">
+                <a:tc>
+                  <a:txBody>
+                    <a:bodyPr/>
+                    <a:lstStyle/>
+                    <a:p>
+                      <a:pPr algn="ctr" fontAlgn="ctr"/>
+                      <a:r>
+                        <a:rPr lang="fr-CA" sz="1300" u="none" strike="noStrike" dirty="0">
+                          <a:effectLst/>
+                        </a:rPr>
+                        <a:t>9</a:t>
+                      </a:r>
+                      <a:endParaRPr lang="fr-CA" sz="1300" b="0" i="0" u="none" strike="noStrike" dirty="0">
+                        <a:solidFill>
+                          <a:srgbClr val="000000"/>
+                        </a:solidFill>
+                        <a:effectLst/>
+                        <a:latin typeface="Calibri" panose="020F0502020204030204" pitchFamily="34" charset="0"/>
+                      </a:endParaRPr>
+                    </a:p>
+                  </a:txBody>
+                  <a:tcPr marL="7620" marR="7620" marT="7620" marB="0" anchor="ctr"/>
+                </a:tc>
+                <a:tc>
+                  <a:txBody>
+                    <a:bodyPr/>
+                    <a:lstStyle/>
+                    <a:p>
+                      <a:pPr marL="0" algn="ctr" defTabSz="914400" rtl="0" eaLnBrk="1" fontAlgn="ctr" latinLnBrk="0" hangingPunct="1"/>
+                      <a:r>
+                        <a:rPr lang="fr-CA" sz="1300" u="none" strike="noStrike" kern="1200" dirty="0">
+                          <a:solidFill>
+                            <a:schemeClr val="dk1"/>
+                          </a:solidFill>
+                          <a:effectLst/>
+                          <a:latin typeface="+mn-lt"/>
+                          <a:ea typeface="+mn-ea"/>
+                          <a:cs typeface="+mn-cs"/>
+                        </a:rPr>
+                        <a:t>18,8922314</a:t>
+                      </a:r>
+                    </a:p>
+                  </a:txBody>
+                  <a:tcPr marL="7620" marR="7620" marT="7620" marB="0" anchor="ctr"/>
+                </a:tc>
+                <a:extLst>
+                  <a:ext uri="{0D108BD9-81ED-4DB2-BD59-A6C34878D82A}">
+                    <a16:rowId xmlns:a16="http://schemas.microsoft.com/office/drawing/2014/main" val="3079437706"/>
+                  </a:ext>
+                </a:extLst>
+              </a:tr>
+              <a:tr h="422787">
+                <a:tc>
+                  <a:txBody>
+                    <a:bodyPr/>
+                    <a:lstStyle/>
+                    <a:p>
+                      <a:pPr algn="ctr" fontAlgn="ctr"/>
+                      <a:r>
+                        <a:rPr lang="fr-CA" sz="1300" u="none" strike="noStrike" dirty="0">
+                          <a:effectLst/>
+                        </a:rPr>
+                        <a:t>1</a:t>
+                      </a:r>
+                      <a:endParaRPr lang="fr-CA" sz="1300" b="0" i="0" u="none" strike="noStrike" dirty="0">
+                        <a:solidFill>
+                          <a:srgbClr val="000000"/>
+                        </a:solidFill>
+                        <a:effectLst/>
+                        <a:latin typeface="Calibri" panose="020F0502020204030204" pitchFamily="34" charset="0"/>
+                      </a:endParaRPr>
+                    </a:p>
+                  </a:txBody>
+                  <a:tcPr marL="7620" marR="7620" marT="7620" marB="0" anchor="ctr"/>
+                </a:tc>
+                <a:tc>
+                  <a:txBody>
+                    <a:bodyPr/>
+                    <a:lstStyle/>
+                    <a:p>
+                      <a:pPr marL="0" algn="ctr" defTabSz="914400" rtl="0" eaLnBrk="1" fontAlgn="ctr" latinLnBrk="0" hangingPunct="1"/>
+                      <a:r>
+                        <a:rPr lang="fr-CA" sz="1300" u="none" strike="noStrike" kern="1200" dirty="0">
+                          <a:solidFill>
+                            <a:schemeClr val="dk1"/>
+                          </a:solidFill>
+                          <a:effectLst/>
+                          <a:latin typeface="+mn-lt"/>
+                          <a:ea typeface="+mn-ea"/>
+                          <a:cs typeface="+mn-cs"/>
+                        </a:rPr>
+                        <a:t>18,8847067</a:t>
+                      </a:r>
+                    </a:p>
+                  </a:txBody>
+                  <a:tcPr marL="7620" marR="7620" marT="7620" marB="0" anchor="ctr"/>
+                </a:tc>
+                <a:extLst>
+                  <a:ext uri="{0D108BD9-81ED-4DB2-BD59-A6C34878D82A}">
+                    <a16:rowId xmlns:a16="http://schemas.microsoft.com/office/drawing/2014/main" val="2895031179"/>
+                  </a:ext>
+                </a:extLst>
+              </a:tr>
+              <a:tr h="422787">
+                <a:tc>
+                  <a:txBody>
+                    <a:bodyPr/>
+                    <a:lstStyle/>
+                    <a:p>
+                      <a:pPr algn="ctr" fontAlgn="ctr"/>
+                      <a:r>
+                        <a:rPr lang="fr-CA" sz="1300" u="none" strike="noStrike" dirty="0">
+                          <a:effectLst/>
+                        </a:rPr>
+                        <a:t>0,1</a:t>
+                      </a:r>
+                      <a:endParaRPr lang="fr-CA" sz="1300" b="0" i="0" u="none" strike="noStrike" dirty="0">
+                        <a:solidFill>
+                          <a:srgbClr val="000000"/>
+                        </a:solidFill>
+                        <a:effectLst/>
+                        <a:latin typeface="Calibri" panose="020F0502020204030204" pitchFamily="34" charset="0"/>
+                      </a:endParaRPr>
+                    </a:p>
+                  </a:txBody>
+                  <a:tcPr marL="7620" marR="7620" marT="7620" marB="0" anchor="ctr"/>
+                </a:tc>
+                <a:tc>
+                  <a:txBody>
+                    <a:bodyPr/>
+                    <a:lstStyle/>
+                    <a:p>
+                      <a:pPr marL="0" algn="ctr" defTabSz="914400" rtl="0" eaLnBrk="1" fontAlgn="ctr" latinLnBrk="0" hangingPunct="1"/>
+                      <a:r>
+                        <a:rPr lang="fr-CA" sz="1300" u="none" strike="noStrike" kern="1200" dirty="0">
+                          <a:solidFill>
+                            <a:schemeClr val="dk1"/>
+                          </a:solidFill>
+                          <a:effectLst/>
+                          <a:latin typeface="+mn-lt"/>
+                          <a:ea typeface="+mn-ea"/>
+                          <a:cs typeface="+mn-cs"/>
+                        </a:rPr>
+                        <a:t>18,8825487</a:t>
+                      </a:r>
+                    </a:p>
+                  </a:txBody>
+                  <a:tcPr marL="7620" marR="7620" marT="7620" marB="0" anchor="ctr"/>
+                </a:tc>
+                <a:extLst>
+                  <a:ext uri="{0D108BD9-81ED-4DB2-BD59-A6C34878D82A}">
+                    <a16:rowId xmlns:a16="http://schemas.microsoft.com/office/drawing/2014/main" val="2332115357"/>
+                  </a:ext>
+                </a:extLst>
+              </a:tr>
+              <a:tr h="422787">
+                <a:tc>
+                  <a:txBody>
+                    <a:bodyPr/>
+                    <a:lstStyle/>
+                    <a:p>
+                      <a:pPr algn="ctr" fontAlgn="ctr"/>
+                      <a:r>
+                        <a:rPr lang="fr-CA" sz="1300" u="none" strike="noStrike">
+                          <a:effectLst/>
+                        </a:rPr>
+                        <a:t>0,01</a:t>
+                      </a:r>
+                      <a:endParaRPr lang="fr-CA" sz="1300" b="0" i="0" u="none" strike="noStrike">
+                        <a:solidFill>
+                          <a:srgbClr val="000000"/>
+                        </a:solidFill>
+                        <a:effectLst/>
+                        <a:latin typeface="Calibri" panose="020F0502020204030204" pitchFamily="34" charset="0"/>
+                      </a:endParaRPr>
+                    </a:p>
+                  </a:txBody>
+                  <a:tcPr marL="7620" marR="7620" marT="7620" marB="0" anchor="ctr"/>
+                </a:tc>
+                <a:tc>
+                  <a:txBody>
+                    <a:bodyPr/>
+                    <a:lstStyle/>
+                    <a:p>
+                      <a:pPr marL="0" algn="ctr" defTabSz="914400" rtl="0" eaLnBrk="1" fontAlgn="ctr" latinLnBrk="0" hangingPunct="1"/>
+                      <a:r>
+                        <a:rPr lang="fr-CA" sz="1300" u="none" strike="noStrike" kern="1200" dirty="0">
+                          <a:solidFill>
+                            <a:schemeClr val="dk1"/>
+                          </a:solidFill>
+                          <a:effectLst/>
+                          <a:latin typeface="+mn-lt"/>
+                          <a:ea typeface="+mn-ea"/>
+                          <a:cs typeface="+mn-cs"/>
+                        </a:rPr>
+                        <a:t>18,8825297</a:t>
+                      </a:r>
+                    </a:p>
+                  </a:txBody>
+                  <a:tcPr marL="7620" marR="7620" marT="7620" marB="0" anchor="ctr"/>
+                </a:tc>
+                <a:extLst>
+                  <a:ext uri="{0D108BD9-81ED-4DB2-BD59-A6C34878D82A}">
+                    <a16:rowId xmlns:a16="http://schemas.microsoft.com/office/drawing/2014/main" val="4036792602"/>
+                  </a:ext>
+                </a:extLst>
+              </a:tr>
+            </a:tbl>
+          </a:graphicData>
+        </a:graphic>
+      </p:graphicFrame>
+      <p:sp>
+        <p:nvSpPr>
+          <p:cNvPr id="4" name="ZoneTexte 4">
+            <a:extLst>
+              <a:ext uri="{FF2B5EF4-FFF2-40B4-BE49-F238E27FC236}">
+                <a16:creationId xmlns:a16="http://schemas.microsoft.com/office/drawing/2014/main" id="{779B6F13-D5E5-E8C2-ECB7-F2073E2589CF}"/>
+              </a:ext>
+            </a:extLst>
+          </p:cNvPr>
+          <p:cNvSpPr txBox="1"/>
+          <p:nvPr/>
+        </p:nvSpPr>
+        <p:spPr>
+          <a:xfrm>
+            <a:off x="838200" y="3902486"/>
+            <a:ext cx="4038600" cy="276999"/>
+          </a:xfrm>
+          <a:prstGeom prst="rect">
+            <a:avLst/>
+          </a:prstGeom>
+          <a:noFill/>
+        </p:spPr>
+        <p:txBody>
+          <a:bodyPr wrap="square" rtlCol="0">
+            <a:spAutoFit/>
+          </a:bodyPr>
+          <a:lstStyle/>
+          <a:p>
+            <a:r>
+              <a:rPr lang="fr-FR" sz="1200" dirty="0"/>
+              <a:t>Tableau 2. </a:t>
+            </a:r>
+            <a:r>
+              <a:rPr lang="en-CA" sz="1200" dirty="0" err="1"/>
+              <a:t>Déplacements</a:t>
+            </a:r>
+            <a:r>
+              <a:rPr lang="en-CA" sz="1200" dirty="0"/>
+              <a:t> pour un </a:t>
+            </a:r>
+            <a:r>
+              <a:rPr lang="en-CA" sz="1200" dirty="0" err="1"/>
+              <a:t>raffinement</a:t>
+            </a:r>
+            <a:r>
+              <a:rPr lang="en-CA" sz="1200" dirty="0"/>
+              <a:t> de </a:t>
+            </a:r>
+            <a:r>
+              <a:rPr lang="en-CA" sz="1200" dirty="0" err="1"/>
+              <a:t>maillage</a:t>
+            </a:r>
+            <a:endParaRPr lang="fr-FR" sz="1200" dirty="0"/>
+          </a:p>
+        </p:txBody>
+      </p:sp>
+    </p:spTree>
+    <p:extLst>
+      <p:ext uri="{BB962C8B-B14F-4D97-AF65-F5344CB8AC3E}">
+        <p14:creationId xmlns:p14="http://schemas.microsoft.com/office/powerpoint/2010/main" val="3567347773"/>
+      </p:ext>
+    </p:extLst>
+  </p:cSld>
+  <p:clrMapOvr>
+    <a:masterClrMapping/>
+  </p:clrMapOvr>
+  <p:extLst>
+    <p:ext uri="{6950BFC3-D8DA-4A85-94F7-54DA5524770B}">
+      <p188:commentRel xmlns:p188="http://schemas.microsoft.com/office/powerpoint/2018/8/main" r:id="rId2"/>
+    </p:ext>
+  </p:extLst>
+</p:sld>
+</file>
+
+<file path=ppt/slides/slide11.xml><?xml version="1.0" encoding="utf-8"?>
+<p:sld xmlns:a="http://schemas.openxmlformats.org/drawingml/2006/main" xmlns:r="http://schemas.openxmlformats.org/officeDocument/2006/relationships" xmlns:p="http://schemas.openxmlformats.org/presentationml/2006/main">
+  <p:cSld>
+    <p:spTree>
+      <p:nvGrpSpPr>
+        <p:cNvPr id="1" name=""/>
+        <p:cNvGrpSpPr/>
+        <p:nvPr/>
+      </p:nvGrpSpPr>
+      <p:grpSpPr>
+        <a:xfrm>
+          <a:off x="0" y="0"/>
+          <a:ext cx="0" cy="0"/>
+          <a:chOff x="0" y="0"/>
+          <a:chExt cx="0" cy="0"/>
+        </a:xfrm>
+      </p:grpSpPr>
+      <p:sp>
+        <p:nvSpPr>
+          <p:cNvPr id="2" name="Title 1">
+            <a:extLst>
+              <a:ext uri="{FF2B5EF4-FFF2-40B4-BE49-F238E27FC236}">
+                <a16:creationId xmlns:a16="http://schemas.microsoft.com/office/drawing/2014/main" id="{E0220718-7085-48D6-FCCC-6D486EF513A7}"/>
+              </a:ext>
+            </a:extLst>
+          </p:cNvPr>
+          <p:cNvSpPr>
+            <a:spLocks noGrp="1"/>
+          </p:cNvSpPr>
+          <p:nvPr>
+            <p:ph type="title"/>
+          </p:nvPr>
+        </p:nvSpPr>
+        <p:spPr>
+          <a:xfrm>
+            <a:off x="838200" y="365125"/>
+            <a:ext cx="9308690" cy="706591"/>
+          </a:xfrm>
+        </p:spPr>
+        <p:txBody>
+          <a:bodyPr>
+            <a:normAutofit/>
+          </a:bodyPr>
+          <a:lstStyle/>
+          <a:p>
+            <a:r>
+              <a:rPr lang="fr-FR" sz="3000"/>
+              <a:t>Vérification de solution</a:t>
+            </a:r>
+            <a:endParaRPr lang="en-CA" sz="3000"/>
+          </a:p>
+        </p:txBody>
+      </p:sp>
+      <mc:AlternateContent xmlns:mc="http://schemas.openxmlformats.org/markup-compatibility/2006" xmlns:a14="http://schemas.microsoft.com/office/drawing/2010/main">
+        <mc:Choice Requires="a14">
+          <p:sp>
+            <p:nvSpPr>
+              <p:cNvPr id="3" name="Content Placeholder 2">
+                <a:extLst>
+                  <a:ext uri="{FF2B5EF4-FFF2-40B4-BE49-F238E27FC236}">
+                    <a16:creationId xmlns:a16="http://schemas.microsoft.com/office/drawing/2014/main" id="{57846E6E-541E-C380-2EC3-91AF5BEE61F6}"/>
+                  </a:ext>
+                </a:extLst>
+              </p:cNvPr>
+              <p:cNvSpPr>
+                <a:spLocks noGrp="1"/>
+              </p:cNvSpPr>
+              <p:nvPr>
+                <p:ph idx="1"/>
+              </p:nvPr>
+            </p:nvSpPr>
+            <p:spPr>
+              <a:xfrm>
+                <a:off x="838200" y="1150374"/>
+                <a:ext cx="10515600" cy="5342501"/>
+              </a:xfrm>
+            </p:spPr>
+            <p:txBody>
+              <a:bodyPr>
                 <a:normAutofit/>
               </a:bodyPr>
               <a:lstStyle/>
@@ -11601,7 +13859,7 @@
 </p:sld>
 </file>
 
-<file path=ppt/slides/slide11.xml><?xml version="1.0" encoding="utf-8"?>
+<file path=ppt/slides/slide12.xml><?xml version="1.0" encoding="utf-8"?>
 <p:sld xmlns:a="http://schemas.openxmlformats.org/drawingml/2006/main" xmlns:r="http://schemas.openxmlformats.org/officeDocument/2006/relationships" xmlns:p="http://schemas.openxmlformats.org/presentationml/2006/main">
   <p:cSld>
     <p:spTree>
@@ -11992,7 +14250,7 @@
 </p:sld>
 </file>
 
-<file path=ppt/slides/slide12.xml><?xml version="1.0" encoding="utf-8"?>
+<file path=ppt/slides/slide13.xml><?xml version="1.0" encoding="utf-8"?>
 <p:sld xmlns:a="http://schemas.openxmlformats.org/drawingml/2006/main" xmlns:r="http://schemas.openxmlformats.org/officeDocument/2006/relationships" xmlns:p="http://schemas.openxmlformats.org/presentationml/2006/main">
   <p:cSld>
     <p:spTree>
@@ -12259,7 +14517,7 @@
 </p:sld>
 </file>
 
-<file path=ppt/slides/slide13.xml><?xml version="1.0" encoding="utf-8"?>
+<file path=ppt/slides/slide14.xml><?xml version="1.0" encoding="utf-8"?>
 <p:sld xmlns:a="http://schemas.openxmlformats.org/drawingml/2006/main" xmlns:r="http://schemas.openxmlformats.org/officeDocument/2006/relationships" xmlns:p="http://schemas.openxmlformats.org/presentationml/2006/main">
   <p:cSld>
     <p:spTree>
@@ -12572,7 +14830,7 @@
 </p:sld>
 </file>
 
-<file path=ppt/slides/slide14.xml><?xml version="1.0" encoding="utf-8"?>
+<file path=ppt/slides/slide15.xml><?xml version="1.0" encoding="utf-8"?>
 <p:sld xmlns:a="http://schemas.openxmlformats.org/drawingml/2006/main" xmlns:r="http://schemas.openxmlformats.org/officeDocument/2006/relationships" xmlns:p="http://schemas.openxmlformats.org/presentationml/2006/main">
   <p:cSld>
     <p:spTree>
@@ -13323,7 +15581,7 @@
 </p:sld>
 </file>
 
-<file path=ppt/slides/slide15.xml><?xml version="1.0" encoding="utf-8"?>
+<file path=ppt/slides/slide16.xml><?xml version="1.0" encoding="utf-8"?>
 <p:sld xmlns:a="http://schemas.openxmlformats.org/drawingml/2006/main" xmlns:r="http://schemas.openxmlformats.org/officeDocument/2006/relationships" xmlns:p="http://schemas.openxmlformats.org/presentationml/2006/main">
   <p:cSld>
     <p:spTree>
@@ -14586,7 +16844,7 @@
 </p:sld>
 </file>
 
-<file path=ppt/slides/slide16.xml><?xml version="1.0" encoding="utf-8"?>
+<file path=ppt/slides/slide17.xml><?xml version="1.0" encoding="utf-8"?>
 <p:sld xmlns:a="http://schemas.openxmlformats.org/drawingml/2006/main" xmlns:r="http://schemas.openxmlformats.org/officeDocument/2006/relationships" xmlns:p="http://schemas.openxmlformats.org/presentationml/2006/main">
   <p:cSld>
     <p:spTree>
@@ -16107,416 +18365,6 @@
 </p:sld>
 </file>
 
-<file path=ppt/slides/slide17.xml><?xml version="1.0" encoding="utf-8"?>
-<p:sld xmlns:a="http://schemas.openxmlformats.org/drawingml/2006/main" xmlns:r="http://schemas.openxmlformats.org/officeDocument/2006/relationships" xmlns:p="http://schemas.openxmlformats.org/presentationml/2006/main">
-  <p:cSld>
-    <p:spTree>
-      <p:nvGrpSpPr>
-        <p:cNvPr id="1" name=""/>
-        <p:cNvGrpSpPr/>
-        <p:nvPr/>
-      </p:nvGrpSpPr>
-      <p:grpSpPr>
-        <a:xfrm>
-          <a:off x="0" y="0"/>
-          <a:ext cx="0" cy="0"/>
-          <a:chOff x="0" y="0"/>
-          <a:chExt cx="0" cy="0"/>
-        </a:xfrm>
-      </p:grpSpPr>
-      <p:sp>
-        <p:nvSpPr>
-          <p:cNvPr id="2" name="Title 1">
-            <a:extLst>
-              <a:ext uri="{FF2B5EF4-FFF2-40B4-BE49-F238E27FC236}">
-                <a16:creationId xmlns:a16="http://schemas.microsoft.com/office/drawing/2014/main" id="{E0220718-7085-48D6-FCCC-6D486EF513A7}"/>
-              </a:ext>
-            </a:extLst>
-          </p:cNvPr>
-          <p:cNvSpPr>
-            <a:spLocks noGrp="1"/>
-          </p:cNvSpPr>
-          <p:nvPr>
-            <p:ph type="title"/>
-          </p:nvPr>
-        </p:nvSpPr>
-        <p:spPr>
-          <a:xfrm>
-            <a:off x="838200" y="365125"/>
-            <a:ext cx="9308690" cy="706591"/>
-          </a:xfrm>
-        </p:spPr>
-        <p:txBody>
-          <a:bodyPr>
-            <a:normAutofit/>
-          </a:bodyPr>
-          <a:lstStyle/>
-          <a:p>
-            <a:r>
-              <a:rPr lang="fr-FR" sz="3000" dirty="0"/>
-              <a:t>Validation</a:t>
-            </a:r>
-            <a:endParaRPr lang="en-CA" sz="3000" dirty="0"/>
-          </a:p>
-        </p:txBody>
-      </p:sp>
-      <mc:AlternateContent xmlns:mc="http://schemas.openxmlformats.org/markup-compatibility/2006" xmlns:a14="http://schemas.microsoft.com/office/drawing/2010/main">
-        <mc:Choice Requires="a14">
-          <p:sp>
-            <p:nvSpPr>
-              <p:cNvPr id="3" name="Content Placeholder 2">
-                <a:extLst>
-                  <a:ext uri="{FF2B5EF4-FFF2-40B4-BE49-F238E27FC236}">
-                    <a16:creationId xmlns:a16="http://schemas.microsoft.com/office/drawing/2014/main" id="{57846E6E-541E-C380-2EC3-91AF5BEE61F6}"/>
-                  </a:ext>
-                </a:extLst>
-              </p:cNvPr>
-              <p:cNvSpPr>
-                <a:spLocks noGrp="1"/>
-              </p:cNvSpPr>
-              <p:nvPr>
-                <p:ph idx="1"/>
-              </p:nvPr>
-            </p:nvSpPr>
-            <p:spPr>
-              <a:xfrm>
-                <a:off x="838200" y="1150374"/>
-                <a:ext cx="10515600" cy="5342501"/>
-              </a:xfrm>
-            </p:spPr>
-            <p:txBody>
-              <a:bodyPr>
-                <a:normAutofit/>
-              </a:bodyPr>
-              <a:lstStyle/>
-              <a:p>
-                <a:pPr marL="0" indent="0" algn="just">
-                  <a:lnSpc>
-                    <a:spcPct val="100000"/>
-                  </a:lnSpc>
-                  <a:buNone/>
-                </a:pPr>
-                <a:r>
-                  <a:rPr lang="fr-FR" sz="1800" dirty="0"/>
-                  <a:t>Selon l’article « </a:t>
-                </a:r>
-                <a:r>
-                  <a:rPr lang="en-US" sz="1800" dirty="0"/>
-                  <a:t>On the interpretation and scope of the V&amp;V standard[…]</a:t>
-                </a:r>
-                <a:r>
-                  <a:rPr lang="fr-FR" sz="1800" dirty="0"/>
-                  <a:t> » </a:t>
-                </a:r>
-                <a:r>
-                  <a:rPr lang="en-US" sz="1800" dirty="0"/>
-                  <a:t>(</a:t>
-                </a:r>
-                <a:r>
-                  <a:rPr lang="en-US" sz="1800" dirty="0" err="1"/>
-                  <a:t>Eça</a:t>
-                </a:r>
-                <a:r>
-                  <a:rPr lang="en-US" sz="1800" dirty="0"/>
-                  <a:t> et. al, 2020)</a:t>
-                </a:r>
-                <a:r>
-                  <a:rPr lang="fr-FR" sz="1800" dirty="0"/>
-                  <a:t>, la réduction de </a:t>
-                </a:r>
-                <a14:m>
-                  <m:oMath xmlns:m="http://schemas.openxmlformats.org/officeDocument/2006/math">
-                    <m:sSub>
-                      <m:sSubPr>
-                        <m:ctrlPr>
-                          <a:rPr lang="en-CA" sz="1800" i="1" dirty="0">
-                            <a:latin typeface="Cambria Math" panose="02040503050406030204" pitchFamily="18" charset="0"/>
-                          </a:rPr>
-                        </m:ctrlPr>
-                      </m:sSubPr>
-                      <m:e>
-                        <m:r>
-                          <a:rPr lang="en-CA" sz="1800" dirty="0">
-                            <a:latin typeface="Cambria Math" panose="02040503050406030204" pitchFamily="18" charset="0"/>
-                          </a:rPr>
-                          <m:t>𝑢</m:t>
-                        </m:r>
-                      </m:e>
-                      <m:sub>
-                        <m:r>
-                          <a:rPr lang="en-CA" sz="1800" dirty="0">
-                            <a:latin typeface="Cambria Math" panose="02040503050406030204" pitchFamily="18" charset="0"/>
-                          </a:rPr>
-                          <m:t>𝑣𝑎𝑙</m:t>
-                        </m:r>
-                      </m:sub>
-                    </m:sSub>
-                  </m:oMath>
-                </a14:m>
-                <a:r>
-                  <a:rPr lang="fr-FR" sz="1800" dirty="0"/>
-                  <a:t> ne dépend pas du modèle mais nécessite des améliorations au niveau des précisions numériques et/ou expérimentales et/ou au niveau des données d’entrée. </a:t>
-                </a:r>
-              </a:p>
-              <a:p>
-                <a:pPr marL="0" indent="0" algn="just">
-                  <a:lnSpc>
-                    <a:spcPct val="100000"/>
-                  </a:lnSpc>
-                  <a:buNone/>
-                </a:pPr>
-                <a:r>
-                  <a:rPr lang="fr-FR" sz="1800" dirty="0"/>
-                  <a:t>Etant donné que pour le présent projet, les articles scientifiques de référence contiennent très peu d’information sur les incertitudes des données d’entrée et encore moins sur les démarches des expériences de validation, plusieurs hypothèses ont dû être réalisées, notamment sur les instruments de mesure utilisés et sur la distribution statistique des données.</a:t>
-                </a:r>
-              </a:p>
-              <a:p>
-                <a:pPr marL="0" indent="0" algn="just">
-                  <a:lnSpc>
-                    <a:spcPct val="100000"/>
-                  </a:lnSpc>
-                  <a:buNone/>
-                </a:pPr>
-                <a:r>
-                  <a:rPr lang="fr-FR" sz="1800" dirty="0"/>
-                  <a:t>Ces hypothèses se traduisent par des valeurs peu précises de </a:t>
-                </a:r>
-                <a14:m>
-                  <m:oMath xmlns:m="http://schemas.openxmlformats.org/officeDocument/2006/math">
-                    <m:sSub>
-                      <m:sSubPr>
-                        <m:ctrlPr>
-                          <a:rPr lang="en-CA" sz="1800" i="1" dirty="0" smtClean="0">
-                            <a:latin typeface="Cambria Math" panose="02040503050406030204" pitchFamily="18" charset="0"/>
-                          </a:rPr>
-                        </m:ctrlPr>
-                      </m:sSubPr>
-                      <m:e>
-                        <m:r>
-                          <a:rPr lang="en-CA" sz="1800" dirty="0">
-                            <a:latin typeface="Cambria Math" panose="02040503050406030204" pitchFamily="18" charset="0"/>
-                          </a:rPr>
-                          <m:t>𝑢</m:t>
-                        </m:r>
-                      </m:e>
-                      <m:sub>
-                        <m:r>
-                          <a:rPr lang="en-CA" sz="1800" b="0" i="1" dirty="0" smtClean="0">
-                            <a:latin typeface="Cambria Math" panose="02040503050406030204" pitchFamily="18" charset="0"/>
-                          </a:rPr>
-                          <m:t>𝑖𝑛𝑝𝑢𝑡</m:t>
-                        </m:r>
-                        <m:r>
-                          <a:rPr lang="en-CA" sz="1800" b="0" i="1" dirty="0" smtClean="0">
-                            <a:latin typeface="Cambria Math" panose="02040503050406030204" pitchFamily="18" charset="0"/>
-                          </a:rPr>
-                          <m:t> </m:t>
-                        </m:r>
-                      </m:sub>
-                    </m:sSub>
-                  </m:oMath>
-                </a14:m>
-                <a:r>
-                  <a:rPr lang="fr-FR" sz="1800" dirty="0"/>
-                  <a:t>et </a:t>
-                </a:r>
-                <a14:m>
-                  <m:oMath xmlns:m="http://schemas.openxmlformats.org/officeDocument/2006/math">
-                    <m:sSub>
-                      <m:sSubPr>
-                        <m:ctrlPr>
-                          <a:rPr lang="en-CA" sz="1800" i="1" dirty="0">
-                            <a:latin typeface="Cambria Math" panose="02040503050406030204" pitchFamily="18" charset="0"/>
-                          </a:rPr>
-                        </m:ctrlPr>
-                      </m:sSubPr>
-                      <m:e>
-                        <m:r>
-                          <a:rPr lang="en-CA" sz="1800" dirty="0">
-                            <a:latin typeface="Cambria Math" panose="02040503050406030204" pitchFamily="18" charset="0"/>
-                          </a:rPr>
-                          <m:t>𝑢</m:t>
-                        </m:r>
-                      </m:e>
-                      <m:sub>
-                        <m:r>
-                          <a:rPr lang="en-CA" sz="1800" b="0" i="1" dirty="0" smtClean="0">
-                            <a:latin typeface="Cambria Math" panose="02040503050406030204" pitchFamily="18" charset="0"/>
-                          </a:rPr>
-                          <m:t>𝐷</m:t>
-                        </m:r>
-                      </m:sub>
-                    </m:sSub>
-                  </m:oMath>
-                </a14:m>
-                <a:r>
-                  <a:rPr lang="fr-FR" sz="1800" dirty="0"/>
-                  <a:t>, ce qui affecte directement la précision de </a:t>
-                </a:r>
-                <a14:m>
-                  <m:oMath xmlns:m="http://schemas.openxmlformats.org/officeDocument/2006/math">
-                    <m:sSub>
-                      <m:sSubPr>
-                        <m:ctrlPr>
-                          <a:rPr lang="en-CA" sz="1800" i="1" dirty="0">
-                            <a:latin typeface="Cambria Math" panose="02040503050406030204" pitchFamily="18" charset="0"/>
-                          </a:rPr>
-                        </m:ctrlPr>
-                      </m:sSubPr>
-                      <m:e>
-                        <m:r>
-                          <a:rPr lang="en-CA" sz="1800" dirty="0">
-                            <a:latin typeface="Cambria Math" panose="02040503050406030204" pitchFamily="18" charset="0"/>
-                          </a:rPr>
-                          <m:t>𝑢</m:t>
-                        </m:r>
-                      </m:e>
-                      <m:sub>
-                        <m:r>
-                          <a:rPr lang="en-CA" sz="1800" dirty="0">
-                            <a:latin typeface="Cambria Math" panose="02040503050406030204" pitchFamily="18" charset="0"/>
-                          </a:rPr>
-                          <m:t>𝑣𝑎𝑙</m:t>
-                        </m:r>
-                      </m:sub>
-                    </m:sSub>
-                  </m:oMath>
-                </a14:m>
-                <a:r>
-                  <a:rPr lang="fr-FR" sz="1800" dirty="0"/>
-                  <a:t>, même si d’après la vérification de solution, l’incertitude numérique </a:t>
-                </a:r>
-                <a14:m>
-                  <m:oMath xmlns:m="http://schemas.openxmlformats.org/officeDocument/2006/math">
-                    <m:sSub>
-                      <m:sSubPr>
-                        <m:ctrlPr>
-                          <a:rPr lang="en-CA" sz="1800" i="1" dirty="0">
-                            <a:latin typeface="Cambria Math" panose="02040503050406030204" pitchFamily="18" charset="0"/>
-                          </a:rPr>
-                        </m:ctrlPr>
-                      </m:sSubPr>
-                      <m:e>
-                        <m:r>
-                          <a:rPr lang="en-CA" sz="1800" dirty="0">
-                            <a:latin typeface="Cambria Math" panose="02040503050406030204" pitchFamily="18" charset="0"/>
-                          </a:rPr>
-                          <m:t>𝑢</m:t>
-                        </m:r>
-                      </m:e>
-                      <m:sub>
-                        <m:r>
-                          <a:rPr lang="en-CA" sz="1800" b="0" i="1" dirty="0" smtClean="0">
-                            <a:latin typeface="Cambria Math" panose="02040503050406030204" pitchFamily="18" charset="0"/>
-                          </a:rPr>
-                          <m:t>𝑛𝑢𝑚</m:t>
-                        </m:r>
-                      </m:sub>
-                    </m:sSub>
-                  </m:oMath>
-                </a14:m>
-                <a:r>
-                  <a:rPr lang="fr-FR" sz="1800" dirty="0"/>
-                  <a:t>est nulle. Ainsi le résultat obtenu sur la largeur de l’intervalle d’incertitude de </a:t>
-                </a:r>
-                <a14:m>
-                  <m:oMath xmlns:m="http://schemas.openxmlformats.org/officeDocument/2006/math">
-                    <m:sSub>
-                      <m:sSubPr>
-                        <m:ctrlPr>
-                          <a:rPr lang="en-CA" sz="1800" i="1" dirty="0">
-                            <a:latin typeface="Cambria Math" panose="02040503050406030204" pitchFamily="18" charset="0"/>
-                          </a:rPr>
-                        </m:ctrlPr>
-                      </m:sSubPr>
-                      <m:e>
-                        <m:r>
-                          <a:rPr lang="en-CA" sz="1800" dirty="0">
-                            <a:latin typeface="Cambria Math" panose="02040503050406030204" pitchFamily="18" charset="0"/>
-                          </a:rPr>
-                          <m:t>𝛿</m:t>
-                        </m:r>
-                      </m:e>
-                      <m:sub>
-                        <m:r>
-                          <a:rPr lang="en-CA" sz="1800" dirty="0">
-                            <a:latin typeface="Cambria Math" panose="02040503050406030204" pitchFamily="18" charset="0"/>
-                          </a:rPr>
-                          <m:t>𝑚𝑜𝑑𝑒𝑙</m:t>
-                        </m:r>
-                      </m:sub>
-                    </m:sSub>
-                  </m:oMath>
-                </a14:m>
-                <a:r>
-                  <a:rPr lang="en-CA" sz="1800" dirty="0"/>
-                  <a:t> </a:t>
-                </a:r>
-                <a:r>
-                  <a:rPr lang="fr-CA" sz="1800" dirty="0"/>
-                  <a:t>n’est pas surprenant.</a:t>
-                </a:r>
-              </a:p>
-            </p:txBody>
-          </p:sp>
-        </mc:Choice>
-        <mc:Fallback xmlns="">
-          <p:sp>
-            <p:nvSpPr>
-              <p:cNvPr id="3" name="Content Placeholder 2">
-                <a:extLst>
-                  <a:ext uri="{FF2B5EF4-FFF2-40B4-BE49-F238E27FC236}">
-                    <a16:creationId xmlns:a16="http://schemas.microsoft.com/office/drawing/2014/main" id="{57846E6E-541E-C380-2EC3-91AF5BEE61F6}"/>
-                  </a:ext>
-                </a:extLst>
-              </p:cNvPr>
-              <p:cNvSpPr>
-                <a:spLocks noGrp="1" noRot="1" noChangeAspect="1" noMove="1" noResize="1" noEditPoints="1" noAdjustHandles="1" noChangeArrowheads="1" noChangeShapeType="1" noTextEdit="1"/>
-              </p:cNvSpPr>
-              <p:nvPr>
-                <p:ph idx="1"/>
-              </p:nvPr>
-            </p:nvSpPr>
-            <p:spPr>
-              <a:xfrm>
-                <a:off x="838200" y="1150374"/>
-                <a:ext cx="10515600" cy="5342501"/>
-              </a:xfrm>
-              <a:blipFill>
-                <a:blip r:embed="rId2"/>
-                <a:stretch>
-                  <a:fillRect l="-522" t="-571" r="-464"/>
-                </a:stretch>
-              </a:blipFill>
-            </p:spPr>
-            <p:txBody>
-              <a:bodyPr/>
-              <a:lstStyle/>
-              <a:p>
-                <a:r>
-                  <a:rPr lang="en-CA">
-                    <a:noFill/>
-                  </a:rPr>
-                  <a:t> </a:t>
-                </a:r>
-              </a:p>
-            </p:txBody>
-          </p:sp>
-        </mc:Fallback>
-      </mc:AlternateContent>
-    </p:spTree>
-    <p:extLst>
-      <p:ext uri="{BB962C8B-B14F-4D97-AF65-F5344CB8AC3E}">
-        <p14:creationId xmlns:p14="http://schemas.microsoft.com/office/powerpoint/2010/main" val="3401032911"/>
-      </p:ext>
-    </p:extLst>
-  </p:cSld>
-  <p:clrMapOvr>
-    <a:masterClrMapping/>
-  </p:clrMapOvr>
-</p:sld>
-</file>
-
 <file path=ppt/slides/slide18.xml><?xml version="1.0" encoding="utf-8"?>
 <p:sld xmlns:a="http://schemas.openxmlformats.org/drawingml/2006/main" xmlns:r="http://schemas.openxmlformats.org/officeDocument/2006/relationships" xmlns:p="http://schemas.openxmlformats.org/presentationml/2006/main">
   <p:cSld>
@@ -16564,7 +18412,7 @@
           <a:p>
             <a:r>
               <a:rPr lang="fr-FR" sz="3000" dirty="0"/>
-              <a:t>Conclusion</a:t>
+              <a:t>Validation</a:t>
             </a:r>
             <a:endParaRPr lang="en-CA" sz="3000" dirty="0"/>
           </a:p>
@@ -16601,766 +18449,38 @@
               <a:lstStyle/>
               <a:p>
                 <a:pPr marL="0" indent="0" algn="just">
+                  <a:lnSpc>
+                    <a:spcPct val="100000"/>
+                  </a:lnSpc>
                   <a:buNone/>
                 </a:pPr>
                 <a:r>
-                  <a:rPr lang="en-CA" sz="1800" dirty="0">
-                    <a:highlight>
-                      <a:srgbClr val="FFFF00"/>
-                    </a:highlight>
-                  </a:rPr>
-                  <a:t>La verification de code montre … </a:t>
-                </a:r>
-                <a:r>
-                  <a:rPr lang="en-CA" sz="1800" dirty="0" err="1">
-                    <a:highlight>
-                      <a:srgbClr val="FFFF00"/>
-                    </a:highlight>
-                  </a:rPr>
-                  <a:t>ce</a:t>
-                </a:r>
-                <a:r>
-                  <a:rPr lang="en-CA" sz="1800" dirty="0">
-                    <a:highlight>
-                      <a:srgbClr val="FFFF00"/>
-                    </a:highlight>
-                  </a:rPr>
-                  <a:t> </a:t>
-                </a:r>
-                <a:r>
-                  <a:rPr lang="en-CA" sz="1800" dirty="0" err="1">
-                    <a:highlight>
-                      <a:srgbClr val="FFFF00"/>
-                    </a:highlight>
-                  </a:rPr>
-                  <a:t>n’etait</a:t>
-                </a:r>
-                <a:r>
-                  <a:rPr lang="en-CA" sz="1800" dirty="0">
-                    <a:highlight>
-                      <a:srgbClr val="FFFF00"/>
-                    </a:highlight>
-                  </a:rPr>
-                  <a:t> pas </a:t>
-                </a:r>
-                <a:r>
-                  <a:rPr lang="en-CA" sz="1800" dirty="0" err="1">
-                    <a:highlight>
-                      <a:srgbClr val="FFFF00"/>
-                    </a:highlight>
-                  </a:rPr>
-                  <a:t>directement</a:t>
-                </a:r>
-                <a:r>
-                  <a:rPr lang="en-CA" sz="1800" dirty="0">
-                    <a:highlight>
-                      <a:srgbClr val="FFFF00"/>
-                    </a:highlight>
-                  </a:rPr>
-                  <a:t> </a:t>
-                </a:r>
-                <a:r>
-                  <a:rPr lang="en-CA" sz="1800" dirty="0" err="1">
-                    <a:highlight>
-                      <a:srgbClr val="FFFF00"/>
-                    </a:highlight>
-                  </a:rPr>
-                  <a:t>une</a:t>
-                </a:r>
-                <a:r>
-                  <a:rPr lang="en-CA" sz="1800" dirty="0">
-                    <a:highlight>
-                      <a:srgbClr val="FFFF00"/>
-                    </a:highlight>
-                  </a:rPr>
-                  <a:t> verification du MEF de la </a:t>
-                </a:r>
-                <a:r>
-                  <a:rPr lang="en-CA" sz="1800" dirty="0" err="1">
-                    <a:highlight>
-                      <a:srgbClr val="FFFF00"/>
-                    </a:highlight>
-                  </a:rPr>
-                  <a:t>colonne</a:t>
-                </a:r>
-                <a:r>
-                  <a:rPr lang="en-CA" sz="1800" dirty="0">
-                    <a:highlight>
-                      <a:srgbClr val="FFFF00"/>
-                    </a:highlight>
-                  </a:rPr>
-                  <a:t> </a:t>
-                </a:r>
-                <a:r>
-                  <a:rPr lang="en-CA" sz="1800" dirty="0" err="1">
-                    <a:highlight>
-                      <a:srgbClr val="FFFF00"/>
-                    </a:highlight>
-                  </a:rPr>
-                  <a:t>vertebrale</a:t>
-                </a:r>
-                <a:r>
-                  <a:rPr lang="en-CA" sz="1800" dirty="0">
-                    <a:highlight>
-                      <a:srgbClr val="FFFF00"/>
-                    </a:highlight>
-                  </a:rPr>
-                  <a:t> </a:t>
-                </a:r>
-                <a:r>
-                  <a:rPr lang="en-CA" sz="1800" dirty="0" err="1">
-                    <a:highlight>
-                      <a:srgbClr val="FFFF00"/>
-                    </a:highlight>
-                  </a:rPr>
-                  <a:t>mais</a:t>
-                </a:r>
-                <a:r>
-                  <a:rPr lang="en-CA" sz="1800" dirty="0">
-                    <a:highlight>
-                      <a:srgbClr val="FFFF00"/>
-                    </a:highlight>
-                  </a:rPr>
-                  <a:t> </a:t>
-                </a:r>
-                <a:r>
-                  <a:rPr lang="en-CA" sz="1800" dirty="0" err="1">
-                    <a:highlight>
-                      <a:srgbClr val="FFFF00"/>
-                    </a:highlight>
-                  </a:rPr>
-                  <a:t>plutot</a:t>
-                </a:r>
-                <a:r>
-                  <a:rPr lang="en-CA" sz="1800" dirty="0">
-                    <a:highlight>
-                      <a:srgbClr val="FFFF00"/>
-                    </a:highlight>
-                  </a:rPr>
-                  <a:t> de </a:t>
-                </a:r>
-                <a:r>
-                  <a:rPr lang="en-CA" sz="1800" dirty="0" err="1">
-                    <a:highlight>
-                      <a:srgbClr val="FFFF00"/>
-                    </a:highlight>
-                  </a:rPr>
-                  <a:t>simcenter</a:t>
-                </a:r>
-                <a:r>
-                  <a:rPr lang="en-CA" sz="1800" dirty="0">
-                    <a:highlight>
-                      <a:srgbClr val="FFFF00"/>
-                    </a:highlight>
-                  </a:rPr>
-                  <a:t>…</a:t>
-                </a:r>
-              </a:p>
-              <a:p>
-                <a:pPr marL="0" indent="0" algn="just">
-                  <a:buNone/>
-                </a:pPr>
-                <a:r>
-                  <a:rPr lang="en-CA" sz="1800" dirty="0">
-                    <a:highlight>
-                      <a:srgbClr val="FFFF00"/>
-                    </a:highlight>
-                  </a:rPr>
-                  <a:t>La verification de solution </a:t>
-                </a:r>
-                <a:r>
-                  <a:rPr lang="en-CA" sz="1800" dirty="0" err="1">
-                    <a:highlight>
-                      <a:srgbClr val="FFFF00"/>
-                    </a:highlight>
-                  </a:rPr>
-                  <a:t>donne</a:t>
-                </a:r>
-                <a:r>
-                  <a:rPr lang="en-CA" sz="1800" dirty="0">
-                    <a:highlight>
-                      <a:srgbClr val="FFFF00"/>
-                    </a:highlight>
-                  </a:rPr>
-                  <a:t> un </a:t>
-                </a:r>
-                <a:r>
-                  <a:rPr lang="en-CA" sz="1800" dirty="0" err="1">
-                    <a:highlight>
-                      <a:srgbClr val="FFFF00"/>
-                    </a:highlight>
-                  </a:rPr>
-                  <a:t>estimé</a:t>
-                </a:r>
-                <a:r>
-                  <a:rPr lang="en-CA" sz="1800" dirty="0">
-                    <a:highlight>
-                      <a:srgbClr val="FFFF00"/>
-                    </a:highlight>
-                  </a:rPr>
-                  <a:t> de </a:t>
-                </a:r>
-                <a:r>
-                  <a:rPr lang="en-CA" sz="1800" dirty="0" err="1">
-                    <a:highlight>
-                      <a:srgbClr val="FFFF00"/>
-                    </a:highlight>
-                  </a:rPr>
-                  <a:t>l’erreur</a:t>
-                </a:r>
-                <a:r>
-                  <a:rPr lang="en-CA" sz="1800" dirty="0">
-                    <a:highlight>
-                      <a:srgbClr val="FFFF00"/>
-                    </a:highlight>
-                  </a:rPr>
-                  <a:t> de ?? Et on </a:t>
-                </a:r>
-                <a:r>
-                  <a:rPr lang="en-CA" sz="1800" dirty="0" err="1">
-                    <a:highlight>
-                      <a:srgbClr val="FFFF00"/>
-                    </a:highlight>
-                  </a:rPr>
-                  <a:t>trouve</a:t>
-                </a:r>
-                <a:r>
-                  <a:rPr lang="en-CA" sz="1800" dirty="0">
-                    <a:highlight>
-                      <a:srgbClr val="FFFF00"/>
-                    </a:highlight>
-                  </a:rPr>
-                  <a:t> </a:t>
-                </a:r>
-                <a:r>
-                  <a:rPr lang="en-CA" sz="1800" dirty="0" err="1">
-                    <a:highlight>
-                      <a:srgbClr val="FFFF00"/>
-                    </a:highlight>
-                  </a:rPr>
-                  <a:t>qu’une</a:t>
-                </a:r>
-                <a:r>
-                  <a:rPr lang="en-CA" sz="1800" dirty="0">
-                    <a:highlight>
-                      <a:srgbClr val="FFFF00"/>
-                    </a:highlight>
-                  </a:rPr>
-                  <a:t> approximation de la solution par </a:t>
-                </a:r>
-                <a:r>
-                  <a:rPr lang="en-CA" sz="1800" dirty="0" err="1">
-                    <a:highlight>
-                      <a:srgbClr val="FFFF00"/>
-                    </a:highlight>
-                  </a:rPr>
-                  <a:t>une</a:t>
-                </a:r>
-                <a:r>
-                  <a:rPr lang="en-CA" sz="1800" dirty="0">
-                    <a:highlight>
-                      <a:srgbClr val="FFFF00"/>
-                    </a:highlight>
-                  </a:rPr>
-                  <a:t> extrapolation de Richardson </a:t>
-                </a:r>
-                <a:r>
-                  <a:rPr lang="en-CA" sz="1800" dirty="0" err="1">
-                    <a:highlight>
-                      <a:srgbClr val="FFFF00"/>
-                    </a:highlight>
-                  </a:rPr>
-                  <a:t>est</a:t>
-                </a:r>
-                <a:r>
-                  <a:rPr lang="en-CA" sz="1800" dirty="0">
-                    <a:highlight>
-                      <a:srgbClr val="FFFF00"/>
-                    </a:highlight>
-                  </a:rPr>
-                  <a:t> possible </a:t>
-                </a:r>
-                <a:r>
-                  <a:rPr lang="en-CA" sz="1800" dirty="0" err="1">
-                    <a:highlight>
-                      <a:srgbClr val="FFFF00"/>
-                    </a:highlight>
-                  </a:rPr>
-                  <a:t>blablabla</a:t>
-                </a:r>
-                <a:endParaRPr lang="en-CA" sz="1800" dirty="0">
-                  <a:highlight>
-                    <a:srgbClr val="FFFF00"/>
-                  </a:highlight>
-                </a:endParaRPr>
-              </a:p>
-              <a:p>
-                <a:pPr marL="0" indent="0" algn="just">
-                  <a:buNone/>
-                </a:pPr>
-                <a:r>
-                  <a:rPr lang="en-CA" sz="1800" dirty="0" err="1">
-                    <a:highlight>
-                      <a:srgbClr val="FFFF00"/>
-                    </a:highlight>
-                  </a:rPr>
-                  <a:t>Arrivee</a:t>
-                </a:r>
-                <a:r>
-                  <a:rPr lang="en-CA" sz="1800" dirty="0">
-                    <a:highlight>
-                      <a:srgbClr val="FFFF00"/>
-                    </a:highlight>
-                  </a:rPr>
-                  <a:t> a </a:t>
-                </a:r>
-                <a:r>
-                  <a:rPr lang="en-CA" sz="1800" dirty="0" err="1">
-                    <a:highlight>
-                      <a:srgbClr val="FFFF00"/>
-                    </a:highlight>
-                  </a:rPr>
-                  <a:t>l’etape</a:t>
-                </a:r>
-                <a:r>
-                  <a:rPr lang="en-CA" sz="1800" dirty="0">
-                    <a:highlight>
-                      <a:srgbClr val="FFFF00"/>
-                    </a:highlight>
-                  </a:rPr>
-                  <a:t> de validation, </a:t>
-                </a:r>
-                <a:r>
-                  <a:rPr lang="en-CA" sz="1800" dirty="0" err="1">
-                    <a:highlight>
-                      <a:srgbClr val="FFFF00"/>
-                    </a:highlight>
-                  </a:rPr>
-                  <a:t>plusieurs</a:t>
-                </a:r>
-                <a:r>
-                  <a:rPr lang="en-CA" sz="1800" dirty="0">
-                    <a:highlight>
-                      <a:srgbClr val="FFFF00"/>
-                    </a:highlight>
-                  </a:rPr>
-                  <a:t> hypotheses </a:t>
-                </a:r>
-                <a:r>
-                  <a:rPr lang="en-CA" sz="1800" dirty="0" err="1">
-                    <a:highlight>
-                      <a:srgbClr val="FFFF00"/>
-                    </a:highlight>
-                  </a:rPr>
-                  <a:t>ont</a:t>
-                </a:r>
-                <a:r>
-                  <a:rPr lang="en-CA" sz="1800" dirty="0">
-                    <a:highlight>
-                      <a:srgbClr val="FFFF00"/>
-                    </a:highlight>
-                  </a:rPr>
-                  <a:t> du </a:t>
-                </a:r>
-                <a:r>
-                  <a:rPr lang="en-CA" sz="1800" dirty="0" err="1">
-                    <a:highlight>
-                      <a:srgbClr val="FFFF00"/>
-                    </a:highlight>
-                  </a:rPr>
-                  <a:t>etre</a:t>
-                </a:r>
-                <a:r>
-                  <a:rPr lang="en-CA" sz="1800" dirty="0">
-                    <a:highlight>
-                      <a:srgbClr val="FFFF00"/>
-                    </a:highlight>
-                  </a:rPr>
-                  <a:t> </a:t>
-                </a:r>
-                <a:r>
-                  <a:rPr lang="en-CA" sz="1800" dirty="0" err="1">
-                    <a:highlight>
-                      <a:srgbClr val="FFFF00"/>
-                    </a:highlight>
-                  </a:rPr>
-                  <a:t>effectuees</a:t>
-                </a:r>
-                <a:r>
-                  <a:rPr lang="en-CA" sz="1800" dirty="0">
-                    <a:highlight>
-                      <a:srgbClr val="FFFF00"/>
-                    </a:highlight>
-                  </a:rPr>
-                  <a:t> pour pallier aux manque </a:t>
-                </a:r>
-                <a:r>
-                  <a:rPr lang="en-CA" sz="1800" dirty="0" err="1">
-                    <a:highlight>
-                      <a:srgbClr val="FFFF00"/>
-                    </a:highlight>
-                  </a:rPr>
-                  <a:t>d’information</a:t>
-                </a:r>
-                <a:r>
-                  <a:rPr lang="en-CA" sz="1800" dirty="0">
-                    <a:highlight>
-                      <a:srgbClr val="FFFF00"/>
-                    </a:highlight>
-                  </a:rPr>
-                  <a:t> des articles </a:t>
-                </a:r>
-                <a:r>
-                  <a:rPr lang="en-CA" sz="1800" dirty="0" err="1">
-                    <a:highlight>
-                      <a:srgbClr val="FFFF00"/>
-                    </a:highlight>
-                  </a:rPr>
-                  <a:t>scientifiques</a:t>
-                </a:r>
-                <a:r>
-                  <a:rPr lang="en-CA" sz="1800" dirty="0">
-                    <a:highlight>
-                      <a:srgbClr val="FFFF00"/>
-                    </a:highlight>
-                  </a:rPr>
-                  <a:t> sur la distribution des </a:t>
-                </a:r>
-                <a:r>
-                  <a:rPr lang="en-CA" sz="1800" dirty="0" err="1">
-                    <a:highlight>
-                      <a:srgbClr val="FFFF00"/>
-                    </a:highlight>
-                  </a:rPr>
-                  <a:t>donnees</a:t>
-                </a:r>
-                <a:r>
-                  <a:rPr lang="en-CA" sz="1800" dirty="0">
-                    <a:highlight>
-                      <a:srgbClr val="FFFF00"/>
-                    </a:highlight>
-                  </a:rPr>
-                  <a:t> </a:t>
-                </a:r>
-                <a:r>
-                  <a:rPr lang="en-CA" sz="1800" dirty="0" err="1">
-                    <a:highlight>
-                      <a:srgbClr val="FFFF00"/>
-                    </a:highlight>
-                  </a:rPr>
-                  <a:t>d’entrees</a:t>
-                </a:r>
-                <a:r>
-                  <a:rPr lang="en-CA" sz="1800" dirty="0">
-                    <a:highlight>
-                      <a:srgbClr val="FFFF00"/>
-                    </a:highlight>
-                  </a:rPr>
-                  <a:t>, </a:t>
-                </a:r>
-                <a:r>
-                  <a:rPr lang="en-CA" sz="1800" dirty="0" err="1">
-                    <a:highlight>
-                      <a:srgbClr val="FFFF00"/>
-                    </a:highlight>
-                  </a:rPr>
-                  <a:t>ainsi</a:t>
-                </a:r>
-                <a:r>
-                  <a:rPr lang="en-CA" sz="1800" dirty="0">
-                    <a:highlight>
-                      <a:srgbClr val="FFFF00"/>
-                    </a:highlight>
-                  </a:rPr>
-                  <a:t> que les </a:t>
-                </a:r>
-                <a:r>
-                  <a:rPr lang="en-CA" sz="1800" dirty="0" err="1">
-                    <a:highlight>
-                      <a:srgbClr val="FFFF00"/>
-                    </a:highlight>
-                  </a:rPr>
-                  <a:t>erreurs</a:t>
-                </a:r>
-                <a:r>
-                  <a:rPr lang="en-CA" sz="1800" dirty="0">
-                    <a:highlight>
-                      <a:srgbClr val="FFFF00"/>
-                    </a:highlight>
-                  </a:rPr>
-                  <a:t> de </a:t>
-                </a:r>
-                <a:r>
-                  <a:rPr lang="en-CA" sz="1800" dirty="0" err="1">
-                    <a:highlight>
-                      <a:srgbClr val="FFFF00"/>
-                    </a:highlight>
-                  </a:rPr>
-                  <a:t>mesure</a:t>
-                </a:r>
-                <a:r>
-                  <a:rPr lang="en-CA" sz="1800" dirty="0">
-                    <a:highlight>
-                      <a:srgbClr val="FFFF00"/>
-                    </a:highlight>
-                  </a:rPr>
-                  <a:t>  de </a:t>
-                </a:r>
-                <a:r>
-                  <a:rPr lang="en-CA" sz="1800" dirty="0" err="1">
-                    <a:highlight>
-                      <a:srgbClr val="FFFF00"/>
-                    </a:highlight>
-                  </a:rPr>
-                  <a:t>ces</a:t>
-                </a:r>
-                <a:r>
-                  <a:rPr lang="en-CA" sz="1800" dirty="0">
-                    <a:highlight>
-                      <a:srgbClr val="FFFF00"/>
-                    </a:highlight>
-                  </a:rPr>
-                  <a:t> </a:t>
-                </a:r>
-                <a:r>
-                  <a:rPr lang="en-CA" sz="1800" dirty="0" err="1">
-                    <a:highlight>
-                      <a:srgbClr val="FFFF00"/>
-                    </a:highlight>
-                  </a:rPr>
-                  <a:t>donnees</a:t>
-                </a:r>
-                <a:r>
-                  <a:rPr lang="en-CA" sz="1800" dirty="0">
-                    <a:highlight>
-                      <a:srgbClr val="FFFF00"/>
-                    </a:highlight>
-                  </a:rPr>
-                  <a:t> </a:t>
-                </a:r>
-                <a:r>
-                  <a:rPr lang="en-CA" sz="1800" dirty="0" err="1">
-                    <a:highlight>
-                      <a:srgbClr val="FFFF00"/>
-                    </a:highlight>
-                  </a:rPr>
-                  <a:t>mais</a:t>
-                </a:r>
-                <a:r>
-                  <a:rPr lang="en-CA" sz="1800" dirty="0">
-                    <a:highlight>
-                      <a:srgbClr val="FFFF00"/>
-                    </a:highlight>
-                  </a:rPr>
-                  <a:t> </a:t>
-                </a:r>
-                <a:r>
-                  <a:rPr lang="en-CA" sz="1800" dirty="0" err="1">
-                    <a:highlight>
-                      <a:srgbClr val="FFFF00"/>
-                    </a:highlight>
-                  </a:rPr>
-                  <a:t>aussi</a:t>
-                </a:r>
-                <a:r>
-                  <a:rPr lang="en-CA" sz="1800" dirty="0">
-                    <a:highlight>
-                      <a:srgbClr val="FFFF00"/>
-                    </a:highlight>
-                  </a:rPr>
-                  <a:t> sur les experiences de validation et les </a:t>
-                </a:r>
-                <a:r>
-                  <a:rPr lang="en-CA" sz="1800" dirty="0" err="1">
-                    <a:highlight>
-                      <a:srgbClr val="FFFF00"/>
-                    </a:highlight>
-                  </a:rPr>
-                  <a:t>mesures</a:t>
-                </a:r>
-                <a:r>
-                  <a:rPr lang="en-CA" sz="1800" dirty="0">
-                    <a:highlight>
-                      <a:srgbClr val="FFFF00"/>
-                    </a:highlight>
-                  </a:rPr>
-                  <a:t> de la SRQ. Ceci fait que malgré un </a:t>
-                </a:r>
-                <a:r>
-                  <a:rPr lang="en-CA" sz="1800" dirty="0" err="1">
-                    <a:highlight>
-                      <a:srgbClr val="FFFF00"/>
-                    </a:highlight>
-                  </a:rPr>
-                  <a:t>intervalle</a:t>
-                </a:r>
-                <a:r>
-                  <a:rPr lang="en-CA" sz="1800" dirty="0">
-                    <a:highlight>
-                      <a:srgbClr val="FFFF00"/>
-                    </a:highlight>
-                  </a:rPr>
-                  <a:t> </a:t>
-                </a:r>
-                <a:r>
-                  <a:rPr lang="en-CA" sz="1800" dirty="0" err="1">
-                    <a:highlight>
-                      <a:srgbClr val="FFFF00"/>
-                    </a:highlight>
-                  </a:rPr>
-                  <a:t>d’incertitude</a:t>
-                </a:r>
-                <a:r>
-                  <a:rPr lang="en-CA" sz="1800" dirty="0">
-                    <a:highlight>
-                      <a:srgbClr val="FFFF00"/>
-                    </a:highlight>
-                  </a:rPr>
-                  <a:t> sur </a:t>
-                </a:r>
-                <a:r>
-                  <a:rPr lang="en-CA" sz="1800" dirty="0" err="1">
-                    <a:highlight>
-                      <a:srgbClr val="FFFF00"/>
-                    </a:highlight>
-                  </a:rPr>
-                  <a:t>l;erreure</a:t>
-                </a:r>
-                <a:r>
-                  <a:rPr lang="en-CA" sz="1800" dirty="0">
-                    <a:highlight>
-                      <a:srgbClr val="FFFF00"/>
-                    </a:highlight>
-                  </a:rPr>
-                  <a:t> du </a:t>
-                </a:r>
-                <a:r>
-                  <a:rPr lang="en-CA" sz="1800" dirty="0" err="1">
-                    <a:highlight>
-                      <a:srgbClr val="FFFF00"/>
-                    </a:highlight>
-                  </a:rPr>
-                  <a:t>modele</a:t>
-                </a:r>
-                <a:r>
-                  <a:rPr lang="en-CA" sz="1800" dirty="0">
-                    <a:highlight>
-                      <a:srgbClr val="FFFF00"/>
-                    </a:highlight>
-                  </a:rPr>
-                  <a:t> qui englobe la </a:t>
-                </a:r>
-                <a:r>
-                  <a:rPr lang="en-CA" sz="1800" dirty="0" err="1">
-                    <a:highlight>
-                      <a:srgbClr val="FFFF00"/>
-                    </a:highlight>
-                  </a:rPr>
-                  <a:t>valeur</a:t>
-                </a:r>
-                <a:r>
-                  <a:rPr lang="en-CA" sz="1800" dirty="0">
-                    <a:highlight>
-                      <a:srgbClr val="FFFF00"/>
-                    </a:highlight>
-                  </a:rPr>
-                  <a:t> 0, </a:t>
-                </a:r>
-                <a:r>
-                  <a:rPr lang="en-CA" sz="1800" dirty="0" err="1">
-                    <a:highlight>
-                      <a:srgbClr val="FFFF00"/>
-                    </a:highlight>
-                  </a:rPr>
-                  <a:t>l’intervalle</a:t>
-                </a:r>
-                <a:r>
-                  <a:rPr lang="en-CA" sz="1800" dirty="0">
-                    <a:highlight>
-                      <a:srgbClr val="FFFF00"/>
-                    </a:highlight>
-                  </a:rPr>
-                  <a:t> </a:t>
-                </a:r>
-                <a:r>
-                  <a:rPr lang="en-CA" sz="1800" dirty="0" err="1">
-                    <a:highlight>
-                      <a:srgbClr val="FFFF00"/>
-                    </a:highlight>
-                  </a:rPr>
-                  <a:t>est</a:t>
-                </a:r>
-                <a:r>
-                  <a:rPr lang="en-CA" sz="1800" dirty="0">
-                    <a:highlight>
-                      <a:srgbClr val="FFFF00"/>
-                    </a:highlight>
-                  </a:rPr>
-                  <a:t> beaucoup trop large pour </a:t>
-                </a:r>
-                <a:r>
-                  <a:rPr lang="en-CA" sz="1800" dirty="0" err="1">
-                    <a:highlight>
-                      <a:srgbClr val="FFFF00"/>
-                    </a:highlight>
-                  </a:rPr>
-                  <a:t>pouvoir</a:t>
-                </a:r>
-                <a:r>
-                  <a:rPr lang="en-CA" sz="1800" dirty="0">
-                    <a:highlight>
-                      <a:srgbClr val="FFFF00"/>
-                    </a:highlight>
-                  </a:rPr>
-                  <a:t> affirmer que le </a:t>
-                </a:r>
-                <a:r>
-                  <a:rPr lang="en-CA" sz="1800" dirty="0" err="1">
-                    <a:highlight>
-                      <a:srgbClr val="FFFF00"/>
-                    </a:highlight>
-                  </a:rPr>
-                  <a:t>modele</a:t>
-                </a:r>
-                <a:r>
-                  <a:rPr lang="en-CA" sz="1800" dirty="0">
-                    <a:highlight>
-                      <a:srgbClr val="FFFF00"/>
-                    </a:highlight>
-                  </a:rPr>
-                  <a:t> </a:t>
-                </a:r>
-                <a:r>
-                  <a:rPr lang="en-CA" sz="1800" dirty="0" err="1">
-                    <a:highlight>
-                      <a:srgbClr val="FFFF00"/>
-                    </a:highlight>
-                  </a:rPr>
-                  <a:t>est</a:t>
-                </a:r>
-                <a:r>
-                  <a:rPr lang="en-CA" sz="1800" dirty="0">
-                    <a:highlight>
-                      <a:srgbClr val="FFFF00"/>
-                    </a:highlight>
-                  </a:rPr>
-                  <a:t> completement </a:t>
-                </a:r>
-                <a:r>
-                  <a:rPr lang="en-CA" sz="1800" dirty="0" err="1">
-                    <a:highlight>
-                      <a:srgbClr val="FFFF00"/>
-                    </a:highlight>
-                  </a:rPr>
-                  <a:t>fiable</a:t>
-                </a:r>
-                <a:r>
-                  <a:rPr lang="en-CA" sz="1800" dirty="0">
-                    <a:highlight>
-                      <a:srgbClr val="FFFF00"/>
-                    </a:highlight>
-                  </a:rPr>
-                  <a:t>. Des efforts de reduction de </a:t>
+                  <a:rPr lang="fr-FR" sz="1800" dirty="0"/>
+                  <a:t>Selon l’article « </a:t>
+                </a:r>
+                <a:r>
+                  <a:rPr lang="en-US" sz="1800" dirty="0"/>
+                  <a:t>On the interpretation and scope of the V&amp;V standard[…]</a:t>
+                </a:r>
+                <a:r>
+                  <a:rPr lang="fr-FR" sz="1800" dirty="0"/>
+                  <a:t> » </a:t>
+                </a:r>
+                <a:r>
+                  <a:rPr lang="en-US" sz="1800" dirty="0"/>
+                  <a:t>(</a:t>
+                </a:r>
+                <a:r>
+                  <a:rPr lang="en-US" sz="1800" dirty="0" err="1"/>
+                  <a:t>Eça</a:t>
+                </a:r>
+                <a:r>
+                  <a:rPr lang="en-US" sz="1800" dirty="0"/>
+                  <a:t> et. al, 2020)</a:t>
+                </a:r>
+                <a:r>
+                  <a:rPr lang="fr-FR" sz="1800" dirty="0"/>
+                  <a:t>, la réduction de </a:t>
                 </a:r>
                 <a14:m>
                   <m:oMath xmlns:m="http://schemas.openxmlformats.org/officeDocument/2006/math">
@@ -17368,9 +18488,6 @@
                       <m:sSubPr>
                         <m:ctrlPr>
                           <a:rPr lang="en-CA" sz="1800" i="1" dirty="0">
-                            <a:highlight>
-                              <a:srgbClr val="FFFF00"/>
-                            </a:highlight>
                             <a:latin typeface="Cambria Math" panose="02040503050406030204" pitchFamily="18" charset="0"/>
                           </a:rPr>
                         </m:ctrlPr>
@@ -17378,9 +18495,6 @@
                       <m:e>
                         <m:r>
                           <a:rPr lang="en-CA" sz="1800" dirty="0">
-                            <a:highlight>
-                              <a:srgbClr val="FFFF00"/>
-                            </a:highlight>
                             <a:latin typeface="Cambria Math" panose="02040503050406030204" pitchFamily="18" charset="0"/>
                           </a:rPr>
                           <m:t>𝑢</m:t>
@@ -17388,74 +18502,42 @@
                       </m:e>
                       <m:sub>
                         <m:r>
-                          <a:rPr lang="en-CA" sz="1800" b="0" i="1" dirty="0" smtClean="0">
-                            <a:highlight>
-                              <a:srgbClr val="FFFF00"/>
-                            </a:highlight>
+                          <a:rPr lang="en-CA" sz="1800" dirty="0">
                             <a:latin typeface="Cambria Math" panose="02040503050406030204" pitchFamily="18" charset="0"/>
                           </a:rPr>
                           <m:t>𝑣𝑎𝑙</m:t>
-                        </m:r>
-                        <m:r>
-                          <a:rPr lang="en-CA" sz="1800" i="1" dirty="0">
-                            <a:highlight>
-                              <a:srgbClr val="FFFF00"/>
-                            </a:highlight>
-                            <a:latin typeface="Cambria Math" panose="02040503050406030204" pitchFamily="18" charset="0"/>
-                          </a:rPr>
-                          <m:t> </m:t>
                         </m:r>
                       </m:sub>
                     </m:sSub>
                   </m:oMath>
                 </a14:m>
                 <a:r>
-                  <a:rPr lang="en-CA" sz="1800" dirty="0" err="1">
-                    <a:highlight>
-                      <a:srgbClr val="FFFF00"/>
-                    </a:highlight>
-                  </a:rPr>
-                  <a:t>doivent</a:t>
-                </a:r>
-                <a:r>
-                  <a:rPr lang="en-CA" sz="1800" dirty="0">
-                    <a:highlight>
-                      <a:srgbClr val="FFFF00"/>
-                    </a:highlight>
-                  </a:rPr>
-                  <a:t> </a:t>
-                </a:r>
-                <a:r>
-                  <a:rPr lang="en-CA" sz="1800" dirty="0" err="1">
-                    <a:highlight>
-                      <a:srgbClr val="FFFF00"/>
-                    </a:highlight>
-                  </a:rPr>
-                  <a:t>etre</a:t>
-                </a:r>
-                <a:r>
-                  <a:rPr lang="en-CA" sz="1800" dirty="0">
-                    <a:highlight>
-                      <a:srgbClr val="FFFF00"/>
-                    </a:highlight>
-                  </a:rPr>
-                  <a:t> </a:t>
-                </a:r>
-                <a:r>
-                  <a:rPr lang="en-CA" sz="1800" dirty="0" err="1">
-                    <a:highlight>
-                      <a:srgbClr val="FFFF00"/>
-                    </a:highlight>
-                  </a:rPr>
-                  <a:t>entrepris</a:t>
-                </a:r>
-                <a:r>
-                  <a:rPr lang="en-CA" sz="1800" dirty="0">
-                    <a:highlight>
-                      <a:srgbClr val="FFFF00"/>
-                    </a:highlight>
-                  </a:rPr>
-                  <a:t> a travers la reduction de </a:t>
+                  <a:rPr lang="fr-FR" sz="1800" dirty="0"/>
+                  <a:t> ne dépend pas du modèle mais nécessite des améliorations au niveau des précisions numériques et/ou expérimentales et/ou au niveau des données d’entrée. </a:t>
+                </a:r>
+              </a:p>
+              <a:p>
+                <a:pPr marL="0" indent="0" algn="just">
+                  <a:lnSpc>
+                    <a:spcPct val="100000"/>
+                  </a:lnSpc>
+                  <a:buNone/>
+                </a:pPr>
+                <a:r>
+                  <a:rPr lang="fr-FR" sz="1800" dirty="0"/>
+                  <a:t>Etant donné que pour le présent projet, les articles scientifiques de référence contiennent très peu d’information sur les incertitudes des données d’entrée et encore moins sur les démarches des expériences de validation, plusieurs hypothèses ont dû être réalisées, notamment sur les instruments de mesure utilisés et sur la distribution statistique des données.</a:t>
+                </a:r>
+              </a:p>
+              <a:p>
+                <a:pPr marL="0" indent="0" algn="just">
+                  <a:lnSpc>
+                    <a:spcPct val="100000"/>
+                  </a:lnSpc>
+                  <a:buNone/>
+                </a:pPr>
+                <a:r>
+                  <a:rPr lang="fr-FR" sz="1800" dirty="0"/>
+                  <a:t>Ces hypothèses se traduisent par des valeurs peu précises de </a:t>
                 </a:r>
                 <a14:m>
                   <m:oMath xmlns:m="http://schemas.openxmlformats.org/officeDocument/2006/math">
@@ -17526,12 +18608,111 @@
                   </m:oMath>
                 </a14:m>
                 <a:r>
-                  <a:rPr lang="en-CA" sz="1800" dirty="0">
-                    <a:highlight>
-                      <a:srgbClr val="FFFF00"/>
-                    </a:highlight>
-                  </a:rPr>
-                  <a:t>.</a:t>
+                  <a:rPr lang="fr-FR" sz="1800" dirty="0"/>
+                  <a:t>, ce qui affecte directement la précision de </a:t>
+                </a:r>
+                <a14:m>
+                  <m:oMath xmlns:m="http://schemas.openxmlformats.org/officeDocument/2006/math">
+                    <m:sSub>
+                      <m:sSubPr>
+                        <m:ctrlPr>
+                          <a:rPr lang="en-CA" sz="1800" i="1" dirty="0">
+                            <a:latin typeface="Cambria Math" panose="02040503050406030204" pitchFamily="18" charset="0"/>
+                          </a:rPr>
+                        </m:ctrlPr>
+                      </m:sSubPr>
+                      <m:e>
+                        <m:r>
+                          <a:rPr lang="en-CA" sz="1800" dirty="0">
+                            <a:latin typeface="Cambria Math" panose="02040503050406030204" pitchFamily="18" charset="0"/>
+                          </a:rPr>
+                          <m:t>𝑢</m:t>
+                        </m:r>
+                      </m:e>
+                      <m:sub>
+                        <m:r>
+                          <a:rPr lang="en-CA" sz="1800" dirty="0">
+                            <a:latin typeface="Cambria Math" panose="02040503050406030204" pitchFamily="18" charset="0"/>
+                          </a:rPr>
+                          <m:t>𝑣𝑎𝑙</m:t>
+                        </m:r>
+                      </m:sub>
+                    </m:sSub>
+                  </m:oMath>
+                </a14:m>
+                <a:r>
+                  <a:rPr lang="fr-FR" sz="1800" dirty="0"/>
+                  <a:t>, même si d’après la vérification de solution, l’incertitude numérique </a:t>
+                </a:r>
+                <a14:m>
+                  <m:oMath xmlns:m="http://schemas.openxmlformats.org/officeDocument/2006/math">
+                    <m:sSub>
+                      <m:sSubPr>
+                        <m:ctrlPr>
+                          <a:rPr lang="en-CA" sz="1800" i="1" dirty="0">
+                            <a:latin typeface="Cambria Math" panose="02040503050406030204" pitchFamily="18" charset="0"/>
+                          </a:rPr>
+                        </m:ctrlPr>
+                      </m:sSubPr>
+                      <m:e>
+                        <m:r>
+                          <a:rPr lang="en-CA" sz="1800" dirty="0">
+                            <a:latin typeface="Cambria Math" panose="02040503050406030204" pitchFamily="18" charset="0"/>
+                          </a:rPr>
+                          <m:t>𝑢</m:t>
+                        </m:r>
+                      </m:e>
+                      <m:sub>
+                        <m:r>
+                          <a:rPr lang="en-CA" sz="1800" b="0" i="1" dirty="0" smtClean="0">
+                            <a:latin typeface="Cambria Math" panose="02040503050406030204" pitchFamily="18" charset="0"/>
+                          </a:rPr>
+                          <m:t>𝑛𝑢𝑚</m:t>
+                        </m:r>
+                      </m:sub>
+                    </m:sSub>
+                  </m:oMath>
+                </a14:m>
+                <a:r>
+                  <a:rPr lang="fr-FR" sz="1800" dirty="0"/>
+                  <a:t>est nulle. Ainsi le résultat obtenu sur la largeur de l’intervalle d’incertitude de </a:t>
+                </a:r>
+                <a14:m>
+                  <m:oMath xmlns:m="http://schemas.openxmlformats.org/officeDocument/2006/math">
+                    <m:sSub>
+                      <m:sSubPr>
+                        <m:ctrlPr>
+                          <a:rPr lang="en-CA" sz="1800" i="1" dirty="0">
+                            <a:latin typeface="Cambria Math" panose="02040503050406030204" pitchFamily="18" charset="0"/>
+                          </a:rPr>
+                        </m:ctrlPr>
+                      </m:sSubPr>
+                      <m:e>
+                        <m:r>
+                          <a:rPr lang="en-CA" sz="1800" dirty="0">
+                            <a:latin typeface="Cambria Math" panose="02040503050406030204" pitchFamily="18" charset="0"/>
+                          </a:rPr>
+                          <m:t>𝛿</m:t>
+                        </m:r>
+                      </m:e>
+                      <m:sub>
+                        <m:r>
+                          <a:rPr lang="en-CA" sz="1800" dirty="0">
+                            <a:latin typeface="Cambria Math" panose="02040503050406030204" pitchFamily="18" charset="0"/>
+                          </a:rPr>
+                          <m:t>𝑚𝑜𝑑𝑒𝑙</m:t>
+                        </m:r>
+                      </m:sub>
+                    </m:sSub>
+                  </m:oMath>
+                </a14:m>
+                <a:r>
+                  <a:rPr lang="en-CA" sz="1800" dirty="0"/>
+                  <a:t> </a:t>
+                </a:r>
+                <a:r>
+                  <a:rPr lang="fr-CA" sz="1800" dirty="0"/>
+                  <a:t>n’est pas surprenant.</a:t>
                 </a:r>
               </a:p>
             </p:txBody>
@@ -17562,7 +18743,7 @@
               <a:blipFill>
                 <a:blip r:embed="rId2"/>
                 <a:stretch>
-                  <a:fillRect l="-522" t="-1142" r="-870"/>
+                  <a:fillRect l="-522" t="-571" r="-464"/>
                 </a:stretch>
               </a:blipFill>
             </p:spPr>
@@ -17584,7 +18765,7 @@
     </p:spTree>
     <p:extLst>
       <p:ext uri="{BB962C8B-B14F-4D97-AF65-F5344CB8AC3E}">
-        <p14:creationId xmlns:p14="http://schemas.microsoft.com/office/powerpoint/2010/main" val="1558127010"/>
+        <p14:creationId xmlns:p14="http://schemas.microsoft.com/office/powerpoint/2010/main" val="3401032911"/>
       </p:ext>
     </p:extLst>
   </p:cSld>
@@ -17641,381 +18822,1027 @@
           <a:p>
             <a:r>
               <a:rPr lang="fr-FR" sz="3000" dirty="0"/>
-              <a:t>Bibliographie</a:t>
+              <a:t>Conclusion</a:t>
             </a:r>
             <a:endParaRPr lang="en-CA" sz="3000" dirty="0"/>
           </a:p>
         </p:txBody>
       </p:sp>
-      <p:sp>
-        <p:nvSpPr>
-          <p:cNvPr id="3" name="Content Placeholder 2">
-            <a:extLst>
-              <a:ext uri="{FF2B5EF4-FFF2-40B4-BE49-F238E27FC236}">
-                <a16:creationId xmlns:a16="http://schemas.microsoft.com/office/drawing/2014/main" id="{57846E6E-541E-C380-2EC3-91AF5BEE61F6}"/>
-              </a:ext>
-            </a:extLst>
-          </p:cNvPr>
-          <p:cNvSpPr>
-            <a:spLocks noGrp="1"/>
-          </p:cNvSpPr>
-          <p:nvPr>
-            <p:ph idx="1"/>
-          </p:nvPr>
-        </p:nvSpPr>
-        <p:spPr>
-          <a:xfrm>
-            <a:off x="838200" y="1150374"/>
-            <a:ext cx="10515600" cy="5342501"/>
-          </a:xfrm>
-        </p:spPr>
-        <p:txBody>
-          <a:bodyPr>
-            <a:normAutofit/>
-          </a:bodyPr>
-          <a:lstStyle/>
-          <a:p>
-            <a:pPr marL="0" indent="0" algn="just">
-              <a:buNone/>
-            </a:pPr>
-            <a:r>
-              <a:rPr lang="en-US" sz="1600" b="0" i="0" dirty="0" err="1">
-                <a:solidFill>
-                  <a:srgbClr val="2C3E50"/>
-                </a:solidFill>
-                <a:effectLst/>
-                <a:latin typeface="+mj-lt"/>
-              </a:rPr>
-              <a:t>Eça</a:t>
-            </a:r>
-            <a:r>
-              <a:rPr lang="en-US" sz="1600" b="0" i="0" dirty="0">
-                <a:solidFill>
-                  <a:srgbClr val="2C3E50"/>
-                </a:solidFill>
-                <a:effectLst/>
-                <a:latin typeface="+mj-lt"/>
-              </a:rPr>
-              <a:t>, L., Dowding, K., &amp; Roache, P. J. (2020). on the interpretation and scope of the </a:t>
-            </a:r>
-            <a:r>
-              <a:rPr lang="en-US" sz="1600" b="0" i="0" dirty="0" err="1">
-                <a:solidFill>
-                  <a:srgbClr val="2C3E50"/>
-                </a:solidFill>
-                <a:effectLst/>
-                <a:latin typeface="+mj-lt"/>
-              </a:rPr>
-              <a:t>v&amp;v</a:t>
-            </a:r>
-            <a:r>
-              <a:rPr lang="en-US" sz="1600" b="0" i="0" dirty="0">
-                <a:solidFill>
-                  <a:srgbClr val="2C3E50"/>
-                </a:solidFill>
-                <a:effectLst/>
-                <a:latin typeface="+mj-lt"/>
-              </a:rPr>
-              <a:t> 20 standard for verification and 	validation in computational fluid dynamics and heat transfer [Review of </a:t>
-            </a:r>
-            <a:r>
-              <a:rPr lang="en-US" sz="1600" b="0" i="1" dirty="0">
-                <a:solidFill>
-                  <a:srgbClr val="2C3E50"/>
-                </a:solidFill>
-                <a:effectLst/>
-                <a:latin typeface="+mj-lt"/>
-              </a:rPr>
-              <a:t>on the interpretation and scope of the </a:t>
-            </a:r>
-            <a:r>
-              <a:rPr lang="en-US" sz="1600" b="0" i="1" dirty="0" err="1">
-                <a:solidFill>
-                  <a:srgbClr val="2C3E50"/>
-                </a:solidFill>
-                <a:effectLst/>
-                <a:latin typeface="+mj-lt"/>
-              </a:rPr>
-              <a:t>v&amp;v</a:t>
-            </a:r>
-            <a:r>
-              <a:rPr lang="en-US" sz="1600" b="0" i="1" dirty="0">
-                <a:solidFill>
-                  <a:srgbClr val="2C3E50"/>
-                </a:solidFill>
-                <a:effectLst/>
-                <a:latin typeface="+mj-lt"/>
-              </a:rPr>
-              <a:t> 	20 standard for verification and validation in computational fluid dynamics and heat transfer</a:t>
-            </a:r>
-            <a:r>
-              <a:rPr lang="en-US" sz="1600" b="0" i="0" dirty="0">
-                <a:solidFill>
-                  <a:srgbClr val="2C3E50"/>
-                </a:solidFill>
-                <a:effectLst/>
-                <a:latin typeface="+mj-lt"/>
-              </a:rPr>
-              <a:t>]. </a:t>
-            </a:r>
-            <a:r>
-              <a:rPr lang="en-US" sz="1600" b="0" i="1" dirty="0">
-                <a:solidFill>
-                  <a:srgbClr val="2C3E50"/>
-                </a:solidFill>
-                <a:effectLst/>
-                <a:latin typeface="+mj-lt"/>
-              </a:rPr>
-              <a:t>ASME 2020 	Verification and Validation Symposium</a:t>
-            </a:r>
-            <a:r>
-              <a:rPr lang="en-US" sz="1600" b="0" i="0" dirty="0">
-                <a:solidFill>
-                  <a:srgbClr val="2C3E50"/>
-                </a:solidFill>
-                <a:effectLst/>
-                <a:latin typeface="+mj-lt"/>
-              </a:rPr>
-              <a:t>.</a:t>
-            </a:r>
-          </a:p>
-          <a:p>
-            <a:pPr marL="0" indent="0" algn="just">
-              <a:buNone/>
-            </a:pPr>
-            <a:endParaRPr lang="en-US" sz="1600" dirty="0">
-              <a:solidFill>
-                <a:srgbClr val="2C3E50"/>
-              </a:solidFill>
-              <a:latin typeface="+mj-lt"/>
-            </a:endParaRPr>
-          </a:p>
-          <a:p>
-            <a:pPr marL="0" indent="0">
-              <a:buNone/>
-            </a:pPr>
-            <a:r>
-              <a:rPr lang="en-US" sz="1600" b="0" i="0" dirty="0">
-                <a:solidFill>
-                  <a:srgbClr val="2C3E50"/>
-                </a:solidFill>
-                <a:effectLst/>
-              </a:rPr>
-              <a:t>Kiefer, A., </a:t>
-            </a:r>
-            <a:r>
-              <a:rPr lang="en-US" sz="1600" b="0" i="0" dirty="0" err="1">
-                <a:solidFill>
-                  <a:srgbClr val="2C3E50"/>
-                </a:solidFill>
-                <a:effectLst/>
-              </a:rPr>
-              <a:t>Parnianpour</a:t>
-            </a:r>
-            <a:r>
-              <a:rPr lang="en-US" sz="1600" b="0" i="0" dirty="0">
-                <a:solidFill>
-                  <a:srgbClr val="2C3E50"/>
-                </a:solidFill>
-                <a:effectLst/>
-              </a:rPr>
-              <a:t>, M., &amp; Shirazi-</a:t>
-            </a:r>
-            <a:r>
-              <a:rPr lang="en-US" sz="1600" b="0" i="0" dirty="0" err="1">
-                <a:solidFill>
-                  <a:srgbClr val="2C3E50"/>
-                </a:solidFill>
-                <a:effectLst/>
-              </a:rPr>
-              <a:t>Adl</a:t>
-            </a:r>
-            <a:r>
-              <a:rPr lang="en-US" sz="1600" b="0" i="0" dirty="0">
-                <a:solidFill>
-                  <a:srgbClr val="2C3E50"/>
-                </a:solidFill>
-                <a:effectLst/>
-              </a:rPr>
-              <a:t>, A. (1997). Stability of the human spine in neutral postures. </a:t>
-            </a:r>
-            <a:r>
-              <a:rPr lang="en-US" sz="1600" b="0" i="1" dirty="0">
-                <a:solidFill>
-                  <a:srgbClr val="2C3E50"/>
-                </a:solidFill>
-                <a:effectLst/>
-              </a:rPr>
-              <a:t>European Spine 	Journal</a:t>
-            </a:r>
-            <a:r>
-              <a:rPr lang="en-US" sz="1600" b="0" i="0" dirty="0">
-                <a:solidFill>
-                  <a:srgbClr val="2C3E50"/>
-                </a:solidFill>
-                <a:effectLst/>
-              </a:rPr>
-              <a:t>, </a:t>
-            </a:r>
-            <a:r>
-              <a:rPr lang="en-US" sz="1600" b="0" i="1" dirty="0">
-                <a:solidFill>
-                  <a:srgbClr val="2C3E50"/>
-                </a:solidFill>
-                <a:effectLst/>
-              </a:rPr>
-              <a:t>6</a:t>
-            </a:r>
-            <a:r>
-              <a:rPr lang="en-US" sz="1600" b="0" i="0" dirty="0">
-                <a:solidFill>
-                  <a:srgbClr val="2C3E50"/>
-                </a:solidFill>
-                <a:effectLst/>
-              </a:rPr>
-              <a:t>(1), 45–53. </a:t>
-            </a:r>
-            <a:r>
-              <a:rPr lang="en-US" sz="1600" dirty="0">
-                <a:solidFill>
-                  <a:srgbClr val="2C3E50"/>
-                </a:solidFill>
-              </a:rPr>
-              <a:t>https://doi.org/10.1007/bf01676574</a:t>
-            </a:r>
-            <a:endParaRPr lang="en-US" sz="1600" b="0" i="0" dirty="0">
-              <a:solidFill>
-                <a:srgbClr val="2C3E50"/>
-              </a:solidFill>
-              <a:effectLst/>
-            </a:endParaRPr>
-          </a:p>
-          <a:p>
-            <a:pPr marL="0" indent="0">
-              <a:buNone/>
-            </a:pPr>
-            <a:endParaRPr lang="en-US" sz="1600" dirty="0">
-              <a:solidFill>
-                <a:srgbClr val="2C3E50"/>
-              </a:solidFill>
-            </a:endParaRPr>
-          </a:p>
-          <a:p>
-            <a:pPr marL="0" indent="0">
-              <a:buNone/>
-            </a:pPr>
-            <a:r>
-              <a:rPr lang="en-US" sz="1600" b="0" i="0" dirty="0">
-                <a:solidFill>
-                  <a:srgbClr val="2C3E50"/>
-                </a:solidFill>
-                <a:effectLst/>
-              </a:rPr>
-              <a:t>Shirazi-</a:t>
-            </a:r>
-            <a:r>
-              <a:rPr lang="en-US" sz="1600" b="0" i="0" dirty="0" err="1">
-                <a:solidFill>
-                  <a:srgbClr val="2C3E50"/>
-                </a:solidFill>
-                <a:effectLst/>
-              </a:rPr>
-              <a:t>Adl</a:t>
-            </a:r>
-            <a:r>
-              <a:rPr lang="en-US" sz="1600" b="0" i="0" dirty="0">
-                <a:solidFill>
-                  <a:srgbClr val="2C3E50"/>
-                </a:solidFill>
-                <a:effectLst/>
-              </a:rPr>
-              <a:t>, A., &amp; </a:t>
-            </a:r>
-            <a:r>
-              <a:rPr lang="en-US" sz="1600" b="0" i="0" dirty="0" err="1">
-                <a:solidFill>
-                  <a:srgbClr val="2C3E50"/>
-                </a:solidFill>
-                <a:effectLst/>
-              </a:rPr>
-              <a:t>Parnianpour</a:t>
-            </a:r>
-            <a:r>
-              <a:rPr lang="en-US" sz="1600" b="0" i="0" dirty="0">
-                <a:solidFill>
-                  <a:srgbClr val="2C3E50"/>
-                </a:solidFill>
-                <a:effectLst/>
-              </a:rPr>
-              <a:t>, M. (2000). Load-bearing and stress analysis of the human spine under a novel wrapping 	compression loading. </a:t>
-            </a:r>
-            <a:r>
-              <a:rPr lang="en-US" sz="1600" b="0" i="1" dirty="0">
-                <a:solidFill>
-                  <a:srgbClr val="2C3E50"/>
-                </a:solidFill>
-                <a:effectLst/>
-              </a:rPr>
-              <a:t>Clinical Biomechanics</a:t>
-            </a:r>
-            <a:r>
-              <a:rPr lang="en-US" sz="1600" b="0" i="0" dirty="0">
-                <a:solidFill>
-                  <a:srgbClr val="2C3E50"/>
-                </a:solidFill>
-                <a:effectLst/>
-              </a:rPr>
-              <a:t>, </a:t>
-            </a:r>
-            <a:r>
-              <a:rPr lang="en-US" sz="1600" b="0" i="1" dirty="0">
-                <a:solidFill>
-                  <a:srgbClr val="2C3E50"/>
-                </a:solidFill>
-                <a:effectLst/>
-              </a:rPr>
-              <a:t>15</a:t>
-            </a:r>
-            <a:r>
-              <a:rPr lang="en-US" sz="1600" b="0" i="0" dirty="0">
-                <a:solidFill>
-                  <a:srgbClr val="2C3E50"/>
-                </a:solidFill>
-                <a:effectLst/>
-              </a:rPr>
-              <a:t>(10), 718–725. </a:t>
-            </a:r>
-            <a:r>
-              <a:rPr lang="en-US" sz="1600" dirty="0">
-                <a:solidFill>
-                  <a:srgbClr val="2C3E50"/>
-                </a:solidFill>
-              </a:rPr>
-              <a:t>https://doi.org/10.1016/s0268-	0033(00)00045-0</a:t>
-            </a:r>
-            <a:endParaRPr lang="en-US" sz="1600" b="0" i="0" dirty="0">
-              <a:solidFill>
-                <a:srgbClr val="2C3E50"/>
-              </a:solidFill>
-              <a:effectLst/>
-            </a:endParaRPr>
-          </a:p>
-          <a:p>
-            <a:pPr marL="0" indent="0">
-              <a:buNone/>
-            </a:pPr>
-            <a:endParaRPr lang="en-CA" sz="2400" dirty="0">
-              <a:highlight>
-                <a:srgbClr val="FFFF00"/>
-              </a:highlight>
-            </a:endParaRPr>
-          </a:p>
-        </p:txBody>
-      </p:sp>
+      <mc:AlternateContent xmlns:mc="http://schemas.openxmlformats.org/markup-compatibility/2006" xmlns:a14="http://schemas.microsoft.com/office/drawing/2010/main">
+        <mc:Choice Requires="a14">
+          <p:sp>
+            <p:nvSpPr>
+              <p:cNvPr id="3" name="Content Placeholder 2">
+                <a:extLst>
+                  <a:ext uri="{FF2B5EF4-FFF2-40B4-BE49-F238E27FC236}">
+                    <a16:creationId xmlns:a16="http://schemas.microsoft.com/office/drawing/2014/main" id="{57846E6E-541E-C380-2EC3-91AF5BEE61F6}"/>
+                  </a:ext>
+                </a:extLst>
+              </p:cNvPr>
+              <p:cNvSpPr>
+                <a:spLocks noGrp="1"/>
+              </p:cNvSpPr>
+              <p:nvPr>
+                <p:ph idx="1"/>
+              </p:nvPr>
+            </p:nvSpPr>
+            <p:spPr>
+              <a:xfrm>
+                <a:off x="838200" y="1150374"/>
+                <a:ext cx="10515600" cy="5342501"/>
+              </a:xfrm>
+            </p:spPr>
+            <p:txBody>
+              <a:bodyPr>
+                <a:normAutofit/>
+              </a:bodyPr>
+              <a:lstStyle/>
+              <a:p>
+                <a:pPr marL="0" indent="0" algn="just">
+                  <a:buNone/>
+                </a:pPr>
+                <a:r>
+                  <a:rPr lang="en-CA" sz="1800" dirty="0">
+                    <a:highlight>
+                      <a:srgbClr val="FFFF00"/>
+                    </a:highlight>
+                  </a:rPr>
+                  <a:t>La verification de code montre … </a:t>
+                </a:r>
+                <a:r>
+                  <a:rPr lang="en-CA" sz="1800" dirty="0" err="1">
+                    <a:highlight>
+                      <a:srgbClr val="FFFF00"/>
+                    </a:highlight>
+                  </a:rPr>
+                  <a:t>ce</a:t>
+                </a:r>
+                <a:r>
+                  <a:rPr lang="en-CA" sz="1800" dirty="0">
+                    <a:highlight>
+                      <a:srgbClr val="FFFF00"/>
+                    </a:highlight>
+                  </a:rPr>
+                  <a:t> </a:t>
+                </a:r>
+                <a:r>
+                  <a:rPr lang="en-CA" sz="1800" dirty="0" err="1">
+                    <a:highlight>
+                      <a:srgbClr val="FFFF00"/>
+                    </a:highlight>
+                  </a:rPr>
+                  <a:t>n’etait</a:t>
+                </a:r>
+                <a:r>
+                  <a:rPr lang="en-CA" sz="1800" dirty="0">
+                    <a:highlight>
+                      <a:srgbClr val="FFFF00"/>
+                    </a:highlight>
+                  </a:rPr>
+                  <a:t> pas </a:t>
+                </a:r>
+                <a:r>
+                  <a:rPr lang="en-CA" sz="1800" dirty="0" err="1">
+                    <a:highlight>
+                      <a:srgbClr val="FFFF00"/>
+                    </a:highlight>
+                  </a:rPr>
+                  <a:t>directement</a:t>
+                </a:r>
+                <a:r>
+                  <a:rPr lang="en-CA" sz="1800" dirty="0">
+                    <a:highlight>
+                      <a:srgbClr val="FFFF00"/>
+                    </a:highlight>
+                  </a:rPr>
+                  <a:t> </a:t>
+                </a:r>
+                <a:r>
+                  <a:rPr lang="en-CA" sz="1800" dirty="0" err="1">
+                    <a:highlight>
+                      <a:srgbClr val="FFFF00"/>
+                    </a:highlight>
+                  </a:rPr>
+                  <a:t>une</a:t>
+                </a:r>
+                <a:r>
+                  <a:rPr lang="en-CA" sz="1800" dirty="0">
+                    <a:highlight>
+                      <a:srgbClr val="FFFF00"/>
+                    </a:highlight>
+                  </a:rPr>
+                  <a:t> verification du MEF de la </a:t>
+                </a:r>
+                <a:r>
+                  <a:rPr lang="en-CA" sz="1800" dirty="0" err="1">
+                    <a:highlight>
+                      <a:srgbClr val="FFFF00"/>
+                    </a:highlight>
+                  </a:rPr>
+                  <a:t>colonne</a:t>
+                </a:r>
+                <a:r>
+                  <a:rPr lang="en-CA" sz="1800" dirty="0">
+                    <a:highlight>
+                      <a:srgbClr val="FFFF00"/>
+                    </a:highlight>
+                  </a:rPr>
+                  <a:t> </a:t>
+                </a:r>
+                <a:r>
+                  <a:rPr lang="en-CA" sz="1800" dirty="0" err="1">
+                    <a:highlight>
+                      <a:srgbClr val="FFFF00"/>
+                    </a:highlight>
+                  </a:rPr>
+                  <a:t>vertebrale</a:t>
+                </a:r>
+                <a:r>
+                  <a:rPr lang="en-CA" sz="1800" dirty="0">
+                    <a:highlight>
+                      <a:srgbClr val="FFFF00"/>
+                    </a:highlight>
+                  </a:rPr>
+                  <a:t> </a:t>
+                </a:r>
+                <a:r>
+                  <a:rPr lang="en-CA" sz="1800" dirty="0" err="1">
+                    <a:highlight>
+                      <a:srgbClr val="FFFF00"/>
+                    </a:highlight>
+                  </a:rPr>
+                  <a:t>mais</a:t>
+                </a:r>
+                <a:r>
+                  <a:rPr lang="en-CA" sz="1800" dirty="0">
+                    <a:highlight>
+                      <a:srgbClr val="FFFF00"/>
+                    </a:highlight>
+                  </a:rPr>
+                  <a:t> </a:t>
+                </a:r>
+                <a:r>
+                  <a:rPr lang="en-CA" sz="1800" dirty="0" err="1">
+                    <a:highlight>
+                      <a:srgbClr val="FFFF00"/>
+                    </a:highlight>
+                  </a:rPr>
+                  <a:t>plutot</a:t>
+                </a:r>
+                <a:r>
+                  <a:rPr lang="en-CA" sz="1800" dirty="0">
+                    <a:highlight>
+                      <a:srgbClr val="FFFF00"/>
+                    </a:highlight>
+                  </a:rPr>
+                  <a:t> de </a:t>
+                </a:r>
+                <a:r>
+                  <a:rPr lang="en-CA" sz="1800" dirty="0" err="1">
+                    <a:highlight>
+                      <a:srgbClr val="FFFF00"/>
+                    </a:highlight>
+                  </a:rPr>
+                  <a:t>simcenter</a:t>
+                </a:r>
+                <a:r>
+                  <a:rPr lang="en-CA" sz="1800" dirty="0">
+                    <a:highlight>
+                      <a:srgbClr val="FFFF00"/>
+                    </a:highlight>
+                  </a:rPr>
+                  <a:t>…</a:t>
+                </a:r>
+              </a:p>
+              <a:p>
+                <a:pPr marL="0" indent="0" algn="just">
+                  <a:buNone/>
+                </a:pPr>
+                <a:r>
+                  <a:rPr lang="en-CA" sz="1800" dirty="0">
+                    <a:highlight>
+                      <a:srgbClr val="FFFF00"/>
+                    </a:highlight>
+                  </a:rPr>
+                  <a:t>La verification de solution </a:t>
+                </a:r>
+                <a:r>
+                  <a:rPr lang="en-CA" sz="1800" dirty="0" err="1">
+                    <a:highlight>
+                      <a:srgbClr val="FFFF00"/>
+                    </a:highlight>
+                  </a:rPr>
+                  <a:t>donne</a:t>
+                </a:r>
+                <a:r>
+                  <a:rPr lang="en-CA" sz="1800" dirty="0">
+                    <a:highlight>
+                      <a:srgbClr val="FFFF00"/>
+                    </a:highlight>
+                  </a:rPr>
+                  <a:t> un </a:t>
+                </a:r>
+                <a:r>
+                  <a:rPr lang="en-CA" sz="1800" dirty="0" err="1">
+                    <a:highlight>
+                      <a:srgbClr val="FFFF00"/>
+                    </a:highlight>
+                  </a:rPr>
+                  <a:t>estimé</a:t>
+                </a:r>
+                <a:r>
+                  <a:rPr lang="en-CA" sz="1800" dirty="0">
+                    <a:highlight>
+                      <a:srgbClr val="FFFF00"/>
+                    </a:highlight>
+                  </a:rPr>
+                  <a:t> de </a:t>
+                </a:r>
+                <a:r>
+                  <a:rPr lang="en-CA" sz="1800" dirty="0" err="1">
+                    <a:highlight>
+                      <a:srgbClr val="FFFF00"/>
+                    </a:highlight>
+                  </a:rPr>
+                  <a:t>l’erreur</a:t>
+                </a:r>
+                <a:r>
+                  <a:rPr lang="en-CA" sz="1800" dirty="0">
+                    <a:highlight>
+                      <a:srgbClr val="FFFF00"/>
+                    </a:highlight>
+                  </a:rPr>
+                  <a:t> de ?? Et on </a:t>
+                </a:r>
+                <a:r>
+                  <a:rPr lang="en-CA" sz="1800" dirty="0" err="1">
+                    <a:highlight>
+                      <a:srgbClr val="FFFF00"/>
+                    </a:highlight>
+                  </a:rPr>
+                  <a:t>trouve</a:t>
+                </a:r>
+                <a:r>
+                  <a:rPr lang="en-CA" sz="1800" dirty="0">
+                    <a:highlight>
+                      <a:srgbClr val="FFFF00"/>
+                    </a:highlight>
+                  </a:rPr>
+                  <a:t> </a:t>
+                </a:r>
+                <a:r>
+                  <a:rPr lang="en-CA" sz="1800" dirty="0" err="1">
+                    <a:highlight>
+                      <a:srgbClr val="FFFF00"/>
+                    </a:highlight>
+                  </a:rPr>
+                  <a:t>qu’une</a:t>
+                </a:r>
+                <a:r>
+                  <a:rPr lang="en-CA" sz="1800" dirty="0">
+                    <a:highlight>
+                      <a:srgbClr val="FFFF00"/>
+                    </a:highlight>
+                  </a:rPr>
+                  <a:t> approximation de la solution par </a:t>
+                </a:r>
+                <a:r>
+                  <a:rPr lang="en-CA" sz="1800" dirty="0" err="1">
+                    <a:highlight>
+                      <a:srgbClr val="FFFF00"/>
+                    </a:highlight>
+                  </a:rPr>
+                  <a:t>une</a:t>
+                </a:r>
+                <a:r>
+                  <a:rPr lang="en-CA" sz="1800" dirty="0">
+                    <a:highlight>
+                      <a:srgbClr val="FFFF00"/>
+                    </a:highlight>
+                  </a:rPr>
+                  <a:t> extrapolation de Richardson </a:t>
+                </a:r>
+                <a:r>
+                  <a:rPr lang="en-CA" sz="1800" dirty="0" err="1">
+                    <a:highlight>
+                      <a:srgbClr val="FFFF00"/>
+                    </a:highlight>
+                  </a:rPr>
+                  <a:t>est</a:t>
+                </a:r>
+                <a:r>
+                  <a:rPr lang="en-CA" sz="1800" dirty="0">
+                    <a:highlight>
+                      <a:srgbClr val="FFFF00"/>
+                    </a:highlight>
+                  </a:rPr>
+                  <a:t> possible </a:t>
+                </a:r>
+                <a:r>
+                  <a:rPr lang="en-CA" sz="1800" dirty="0" err="1">
+                    <a:highlight>
+                      <a:srgbClr val="FFFF00"/>
+                    </a:highlight>
+                  </a:rPr>
+                  <a:t>blablabla</a:t>
+                </a:r>
+                <a:endParaRPr lang="en-CA" sz="1800" dirty="0">
+                  <a:highlight>
+                    <a:srgbClr val="FFFF00"/>
+                  </a:highlight>
+                </a:endParaRPr>
+              </a:p>
+              <a:p>
+                <a:pPr marL="0" indent="0" algn="just">
+                  <a:buNone/>
+                </a:pPr>
+                <a:r>
+                  <a:rPr lang="en-CA" sz="1800" dirty="0" err="1">
+                    <a:highlight>
+                      <a:srgbClr val="FFFF00"/>
+                    </a:highlight>
+                  </a:rPr>
+                  <a:t>Arrivee</a:t>
+                </a:r>
+                <a:r>
+                  <a:rPr lang="en-CA" sz="1800" dirty="0">
+                    <a:highlight>
+                      <a:srgbClr val="FFFF00"/>
+                    </a:highlight>
+                  </a:rPr>
+                  <a:t> a </a:t>
+                </a:r>
+                <a:r>
+                  <a:rPr lang="en-CA" sz="1800" dirty="0" err="1">
+                    <a:highlight>
+                      <a:srgbClr val="FFFF00"/>
+                    </a:highlight>
+                  </a:rPr>
+                  <a:t>l’etape</a:t>
+                </a:r>
+                <a:r>
+                  <a:rPr lang="en-CA" sz="1800" dirty="0">
+                    <a:highlight>
+                      <a:srgbClr val="FFFF00"/>
+                    </a:highlight>
+                  </a:rPr>
+                  <a:t> de validation, </a:t>
+                </a:r>
+                <a:r>
+                  <a:rPr lang="en-CA" sz="1800" dirty="0" err="1">
+                    <a:highlight>
+                      <a:srgbClr val="FFFF00"/>
+                    </a:highlight>
+                  </a:rPr>
+                  <a:t>plusieurs</a:t>
+                </a:r>
+                <a:r>
+                  <a:rPr lang="en-CA" sz="1800" dirty="0">
+                    <a:highlight>
+                      <a:srgbClr val="FFFF00"/>
+                    </a:highlight>
+                  </a:rPr>
+                  <a:t> hypotheses </a:t>
+                </a:r>
+                <a:r>
+                  <a:rPr lang="en-CA" sz="1800" dirty="0" err="1">
+                    <a:highlight>
+                      <a:srgbClr val="FFFF00"/>
+                    </a:highlight>
+                  </a:rPr>
+                  <a:t>ont</a:t>
+                </a:r>
+                <a:r>
+                  <a:rPr lang="en-CA" sz="1800" dirty="0">
+                    <a:highlight>
+                      <a:srgbClr val="FFFF00"/>
+                    </a:highlight>
+                  </a:rPr>
+                  <a:t> du </a:t>
+                </a:r>
+                <a:r>
+                  <a:rPr lang="en-CA" sz="1800" dirty="0" err="1">
+                    <a:highlight>
+                      <a:srgbClr val="FFFF00"/>
+                    </a:highlight>
+                  </a:rPr>
+                  <a:t>etre</a:t>
+                </a:r>
+                <a:r>
+                  <a:rPr lang="en-CA" sz="1800" dirty="0">
+                    <a:highlight>
+                      <a:srgbClr val="FFFF00"/>
+                    </a:highlight>
+                  </a:rPr>
+                  <a:t> </a:t>
+                </a:r>
+                <a:r>
+                  <a:rPr lang="en-CA" sz="1800" dirty="0" err="1">
+                    <a:highlight>
+                      <a:srgbClr val="FFFF00"/>
+                    </a:highlight>
+                  </a:rPr>
+                  <a:t>effectuees</a:t>
+                </a:r>
+                <a:r>
+                  <a:rPr lang="en-CA" sz="1800" dirty="0">
+                    <a:highlight>
+                      <a:srgbClr val="FFFF00"/>
+                    </a:highlight>
+                  </a:rPr>
+                  <a:t> pour pallier aux manque </a:t>
+                </a:r>
+                <a:r>
+                  <a:rPr lang="en-CA" sz="1800" dirty="0" err="1">
+                    <a:highlight>
+                      <a:srgbClr val="FFFF00"/>
+                    </a:highlight>
+                  </a:rPr>
+                  <a:t>d’information</a:t>
+                </a:r>
+                <a:r>
+                  <a:rPr lang="en-CA" sz="1800" dirty="0">
+                    <a:highlight>
+                      <a:srgbClr val="FFFF00"/>
+                    </a:highlight>
+                  </a:rPr>
+                  <a:t> des articles </a:t>
+                </a:r>
+                <a:r>
+                  <a:rPr lang="en-CA" sz="1800" dirty="0" err="1">
+                    <a:highlight>
+                      <a:srgbClr val="FFFF00"/>
+                    </a:highlight>
+                  </a:rPr>
+                  <a:t>scientifiques</a:t>
+                </a:r>
+                <a:r>
+                  <a:rPr lang="en-CA" sz="1800" dirty="0">
+                    <a:highlight>
+                      <a:srgbClr val="FFFF00"/>
+                    </a:highlight>
+                  </a:rPr>
+                  <a:t> sur la distribution des </a:t>
+                </a:r>
+                <a:r>
+                  <a:rPr lang="en-CA" sz="1800" dirty="0" err="1">
+                    <a:highlight>
+                      <a:srgbClr val="FFFF00"/>
+                    </a:highlight>
+                  </a:rPr>
+                  <a:t>donnees</a:t>
+                </a:r>
+                <a:r>
+                  <a:rPr lang="en-CA" sz="1800" dirty="0">
+                    <a:highlight>
+                      <a:srgbClr val="FFFF00"/>
+                    </a:highlight>
+                  </a:rPr>
+                  <a:t> </a:t>
+                </a:r>
+                <a:r>
+                  <a:rPr lang="en-CA" sz="1800" dirty="0" err="1">
+                    <a:highlight>
+                      <a:srgbClr val="FFFF00"/>
+                    </a:highlight>
+                  </a:rPr>
+                  <a:t>d’entrees</a:t>
+                </a:r>
+                <a:r>
+                  <a:rPr lang="en-CA" sz="1800" dirty="0">
+                    <a:highlight>
+                      <a:srgbClr val="FFFF00"/>
+                    </a:highlight>
+                  </a:rPr>
+                  <a:t>, </a:t>
+                </a:r>
+                <a:r>
+                  <a:rPr lang="en-CA" sz="1800" dirty="0" err="1">
+                    <a:highlight>
+                      <a:srgbClr val="FFFF00"/>
+                    </a:highlight>
+                  </a:rPr>
+                  <a:t>ainsi</a:t>
+                </a:r>
+                <a:r>
+                  <a:rPr lang="en-CA" sz="1800" dirty="0">
+                    <a:highlight>
+                      <a:srgbClr val="FFFF00"/>
+                    </a:highlight>
+                  </a:rPr>
+                  <a:t> que les </a:t>
+                </a:r>
+                <a:r>
+                  <a:rPr lang="en-CA" sz="1800" dirty="0" err="1">
+                    <a:highlight>
+                      <a:srgbClr val="FFFF00"/>
+                    </a:highlight>
+                  </a:rPr>
+                  <a:t>erreurs</a:t>
+                </a:r>
+                <a:r>
+                  <a:rPr lang="en-CA" sz="1800" dirty="0">
+                    <a:highlight>
+                      <a:srgbClr val="FFFF00"/>
+                    </a:highlight>
+                  </a:rPr>
+                  <a:t> de </a:t>
+                </a:r>
+                <a:r>
+                  <a:rPr lang="en-CA" sz="1800" dirty="0" err="1">
+                    <a:highlight>
+                      <a:srgbClr val="FFFF00"/>
+                    </a:highlight>
+                  </a:rPr>
+                  <a:t>mesure</a:t>
+                </a:r>
+                <a:r>
+                  <a:rPr lang="en-CA" sz="1800" dirty="0">
+                    <a:highlight>
+                      <a:srgbClr val="FFFF00"/>
+                    </a:highlight>
+                  </a:rPr>
+                  <a:t>  de </a:t>
+                </a:r>
+                <a:r>
+                  <a:rPr lang="en-CA" sz="1800" dirty="0" err="1">
+                    <a:highlight>
+                      <a:srgbClr val="FFFF00"/>
+                    </a:highlight>
+                  </a:rPr>
+                  <a:t>ces</a:t>
+                </a:r>
+                <a:r>
+                  <a:rPr lang="en-CA" sz="1800" dirty="0">
+                    <a:highlight>
+                      <a:srgbClr val="FFFF00"/>
+                    </a:highlight>
+                  </a:rPr>
+                  <a:t> </a:t>
+                </a:r>
+                <a:r>
+                  <a:rPr lang="en-CA" sz="1800" dirty="0" err="1">
+                    <a:highlight>
+                      <a:srgbClr val="FFFF00"/>
+                    </a:highlight>
+                  </a:rPr>
+                  <a:t>donnees</a:t>
+                </a:r>
+                <a:r>
+                  <a:rPr lang="en-CA" sz="1800" dirty="0">
+                    <a:highlight>
+                      <a:srgbClr val="FFFF00"/>
+                    </a:highlight>
+                  </a:rPr>
+                  <a:t> </a:t>
+                </a:r>
+                <a:r>
+                  <a:rPr lang="en-CA" sz="1800" dirty="0" err="1">
+                    <a:highlight>
+                      <a:srgbClr val="FFFF00"/>
+                    </a:highlight>
+                  </a:rPr>
+                  <a:t>mais</a:t>
+                </a:r>
+                <a:r>
+                  <a:rPr lang="en-CA" sz="1800" dirty="0">
+                    <a:highlight>
+                      <a:srgbClr val="FFFF00"/>
+                    </a:highlight>
+                  </a:rPr>
+                  <a:t> </a:t>
+                </a:r>
+                <a:r>
+                  <a:rPr lang="en-CA" sz="1800" dirty="0" err="1">
+                    <a:highlight>
+                      <a:srgbClr val="FFFF00"/>
+                    </a:highlight>
+                  </a:rPr>
+                  <a:t>aussi</a:t>
+                </a:r>
+                <a:r>
+                  <a:rPr lang="en-CA" sz="1800" dirty="0">
+                    <a:highlight>
+                      <a:srgbClr val="FFFF00"/>
+                    </a:highlight>
+                  </a:rPr>
+                  <a:t> sur les experiences de validation et les </a:t>
+                </a:r>
+                <a:r>
+                  <a:rPr lang="en-CA" sz="1800" dirty="0" err="1">
+                    <a:highlight>
+                      <a:srgbClr val="FFFF00"/>
+                    </a:highlight>
+                  </a:rPr>
+                  <a:t>mesures</a:t>
+                </a:r>
+                <a:r>
+                  <a:rPr lang="en-CA" sz="1800" dirty="0">
+                    <a:highlight>
+                      <a:srgbClr val="FFFF00"/>
+                    </a:highlight>
+                  </a:rPr>
+                  <a:t> de la SRQ. Ceci fait que malgré un </a:t>
+                </a:r>
+                <a:r>
+                  <a:rPr lang="en-CA" sz="1800" dirty="0" err="1">
+                    <a:highlight>
+                      <a:srgbClr val="FFFF00"/>
+                    </a:highlight>
+                  </a:rPr>
+                  <a:t>intervalle</a:t>
+                </a:r>
+                <a:r>
+                  <a:rPr lang="en-CA" sz="1800" dirty="0">
+                    <a:highlight>
+                      <a:srgbClr val="FFFF00"/>
+                    </a:highlight>
+                  </a:rPr>
+                  <a:t> </a:t>
+                </a:r>
+                <a:r>
+                  <a:rPr lang="en-CA" sz="1800" dirty="0" err="1">
+                    <a:highlight>
+                      <a:srgbClr val="FFFF00"/>
+                    </a:highlight>
+                  </a:rPr>
+                  <a:t>d’incertitude</a:t>
+                </a:r>
+                <a:r>
+                  <a:rPr lang="en-CA" sz="1800" dirty="0">
+                    <a:highlight>
+                      <a:srgbClr val="FFFF00"/>
+                    </a:highlight>
+                  </a:rPr>
+                  <a:t> sur </a:t>
+                </a:r>
+                <a:r>
+                  <a:rPr lang="en-CA" sz="1800" dirty="0" err="1">
+                    <a:highlight>
+                      <a:srgbClr val="FFFF00"/>
+                    </a:highlight>
+                  </a:rPr>
+                  <a:t>l;erreure</a:t>
+                </a:r>
+                <a:r>
+                  <a:rPr lang="en-CA" sz="1800" dirty="0">
+                    <a:highlight>
+                      <a:srgbClr val="FFFF00"/>
+                    </a:highlight>
+                  </a:rPr>
+                  <a:t> du </a:t>
+                </a:r>
+                <a:r>
+                  <a:rPr lang="en-CA" sz="1800" dirty="0" err="1">
+                    <a:highlight>
+                      <a:srgbClr val="FFFF00"/>
+                    </a:highlight>
+                  </a:rPr>
+                  <a:t>modele</a:t>
+                </a:r>
+                <a:r>
+                  <a:rPr lang="en-CA" sz="1800" dirty="0">
+                    <a:highlight>
+                      <a:srgbClr val="FFFF00"/>
+                    </a:highlight>
+                  </a:rPr>
+                  <a:t> qui englobe la </a:t>
+                </a:r>
+                <a:r>
+                  <a:rPr lang="en-CA" sz="1800" dirty="0" err="1">
+                    <a:highlight>
+                      <a:srgbClr val="FFFF00"/>
+                    </a:highlight>
+                  </a:rPr>
+                  <a:t>valeur</a:t>
+                </a:r>
+                <a:r>
+                  <a:rPr lang="en-CA" sz="1800" dirty="0">
+                    <a:highlight>
+                      <a:srgbClr val="FFFF00"/>
+                    </a:highlight>
+                  </a:rPr>
+                  <a:t> 0, </a:t>
+                </a:r>
+                <a:r>
+                  <a:rPr lang="en-CA" sz="1800" dirty="0" err="1">
+                    <a:highlight>
+                      <a:srgbClr val="FFFF00"/>
+                    </a:highlight>
+                  </a:rPr>
+                  <a:t>l’intervalle</a:t>
+                </a:r>
+                <a:r>
+                  <a:rPr lang="en-CA" sz="1800" dirty="0">
+                    <a:highlight>
+                      <a:srgbClr val="FFFF00"/>
+                    </a:highlight>
+                  </a:rPr>
+                  <a:t> </a:t>
+                </a:r>
+                <a:r>
+                  <a:rPr lang="en-CA" sz="1800" dirty="0" err="1">
+                    <a:highlight>
+                      <a:srgbClr val="FFFF00"/>
+                    </a:highlight>
+                  </a:rPr>
+                  <a:t>est</a:t>
+                </a:r>
+                <a:r>
+                  <a:rPr lang="en-CA" sz="1800" dirty="0">
+                    <a:highlight>
+                      <a:srgbClr val="FFFF00"/>
+                    </a:highlight>
+                  </a:rPr>
+                  <a:t> beaucoup trop large pour </a:t>
+                </a:r>
+                <a:r>
+                  <a:rPr lang="en-CA" sz="1800" dirty="0" err="1">
+                    <a:highlight>
+                      <a:srgbClr val="FFFF00"/>
+                    </a:highlight>
+                  </a:rPr>
+                  <a:t>pouvoir</a:t>
+                </a:r>
+                <a:r>
+                  <a:rPr lang="en-CA" sz="1800" dirty="0">
+                    <a:highlight>
+                      <a:srgbClr val="FFFF00"/>
+                    </a:highlight>
+                  </a:rPr>
+                  <a:t> affirmer que le </a:t>
+                </a:r>
+                <a:r>
+                  <a:rPr lang="en-CA" sz="1800" dirty="0" err="1">
+                    <a:highlight>
+                      <a:srgbClr val="FFFF00"/>
+                    </a:highlight>
+                  </a:rPr>
+                  <a:t>modele</a:t>
+                </a:r>
+                <a:r>
+                  <a:rPr lang="en-CA" sz="1800" dirty="0">
+                    <a:highlight>
+                      <a:srgbClr val="FFFF00"/>
+                    </a:highlight>
+                  </a:rPr>
+                  <a:t> </a:t>
+                </a:r>
+                <a:r>
+                  <a:rPr lang="en-CA" sz="1800" dirty="0" err="1">
+                    <a:highlight>
+                      <a:srgbClr val="FFFF00"/>
+                    </a:highlight>
+                  </a:rPr>
+                  <a:t>est</a:t>
+                </a:r>
+                <a:r>
+                  <a:rPr lang="en-CA" sz="1800" dirty="0">
+                    <a:highlight>
+                      <a:srgbClr val="FFFF00"/>
+                    </a:highlight>
+                  </a:rPr>
+                  <a:t> completement </a:t>
+                </a:r>
+                <a:r>
+                  <a:rPr lang="en-CA" sz="1800" dirty="0" err="1">
+                    <a:highlight>
+                      <a:srgbClr val="FFFF00"/>
+                    </a:highlight>
+                  </a:rPr>
+                  <a:t>fiable</a:t>
+                </a:r>
+                <a:r>
+                  <a:rPr lang="en-CA" sz="1800" dirty="0">
+                    <a:highlight>
+                      <a:srgbClr val="FFFF00"/>
+                    </a:highlight>
+                  </a:rPr>
+                  <a:t>. Des efforts de reduction de </a:t>
+                </a:r>
+                <a14:m>
+                  <m:oMath xmlns:m="http://schemas.openxmlformats.org/officeDocument/2006/math">
+                    <m:sSub>
+                      <m:sSubPr>
+                        <m:ctrlPr>
+                          <a:rPr lang="en-CA" sz="1800" i="1" dirty="0">
+                            <a:highlight>
+                              <a:srgbClr val="FFFF00"/>
+                            </a:highlight>
+                            <a:latin typeface="Cambria Math" panose="02040503050406030204" pitchFamily="18" charset="0"/>
+                          </a:rPr>
+                        </m:ctrlPr>
+                      </m:sSubPr>
+                      <m:e>
+                        <m:r>
+                          <a:rPr lang="en-CA" sz="1800" dirty="0">
+                            <a:highlight>
+                              <a:srgbClr val="FFFF00"/>
+                            </a:highlight>
+                            <a:latin typeface="Cambria Math" panose="02040503050406030204" pitchFamily="18" charset="0"/>
+                          </a:rPr>
+                          <m:t>𝑢</m:t>
+                        </m:r>
+                      </m:e>
+                      <m:sub>
+                        <m:r>
+                          <a:rPr lang="en-CA" sz="1800" b="0" i="1" dirty="0" smtClean="0">
+                            <a:highlight>
+                              <a:srgbClr val="FFFF00"/>
+                            </a:highlight>
+                            <a:latin typeface="Cambria Math" panose="02040503050406030204" pitchFamily="18" charset="0"/>
+                          </a:rPr>
+                          <m:t>𝑣𝑎𝑙</m:t>
+                        </m:r>
+                        <m:r>
+                          <a:rPr lang="en-CA" sz="1800" i="1" dirty="0">
+                            <a:highlight>
+                              <a:srgbClr val="FFFF00"/>
+                            </a:highlight>
+                            <a:latin typeface="Cambria Math" panose="02040503050406030204" pitchFamily="18" charset="0"/>
+                          </a:rPr>
+                          <m:t> </m:t>
+                        </m:r>
+                      </m:sub>
+                    </m:sSub>
+                  </m:oMath>
+                </a14:m>
+                <a:r>
+                  <a:rPr lang="en-CA" sz="1800" dirty="0" err="1">
+                    <a:highlight>
+                      <a:srgbClr val="FFFF00"/>
+                    </a:highlight>
+                  </a:rPr>
+                  <a:t>doivent</a:t>
+                </a:r>
+                <a:r>
+                  <a:rPr lang="en-CA" sz="1800" dirty="0">
+                    <a:highlight>
+                      <a:srgbClr val="FFFF00"/>
+                    </a:highlight>
+                  </a:rPr>
+                  <a:t> </a:t>
+                </a:r>
+                <a:r>
+                  <a:rPr lang="en-CA" sz="1800" dirty="0" err="1">
+                    <a:highlight>
+                      <a:srgbClr val="FFFF00"/>
+                    </a:highlight>
+                  </a:rPr>
+                  <a:t>etre</a:t>
+                </a:r>
+                <a:r>
+                  <a:rPr lang="en-CA" sz="1800" dirty="0">
+                    <a:highlight>
+                      <a:srgbClr val="FFFF00"/>
+                    </a:highlight>
+                  </a:rPr>
+                  <a:t> </a:t>
+                </a:r>
+                <a:r>
+                  <a:rPr lang="en-CA" sz="1800" dirty="0" err="1">
+                    <a:highlight>
+                      <a:srgbClr val="FFFF00"/>
+                    </a:highlight>
+                  </a:rPr>
+                  <a:t>entrepris</a:t>
+                </a:r>
+                <a:r>
+                  <a:rPr lang="en-CA" sz="1800" dirty="0">
+                    <a:highlight>
+                      <a:srgbClr val="FFFF00"/>
+                    </a:highlight>
+                  </a:rPr>
+                  <a:t> a travers la reduction de </a:t>
+                </a:r>
+                <a14:m>
+                  <m:oMath xmlns:m="http://schemas.openxmlformats.org/officeDocument/2006/math">
+                    <m:sSub>
+                      <m:sSubPr>
+                        <m:ctrlPr>
+                          <a:rPr lang="en-CA" sz="1800" i="1" dirty="0" smtClean="0">
+                            <a:latin typeface="Cambria Math" panose="02040503050406030204" pitchFamily="18" charset="0"/>
+                          </a:rPr>
+                        </m:ctrlPr>
+                      </m:sSubPr>
+                      <m:e>
+                        <m:r>
+                          <a:rPr lang="en-CA" sz="1800" dirty="0">
+                            <a:latin typeface="Cambria Math" panose="02040503050406030204" pitchFamily="18" charset="0"/>
+                          </a:rPr>
+                          <m:t>𝑢</m:t>
+                        </m:r>
+                      </m:e>
+                      <m:sub>
+                        <m:r>
+                          <a:rPr lang="en-CA" sz="1800" b="0" i="1" dirty="0" smtClean="0">
+                            <a:latin typeface="Cambria Math" panose="02040503050406030204" pitchFamily="18" charset="0"/>
+                          </a:rPr>
+                          <m:t>𝑖𝑛𝑝𝑢𝑡</m:t>
+                        </m:r>
+                        <m:r>
+                          <a:rPr lang="en-CA" sz="1800" b="0" i="1" dirty="0" smtClean="0">
+                            <a:latin typeface="Cambria Math" panose="02040503050406030204" pitchFamily="18" charset="0"/>
+                          </a:rPr>
+                          <m:t> </m:t>
+                        </m:r>
+                      </m:sub>
+                    </m:sSub>
+                  </m:oMath>
+                </a14:m>
+                <a:r>
+                  <a:rPr lang="fr-FR" sz="1800" dirty="0"/>
+                  <a:t>et </a:t>
+                </a:r>
+                <a14:m>
+                  <m:oMath xmlns:m="http://schemas.openxmlformats.org/officeDocument/2006/math">
+                    <m:sSub>
+                      <m:sSubPr>
+                        <m:ctrlPr>
+                          <a:rPr lang="en-CA" sz="1800" i="1" dirty="0">
+                            <a:latin typeface="Cambria Math" panose="02040503050406030204" pitchFamily="18" charset="0"/>
+                          </a:rPr>
+                        </m:ctrlPr>
+                      </m:sSubPr>
+                      <m:e>
+                        <m:r>
+                          <a:rPr lang="en-CA" sz="1800" dirty="0">
+                            <a:latin typeface="Cambria Math" panose="02040503050406030204" pitchFamily="18" charset="0"/>
+                          </a:rPr>
+                          <m:t>𝑢</m:t>
+                        </m:r>
+                      </m:e>
+                      <m:sub>
+                        <m:r>
+                          <a:rPr lang="en-CA" sz="1800" b="0" i="1" dirty="0" smtClean="0">
+                            <a:latin typeface="Cambria Math" panose="02040503050406030204" pitchFamily="18" charset="0"/>
+                          </a:rPr>
+                          <m:t>𝐷</m:t>
+                        </m:r>
+                      </m:sub>
+                    </m:sSub>
+                  </m:oMath>
+                </a14:m>
+                <a:r>
+                  <a:rPr lang="en-CA" sz="1800" dirty="0">
+                    <a:highlight>
+                      <a:srgbClr val="FFFF00"/>
+                    </a:highlight>
+                  </a:rPr>
+                  <a:t>.</a:t>
+                </a:r>
+              </a:p>
+            </p:txBody>
+          </p:sp>
+        </mc:Choice>
+        <mc:Fallback xmlns="">
+          <p:sp>
+            <p:nvSpPr>
+              <p:cNvPr id="3" name="Content Placeholder 2">
+                <a:extLst>
+                  <a:ext uri="{FF2B5EF4-FFF2-40B4-BE49-F238E27FC236}">
+                    <a16:creationId xmlns:a16="http://schemas.microsoft.com/office/drawing/2014/main" id="{57846E6E-541E-C380-2EC3-91AF5BEE61F6}"/>
+                  </a:ext>
+                </a:extLst>
+              </p:cNvPr>
+              <p:cNvSpPr>
+                <a:spLocks noGrp="1" noRot="1" noChangeAspect="1" noMove="1" noResize="1" noEditPoints="1" noAdjustHandles="1" noChangeArrowheads="1" noChangeShapeType="1" noTextEdit="1"/>
+              </p:cNvSpPr>
+              <p:nvPr>
+                <p:ph idx="1"/>
+              </p:nvPr>
+            </p:nvSpPr>
+            <p:spPr>
+              <a:xfrm>
+                <a:off x="838200" y="1150374"/>
+                <a:ext cx="10515600" cy="5342501"/>
+              </a:xfrm>
+              <a:blipFill>
+                <a:blip r:embed="rId2"/>
+                <a:stretch>
+                  <a:fillRect l="-522" t="-1142" r="-870"/>
+                </a:stretch>
+              </a:blipFill>
+            </p:spPr>
+            <p:txBody>
+              <a:bodyPr/>
+              <a:lstStyle/>
+              <a:p>
+                <a:r>
+                  <a:rPr lang="en-CA">
+                    <a:noFill/>
+                  </a:rPr>
+                  <a:t> </a:t>
+                </a:r>
+              </a:p>
+            </p:txBody>
+          </p:sp>
+        </mc:Fallback>
+      </mc:AlternateContent>
     </p:spTree>
     <p:extLst>
       <p:ext uri="{BB962C8B-B14F-4D97-AF65-F5344CB8AC3E}">
-        <p14:creationId xmlns:p14="http://schemas.microsoft.com/office/powerpoint/2010/main" val="1192487642"/>
+        <p14:creationId xmlns:p14="http://schemas.microsoft.com/office/powerpoint/2010/main" val="1558127010"/>
       </p:ext>
     </p:extLst>
   </p:cSld>
@@ -18304,6 +20131,437 @@
     <p:extLst>
       <p:ext uri="{BB962C8B-B14F-4D97-AF65-F5344CB8AC3E}">
         <p14:creationId xmlns:p14="http://schemas.microsoft.com/office/powerpoint/2010/main" val="2767786287"/>
+      </p:ext>
+    </p:extLst>
+  </p:cSld>
+  <p:clrMapOvr>
+    <a:masterClrMapping/>
+  </p:clrMapOvr>
+</p:sld>
+</file>
+
+<file path=ppt/slides/slide20.xml><?xml version="1.0" encoding="utf-8"?>
+<p:sld xmlns:a="http://schemas.openxmlformats.org/drawingml/2006/main" xmlns:r="http://schemas.openxmlformats.org/officeDocument/2006/relationships" xmlns:p="http://schemas.openxmlformats.org/presentationml/2006/main">
+  <p:cSld>
+    <p:spTree>
+      <p:nvGrpSpPr>
+        <p:cNvPr id="1" name=""/>
+        <p:cNvGrpSpPr/>
+        <p:nvPr/>
+      </p:nvGrpSpPr>
+      <p:grpSpPr>
+        <a:xfrm>
+          <a:off x="0" y="0"/>
+          <a:ext cx="0" cy="0"/>
+          <a:chOff x="0" y="0"/>
+          <a:chExt cx="0" cy="0"/>
+        </a:xfrm>
+      </p:grpSpPr>
+      <p:sp>
+        <p:nvSpPr>
+          <p:cNvPr id="2" name="Title 1">
+            <a:extLst>
+              <a:ext uri="{FF2B5EF4-FFF2-40B4-BE49-F238E27FC236}">
+                <a16:creationId xmlns:a16="http://schemas.microsoft.com/office/drawing/2014/main" id="{E0220718-7085-48D6-FCCC-6D486EF513A7}"/>
+              </a:ext>
+            </a:extLst>
+          </p:cNvPr>
+          <p:cNvSpPr>
+            <a:spLocks noGrp="1"/>
+          </p:cNvSpPr>
+          <p:nvPr>
+            <p:ph type="title"/>
+          </p:nvPr>
+        </p:nvSpPr>
+        <p:spPr>
+          <a:xfrm>
+            <a:off x="838200" y="365125"/>
+            <a:ext cx="9308690" cy="706591"/>
+          </a:xfrm>
+        </p:spPr>
+        <p:txBody>
+          <a:bodyPr>
+            <a:normAutofit/>
+          </a:bodyPr>
+          <a:lstStyle/>
+          <a:p>
+            <a:r>
+              <a:rPr lang="fr-FR" sz="3000" dirty="0"/>
+              <a:t>Bibliographie</a:t>
+            </a:r>
+            <a:endParaRPr lang="en-CA" sz="3000" dirty="0"/>
+          </a:p>
+        </p:txBody>
+      </p:sp>
+      <p:sp>
+        <p:nvSpPr>
+          <p:cNvPr id="3" name="Content Placeholder 2">
+            <a:extLst>
+              <a:ext uri="{FF2B5EF4-FFF2-40B4-BE49-F238E27FC236}">
+                <a16:creationId xmlns:a16="http://schemas.microsoft.com/office/drawing/2014/main" id="{57846E6E-541E-C380-2EC3-91AF5BEE61F6}"/>
+              </a:ext>
+            </a:extLst>
+          </p:cNvPr>
+          <p:cNvSpPr>
+            <a:spLocks noGrp="1"/>
+          </p:cNvSpPr>
+          <p:nvPr>
+            <p:ph idx="1"/>
+          </p:nvPr>
+        </p:nvSpPr>
+        <p:spPr>
+          <a:xfrm>
+            <a:off x="838200" y="1150374"/>
+            <a:ext cx="10515600" cy="5342501"/>
+          </a:xfrm>
+        </p:spPr>
+        <p:txBody>
+          <a:bodyPr>
+            <a:normAutofit/>
+          </a:bodyPr>
+          <a:lstStyle/>
+          <a:p>
+            <a:pPr marL="0" indent="0" algn="just">
+              <a:buNone/>
+            </a:pPr>
+            <a:r>
+              <a:rPr lang="en-US" sz="1600" b="0" i="0" dirty="0" err="1">
+                <a:solidFill>
+                  <a:srgbClr val="2C3E50"/>
+                </a:solidFill>
+                <a:effectLst/>
+                <a:latin typeface="+mj-lt"/>
+              </a:rPr>
+              <a:t>Eça</a:t>
+            </a:r>
+            <a:r>
+              <a:rPr lang="en-US" sz="1600" b="0" i="0" dirty="0">
+                <a:solidFill>
+                  <a:srgbClr val="2C3E50"/>
+                </a:solidFill>
+                <a:effectLst/>
+                <a:latin typeface="+mj-lt"/>
+              </a:rPr>
+              <a:t>, L., Dowding, K., &amp; Roache, P. J. (2020). on the interpretation and scope of the </a:t>
+            </a:r>
+            <a:r>
+              <a:rPr lang="en-US" sz="1600" b="0" i="0" dirty="0" err="1">
+                <a:solidFill>
+                  <a:srgbClr val="2C3E50"/>
+                </a:solidFill>
+                <a:effectLst/>
+                <a:latin typeface="+mj-lt"/>
+              </a:rPr>
+              <a:t>v&amp;v</a:t>
+            </a:r>
+            <a:r>
+              <a:rPr lang="en-US" sz="1600" b="0" i="0" dirty="0">
+                <a:solidFill>
+                  <a:srgbClr val="2C3E50"/>
+                </a:solidFill>
+                <a:effectLst/>
+                <a:latin typeface="+mj-lt"/>
+              </a:rPr>
+              <a:t> 20 standard for verification and 	validation in computational fluid dynamics and heat transfer [Review of </a:t>
+            </a:r>
+            <a:r>
+              <a:rPr lang="en-US" sz="1600" b="0" i="1" dirty="0">
+                <a:solidFill>
+                  <a:srgbClr val="2C3E50"/>
+                </a:solidFill>
+                <a:effectLst/>
+                <a:latin typeface="+mj-lt"/>
+              </a:rPr>
+              <a:t>on the interpretation and scope of the </a:t>
+            </a:r>
+            <a:r>
+              <a:rPr lang="en-US" sz="1600" b="0" i="1" dirty="0" err="1">
+                <a:solidFill>
+                  <a:srgbClr val="2C3E50"/>
+                </a:solidFill>
+                <a:effectLst/>
+                <a:latin typeface="+mj-lt"/>
+              </a:rPr>
+              <a:t>v&amp;v</a:t>
+            </a:r>
+            <a:r>
+              <a:rPr lang="en-US" sz="1600" b="0" i="1" dirty="0">
+                <a:solidFill>
+                  <a:srgbClr val="2C3E50"/>
+                </a:solidFill>
+                <a:effectLst/>
+                <a:latin typeface="+mj-lt"/>
+              </a:rPr>
+              <a:t> 	20 standard for verification and validation in computational fluid dynamics and heat transfer</a:t>
+            </a:r>
+            <a:r>
+              <a:rPr lang="en-US" sz="1600" b="0" i="0" dirty="0">
+                <a:solidFill>
+                  <a:srgbClr val="2C3E50"/>
+                </a:solidFill>
+                <a:effectLst/>
+                <a:latin typeface="+mj-lt"/>
+              </a:rPr>
+              <a:t>]. </a:t>
+            </a:r>
+            <a:r>
+              <a:rPr lang="en-US" sz="1600" b="0" i="1" dirty="0">
+                <a:solidFill>
+                  <a:srgbClr val="2C3E50"/>
+                </a:solidFill>
+                <a:effectLst/>
+                <a:latin typeface="+mj-lt"/>
+              </a:rPr>
+              <a:t>ASME 2020 	Verification and Validation Symposium</a:t>
+            </a:r>
+            <a:r>
+              <a:rPr lang="en-US" sz="1600" b="0" i="0" dirty="0">
+                <a:solidFill>
+                  <a:srgbClr val="2C3E50"/>
+                </a:solidFill>
+                <a:effectLst/>
+                <a:latin typeface="+mj-lt"/>
+              </a:rPr>
+              <a:t>.</a:t>
+            </a:r>
+          </a:p>
+          <a:p>
+            <a:pPr marL="0" indent="0" algn="just">
+              <a:buNone/>
+            </a:pPr>
+            <a:endParaRPr lang="en-US" sz="1600" dirty="0">
+              <a:solidFill>
+                <a:srgbClr val="2C3E50"/>
+              </a:solidFill>
+              <a:latin typeface="+mj-lt"/>
+            </a:endParaRPr>
+          </a:p>
+          <a:p>
+            <a:pPr marL="0" indent="0">
+              <a:buNone/>
+            </a:pPr>
+            <a:r>
+              <a:rPr lang="en-US" sz="1600" b="0" i="0" dirty="0">
+                <a:solidFill>
+                  <a:srgbClr val="2C3E50"/>
+                </a:solidFill>
+                <a:effectLst/>
+              </a:rPr>
+              <a:t>Kiefer, A., </a:t>
+            </a:r>
+            <a:r>
+              <a:rPr lang="en-US" sz="1600" b="0" i="0" dirty="0" err="1">
+                <a:solidFill>
+                  <a:srgbClr val="2C3E50"/>
+                </a:solidFill>
+                <a:effectLst/>
+              </a:rPr>
+              <a:t>Parnianpour</a:t>
+            </a:r>
+            <a:r>
+              <a:rPr lang="en-US" sz="1600" b="0" i="0" dirty="0">
+                <a:solidFill>
+                  <a:srgbClr val="2C3E50"/>
+                </a:solidFill>
+                <a:effectLst/>
+              </a:rPr>
+              <a:t>, M., &amp; Shirazi-</a:t>
+            </a:r>
+            <a:r>
+              <a:rPr lang="en-US" sz="1600" b="0" i="0" dirty="0" err="1">
+                <a:solidFill>
+                  <a:srgbClr val="2C3E50"/>
+                </a:solidFill>
+                <a:effectLst/>
+              </a:rPr>
+              <a:t>Adl</a:t>
+            </a:r>
+            <a:r>
+              <a:rPr lang="en-US" sz="1600" b="0" i="0" dirty="0">
+                <a:solidFill>
+                  <a:srgbClr val="2C3E50"/>
+                </a:solidFill>
+                <a:effectLst/>
+              </a:rPr>
+              <a:t>, A. (1997). Stability of the human spine in neutral postures. </a:t>
+            </a:r>
+            <a:r>
+              <a:rPr lang="en-US" sz="1600" b="0" i="1" dirty="0">
+                <a:solidFill>
+                  <a:srgbClr val="2C3E50"/>
+                </a:solidFill>
+                <a:effectLst/>
+              </a:rPr>
+              <a:t>European Spine 	Journal</a:t>
+            </a:r>
+            <a:r>
+              <a:rPr lang="en-US" sz="1600" b="0" i="0" dirty="0">
+                <a:solidFill>
+                  <a:srgbClr val="2C3E50"/>
+                </a:solidFill>
+                <a:effectLst/>
+              </a:rPr>
+              <a:t>, </a:t>
+            </a:r>
+            <a:r>
+              <a:rPr lang="en-US" sz="1600" b="0" i="1" dirty="0">
+                <a:solidFill>
+                  <a:srgbClr val="2C3E50"/>
+                </a:solidFill>
+                <a:effectLst/>
+              </a:rPr>
+              <a:t>6</a:t>
+            </a:r>
+            <a:r>
+              <a:rPr lang="en-US" sz="1600" b="0" i="0" dirty="0">
+                <a:solidFill>
+                  <a:srgbClr val="2C3E50"/>
+                </a:solidFill>
+                <a:effectLst/>
+              </a:rPr>
+              <a:t>(1), 45–53. </a:t>
+            </a:r>
+            <a:r>
+              <a:rPr lang="en-US" sz="1600" dirty="0">
+                <a:solidFill>
+                  <a:srgbClr val="2C3E50"/>
+                </a:solidFill>
+              </a:rPr>
+              <a:t>https://doi.org/10.1007/bf01676574</a:t>
+            </a:r>
+            <a:endParaRPr lang="en-US" sz="1600" b="0" i="0" dirty="0">
+              <a:solidFill>
+                <a:srgbClr val="2C3E50"/>
+              </a:solidFill>
+              <a:effectLst/>
+            </a:endParaRPr>
+          </a:p>
+          <a:p>
+            <a:pPr marL="0" indent="0">
+              <a:buNone/>
+            </a:pPr>
+            <a:endParaRPr lang="en-US" sz="1600" dirty="0">
+              <a:solidFill>
+                <a:srgbClr val="2C3E50"/>
+              </a:solidFill>
+            </a:endParaRPr>
+          </a:p>
+          <a:p>
+            <a:pPr marL="0" indent="0">
+              <a:buNone/>
+            </a:pPr>
+            <a:r>
+              <a:rPr lang="en-US" sz="1600" b="0" i="0" dirty="0">
+                <a:solidFill>
+                  <a:srgbClr val="2C3E50"/>
+                </a:solidFill>
+                <a:effectLst/>
+              </a:rPr>
+              <a:t>Shirazi-</a:t>
+            </a:r>
+            <a:r>
+              <a:rPr lang="en-US" sz="1600" b="0" i="0" dirty="0" err="1">
+                <a:solidFill>
+                  <a:srgbClr val="2C3E50"/>
+                </a:solidFill>
+                <a:effectLst/>
+              </a:rPr>
+              <a:t>Adl</a:t>
+            </a:r>
+            <a:r>
+              <a:rPr lang="en-US" sz="1600" b="0" i="0" dirty="0">
+                <a:solidFill>
+                  <a:srgbClr val="2C3E50"/>
+                </a:solidFill>
+                <a:effectLst/>
+              </a:rPr>
+              <a:t>, A., &amp; </a:t>
+            </a:r>
+            <a:r>
+              <a:rPr lang="en-US" sz="1600" b="0" i="0" dirty="0" err="1">
+                <a:solidFill>
+                  <a:srgbClr val="2C3E50"/>
+                </a:solidFill>
+                <a:effectLst/>
+              </a:rPr>
+              <a:t>Parnianpour</a:t>
+            </a:r>
+            <a:r>
+              <a:rPr lang="en-US" sz="1600" b="0" i="0" dirty="0">
+                <a:solidFill>
+                  <a:srgbClr val="2C3E50"/>
+                </a:solidFill>
+                <a:effectLst/>
+              </a:rPr>
+              <a:t>, M. (2000). Load-bearing and stress analysis of the human spine under a novel wrapping 	compression loading. </a:t>
+            </a:r>
+            <a:r>
+              <a:rPr lang="en-US" sz="1600" b="0" i="1" dirty="0">
+                <a:solidFill>
+                  <a:srgbClr val="2C3E50"/>
+                </a:solidFill>
+                <a:effectLst/>
+              </a:rPr>
+              <a:t>Clinical Biomechanics</a:t>
+            </a:r>
+            <a:r>
+              <a:rPr lang="en-US" sz="1600" b="0" i="0" dirty="0">
+                <a:solidFill>
+                  <a:srgbClr val="2C3E50"/>
+                </a:solidFill>
+                <a:effectLst/>
+              </a:rPr>
+              <a:t>, </a:t>
+            </a:r>
+            <a:r>
+              <a:rPr lang="en-US" sz="1600" b="0" i="1" dirty="0">
+                <a:solidFill>
+                  <a:srgbClr val="2C3E50"/>
+                </a:solidFill>
+                <a:effectLst/>
+              </a:rPr>
+              <a:t>15</a:t>
+            </a:r>
+            <a:r>
+              <a:rPr lang="en-US" sz="1600" b="0" i="0" dirty="0">
+                <a:solidFill>
+                  <a:srgbClr val="2C3E50"/>
+                </a:solidFill>
+                <a:effectLst/>
+              </a:rPr>
+              <a:t>(10), 718–725. </a:t>
+            </a:r>
+            <a:r>
+              <a:rPr lang="en-US" sz="1600" dirty="0">
+                <a:solidFill>
+                  <a:srgbClr val="2C3E50"/>
+                </a:solidFill>
+              </a:rPr>
+              <a:t>https://doi.org/10.1016/s0268-	0033(00)00045-0</a:t>
+            </a:r>
+            <a:endParaRPr lang="en-US" sz="1600" b="0" i="0" dirty="0">
+              <a:solidFill>
+                <a:srgbClr val="2C3E50"/>
+              </a:solidFill>
+              <a:effectLst/>
+            </a:endParaRPr>
+          </a:p>
+          <a:p>
+            <a:pPr marL="0" indent="0">
+              <a:buNone/>
+            </a:pPr>
+            <a:endParaRPr lang="en-CA" sz="2400" dirty="0">
+              <a:highlight>
+                <a:srgbClr val="FFFF00"/>
+              </a:highlight>
+            </a:endParaRPr>
+          </a:p>
+        </p:txBody>
+      </p:sp>
+    </p:spTree>
+    <p:extLst>
+      <p:ext uri="{BB962C8B-B14F-4D97-AF65-F5344CB8AC3E}">
+        <p14:creationId xmlns:p14="http://schemas.microsoft.com/office/powerpoint/2010/main" val="1192487642"/>
       </p:ext>
     </p:extLst>
   </p:cSld>
@@ -19865,62 +22123,525 @@
           </a:p>
         </p:txBody>
       </p:sp>
-      <p:sp>
-        <p:nvSpPr>
-          <p:cNvPr id="3" name="Content Placeholder 2">
+      <mc:AlternateContent xmlns:mc="http://schemas.openxmlformats.org/markup-compatibility/2006">
+        <mc:Choice xmlns:a14="http://schemas.microsoft.com/office/drawing/2010/main" Requires="a14">
+          <p:sp>
+            <p:nvSpPr>
+              <p:cNvPr id="3" name="Content Placeholder 2">
+                <a:extLst>
+                  <a:ext uri="{FF2B5EF4-FFF2-40B4-BE49-F238E27FC236}">
+                    <a16:creationId xmlns:a16="http://schemas.microsoft.com/office/drawing/2014/main" id="{57846E6E-541E-C380-2EC3-91AF5BEE61F6}"/>
+                  </a:ext>
+                </a:extLst>
+              </p:cNvPr>
+              <p:cNvSpPr>
+                <a:spLocks noGrp="1"/>
+              </p:cNvSpPr>
+              <p:nvPr>
+                <p:ph idx="1"/>
+              </p:nvPr>
+            </p:nvSpPr>
+            <p:spPr>
+              <a:xfrm>
+                <a:off x="838200" y="1150374"/>
+                <a:ext cx="10515600" cy="5342501"/>
+              </a:xfrm>
+            </p:spPr>
+            <p:txBody>
+              <a:bodyPr>
+                <a:normAutofit/>
+              </a:bodyPr>
+              <a:lstStyle/>
+              <a:p>
+                <a:pPr marL="0" indent="0" algn="just">
+                  <a:buNone/>
+                </a:pPr>
+                <a:r>
+                  <a:rPr lang="fr-CA" sz="1800" dirty="0"/>
+                  <a:t>Tout d’abord il faut noter que l’utilisation de SimCenter 3D confère une certaine confiance dans les résultats des simulations puisque ce dernier est supposé complètement vérifié par son éditeur. </a:t>
+                </a:r>
+              </a:p>
+              <a:p>
+                <a:pPr marL="0" indent="0" algn="just">
+                  <a:buNone/>
+                </a:pPr>
+                <a:r>
+                  <a:rPr lang="fr-CA" sz="1800" dirty="0"/>
+                  <a:t>Cependant, notre modèle FEM de la colonne vertébrale est formé de 2 types d’éléments différents. Alors nous avons choisi dans une tentative d’effectuer la vérification de code du logiciel SimCenter, de comparer la solution qu’il génère pour une poutre encastrée-libre (ce sera la solution numérique), avec le résultat la solution analytique connue</a:t>
+                </a:r>
+                <a:r>
+                  <a:rPr lang="fr-CA" sz="1800" dirty="0">
+                    <a:highlight>
+                      <a:srgbClr val="FFFF00"/>
+                    </a:highlight>
+                  </a:rPr>
+                  <a:t>(?) </a:t>
+                </a:r>
+                <a:r>
+                  <a:rPr lang="fr-CA" sz="1800" dirty="0"/>
+                  <a:t> d’une poutre d’Euler soit </a:t>
+                </a:r>
+                <a14:m>
+                  <m:oMath xmlns:m="http://schemas.openxmlformats.org/officeDocument/2006/math">
+                    <m:r>
+                      <a:rPr lang="fr-FR" sz="1800" b="0" i="1" smtClean="0">
+                        <a:latin typeface="Cambria Math" panose="02040503050406030204" pitchFamily="18" charset="0"/>
+                      </a:rPr>
+                      <m:t>𝑤</m:t>
+                    </m:r>
+                    <m:d>
+                      <m:dPr>
+                        <m:ctrlPr>
+                          <a:rPr lang="fr-FR" sz="1800" b="0" i="1" smtClean="0">
+                            <a:latin typeface="Cambria Math" panose="02040503050406030204" pitchFamily="18" charset="0"/>
+                          </a:rPr>
+                        </m:ctrlPr>
+                      </m:dPr>
+                      <m:e>
+                        <m:r>
+                          <a:rPr lang="fr-FR" sz="1800" b="0" i="1" smtClean="0">
+                            <a:latin typeface="Cambria Math" panose="02040503050406030204" pitchFamily="18" charset="0"/>
+                          </a:rPr>
+                          <m:t>𝑥</m:t>
+                        </m:r>
+                      </m:e>
+                    </m:d>
+                    <m:r>
+                      <a:rPr lang="fr-FR" sz="1800" b="0" i="1" smtClean="0">
+                        <a:latin typeface="Cambria Math" panose="02040503050406030204" pitchFamily="18" charset="0"/>
+                      </a:rPr>
+                      <m:t>=</m:t>
+                    </m:r>
+                    <m:f>
+                      <m:fPr>
+                        <m:ctrlPr>
+                          <a:rPr lang="fr-FR" sz="1800" b="0" i="1" smtClean="0">
+                            <a:latin typeface="Cambria Math" panose="02040503050406030204" pitchFamily="18" charset="0"/>
+                          </a:rPr>
+                        </m:ctrlPr>
+                      </m:fPr>
+                      <m:num>
+                        <m:r>
+                          <a:rPr lang="fr-FR" sz="1800" b="0" i="1" smtClean="0">
+                            <a:latin typeface="Cambria Math" panose="02040503050406030204" pitchFamily="18" charset="0"/>
+                          </a:rPr>
+                          <m:t>𝑃</m:t>
+                        </m:r>
+                        <m:sSup>
+                          <m:sSupPr>
+                            <m:ctrlPr>
+                              <a:rPr lang="fr-FR" sz="1800" b="0" i="1" smtClean="0">
+                                <a:latin typeface="Cambria Math" panose="02040503050406030204" pitchFamily="18" charset="0"/>
+                              </a:rPr>
+                            </m:ctrlPr>
+                          </m:sSupPr>
+                          <m:e>
+                            <m:r>
+                              <a:rPr lang="fr-FR" sz="1800" b="0" i="1" smtClean="0">
+                                <a:latin typeface="Cambria Math" panose="02040503050406030204" pitchFamily="18" charset="0"/>
+                              </a:rPr>
+                              <m:t>𝑥</m:t>
+                            </m:r>
+                          </m:e>
+                          <m:sup>
+                            <m:r>
+                              <a:rPr lang="fr-FR" sz="1800" b="0" i="1" smtClean="0">
+                                <a:latin typeface="Cambria Math" panose="02040503050406030204" pitchFamily="18" charset="0"/>
+                              </a:rPr>
+                              <m:t>2</m:t>
+                            </m:r>
+                          </m:sup>
+                        </m:sSup>
+                        <m:r>
+                          <a:rPr lang="fr-FR" sz="1800" b="0" i="1" smtClean="0">
+                            <a:latin typeface="Cambria Math" panose="02040503050406030204" pitchFamily="18" charset="0"/>
+                          </a:rPr>
+                          <m:t>(3</m:t>
+                        </m:r>
+                        <m:r>
+                          <a:rPr lang="fr-FR" sz="1800" b="0" i="1" smtClean="0">
+                            <a:latin typeface="Cambria Math" panose="02040503050406030204" pitchFamily="18" charset="0"/>
+                          </a:rPr>
+                          <m:t>𝐿</m:t>
+                        </m:r>
+                        <m:r>
+                          <a:rPr lang="fr-FR" sz="1800" b="0" i="1" smtClean="0">
+                            <a:latin typeface="Cambria Math" panose="02040503050406030204" pitchFamily="18" charset="0"/>
+                          </a:rPr>
+                          <m:t>−</m:t>
+                        </m:r>
+                        <m:r>
+                          <a:rPr lang="fr-FR" sz="1800" b="0" i="1" smtClean="0">
+                            <a:latin typeface="Cambria Math" panose="02040503050406030204" pitchFamily="18" charset="0"/>
+                          </a:rPr>
+                          <m:t>𝑥</m:t>
+                        </m:r>
+                        <m:r>
+                          <a:rPr lang="fr-FR" sz="1800" b="0" i="1" smtClean="0">
+                            <a:latin typeface="Cambria Math" panose="02040503050406030204" pitchFamily="18" charset="0"/>
+                          </a:rPr>
+                          <m:t>)</m:t>
+                        </m:r>
+                      </m:num>
+                      <m:den>
+                        <m:r>
+                          <a:rPr lang="fr-FR" sz="1800" b="0" i="1" smtClean="0">
+                            <a:latin typeface="Cambria Math" panose="02040503050406030204" pitchFamily="18" charset="0"/>
+                          </a:rPr>
+                          <m:t>6</m:t>
+                        </m:r>
+                        <m:r>
+                          <a:rPr lang="fr-FR" sz="1800" b="0" i="1" smtClean="0">
+                            <a:latin typeface="Cambria Math" panose="02040503050406030204" pitchFamily="18" charset="0"/>
+                          </a:rPr>
+                          <m:t>𝐸𝐼</m:t>
+                        </m:r>
+                      </m:den>
+                    </m:f>
+                    <m:r>
+                      <a:rPr lang="fr-FR" sz="1800" b="0" i="1" smtClean="0">
+                        <a:latin typeface="Cambria Math" panose="02040503050406030204" pitchFamily="18" charset="0"/>
+                      </a:rPr>
+                      <m:t> </m:t>
+                    </m:r>
+                  </m:oMath>
+                </a14:m>
+                <a:r>
+                  <a:rPr lang="fr-CA" sz="1800" dirty="0"/>
+                  <a:t>avec P la force exercée sur la poutre, L sa longueur, E son module de Young et I son moment quadratique.</a:t>
+                </a:r>
+              </a:p>
+              <a:p>
+                <a:pPr marL="0" indent="0" algn="just">
+                  <a:buNone/>
+                </a:pPr>
+                <a:r>
+                  <a:rPr lang="fr-CA" sz="1800" dirty="0"/>
+                  <a:t>Pour cet exercice de vérification les constantes ont été fixées aux valeurs suivantes:</a:t>
+                </a:r>
+              </a:p>
+              <a:p>
+                <a:pPr marL="0" indent="0" algn="just">
+                  <a:buNone/>
+                </a:pPr>
+                <a:endParaRPr lang="fr-CA" sz="1800" dirty="0"/>
+              </a:p>
+            </p:txBody>
+          </p:sp>
+        </mc:Choice>
+        <mc:Fallback>
+          <p:sp>
+            <p:nvSpPr>
+              <p:cNvPr id="3" name="Content Placeholder 2">
+                <a:extLst>
+                  <a:ext uri="{FF2B5EF4-FFF2-40B4-BE49-F238E27FC236}">
+                    <a16:creationId xmlns:a16="http://schemas.microsoft.com/office/drawing/2014/main" id="{57846E6E-541E-C380-2EC3-91AF5BEE61F6}"/>
+                  </a:ext>
+                </a:extLst>
+              </p:cNvPr>
+              <p:cNvSpPr>
+                <a:spLocks noGrp="1" noRot="1" noChangeAspect="1" noMove="1" noResize="1" noEditPoints="1" noAdjustHandles="1" noChangeArrowheads="1" noChangeShapeType="1" noTextEdit="1"/>
+              </p:cNvSpPr>
+              <p:nvPr>
+                <p:ph idx="1"/>
+              </p:nvPr>
+            </p:nvSpPr>
+            <p:spPr>
+              <a:xfrm>
+                <a:off x="838200" y="1150374"/>
+                <a:ext cx="10515600" cy="5342501"/>
+              </a:xfrm>
+              <a:blipFill>
+                <a:blip r:embed="rId3"/>
+                <a:stretch>
+                  <a:fillRect l="-522" t="-1142" r="-464"/>
+                </a:stretch>
+              </a:blipFill>
+            </p:spPr>
+            <p:txBody>
+              <a:bodyPr/>
+              <a:lstStyle/>
+              <a:p>
+                <a:r>
+                  <a:rPr lang="fr-FR">
+                    <a:noFill/>
+                  </a:rPr>
+                  <a:t> </a:t>
+                </a:r>
+              </a:p>
+            </p:txBody>
+          </p:sp>
+        </mc:Fallback>
+      </mc:AlternateContent>
+      <p:graphicFrame>
+        <p:nvGraphicFramePr>
+          <p:cNvPr id="7" name="Tableau 6">
             <a:extLst>
               <a:ext uri="{FF2B5EF4-FFF2-40B4-BE49-F238E27FC236}">
-                <a16:creationId xmlns:a16="http://schemas.microsoft.com/office/drawing/2014/main" id="{57846E6E-541E-C380-2EC3-91AF5BEE61F6}"/>
+                <a16:creationId xmlns:a16="http://schemas.microsoft.com/office/drawing/2014/main" id="{158B1993-4CA7-82B6-EE08-39866B522654}"/>
               </a:ext>
             </a:extLst>
           </p:cNvPr>
-          <p:cNvSpPr>
-            <a:spLocks noGrp="1"/>
-          </p:cNvSpPr>
+          <p:cNvGraphicFramePr>
+            <a:graphicFrameLocks noGrp="1"/>
+          </p:cNvGraphicFramePr>
           <p:nvPr>
-            <p:ph idx="1"/>
+            <p:extLst>
+              <p:ext uri="{D42A27DB-BD31-4B8C-83A1-F6EECF244321}">
+                <p14:modId xmlns:p14="http://schemas.microsoft.com/office/powerpoint/2010/main" val="2310139198"/>
+              </p:ext>
+            </p:extLst>
           </p:nvPr>
+        </p:nvGraphicFramePr>
+        <p:xfrm>
+          <a:off x="3747052" y="3821624"/>
+          <a:ext cx="4899991" cy="1828800"/>
+        </p:xfrm>
+        <a:graphic>
+          <a:graphicData uri="http://schemas.openxmlformats.org/drawingml/2006/table">
+            <a:tbl>
+              <a:tblPr firstRow="1" bandRow="1">
+                <a:tableStyleId>{5C22544A-7EE6-4342-B048-85BDC9FD1C3A}</a:tableStyleId>
+              </a:tblPr>
+              <a:tblGrid>
+                <a:gridCol w="1857238">
+                  <a:extLst>
+                    <a:ext uri="{9D8B030D-6E8A-4147-A177-3AD203B41FA5}">
+                      <a16:colId xmlns:a16="http://schemas.microsoft.com/office/drawing/2014/main" val="3015167151"/>
+                    </a:ext>
+                  </a:extLst>
+                </a:gridCol>
+                <a:gridCol w="3042753">
+                  <a:extLst>
+                    <a:ext uri="{9D8B030D-6E8A-4147-A177-3AD203B41FA5}">
+                      <a16:colId xmlns:a16="http://schemas.microsoft.com/office/drawing/2014/main" val="232277799"/>
+                    </a:ext>
+                  </a:extLst>
+                </a:gridCol>
+              </a:tblGrid>
+              <a:tr h="331157">
+                <a:tc>
+                  <a:txBody>
+                    <a:bodyPr/>
+                    <a:lstStyle/>
+                    <a:p>
+                      <a:r>
+                        <a:rPr lang="fr-FR" dirty="0"/>
+                        <a:t>Constante</a:t>
+                      </a:r>
+                    </a:p>
+                  </a:txBody>
+                  <a:tcPr/>
+                </a:tc>
+                <a:tc>
+                  <a:txBody>
+                    <a:bodyPr/>
+                    <a:lstStyle/>
+                    <a:p>
+                      <a:r>
+                        <a:rPr lang="fr-FR" dirty="0"/>
+                        <a:t>Valeur</a:t>
+                      </a:r>
+                    </a:p>
+                  </a:txBody>
+                  <a:tcPr/>
+                </a:tc>
+                <a:extLst>
+                  <a:ext uri="{0D108BD9-81ED-4DB2-BD59-A6C34878D82A}">
+                    <a16:rowId xmlns:a16="http://schemas.microsoft.com/office/drawing/2014/main" val="3204215374"/>
+                  </a:ext>
+                </a:extLst>
+              </a:tr>
+              <a:tr h="331157">
+                <a:tc>
+                  <a:txBody>
+                    <a:bodyPr/>
+                    <a:lstStyle/>
+                    <a:p>
+                      <a:r>
+                        <a:rPr lang="fr-FR" dirty="0"/>
+                        <a:t>P</a:t>
+                      </a:r>
+                    </a:p>
+                  </a:txBody>
+                  <a:tcPr/>
+                </a:tc>
+                <a:tc>
+                  <a:txBody>
+                    <a:bodyPr/>
+                    <a:lstStyle/>
+                    <a:p>
+                      <a:r>
+                        <a:rPr lang="fr-FR" dirty="0"/>
+                        <a:t>1N</a:t>
+                      </a:r>
+                    </a:p>
+                  </a:txBody>
+                  <a:tcPr/>
+                </a:tc>
+                <a:extLst>
+                  <a:ext uri="{0D108BD9-81ED-4DB2-BD59-A6C34878D82A}">
+                    <a16:rowId xmlns:a16="http://schemas.microsoft.com/office/drawing/2014/main" val="4038007419"/>
+                  </a:ext>
+                </a:extLst>
+              </a:tr>
+              <a:tr h="331157">
+                <a:tc>
+                  <a:txBody>
+                    <a:bodyPr/>
+                    <a:lstStyle/>
+                    <a:p>
+                      <a:r>
+                        <a:rPr lang="fr-FR" dirty="0"/>
+                        <a:t>L</a:t>
+                      </a:r>
+                    </a:p>
+                  </a:txBody>
+                  <a:tcPr/>
+                </a:tc>
+                <a:tc>
+                  <a:txBody>
+                    <a:bodyPr/>
+                    <a:lstStyle/>
+                    <a:p>
+                      <a:r>
+                        <a:rPr lang="fr-FR" dirty="0"/>
+                        <a:t>500mm</a:t>
+                      </a:r>
+                    </a:p>
+                  </a:txBody>
+                  <a:tcPr/>
+                </a:tc>
+                <a:extLst>
+                  <a:ext uri="{0D108BD9-81ED-4DB2-BD59-A6C34878D82A}">
+                    <a16:rowId xmlns:a16="http://schemas.microsoft.com/office/drawing/2014/main" val="596433240"/>
+                  </a:ext>
+                </a:extLst>
+              </a:tr>
+              <a:tr h="331157">
+                <a:tc>
+                  <a:txBody>
+                    <a:bodyPr/>
+                    <a:lstStyle/>
+                    <a:p>
+                      <a:r>
+                        <a:rPr lang="fr-FR" dirty="0"/>
+                        <a:t>E</a:t>
+                      </a:r>
+                    </a:p>
+                  </a:txBody>
+                  <a:tcPr/>
+                </a:tc>
+                <a:tc>
+                  <a:txBody>
+                    <a:bodyPr/>
+                    <a:lstStyle/>
+                    <a:p>
+                      <a:r>
+                        <a:rPr lang="fr-FR" dirty="0"/>
+                        <a:t>100 MPa</a:t>
+                      </a:r>
+                    </a:p>
+                  </a:txBody>
+                  <a:tcPr/>
+                </a:tc>
+                <a:extLst>
+                  <a:ext uri="{0D108BD9-81ED-4DB2-BD59-A6C34878D82A}">
+                    <a16:rowId xmlns:a16="http://schemas.microsoft.com/office/drawing/2014/main" val="347897406"/>
+                  </a:ext>
+                </a:extLst>
+              </a:tr>
+              <a:tr h="331157">
+                <a:tc>
+                  <a:txBody>
+                    <a:bodyPr/>
+                    <a:lstStyle/>
+                    <a:p>
+                      <a:r>
+                        <a:rPr lang="fr-FR" dirty="0"/>
+                        <a:t>I</a:t>
+                      </a:r>
+                    </a:p>
+                  </a:txBody>
+                  <a:tcPr/>
+                </a:tc>
+                <a:tc>
+                  <a:txBody>
+                    <a:bodyPr/>
+                    <a:lstStyle/>
+                    <a:p>
+                      <a:endParaRPr lang="fr-FR" dirty="0"/>
+                    </a:p>
+                  </a:txBody>
+                  <a:tcPr/>
+                </a:tc>
+                <a:extLst>
+                  <a:ext uri="{0D108BD9-81ED-4DB2-BD59-A6C34878D82A}">
+                    <a16:rowId xmlns:a16="http://schemas.microsoft.com/office/drawing/2014/main" val="1367851737"/>
+                  </a:ext>
+                </a:extLst>
+              </a:tr>
+            </a:tbl>
+          </a:graphicData>
+        </a:graphic>
+      </p:graphicFrame>
+      <p:sp>
+        <p:nvSpPr>
+          <p:cNvPr id="8" name="ZoneTexte 4">
+            <a:extLst>
+              <a:ext uri="{FF2B5EF4-FFF2-40B4-BE49-F238E27FC236}">
+                <a16:creationId xmlns:a16="http://schemas.microsoft.com/office/drawing/2014/main" id="{7F97C545-1554-9441-74D9-073A2625BC48}"/>
+              </a:ext>
+            </a:extLst>
+          </p:cNvPr>
+          <p:cNvSpPr txBox="1"/>
+          <p:nvPr/>
         </p:nvSpPr>
         <p:spPr>
           <a:xfrm>
-            <a:off x="838200" y="1150374"/>
-            <a:ext cx="10515600" cy="5342501"/>
+            <a:off x="3599622" y="3544625"/>
+            <a:ext cx="5435048" cy="276999"/>
           </a:xfrm>
+          <a:prstGeom prst="rect">
+            <a:avLst/>
+          </a:prstGeom>
+          <a:noFill/>
         </p:spPr>
         <p:txBody>
-          <a:bodyPr>
-            <a:normAutofit/>
+          <a:bodyPr wrap="square" rtlCol="0">
+            <a:spAutoFit/>
           </a:bodyPr>
           <a:lstStyle/>
           <a:p>
-            <a:pPr marL="0" indent="0" algn="just">
-              <a:buNone/>
-            </a:pPr>
-            <a:r>
-              <a:rPr lang="fr-CA" sz="1800" dirty="0"/>
-              <a:t>Tout d’abord il faut noter que l’utilisation de SimCenter 3D confère une certaine confiance dans les résultats des simulations puisque ce dernier est supposé complètement vérifié par son éditeur. </a:t>
-            </a:r>
-          </a:p>
-          <a:p>
-            <a:pPr marL="0" indent="0" algn="just">
-              <a:buNone/>
-            </a:pPr>
-            <a:r>
-              <a:rPr lang="fr-CA" sz="1800" dirty="0"/>
-              <a:t>Cependant, notre modèle FEM de la colonne vertébrale est formé de 2 types d’éléments différents. Alors nous avons choisi dans une tentative d’effectuer la vérification de code du logiciel SimCenter, de comparer la solution qu’il génère pour une poutre encastrée-libre (ce sera la solution numérique), avec le résultat la solution analytique connue</a:t>
-            </a:r>
-            <a:r>
-              <a:rPr lang="fr-CA" sz="1800" dirty="0">
-                <a:highlight>
-                  <a:srgbClr val="FFFF00"/>
-                </a:highlight>
-              </a:rPr>
-              <a:t>(?) </a:t>
-            </a:r>
-            <a:r>
-              <a:rPr lang="fr-CA" sz="1800" dirty="0"/>
-              <a:t> d’une poutre de Timoshenko .</a:t>
-            </a:r>
+            <a:r>
+              <a:rPr lang="fr-FR" sz="1200" dirty="0"/>
+              <a:t>Tableau 1. </a:t>
+            </a:r>
+            <a:r>
+              <a:rPr lang="en-CA" sz="1200" dirty="0" err="1"/>
+              <a:t>Valeurs</a:t>
+            </a:r>
+            <a:r>
+              <a:rPr lang="en-CA" sz="1200" dirty="0"/>
+              <a:t> des </a:t>
+            </a:r>
+            <a:r>
+              <a:rPr lang="en-CA" sz="1200" dirty="0" err="1"/>
+              <a:t>constantes</a:t>
+            </a:r>
+            <a:r>
+              <a:rPr lang="en-CA" sz="1200" dirty="0"/>
+              <a:t> </a:t>
+            </a:r>
+            <a:r>
+              <a:rPr lang="en-CA" sz="1200" dirty="0" err="1"/>
+              <a:t>utilisées</a:t>
+            </a:r>
+            <a:r>
+              <a:rPr lang="en-CA" sz="1200" dirty="0"/>
+              <a:t> pour la verification de code</a:t>
+            </a:r>
+            <a:endParaRPr lang="fr-FR" sz="1200" dirty="0"/>
           </a:p>
         </p:txBody>
       </p:sp>
@@ -20036,15 +22757,646 @@
             </a:pPr>
             <a:r>
               <a:rPr lang="fr-CA" sz="1800" dirty="0"/>
-              <a:t>…</a:t>
-            </a:r>
+              <a:t>Par la suite plusieurs simulations ont été réalisées en augmentant le nombre d’éléments de la poutre (i.e. en diminuant le pas en espace).</a:t>
+            </a:r>
+          </a:p>
+          <a:p>
+            <a:pPr marL="0" indent="0" algn="just">
+              <a:buNone/>
+            </a:pPr>
+            <a:r>
+              <a:rPr lang="fr-CA" sz="1800" dirty="0"/>
+              <a:t> </a:t>
+            </a:r>
+          </a:p>
+          <a:p>
+            <a:pPr marL="0" indent="0" algn="just">
+              <a:buNone/>
+            </a:pPr>
+            <a:endParaRPr lang="fr-CA" sz="1800" dirty="0"/>
           </a:p>
         </p:txBody>
       </p:sp>
+      <p:graphicFrame>
+        <p:nvGraphicFramePr>
+          <p:cNvPr id="5" name="Tableau 4">
+            <a:extLst>
+              <a:ext uri="{FF2B5EF4-FFF2-40B4-BE49-F238E27FC236}">
+                <a16:creationId xmlns:a16="http://schemas.microsoft.com/office/drawing/2014/main" id="{1E3C8E96-FEA8-F541-ED57-035B52468DA4}"/>
+              </a:ext>
+            </a:extLst>
+          </p:cNvPr>
+          <p:cNvGraphicFramePr>
+            <a:graphicFrameLocks noGrp="1"/>
+          </p:cNvGraphicFramePr>
+          <p:nvPr>
+            <p:extLst>
+              <p:ext uri="{D42A27DB-BD31-4B8C-83A1-F6EECF244321}">
+                <p14:modId xmlns:p14="http://schemas.microsoft.com/office/powerpoint/2010/main" val="1331906350"/>
+              </p:ext>
+            </p:extLst>
+          </p:nvPr>
+        </p:nvGraphicFramePr>
+        <p:xfrm>
+          <a:off x="838200" y="1887792"/>
+          <a:ext cx="2583426" cy="3819832"/>
+        </p:xfrm>
+        <a:graphic>
+          <a:graphicData uri="http://schemas.openxmlformats.org/drawingml/2006/table">
+            <a:tbl>
+              <a:tblPr>
+                <a:tableStyleId>{5C22544A-7EE6-4342-B048-85BDC9FD1C3A}</a:tableStyleId>
+              </a:tblPr>
+              <a:tblGrid>
+                <a:gridCol w="861142">
+                  <a:extLst>
+                    <a:ext uri="{9D8B030D-6E8A-4147-A177-3AD203B41FA5}">
+                      <a16:colId xmlns:a16="http://schemas.microsoft.com/office/drawing/2014/main" val="1227360745"/>
+                    </a:ext>
+                  </a:extLst>
+                </a:gridCol>
+                <a:gridCol w="861142">
+                  <a:extLst>
+                    <a:ext uri="{9D8B030D-6E8A-4147-A177-3AD203B41FA5}">
+                      <a16:colId xmlns:a16="http://schemas.microsoft.com/office/drawing/2014/main" val="3107719020"/>
+                    </a:ext>
+                  </a:extLst>
+                </a:gridCol>
+                <a:gridCol w="861142">
+                  <a:extLst>
+                    <a:ext uri="{9D8B030D-6E8A-4147-A177-3AD203B41FA5}">
+                      <a16:colId xmlns:a16="http://schemas.microsoft.com/office/drawing/2014/main" val="1044542190"/>
+                    </a:ext>
+                  </a:extLst>
+                </a:gridCol>
+              </a:tblGrid>
+              <a:tr h="1212934">
+                <a:tc>
+                  <a:txBody>
+                    <a:bodyPr/>
+                    <a:lstStyle/>
+                    <a:p>
+                      <a:pPr algn="ctr" fontAlgn="ctr"/>
+                      <a:r>
+                        <a:rPr lang="fr-CA" sz="1100" u="none" strike="noStrike" dirty="0">
+                          <a:effectLst/>
+                        </a:rPr>
+                        <a:t>Nombre d’éléments</a:t>
+                      </a:r>
+                      <a:endParaRPr lang="fr-CA" sz="1100" b="0" i="0" u="none" strike="noStrike" dirty="0">
+                        <a:solidFill>
+                          <a:srgbClr val="000000"/>
+                        </a:solidFill>
+                        <a:effectLst/>
+                        <a:latin typeface="Calibri" panose="020F0502020204030204" pitchFamily="34" charset="0"/>
+                      </a:endParaRPr>
+                    </a:p>
+                  </a:txBody>
+                  <a:tcPr marL="7620" marR="7620" marT="7620" marB="0" anchor="ctr"/>
+                </a:tc>
+                <a:tc>
+                  <a:txBody>
+                    <a:bodyPr/>
+                    <a:lstStyle/>
+                    <a:p>
+                      <a:pPr algn="ctr" fontAlgn="ctr"/>
+                      <a:r>
+                        <a:rPr lang="fr-CA" sz="1100" b="0" i="0" u="none" strike="noStrike" dirty="0">
+                          <a:solidFill>
+                            <a:srgbClr val="000000"/>
+                          </a:solidFill>
+                          <a:effectLst/>
+                          <a:latin typeface="Calibri" panose="020F0502020204030204" pitchFamily="34" charset="0"/>
+                        </a:rPr>
+                        <a:t>Pas en espace dx [m]</a:t>
+                      </a:r>
+                    </a:p>
+                  </a:txBody>
+                  <a:tcPr marL="7620" marR="7620" marT="7620" marB="0" anchor="ctr"/>
+                </a:tc>
+                <a:tc>
+                  <a:txBody>
+                    <a:bodyPr/>
+                    <a:lstStyle/>
+                    <a:p>
+                      <a:pPr algn="ctr" fontAlgn="ctr"/>
+                      <a:r>
+                        <a:rPr lang="fr-CA" sz="1100" u="none" strike="noStrike" dirty="0">
+                          <a:effectLst/>
+                        </a:rPr>
+                        <a:t>Erreur L2</a:t>
+                      </a:r>
+                      <a:endParaRPr lang="fr-CA" sz="1100" b="0" i="0" u="none" strike="noStrike" dirty="0">
+                        <a:solidFill>
+                          <a:srgbClr val="000000"/>
+                        </a:solidFill>
+                        <a:effectLst/>
+                        <a:latin typeface="Calibri" panose="020F0502020204030204" pitchFamily="34" charset="0"/>
+                      </a:endParaRPr>
+                    </a:p>
+                  </a:txBody>
+                  <a:tcPr marL="7620" marR="7620" marT="7620" marB="0" anchor="ctr"/>
+                </a:tc>
+                <a:extLst>
+                  <a:ext uri="{0D108BD9-81ED-4DB2-BD59-A6C34878D82A}">
+                    <a16:rowId xmlns:a16="http://schemas.microsoft.com/office/drawing/2014/main" val="3343584684"/>
+                  </a:ext>
+                </a:extLst>
+              </a:tr>
+              <a:tr h="434483">
+                <a:tc>
+                  <a:txBody>
+                    <a:bodyPr/>
+                    <a:lstStyle/>
+                    <a:p>
+                      <a:pPr algn="ctr" fontAlgn="ctr"/>
+                      <a:r>
+                        <a:rPr lang="fr-CA" sz="1100" u="none" strike="noStrike">
+                          <a:effectLst/>
+                        </a:rPr>
+                        <a:t>1</a:t>
+                      </a:r>
+                      <a:endParaRPr lang="fr-CA" sz="1100" b="0" i="0" u="none" strike="noStrike">
+                        <a:solidFill>
+                          <a:srgbClr val="000000"/>
+                        </a:solidFill>
+                        <a:effectLst/>
+                        <a:latin typeface="Calibri" panose="020F0502020204030204" pitchFamily="34" charset="0"/>
+                      </a:endParaRPr>
+                    </a:p>
+                  </a:txBody>
+                  <a:tcPr marL="7620" marR="7620" marT="7620" marB="0" anchor="ctr"/>
+                </a:tc>
+                <a:tc>
+                  <a:txBody>
+                    <a:bodyPr/>
+                    <a:lstStyle/>
+                    <a:p>
+                      <a:pPr algn="ctr" fontAlgn="ctr"/>
+                      <a:r>
+                        <a:rPr lang="fr-CA" sz="1100" u="none" strike="noStrike">
+                          <a:effectLst/>
+                        </a:rPr>
+                        <a:t>500</a:t>
+                      </a:r>
+                      <a:endParaRPr lang="fr-CA" sz="1100" b="0" i="0" u="none" strike="noStrike">
+                        <a:solidFill>
+                          <a:srgbClr val="000000"/>
+                        </a:solidFill>
+                        <a:effectLst/>
+                        <a:latin typeface="Calibri" panose="020F0502020204030204" pitchFamily="34" charset="0"/>
+                      </a:endParaRPr>
+                    </a:p>
+                  </a:txBody>
+                  <a:tcPr marL="7620" marR="7620" marT="7620" marB="0" anchor="ctr"/>
+                </a:tc>
+                <a:tc>
+                  <a:txBody>
+                    <a:bodyPr/>
+                    <a:lstStyle/>
+                    <a:p>
+                      <a:pPr algn="ctr" fontAlgn="ctr"/>
+                      <a:r>
+                        <a:rPr lang="fr-CA" sz="1100" u="none" strike="noStrike">
+                          <a:effectLst/>
+                        </a:rPr>
+                        <a:t>7,1184418</a:t>
+                      </a:r>
+                      <a:endParaRPr lang="fr-CA" sz="1100" b="0" i="0" u="none" strike="noStrike">
+                        <a:solidFill>
+                          <a:srgbClr val="000000"/>
+                        </a:solidFill>
+                        <a:effectLst/>
+                        <a:latin typeface="Calibri" panose="020F0502020204030204" pitchFamily="34" charset="0"/>
+                      </a:endParaRPr>
+                    </a:p>
+                  </a:txBody>
+                  <a:tcPr marL="7620" marR="7620" marT="7620" marB="0" anchor="ctr"/>
+                </a:tc>
+                <a:extLst>
+                  <a:ext uri="{0D108BD9-81ED-4DB2-BD59-A6C34878D82A}">
+                    <a16:rowId xmlns:a16="http://schemas.microsoft.com/office/drawing/2014/main" val="2690500205"/>
+                  </a:ext>
+                </a:extLst>
+              </a:tr>
+              <a:tr h="434483">
+                <a:tc>
+                  <a:txBody>
+                    <a:bodyPr/>
+                    <a:lstStyle/>
+                    <a:p>
+                      <a:pPr algn="ctr" fontAlgn="ctr"/>
+                      <a:r>
+                        <a:rPr lang="fr-CA" sz="1100" u="none" strike="noStrike">
+                          <a:effectLst/>
+                        </a:rPr>
+                        <a:t>2</a:t>
+                      </a:r>
+                      <a:endParaRPr lang="fr-CA" sz="1100" b="0" i="0" u="none" strike="noStrike">
+                        <a:solidFill>
+                          <a:srgbClr val="000000"/>
+                        </a:solidFill>
+                        <a:effectLst/>
+                        <a:latin typeface="Calibri" panose="020F0502020204030204" pitchFamily="34" charset="0"/>
+                      </a:endParaRPr>
+                    </a:p>
+                  </a:txBody>
+                  <a:tcPr marL="7620" marR="7620" marT="7620" marB="0" anchor="ctr"/>
+                </a:tc>
+                <a:tc>
+                  <a:txBody>
+                    <a:bodyPr/>
+                    <a:lstStyle/>
+                    <a:p>
+                      <a:pPr algn="ctr" fontAlgn="ctr"/>
+                      <a:r>
+                        <a:rPr lang="fr-CA" sz="1100" u="none" strike="noStrike">
+                          <a:effectLst/>
+                        </a:rPr>
+                        <a:t>250</a:t>
+                      </a:r>
+                      <a:endParaRPr lang="fr-CA" sz="1100" b="0" i="0" u="none" strike="noStrike">
+                        <a:solidFill>
+                          <a:srgbClr val="000000"/>
+                        </a:solidFill>
+                        <a:effectLst/>
+                        <a:latin typeface="Calibri" panose="020F0502020204030204" pitchFamily="34" charset="0"/>
+                      </a:endParaRPr>
+                    </a:p>
+                  </a:txBody>
+                  <a:tcPr marL="7620" marR="7620" marT="7620" marB="0" anchor="ctr"/>
+                </a:tc>
+                <a:tc>
+                  <a:txBody>
+                    <a:bodyPr/>
+                    <a:lstStyle/>
+                    <a:p>
+                      <a:pPr algn="ctr" fontAlgn="ctr"/>
+                      <a:r>
+                        <a:rPr lang="fr-CA" sz="1100" u="none" strike="noStrike">
+                          <a:effectLst/>
+                        </a:rPr>
+                        <a:t>1,9837612</a:t>
+                      </a:r>
+                      <a:endParaRPr lang="fr-CA" sz="1100" b="0" i="0" u="none" strike="noStrike">
+                        <a:solidFill>
+                          <a:srgbClr val="000000"/>
+                        </a:solidFill>
+                        <a:effectLst/>
+                        <a:latin typeface="Calibri" panose="020F0502020204030204" pitchFamily="34" charset="0"/>
+                      </a:endParaRPr>
+                    </a:p>
+                  </a:txBody>
+                  <a:tcPr marL="7620" marR="7620" marT="7620" marB="0" anchor="ctr"/>
+                </a:tc>
+                <a:extLst>
+                  <a:ext uri="{0D108BD9-81ED-4DB2-BD59-A6C34878D82A}">
+                    <a16:rowId xmlns:a16="http://schemas.microsoft.com/office/drawing/2014/main" val="85500179"/>
+                  </a:ext>
+                </a:extLst>
+              </a:tr>
+              <a:tr h="434483">
+                <a:tc>
+                  <a:txBody>
+                    <a:bodyPr/>
+                    <a:lstStyle/>
+                    <a:p>
+                      <a:pPr algn="ctr" fontAlgn="ctr"/>
+                      <a:r>
+                        <a:rPr lang="fr-CA" sz="1100" u="none" strike="noStrike">
+                          <a:effectLst/>
+                        </a:rPr>
+                        <a:t>4</a:t>
+                      </a:r>
+                      <a:endParaRPr lang="fr-CA" sz="1100" b="0" i="0" u="none" strike="noStrike">
+                        <a:solidFill>
+                          <a:srgbClr val="000000"/>
+                        </a:solidFill>
+                        <a:effectLst/>
+                        <a:latin typeface="Calibri" panose="020F0502020204030204" pitchFamily="34" charset="0"/>
+                      </a:endParaRPr>
+                    </a:p>
+                  </a:txBody>
+                  <a:tcPr marL="7620" marR="7620" marT="7620" marB="0" anchor="ctr"/>
+                </a:tc>
+                <a:tc>
+                  <a:txBody>
+                    <a:bodyPr/>
+                    <a:lstStyle/>
+                    <a:p>
+                      <a:pPr algn="ctr" fontAlgn="ctr"/>
+                      <a:r>
+                        <a:rPr lang="fr-CA" sz="1100" u="none" strike="noStrike">
+                          <a:effectLst/>
+                        </a:rPr>
+                        <a:t>125</a:t>
+                      </a:r>
+                      <a:endParaRPr lang="fr-CA" sz="1100" b="0" i="0" u="none" strike="noStrike">
+                        <a:solidFill>
+                          <a:srgbClr val="000000"/>
+                        </a:solidFill>
+                        <a:effectLst/>
+                        <a:latin typeface="Calibri" panose="020F0502020204030204" pitchFamily="34" charset="0"/>
+                      </a:endParaRPr>
+                    </a:p>
+                  </a:txBody>
+                  <a:tcPr marL="7620" marR="7620" marT="7620" marB="0" anchor="ctr"/>
+                </a:tc>
+                <a:tc>
+                  <a:txBody>
+                    <a:bodyPr/>
+                    <a:lstStyle/>
+                    <a:p>
+                      <a:pPr algn="ctr" fontAlgn="ctr"/>
+                      <a:r>
+                        <a:rPr lang="fr-CA" sz="1100" u="none" strike="noStrike">
+                          <a:effectLst/>
+                        </a:rPr>
+                        <a:t>1,1131636</a:t>
+                      </a:r>
+                      <a:endParaRPr lang="fr-CA" sz="1100" b="0" i="0" u="none" strike="noStrike">
+                        <a:solidFill>
+                          <a:srgbClr val="000000"/>
+                        </a:solidFill>
+                        <a:effectLst/>
+                        <a:latin typeface="Calibri" panose="020F0502020204030204" pitchFamily="34" charset="0"/>
+                      </a:endParaRPr>
+                    </a:p>
+                  </a:txBody>
+                  <a:tcPr marL="7620" marR="7620" marT="7620" marB="0" anchor="ctr"/>
+                </a:tc>
+                <a:extLst>
+                  <a:ext uri="{0D108BD9-81ED-4DB2-BD59-A6C34878D82A}">
+                    <a16:rowId xmlns:a16="http://schemas.microsoft.com/office/drawing/2014/main" val="1329961423"/>
+                  </a:ext>
+                </a:extLst>
+              </a:tr>
+              <a:tr h="434483">
+                <a:tc>
+                  <a:txBody>
+                    <a:bodyPr/>
+                    <a:lstStyle/>
+                    <a:p>
+                      <a:pPr algn="ctr" fontAlgn="ctr"/>
+                      <a:r>
+                        <a:rPr lang="fr-CA" sz="1100" u="none" strike="noStrike">
+                          <a:effectLst/>
+                        </a:rPr>
+                        <a:t>8</a:t>
+                      </a:r>
+                      <a:endParaRPr lang="fr-CA" sz="1100" b="0" i="0" u="none" strike="noStrike">
+                        <a:solidFill>
+                          <a:srgbClr val="000000"/>
+                        </a:solidFill>
+                        <a:effectLst/>
+                        <a:latin typeface="Calibri" panose="020F0502020204030204" pitchFamily="34" charset="0"/>
+                      </a:endParaRPr>
+                    </a:p>
+                  </a:txBody>
+                  <a:tcPr marL="7620" marR="7620" marT="7620" marB="0" anchor="ctr"/>
+                </a:tc>
+                <a:tc>
+                  <a:txBody>
+                    <a:bodyPr/>
+                    <a:lstStyle/>
+                    <a:p>
+                      <a:pPr algn="ctr" fontAlgn="ctr"/>
+                      <a:r>
+                        <a:rPr lang="fr-CA" sz="1100" u="none" strike="noStrike">
+                          <a:effectLst/>
+                        </a:rPr>
+                        <a:t>62,5</a:t>
+                      </a:r>
+                      <a:endParaRPr lang="fr-CA" sz="1100" b="0" i="0" u="none" strike="noStrike">
+                        <a:solidFill>
+                          <a:srgbClr val="000000"/>
+                        </a:solidFill>
+                        <a:effectLst/>
+                        <a:latin typeface="Calibri" panose="020F0502020204030204" pitchFamily="34" charset="0"/>
+                      </a:endParaRPr>
+                    </a:p>
+                  </a:txBody>
+                  <a:tcPr marL="7620" marR="7620" marT="7620" marB="0" anchor="ctr"/>
+                </a:tc>
+                <a:tc>
+                  <a:txBody>
+                    <a:bodyPr/>
+                    <a:lstStyle/>
+                    <a:p>
+                      <a:pPr algn="ctr" fontAlgn="ctr"/>
+                      <a:r>
+                        <a:rPr lang="fr-CA" sz="1100" u="none" strike="noStrike">
+                          <a:effectLst/>
+                        </a:rPr>
+                        <a:t>0,1370261</a:t>
+                      </a:r>
+                      <a:endParaRPr lang="fr-CA" sz="1100" b="0" i="0" u="none" strike="noStrike">
+                        <a:solidFill>
+                          <a:srgbClr val="000000"/>
+                        </a:solidFill>
+                        <a:effectLst/>
+                        <a:latin typeface="Calibri" panose="020F0502020204030204" pitchFamily="34" charset="0"/>
+                      </a:endParaRPr>
+                    </a:p>
+                  </a:txBody>
+                  <a:tcPr marL="7620" marR="7620" marT="7620" marB="0" anchor="ctr"/>
+                </a:tc>
+                <a:extLst>
+                  <a:ext uri="{0D108BD9-81ED-4DB2-BD59-A6C34878D82A}">
+                    <a16:rowId xmlns:a16="http://schemas.microsoft.com/office/drawing/2014/main" val="1029355492"/>
+                  </a:ext>
+                </a:extLst>
+              </a:tr>
+              <a:tr h="434483">
+                <a:tc>
+                  <a:txBody>
+                    <a:bodyPr/>
+                    <a:lstStyle/>
+                    <a:p>
+                      <a:pPr algn="ctr" fontAlgn="ctr"/>
+                      <a:r>
+                        <a:rPr lang="fr-CA" sz="1100" u="none" strike="noStrike">
+                          <a:effectLst/>
+                        </a:rPr>
+                        <a:t>16</a:t>
+                      </a:r>
+                      <a:endParaRPr lang="fr-CA" sz="1100" b="0" i="0" u="none" strike="noStrike">
+                        <a:solidFill>
+                          <a:srgbClr val="000000"/>
+                        </a:solidFill>
+                        <a:effectLst/>
+                        <a:latin typeface="Calibri" panose="020F0502020204030204" pitchFamily="34" charset="0"/>
+                      </a:endParaRPr>
+                    </a:p>
+                  </a:txBody>
+                  <a:tcPr marL="7620" marR="7620" marT="7620" marB="0" anchor="ctr"/>
+                </a:tc>
+                <a:tc>
+                  <a:txBody>
+                    <a:bodyPr/>
+                    <a:lstStyle/>
+                    <a:p>
+                      <a:pPr algn="ctr" fontAlgn="ctr"/>
+                      <a:r>
+                        <a:rPr lang="fr-CA" sz="1100" u="none" strike="noStrike">
+                          <a:effectLst/>
+                        </a:rPr>
+                        <a:t>31,25</a:t>
+                      </a:r>
+                      <a:endParaRPr lang="fr-CA" sz="1100" b="0" i="0" u="none" strike="noStrike">
+                        <a:solidFill>
+                          <a:srgbClr val="000000"/>
+                        </a:solidFill>
+                        <a:effectLst/>
+                        <a:latin typeface="Calibri" panose="020F0502020204030204" pitchFamily="34" charset="0"/>
+                      </a:endParaRPr>
+                    </a:p>
+                  </a:txBody>
+                  <a:tcPr marL="7620" marR="7620" marT="7620" marB="0" anchor="ctr"/>
+                </a:tc>
+                <a:tc>
+                  <a:txBody>
+                    <a:bodyPr/>
+                    <a:lstStyle/>
+                    <a:p>
+                      <a:pPr algn="ctr" fontAlgn="ctr"/>
+                      <a:r>
+                        <a:rPr lang="fr-CA" sz="1100" u="none" strike="noStrike">
+                          <a:effectLst/>
+                        </a:rPr>
+                        <a:t>0,043048</a:t>
+                      </a:r>
+                      <a:endParaRPr lang="fr-CA" sz="1100" b="0" i="0" u="none" strike="noStrike">
+                        <a:solidFill>
+                          <a:srgbClr val="000000"/>
+                        </a:solidFill>
+                        <a:effectLst/>
+                        <a:latin typeface="Calibri" panose="020F0502020204030204" pitchFamily="34" charset="0"/>
+                      </a:endParaRPr>
+                    </a:p>
+                  </a:txBody>
+                  <a:tcPr marL="7620" marR="7620" marT="7620" marB="0" anchor="ctr"/>
+                </a:tc>
+                <a:extLst>
+                  <a:ext uri="{0D108BD9-81ED-4DB2-BD59-A6C34878D82A}">
+                    <a16:rowId xmlns:a16="http://schemas.microsoft.com/office/drawing/2014/main" val="1431671733"/>
+                  </a:ext>
+                </a:extLst>
+              </a:tr>
+              <a:tr h="434483">
+                <a:tc>
+                  <a:txBody>
+                    <a:bodyPr/>
+                    <a:lstStyle/>
+                    <a:p>
+                      <a:pPr algn="ctr" fontAlgn="ctr"/>
+                      <a:r>
+                        <a:rPr lang="fr-CA" sz="1100" u="none" strike="noStrike">
+                          <a:effectLst/>
+                        </a:rPr>
+                        <a:t>32</a:t>
+                      </a:r>
+                      <a:endParaRPr lang="fr-CA" sz="1100" b="0" i="0" u="none" strike="noStrike">
+                        <a:solidFill>
+                          <a:srgbClr val="000000"/>
+                        </a:solidFill>
+                        <a:effectLst/>
+                        <a:latin typeface="Calibri" panose="020F0502020204030204" pitchFamily="34" charset="0"/>
+                      </a:endParaRPr>
+                    </a:p>
+                  </a:txBody>
+                  <a:tcPr marL="7620" marR="7620" marT="7620" marB="0" anchor="ctr"/>
+                </a:tc>
+                <a:tc>
+                  <a:txBody>
+                    <a:bodyPr/>
+                    <a:lstStyle/>
+                    <a:p>
+                      <a:pPr algn="ctr" fontAlgn="ctr"/>
+                      <a:r>
+                        <a:rPr lang="fr-CA" sz="1100" u="none" strike="noStrike">
+                          <a:effectLst/>
+                        </a:rPr>
+                        <a:t>15,625</a:t>
+                      </a:r>
+                      <a:endParaRPr lang="fr-CA" sz="1100" b="0" i="0" u="none" strike="noStrike">
+                        <a:solidFill>
+                          <a:srgbClr val="000000"/>
+                        </a:solidFill>
+                        <a:effectLst/>
+                        <a:latin typeface="Calibri" panose="020F0502020204030204" pitchFamily="34" charset="0"/>
+                      </a:endParaRPr>
+                    </a:p>
+                  </a:txBody>
+                  <a:tcPr marL="7620" marR="7620" marT="7620" marB="0" anchor="ctr"/>
+                </a:tc>
+                <a:tc>
+                  <a:txBody>
+                    <a:bodyPr/>
+                    <a:lstStyle/>
+                    <a:p>
+                      <a:pPr algn="ctr" fontAlgn="ctr"/>
+                      <a:r>
+                        <a:rPr lang="fr-CA" sz="1100" u="none" strike="noStrike" dirty="0">
+                          <a:effectLst/>
+                        </a:rPr>
+                        <a:t>0,0212878</a:t>
+                      </a:r>
+                      <a:endParaRPr lang="fr-CA" sz="1100" b="0" i="0" u="none" strike="noStrike" dirty="0">
+                        <a:solidFill>
+                          <a:srgbClr val="000000"/>
+                        </a:solidFill>
+                        <a:effectLst/>
+                        <a:latin typeface="Calibri" panose="020F0502020204030204" pitchFamily="34" charset="0"/>
+                      </a:endParaRPr>
+                    </a:p>
+                  </a:txBody>
+                  <a:tcPr marL="7620" marR="7620" marT="7620" marB="0" anchor="ctr"/>
+                </a:tc>
+                <a:extLst>
+                  <a:ext uri="{0D108BD9-81ED-4DB2-BD59-A6C34878D82A}">
+                    <a16:rowId xmlns:a16="http://schemas.microsoft.com/office/drawing/2014/main" val="3712731881"/>
+                  </a:ext>
+                </a:extLst>
+              </a:tr>
+            </a:tbl>
+          </a:graphicData>
+        </a:graphic>
+      </p:graphicFrame>
+      <p:graphicFrame>
+        <p:nvGraphicFramePr>
+          <p:cNvPr id="6" name="Graphique 5">
+            <a:extLst>
+              <a:ext uri="{FF2B5EF4-FFF2-40B4-BE49-F238E27FC236}">
+                <a16:creationId xmlns:a16="http://schemas.microsoft.com/office/drawing/2014/main" id="{10EE30B9-132F-4CD5-81C3-0B3F1F01F347}"/>
+              </a:ext>
+            </a:extLst>
+          </p:cNvPr>
+          <p:cNvGraphicFramePr>
+            <a:graphicFrameLocks/>
+          </p:cNvGraphicFramePr>
+          <p:nvPr>
+            <p:extLst>
+              <p:ext uri="{D42A27DB-BD31-4B8C-83A1-F6EECF244321}">
+                <p14:modId xmlns:p14="http://schemas.microsoft.com/office/powerpoint/2010/main" val="2522707038"/>
+              </p:ext>
+            </p:extLst>
+          </p:nvPr>
+        </p:nvGraphicFramePr>
+        <p:xfrm>
+          <a:off x="3500283" y="1887793"/>
+          <a:ext cx="7355041" cy="4098140"/>
+        </p:xfrm>
+        <a:graphic>
+          <a:graphicData uri="http://schemas.openxmlformats.org/drawingml/2006/chart">
+            <c:chart xmlns:c="http://schemas.openxmlformats.org/drawingml/2006/chart" xmlns:r="http://schemas.openxmlformats.org/officeDocument/2006/relationships" r:id="rId2"/>
+          </a:graphicData>
+        </a:graphic>
+      </p:graphicFrame>
     </p:spTree>
     <p:extLst>
       <p:ext uri="{BB962C8B-B14F-4D97-AF65-F5344CB8AC3E}">
-        <p14:creationId xmlns:p14="http://schemas.microsoft.com/office/powerpoint/2010/main" val="1269143821"/>
+        <p14:creationId xmlns:p14="http://schemas.microsoft.com/office/powerpoint/2010/main" val="3362394878"/>
       </p:ext>
     </p:extLst>
   </p:cSld>
@@ -20100,10 +23452,18 @@
           <a:lstStyle/>
           <a:p>
             <a:r>
-              <a:rPr lang="fr-FR" sz="3000"/>
-              <a:t>Vérification de solution</a:t>
-            </a:r>
-            <a:endParaRPr lang="en-CA" sz="3000"/>
+              <a:rPr lang="fr-FR" sz="3000" dirty="0">
+                <a:highlight>
+                  <a:srgbClr val="FFFF00"/>
+                </a:highlight>
+              </a:rPr>
+              <a:t>Vérification de code</a:t>
+            </a:r>
+            <a:endParaRPr lang="en-CA" sz="3000" dirty="0">
+              <a:highlight>
+                <a:srgbClr val="FFFF00"/>
+              </a:highlight>
+            </a:endParaRPr>
           </a:p>
         </p:txBody>
       </p:sp>
@@ -20133,410 +23493,49 @@
             </p:spPr>
             <p:txBody>
               <a:bodyPr>
-                <a:normAutofit fontScale="92500" lnSpcReduction="10000"/>
+                <a:normAutofit/>
               </a:bodyPr>
               <a:lstStyle/>
               <a:p>
                 <a:pPr marL="0" indent="0" algn="just">
-                  <a:lnSpc>
-                    <a:spcPct val="100000"/>
-                  </a:lnSpc>
                   <a:buNone/>
                 </a:pPr>
                 <a:r>
                   <a:rPr lang="fr-CA" sz="1800" dirty="0"/>
-                  <a:t>Afin d’effectuer la vérification de solution et trouver la meilleure solution ou donner un intervalle d’incertitude sur la solution, il faut commencer par établir l’ordre de convergence observée pour le cas de la partie lombaire de la colonne vertébrale. On fixe la donnée d’entrée à F=150N pour effectuer la vérification.</a:t>
+                  <a:t>Tout d’abord il faut garder à l’esprit que l’erreur de discrétisation en éléments finis converge en O(h</a:t>
+                </a:r>
+                <a:r>
+                  <a:rPr lang="fr-CA" sz="1800" baseline="30000" dirty="0"/>
+                  <a:t>p+1</a:t>
+                </a:r>
+                <a:r>
+                  <a:rPr lang="fr-CA" sz="1800" dirty="0"/>
+                  <a:t>), p étant l’ordre de la fonction de forme utilisée.</a:t>
                 </a:r>
               </a:p>
               <a:p>
                 <a:pPr marL="0" indent="0" algn="just">
-                  <a:lnSpc>
-                    <a:spcPct val="100000"/>
-                  </a:lnSpc>
                   <a:buNone/>
                 </a:pPr>
                 <a:r>
                   <a:rPr lang="fr-CA" sz="1800" dirty="0"/>
-                  <a:t>Pour cela, l’utilisation de l’équation de Richardson combinée à trois maillages, avec un raffinement d’un facteur r sera nécessaire car elle aboutit à la relation suivante:</a:t>
-                </a:r>
-              </a:p>
-              <a:p>
-                <a:pPr marL="0" indent="0" algn="just">
-                  <a:lnSpc>
-                    <a:spcPct val="100000"/>
-                  </a:lnSpc>
-                  <a:buNone/>
-                </a:pPr>
-                <a14:m>
-                  <m:oMath xmlns:m="http://schemas.openxmlformats.org/officeDocument/2006/math">
-                    <m:acc>
-                      <m:accPr>
-                        <m:chr m:val="̂"/>
-                        <m:ctrlPr>
-                          <a:rPr lang="fr-CA" sz="1800" i="1">
-                            <a:latin typeface="Cambria Math" panose="02040503050406030204" pitchFamily="18" charset="0"/>
-                          </a:rPr>
-                        </m:ctrlPr>
-                      </m:accPr>
-                      <m:e>
-                        <m:r>
-                          <a:rPr lang="fr-FR" sz="1800" i="1">
-                            <a:latin typeface="Cambria Math" panose="02040503050406030204" pitchFamily="18" charset="0"/>
-                          </a:rPr>
-                          <m:t>𝑝</m:t>
-                        </m:r>
-                      </m:e>
-                    </m:acc>
-                    <m:r>
-                      <a:rPr lang="fr-FR" sz="1800" i="1">
-                        <a:latin typeface="Cambria Math" panose="02040503050406030204" pitchFamily="18" charset="0"/>
-                      </a:rPr>
-                      <m:t>=</m:t>
-                    </m:r>
-                    <m:f>
-                      <m:fPr>
-                        <m:ctrlPr>
-                          <a:rPr lang="fr-FR" sz="1800" b="0" i="1" smtClean="0">
-                            <a:latin typeface="Cambria Math" panose="02040503050406030204" pitchFamily="18" charset="0"/>
-                          </a:rPr>
-                        </m:ctrlPr>
-                      </m:fPr>
-                      <m:num>
-                        <m:r>
-                          <m:rPr>
-                            <m:sty m:val="p"/>
-                          </m:rPr>
-                          <a:rPr lang="fr-FR" sz="1800" b="0" i="0" smtClean="0">
-                            <a:latin typeface="Cambria Math" panose="02040503050406030204" pitchFamily="18" charset="0"/>
-                          </a:rPr>
-                          <m:t>ln</m:t>
-                        </m:r>
-                        <m:r>
-                          <a:rPr lang="fr-FR" sz="1800" b="0" i="1" smtClean="0">
-                            <a:latin typeface="Cambria Math" panose="02040503050406030204" pitchFamily="18" charset="0"/>
-                          </a:rPr>
-                          <m:t>⁡</m:t>
-                        </m:r>
-                        <m:d>
-                          <m:dPr>
-                            <m:ctrlPr>
-                              <a:rPr lang="fr-FR" sz="1800" b="0" i="1" smtClean="0">
-                                <a:latin typeface="Cambria Math" panose="02040503050406030204" pitchFamily="18" charset="0"/>
-                              </a:rPr>
-                            </m:ctrlPr>
-                          </m:dPr>
-                          <m:e>
-                            <m:f>
-                              <m:fPr>
-                                <m:ctrlPr>
-                                  <a:rPr lang="fr-FR" sz="1800" i="1">
-                                    <a:latin typeface="Cambria Math" panose="02040503050406030204" pitchFamily="18" charset="0"/>
-                                  </a:rPr>
-                                </m:ctrlPr>
-                              </m:fPr>
-                              <m:num>
-                                <m:sSub>
-                                  <m:sSubPr>
-                                    <m:ctrlPr>
-                                      <a:rPr lang="fr-FR" sz="1800" i="1">
-                                        <a:latin typeface="Cambria Math" panose="02040503050406030204" pitchFamily="18" charset="0"/>
-                                      </a:rPr>
-                                    </m:ctrlPr>
-                                  </m:sSubPr>
-                                  <m:e>
-                                    <m:r>
-                                      <a:rPr lang="fr-FR" sz="1800" i="1">
-                                        <a:latin typeface="Cambria Math" panose="02040503050406030204" pitchFamily="18" charset="0"/>
-                                      </a:rPr>
-                                      <m:t>𝑓</m:t>
-                                    </m:r>
-                                  </m:e>
-                                  <m:sub>
-                                    <m:r>
-                                      <a:rPr lang="fr-FR" sz="1800" i="1">
-                                        <a:latin typeface="Cambria Math" panose="02040503050406030204" pitchFamily="18" charset="0"/>
-                                      </a:rPr>
-                                      <m:t>3</m:t>
-                                    </m:r>
-                                  </m:sub>
-                                </m:sSub>
-                                <m:r>
-                                  <a:rPr lang="fr-FR" sz="1800" i="1">
-                                    <a:latin typeface="Cambria Math" panose="02040503050406030204" pitchFamily="18" charset="0"/>
-                                  </a:rPr>
-                                  <m:t>−</m:t>
-                                </m:r>
-                                <m:sSub>
-                                  <m:sSubPr>
-                                    <m:ctrlPr>
-                                      <a:rPr lang="fr-FR" sz="1800" i="1">
-                                        <a:latin typeface="Cambria Math" panose="02040503050406030204" pitchFamily="18" charset="0"/>
-                                      </a:rPr>
-                                    </m:ctrlPr>
-                                  </m:sSubPr>
-                                  <m:e>
-                                    <m:r>
-                                      <a:rPr lang="fr-FR" sz="1800" i="1">
-                                        <a:latin typeface="Cambria Math" panose="02040503050406030204" pitchFamily="18" charset="0"/>
-                                      </a:rPr>
-                                      <m:t>𝑓</m:t>
-                                    </m:r>
-                                  </m:e>
-                                  <m:sub>
-                                    <m:r>
-                                      <a:rPr lang="fr-FR" sz="1800" i="1">
-                                        <a:latin typeface="Cambria Math" panose="02040503050406030204" pitchFamily="18" charset="0"/>
-                                      </a:rPr>
-                                      <m:t>2</m:t>
-                                    </m:r>
-                                  </m:sub>
-                                </m:sSub>
-                              </m:num>
-                              <m:den>
-                                <m:sSub>
-                                  <m:sSubPr>
-                                    <m:ctrlPr>
-                                      <a:rPr lang="fr-FR" sz="1800" i="1">
-                                        <a:latin typeface="Cambria Math" panose="02040503050406030204" pitchFamily="18" charset="0"/>
-                                      </a:rPr>
-                                    </m:ctrlPr>
-                                  </m:sSubPr>
-                                  <m:e>
-                                    <m:r>
-                                      <a:rPr lang="fr-FR" sz="1800" i="1">
-                                        <a:latin typeface="Cambria Math" panose="02040503050406030204" pitchFamily="18" charset="0"/>
-                                      </a:rPr>
-                                      <m:t>𝑓</m:t>
-                                    </m:r>
-                                  </m:e>
-                                  <m:sub>
-                                    <m:r>
-                                      <a:rPr lang="fr-FR" sz="1800" i="1">
-                                        <a:latin typeface="Cambria Math" panose="02040503050406030204" pitchFamily="18" charset="0"/>
-                                      </a:rPr>
-                                      <m:t>2</m:t>
-                                    </m:r>
-                                  </m:sub>
-                                </m:sSub>
-                                <m:r>
-                                  <a:rPr lang="fr-FR" sz="1800" i="1">
-                                    <a:latin typeface="Cambria Math" panose="02040503050406030204" pitchFamily="18" charset="0"/>
-                                  </a:rPr>
-                                  <m:t>−</m:t>
-                                </m:r>
-                                <m:sSub>
-                                  <m:sSubPr>
-                                    <m:ctrlPr>
-                                      <a:rPr lang="fr-FR" sz="1800" i="1">
-                                        <a:latin typeface="Cambria Math" panose="02040503050406030204" pitchFamily="18" charset="0"/>
-                                      </a:rPr>
-                                    </m:ctrlPr>
-                                  </m:sSubPr>
-                                  <m:e>
-                                    <m:r>
-                                      <a:rPr lang="fr-FR" sz="1800" i="1">
-                                        <a:latin typeface="Cambria Math" panose="02040503050406030204" pitchFamily="18" charset="0"/>
-                                      </a:rPr>
-                                      <m:t>𝑓</m:t>
-                                    </m:r>
-                                  </m:e>
-                                  <m:sub>
-                                    <m:r>
-                                      <a:rPr lang="fr-FR" sz="1800" i="1">
-                                        <a:latin typeface="Cambria Math" panose="02040503050406030204" pitchFamily="18" charset="0"/>
-                                      </a:rPr>
-                                      <m:t>1</m:t>
-                                    </m:r>
-                                  </m:sub>
-                                </m:sSub>
-                              </m:den>
-                            </m:f>
-                          </m:e>
-                        </m:d>
-                      </m:num>
-                      <m:den>
-                        <m:r>
-                          <m:rPr>
-                            <m:sty m:val="p"/>
-                          </m:rPr>
-                          <a:rPr lang="fr-FR" sz="1800" b="0" i="0" smtClean="0">
-                            <a:latin typeface="Cambria Math" panose="02040503050406030204" pitchFamily="18" charset="0"/>
-                          </a:rPr>
-                          <m:t>ln</m:t>
-                        </m:r>
-                        <m:r>
-                          <a:rPr lang="fr-FR" sz="1800" b="0" i="1" smtClean="0">
-                            <a:latin typeface="Cambria Math" panose="02040503050406030204" pitchFamily="18" charset="0"/>
-                          </a:rPr>
-                          <m:t>⁡(</m:t>
-                        </m:r>
-                        <m:r>
-                          <a:rPr lang="fr-FR" sz="1800" b="0" i="1" smtClean="0">
-                            <a:latin typeface="Cambria Math" panose="02040503050406030204" pitchFamily="18" charset="0"/>
-                          </a:rPr>
-                          <m:t>𝑟</m:t>
-                        </m:r>
-                        <m:r>
-                          <a:rPr lang="fr-FR" sz="1800" b="0" i="1" smtClean="0">
-                            <a:latin typeface="Cambria Math" panose="02040503050406030204" pitchFamily="18" charset="0"/>
-                          </a:rPr>
-                          <m:t>)</m:t>
-                        </m:r>
-                      </m:den>
-                    </m:f>
-                  </m:oMath>
-                </a14:m>
+                  <a:t>Dans notre cas </a:t>
+                </a:r>
+                <a:r>
+                  <a:rPr lang="fr-CA" sz="1800" dirty="0" err="1"/>
+                  <a:t>SimCenter</a:t>
+                </a:r>
                 <a:r>
                   <a:rPr lang="fr-CA" sz="1800" dirty="0"/>
-                  <a:t>                        (1) </a:t>
-                </a:r>
-              </a:p>
-              <a:p>
-                <a:pPr marL="0" indent="0" algn="just">
-                  <a:lnSpc>
-                    <a:spcPct val="100000"/>
-                  </a:lnSpc>
-                  <a:buNone/>
-                </a:pPr>
+                  <a:t> utilise des éléments linéaires donc l’ordre formel attendu est de p</a:t>
+                </a:r>
+                <a:r>
+                  <a:rPr lang="fr-CA" sz="1800" baseline="-25000" dirty="0"/>
+                  <a:t>f</a:t>
+                </a:r>
                 <a:r>
                   <a:rPr lang="fr-CA" sz="1800" dirty="0"/>
-                  <a:t>avec </a:t>
-                </a:r>
-                <a14:m>
-                  <m:oMath xmlns:m="http://schemas.openxmlformats.org/officeDocument/2006/math">
-                    <m:sSub>
-                      <m:sSubPr>
-                        <m:ctrlPr>
-                          <a:rPr lang="fr-FR" sz="1800" i="1">
-                            <a:latin typeface="Cambria Math" panose="02040503050406030204" pitchFamily="18" charset="0"/>
-                          </a:rPr>
-                        </m:ctrlPr>
-                      </m:sSubPr>
-                      <m:e>
-                        <m:r>
-                          <a:rPr lang="fr-FR" sz="1800" i="1">
-                            <a:latin typeface="Cambria Math" panose="02040503050406030204" pitchFamily="18" charset="0"/>
-                          </a:rPr>
-                          <m:t>𝑓</m:t>
-                        </m:r>
-                      </m:e>
-                      <m:sub>
-                        <m:r>
-                          <a:rPr lang="fr-FR" sz="1800" i="1">
-                            <a:latin typeface="Cambria Math" panose="02040503050406030204" pitchFamily="18" charset="0"/>
-                          </a:rPr>
-                          <m:t>3</m:t>
-                        </m:r>
-                      </m:sub>
-                    </m:sSub>
-                  </m:oMath>
-                </a14:m>
-                <a:r>
-                  <a:rPr lang="fr-CA" sz="1800" dirty="0"/>
-                  <a:t>,</a:t>
-                </a:r>
-                <a:r>
-                  <a:rPr lang="fr-FR" sz="1800" dirty="0"/>
-                  <a:t> </a:t>
-                </a:r>
-                <a14:m>
-                  <m:oMath xmlns:m="http://schemas.openxmlformats.org/officeDocument/2006/math">
-                    <m:sSub>
-                      <m:sSubPr>
-                        <m:ctrlPr>
-                          <a:rPr lang="fr-FR" sz="1800" i="1">
-                            <a:latin typeface="Cambria Math" panose="02040503050406030204" pitchFamily="18" charset="0"/>
-                          </a:rPr>
-                        </m:ctrlPr>
-                      </m:sSubPr>
-                      <m:e>
-                        <m:r>
-                          <a:rPr lang="fr-FR" sz="1800" i="1">
-                            <a:latin typeface="Cambria Math" panose="02040503050406030204" pitchFamily="18" charset="0"/>
-                          </a:rPr>
-                          <m:t>𝑓</m:t>
-                        </m:r>
-                      </m:e>
-                      <m:sub>
-                        <m:r>
-                          <a:rPr lang="fr-FR" sz="1800" b="0" i="1" smtClean="0">
-                            <a:latin typeface="Cambria Math" panose="02040503050406030204" pitchFamily="18" charset="0"/>
-                          </a:rPr>
-                          <m:t>2</m:t>
-                        </m:r>
-                      </m:sub>
-                    </m:sSub>
-                    <m:r>
-                      <a:rPr lang="fr-FR" sz="1800" b="0" i="1" smtClean="0">
-                        <a:latin typeface="Cambria Math" panose="02040503050406030204" pitchFamily="18" charset="0"/>
-                      </a:rPr>
-                      <m:t> </m:t>
-                    </m:r>
-                    <m:r>
-                      <a:rPr lang="fr-FR" sz="1800" b="0" i="1" smtClean="0">
-                        <a:latin typeface="Cambria Math" panose="02040503050406030204" pitchFamily="18" charset="0"/>
-                      </a:rPr>
-                      <m:t>𝑒𝑡</m:t>
-                    </m:r>
-                    <m:sSub>
-                      <m:sSubPr>
-                        <m:ctrlPr>
-                          <a:rPr lang="fr-FR" sz="1800" i="1">
-                            <a:latin typeface="Cambria Math" panose="02040503050406030204" pitchFamily="18" charset="0"/>
-                          </a:rPr>
-                        </m:ctrlPr>
-                      </m:sSubPr>
-                      <m:e>
-                        <m:r>
-                          <a:rPr lang="fr-FR" sz="1800" i="1">
-                            <a:latin typeface="Cambria Math" panose="02040503050406030204" pitchFamily="18" charset="0"/>
-                          </a:rPr>
-                          <m:t>𝑓</m:t>
-                        </m:r>
-                      </m:e>
-                      <m:sub>
-                        <m:r>
-                          <a:rPr lang="fr-FR" sz="1800" b="0" i="1" smtClean="0">
-                            <a:latin typeface="Cambria Math" panose="02040503050406030204" pitchFamily="18" charset="0"/>
-                          </a:rPr>
-                          <m:t>1</m:t>
-                        </m:r>
-                      </m:sub>
-                    </m:sSub>
-                  </m:oMath>
-                </a14:m>
-                <a:r>
-                  <a:rPr lang="fr-CA" sz="1800" dirty="0"/>
-                  <a:t> qui représentent respectivement la réponse du système en termes de déplacement axiale de la vertèbre L1 pour des maillages de plus en plus fins, et </a:t>
-                </a:r>
-                <a:r>
-                  <a:rPr lang="fr-CA" sz="1800" i="1" dirty="0"/>
-                  <a:t>r=10</a:t>
-                </a:r>
-                <a:r>
-                  <a:rPr lang="fr-CA" sz="1800" dirty="0"/>
-                  <a:t>.</a:t>
-                </a:r>
-              </a:p>
-              <a:p>
-                <a:pPr marL="0" indent="0" algn="just">
-                  <a:lnSpc>
-                    <a:spcPct val="100000"/>
-                  </a:lnSpc>
-                  <a:buNone/>
-                </a:pPr>
-                <a:endParaRPr lang="fr-CA" sz="1800" dirty="0"/>
-              </a:p>
-              <a:p>
-                <a:pPr marL="0" indent="0" algn="just">
-                  <a:lnSpc>
-                    <a:spcPct val="100000"/>
-                  </a:lnSpc>
-                  <a:buNone/>
-                </a:pPr>
-                <a:r>
-                  <a:rPr lang="fr-CA" sz="1800" dirty="0"/>
-                  <a:t>                                                                                          	Grâce à l’équation (1) et aux données du tableau (les 3 						dernières lignes) il est possible d’estimer que </a:t>
+                  <a:t>=2. Cependant, il est possible d’observer sur l’analyse de convergence faite plus haut que l’ordre observée est de </a:t>
                 </a:r>
                 <a14:m>
                   <m:oMath xmlns:m="http://schemas.openxmlformats.org/officeDocument/2006/math">
@@ -20558,77 +23557,17 @@
                         </m:r>
                       </m:e>
                     </m:acc>
-                  </m:oMath>
-                </a14:m>
-                <a:r>
-                  <a:rPr lang="fr-CA" sz="1800" dirty="0"/>
-                  <a:t>= 2,055.</a:t>
-                </a:r>
-              </a:p>
-              <a:p>
-                <a:pPr marL="0" indent="0" algn="just">
-                  <a:lnSpc>
-                    <a:spcPct val="100000"/>
-                  </a:lnSpc>
-                  <a:buNone/>
-                </a:pPr>
-                <a:r>
-                  <a:rPr lang="fr-CA" sz="1800" dirty="0"/>
-                  <a:t>                                                                                         	Cette valeur est attendue puisque l’ordre formel</a:t>
-                </a:r>
-                <a14:m>
-                  <m:oMath xmlns:m="http://schemas.openxmlformats.org/officeDocument/2006/math">
-                    <m:sSub>
-                      <m:sSubPr>
-                        <m:ctrlPr>
-                          <a:rPr lang="fr-CA" sz="1800" i="1" smtClean="0">
-                            <a:latin typeface="Cambria Math" panose="02040503050406030204" pitchFamily="18" charset="0"/>
-                          </a:rPr>
-                        </m:ctrlPr>
-                      </m:sSubPr>
-                      <m:e>
-                        <m:r>
-                          <a:rPr lang="fr-FR" sz="1800" b="0" i="1" smtClean="0">
-                            <a:latin typeface="Cambria Math" panose="02040503050406030204" pitchFamily="18" charset="0"/>
-                          </a:rPr>
-                          <m:t> </m:t>
-                        </m:r>
-                        <m:r>
-                          <a:rPr lang="fr-FR" sz="1800" b="0" i="1" smtClean="0">
-                            <a:latin typeface="Cambria Math" panose="02040503050406030204" pitchFamily="18" charset="0"/>
-                          </a:rPr>
-                          <m:t>𝑝</m:t>
-                        </m:r>
-                      </m:e>
-                      <m:sub>
-                        <m:r>
-                          <a:rPr lang="fr-FR" sz="1800" b="0" i="1" smtClean="0">
-                            <a:latin typeface="Cambria Math" panose="02040503050406030204" pitchFamily="18" charset="0"/>
-                          </a:rPr>
-                          <m:t>𝑓</m:t>
-                        </m:r>
-                      </m:sub>
-                    </m:sSub>
                     <m:r>
-                      <a:rPr lang="en-CA" sz="1800" b="0" i="1" smtClean="0">
+                      <a:rPr lang="fr-FR" sz="1800" b="0" i="1" smtClean="0">
                         <a:latin typeface="Cambria Math" panose="02040503050406030204" pitchFamily="18" charset="0"/>
                       </a:rPr>
-                      <m:t>=2</m:t>
+                      <m:t>=</m:t>
                     </m:r>
                   </m:oMath>
                 </a14:m>
-                <a:endParaRPr lang="en-CA" sz="1800" b="0" dirty="0"/>
-              </a:p>
-              <a:p>
-                <a:pPr marL="0" indent="0" algn="just">
-                  <a:lnSpc>
-                    <a:spcPct val="100000"/>
-                  </a:lnSpc>
-                  <a:buNone/>
-                </a:pPr>
                 <a:r>
                   <a:rPr lang="fr-CA" sz="1800" dirty="0"/>
-                  <a:t>					(l’ordre formel est obtenu d’après l’ordre du type 							d’éléments utilisés en FEM – or ici les PBEAM sont des 						éléments d’ordre 2).</a:t>
+                  <a:t>1.75.</a:t>
                 </a:r>
               </a:p>
               <a:p>
@@ -20637,8 +23576,71 @@
                 </a:pPr>
                 <a:r>
                   <a:rPr lang="fr-CA" sz="1800" dirty="0"/>
-                  <a:t>                                                                                        </a:t>
-                </a:r>
+                  <a:t>De plus, la qualité de la régression n’est pas à remettre en question puisque le coefficient de régression dans ce cas est tel que R</a:t>
+                </a:r>
+                <a:r>
+                  <a:rPr lang="fr-CA" sz="1800" baseline="30000" dirty="0"/>
+                  <a:t>2</a:t>
+                </a:r>
+                <a:r>
+                  <a:rPr lang="fr-CA" sz="1800" dirty="0"/>
+                  <a:t>=0.9938 même si les valeurs oscillent de part et d’autre de la courbe de régression.</a:t>
+                </a:r>
+              </a:p>
+              <a:p>
+                <a:pPr marL="0" indent="0" algn="just">
+                  <a:buNone/>
+                </a:pPr>
+                <a:r>
+                  <a:rPr lang="fr-CA" sz="1800" dirty="0"/>
+                  <a:t>Donc cet écart entre les deux ordres ne peut pas être expliquer par la régression mais peut l’être par les hypothèses faites sur par la formulation des poutres d’Euler et la formulation des poutres de Timoshenko qui sont incompatibles. Cela revient dire que c’est incorrect de comparer les résultats de </a:t>
+                </a:r>
+                <a:r>
+                  <a:rPr lang="fr-CA" sz="1800" dirty="0" err="1"/>
+                  <a:t>SimCenter</a:t>
+                </a:r>
+                <a:r>
+                  <a:rPr lang="fr-CA" sz="1800" dirty="0"/>
+                  <a:t> avec les résultats analytiques d’une poutre d’Euler conventionnelle.</a:t>
+                </a:r>
+              </a:p>
+              <a:p>
+                <a:pPr marL="0" indent="0" algn="just">
+                  <a:buNone/>
+                </a:pPr>
+                <a:r>
+                  <a:rPr lang="fr-CA" sz="1800" dirty="0"/>
+                  <a:t>Finalement, il faut noter que cet écart ne remet pas en question la vérification du Code de </a:t>
+                </a:r>
+                <a:r>
+                  <a:rPr lang="fr-CA" sz="1800" dirty="0" err="1"/>
+                  <a:t>SimCenter</a:t>
+                </a:r>
+                <a:r>
+                  <a:rPr lang="fr-CA" sz="1800" dirty="0"/>
+                  <a:t>/Nastran mais plutôt la méthode utilisée pour la vérification.</a:t>
+                </a:r>
+              </a:p>
+              <a:p>
+                <a:pPr marL="0" indent="0" algn="just">
+                  <a:buNone/>
+                </a:pPr>
+                <a:endParaRPr lang="fr-CA" sz="1800" dirty="0"/>
+              </a:p>
+              <a:p>
+                <a:pPr marL="0" indent="0" algn="just">
+                  <a:buNone/>
+                </a:pPr>
+                <a:r>
+                  <a:rPr lang="fr-CA" sz="1800" dirty="0"/>
+                  <a:t> </a:t>
+                </a:r>
+              </a:p>
+              <a:p>
+                <a:pPr marL="0" indent="0" algn="just">
+                  <a:buNone/>
+                </a:pPr>
+                <a:endParaRPr lang="fr-CA" sz="1800" dirty="0"/>
               </a:p>
             </p:txBody>
           </p:sp>
@@ -20666,9 +23668,9 @@
                 <a:ext cx="10515600" cy="5342501"/>
               </a:xfrm>
               <a:blipFill>
-                <a:blip r:embed="rId3"/>
+                <a:blip r:embed="rId2"/>
                 <a:stretch>
-                  <a:fillRect l="-406" t="-799" r="-348"/>
+                  <a:fillRect l="-522" t="-1142" r="-464"/>
                 </a:stretch>
               </a:blipFill>
             </p:spPr>
@@ -20687,408 +23689,16 @@
           </p:sp>
         </mc:Fallback>
       </mc:AlternateContent>
-      <p:graphicFrame>
-        <p:nvGraphicFramePr>
-          <p:cNvPr id="5" name="Tableau 4">
-            <a:extLst>
-              <a:ext uri="{FF2B5EF4-FFF2-40B4-BE49-F238E27FC236}">
-                <a16:creationId xmlns:a16="http://schemas.microsoft.com/office/drawing/2014/main" id="{EABFD2CE-56EE-BB92-262D-CAD7E39FC6D0}"/>
-              </a:ext>
-            </a:extLst>
-          </p:cNvPr>
-          <p:cNvGraphicFramePr>
-            <a:graphicFrameLocks noGrp="1"/>
-          </p:cNvGraphicFramePr>
-          <p:nvPr>
-            <p:extLst>
-              <p:ext uri="{D42A27DB-BD31-4B8C-83A1-F6EECF244321}">
-                <p14:modId xmlns:p14="http://schemas.microsoft.com/office/powerpoint/2010/main" val="2064034302"/>
-              </p:ext>
-            </p:extLst>
-          </p:nvPr>
-        </p:nvGraphicFramePr>
-        <p:xfrm>
-          <a:off x="838200" y="4172647"/>
-          <a:ext cx="4038600" cy="2113935"/>
-        </p:xfrm>
-        <a:graphic>
-          <a:graphicData uri="http://schemas.openxmlformats.org/drawingml/2006/table">
-            <a:tbl>
-              <a:tblPr>
-                <a:tableStyleId>{073A0DAA-6AF3-43AB-8588-CEC1D06C72B9}</a:tableStyleId>
-              </a:tblPr>
-              <a:tblGrid>
-                <a:gridCol w="1404731">
-                  <a:extLst>
-                    <a:ext uri="{9D8B030D-6E8A-4147-A177-3AD203B41FA5}">
-                      <a16:colId xmlns:a16="http://schemas.microsoft.com/office/drawing/2014/main" val="3415350444"/>
-                    </a:ext>
-                  </a:extLst>
-                </a:gridCol>
-                <a:gridCol w="2633869">
-                  <a:extLst>
-                    <a:ext uri="{9D8B030D-6E8A-4147-A177-3AD203B41FA5}">
-                      <a16:colId xmlns:a16="http://schemas.microsoft.com/office/drawing/2014/main" val="2443206338"/>
-                    </a:ext>
-                  </a:extLst>
-                </a:gridCol>
-              </a:tblGrid>
-              <a:tr h="422787">
-                <a:tc>
-                  <a:txBody>
-                    <a:bodyPr/>
-                    <a:lstStyle/>
-                    <a:p>
-                      <a:pPr algn="ctr" fontAlgn="ctr"/>
-                      <a:r>
-                        <a:rPr lang="fr-CA" sz="1300" b="1" u="none" strike="noStrike" dirty="0">
-                          <a:solidFill>
-                            <a:schemeClr val="bg1"/>
-                          </a:solidFill>
-                          <a:effectLst/>
-                        </a:rPr>
-                        <a:t>Taille d’élément</a:t>
-                      </a:r>
-                      <a:endParaRPr lang="fr-CA" sz="1300" b="1" i="0" u="none" strike="noStrike" dirty="0">
-                        <a:solidFill>
-                          <a:schemeClr val="bg1"/>
-                        </a:solidFill>
-                        <a:effectLst/>
-                        <a:latin typeface="Calibri" panose="020F0502020204030204" pitchFamily="34" charset="0"/>
-                      </a:endParaRPr>
-                    </a:p>
-                  </a:txBody>
-                  <a:tcPr marL="7620" marR="7620" marT="7620" marB="0" anchor="ctr">
-                    <a:solidFill>
-                      <a:schemeClr val="tx1">
-                        <a:lumMod val="50000"/>
-                        <a:lumOff val="50000"/>
-                      </a:schemeClr>
-                    </a:solidFill>
-                  </a:tcPr>
-                </a:tc>
-                <a:tc>
-                  <a:txBody>
-                    <a:bodyPr/>
-                    <a:lstStyle/>
-                    <a:p>
-                      <a:pPr algn="ctr" fontAlgn="ctr"/>
-                      <a:r>
-                        <a:rPr lang="fr-FR" sz="1300" b="1" u="none" strike="noStrike" dirty="0">
-                          <a:solidFill>
-                            <a:schemeClr val="bg1"/>
-                          </a:solidFill>
-                          <a:effectLst/>
-                        </a:rPr>
-                        <a:t>Magnitude du déplacement de L1</a:t>
-                      </a:r>
-                      <a:endParaRPr lang="fr-FR" sz="1300" b="1" i="0" u="none" strike="noStrike" dirty="0">
-                        <a:solidFill>
-                          <a:schemeClr val="bg1"/>
-                        </a:solidFill>
-                        <a:effectLst/>
-                        <a:latin typeface="Calibri" panose="020F0502020204030204" pitchFamily="34" charset="0"/>
-                      </a:endParaRPr>
-                    </a:p>
-                  </a:txBody>
-                  <a:tcPr marL="7620" marR="7620" marT="7620" marB="0" anchor="ctr">
-                    <a:solidFill>
-                      <a:schemeClr val="tx1">
-                        <a:lumMod val="50000"/>
-                        <a:lumOff val="50000"/>
-                      </a:schemeClr>
-                    </a:solidFill>
-                  </a:tcPr>
-                </a:tc>
-                <a:extLst>
-                  <a:ext uri="{0D108BD9-81ED-4DB2-BD59-A6C34878D82A}">
-                    <a16:rowId xmlns:a16="http://schemas.microsoft.com/office/drawing/2014/main" val="803735086"/>
-                  </a:ext>
-                </a:extLst>
-              </a:tr>
-              <a:tr h="422787">
-                <a:tc>
-                  <a:txBody>
-                    <a:bodyPr/>
-                    <a:lstStyle/>
-                    <a:p>
-                      <a:pPr algn="ctr" fontAlgn="ctr"/>
-                      <a:r>
-                        <a:rPr lang="fr-CA" sz="1300" u="none" strike="noStrike" dirty="0">
-                          <a:effectLst/>
-                        </a:rPr>
-                        <a:t>9</a:t>
-                      </a:r>
-                      <a:endParaRPr lang="fr-CA" sz="1300" b="0" i="0" u="none" strike="noStrike" dirty="0">
-                        <a:solidFill>
-                          <a:srgbClr val="000000"/>
-                        </a:solidFill>
-                        <a:effectLst/>
-                        <a:latin typeface="Calibri" panose="020F0502020204030204" pitchFamily="34" charset="0"/>
-                      </a:endParaRPr>
-                    </a:p>
-                  </a:txBody>
-                  <a:tcPr marL="7620" marR="7620" marT="7620" marB="0" anchor="ctr"/>
-                </a:tc>
-                <a:tc>
-                  <a:txBody>
-                    <a:bodyPr/>
-                    <a:lstStyle/>
-                    <a:p>
-                      <a:pPr marL="0" algn="ctr" defTabSz="914400" rtl="0" eaLnBrk="1" fontAlgn="ctr" latinLnBrk="0" hangingPunct="1"/>
-                      <a:r>
-                        <a:rPr lang="fr-CA" sz="1300" u="none" strike="noStrike" kern="1200" dirty="0">
-                          <a:solidFill>
-                            <a:schemeClr val="dk1"/>
-                          </a:solidFill>
-                          <a:effectLst/>
-                          <a:latin typeface="+mn-lt"/>
-                          <a:ea typeface="+mn-ea"/>
-                          <a:cs typeface="+mn-cs"/>
-                        </a:rPr>
-                        <a:t>18,8922314</a:t>
-                      </a:r>
-                    </a:p>
-                  </a:txBody>
-                  <a:tcPr marL="7620" marR="7620" marT="7620" marB="0" anchor="ctr"/>
-                </a:tc>
-                <a:extLst>
-                  <a:ext uri="{0D108BD9-81ED-4DB2-BD59-A6C34878D82A}">
-                    <a16:rowId xmlns:a16="http://schemas.microsoft.com/office/drawing/2014/main" val="3079437706"/>
-                  </a:ext>
-                </a:extLst>
-              </a:tr>
-              <a:tr h="422787">
-                <a:tc>
-                  <a:txBody>
-                    <a:bodyPr/>
-                    <a:lstStyle/>
-                    <a:p>
-                      <a:pPr algn="ctr" fontAlgn="ctr"/>
-                      <a:r>
-                        <a:rPr lang="fr-CA" sz="1300" u="none" strike="noStrike" dirty="0">
-                          <a:effectLst/>
-                        </a:rPr>
-                        <a:t>1</a:t>
-                      </a:r>
-                      <a:endParaRPr lang="fr-CA" sz="1300" b="0" i="0" u="none" strike="noStrike" dirty="0">
-                        <a:solidFill>
-                          <a:srgbClr val="000000"/>
-                        </a:solidFill>
-                        <a:effectLst/>
-                        <a:latin typeface="Calibri" panose="020F0502020204030204" pitchFamily="34" charset="0"/>
-                      </a:endParaRPr>
-                    </a:p>
-                  </a:txBody>
-                  <a:tcPr marL="7620" marR="7620" marT="7620" marB="0" anchor="ctr"/>
-                </a:tc>
-                <a:tc>
-                  <a:txBody>
-                    <a:bodyPr/>
-                    <a:lstStyle/>
-                    <a:p>
-                      <a:pPr marL="0" algn="ctr" defTabSz="914400" rtl="0" eaLnBrk="1" fontAlgn="ctr" latinLnBrk="0" hangingPunct="1"/>
-                      <a:r>
-                        <a:rPr lang="fr-CA" sz="1300" u="none" strike="noStrike" kern="1200" dirty="0">
-                          <a:solidFill>
-                            <a:schemeClr val="dk1"/>
-                          </a:solidFill>
-                          <a:effectLst/>
-                          <a:latin typeface="+mn-lt"/>
-                          <a:ea typeface="+mn-ea"/>
-                          <a:cs typeface="+mn-cs"/>
-                        </a:rPr>
-                        <a:t>18,8847067</a:t>
-                      </a:r>
-                    </a:p>
-                  </a:txBody>
-                  <a:tcPr marL="7620" marR="7620" marT="7620" marB="0" anchor="ctr"/>
-                </a:tc>
-                <a:extLst>
-                  <a:ext uri="{0D108BD9-81ED-4DB2-BD59-A6C34878D82A}">
-                    <a16:rowId xmlns:a16="http://schemas.microsoft.com/office/drawing/2014/main" val="2895031179"/>
-                  </a:ext>
-                </a:extLst>
-              </a:tr>
-              <a:tr h="422787">
-                <a:tc>
-                  <a:txBody>
-                    <a:bodyPr/>
-                    <a:lstStyle/>
-                    <a:p>
-                      <a:pPr algn="ctr" fontAlgn="ctr"/>
-                      <a:r>
-                        <a:rPr lang="fr-CA" sz="1300" u="none" strike="noStrike" dirty="0">
-                          <a:effectLst/>
-                        </a:rPr>
-                        <a:t>0,1</a:t>
-                      </a:r>
-                      <a:endParaRPr lang="fr-CA" sz="1300" b="0" i="0" u="none" strike="noStrike" dirty="0">
-                        <a:solidFill>
-                          <a:srgbClr val="000000"/>
-                        </a:solidFill>
-                        <a:effectLst/>
-                        <a:latin typeface="Calibri" panose="020F0502020204030204" pitchFamily="34" charset="0"/>
-                      </a:endParaRPr>
-                    </a:p>
-                  </a:txBody>
-                  <a:tcPr marL="7620" marR="7620" marT="7620" marB="0" anchor="ctr"/>
-                </a:tc>
-                <a:tc>
-                  <a:txBody>
-                    <a:bodyPr/>
-                    <a:lstStyle/>
-                    <a:p>
-                      <a:pPr marL="0" algn="ctr" defTabSz="914400" rtl="0" eaLnBrk="1" fontAlgn="ctr" latinLnBrk="0" hangingPunct="1"/>
-                      <a:r>
-                        <a:rPr lang="fr-CA" sz="1300" u="none" strike="noStrike" kern="1200" dirty="0">
-                          <a:solidFill>
-                            <a:schemeClr val="dk1"/>
-                          </a:solidFill>
-                          <a:effectLst/>
-                          <a:latin typeface="+mn-lt"/>
-                          <a:ea typeface="+mn-ea"/>
-                          <a:cs typeface="+mn-cs"/>
-                        </a:rPr>
-                        <a:t>18,8825487</a:t>
-                      </a:r>
-                    </a:p>
-                  </a:txBody>
-                  <a:tcPr marL="7620" marR="7620" marT="7620" marB="0" anchor="ctr"/>
-                </a:tc>
-                <a:extLst>
-                  <a:ext uri="{0D108BD9-81ED-4DB2-BD59-A6C34878D82A}">
-                    <a16:rowId xmlns:a16="http://schemas.microsoft.com/office/drawing/2014/main" val="2332115357"/>
-                  </a:ext>
-                </a:extLst>
-              </a:tr>
-              <a:tr h="422787">
-                <a:tc>
-                  <a:txBody>
-                    <a:bodyPr/>
-                    <a:lstStyle/>
-                    <a:p>
-                      <a:pPr algn="ctr" fontAlgn="ctr"/>
-                      <a:r>
-                        <a:rPr lang="fr-CA" sz="1300" u="none" strike="noStrike">
-                          <a:effectLst/>
-                        </a:rPr>
-                        <a:t>0,01</a:t>
-                      </a:r>
-                      <a:endParaRPr lang="fr-CA" sz="1300" b="0" i="0" u="none" strike="noStrike">
-                        <a:solidFill>
-                          <a:srgbClr val="000000"/>
-                        </a:solidFill>
-                        <a:effectLst/>
-                        <a:latin typeface="Calibri" panose="020F0502020204030204" pitchFamily="34" charset="0"/>
-                      </a:endParaRPr>
-                    </a:p>
-                  </a:txBody>
-                  <a:tcPr marL="7620" marR="7620" marT="7620" marB="0" anchor="ctr"/>
-                </a:tc>
-                <a:tc>
-                  <a:txBody>
-                    <a:bodyPr/>
-                    <a:lstStyle/>
-                    <a:p>
-                      <a:pPr marL="0" algn="ctr" defTabSz="914400" rtl="0" eaLnBrk="1" fontAlgn="ctr" latinLnBrk="0" hangingPunct="1"/>
-                      <a:r>
-                        <a:rPr lang="fr-CA" sz="1300" u="none" strike="noStrike" kern="1200" dirty="0">
-                          <a:solidFill>
-                            <a:schemeClr val="dk1"/>
-                          </a:solidFill>
-                          <a:effectLst/>
-                          <a:latin typeface="+mn-lt"/>
-                          <a:ea typeface="+mn-ea"/>
-                          <a:cs typeface="+mn-cs"/>
-                        </a:rPr>
-                        <a:t>18,8825297</a:t>
-                      </a:r>
-                    </a:p>
-                  </a:txBody>
-                  <a:tcPr marL="7620" marR="7620" marT="7620" marB="0" anchor="ctr"/>
-                </a:tc>
-                <a:extLst>
-                  <a:ext uri="{0D108BD9-81ED-4DB2-BD59-A6C34878D82A}">
-                    <a16:rowId xmlns:a16="http://schemas.microsoft.com/office/drawing/2014/main" val="4036792602"/>
-                  </a:ext>
-                </a:extLst>
-              </a:tr>
-            </a:tbl>
-          </a:graphicData>
-        </a:graphic>
-      </p:graphicFrame>
-      <p:sp>
-        <p:nvSpPr>
-          <p:cNvPr id="4" name="ZoneTexte 4">
-            <a:extLst>
-              <a:ext uri="{FF2B5EF4-FFF2-40B4-BE49-F238E27FC236}">
-                <a16:creationId xmlns:a16="http://schemas.microsoft.com/office/drawing/2014/main" id="{779B6F13-D5E5-E8C2-ECB7-F2073E2589CF}"/>
-              </a:ext>
-            </a:extLst>
-          </p:cNvPr>
-          <p:cNvSpPr txBox="1"/>
-          <p:nvPr/>
-        </p:nvSpPr>
-        <p:spPr>
-          <a:xfrm>
-            <a:off x="838200" y="3902486"/>
-            <a:ext cx="4038600" cy="276999"/>
-          </a:xfrm>
-          <a:prstGeom prst="rect">
-            <a:avLst/>
-          </a:prstGeom>
-          <a:noFill/>
-        </p:spPr>
-        <p:txBody>
-          <a:bodyPr wrap="square" rtlCol="0">
-            <a:spAutoFit/>
-          </a:bodyPr>
-          <a:lstStyle/>
-          <a:p>
-            <a:r>
-              <a:rPr lang="fr-FR" sz="1200" dirty="0"/>
-              <a:t>Tableau 1. </a:t>
-            </a:r>
-            <a:r>
-              <a:rPr lang="en-CA" sz="1200" dirty="0" err="1"/>
-              <a:t>Déplacements</a:t>
-            </a:r>
-            <a:r>
-              <a:rPr lang="en-CA" sz="1200" dirty="0"/>
-              <a:t> pour un </a:t>
-            </a:r>
-            <a:r>
-              <a:rPr lang="en-CA" sz="1200" dirty="0" err="1"/>
-              <a:t>raffinement</a:t>
-            </a:r>
-            <a:r>
-              <a:rPr lang="en-CA" sz="1200" dirty="0"/>
-              <a:t> de </a:t>
-            </a:r>
-            <a:r>
-              <a:rPr lang="en-CA" sz="1200" dirty="0" err="1"/>
-              <a:t>maillage</a:t>
-            </a:r>
-            <a:endParaRPr lang="fr-FR" sz="1200" dirty="0"/>
-          </a:p>
-        </p:txBody>
-      </p:sp>
     </p:spTree>
     <p:extLst>
       <p:ext uri="{BB962C8B-B14F-4D97-AF65-F5344CB8AC3E}">
-        <p14:creationId xmlns:p14="http://schemas.microsoft.com/office/powerpoint/2010/main" val="3567347773"/>
+        <p14:creationId xmlns:p14="http://schemas.microsoft.com/office/powerpoint/2010/main" val="494895105"/>
       </p:ext>
     </p:extLst>
   </p:cSld>
   <p:clrMapOvr>
     <a:masterClrMapping/>
   </p:clrMapOvr>
-  <p:extLst>
-    <p:ext uri="{6950BFC3-D8DA-4A85-94F7-54DA5524770B}">
-      <p188:commentRel xmlns:p188="http://schemas.microsoft.com/office/powerpoint/2018/8/main" r:id="rId2"/>
-    </p:ext>
-  </p:extLst>
 </p:sld>
 </file>
 
@@ -21723,6 +24333,15 @@
 </file>
 
 <file path=customXml/item1.xml><?xml version="1.0" encoding="utf-8"?>
+<?mso-contentType ?>
+<FormTemplates xmlns="http://schemas.microsoft.com/sharepoint/v3/contenttype/forms">
+  <Display>DocumentLibraryForm</Display>
+  <Edit>DocumentLibraryForm</Edit>
+  <New>DocumentLibraryForm</New>
+</FormTemplates>
+</file>
+
+<file path=customXml/item2.xml><?xml version="1.0" encoding="utf-8"?>
 <ct:contentTypeSchema xmlns:ct="http://schemas.microsoft.com/office/2006/metadata/contentType" xmlns:ma="http://schemas.microsoft.com/office/2006/metadata/properties/metaAttributes" ct:_="" ma:_="" ma:contentTypeName="Document" ma:contentTypeID="0x010100744768CFAF743F4A83B0523C20156377" ma:contentTypeVersion="11" ma:contentTypeDescription="Create a new document." ma:contentTypeScope="" ma:versionID="aafa440e1ffbdaf1b0956f4ac1c916a8">
   <xsd:schema xmlns:xsd="http://www.w3.org/2001/XMLSchema" xmlns:xs="http://www.w3.org/2001/XMLSchema" xmlns:p="http://schemas.microsoft.com/office/2006/metadata/properties" xmlns:ns2="ec825916-6f01-4646-bf11-4e97fdd06dc8" xmlns:ns3="10202d72-3646-4d36-9cf4-1feba2c78df0" targetNamespace="http://schemas.microsoft.com/office/2006/metadata/properties" ma:root="true" ma:fieldsID="7a73fe93b8aa32af4ca50956a2221801" ns2:_="" ns3:_="">
     <xsd:import namespace="ec825916-6f01-4646-bf11-4e97fdd06dc8"/>
@@ -21917,15 +24536,6 @@
 </ct:contentTypeSchema>
 </file>
 
-<file path=customXml/item2.xml><?xml version="1.0" encoding="utf-8"?>
-<?mso-contentType ?>
-<FormTemplates xmlns="http://schemas.microsoft.com/sharepoint/v3/contenttype/forms">
-  <Display>DocumentLibraryForm</Display>
-  <Edit>DocumentLibraryForm</Edit>
-  <New>DocumentLibraryForm</New>
-</FormTemplates>
-</file>
-
 <file path=customXml/item3.xml><?xml version="1.0" encoding="utf-8"?>
 <p:properties xmlns:p="http://schemas.microsoft.com/office/2006/metadata/properties" xmlns:xsi="http://www.w3.org/2001/XMLSchema-instance" xmlns:pc="http://schemas.microsoft.com/office/infopath/2007/PartnerControls">
   <documentManagement>
@@ -21938,6 +24548,14 @@
 </file>
 
 <file path=customXml/itemProps1.xml><?xml version="1.0" encoding="utf-8"?>
+<ds:datastoreItem xmlns:ds="http://schemas.openxmlformats.org/officeDocument/2006/customXml" ds:itemID="{73F4A501-0066-4B8E-9AA2-A07CF344BF69}">
+  <ds:schemaRefs>
+    <ds:schemaRef ds:uri="http://schemas.microsoft.com/sharepoint/v3/contenttype/forms"/>
+  </ds:schemaRefs>
+</ds:datastoreItem>
+</file>
+
+<file path=customXml/itemProps2.xml><?xml version="1.0" encoding="utf-8"?>
 <ds:datastoreItem xmlns:ds="http://schemas.openxmlformats.org/officeDocument/2006/customXml" ds:itemID="{4AB5C90D-8262-4EAC-95BF-2CC4C44D50EC}">
   <ds:schemaRefs>
     <ds:schemaRef ds:uri="10202d72-3646-4d36-9cf4-1feba2c78df0"/>
@@ -21952,14 +24570,6 @@
     <ds:schemaRef ds:uri="http://schemas.microsoft.com/office/infopath/2007/PartnerControls"/>
     <ds:schemaRef ds:uri="http://schemas.openxmlformats.org/package/2006/metadata/core-properties"/>
     <ds:schemaRef ds:uri="http://www.w3.org/2001/XMLSchema"/>
-  </ds:schemaRefs>
-</ds:datastoreItem>
-</file>
-
-<file path=customXml/itemProps2.xml><?xml version="1.0" encoding="utf-8"?>
-<ds:datastoreItem xmlns:ds="http://schemas.openxmlformats.org/officeDocument/2006/customXml" ds:itemID="{73F4A501-0066-4B8E-9AA2-A07CF344BF69}">
-  <ds:schemaRefs>
-    <ds:schemaRef ds:uri="http://schemas.microsoft.com/sharepoint/v3/contenttype/forms"/>
   </ds:schemaRefs>
 </ds:datastoreItem>
 </file>

--- a/Rapport_Projet_V1.pptx
+++ b/Rapport_Projet_V1.pptx
@@ -139,6 +139,7 @@
   <p188:author id="{4BB11620-EFBC-D13A-7B93-45F2C922ABDE}" name="ACILE SFEIR" initials="AS" userId="b5e2f9be0f86ab7e" providerId="Windows Live"/>
   <p188:author id="{E68F2F47-82E5-2BC7-0FEC-4F4EC863DDC3}" name="Mohamed Mahdi Sahbi Ben Daya" initials="MB" userId="S::mohamed-mahdi-sahbi.ben-daya@polymtlus.ca::985c0020-1785-44be-857c-7b32e8661aac" providerId="AD"/>
   <p188:author id="{6A183B6A-ABEC-CB00-4F79-3B92C9DF1877}" name="Acile Sfeir" initials="AS" userId="S::acile.sfeir@polymtlus.ca::2d054df2-df8c-4f18-93d9-ddc34f8818be" providerId="AD"/>
+  <p188:author id="{53E43574-7A34-154C-E512-F6CBCA51E7C2}" name="Alexandre Deschênes" initials="AD" userId="S::alexandre.deschenes@polymtlus.ca::26cf8714-112d-4764-8586-824af543da02" providerId="AD"/>
 </p188:authorLst>
 </file>
 
@@ -951,7 +952,7 @@
 <file path=ppt/charts/chart1.xml><?xml version="1.0" encoding="utf-8"?>
 <c:chartSpace xmlns:c="http://schemas.openxmlformats.org/drawingml/2006/chart" xmlns:a="http://schemas.openxmlformats.org/drawingml/2006/main" xmlns:r="http://schemas.openxmlformats.org/officeDocument/2006/relationships" xmlns:c16r2="http://schemas.microsoft.com/office/drawing/2015/06/chart">
   <c:date1904 val="0"/>
-  <c:lang val="fr-FR"/>
+  <c:lang val="en-US"/>
   <c:roundedCorners val="0"/>
   <mc:AlternateContent xmlns:mc="http://schemas.openxmlformats.org/markup-compatibility/2006">
     <mc:Choice xmlns:c14="http://schemas.microsoft.com/office/drawing/2007/8/2/chart" Requires="c14">
@@ -1026,7 +1027,7 @@
               <a:cs typeface="+mn-cs"/>
             </a:defRPr>
           </a:pPr>
-          <a:endParaRPr lang="fr-FR"/>
+          <a:endParaRPr lang="en-US"/>
         </a:p>
       </c:txPr>
     </c:title>
@@ -1117,7 +1118,7 @@
                       <a:cs typeface="+mn-cs"/>
                     </a:defRPr>
                   </a:pPr>
-                  <a:endParaRPr lang="fr-FR"/>
+                  <a:endParaRPr lang="en-US"/>
                 </a:p>
               </c:txPr>
             </c:trendlineLbl>
@@ -1260,7 +1261,7 @@
                             <a:cs typeface="+mn-cs"/>
                           </a:defRPr>
                         </a:pPr>
-                        <a:endParaRPr lang="fr-FR"/>
+                        <a:endParaRPr lang="en-US"/>
                       </a:p>
                     </c:txPr>
                   </c:trendlineLbl>
@@ -1402,7 +1403,7 @@
                   <a:cs typeface="+mn-cs"/>
                 </a:defRPr>
               </a:pPr>
-              <a:endParaRPr lang="fr-FR"/>
+              <a:endParaRPr lang="en-US"/>
             </a:p>
           </c:txPr>
         </c:title>
@@ -1440,7 +1441,7 @@
                 <a:cs typeface="+mn-cs"/>
               </a:defRPr>
             </a:pPr>
-            <a:endParaRPr lang="fr-FR"/>
+            <a:endParaRPr lang="en-US"/>
           </a:p>
         </c:txPr>
         <c:crossAx val="1420657695"/>
@@ -1524,7 +1525,7 @@
                   <a:cs typeface="+mn-cs"/>
                 </a:defRPr>
               </a:pPr>
-              <a:endParaRPr lang="fr-FR"/>
+              <a:endParaRPr lang="en-US"/>
             </a:p>
           </c:txPr>
         </c:title>
@@ -1562,7 +1563,7 @@
                 <a:cs typeface="+mn-cs"/>
               </a:defRPr>
             </a:pPr>
-            <a:endParaRPr lang="fr-FR"/>
+            <a:endParaRPr lang="en-US"/>
           </a:p>
         </c:txPr>
         <c:crossAx val="1911372511"/>
@@ -1602,7 +1603,7 @@
       <a:pPr>
         <a:defRPr/>
       </a:pPr>
-      <a:endParaRPr lang="fr-FR"/>
+      <a:endParaRPr lang="en-US"/>
     </a:p>
   </c:txPr>
   <c:externalData r:id="rId3">
@@ -1614,7 +1615,7 @@
 <file path=ppt/charts/chart2.xml><?xml version="1.0" encoding="utf-8"?>
 <c:chartSpace xmlns:c="http://schemas.openxmlformats.org/drawingml/2006/chart" xmlns:a="http://schemas.openxmlformats.org/drawingml/2006/main" xmlns:r="http://schemas.openxmlformats.org/officeDocument/2006/relationships" xmlns:c16r2="http://schemas.microsoft.com/office/drawing/2015/06/chart">
   <c:date1904 val="0"/>
-  <c:lang val="fr-FR"/>
+  <c:lang val="en-US"/>
   <c:roundedCorners val="0"/>
   <mc:AlternateContent xmlns:mc="http://schemas.openxmlformats.org/markup-compatibility/2006">
     <mc:Choice xmlns:c14="http://schemas.microsoft.com/office/drawing/2007/8/2/chart" Requires="c14">
@@ -2375,7 +2376,7 @@
                   <a:cs typeface="+mn-cs"/>
                 </a:defRPr>
               </a:pPr>
-              <a:endParaRPr lang="fr-FR"/>
+              <a:endParaRPr lang="en-US"/>
             </a:p>
           </c:txPr>
         </c:title>
@@ -2413,7 +2414,7 @@
                 <a:cs typeface="+mn-cs"/>
               </a:defRPr>
             </a:pPr>
-            <a:endParaRPr lang="fr-FR"/>
+            <a:endParaRPr lang="en-US"/>
           </a:p>
         </c:txPr>
         <c:crossAx val="1457253920"/>
@@ -2493,7 +2494,7 @@
                   <a:cs typeface="+mn-cs"/>
                 </a:defRPr>
               </a:pPr>
-              <a:endParaRPr lang="fr-FR"/>
+              <a:endParaRPr lang="en-US"/>
             </a:p>
           </c:txPr>
         </c:title>
@@ -2531,7 +2532,7 @@
                 <a:cs typeface="+mn-cs"/>
               </a:defRPr>
             </a:pPr>
-            <a:endParaRPr lang="fr-FR"/>
+            <a:endParaRPr lang="en-US"/>
           </a:p>
         </c:txPr>
         <c:crossAx val="1457258720"/>
@@ -2571,7 +2572,7 @@
       <a:pPr>
         <a:defRPr/>
       </a:pPr>
-      <a:endParaRPr lang="fr-FR"/>
+      <a:endParaRPr lang="en-US"/>
     </a:p>
   </c:txPr>
   <c:externalData r:id="rId3">
@@ -2583,7 +2584,7 @@
 <file path=ppt/charts/chart3.xml><?xml version="1.0" encoding="utf-8"?>
 <c:chartSpace xmlns:c="http://schemas.openxmlformats.org/drawingml/2006/chart" xmlns:a="http://schemas.openxmlformats.org/drawingml/2006/main" xmlns:r="http://schemas.openxmlformats.org/officeDocument/2006/relationships" xmlns:c16r2="http://schemas.microsoft.com/office/drawing/2015/06/chart">
   <c:date1904 val="0"/>
-  <c:lang val="fr-FR"/>
+  <c:lang val="en-US"/>
   <c:roundedCorners val="0"/>
   <mc:AlternateContent xmlns:mc="http://schemas.openxmlformats.org/markup-compatibility/2006">
     <mc:Choice xmlns:c14="http://schemas.microsoft.com/office/drawing/2007/8/2/chart" Requires="c14">
@@ -3348,7 +3349,7 @@
                   <a:cs typeface="+mn-cs"/>
                 </a:defRPr>
               </a:pPr>
-              <a:endParaRPr lang="fr-FR"/>
+              <a:endParaRPr lang="en-US"/>
             </a:p>
           </c:txPr>
         </c:title>
@@ -3386,7 +3387,7 @@
                 <a:cs typeface="+mn-cs"/>
               </a:defRPr>
             </a:pPr>
-            <a:endParaRPr lang="fr-FR"/>
+            <a:endParaRPr lang="en-US"/>
           </a:p>
         </c:txPr>
         <c:crossAx val="2041938592"/>
@@ -3466,7 +3467,7 @@
                   <a:cs typeface="+mn-cs"/>
                 </a:defRPr>
               </a:pPr>
-              <a:endParaRPr lang="fr-FR"/>
+              <a:endParaRPr lang="en-US"/>
             </a:p>
           </c:txPr>
         </c:title>
@@ -3504,7 +3505,7 @@
                 <a:cs typeface="+mn-cs"/>
               </a:defRPr>
             </a:pPr>
-            <a:endParaRPr lang="fr-FR"/>
+            <a:endParaRPr lang="en-US"/>
           </a:p>
         </c:txPr>
         <c:crossAx val="2041944352"/>
@@ -3544,7 +3545,7 @@
       <a:pPr>
         <a:defRPr/>
       </a:pPr>
-      <a:endParaRPr lang="fr-FR"/>
+      <a:endParaRPr lang="en-US"/>
     </a:p>
   </c:txPr>
   <c:externalData r:id="rId3">
@@ -3556,7 +3557,7 @@
 <file path=ppt/charts/chart4.xml><?xml version="1.0" encoding="utf-8"?>
 <c:chartSpace xmlns:c="http://schemas.openxmlformats.org/drawingml/2006/chart" xmlns:a="http://schemas.openxmlformats.org/drawingml/2006/main" xmlns:r="http://schemas.openxmlformats.org/officeDocument/2006/relationships" xmlns:c16r2="http://schemas.microsoft.com/office/drawing/2015/06/chart">
   <c:date1904 val="0"/>
-  <c:lang val="fr-FR"/>
+  <c:lang val="en-US"/>
   <c:roundedCorners val="0"/>
   <mc:AlternateContent xmlns:mc="http://schemas.openxmlformats.org/markup-compatibility/2006">
     <mc:Choice xmlns:c14="http://schemas.microsoft.com/office/drawing/2007/8/2/chart" Requires="c14">
@@ -4341,7 +4342,7 @@
                   <a:cs typeface="+mn-cs"/>
                 </a:defRPr>
               </a:pPr>
-              <a:endParaRPr lang="fr-FR"/>
+              <a:endParaRPr lang="en-US"/>
             </a:p>
           </c:txPr>
         </c:title>
@@ -4379,7 +4380,7 @@
                 <a:cs typeface="+mn-cs"/>
               </a:defRPr>
             </a:pPr>
-            <a:endParaRPr lang="fr-FR"/>
+            <a:endParaRPr lang="en-US"/>
           </a:p>
         </c:txPr>
         <c:crossAx val="2041041472"/>
@@ -4459,7 +4460,7 @@
                   <a:cs typeface="+mn-cs"/>
                 </a:defRPr>
               </a:pPr>
-              <a:endParaRPr lang="fr-FR"/>
+              <a:endParaRPr lang="en-US"/>
             </a:p>
           </c:txPr>
         </c:title>
@@ -4497,7 +4498,7 @@
                 <a:cs typeface="+mn-cs"/>
               </a:defRPr>
             </a:pPr>
-            <a:endParaRPr lang="fr-FR"/>
+            <a:endParaRPr lang="en-US"/>
           </a:p>
         </c:txPr>
         <c:crossAx val="2041040032"/>
@@ -4537,7 +4538,7 @@
       <a:pPr>
         <a:defRPr/>
       </a:pPr>
-      <a:endParaRPr lang="fr-FR"/>
+      <a:endParaRPr lang="en-US"/>
     </a:p>
   </c:txPr>
   <c:externalData r:id="rId3">
@@ -4549,7 +4550,7 @@
 <file path=ppt/charts/chart5.xml><?xml version="1.0" encoding="utf-8"?>
 <c:chartSpace xmlns:c="http://schemas.openxmlformats.org/drawingml/2006/chart" xmlns:a="http://schemas.openxmlformats.org/drawingml/2006/main" xmlns:r="http://schemas.openxmlformats.org/officeDocument/2006/relationships" xmlns:c16r2="http://schemas.microsoft.com/office/drawing/2015/06/chart">
   <c:date1904 val="0"/>
-  <c:lang val="fr-FR"/>
+  <c:lang val="en-US"/>
   <c:roundedCorners val="0"/>
   <mc:AlternateContent xmlns:mc="http://schemas.openxmlformats.org/markup-compatibility/2006">
     <mc:Choice xmlns:c14="http://schemas.microsoft.com/office/drawing/2007/8/2/chart" Requires="c14">
@@ -4797,7 +4798,7 @@
                   <a:cs typeface="+mn-cs"/>
                 </a:defRPr>
               </a:pPr>
-              <a:endParaRPr lang="fr-FR"/>
+              <a:endParaRPr lang="en-US"/>
             </a:p>
           </c:txPr>
         </c:title>
@@ -4835,7 +4836,7 @@
                 <a:cs typeface="+mn-cs"/>
               </a:defRPr>
             </a:pPr>
-            <a:endParaRPr lang="fr-FR"/>
+            <a:endParaRPr lang="en-US"/>
           </a:p>
         </c:txPr>
         <c:crossAx val="1632011967"/>
@@ -4875,7 +4876,7 @@
       <a:pPr>
         <a:defRPr/>
       </a:pPr>
-      <a:endParaRPr lang="fr-FR"/>
+      <a:endParaRPr lang="en-US"/>
     </a:p>
   </c:txPr>
   <c:externalData r:id="rId3">
@@ -7687,6 +7688,27 @@
       </a:p>
     </p188:txBody>
   </p188:cm>
+  <p188:cm id="{595FFDDA-B7D5-4571-BF56-6D90370887B7}" authorId="{53E43574-7A34-154C-E512-F6CBCA51E7C2}" created="2024-04-10T23:23:16.648">
+    <ac:txMkLst xmlns:ac="http://schemas.microsoft.com/office/drawing/2013/main/command">
+      <pc:docMk xmlns:pc="http://schemas.microsoft.com/office/powerpoint/2013/main/command"/>
+      <pc:sldMk xmlns:pc="http://schemas.microsoft.com/office/powerpoint/2013/main/command" cId="3854952326" sldId="264"/>
+      <ac:spMk id="13" creationId="{0A89B34A-8F02-C6EA-B396-FDA8E978F524}"/>
+      <ac:txMk cp="613" len="5">
+        <ac:context len="823" hash="3572908270"/>
+      </ac:txMk>
+    </ac:txMkLst>
+    <p188:pos x="5775837" y="2561689"/>
+    <p188:txBody>
+      <a:bodyPr/>
+      <a:lstStyle/>
+      <a:p>
+        <a:r>
+          <a:rPr lang="en-CA"/>
+          <a:t>On étudie le déplacement postérieur et non axial</a:t>
+        </a:r>
+      </a:p>
+    </p188:txBody>
+  </p188:cm>
 </p188:cmLst>
 </file>
 
@@ -7709,6 +7731,58 @@
         <a:r>
           <a:rPr lang="en-CA"/>
           <a:t>S'assurer qu'il ya vriament une solution analytique connue pour timoshenko - ou bien juste prendre EUler</a:t>
+        </a:r>
+      </a:p>
+    </p188:txBody>
+  </p188:cm>
+</p188:cmLst>
+</file>
+
+<file path=ppt/comments/modernComment_115_F7272C08.xml><?xml version="1.0" encoding="utf-8"?>
+<p188:cmLst xmlns:a="http://schemas.openxmlformats.org/drawingml/2006/main" xmlns:r="http://schemas.openxmlformats.org/officeDocument/2006/relationships" xmlns:p188="http://schemas.microsoft.com/office/powerpoint/2018/8/main">
+  <p188:cm id="{BD2CB6A7-C766-4013-9353-00268370D7E2}" authorId="{53E43574-7A34-154C-E512-F6CBCA51E7C2}" created="2024-04-10T23:32:48.229">
+    <ac:txMkLst xmlns:ac="http://schemas.microsoft.com/office/drawing/2013/main/command">
+      <pc:docMk xmlns:pc="http://schemas.microsoft.com/office/powerpoint/2013/main/command"/>
+      <pc:sldMk xmlns:pc="http://schemas.microsoft.com/office/powerpoint/2013/main/command" cId="4146539528" sldId="277"/>
+      <ac:spMk id="3" creationId="{57846E6E-541E-C380-2EC3-91AF5BEE61F6}"/>
+      <ac:txMk cp="441" len="6">
+        <ac:context len="1051" hash="3157278520"/>
+      </ac:txMk>
+    </ac:txMkLst>
+    <p188:pos x="638175" y="3335901"/>
+    <p188:txBody>
+      <a:bodyPr/>
+      <a:lstStyle/>
+      <a:p>
+        <a:r>
+          <a:rPr lang="en-CA"/>
+          <a:t>C'est la déflection postérieure ici qu'on analyse</a:t>
+        </a:r>
+      </a:p>
+    </p188:txBody>
+  </p188:cm>
+</p188:cmLst>
+</file>
+
+<file path=ppt/comments/modernComment_116_FD4FE663.xml><?xml version="1.0" encoding="utf-8"?>
+<p188:cmLst xmlns:a="http://schemas.openxmlformats.org/drawingml/2006/main" xmlns:r="http://schemas.openxmlformats.org/officeDocument/2006/relationships" xmlns:p188="http://schemas.microsoft.com/office/powerpoint/2018/8/main">
+  <p188:cm id="{ABBF32EC-3F3C-4CB0-9E1E-7F1A4876E19C}" authorId="{53E43574-7A34-154C-E512-F6CBCA51E7C2}" created="2024-04-10T23:34:17.376">
+    <ac:txMkLst xmlns:ac="http://schemas.microsoft.com/office/drawing/2013/main/command">
+      <pc:docMk xmlns:pc="http://schemas.microsoft.com/office/powerpoint/2013/main/command"/>
+      <pc:sldMk xmlns:pc="http://schemas.microsoft.com/office/powerpoint/2013/main/command" cId="4249871971" sldId="278"/>
+      <ac:spMk id="3" creationId="{57846E6E-541E-C380-2EC3-91AF5BEE61F6}"/>
+      <ac:txMk cp="59" len="5">
+        <ac:context len="854" hash="3580751890"/>
+      </ac:txMk>
+    </ac:txMkLst>
+    <p188:pos x="4876800" y="535551"/>
+    <p188:txBody>
+      <a:bodyPr/>
+      <a:lstStyle/>
+      <a:p>
+        <a:r>
+          <a:rPr lang="en-CA"/>
+          <a:t>postérieur</a:t>
         </a:r>
       </a:p>
     </p188:txBody>
@@ -7796,6 +7870,32 @@
         <a:r>
           <a:rPr lang="en-CA"/>
           <a:t>Qq1 peut confirmer?</a:t>
+        </a:r>
+      </a:p>
+    </p188:txBody>
+  </p188:cm>
+</p188:cmLst>
+</file>
+
+<file path=ppt/comments/modernComment_11E_1D7F8001.xml><?xml version="1.0" encoding="utf-8"?>
+<p188:cmLst xmlns:a="http://schemas.openxmlformats.org/drawingml/2006/main" xmlns:r="http://schemas.openxmlformats.org/officeDocument/2006/relationships" xmlns:p188="http://schemas.microsoft.com/office/powerpoint/2018/8/main">
+  <p188:cm id="{DAB7DD91-4611-4132-AA57-7C73CA635F1A}" authorId="{53E43574-7A34-154C-E512-F6CBCA51E7C2}" created="2024-04-10T23:30:28.627">
+    <ac:txMkLst xmlns:ac="http://schemas.microsoft.com/office/drawing/2013/main/command">
+      <pc:docMk xmlns:pc="http://schemas.microsoft.com/office/powerpoint/2013/main/command"/>
+      <pc:sldMk xmlns:pc="http://schemas.microsoft.com/office/powerpoint/2013/main/command" cId="494895105" sldId="286"/>
+      <ac:spMk id="3" creationId="{57846E6E-541E-C380-2EC3-91AF5BEE61F6}"/>
+      <ac:txMk cp="596" len="381">
+        <ac:context len="1146" hash="121234561"/>
+      </ac:txMk>
+    </ac:txMkLst>
+    <p188:pos x="10506075" y="2497701"/>
+    <p188:txBody>
+      <a:bodyPr/>
+      <a:lstStyle/>
+      <a:p>
+        <a:r>
+          <a:rPr lang="en-CA"/>
+          <a:t>On peut également parler du fait que l'encastrement impose un angle nulle qui ne peut pas être respecté par des élément linéaire ce qui introduit un erreur entre les nœuds dû à l'interpolation</a:t>
         </a:r>
       </a:p>
     </p188:txBody>
@@ -7885,7 +7985,7 @@
           <a:p>
             <a:fld id="{DAB5DE69-65B2-445A-B9D2-BC2BC199D49F}" type="datetimeFigureOut">
               <a:rPr lang="en-CA" smtClean="0"/>
-              <a:t>2024-04-09</a:t>
+              <a:t>2024-04-10</a:t>
             </a:fld>
             <a:endParaRPr lang="en-CA"/>
           </a:p>
@@ -8044,7 +8144,7 @@
           <a:p>
             <a:fld id="{603E9730-38DB-4F77-A139-6CE923099591}" type="slidenum">
               <a:rPr lang="en-CA" smtClean="0"/>
-              <a:t>‹N°›</a:t>
+              <a:t>‹#›</a:t>
             </a:fld>
             <a:endParaRPr lang="en-CA"/>
           </a:p>
@@ -8302,7 +8402,7 @@
           <a:p>
             <a:fld id="{CF633E34-DD75-4254-AB88-C9D2090F6CC5}" type="datetimeFigureOut">
               <a:rPr lang="en-CA" smtClean="0"/>
-              <a:t>2024-04-09</a:t>
+              <a:t>2024-04-10</a:t>
             </a:fld>
             <a:endParaRPr lang="en-CA"/>
           </a:p>
@@ -8356,7 +8456,7 @@
           <a:p>
             <a:fld id="{4BD3201E-7DF8-462B-AC18-61E63795AE0D}" type="slidenum">
               <a:rPr lang="en-CA" smtClean="0"/>
-              <a:t>‹N°›</a:t>
+              <a:t>‹#›</a:t>
             </a:fld>
             <a:endParaRPr lang="en-CA"/>
           </a:p>
@@ -8502,7 +8602,7 @@
           <a:p>
             <a:fld id="{CF633E34-DD75-4254-AB88-C9D2090F6CC5}" type="datetimeFigureOut">
               <a:rPr lang="en-CA" smtClean="0"/>
-              <a:t>2024-04-09</a:t>
+              <a:t>2024-04-10</a:t>
             </a:fld>
             <a:endParaRPr lang="en-CA"/>
           </a:p>
@@ -8556,7 +8656,7 @@
           <a:p>
             <a:fld id="{4BD3201E-7DF8-462B-AC18-61E63795AE0D}" type="slidenum">
               <a:rPr lang="en-CA" smtClean="0"/>
-              <a:t>‹N°›</a:t>
+              <a:t>‹#›</a:t>
             </a:fld>
             <a:endParaRPr lang="en-CA"/>
           </a:p>
@@ -8712,7 +8812,7 @@
           <a:p>
             <a:fld id="{CF633E34-DD75-4254-AB88-C9D2090F6CC5}" type="datetimeFigureOut">
               <a:rPr lang="en-CA" smtClean="0"/>
-              <a:t>2024-04-09</a:t>
+              <a:t>2024-04-10</a:t>
             </a:fld>
             <a:endParaRPr lang="en-CA"/>
           </a:p>
@@ -8766,7 +8866,7 @@
           <a:p>
             <a:fld id="{4BD3201E-7DF8-462B-AC18-61E63795AE0D}" type="slidenum">
               <a:rPr lang="en-CA" smtClean="0"/>
-              <a:t>‹N°›</a:t>
+              <a:t>‹#›</a:t>
             </a:fld>
             <a:endParaRPr lang="en-CA"/>
           </a:p>
@@ -8912,7 +9012,7 @@
           <a:p>
             <a:fld id="{CF633E34-DD75-4254-AB88-C9D2090F6CC5}" type="datetimeFigureOut">
               <a:rPr lang="en-CA" smtClean="0"/>
-              <a:t>2024-04-09</a:t>
+              <a:t>2024-04-10</a:t>
             </a:fld>
             <a:endParaRPr lang="en-CA"/>
           </a:p>
@@ -8966,7 +9066,7 @@
           <a:p>
             <a:fld id="{4BD3201E-7DF8-462B-AC18-61E63795AE0D}" type="slidenum">
               <a:rPr lang="en-CA" smtClean="0"/>
-              <a:t>‹N°›</a:t>
+              <a:t>‹#›</a:t>
             </a:fld>
             <a:endParaRPr lang="en-CA"/>
           </a:p>
@@ -9188,7 +9288,7 @@
           <a:p>
             <a:fld id="{CF633E34-DD75-4254-AB88-C9D2090F6CC5}" type="datetimeFigureOut">
               <a:rPr lang="en-CA" smtClean="0"/>
-              <a:t>2024-04-09</a:t>
+              <a:t>2024-04-10</a:t>
             </a:fld>
             <a:endParaRPr lang="en-CA"/>
           </a:p>
@@ -9242,7 +9342,7 @@
           <a:p>
             <a:fld id="{4BD3201E-7DF8-462B-AC18-61E63795AE0D}" type="slidenum">
               <a:rPr lang="en-CA" smtClean="0"/>
-              <a:t>‹N°›</a:t>
+              <a:t>‹#›</a:t>
             </a:fld>
             <a:endParaRPr lang="en-CA"/>
           </a:p>
@@ -9456,7 +9556,7 @@
           <a:p>
             <a:fld id="{CF633E34-DD75-4254-AB88-C9D2090F6CC5}" type="datetimeFigureOut">
               <a:rPr lang="en-CA" smtClean="0"/>
-              <a:t>2024-04-09</a:t>
+              <a:t>2024-04-10</a:t>
             </a:fld>
             <a:endParaRPr lang="en-CA"/>
           </a:p>
@@ -9510,7 +9610,7 @@
           <a:p>
             <a:fld id="{4BD3201E-7DF8-462B-AC18-61E63795AE0D}" type="slidenum">
               <a:rPr lang="en-CA" smtClean="0"/>
-              <a:t>‹N°›</a:t>
+              <a:t>‹#›</a:t>
             </a:fld>
             <a:endParaRPr lang="en-CA"/>
           </a:p>
@@ -9871,7 +9971,7 @@
           <a:p>
             <a:fld id="{CF633E34-DD75-4254-AB88-C9D2090F6CC5}" type="datetimeFigureOut">
               <a:rPr lang="en-CA" smtClean="0"/>
-              <a:t>2024-04-09</a:t>
+              <a:t>2024-04-10</a:t>
             </a:fld>
             <a:endParaRPr lang="en-CA"/>
           </a:p>
@@ -9925,7 +10025,7 @@
           <a:p>
             <a:fld id="{4BD3201E-7DF8-462B-AC18-61E63795AE0D}" type="slidenum">
               <a:rPr lang="en-CA" smtClean="0"/>
-              <a:t>‹N°›</a:t>
+              <a:t>‹#›</a:t>
             </a:fld>
             <a:endParaRPr lang="en-CA"/>
           </a:p>
@@ -10013,7 +10113,7 @@
           <a:p>
             <a:fld id="{CF633E34-DD75-4254-AB88-C9D2090F6CC5}" type="datetimeFigureOut">
               <a:rPr lang="en-CA" smtClean="0"/>
-              <a:t>2024-04-09</a:t>
+              <a:t>2024-04-10</a:t>
             </a:fld>
             <a:endParaRPr lang="en-CA"/>
           </a:p>
@@ -10067,7 +10167,7 @@
           <a:p>
             <a:fld id="{4BD3201E-7DF8-462B-AC18-61E63795AE0D}" type="slidenum">
               <a:rPr lang="en-CA" smtClean="0"/>
-              <a:t>‹N°›</a:t>
+              <a:t>‹#›</a:t>
             </a:fld>
             <a:endParaRPr lang="en-CA"/>
           </a:p>
@@ -10126,7 +10226,7 @@
           <a:p>
             <a:fld id="{CF633E34-DD75-4254-AB88-C9D2090F6CC5}" type="datetimeFigureOut">
               <a:rPr lang="en-CA" smtClean="0"/>
-              <a:t>2024-04-09</a:t>
+              <a:t>2024-04-10</a:t>
             </a:fld>
             <a:endParaRPr lang="en-CA"/>
           </a:p>
@@ -10180,7 +10280,7 @@
           <a:p>
             <a:fld id="{4BD3201E-7DF8-462B-AC18-61E63795AE0D}" type="slidenum">
               <a:rPr lang="en-CA" smtClean="0"/>
-              <a:t>‹N°›</a:t>
+              <a:t>‹#›</a:t>
             </a:fld>
             <a:endParaRPr lang="en-CA"/>
           </a:p>
@@ -10439,7 +10539,7 @@
           <a:p>
             <a:fld id="{CF633E34-DD75-4254-AB88-C9D2090F6CC5}" type="datetimeFigureOut">
               <a:rPr lang="en-CA" smtClean="0"/>
-              <a:t>2024-04-09</a:t>
+              <a:t>2024-04-10</a:t>
             </a:fld>
             <a:endParaRPr lang="en-CA"/>
           </a:p>
@@ -10493,7 +10593,7 @@
           <a:p>
             <a:fld id="{4BD3201E-7DF8-462B-AC18-61E63795AE0D}" type="slidenum">
               <a:rPr lang="en-CA" smtClean="0"/>
-              <a:t>‹N°›</a:t>
+              <a:t>‹#›</a:t>
             </a:fld>
             <a:endParaRPr lang="en-CA"/>
           </a:p>
@@ -10728,7 +10828,7 @@
           <a:p>
             <a:fld id="{CF633E34-DD75-4254-AB88-C9D2090F6CC5}" type="datetimeFigureOut">
               <a:rPr lang="en-CA" smtClean="0"/>
-              <a:t>2024-04-09</a:t>
+              <a:t>2024-04-10</a:t>
             </a:fld>
             <a:endParaRPr lang="en-CA"/>
           </a:p>
@@ -10782,7 +10882,7 @@
           <a:p>
             <a:fld id="{4BD3201E-7DF8-462B-AC18-61E63795AE0D}" type="slidenum">
               <a:rPr lang="en-CA" smtClean="0"/>
-              <a:t>‹N°›</a:t>
+              <a:t>‹#›</a:t>
             </a:fld>
             <a:endParaRPr lang="en-CA"/>
           </a:p>
@@ -10971,7 +11071,7 @@
           <a:p>
             <a:fld id="{CF633E34-DD75-4254-AB88-C9D2090F6CC5}" type="datetimeFigureOut">
               <a:rPr lang="en-CA" smtClean="0"/>
-              <a:t>2024-04-09</a:t>
+              <a:t>2024-04-10</a:t>
             </a:fld>
             <a:endParaRPr lang="en-CA"/>
           </a:p>
@@ -11061,7 +11161,7 @@
           <a:p>
             <a:fld id="{4BD3201E-7DF8-462B-AC18-61E63795AE0D}" type="slidenum">
               <a:rPr lang="en-CA" smtClean="0"/>
-              <a:t>‹N°›</a:t>
+              <a:t>‹#›</a:t>
             </a:fld>
             <a:endParaRPr lang="en-CA"/>
           </a:p>
@@ -14883,8 +14983,8 @@
           </a:p>
         </p:txBody>
       </p:sp>
-      <mc:AlternateContent xmlns:mc="http://schemas.openxmlformats.org/markup-compatibility/2006" xmlns:a14="http://schemas.microsoft.com/office/drawing/2010/main">
-        <mc:Choice Requires="a14">
+      <mc:AlternateContent xmlns:mc="http://schemas.openxmlformats.org/markup-compatibility/2006">
+        <mc:Choice xmlns:a14="http://schemas.microsoft.com/office/drawing/2010/main" Requires="a14">
           <p:sp>
             <p:nvSpPr>
               <p:cNvPr id="3" name="Content Placeholder 2">
@@ -15456,15 +15556,7 @@
                 </a:r>
                 <a:r>
                   <a:rPr lang="fr-FR" sz="1600" dirty="0"/>
-                  <a:t>, on suppose que la </a:t>
-                </a:r>
-                <a:r>
-                  <a:rPr lang="fr-FR" sz="1600" dirty="0" err="1"/>
-                  <a:t>deflexion</a:t>
-                </a:r>
-                <a:r>
-                  <a:rPr lang="fr-FR" sz="1600" dirty="0"/>
-                  <a:t> axiale expérimentale a été mesurée avec un capteur de déformations (fonctionnement basé sur des jauges de déformation disposées en un pont de Wheatstone). Cette « ignorance » peut être traitée comme une erreur épistémique et donc en effectuant des recherches, un certain modèle de capteur à application médicale a été identifié: le capteur </a:t>
+                  <a:t>, on suppose que la déflexion axiale expérimentale a été mesurée avec un capteur de déformations (fonctionnement basé sur des jauges de déformation disposées en un pont de Wheatstone). Cette « ignorance » peut être traitée comme une erreur épistémique et donc en effectuant des recherches, un certain modèle de capteur à application médicale a été identifié: le capteur </a:t>
                 </a:r>
                 <a:r>
                   <a:rPr lang="en-CA" sz="1600" i="1" dirty="0"/>
@@ -15508,7 +15600,7 @@
                 </a:pPr>
                 <a:r>
                   <a:rPr lang="en-CA" sz="1300" dirty="0">
-                    <a:hlinkClick r:id="rId2"/>
+                    <a:hlinkClick r:id="rId3"/>
                   </a:rPr>
                   <a:t>²msa-datasheet-en.pdf (flintec.com)</a:t>
                 </a:r>
@@ -15524,7 +15616,7 @@
             </p:txBody>
           </p:sp>
         </mc:Choice>
-        <mc:Fallback xmlns="">
+        <mc:Fallback>
           <p:sp>
             <p:nvSpPr>
               <p:cNvPr id="3" name="Content Placeholder 2">
@@ -15547,7 +15639,7 @@
                 <a:ext cx="10515600" cy="5342501"/>
               </a:xfrm>
               <a:blipFill>
-                <a:blip r:embed="rId3"/>
+                <a:blip r:embed="rId4"/>
                 <a:stretch>
                   <a:fillRect l="-348" t="-228" r="-290"/>
                 </a:stretch>
@@ -15578,6 +15670,11 @@
   <p:clrMapOvr>
     <a:masterClrMapping/>
   </p:clrMapOvr>
+  <p:extLst>
+    <p:ext uri="{6950BFC3-D8DA-4A85-94F7-54DA5524770B}">
+      <p188:commentRel xmlns:p188="http://schemas.microsoft.com/office/powerpoint/2018/8/main" r:id="rId2"/>
+    </p:ext>
+  </p:extLst>
 </p:sld>
 </file>
 
@@ -17773,7 +17870,7 @@
                 <a:ext cx="7535770" cy="5342501"/>
               </a:xfrm>
               <a:blipFill>
-                <a:blip r:embed="rId2"/>
+                <a:blip r:embed="rId3"/>
                 <a:stretch>
                   <a:fillRect l="-566" t="-342" r="-485"/>
                 </a:stretch>
@@ -18136,7 +18233,7 @@
                       </a:txBody>
                       <a:tcPr>
                         <a:blipFill>
-                          <a:blip r:embed="rId3"/>
+                          <a:blip r:embed="rId4"/>
                           <a:stretch>
                             <a:fillRect l="-444" t="-6557" r="-100444" b="-226230"/>
                           </a:stretch>
@@ -18177,7 +18274,7 @@
                       </a:txBody>
                       <a:tcPr>
                         <a:blipFill>
-                          <a:blip r:embed="rId3"/>
+                          <a:blip r:embed="rId4"/>
                           <a:stretch>
                             <a:fillRect l="-444" t="-106557" r="-100444" b="-126230"/>
                           </a:stretch>
@@ -18218,7 +18315,7 @@
                       </a:txBody>
                       <a:tcPr>
                         <a:blipFill>
-                          <a:blip r:embed="rId3"/>
+                          <a:blip r:embed="rId4"/>
                           <a:stretch>
                             <a:fillRect l="-444" t="-206557" r="-100444" b="-26230"/>
                           </a:stretch>
@@ -18288,7 +18385,7 @@
         </p:xfrm>
         <a:graphic>
           <a:graphicData uri="http://schemas.openxmlformats.org/drawingml/2006/chart">
-            <c:chart xmlns:c="http://schemas.openxmlformats.org/drawingml/2006/chart" xmlns:r="http://schemas.openxmlformats.org/officeDocument/2006/relationships" r:id="rId4"/>
+            <c:chart xmlns:c="http://schemas.openxmlformats.org/drawingml/2006/chart" xmlns:r="http://schemas.openxmlformats.org/officeDocument/2006/relationships" r:id="rId5"/>
           </a:graphicData>
         </a:graphic>
       </p:graphicFrame>
@@ -18362,6 +18459,11 @@
   <p:clrMapOvr>
     <a:masterClrMapping/>
   </p:clrMapOvr>
+  <p:extLst>
+    <p:ext uri="{6950BFC3-D8DA-4A85-94F7-54DA5524770B}">
+      <p188:commentRel xmlns:p188="http://schemas.microsoft.com/office/powerpoint/2018/8/main" r:id="rId2"/>
+    </p:ext>
+  </p:extLst>
 </p:sld>
 </file>
 
@@ -22123,8 +22225,8 @@
           </a:p>
         </p:txBody>
       </p:sp>
-      <mc:AlternateContent xmlns:mc="http://schemas.openxmlformats.org/markup-compatibility/2006">
-        <mc:Choice xmlns:a14="http://schemas.microsoft.com/office/drawing/2010/main" Requires="a14">
+      <mc:AlternateContent xmlns:mc="http://schemas.openxmlformats.org/markup-compatibility/2006" xmlns:a14="http://schemas.microsoft.com/office/drawing/2010/main">
+        <mc:Choice Requires="a14">
           <p:sp>
             <p:nvSpPr>
               <p:cNvPr id="3" name="Content Placeholder 2">
@@ -22329,7 +22431,7 @@
             </p:txBody>
           </p:sp>
         </mc:Choice>
-        <mc:Fallback>
+        <mc:Fallback xmlns="">
           <p:sp>
             <p:nvSpPr>
               <p:cNvPr id="3" name="Content Placeholder 2">
@@ -23467,8 +23569,8 @@
           </a:p>
         </p:txBody>
       </p:sp>
-      <mc:AlternateContent xmlns:mc="http://schemas.openxmlformats.org/markup-compatibility/2006">
-        <mc:Choice xmlns:a14="http://schemas.microsoft.com/office/drawing/2010/main" Requires="a14">
+      <mc:AlternateContent xmlns:mc="http://schemas.openxmlformats.org/markup-compatibility/2006" xmlns:a14="http://schemas.microsoft.com/office/drawing/2010/main">
+        <mc:Choice Requires="a14">
           <p:sp>
             <p:nvSpPr>
               <p:cNvPr id="3" name="Content Placeholder 2">
@@ -23645,7 +23747,7 @@
             </p:txBody>
           </p:sp>
         </mc:Choice>
-        <mc:Fallback>
+        <mc:Fallback xmlns="">
           <p:sp>
             <p:nvSpPr>
               <p:cNvPr id="3" name="Content Placeholder 2">
@@ -23668,7 +23770,7 @@
                 <a:ext cx="10515600" cy="5342501"/>
               </a:xfrm>
               <a:blipFill>
-                <a:blip r:embed="rId2"/>
+                <a:blip r:embed="rId3"/>
                 <a:stretch>
                   <a:fillRect l="-522" t="-1142" r="-464"/>
                 </a:stretch>
@@ -23699,6 +23801,11 @@
   <p:clrMapOvr>
     <a:masterClrMapping/>
   </p:clrMapOvr>
+  <p:extLst>
+    <p:ext uri="{6950BFC3-D8DA-4A85-94F7-54DA5524770B}">
+      <p188:commentRel xmlns:p188="http://schemas.microsoft.com/office/powerpoint/2018/8/main" r:id="rId2"/>
+    </p:ext>
+  </p:extLst>
 </p:sld>
 </file>
 
@@ -24342,6 +24449,17 @@
 </file>
 
 <file path=customXml/item2.xml><?xml version="1.0" encoding="utf-8"?>
+<p:properties xmlns:p="http://schemas.microsoft.com/office/2006/metadata/properties" xmlns:xsi="http://www.w3.org/2001/XMLSchema-instance" xmlns:pc="http://schemas.microsoft.com/office/infopath/2007/PartnerControls">
+  <documentManagement>
+    <lcf76f155ced4ddcb4097134ff3c332f xmlns="ec825916-6f01-4646-bf11-4e97fdd06dc8">
+      <Terms xmlns="http://schemas.microsoft.com/office/infopath/2007/PartnerControls"/>
+    </lcf76f155ced4ddcb4097134ff3c332f>
+    <TaxCatchAll xmlns="10202d72-3646-4d36-9cf4-1feba2c78df0" xsi:nil="true"/>
+  </documentManagement>
+</p:properties>
+</file>
+
+<file path=customXml/item3.xml><?xml version="1.0" encoding="utf-8"?>
 <ct:contentTypeSchema xmlns:ct="http://schemas.microsoft.com/office/2006/metadata/contentType" xmlns:ma="http://schemas.microsoft.com/office/2006/metadata/properties/metaAttributes" ct:_="" ma:_="" ma:contentTypeName="Document" ma:contentTypeID="0x010100744768CFAF743F4A83B0523C20156377" ma:contentTypeVersion="11" ma:contentTypeDescription="Create a new document." ma:contentTypeScope="" ma:versionID="aafa440e1ffbdaf1b0956f4ac1c916a8">
   <xsd:schema xmlns:xsd="http://www.w3.org/2001/XMLSchema" xmlns:xs="http://www.w3.org/2001/XMLSchema" xmlns:p="http://schemas.microsoft.com/office/2006/metadata/properties" xmlns:ns2="ec825916-6f01-4646-bf11-4e97fdd06dc8" xmlns:ns3="10202d72-3646-4d36-9cf4-1feba2c78df0" targetNamespace="http://schemas.microsoft.com/office/2006/metadata/properties" ma:root="true" ma:fieldsID="7a73fe93b8aa32af4ca50956a2221801" ns2:_="" ns3:_="">
     <xsd:import namespace="ec825916-6f01-4646-bf11-4e97fdd06dc8"/>
@@ -24536,17 +24654,6 @@
 </ct:contentTypeSchema>
 </file>
 
-<file path=customXml/item3.xml><?xml version="1.0" encoding="utf-8"?>
-<p:properties xmlns:p="http://schemas.microsoft.com/office/2006/metadata/properties" xmlns:xsi="http://www.w3.org/2001/XMLSchema-instance" xmlns:pc="http://schemas.microsoft.com/office/infopath/2007/PartnerControls">
-  <documentManagement>
-    <lcf76f155ced4ddcb4097134ff3c332f xmlns="ec825916-6f01-4646-bf11-4e97fdd06dc8">
-      <Terms xmlns="http://schemas.microsoft.com/office/infopath/2007/PartnerControls"/>
-    </lcf76f155ced4ddcb4097134ff3c332f>
-    <TaxCatchAll xmlns="10202d72-3646-4d36-9cf4-1feba2c78df0" xsi:nil="true"/>
-  </documentManagement>
-</p:properties>
-</file>
-
 <file path=customXml/itemProps1.xml><?xml version="1.0" encoding="utf-8"?>
 <ds:datastoreItem xmlns:ds="http://schemas.openxmlformats.org/officeDocument/2006/customXml" ds:itemID="{73F4A501-0066-4B8E-9AA2-A07CF344BF69}">
   <ds:schemaRefs>
@@ -24556,6 +24663,23 @@
 </file>
 
 <file path=customXml/itemProps2.xml><?xml version="1.0" encoding="utf-8"?>
+<ds:datastoreItem xmlns:ds="http://schemas.openxmlformats.org/officeDocument/2006/customXml" ds:itemID="{CC0D4AF6-CA21-4510-812C-479171907BC9}">
+  <ds:schemaRefs>
+    <ds:schemaRef ds:uri="ec825916-6f01-4646-bf11-4e97fdd06dc8"/>
+    <ds:schemaRef ds:uri="http://schemas.microsoft.com/office/2006/documentManagement/types"/>
+    <ds:schemaRef ds:uri="http://purl.org/dc/dcmitype/"/>
+    <ds:schemaRef ds:uri="http://schemas.microsoft.com/office/infopath/2007/PartnerControls"/>
+    <ds:schemaRef ds:uri="http://purl.org/dc/terms/"/>
+    <ds:schemaRef ds:uri="10202d72-3646-4d36-9cf4-1feba2c78df0"/>
+    <ds:schemaRef ds:uri="http://www.w3.org/XML/1998/namespace"/>
+    <ds:schemaRef ds:uri="http://schemas.microsoft.com/office/2006/metadata/properties"/>
+    <ds:schemaRef ds:uri="http://schemas.openxmlformats.org/package/2006/metadata/core-properties"/>
+    <ds:schemaRef ds:uri="http://purl.org/dc/elements/1.1/"/>
+  </ds:schemaRefs>
+</ds:datastoreItem>
+</file>
+
+<file path=customXml/itemProps3.xml><?xml version="1.0" encoding="utf-8"?>
 <ds:datastoreItem xmlns:ds="http://schemas.openxmlformats.org/officeDocument/2006/customXml" ds:itemID="{4AB5C90D-8262-4EAC-95BF-2CC4C44D50EC}">
   <ds:schemaRefs>
     <ds:schemaRef ds:uri="10202d72-3646-4d36-9cf4-1feba2c78df0"/>
@@ -24572,21 +24696,4 @@
     <ds:schemaRef ds:uri="http://www.w3.org/2001/XMLSchema"/>
   </ds:schemaRefs>
 </ds:datastoreItem>
-</file>
-
-<file path=customXml/itemProps3.xml><?xml version="1.0" encoding="utf-8"?>
-<ds:datastoreItem xmlns:ds="http://schemas.openxmlformats.org/officeDocument/2006/customXml" ds:itemID="{CC0D4AF6-CA21-4510-812C-479171907BC9}">
-  <ds:schemaRefs>
-    <ds:schemaRef ds:uri="ec825916-6f01-4646-bf11-4e97fdd06dc8"/>
-    <ds:schemaRef ds:uri="http://schemas.microsoft.com/office/2006/documentManagement/types"/>
-    <ds:schemaRef ds:uri="http://purl.org/dc/dcmitype/"/>
-    <ds:schemaRef ds:uri="http://schemas.microsoft.com/office/infopath/2007/PartnerControls"/>
-    <ds:schemaRef ds:uri="http://purl.org/dc/terms/"/>
-    <ds:schemaRef ds:uri="10202d72-3646-4d36-9cf4-1feba2c78df0"/>
-    <ds:schemaRef ds:uri="http://www.w3.org/XML/1998/namespace"/>
-    <ds:schemaRef ds:uri="http://schemas.microsoft.com/office/2006/metadata/properties"/>
-    <ds:schemaRef ds:uri="http://schemas.openxmlformats.org/package/2006/metadata/core-properties"/>
-    <ds:schemaRef ds:uri="http://purl.org/dc/elements/1.1/"/>
-  </ds:schemaRefs>
-</ds:datastoreItem>
 </file>
--- a/Rapport_Projet_V1.pptx
+++ b/Rapport_Projet_V1.pptx
@@ -952,7 +952,7 @@
 <file path=ppt/charts/chart1.xml><?xml version="1.0" encoding="utf-8"?>
 <c:chartSpace xmlns:c="http://schemas.openxmlformats.org/drawingml/2006/chart" xmlns:a="http://schemas.openxmlformats.org/drawingml/2006/main" xmlns:r="http://schemas.openxmlformats.org/officeDocument/2006/relationships" xmlns:c16r2="http://schemas.microsoft.com/office/drawing/2015/06/chart">
   <c:date1904 val="0"/>
-  <c:lang val="en-US"/>
+  <c:lang val="fr-FR"/>
   <c:roundedCorners val="0"/>
   <mc:AlternateContent xmlns:mc="http://schemas.openxmlformats.org/markup-compatibility/2006">
     <mc:Choice xmlns:c14="http://schemas.microsoft.com/office/drawing/2007/8/2/chart" Requires="c14">
@@ -1027,7 +1027,7 @@
               <a:cs typeface="+mn-cs"/>
             </a:defRPr>
           </a:pPr>
-          <a:endParaRPr lang="en-US"/>
+          <a:endParaRPr lang="fr-FR"/>
         </a:p>
       </c:txPr>
     </c:title>
@@ -1118,7 +1118,7 @@
                       <a:cs typeface="+mn-cs"/>
                     </a:defRPr>
                   </a:pPr>
-                  <a:endParaRPr lang="en-US"/>
+                  <a:endParaRPr lang="fr-FR"/>
                 </a:p>
               </c:txPr>
             </c:trendlineLbl>
@@ -1261,7 +1261,7 @@
                             <a:cs typeface="+mn-cs"/>
                           </a:defRPr>
                         </a:pPr>
-                        <a:endParaRPr lang="en-US"/>
+                        <a:endParaRPr lang="fr-FR"/>
                       </a:p>
                     </c:txPr>
                   </c:trendlineLbl>
@@ -1403,7 +1403,7 @@
                   <a:cs typeface="+mn-cs"/>
                 </a:defRPr>
               </a:pPr>
-              <a:endParaRPr lang="en-US"/>
+              <a:endParaRPr lang="fr-FR"/>
             </a:p>
           </c:txPr>
         </c:title>
@@ -1441,7 +1441,7 @@
                 <a:cs typeface="+mn-cs"/>
               </a:defRPr>
             </a:pPr>
-            <a:endParaRPr lang="en-US"/>
+            <a:endParaRPr lang="fr-FR"/>
           </a:p>
         </c:txPr>
         <c:crossAx val="1420657695"/>
@@ -1525,7 +1525,7 @@
                   <a:cs typeface="+mn-cs"/>
                 </a:defRPr>
               </a:pPr>
-              <a:endParaRPr lang="en-US"/>
+              <a:endParaRPr lang="fr-FR"/>
             </a:p>
           </c:txPr>
         </c:title>
@@ -1563,7 +1563,7 @@
                 <a:cs typeface="+mn-cs"/>
               </a:defRPr>
             </a:pPr>
-            <a:endParaRPr lang="en-US"/>
+            <a:endParaRPr lang="fr-FR"/>
           </a:p>
         </c:txPr>
         <c:crossAx val="1911372511"/>
@@ -1603,7 +1603,7 @@
       <a:pPr>
         <a:defRPr/>
       </a:pPr>
-      <a:endParaRPr lang="en-US"/>
+      <a:endParaRPr lang="fr-FR"/>
     </a:p>
   </c:txPr>
   <c:externalData r:id="rId3">
@@ -1615,7 +1615,7 @@
 <file path=ppt/charts/chart2.xml><?xml version="1.0" encoding="utf-8"?>
 <c:chartSpace xmlns:c="http://schemas.openxmlformats.org/drawingml/2006/chart" xmlns:a="http://schemas.openxmlformats.org/drawingml/2006/main" xmlns:r="http://schemas.openxmlformats.org/officeDocument/2006/relationships" xmlns:c16r2="http://schemas.microsoft.com/office/drawing/2015/06/chart">
   <c:date1904 val="0"/>
-  <c:lang val="en-US"/>
+  <c:lang val="fr-FR"/>
   <c:roundedCorners val="0"/>
   <mc:AlternateContent xmlns:mc="http://schemas.openxmlformats.org/markup-compatibility/2006">
     <mc:Choice xmlns:c14="http://schemas.microsoft.com/office/drawing/2007/8/2/chart" Requires="c14">
@@ -2376,7 +2376,7 @@
                   <a:cs typeface="+mn-cs"/>
                 </a:defRPr>
               </a:pPr>
-              <a:endParaRPr lang="en-US"/>
+              <a:endParaRPr lang="fr-FR"/>
             </a:p>
           </c:txPr>
         </c:title>
@@ -2414,7 +2414,7 @@
                 <a:cs typeface="+mn-cs"/>
               </a:defRPr>
             </a:pPr>
-            <a:endParaRPr lang="en-US"/>
+            <a:endParaRPr lang="fr-FR"/>
           </a:p>
         </c:txPr>
         <c:crossAx val="1457253920"/>
@@ -2494,7 +2494,7 @@
                   <a:cs typeface="+mn-cs"/>
                 </a:defRPr>
               </a:pPr>
-              <a:endParaRPr lang="en-US"/>
+              <a:endParaRPr lang="fr-FR"/>
             </a:p>
           </c:txPr>
         </c:title>
@@ -2532,7 +2532,7 @@
                 <a:cs typeface="+mn-cs"/>
               </a:defRPr>
             </a:pPr>
-            <a:endParaRPr lang="en-US"/>
+            <a:endParaRPr lang="fr-FR"/>
           </a:p>
         </c:txPr>
         <c:crossAx val="1457258720"/>
@@ -2572,7 +2572,7 @@
       <a:pPr>
         <a:defRPr/>
       </a:pPr>
-      <a:endParaRPr lang="en-US"/>
+      <a:endParaRPr lang="fr-FR"/>
     </a:p>
   </c:txPr>
   <c:externalData r:id="rId3">
@@ -2584,7 +2584,7 @@
 <file path=ppt/charts/chart3.xml><?xml version="1.0" encoding="utf-8"?>
 <c:chartSpace xmlns:c="http://schemas.openxmlformats.org/drawingml/2006/chart" xmlns:a="http://schemas.openxmlformats.org/drawingml/2006/main" xmlns:r="http://schemas.openxmlformats.org/officeDocument/2006/relationships" xmlns:c16r2="http://schemas.microsoft.com/office/drawing/2015/06/chart">
   <c:date1904 val="0"/>
-  <c:lang val="en-US"/>
+  <c:lang val="fr-FR"/>
   <c:roundedCorners val="0"/>
   <mc:AlternateContent xmlns:mc="http://schemas.openxmlformats.org/markup-compatibility/2006">
     <mc:Choice xmlns:c14="http://schemas.microsoft.com/office/drawing/2007/8/2/chart" Requires="c14">
@@ -3349,7 +3349,7 @@
                   <a:cs typeface="+mn-cs"/>
                 </a:defRPr>
               </a:pPr>
-              <a:endParaRPr lang="en-US"/>
+              <a:endParaRPr lang="fr-FR"/>
             </a:p>
           </c:txPr>
         </c:title>
@@ -3387,7 +3387,7 @@
                 <a:cs typeface="+mn-cs"/>
               </a:defRPr>
             </a:pPr>
-            <a:endParaRPr lang="en-US"/>
+            <a:endParaRPr lang="fr-FR"/>
           </a:p>
         </c:txPr>
         <c:crossAx val="2041938592"/>
@@ -3467,7 +3467,7 @@
                   <a:cs typeface="+mn-cs"/>
                 </a:defRPr>
               </a:pPr>
-              <a:endParaRPr lang="en-US"/>
+              <a:endParaRPr lang="fr-FR"/>
             </a:p>
           </c:txPr>
         </c:title>
@@ -3505,7 +3505,7 @@
                 <a:cs typeface="+mn-cs"/>
               </a:defRPr>
             </a:pPr>
-            <a:endParaRPr lang="en-US"/>
+            <a:endParaRPr lang="fr-FR"/>
           </a:p>
         </c:txPr>
         <c:crossAx val="2041944352"/>
@@ -3545,7 +3545,7 @@
       <a:pPr>
         <a:defRPr/>
       </a:pPr>
-      <a:endParaRPr lang="en-US"/>
+      <a:endParaRPr lang="fr-FR"/>
     </a:p>
   </c:txPr>
   <c:externalData r:id="rId3">
@@ -3557,7 +3557,7 @@
 <file path=ppt/charts/chart4.xml><?xml version="1.0" encoding="utf-8"?>
 <c:chartSpace xmlns:c="http://schemas.openxmlformats.org/drawingml/2006/chart" xmlns:a="http://schemas.openxmlformats.org/drawingml/2006/main" xmlns:r="http://schemas.openxmlformats.org/officeDocument/2006/relationships" xmlns:c16r2="http://schemas.microsoft.com/office/drawing/2015/06/chart">
   <c:date1904 val="0"/>
-  <c:lang val="en-US"/>
+  <c:lang val="fr-FR"/>
   <c:roundedCorners val="0"/>
   <mc:AlternateContent xmlns:mc="http://schemas.openxmlformats.org/markup-compatibility/2006">
     <mc:Choice xmlns:c14="http://schemas.microsoft.com/office/drawing/2007/8/2/chart" Requires="c14">
@@ -4342,7 +4342,7 @@
                   <a:cs typeface="+mn-cs"/>
                 </a:defRPr>
               </a:pPr>
-              <a:endParaRPr lang="en-US"/>
+              <a:endParaRPr lang="fr-FR"/>
             </a:p>
           </c:txPr>
         </c:title>
@@ -4380,7 +4380,7 @@
                 <a:cs typeface="+mn-cs"/>
               </a:defRPr>
             </a:pPr>
-            <a:endParaRPr lang="en-US"/>
+            <a:endParaRPr lang="fr-FR"/>
           </a:p>
         </c:txPr>
         <c:crossAx val="2041041472"/>
@@ -4460,7 +4460,7 @@
                   <a:cs typeface="+mn-cs"/>
                 </a:defRPr>
               </a:pPr>
-              <a:endParaRPr lang="en-US"/>
+              <a:endParaRPr lang="fr-FR"/>
             </a:p>
           </c:txPr>
         </c:title>
@@ -4498,7 +4498,7 @@
                 <a:cs typeface="+mn-cs"/>
               </a:defRPr>
             </a:pPr>
-            <a:endParaRPr lang="en-US"/>
+            <a:endParaRPr lang="fr-FR"/>
           </a:p>
         </c:txPr>
         <c:crossAx val="2041040032"/>
@@ -4538,7 +4538,7 @@
       <a:pPr>
         <a:defRPr/>
       </a:pPr>
-      <a:endParaRPr lang="en-US"/>
+      <a:endParaRPr lang="fr-FR"/>
     </a:p>
   </c:txPr>
   <c:externalData r:id="rId3">
@@ -4550,7 +4550,7 @@
 <file path=ppt/charts/chart5.xml><?xml version="1.0" encoding="utf-8"?>
 <c:chartSpace xmlns:c="http://schemas.openxmlformats.org/drawingml/2006/chart" xmlns:a="http://schemas.openxmlformats.org/drawingml/2006/main" xmlns:r="http://schemas.openxmlformats.org/officeDocument/2006/relationships" xmlns:c16r2="http://schemas.microsoft.com/office/drawing/2015/06/chart">
   <c:date1904 val="0"/>
-  <c:lang val="en-US"/>
+  <c:lang val="fr-FR"/>
   <c:roundedCorners val="0"/>
   <mc:AlternateContent xmlns:mc="http://schemas.openxmlformats.org/markup-compatibility/2006">
     <mc:Choice xmlns:c14="http://schemas.microsoft.com/office/drawing/2007/8/2/chart" Requires="c14">
@@ -4798,7 +4798,7 @@
                   <a:cs typeface="+mn-cs"/>
                 </a:defRPr>
               </a:pPr>
-              <a:endParaRPr lang="en-US"/>
+              <a:endParaRPr lang="fr-FR"/>
             </a:p>
           </c:txPr>
         </c:title>
@@ -4836,7 +4836,7 @@
                 <a:cs typeface="+mn-cs"/>
               </a:defRPr>
             </a:pPr>
-            <a:endParaRPr lang="en-US"/>
+            <a:endParaRPr lang="fr-FR"/>
           </a:p>
         </c:txPr>
         <c:crossAx val="1632011967"/>
@@ -4876,7 +4876,7 @@
       <a:pPr>
         <a:defRPr/>
       </a:pPr>
-      <a:endParaRPr lang="en-US"/>
+      <a:endParaRPr lang="fr-FR"/>
     </a:p>
   </c:txPr>
   <c:externalData r:id="rId3">
@@ -7816,6 +7816,33 @@
 </p188:cmLst>
 </file>
 
+<file path=ppt/comments/modernComment_118_779F665B.xml><?xml version="1.0" encoding="utf-8"?>
+<p188:cmLst xmlns:a="http://schemas.openxmlformats.org/drawingml/2006/main" xmlns:r="http://schemas.openxmlformats.org/officeDocument/2006/relationships" xmlns:p188="http://schemas.microsoft.com/office/powerpoint/2018/8/main">
+  <p188:cm id="{22021432-D104-45B2-95A0-05D0AD979F3E}" authorId="{E68F2F47-82E5-2BC7-0FEC-4F4EC863DDC3}" created="2024-04-11T00:24:18.453">
+    <ac:txMkLst xmlns:ac="http://schemas.microsoft.com/office/drawing/2013/main/command">
+      <pc:docMk xmlns:pc="http://schemas.microsoft.com/office/powerpoint/2013/main/command"/>
+      <pc:sldMk xmlns:pc="http://schemas.microsoft.com/office/powerpoint/2013/main/command" cId="2006935131" sldId="280"/>
+      <ac:spMk id="3" creationId="{57846E6E-541E-C380-2EC3-91AF5BEE61F6}"/>
+      <ac:txMk cp="934" len="8">
+        <ac:context len="1166" hash="3888751313"/>
+      </ac:txMk>
+    </ac:txMkLst>
+    <p188:pos x="7152861" y="3640287"/>
+    <p188:txBody>
+      <a:bodyPr/>
+      <a:lstStyle/>
+      <a:p>
+        <a:r>
+          <a:rPr lang="fr-FR"/>
+          <a:t>Si on utiliser Richardson on ne parle plus de GCI
+</a:t>
+        </a:r>
+      </a:p>
+    </p188:txBody>
+  </p188:cm>
+</p188:cmLst>
+</file>
+
 <file path=ppt/comments/modernComment_119_D4A1683D.xml><?xml version="1.0" encoding="utf-8"?>
 <p188:cmLst xmlns:a="http://schemas.openxmlformats.org/drawingml/2006/main" xmlns:r="http://schemas.openxmlformats.org/officeDocument/2006/relationships" xmlns:p188="http://schemas.microsoft.com/office/powerpoint/2018/8/main">
   <p188:cm id="{E5CD4D06-CBC4-4BBD-8A2F-2389111330B6}" authorId="{4BB11620-EFBC-D13A-7B93-45F2C922ABDE}" created="2024-04-06T22:52:32.116">
@@ -8144,7 +8171,7 @@
           <a:p>
             <a:fld id="{603E9730-38DB-4F77-A139-6CE923099591}" type="slidenum">
               <a:rPr lang="en-CA" smtClean="0"/>
-              <a:t>‹#›</a:t>
+              <a:t>‹N°›</a:t>
             </a:fld>
             <a:endParaRPr lang="en-CA"/>
           </a:p>
@@ -8456,7 +8483,7 @@
           <a:p>
             <a:fld id="{4BD3201E-7DF8-462B-AC18-61E63795AE0D}" type="slidenum">
               <a:rPr lang="en-CA" smtClean="0"/>
-              <a:t>‹#›</a:t>
+              <a:t>‹N°›</a:t>
             </a:fld>
             <a:endParaRPr lang="en-CA"/>
           </a:p>
@@ -8656,7 +8683,7 @@
           <a:p>
             <a:fld id="{4BD3201E-7DF8-462B-AC18-61E63795AE0D}" type="slidenum">
               <a:rPr lang="en-CA" smtClean="0"/>
-              <a:t>‹#›</a:t>
+              <a:t>‹N°›</a:t>
             </a:fld>
             <a:endParaRPr lang="en-CA"/>
           </a:p>
@@ -8866,7 +8893,7 @@
           <a:p>
             <a:fld id="{4BD3201E-7DF8-462B-AC18-61E63795AE0D}" type="slidenum">
               <a:rPr lang="en-CA" smtClean="0"/>
-              <a:t>‹#›</a:t>
+              <a:t>‹N°›</a:t>
             </a:fld>
             <a:endParaRPr lang="en-CA"/>
           </a:p>
@@ -9066,7 +9093,7 @@
           <a:p>
             <a:fld id="{4BD3201E-7DF8-462B-AC18-61E63795AE0D}" type="slidenum">
               <a:rPr lang="en-CA" smtClean="0"/>
-              <a:t>‹#›</a:t>
+              <a:t>‹N°›</a:t>
             </a:fld>
             <a:endParaRPr lang="en-CA"/>
           </a:p>
@@ -9342,7 +9369,7 @@
           <a:p>
             <a:fld id="{4BD3201E-7DF8-462B-AC18-61E63795AE0D}" type="slidenum">
               <a:rPr lang="en-CA" smtClean="0"/>
-              <a:t>‹#›</a:t>
+              <a:t>‹N°›</a:t>
             </a:fld>
             <a:endParaRPr lang="en-CA"/>
           </a:p>
@@ -9610,7 +9637,7 @@
           <a:p>
             <a:fld id="{4BD3201E-7DF8-462B-AC18-61E63795AE0D}" type="slidenum">
               <a:rPr lang="en-CA" smtClean="0"/>
-              <a:t>‹#›</a:t>
+              <a:t>‹N°›</a:t>
             </a:fld>
             <a:endParaRPr lang="en-CA"/>
           </a:p>
@@ -10025,7 +10052,7 @@
           <a:p>
             <a:fld id="{4BD3201E-7DF8-462B-AC18-61E63795AE0D}" type="slidenum">
               <a:rPr lang="en-CA" smtClean="0"/>
-              <a:t>‹#›</a:t>
+              <a:t>‹N°›</a:t>
             </a:fld>
             <a:endParaRPr lang="en-CA"/>
           </a:p>
@@ -10167,7 +10194,7 @@
           <a:p>
             <a:fld id="{4BD3201E-7DF8-462B-AC18-61E63795AE0D}" type="slidenum">
               <a:rPr lang="en-CA" smtClean="0"/>
-              <a:t>‹#›</a:t>
+              <a:t>‹N°›</a:t>
             </a:fld>
             <a:endParaRPr lang="en-CA"/>
           </a:p>
@@ -10280,7 +10307,7 @@
           <a:p>
             <a:fld id="{4BD3201E-7DF8-462B-AC18-61E63795AE0D}" type="slidenum">
               <a:rPr lang="en-CA" smtClean="0"/>
-              <a:t>‹#›</a:t>
+              <a:t>‹N°›</a:t>
             </a:fld>
             <a:endParaRPr lang="en-CA"/>
           </a:p>
@@ -10593,7 +10620,7 @@
           <a:p>
             <a:fld id="{4BD3201E-7DF8-462B-AC18-61E63795AE0D}" type="slidenum">
               <a:rPr lang="en-CA" smtClean="0"/>
-              <a:t>‹#›</a:t>
+              <a:t>‹N°›</a:t>
             </a:fld>
             <a:endParaRPr lang="en-CA"/>
           </a:p>
@@ -10882,7 +10909,7 @@
           <a:p>
             <a:fld id="{4BD3201E-7DF8-462B-AC18-61E63795AE0D}" type="slidenum">
               <a:rPr lang="en-CA" smtClean="0"/>
-              <a:t>‹#›</a:t>
+              <a:t>‹N°›</a:t>
             </a:fld>
             <a:endParaRPr lang="en-CA"/>
           </a:p>
@@ -11161,7 +11188,7 @@
           <a:p>
             <a:fld id="{4BD3201E-7DF8-462B-AC18-61E63795AE0D}" type="slidenum">
               <a:rPr lang="en-CA" smtClean="0"/>
-              <a:t>‹#›</a:t>
+              <a:t>‹N°›</a:t>
             </a:fld>
             <a:endParaRPr lang="en-CA"/>
           </a:p>
@@ -12967,8 +12994,8 @@
           </a:p>
         </p:txBody>
       </p:sp>
-      <mc:AlternateContent xmlns:mc="http://schemas.openxmlformats.org/markup-compatibility/2006" xmlns:a14="http://schemas.microsoft.com/office/drawing/2010/main">
-        <mc:Choice Requires="a14">
+      <mc:AlternateContent xmlns:mc="http://schemas.openxmlformats.org/markup-compatibility/2006">
+        <mc:Choice xmlns:a14="http://schemas.microsoft.com/office/drawing/2010/main" Requires="a14">
           <p:sp>
             <p:nvSpPr>
               <p:cNvPr id="3" name="Content Placeholder 2">
@@ -13563,7 +13590,13 @@
                   <a:rPr lang="fr-CA" sz="1600" dirty="0">
                     <a:latin typeface="Aptos "/>
                   </a:rPr>
-                  <a:t>L’intervalle d’incertitude est donc très restreint (ordre e-7) et permet donc d’opter pour la méthode d’extrapolation de Richardson qui fournit une solution améliorée et sans incertitudes (GCI=0).</a:t>
+                  <a:t>L’intervalle d’incertitude est donc très restreint (ordre e-7) et permet donc d’opter pour la méthode d’extrapolation de Richardson qui fournit une solution améliorée et sans incertitudes </a:t>
+                </a:r>
+                <a:r>
+                  <a:rPr lang="fr-CA" sz="1600" strike="sngStrike" dirty="0">
+                    <a:latin typeface="Aptos "/>
+                  </a:rPr>
+                  <a:t>(GCI=0).</a:t>
                 </a:r>
               </a:p>
               <a:p>
@@ -13818,14 +13851,20 @@
                     <m:f>
                       <m:fPr>
                         <m:ctrlPr>
-                          <a:rPr lang="en-CA" sz="1600" b="0" i="1" smtClean="0">
+                          <a:rPr lang="en-CA" sz="1600" b="0" i="1" strike="sngStrike" smtClean="0">
+                            <a:highlight>
+                              <a:srgbClr val="FFFF00"/>
+                            </a:highlight>
                             <a:latin typeface="Cambria Math" panose="02040503050406030204" pitchFamily="18" charset="0"/>
                           </a:rPr>
                         </m:ctrlPr>
                       </m:fPr>
                       <m:num>
                         <m:r>
-                          <a:rPr lang="en-CA" sz="1600" b="0" i="1" smtClean="0">
+                          <a:rPr lang="en-CA" sz="1600" b="0" i="1" strike="sngStrike" smtClean="0">
+                            <a:highlight>
+                              <a:srgbClr val="FFFF00"/>
+                            </a:highlight>
                             <a:latin typeface="Cambria Math" panose="02040503050406030204" pitchFamily="18" charset="0"/>
                           </a:rPr>
                           <m:t>𝐺𝐶𝐼</m:t>
@@ -13833,7 +13872,10 @@
                       </m:num>
                       <m:den>
                         <m:r>
-                          <a:rPr lang="en-CA" sz="1600" b="0" i="1" smtClean="0">
+                          <a:rPr lang="en-CA" sz="1600" b="0" i="1" strike="sngStrike" smtClean="0">
+                            <a:highlight>
+                              <a:srgbClr val="FFFF00"/>
+                            </a:highlight>
                             <a:latin typeface="Cambria Math" panose="02040503050406030204" pitchFamily="18" charset="0"/>
                           </a:rPr>
                           <m:t>2</m:t>
@@ -13902,7 +13944,7 @@
             </p:txBody>
           </p:sp>
         </mc:Choice>
-        <mc:Fallback xmlns="">
+        <mc:Fallback>
           <p:sp>
             <p:nvSpPr>
               <p:cNvPr id="3" name="Content Placeholder 2">
@@ -13925,7 +13967,7 @@
                 <a:ext cx="10515600" cy="5342501"/>
               </a:xfrm>
               <a:blipFill>
-                <a:blip r:embed="rId2"/>
+                <a:blip r:embed="rId3"/>
                 <a:stretch>
                   <a:fillRect l="-348" t="-228" r="-290"/>
                 </a:stretch>
@@ -13936,7 +13978,7 @@
               <a:lstStyle/>
               <a:p>
                 <a:r>
-                  <a:rPr lang="en-GB">
+                  <a:rPr lang="fr-FR">
                     <a:noFill/>
                   </a:rPr>
                   <a:t> </a:t>
@@ -13956,6 +13998,11 @@
   <p:clrMapOvr>
     <a:masterClrMapping/>
   </p:clrMapOvr>
+  <p:extLst>
+    <p:ext uri="{6950BFC3-D8DA-4A85-94F7-54DA5524770B}">
+      <p188:commentRel xmlns:p188="http://schemas.microsoft.com/office/powerpoint/2018/8/main" r:id="rId2"/>
+    </p:ext>
+  </p:extLst>
 </p:sld>
 </file>
 
@@ -14983,8 +15030,8 @@
           </a:p>
         </p:txBody>
       </p:sp>
-      <mc:AlternateContent xmlns:mc="http://schemas.openxmlformats.org/markup-compatibility/2006">
-        <mc:Choice xmlns:a14="http://schemas.microsoft.com/office/drawing/2010/main" Requires="a14">
+      <mc:AlternateContent xmlns:mc="http://schemas.openxmlformats.org/markup-compatibility/2006" xmlns:a14="http://schemas.microsoft.com/office/drawing/2010/main">
+        <mc:Choice Requires="a14">
           <p:sp>
             <p:nvSpPr>
               <p:cNvPr id="3" name="Content Placeholder 2">
@@ -15616,7 +15663,7 @@
             </p:txBody>
           </p:sp>
         </mc:Choice>
-        <mc:Fallback>
+        <mc:Fallback xmlns="">
           <p:sp>
             <p:nvSpPr>
               <p:cNvPr id="3" name="Content Placeholder 2">
@@ -24440,15 +24487,6 @@
 </file>
 
 <file path=customXml/item1.xml><?xml version="1.0" encoding="utf-8"?>
-<?mso-contentType ?>
-<FormTemplates xmlns="http://schemas.microsoft.com/sharepoint/v3/contenttype/forms">
-  <Display>DocumentLibraryForm</Display>
-  <Edit>DocumentLibraryForm</Edit>
-  <New>DocumentLibraryForm</New>
-</FormTemplates>
-</file>
-
-<file path=customXml/item2.xml><?xml version="1.0" encoding="utf-8"?>
 <p:properties xmlns:p="http://schemas.microsoft.com/office/2006/metadata/properties" xmlns:xsi="http://www.w3.org/2001/XMLSchema-instance" xmlns:pc="http://schemas.microsoft.com/office/infopath/2007/PartnerControls">
   <documentManagement>
     <lcf76f155ced4ddcb4097134ff3c332f xmlns="ec825916-6f01-4646-bf11-4e97fdd06dc8">
@@ -24457,6 +24495,15 @@
     <TaxCatchAll xmlns="10202d72-3646-4d36-9cf4-1feba2c78df0" xsi:nil="true"/>
   </documentManagement>
 </p:properties>
+</file>
+
+<file path=customXml/item2.xml><?xml version="1.0" encoding="utf-8"?>
+<?mso-contentType ?>
+<FormTemplates xmlns="http://schemas.microsoft.com/sharepoint/v3/contenttype/forms">
+  <Display>DocumentLibraryForm</Display>
+  <Edit>DocumentLibraryForm</Edit>
+  <New>DocumentLibraryForm</New>
+</FormTemplates>
 </file>
 
 <file path=customXml/item3.xml><?xml version="1.0" encoding="utf-8"?>
@@ -24655,14 +24702,6 @@
 </file>
 
 <file path=customXml/itemProps1.xml><?xml version="1.0" encoding="utf-8"?>
-<ds:datastoreItem xmlns:ds="http://schemas.openxmlformats.org/officeDocument/2006/customXml" ds:itemID="{73F4A501-0066-4B8E-9AA2-A07CF344BF69}">
-  <ds:schemaRefs>
-    <ds:schemaRef ds:uri="http://schemas.microsoft.com/sharepoint/v3/contenttype/forms"/>
-  </ds:schemaRefs>
-</ds:datastoreItem>
-</file>
-
-<file path=customXml/itemProps2.xml><?xml version="1.0" encoding="utf-8"?>
 <ds:datastoreItem xmlns:ds="http://schemas.openxmlformats.org/officeDocument/2006/customXml" ds:itemID="{CC0D4AF6-CA21-4510-812C-479171907BC9}">
   <ds:schemaRefs>
     <ds:schemaRef ds:uri="ec825916-6f01-4646-bf11-4e97fdd06dc8"/>
@@ -24675,6 +24714,14 @@
     <ds:schemaRef ds:uri="http://schemas.microsoft.com/office/2006/metadata/properties"/>
     <ds:schemaRef ds:uri="http://schemas.openxmlformats.org/package/2006/metadata/core-properties"/>
     <ds:schemaRef ds:uri="http://purl.org/dc/elements/1.1/"/>
+  </ds:schemaRefs>
+</ds:datastoreItem>
+</file>
+
+<file path=customXml/itemProps2.xml><?xml version="1.0" encoding="utf-8"?>
+<ds:datastoreItem xmlns:ds="http://schemas.openxmlformats.org/officeDocument/2006/customXml" ds:itemID="{73F4A501-0066-4B8E-9AA2-A07CF344BF69}">
+  <ds:schemaRefs>
+    <ds:schemaRef ds:uri="http://schemas.microsoft.com/sharepoint/v3/contenttype/forms"/>
   </ds:schemaRefs>
 </ds:datastoreItem>
 </file>

--- a/Rapport_Projet_V1.pptx
+++ b/Rapport_Projet_V1.pptx
@@ -5,7 +5,7 @@
     <p:sldMasterId id="2147483648" r:id="rId4"/>
   </p:sldMasterIdLst>
   <p:notesMasterIdLst>
-    <p:notesMasterId r:id="rId25"/>
+    <p:notesMasterId r:id="rId27"/>
   </p:notesMasterIdLst>
   <p:sldIdLst>
     <p:sldId id="256" r:id="rId5"/>
@@ -13,21 +13,23 @@
     <p:sldId id="266" r:id="rId7"/>
     <p:sldId id="267" r:id="rId8"/>
     <p:sldId id="264" r:id="rId9"/>
-    <p:sldId id="262" r:id="rId10"/>
-    <p:sldId id="268" r:id="rId11"/>
-    <p:sldId id="285" r:id="rId12"/>
-    <p:sldId id="286" r:id="rId13"/>
-    <p:sldId id="281" r:id="rId14"/>
-    <p:sldId id="280" r:id="rId15"/>
-    <p:sldId id="270" r:id="rId16"/>
-    <p:sldId id="274" r:id="rId17"/>
-    <p:sldId id="273" r:id="rId18"/>
-    <p:sldId id="277" r:id="rId19"/>
-    <p:sldId id="279" r:id="rId20"/>
-    <p:sldId id="278" r:id="rId21"/>
-    <p:sldId id="271" r:id="rId22"/>
-    <p:sldId id="283" r:id="rId23"/>
-    <p:sldId id="282" r:id="rId24"/>
+    <p:sldId id="268" r:id="rId10"/>
+    <p:sldId id="262" r:id="rId11"/>
+    <p:sldId id="287" r:id="rId12"/>
+    <p:sldId id="285" r:id="rId13"/>
+    <p:sldId id="288" r:id="rId14"/>
+    <p:sldId id="286" r:id="rId15"/>
+    <p:sldId id="281" r:id="rId16"/>
+    <p:sldId id="280" r:id="rId17"/>
+    <p:sldId id="270" r:id="rId18"/>
+    <p:sldId id="274" r:id="rId19"/>
+    <p:sldId id="273" r:id="rId20"/>
+    <p:sldId id="277" r:id="rId21"/>
+    <p:sldId id="279" r:id="rId22"/>
+    <p:sldId id="278" r:id="rId23"/>
+    <p:sldId id="271" r:id="rId24"/>
+    <p:sldId id="283" r:id="rId25"/>
+    <p:sldId id="282" r:id="rId26"/>
   </p:sldIdLst>
   <p:sldSz cx="12192000" cy="6858000"/>
   <p:notesSz cx="6858000" cy="9144000"/>
@@ -952,7 +954,1386 @@
 <file path=ppt/charts/chart1.xml><?xml version="1.0" encoding="utf-8"?>
 <c:chartSpace xmlns:c="http://schemas.openxmlformats.org/drawingml/2006/chart" xmlns:a="http://schemas.openxmlformats.org/drawingml/2006/main" xmlns:r="http://schemas.openxmlformats.org/officeDocument/2006/relationships" xmlns:c16r2="http://schemas.microsoft.com/office/drawing/2015/06/chart">
   <c:date1904 val="0"/>
-  <c:lang val="fr-FR"/>
+  <c:lang val="en-US"/>
+  <c:roundedCorners val="0"/>
+  <mc:AlternateContent xmlns:mc="http://schemas.openxmlformats.org/markup-compatibility/2006">
+    <mc:Choice xmlns:c14="http://schemas.microsoft.com/office/drawing/2007/8/2/chart" Requires="c14">
+      <c14:style val="102"/>
+    </mc:Choice>
+    <mc:Fallback>
+      <c:style val="2"/>
+    </mc:Fallback>
+  </mc:AlternateContent>
+  <c:chart>
+    <c:autoTitleDeleted val="0"/>
+    <c:plotArea>
+      <c:layout>
+        <c:manualLayout>
+          <c:layoutTarget val="inner"/>
+          <c:xMode val="edge"/>
+          <c:yMode val="edge"/>
+          <c:x val="5.4777072861148995E-2"/>
+          <c:y val="1.9033076134756903E-2"/>
+          <c:w val="0.92466357488686535"/>
+          <c:h val="0.90413678528210506"/>
+        </c:manualLayout>
+      </c:layout>
+      <c:scatterChart>
+        <c:scatterStyle val="lineMarker"/>
+        <c:varyColors val="0"/>
+        <c:ser>
+          <c:idx val="0"/>
+          <c:order val="0"/>
+          <c:tx>
+            <c:v>1 élément</c:v>
+          </c:tx>
+          <c:spPr>
+            <a:ln w="19050" cap="rnd">
+              <a:solidFill>
+                <a:schemeClr val="accent1"/>
+              </a:solidFill>
+              <a:round/>
+            </a:ln>
+            <a:effectLst/>
+          </c:spPr>
+          <c:marker>
+            <c:symbol val="circle"/>
+            <c:size val="5"/>
+            <c:spPr>
+              <a:solidFill>
+                <a:schemeClr val="accent1"/>
+              </a:solidFill>
+              <a:ln w="9525">
+                <a:solidFill>
+                  <a:schemeClr val="accent1"/>
+                </a:solidFill>
+              </a:ln>
+              <a:effectLst/>
+            </c:spPr>
+          </c:marker>
+          <c:xVal>
+            <c:numRef>
+              <c:f>Sheet3!$A$4:$A$5</c:f>
+              <c:numCache>
+                <c:formatCode>General</c:formatCode>
+                <c:ptCount val="2"/>
+                <c:pt idx="0">
+                  <c:v>0</c:v>
+                </c:pt>
+                <c:pt idx="1">
+                  <c:v>500</c:v>
+                </c:pt>
+              </c:numCache>
+            </c:numRef>
+          </c:xVal>
+          <c:yVal>
+            <c:numRef>
+              <c:f>Sheet3!$B$4:$B$5</c:f>
+              <c:numCache>
+                <c:formatCode>General</c:formatCode>
+                <c:ptCount val="2"/>
+                <c:pt idx="0">
+                  <c:v>0</c:v>
+                </c:pt>
+                <c:pt idx="1">
+                  <c:v>53.088790000000003</c:v>
+                </c:pt>
+              </c:numCache>
+            </c:numRef>
+          </c:yVal>
+          <c:smooth val="0"/>
+          <c:extLst>
+            <c:ext xmlns:c16="http://schemas.microsoft.com/office/drawing/2014/chart" uri="{C3380CC4-5D6E-409C-BE32-E72D297353CC}">
+              <c16:uniqueId val="{00000000-4BB1-4E5E-ADCE-0B9FDF88141A}"/>
+            </c:ext>
+          </c:extLst>
+        </c:ser>
+        <c:ser>
+          <c:idx val="1"/>
+          <c:order val="1"/>
+          <c:tx>
+            <c:v>2 éléments</c:v>
+          </c:tx>
+          <c:spPr>
+            <a:ln w="19050" cap="rnd">
+              <a:solidFill>
+                <a:schemeClr val="accent2"/>
+              </a:solidFill>
+              <a:round/>
+            </a:ln>
+            <a:effectLst/>
+          </c:spPr>
+          <c:marker>
+            <c:symbol val="circle"/>
+            <c:size val="5"/>
+            <c:spPr>
+              <a:solidFill>
+                <a:schemeClr val="accent2"/>
+              </a:solidFill>
+              <a:ln w="9525">
+                <a:solidFill>
+                  <a:schemeClr val="accent2"/>
+                </a:solidFill>
+              </a:ln>
+              <a:effectLst/>
+            </c:spPr>
+          </c:marker>
+          <c:xVal>
+            <c:numRef>
+              <c:f>Sheet3!$D$4:$D$6</c:f>
+              <c:numCache>
+                <c:formatCode>General</c:formatCode>
+                <c:ptCount val="3"/>
+                <c:pt idx="0">
+                  <c:v>0</c:v>
+                </c:pt>
+                <c:pt idx="1">
+                  <c:v>250</c:v>
+                </c:pt>
+                <c:pt idx="2">
+                  <c:v>500</c:v>
+                </c:pt>
+              </c:numCache>
+            </c:numRef>
+          </c:xVal>
+          <c:yVal>
+            <c:numRef>
+              <c:f>Sheet3!$E$4:$E$6</c:f>
+              <c:numCache>
+                <c:formatCode>General</c:formatCode>
+                <c:ptCount val="3"/>
+                <c:pt idx="0">
+                  <c:v>0</c:v>
+                </c:pt>
+                <c:pt idx="1">
+                  <c:v>16.59721</c:v>
+                </c:pt>
+                <c:pt idx="2">
+                  <c:v>53.088790000000003</c:v>
+                </c:pt>
+              </c:numCache>
+            </c:numRef>
+          </c:yVal>
+          <c:smooth val="0"/>
+          <c:extLst>
+            <c:ext xmlns:c16="http://schemas.microsoft.com/office/drawing/2014/chart" uri="{C3380CC4-5D6E-409C-BE32-E72D297353CC}">
+              <c16:uniqueId val="{00000001-4BB1-4E5E-ADCE-0B9FDF88141A}"/>
+            </c:ext>
+          </c:extLst>
+        </c:ser>
+        <c:ser>
+          <c:idx val="2"/>
+          <c:order val="2"/>
+          <c:tx>
+            <c:v>4 éléments</c:v>
+          </c:tx>
+          <c:spPr>
+            <a:ln w="19050" cap="rnd">
+              <a:solidFill>
+                <a:schemeClr val="accent3"/>
+              </a:solidFill>
+              <a:round/>
+            </a:ln>
+            <a:effectLst/>
+          </c:spPr>
+          <c:marker>
+            <c:symbol val="circle"/>
+            <c:size val="5"/>
+            <c:spPr>
+              <a:solidFill>
+                <a:schemeClr val="accent3"/>
+              </a:solidFill>
+              <a:ln w="9525">
+                <a:solidFill>
+                  <a:schemeClr val="accent3"/>
+                </a:solidFill>
+              </a:ln>
+              <a:effectLst/>
+            </c:spPr>
+          </c:marker>
+          <c:xVal>
+            <c:numRef>
+              <c:f>Sheet3!$G$4:$G$8</c:f>
+              <c:numCache>
+                <c:formatCode>General</c:formatCode>
+                <c:ptCount val="5"/>
+                <c:pt idx="0">
+                  <c:v>0</c:v>
+                </c:pt>
+                <c:pt idx="1">
+                  <c:v>125</c:v>
+                </c:pt>
+                <c:pt idx="2">
+                  <c:v>250</c:v>
+                </c:pt>
+                <c:pt idx="3">
+                  <c:v>375</c:v>
+                </c:pt>
+                <c:pt idx="4">
+                  <c:v>500</c:v>
+                </c:pt>
+              </c:numCache>
+            </c:numRef>
+          </c:xVal>
+          <c:yVal>
+            <c:numRef>
+              <c:f>Sheet3!$H$4:$H$8</c:f>
+              <c:numCache>
+                <c:formatCode>General</c:formatCode>
+                <c:ptCount val="5"/>
+                <c:pt idx="0">
+                  <c:v>0</c:v>
+                </c:pt>
+                <c:pt idx="1">
+                  <c:v>4.5684089999999999</c:v>
+                </c:pt>
+                <c:pt idx="2">
+                  <c:v>16.59721</c:v>
+                </c:pt>
+                <c:pt idx="3">
+                  <c:v>33.599600000000002</c:v>
+                </c:pt>
+                <c:pt idx="4">
+                  <c:v>53.088790000000003</c:v>
+                </c:pt>
+              </c:numCache>
+            </c:numRef>
+          </c:yVal>
+          <c:smooth val="0"/>
+          <c:extLst>
+            <c:ext xmlns:c16="http://schemas.microsoft.com/office/drawing/2014/chart" uri="{C3380CC4-5D6E-409C-BE32-E72D297353CC}">
+              <c16:uniqueId val="{00000002-4BB1-4E5E-ADCE-0B9FDF88141A}"/>
+            </c:ext>
+          </c:extLst>
+        </c:ser>
+        <c:ser>
+          <c:idx val="3"/>
+          <c:order val="3"/>
+          <c:tx>
+            <c:v>8 éléments</c:v>
+          </c:tx>
+          <c:spPr>
+            <a:ln w="19050" cap="rnd">
+              <a:solidFill>
+                <a:schemeClr val="accent4"/>
+              </a:solidFill>
+              <a:round/>
+            </a:ln>
+            <a:effectLst/>
+          </c:spPr>
+          <c:marker>
+            <c:symbol val="circle"/>
+            <c:size val="5"/>
+            <c:spPr>
+              <a:solidFill>
+                <a:schemeClr val="accent4"/>
+              </a:solidFill>
+              <a:ln w="9525">
+                <a:solidFill>
+                  <a:schemeClr val="accent4"/>
+                </a:solidFill>
+              </a:ln>
+              <a:effectLst/>
+            </c:spPr>
+          </c:marker>
+          <c:xVal>
+            <c:numRef>
+              <c:f>Sheet3!$J$4:$J$12</c:f>
+              <c:numCache>
+                <c:formatCode>General</c:formatCode>
+                <c:ptCount val="9"/>
+                <c:pt idx="0">
+                  <c:v>0</c:v>
+                </c:pt>
+                <c:pt idx="1">
+                  <c:v>62.5</c:v>
+                </c:pt>
+                <c:pt idx="2">
+                  <c:v>125</c:v>
+                </c:pt>
+                <c:pt idx="3">
+                  <c:v>187.5</c:v>
+                </c:pt>
+                <c:pt idx="4">
+                  <c:v>250</c:v>
+                </c:pt>
+                <c:pt idx="5">
+                  <c:v>312.5</c:v>
+                </c:pt>
+                <c:pt idx="6">
+                  <c:v>375</c:v>
+                </c:pt>
+                <c:pt idx="7">
+                  <c:v>437.5</c:v>
+                </c:pt>
+                <c:pt idx="8">
+                  <c:v>500</c:v>
+                </c:pt>
+              </c:numCache>
+            </c:numRef>
+          </c:xVal>
+          <c:yVal>
+            <c:numRef>
+              <c:f>Sheet3!$K$4:$K$12</c:f>
+              <c:numCache>
+                <c:formatCode>General</c:formatCode>
+                <c:ptCount val="9"/>
+                <c:pt idx="0">
+                  <c:v>0</c:v>
+                </c:pt>
+                <c:pt idx="1">
+                  <c:v>1.196231</c:v>
+                </c:pt>
+                <c:pt idx="2">
+                  <c:v>4.5684089999999999</c:v>
+                </c:pt>
+                <c:pt idx="3">
+                  <c:v>9.8056850000000004</c:v>
+                </c:pt>
+                <c:pt idx="4">
+                  <c:v>16.59721</c:v>
+                </c:pt>
+                <c:pt idx="5">
+                  <c:v>24.63213</c:v>
+                </c:pt>
+                <c:pt idx="6">
+                  <c:v>33.599600000000002</c:v>
+                </c:pt>
+                <c:pt idx="7">
+                  <c:v>43.188769999999998</c:v>
+                </c:pt>
+                <c:pt idx="8">
+                  <c:v>53.088790000000003</c:v>
+                </c:pt>
+              </c:numCache>
+            </c:numRef>
+          </c:yVal>
+          <c:smooth val="0"/>
+          <c:extLst>
+            <c:ext xmlns:c16="http://schemas.microsoft.com/office/drawing/2014/chart" uri="{C3380CC4-5D6E-409C-BE32-E72D297353CC}">
+              <c16:uniqueId val="{00000003-4BB1-4E5E-ADCE-0B9FDF88141A}"/>
+            </c:ext>
+          </c:extLst>
+        </c:ser>
+        <c:ser>
+          <c:idx val="4"/>
+          <c:order val="4"/>
+          <c:tx>
+            <c:v>16 éléments</c:v>
+          </c:tx>
+          <c:spPr>
+            <a:ln w="19050" cap="rnd">
+              <a:solidFill>
+                <a:schemeClr val="accent5"/>
+              </a:solidFill>
+              <a:round/>
+            </a:ln>
+            <a:effectLst/>
+          </c:spPr>
+          <c:marker>
+            <c:symbol val="circle"/>
+            <c:size val="5"/>
+            <c:spPr>
+              <a:solidFill>
+                <a:schemeClr val="accent5"/>
+              </a:solidFill>
+              <a:ln w="9525">
+                <a:solidFill>
+                  <a:schemeClr val="accent5"/>
+                </a:solidFill>
+              </a:ln>
+              <a:effectLst/>
+            </c:spPr>
+          </c:marker>
+          <c:xVal>
+            <c:numRef>
+              <c:f>Sheet3!$M$4:$M$20</c:f>
+              <c:numCache>
+                <c:formatCode>General</c:formatCode>
+                <c:ptCount val="17"/>
+                <c:pt idx="0">
+                  <c:v>0</c:v>
+                </c:pt>
+                <c:pt idx="1">
+                  <c:v>31.25</c:v>
+                </c:pt>
+                <c:pt idx="2">
+                  <c:v>62.5</c:v>
+                </c:pt>
+                <c:pt idx="3">
+                  <c:v>93.75</c:v>
+                </c:pt>
+                <c:pt idx="4">
+                  <c:v>125</c:v>
+                </c:pt>
+                <c:pt idx="5">
+                  <c:v>156.25</c:v>
+                </c:pt>
+                <c:pt idx="6">
+                  <c:v>187.5</c:v>
+                </c:pt>
+                <c:pt idx="7">
+                  <c:v>218.75</c:v>
+                </c:pt>
+                <c:pt idx="8">
+                  <c:v>250</c:v>
+                </c:pt>
+                <c:pt idx="9">
+                  <c:v>281.25</c:v>
+                </c:pt>
+                <c:pt idx="10">
+                  <c:v>312.5</c:v>
+                </c:pt>
+                <c:pt idx="11">
+                  <c:v>343.75</c:v>
+                </c:pt>
+                <c:pt idx="12">
+                  <c:v>375</c:v>
+                </c:pt>
+                <c:pt idx="13">
+                  <c:v>406.25</c:v>
+                </c:pt>
+                <c:pt idx="14">
+                  <c:v>437.5</c:v>
+                </c:pt>
+                <c:pt idx="15">
+                  <c:v>468.75</c:v>
+                </c:pt>
+                <c:pt idx="16">
+                  <c:v>500</c:v>
+                </c:pt>
+              </c:numCache>
+            </c:numRef>
+          </c:xVal>
+          <c:yVal>
+            <c:numRef>
+              <c:f>Sheet3!$N$4:$N$20</c:f>
+              <c:numCache>
+                <c:formatCode>General</c:formatCode>
+                <c:ptCount val="17"/>
+                <c:pt idx="0">
+                  <c:v>0</c:v>
+                </c:pt>
+                <c:pt idx="1">
+                  <c:v>0.30669419999999997</c:v>
+                </c:pt>
+                <c:pt idx="2">
+                  <c:v>1.196231</c:v>
+                </c:pt>
+                <c:pt idx="3">
+                  <c:v>2.6297549999999998</c:v>
+                </c:pt>
+                <c:pt idx="4">
+                  <c:v>4.5684089999999999</c:v>
+                </c:pt>
+                <c:pt idx="5">
+                  <c:v>6.9733390000000002</c:v>
+                </c:pt>
+                <c:pt idx="6">
+                  <c:v>9.8056850000000004</c:v>
+                </c:pt>
+                <c:pt idx="7">
+                  <c:v>13.026590000000001</c:v>
+                </c:pt>
+                <c:pt idx="8">
+                  <c:v>16.59721</c:v>
+                </c:pt>
+                <c:pt idx="9">
+                  <c:v>20.478670000000001</c:v>
+                </c:pt>
+                <c:pt idx="10">
+                  <c:v>24.63213</c:v>
+                </c:pt>
+                <c:pt idx="11">
+                  <c:v>29.018719999999998</c:v>
+                </c:pt>
+                <c:pt idx="12">
+                  <c:v>33.599600000000002</c:v>
+                </c:pt>
+                <c:pt idx="13">
+                  <c:v>38.335900000000002</c:v>
+                </c:pt>
+                <c:pt idx="14">
+                  <c:v>43.188769999999998</c:v>
+                </c:pt>
+                <c:pt idx="15">
+                  <c:v>48.119349999999997</c:v>
+                </c:pt>
+                <c:pt idx="16">
+                  <c:v>53.088790000000003</c:v>
+                </c:pt>
+              </c:numCache>
+            </c:numRef>
+          </c:yVal>
+          <c:smooth val="0"/>
+          <c:extLst>
+            <c:ext xmlns:c16="http://schemas.microsoft.com/office/drawing/2014/chart" uri="{C3380CC4-5D6E-409C-BE32-E72D297353CC}">
+              <c16:uniqueId val="{00000004-4BB1-4E5E-ADCE-0B9FDF88141A}"/>
+            </c:ext>
+          </c:extLst>
+        </c:ser>
+        <c:ser>
+          <c:idx val="5"/>
+          <c:order val="5"/>
+          <c:tx>
+            <c:v>32 éléments</c:v>
+          </c:tx>
+          <c:spPr>
+            <a:ln w="19050" cap="rnd">
+              <a:solidFill>
+                <a:schemeClr val="accent6"/>
+              </a:solidFill>
+              <a:round/>
+            </a:ln>
+            <a:effectLst/>
+          </c:spPr>
+          <c:marker>
+            <c:symbol val="circle"/>
+            <c:size val="5"/>
+            <c:spPr>
+              <a:solidFill>
+                <a:schemeClr val="accent6"/>
+              </a:solidFill>
+              <a:ln w="9525">
+                <a:solidFill>
+                  <a:schemeClr val="accent6"/>
+                </a:solidFill>
+              </a:ln>
+              <a:effectLst/>
+            </c:spPr>
+          </c:marker>
+          <c:xVal>
+            <c:numRef>
+              <c:f>Sheet3!$P$4:$P$36</c:f>
+              <c:numCache>
+                <c:formatCode>General</c:formatCode>
+                <c:ptCount val="33"/>
+                <c:pt idx="0">
+                  <c:v>0</c:v>
+                </c:pt>
+                <c:pt idx="1">
+                  <c:v>15.625</c:v>
+                </c:pt>
+                <c:pt idx="2">
+                  <c:v>31.25</c:v>
+                </c:pt>
+                <c:pt idx="3">
+                  <c:v>46.875</c:v>
+                </c:pt>
+                <c:pt idx="4">
+                  <c:v>62.5</c:v>
+                </c:pt>
+                <c:pt idx="5">
+                  <c:v>78.125</c:v>
+                </c:pt>
+                <c:pt idx="6">
+                  <c:v>93.75</c:v>
+                </c:pt>
+                <c:pt idx="7">
+                  <c:v>109.375</c:v>
+                </c:pt>
+                <c:pt idx="8">
+                  <c:v>125</c:v>
+                </c:pt>
+                <c:pt idx="9">
+                  <c:v>140.625</c:v>
+                </c:pt>
+                <c:pt idx="10">
+                  <c:v>156.25</c:v>
+                </c:pt>
+                <c:pt idx="11">
+                  <c:v>171.875</c:v>
+                </c:pt>
+                <c:pt idx="12">
+                  <c:v>187.5</c:v>
+                </c:pt>
+                <c:pt idx="13">
+                  <c:v>203.125</c:v>
+                </c:pt>
+                <c:pt idx="14">
+                  <c:v>218.75</c:v>
+                </c:pt>
+                <c:pt idx="15">
+                  <c:v>234.375</c:v>
+                </c:pt>
+                <c:pt idx="16">
+                  <c:v>250</c:v>
+                </c:pt>
+                <c:pt idx="17">
+                  <c:v>265.625</c:v>
+                </c:pt>
+                <c:pt idx="18">
+                  <c:v>281.25</c:v>
+                </c:pt>
+                <c:pt idx="19">
+                  <c:v>296.875</c:v>
+                </c:pt>
+                <c:pt idx="20">
+                  <c:v>312.5</c:v>
+                </c:pt>
+                <c:pt idx="21">
+                  <c:v>328.125</c:v>
+                </c:pt>
+                <c:pt idx="22">
+                  <c:v>343.75</c:v>
+                </c:pt>
+                <c:pt idx="23">
+                  <c:v>359.375</c:v>
+                </c:pt>
+                <c:pt idx="24">
+                  <c:v>375</c:v>
+                </c:pt>
+                <c:pt idx="25">
+                  <c:v>390.625</c:v>
+                </c:pt>
+                <c:pt idx="26">
+                  <c:v>406.25</c:v>
+                </c:pt>
+                <c:pt idx="27">
+                  <c:v>421.875</c:v>
+                </c:pt>
+                <c:pt idx="28">
+                  <c:v>437.5</c:v>
+                </c:pt>
+                <c:pt idx="29">
+                  <c:v>453.125</c:v>
+                </c:pt>
+                <c:pt idx="30">
+                  <c:v>468.75</c:v>
+                </c:pt>
+                <c:pt idx="31">
+                  <c:v>484.375</c:v>
+                </c:pt>
+                <c:pt idx="32">
+                  <c:v>500</c:v>
+                </c:pt>
+              </c:numCache>
+            </c:numRef>
+          </c:xVal>
+          <c:yVal>
+            <c:numRef>
+              <c:f>Sheet3!$Q$4:$Q$36</c:f>
+              <c:numCache>
+                <c:formatCode>General</c:formatCode>
+                <c:ptCount val="33"/>
+                <c:pt idx="0">
+                  <c:v>0</c:v>
+                </c:pt>
+                <c:pt idx="1">
+                  <c:v>7.8063220000000003E-2</c:v>
+                </c:pt>
+                <c:pt idx="2">
+                  <c:v>0.30669419999999997</c:v>
+                </c:pt>
+                <c:pt idx="3">
+                  <c:v>0.68103590000000003</c:v>
+                </c:pt>
+                <c:pt idx="4">
+                  <c:v>1.196231</c:v>
+                </c:pt>
+                <c:pt idx="5">
+                  <c:v>1.847423</c:v>
+                </c:pt>
+                <c:pt idx="6">
+                  <c:v>2.6297549999999998</c:v>
+                </c:pt>
+                <c:pt idx="7">
+                  <c:v>3.53837</c:v>
+                </c:pt>
+                <c:pt idx="8">
+                  <c:v>4.5684089999999999</c:v>
+                </c:pt>
+                <c:pt idx="9">
+                  <c:v>5.7150179999999997</c:v>
+                </c:pt>
+                <c:pt idx="10">
+                  <c:v>6.9733390000000002</c:v>
+                </c:pt>
+                <c:pt idx="11">
+                  <c:v>8.3385130000000007</c:v>
+                </c:pt>
+                <c:pt idx="12">
+                  <c:v>9.8056850000000004</c:v>
+                </c:pt>
+                <c:pt idx="13">
+                  <c:v>11.37</c:v>
+                </c:pt>
+                <c:pt idx="14">
+                  <c:v>13.026590000000001</c:v>
+                </c:pt>
+                <c:pt idx="15">
+                  <c:v>14.770619999999999</c:v>
+                </c:pt>
+                <c:pt idx="16">
+                  <c:v>16.59721</c:v>
+                </c:pt>
+                <c:pt idx="17">
+                  <c:v>18.50151</c:v>
+                </c:pt>
+                <c:pt idx="18">
+                  <c:v>20.478670000000001</c:v>
+                </c:pt>
+                <c:pt idx="19">
+                  <c:v>22.52383</c:v>
+                </c:pt>
+                <c:pt idx="20">
+                  <c:v>24.63213</c:v>
+                </c:pt>
+                <c:pt idx="21">
+                  <c:v>26.79871</c:v>
+                </c:pt>
+                <c:pt idx="22">
+                  <c:v>29.018719999999998</c:v>
+                </c:pt>
+                <c:pt idx="23">
+                  <c:v>31.287310000000002</c:v>
+                </c:pt>
+                <c:pt idx="24">
+                  <c:v>33.599600000000002</c:v>
+                </c:pt>
+                <c:pt idx="25">
+                  <c:v>35.950749999999999</c:v>
+                </c:pt>
+                <c:pt idx="26">
+                  <c:v>38.335900000000002</c:v>
+                </c:pt>
+                <c:pt idx="27">
+                  <c:v>40.750190000000003</c:v>
+                </c:pt>
+                <c:pt idx="28">
+                  <c:v>43.188769999999998</c:v>
+                </c:pt>
+                <c:pt idx="29">
+                  <c:v>45.646769999999997</c:v>
+                </c:pt>
+                <c:pt idx="30">
+                  <c:v>48.119349999999997</c:v>
+                </c:pt>
+                <c:pt idx="31">
+                  <c:v>50.601640000000003</c:v>
+                </c:pt>
+                <c:pt idx="32">
+                  <c:v>53.088790000000003</c:v>
+                </c:pt>
+              </c:numCache>
+            </c:numRef>
+          </c:yVal>
+          <c:smooth val="0"/>
+          <c:extLst>
+            <c:ext xmlns:c16="http://schemas.microsoft.com/office/drawing/2014/chart" uri="{C3380CC4-5D6E-409C-BE32-E72D297353CC}">
+              <c16:uniqueId val="{00000005-4BB1-4E5E-ADCE-0B9FDF88141A}"/>
+            </c:ext>
+          </c:extLst>
+        </c:ser>
+        <c:ser>
+          <c:idx val="6"/>
+          <c:order val="6"/>
+          <c:tx>
+            <c:v>Poutre d'Euler</c:v>
+          </c:tx>
+          <c:spPr>
+            <a:ln w="19050" cap="rnd">
+              <a:solidFill>
+                <a:schemeClr val="accent1">
+                  <a:lumMod val="60000"/>
+                </a:schemeClr>
+              </a:solidFill>
+              <a:round/>
+            </a:ln>
+            <a:effectLst/>
+          </c:spPr>
+          <c:marker>
+            <c:symbol val="circle"/>
+            <c:size val="5"/>
+            <c:spPr>
+              <a:solidFill>
+                <a:schemeClr val="accent1">
+                  <a:lumMod val="60000"/>
+                </a:schemeClr>
+              </a:solidFill>
+              <a:ln w="9525">
+                <a:solidFill>
+                  <a:schemeClr val="accent1">
+                    <a:lumMod val="60000"/>
+                  </a:schemeClr>
+                </a:solidFill>
+              </a:ln>
+              <a:effectLst/>
+            </c:spPr>
+          </c:marker>
+          <c:xVal>
+            <c:numRef>
+              <c:f>Sheet3!$W$4:$W$36</c:f>
+              <c:numCache>
+                <c:formatCode>General</c:formatCode>
+                <c:ptCount val="33"/>
+                <c:pt idx="0">
+                  <c:v>0</c:v>
+                </c:pt>
+                <c:pt idx="1">
+                  <c:v>15.625</c:v>
+                </c:pt>
+                <c:pt idx="2">
+                  <c:v>31.25</c:v>
+                </c:pt>
+                <c:pt idx="3">
+                  <c:v>46.875</c:v>
+                </c:pt>
+                <c:pt idx="4">
+                  <c:v>62.5</c:v>
+                </c:pt>
+                <c:pt idx="5">
+                  <c:v>78.125</c:v>
+                </c:pt>
+                <c:pt idx="6">
+                  <c:v>93.75</c:v>
+                </c:pt>
+                <c:pt idx="7">
+                  <c:v>109.375</c:v>
+                </c:pt>
+                <c:pt idx="8">
+                  <c:v>125</c:v>
+                </c:pt>
+                <c:pt idx="9">
+                  <c:v>140.625</c:v>
+                </c:pt>
+                <c:pt idx="10">
+                  <c:v>156.25</c:v>
+                </c:pt>
+                <c:pt idx="11">
+                  <c:v>171.875</c:v>
+                </c:pt>
+                <c:pt idx="12">
+                  <c:v>187.5</c:v>
+                </c:pt>
+                <c:pt idx="13">
+                  <c:v>203.125</c:v>
+                </c:pt>
+                <c:pt idx="14">
+                  <c:v>218.75</c:v>
+                </c:pt>
+                <c:pt idx="15">
+                  <c:v>234.375</c:v>
+                </c:pt>
+                <c:pt idx="16">
+                  <c:v>250</c:v>
+                </c:pt>
+                <c:pt idx="17">
+                  <c:v>265.625</c:v>
+                </c:pt>
+                <c:pt idx="18">
+                  <c:v>281.25</c:v>
+                </c:pt>
+                <c:pt idx="19">
+                  <c:v>296.875</c:v>
+                </c:pt>
+                <c:pt idx="20">
+                  <c:v>312.5</c:v>
+                </c:pt>
+                <c:pt idx="21">
+                  <c:v>328.125</c:v>
+                </c:pt>
+                <c:pt idx="22">
+                  <c:v>343.75</c:v>
+                </c:pt>
+                <c:pt idx="23">
+                  <c:v>359.375</c:v>
+                </c:pt>
+                <c:pt idx="24">
+                  <c:v>375</c:v>
+                </c:pt>
+                <c:pt idx="25">
+                  <c:v>390.625</c:v>
+                </c:pt>
+                <c:pt idx="26">
+                  <c:v>406.25</c:v>
+                </c:pt>
+                <c:pt idx="27">
+                  <c:v>421.875</c:v>
+                </c:pt>
+                <c:pt idx="28">
+                  <c:v>437.5</c:v>
+                </c:pt>
+                <c:pt idx="29">
+                  <c:v>453.125</c:v>
+                </c:pt>
+                <c:pt idx="30">
+                  <c:v>468.75</c:v>
+                </c:pt>
+                <c:pt idx="31">
+                  <c:v>484.375</c:v>
+                </c:pt>
+                <c:pt idx="32">
+                  <c:v>500</c:v>
+                </c:pt>
+              </c:numCache>
+            </c:numRef>
+          </c:xVal>
+          <c:yVal>
+            <c:numRef>
+              <c:f>Sheet3!$X$4:$X$36</c:f>
+              <c:numCache>
+                <c:formatCode>General</c:formatCode>
+                <c:ptCount val="33"/>
+                <c:pt idx="0">
+                  <c:v>0</c:v>
+                </c:pt>
+                <c:pt idx="1">
+                  <c:v>7.6902872515206236E-2</c:v>
+                </c:pt>
+                <c:pt idx="2">
+                  <c:v>0.30437347437597412</c:v>
+                </c:pt>
+                <c:pt idx="3">
+                  <c:v>0.6775547820550275</c:v>
+                </c:pt>
+                <c:pt idx="4">
+                  <c:v>1.1915897720250903</c:v>
+                </c:pt>
+                <c:pt idx="5">
+                  <c:v>1.8416214207588861</c:v>
+                </c:pt>
+                <c:pt idx="6">
+                  <c:v>2.6227927047291386</c:v>
+                </c:pt>
+                <c:pt idx="7">
+                  <c:v>3.5302466004085722</c:v>
+                </c:pt>
+                <c:pt idx="8">
+                  <c:v>4.5591260842699102</c:v>
+                </c:pt>
+                <c:pt idx="9">
+                  <c:v>5.7045741327858766</c:v>
+                </c:pt>
+                <c:pt idx="10">
+                  <c:v>6.9617337224291953</c:v>
+                </c:pt>
+                <c:pt idx="11">
+                  <c:v>8.32574782967259</c:v>
+                </c:pt>
+                <c:pt idx="12">
+                  <c:v>9.791759430988785</c:v>
+                </c:pt>
+                <c:pt idx="13">
+                  <c:v>11.354911502850504</c:v>
+                </c:pt>
+                <c:pt idx="14">
+                  <c:v>13.010347021730469</c:v>
+                </c:pt>
+                <c:pt idx="15">
+                  <c:v>14.753208964101406</c:v>
+                </c:pt>
+                <c:pt idx="16">
+                  <c:v>16.578640306436039</c:v>
+                </c:pt>
+                <c:pt idx="17">
+                  <c:v>18.481784025207087</c:v>
+                </c:pt>
+                <c:pt idx="18">
+                  <c:v>20.457783096887283</c:v>
+                </c:pt>
+                <c:pt idx="19">
+                  <c:v>22.501780497949344</c:v>
+                </c:pt>
+                <c:pt idx="20">
+                  <c:v>24.608919204865995</c:v>
+                </c:pt>
+                <c:pt idx="21">
+                  <c:v>26.774342194109959</c:v>
+                </c:pt>
+                <c:pt idx="22">
+                  <c:v>28.993192442153962</c:v>
+                </c:pt>
+                <c:pt idx="23">
+                  <c:v>31.260612925470728</c:v>
+                </c:pt>
+                <c:pt idx="24">
+                  <c:v>33.571746620532977</c:v>
+                </c:pt>
+                <c:pt idx="25">
+                  <c:v>35.921736503813435</c:v>
+                </c:pt>
+                <c:pt idx="26">
+                  <c:v>38.305725551784832</c:v>
+                </c:pt>
+                <c:pt idx="27">
+                  <c:v>40.718856740919882</c:v>
+                </c:pt>
+                <c:pt idx="28">
+                  <c:v>43.156273047691315</c:v>
+                </c:pt>
+                <c:pt idx="29">
+                  <c:v>45.613117448571849</c:v>
+                </c:pt>
+                <c:pt idx="30">
+                  <c:v>48.084532920034214</c:v>
+                </c:pt>
+                <c:pt idx="31">
+                  <c:v>50.565662438551129</c:v>
+                </c:pt>
+                <c:pt idx="32" formatCode="0.00E+00">
+                  <c:v>53.051648980595324</c:v>
+                </c:pt>
+              </c:numCache>
+            </c:numRef>
+          </c:yVal>
+          <c:smooth val="0"/>
+          <c:extLst>
+            <c:ext xmlns:c16="http://schemas.microsoft.com/office/drawing/2014/chart" uri="{C3380CC4-5D6E-409C-BE32-E72D297353CC}">
+              <c16:uniqueId val="{00000006-4BB1-4E5E-ADCE-0B9FDF88141A}"/>
+            </c:ext>
+          </c:extLst>
+        </c:ser>
+        <c:dLbls>
+          <c:showLegendKey val="0"/>
+          <c:showVal val="0"/>
+          <c:showCatName val="0"/>
+          <c:showSerName val="0"/>
+          <c:showPercent val="0"/>
+          <c:showBubbleSize val="0"/>
+        </c:dLbls>
+        <c:axId val="477280911"/>
+        <c:axId val="477271791"/>
+      </c:scatterChart>
+      <c:valAx>
+        <c:axId val="477280911"/>
+        <c:scaling>
+          <c:orientation val="minMax"/>
+        </c:scaling>
+        <c:delete val="0"/>
+        <c:axPos val="b"/>
+        <c:majorGridlines>
+          <c:spPr>
+            <a:ln w="9525" cap="flat" cmpd="sng" algn="ctr">
+              <a:solidFill>
+                <a:schemeClr val="tx1">
+                  <a:lumMod val="15000"/>
+                  <a:lumOff val="85000"/>
+                </a:schemeClr>
+              </a:solidFill>
+              <a:round/>
+            </a:ln>
+            <a:effectLst/>
+          </c:spPr>
+        </c:majorGridlines>
+        <c:title>
+          <c:tx>
+            <c:rich>
+              <a:bodyPr rot="0" spcFirstLastPara="1" vertOverflow="ellipsis" vert="horz" wrap="square" anchor="ctr" anchorCtr="1"/>
+              <a:lstStyle/>
+              <a:p>
+                <a:pPr>
+                  <a:defRPr sz="1000" b="0" i="0" u="none" strike="noStrike" kern="1200" baseline="0">
+                    <a:solidFill>
+                      <a:schemeClr val="tx1">
+                        <a:lumMod val="65000"/>
+                        <a:lumOff val="35000"/>
+                      </a:schemeClr>
+                    </a:solidFill>
+                    <a:latin typeface="+mn-lt"/>
+                    <a:ea typeface="+mn-ea"/>
+                    <a:cs typeface="+mn-cs"/>
+                  </a:defRPr>
+                </a:pPr>
+                <a:r>
+                  <a:rPr lang="en-CA" dirty="0"/>
+                  <a:t>Longueur</a:t>
+                </a:r>
+                <a:r>
+                  <a:rPr lang="en-CA" baseline="0" dirty="0"/>
+                  <a:t> de la </a:t>
+                </a:r>
+                <a:r>
+                  <a:rPr lang="en-CA" baseline="0" dirty="0" err="1"/>
+                  <a:t>poutre</a:t>
+                </a:r>
+                <a:r>
+                  <a:rPr lang="en-CA" baseline="0" dirty="0"/>
+                  <a:t> [mm]</a:t>
+                </a:r>
+                <a:endParaRPr lang="en-CA" dirty="0"/>
+              </a:p>
+            </c:rich>
+          </c:tx>
+          <c:overlay val="0"/>
+          <c:spPr>
+            <a:noFill/>
+            <a:ln>
+              <a:noFill/>
+            </a:ln>
+            <a:effectLst/>
+          </c:spPr>
+          <c:txPr>
+            <a:bodyPr rot="0" spcFirstLastPara="1" vertOverflow="ellipsis" vert="horz" wrap="square" anchor="ctr" anchorCtr="1"/>
+            <a:lstStyle/>
+            <a:p>
+              <a:pPr>
+                <a:defRPr sz="1000" b="0" i="0" u="none" strike="noStrike" kern="1200" baseline="0">
+                  <a:solidFill>
+                    <a:schemeClr val="tx1">
+                      <a:lumMod val="65000"/>
+                      <a:lumOff val="35000"/>
+                    </a:schemeClr>
+                  </a:solidFill>
+                  <a:latin typeface="+mn-lt"/>
+                  <a:ea typeface="+mn-ea"/>
+                  <a:cs typeface="+mn-cs"/>
+                </a:defRPr>
+              </a:pPr>
+              <a:endParaRPr lang="en-US"/>
+            </a:p>
+          </c:txPr>
+        </c:title>
+        <c:numFmt formatCode="General" sourceLinked="1"/>
+        <c:majorTickMark val="none"/>
+        <c:minorTickMark val="none"/>
+        <c:tickLblPos val="nextTo"/>
+        <c:spPr>
+          <a:noFill/>
+          <a:ln w="9525" cap="flat" cmpd="sng" algn="ctr">
+            <a:solidFill>
+              <a:schemeClr val="tx1">
+                <a:lumMod val="25000"/>
+                <a:lumOff val="75000"/>
+              </a:schemeClr>
+            </a:solidFill>
+            <a:round/>
+          </a:ln>
+          <a:effectLst/>
+        </c:spPr>
+        <c:txPr>
+          <a:bodyPr rot="-60000000" spcFirstLastPara="1" vertOverflow="ellipsis" vert="horz" wrap="square" anchor="ctr" anchorCtr="1"/>
+          <a:lstStyle/>
+          <a:p>
+            <a:pPr>
+              <a:defRPr sz="900" b="0" i="0" u="none" strike="noStrike" kern="1200" baseline="0">
+                <a:solidFill>
+                  <a:schemeClr val="tx1">
+                    <a:lumMod val="65000"/>
+                    <a:lumOff val="35000"/>
+                  </a:schemeClr>
+                </a:solidFill>
+                <a:latin typeface="+mn-lt"/>
+                <a:ea typeface="+mn-ea"/>
+                <a:cs typeface="+mn-cs"/>
+              </a:defRPr>
+            </a:pPr>
+            <a:endParaRPr lang="en-US"/>
+          </a:p>
+        </c:txPr>
+        <c:crossAx val="477271791"/>
+        <c:crosses val="autoZero"/>
+        <c:crossBetween val="midCat"/>
+      </c:valAx>
+      <c:valAx>
+        <c:axId val="477271791"/>
+        <c:scaling>
+          <c:orientation val="minMax"/>
+        </c:scaling>
+        <c:delete val="0"/>
+        <c:axPos val="l"/>
+        <c:majorGridlines>
+          <c:spPr>
+            <a:ln w="9525" cap="flat" cmpd="sng" algn="ctr">
+              <a:solidFill>
+                <a:schemeClr val="tx1">
+                  <a:lumMod val="15000"/>
+                  <a:lumOff val="85000"/>
+                </a:schemeClr>
+              </a:solidFill>
+              <a:round/>
+            </a:ln>
+            <a:effectLst/>
+          </c:spPr>
+        </c:majorGridlines>
+        <c:title>
+          <c:tx>
+            <c:rich>
+              <a:bodyPr rot="-5400000" spcFirstLastPara="1" vertOverflow="ellipsis" vert="horz" wrap="square" anchor="ctr" anchorCtr="1"/>
+              <a:lstStyle/>
+              <a:p>
+                <a:pPr>
+                  <a:defRPr sz="1000" b="0" i="0" u="none" strike="noStrike" kern="1200" baseline="0">
+                    <a:solidFill>
+                      <a:schemeClr val="tx1">
+                        <a:lumMod val="65000"/>
+                        <a:lumOff val="35000"/>
+                      </a:schemeClr>
+                    </a:solidFill>
+                    <a:latin typeface="+mn-lt"/>
+                    <a:ea typeface="+mn-ea"/>
+                    <a:cs typeface="+mn-cs"/>
+                  </a:defRPr>
+                </a:pPr>
+                <a:r>
+                  <a:rPr lang="en-CA" dirty="0" err="1"/>
+                  <a:t>Déflexion</a:t>
+                </a:r>
+                <a:r>
+                  <a:rPr lang="en-CA" baseline="0" dirty="0"/>
+                  <a:t> [mm]</a:t>
+                </a:r>
+                <a:endParaRPr lang="en-CA" dirty="0"/>
+              </a:p>
+            </c:rich>
+          </c:tx>
+          <c:overlay val="0"/>
+          <c:spPr>
+            <a:noFill/>
+            <a:ln>
+              <a:noFill/>
+            </a:ln>
+            <a:effectLst/>
+          </c:spPr>
+          <c:txPr>
+            <a:bodyPr rot="-5400000" spcFirstLastPara="1" vertOverflow="ellipsis" vert="horz" wrap="square" anchor="ctr" anchorCtr="1"/>
+            <a:lstStyle/>
+            <a:p>
+              <a:pPr>
+                <a:defRPr sz="1000" b="0" i="0" u="none" strike="noStrike" kern="1200" baseline="0">
+                  <a:solidFill>
+                    <a:schemeClr val="tx1">
+                      <a:lumMod val="65000"/>
+                      <a:lumOff val="35000"/>
+                    </a:schemeClr>
+                  </a:solidFill>
+                  <a:latin typeface="+mn-lt"/>
+                  <a:ea typeface="+mn-ea"/>
+                  <a:cs typeface="+mn-cs"/>
+                </a:defRPr>
+              </a:pPr>
+              <a:endParaRPr lang="en-US"/>
+            </a:p>
+          </c:txPr>
+        </c:title>
+        <c:numFmt formatCode="General" sourceLinked="1"/>
+        <c:majorTickMark val="none"/>
+        <c:minorTickMark val="none"/>
+        <c:tickLblPos val="nextTo"/>
+        <c:spPr>
+          <a:noFill/>
+          <a:ln w="9525" cap="flat" cmpd="sng" algn="ctr">
+            <a:solidFill>
+              <a:schemeClr val="tx1">
+                <a:lumMod val="25000"/>
+                <a:lumOff val="75000"/>
+              </a:schemeClr>
+            </a:solidFill>
+            <a:round/>
+          </a:ln>
+          <a:effectLst/>
+        </c:spPr>
+        <c:txPr>
+          <a:bodyPr rot="-60000000" spcFirstLastPara="1" vertOverflow="ellipsis" vert="horz" wrap="square" anchor="ctr" anchorCtr="1"/>
+          <a:lstStyle/>
+          <a:p>
+            <a:pPr>
+              <a:defRPr sz="900" b="0" i="0" u="none" strike="noStrike" kern="1200" baseline="0">
+                <a:solidFill>
+                  <a:schemeClr val="tx1">
+                    <a:lumMod val="65000"/>
+                    <a:lumOff val="35000"/>
+                  </a:schemeClr>
+                </a:solidFill>
+                <a:latin typeface="+mn-lt"/>
+                <a:ea typeface="+mn-ea"/>
+                <a:cs typeface="+mn-cs"/>
+              </a:defRPr>
+            </a:pPr>
+            <a:endParaRPr lang="en-US"/>
+          </a:p>
+        </c:txPr>
+        <c:crossAx val="477280911"/>
+        <c:crosses val="autoZero"/>
+        <c:crossBetween val="midCat"/>
+      </c:valAx>
+      <c:spPr>
+        <a:noFill/>
+        <a:ln>
+          <a:noFill/>
+        </a:ln>
+        <a:effectLst/>
+      </c:spPr>
+    </c:plotArea>
+    <c:legend>
+      <c:legendPos val="r"/>
+      <c:layout>
+        <c:manualLayout>
+          <c:xMode val="edge"/>
+          <c:yMode val="edge"/>
+          <c:x val="0.10130212498484628"/>
+          <c:y val="6.5133463661736321E-2"/>
+          <c:w val="0.2465257226160775"/>
+          <c:h val="0.20439071403872611"/>
+        </c:manualLayout>
+      </c:layout>
+      <c:overlay val="0"/>
+      <c:spPr>
+        <a:noFill/>
+        <a:ln>
+          <a:noFill/>
+        </a:ln>
+        <a:effectLst/>
+      </c:spPr>
+      <c:txPr>
+        <a:bodyPr rot="0" spcFirstLastPara="1" vertOverflow="ellipsis" vert="horz" wrap="square" anchor="ctr" anchorCtr="1"/>
+        <a:lstStyle/>
+        <a:p>
+          <a:pPr>
+            <a:defRPr sz="900" b="0" i="0" u="none" strike="noStrike" kern="1200" baseline="0">
+              <a:solidFill>
+                <a:schemeClr val="tx1">
+                  <a:lumMod val="65000"/>
+                  <a:lumOff val="35000"/>
+                </a:schemeClr>
+              </a:solidFill>
+              <a:latin typeface="+mn-lt"/>
+              <a:ea typeface="+mn-ea"/>
+              <a:cs typeface="+mn-cs"/>
+            </a:defRPr>
+          </a:pPr>
+          <a:endParaRPr lang="en-US"/>
+        </a:p>
+      </c:txPr>
+    </c:legend>
+    <c:plotVisOnly val="1"/>
+    <c:dispBlanksAs val="gap"/>
+    <c:extLst>
+      <c:ext xmlns:c16r3="http://schemas.microsoft.com/office/drawing/2017/03/chart" uri="{56B9EC1D-385E-4148-901F-78D8002777C0}">
+        <c16r3:dataDisplayOptions16>
+          <c16r3:dispNaAsBlank val="1"/>
+        </c16r3:dataDisplayOptions16>
+      </c:ext>
+    </c:extLst>
+    <c:showDLblsOverMax val="0"/>
+  </c:chart>
+  <c:spPr>
+    <a:noFill/>
+    <a:ln>
+      <a:noFill/>
+    </a:ln>
+    <a:effectLst/>
+  </c:spPr>
+  <c:txPr>
+    <a:bodyPr/>
+    <a:lstStyle/>
+    <a:p>
+      <a:pPr>
+        <a:defRPr/>
+      </a:pPr>
+      <a:endParaRPr lang="en-US"/>
+    </a:p>
+  </c:txPr>
+  <c:externalData r:id="rId3">
+    <c:autoUpdate val="0"/>
+  </c:externalData>
+</c:chartSpace>
+</file>
+
+<file path=ppt/charts/chart2.xml><?xml version="1.0" encoding="utf-8"?>
+<c:chartSpace xmlns:c="http://schemas.openxmlformats.org/drawingml/2006/chart" xmlns:a="http://schemas.openxmlformats.org/drawingml/2006/main" xmlns:r="http://schemas.openxmlformats.org/officeDocument/2006/relationships" xmlns:c16r2="http://schemas.microsoft.com/office/drawing/2015/06/chart">
+  <c:date1904 val="0"/>
+  <c:lang val="en-US"/>
   <c:roundedCorners val="0"/>
   <mc:AlternateContent xmlns:mc="http://schemas.openxmlformats.org/markup-compatibility/2006">
     <mc:Choice xmlns:c14="http://schemas.microsoft.com/office/drawing/2007/8/2/chart" Requires="c14">
@@ -1027,7 +2408,7 @@
               <a:cs typeface="+mn-cs"/>
             </a:defRPr>
           </a:pPr>
-          <a:endParaRPr lang="fr-FR"/>
+          <a:endParaRPr lang="en-US"/>
         </a:p>
       </c:txPr>
     </c:title>
@@ -1118,7 +2499,7 @@
                       <a:cs typeface="+mn-cs"/>
                     </a:defRPr>
                   </a:pPr>
-                  <a:endParaRPr lang="fr-FR"/>
+                  <a:endParaRPr lang="en-US"/>
                 </a:p>
               </c:txPr>
             </c:trendlineLbl>
@@ -1261,7 +2642,7 @@
                             <a:cs typeface="+mn-cs"/>
                           </a:defRPr>
                         </a:pPr>
-                        <a:endParaRPr lang="fr-FR"/>
+                        <a:endParaRPr lang="en-US"/>
                       </a:p>
                     </c:txPr>
                   </c:trendlineLbl>
@@ -1403,7 +2784,7 @@
                   <a:cs typeface="+mn-cs"/>
                 </a:defRPr>
               </a:pPr>
-              <a:endParaRPr lang="fr-FR"/>
+              <a:endParaRPr lang="en-US"/>
             </a:p>
           </c:txPr>
         </c:title>
@@ -1441,7 +2822,7 @@
                 <a:cs typeface="+mn-cs"/>
               </a:defRPr>
             </a:pPr>
-            <a:endParaRPr lang="fr-FR"/>
+            <a:endParaRPr lang="en-US"/>
           </a:p>
         </c:txPr>
         <c:crossAx val="1420657695"/>
@@ -1525,7 +2906,7 @@
                   <a:cs typeface="+mn-cs"/>
                 </a:defRPr>
               </a:pPr>
-              <a:endParaRPr lang="fr-FR"/>
+              <a:endParaRPr lang="en-US"/>
             </a:p>
           </c:txPr>
         </c:title>
@@ -1563,7 +2944,7 @@
                 <a:cs typeface="+mn-cs"/>
               </a:defRPr>
             </a:pPr>
-            <a:endParaRPr lang="fr-FR"/>
+            <a:endParaRPr lang="en-US"/>
           </a:p>
         </c:txPr>
         <c:crossAx val="1911372511"/>
@@ -1603,7 +2984,7 @@
       <a:pPr>
         <a:defRPr/>
       </a:pPr>
-      <a:endParaRPr lang="fr-FR"/>
+      <a:endParaRPr lang="en-US"/>
     </a:p>
   </c:txPr>
   <c:externalData r:id="rId3">
@@ -1612,10 +2993,10 @@
 </c:chartSpace>
 </file>
 
-<file path=ppt/charts/chart2.xml><?xml version="1.0" encoding="utf-8"?>
+<file path=ppt/charts/chart3.xml><?xml version="1.0" encoding="utf-8"?>
 <c:chartSpace xmlns:c="http://schemas.openxmlformats.org/drawingml/2006/chart" xmlns:a="http://schemas.openxmlformats.org/drawingml/2006/main" xmlns:r="http://schemas.openxmlformats.org/officeDocument/2006/relationships" xmlns:c16r2="http://schemas.microsoft.com/office/drawing/2015/06/chart">
   <c:date1904 val="0"/>
-  <c:lang val="fr-FR"/>
+  <c:lang val="en-US"/>
   <c:roundedCorners val="0"/>
   <mc:AlternateContent xmlns:mc="http://schemas.openxmlformats.org/markup-compatibility/2006">
     <mc:Choice xmlns:c14="http://schemas.microsoft.com/office/drawing/2007/8/2/chart" Requires="c14">
@@ -2376,7 +3757,7 @@
                   <a:cs typeface="+mn-cs"/>
                 </a:defRPr>
               </a:pPr>
-              <a:endParaRPr lang="fr-FR"/>
+              <a:endParaRPr lang="en-US"/>
             </a:p>
           </c:txPr>
         </c:title>
@@ -2414,7 +3795,7 @@
                 <a:cs typeface="+mn-cs"/>
               </a:defRPr>
             </a:pPr>
-            <a:endParaRPr lang="fr-FR"/>
+            <a:endParaRPr lang="en-US"/>
           </a:p>
         </c:txPr>
         <c:crossAx val="1457253920"/>
@@ -2494,7 +3875,7 @@
                   <a:cs typeface="+mn-cs"/>
                 </a:defRPr>
               </a:pPr>
-              <a:endParaRPr lang="fr-FR"/>
+              <a:endParaRPr lang="en-US"/>
             </a:p>
           </c:txPr>
         </c:title>
@@ -2532,7 +3913,7 @@
                 <a:cs typeface="+mn-cs"/>
               </a:defRPr>
             </a:pPr>
-            <a:endParaRPr lang="fr-FR"/>
+            <a:endParaRPr lang="en-US"/>
           </a:p>
         </c:txPr>
         <c:crossAx val="1457258720"/>
@@ -2572,7 +3953,7 @@
       <a:pPr>
         <a:defRPr/>
       </a:pPr>
-      <a:endParaRPr lang="fr-FR"/>
+      <a:endParaRPr lang="en-US"/>
     </a:p>
   </c:txPr>
   <c:externalData r:id="rId3">
@@ -2581,10 +3962,10 @@
 </c:chartSpace>
 </file>
 
-<file path=ppt/charts/chart3.xml><?xml version="1.0" encoding="utf-8"?>
+<file path=ppt/charts/chart4.xml><?xml version="1.0" encoding="utf-8"?>
 <c:chartSpace xmlns:c="http://schemas.openxmlformats.org/drawingml/2006/chart" xmlns:a="http://schemas.openxmlformats.org/drawingml/2006/main" xmlns:r="http://schemas.openxmlformats.org/officeDocument/2006/relationships" xmlns:c16r2="http://schemas.microsoft.com/office/drawing/2015/06/chart">
   <c:date1904 val="0"/>
-  <c:lang val="fr-FR"/>
+  <c:lang val="en-US"/>
   <c:roundedCorners val="0"/>
   <mc:AlternateContent xmlns:mc="http://schemas.openxmlformats.org/markup-compatibility/2006">
     <mc:Choice xmlns:c14="http://schemas.microsoft.com/office/drawing/2007/8/2/chart" Requires="c14">
@@ -3349,7 +4730,7 @@
                   <a:cs typeface="+mn-cs"/>
                 </a:defRPr>
               </a:pPr>
-              <a:endParaRPr lang="fr-FR"/>
+              <a:endParaRPr lang="en-US"/>
             </a:p>
           </c:txPr>
         </c:title>
@@ -3387,7 +4768,7 @@
                 <a:cs typeface="+mn-cs"/>
               </a:defRPr>
             </a:pPr>
-            <a:endParaRPr lang="fr-FR"/>
+            <a:endParaRPr lang="en-US"/>
           </a:p>
         </c:txPr>
         <c:crossAx val="2041938592"/>
@@ -3467,7 +4848,7 @@
                   <a:cs typeface="+mn-cs"/>
                 </a:defRPr>
               </a:pPr>
-              <a:endParaRPr lang="fr-FR"/>
+              <a:endParaRPr lang="en-US"/>
             </a:p>
           </c:txPr>
         </c:title>
@@ -3505,7 +4886,7 @@
                 <a:cs typeface="+mn-cs"/>
               </a:defRPr>
             </a:pPr>
-            <a:endParaRPr lang="fr-FR"/>
+            <a:endParaRPr lang="en-US"/>
           </a:p>
         </c:txPr>
         <c:crossAx val="2041944352"/>
@@ -3545,7 +4926,7 @@
       <a:pPr>
         <a:defRPr/>
       </a:pPr>
-      <a:endParaRPr lang="fr-FR"/>
+      <a:endParaRPr lang="en-US"/>
     </a:p>
   </c:txPr>
   <c:externalData r:id="rId3">
@@ -3554,10 +4935,10 @@
 </c:chartSpace>
 </file>
 
-<file path=ppt/charts/chart4.xml><?xml version="1.0" encoding="utf-8"?>
+<file path=ppt/charts/chart5.xml><?xml version="1.0" encoding="utf-8"?>
 <c:chartSpace xmlns:c="http://schemas.openxmlformats.org/drawingml/2006/chart" xmlns:a="http://schemas.openxmlformats.org/drawingml/2006/main" xmlns:r="http://schemas.openxmlformats.org/officeDocument/2006/relationships" xmlns:c16r2="http://schemas.microsoft.com/office/drawing/2015/06/chart">
   <c:date1904 val="0"/>
-  <c:lang val="fr-FR"/>
+  <c:lang val="en-US"/>
   <c:roundedCorners val="0"/>
   <mc:AlternateContent xmlns:mc="http://schemas.openxmlformats.org/markup-compatibility/2006">
     <mc:Choice xmlns:c14="http://schemas.microsoft.com/office/drawing/2007/8/2/chart" Requires="c14">
@@ -4342,7 +5723,7 @@
                   <a:cs typeface="+mn-cs"/>
                 </a:defRPr>
               </a:pPr>
-              <a:endParaRPr lang="fr-FR"/>
+              <a:endParaRPr lang="en-US"/>
             </a:p>
           </c:txPr>
         </c:title>
@@ -4380,7 +5761,7 @@
                 <a:cs typeface="+mn-cs"/>
               </a:defRPr>
             </a:pPr>
-            <a:endParaRPr lang="fr-FR"/>
+            <a:endParaRPr lang="en-US"/>
           </a:p>
         </c:txPr>
         <c:crossAx val="2041041472"/>
@@ -4460,7 +5841,7 @@
                   <a:cs typeface="+mn-cs"/>
                 </a:defRPr>
               </a:pPr>
-              <a:endParaRPr lang="fr-FR"/>
+              <a:endParaRPr lang="en-US"/>
             </a:p>
           </c:txPr>
         </c:title>
@@ -4498,7 +5879,7 @@
                 <a:cs typeface="+mn-cs"/>
               </a:defRPr>
             </a:pPr>
-            <a:endParaRPr lang="fr-FR"/>
+            <a:endParaRPr lang="en-US"/>
           </a:p>
         </c:txPr>
         <c:crossAx val="2041040032"/>
@@ -4538,7 +5919,7 @@
       <a:pPr>
         <a:defRPr/>
       </a:pPr>
-      <a:endParaRPr lang="fr-FR"/>
+      <a:endParaRPr lang="en-US"/>
     </a:p>
   </c:txPr>
   <c:externalData r:id="rId3">
@@ -4547,10 +5928,10 @@
 </c:chartSpace>
 </file>
 
-<file path=ppt/charts/chart5.xml><?xml version="1.0" encoding="utf-8"?>
+<file path=ppt/charts/chart6.xml><?xml version="1.0" encoding="utf-8"?>
 <c:chartSpace xmlns:c="http://schemas.openxmlformats.org/drawingml/2006/chart" xmlns:a="http://schemas.openxmlformats.org/drawingml/2006/main" xmlns:r="http://schemas.openxmlformats.org/officeDocument/2006/relationships" xmlns:c16r2="http://schemas.microsoft.com/office/drawing/2015/06/chart">
   <c:date1904 val="0"/>
-  <c:lang val="fr-FR"/>
+  <c:lang val="en-US"/>
   <c:roundedCorners val="0"/>
   <mc:AlternateContent xmlns:mc="http://schemas.openxmlformats.org/markup-compatibility/2006">
     <mc:Choice xmlns:c14="http://schemas.microsoft.com/office/drawing/2007/8/2/chart" Requires="c14">
@@ -4798,7 +6179,7 @@
                   <a:cs typeface="+mn-cs"/>
                 </a:defRPr>
               </a:pPr>
-              <a:endParaRPr lang="fr-FR"/>
+              <a:endParaRPr lang="en-US"/>
             </a:p>
           </c:txPr>
         </c:title>
@@ -4836,7 +6217,7 @@
                 <a:cs typeface="+mn-cs"/>
               </a:defRPr>
             </a:pPr>
-            <a:endParaRPr lang="fr-FR"/>
+            <a:endParaRPr lang="en-US"/>
           </a:p>
         </c:txPr>
         <c:crossAx val="1632011967"/>
@@ -4876,7 +6257,7 @@
       <a:pPr>
         <a:defRPr/>
       </a:pPr>
-      <a:endParaRPr lang="fr-FR"/>
+      <a:endParaRPr lang="en-US"/>
     </a:p>
   </c:txPr>
   <c:externalData r:id="rId3">
@@ -5046,6 +6427,46 @@
 </file>
 
 <file path=ppt/charts/colors5.xml><?xml version="1.0" encoding="utf-8"?>
+<cs:colorStyle xmlns:cs="http://schemas.microsoft.com/office/drawing/2012/chartStyle" xmlns:a="http://schemas.openxmlformats.org/drawingml/2006/main" meth="cycle" id="10">
+  <a:schemeClr val="accent1"/>
+  <a:schemeClr val="accent2"/>
+  <a:schemeClr val="accent3"/>
+  <a:schemeClr val="accent4"/>
+  <a:schemeClr val="accent5"/>
+  <a:schemeClr val="accent6"/>
+  <cs:variation/>
+  <cs:variation>
+    <a:lumMod val="60000"/>
+  </cs:variation>
+  <cs:variation>
+    <a:lumMod val="80000"/>
+    <a:lumOff val="20000"/>
+  </cs:variation>
+  <cs:variation>
+    <a:lumMod val="80000"/>
+  </cs:variation>
+  <cs:variation>
+    <a:lumMod val="60000"/>
+    <a:lumOff val="40000"/>
+  </cs:variation>
+  <cs:variation>
+    <a:lumMod val="50000"/>
+  </cs:variation>
+  <cs:variation>
+    <a:lumMod val="70000"/>
+    <a:lumOff val="30000"/>
+  </cs:variation>
+  <cs:variation>
+    <a:lumMod val="70000"/>
+  </cs:variation>
+  <cs:variation>
+    <a:lumMod val="50000"/>
+    <a:lumOff val="50000"/>
+  </cs:variation>
+</cs:colorStyle>
+</file>
+
+<file path=ppt/charts/colors6.xml><?xml version="1.0" encoding="utf-8"?>
 <cs:colorStyle xmlns:cs="http://schemas.microsoft.com/office/drawing/2012/chartStyle" xmlns:a="http://schemas.openxmlformats.org/drawingml/2006/main" meth="cycle" id="10">
   <a:schemeClr val="accent1"/>
   <a:schemeClr val="accent2"/>
@@ -7665,6 +9086,548 @@
 </cs:chartStyle>
 </file>
 
+<file path=ppt/charts/style6.xml><?xml version="1.0" encoding="utf-8"?>
+<cs:chartStyle xmlns:cs="http://schemas.microsoft.com/office/drawing/2012/chartStyle" xmlns:a="http://schemas.openxmlformats.org/drawingml/2006/main" id="240">
+  <cs:axisTitle>
+    <cs:lnRef idx="0"/>
+    <cs:fillRef idx="0"/>
+    <cs:effectRef idx="0"/>
+    <cs:fontRef idx="minor">
+      <a:schemeClr val="tx1">
+        <a:lumMod val="65000"/>
+        <a:lumOff val="35000"/>
+      </a:schemeClr>
+    </cs:fontRef>
+    <cs:defRPr sz="1000" kern="1200"/>
+  </cs:axisTitle>
+  <cs:categoryAxis>
+    <cs:lnRef idx="0"/>
+    <cs:fillRef idx="0"/>
+    <cs:effectRef idx="0"/>
+    <cs:fontRef idx="minor">
+      <a:schemeClr val="tx1">
+        <a:lumMod val="65000"/>
+        <a:lumOff val="35000"/>
+      </a:schemeClr>
+    </cs:fontRef>
+    <cs:spPr>
+      <a:ln w="9525" cap="flat" cmpd="sng" algn="ctr">
+        <a:solidFill>
+          <a:schemeClr val="tx1">
+            <a:lumMod val="25000"/>
+            <a:lumOff val="75000"/>
+          </a:schemeClr>
+        </a:solidFill>
+        <a:round/>
+      </a:ln>
+    </cs:spPr>
+    <cs:defRPr sz="900" kern="1200"/>
+  </cs:categoryAxis>
+  <cs:chartArea mods="allowNoFillOverride allowNoLineOverride">
+    <cs:lnRef idx="0"/>
+    <cs:fillRef idx="0"/>
+    <cs:effectRef idx="0"/>
+    <cs:fontRef idx="minor">
+      <a:schemeClr val="tx1"/>
+    </cs:fontRef>
+    <cs:spPr>
+      <a:solidFill>
+        <a:schemeClr val="bg1"/>
+      </a:solidFill>
+      <a:ln w="9525" cap="flat" cmpd="sng" algn="ctr">
+        <a:solidFill>
+          <a:schemeClr val="tx1">
+            <a:lumMod val="15000"/>
+            <a:lumOff val="85000"/>
+          </a:schemeClr>
+        </a:solidFill>
+        <a:round/>
+      </a:ln>
+    </cs:spPr>
+    <cs:defRPr sz="1000" kern="1200"/>
+  </cs:chartArea>
+  <cs:dataLabel>
+    <cs:lnRef idx="0"/>
+    <cs:fillRef idx="0"/>
+    <cs:effectRef idx="0"/>
+    <cs:fontRef idx="minor">
+      <a:schemeClr val="tx1">
+        <a:lumMod val="75000"/>
+        <a:lumOff val="25000"/>
+      </a:schemeClr>
+    </cs:fontRef>
+    <cs:defRPr sz="900" kern="1200"/>
+  </cs:dataLabel>
+  <cs:dataLabelCallout>
+    <cs:lnRef idx="0"/>
+    <cs:fillRef idx="0"/>
+    <cs:effectRef idx="0"/>
+    <cs:fontRef idx="minor">
+      <a:schemeClr val="dk1">
+        <a:lumMod val="65000"/>
+        <a:lumOff val="35000"/>
+      </a:schemeClr>
+    </cs:fontRef>
+    <cs:spPr>
+      <a:solidFill>
+        <a:schemeClr val="lt1"/>
+      </a:solidFill>
+      <a:ln>
+        <a:solidFill>
+          <a:schemeClr val="dk1">
+            <a:lumMod val="25000"/>
+            <a:lumOff val="75000"/>
+          </a:schemeClr>
+        </a:solidFill>
+      </a:ln>
+    </cs:spPr>
+    <cs:defRPr sz="900" kern="1200"/>
+    <cs:bodyPr rot="0" spcFirstLastPara="1" vertOverflow="clip" horzOverflow="clip" vert="horz" wrap="square" lIns="36576" tIns="18288" rIns="36576" bIns="18288" anchor="ctr" anchorCtr="1">
+      <a:spAutoFit/>
+    </cs:bodyPr>
+  </cs:dataLabelCallout>
+  <cs:dataPoint>
+    <cs:lnRef idx="0"/>
+    <cs:fillRef idx="1">
+      <cs:styleClr val="auto"/>
+    </cs:fillRef>
+    <cs:effectRef idx="0"/>
+    <cs:fontRef idx="minor">
+      <a:schemeClr val="tx1"/>
+    </cs:fontRef>
+  </cs:dataPoint>
+  <cs:dataPoint3D>
+    <cs:lnRef idx="0"/>
+    <cs:fillRef idx="1">
+      <cs:styleClr val="auto"/>
+    </cs:fillRef>
+    <cs:effectRef idx="0"/>
+    <cs:fontRef idx="minor">
+      <a:schemeClr val="tx1"/>
+    </cs:fontRef>
+  </cs:dataPoint3D>
+  <cs:dataPointLine>
+    <cs:lnRef idx="0">
+      <cs:styleClr val="auto"/>
+    </cs:lnRef>
+    <cs:fillRef idx="1"/>
+    <cs:effectRef idx="0"/>
+    <cs:fontRef idx="minor">
+      <a:schemeClr val="tx1"/>
+    </cs:fontRef>
+    <cs:spPr>
+      <a:ln w="19050" cap="rnd">
+        <a:solidFill>
+          <a:schemeClr val="phClr"/>
+        </a:solidFill>
+        <a:round/>
+      </a:ln>
+    </cs:spPr>
+  </cs:dataPointLine>
+  <cs:dataPointMarker>
+    <cs:lnRef idx="0">
+      <cs:styleClr val="auto"/>
+    </cs:lnRef>
+    <cs:fillRef idx="1">
+      <cs:styleClr val="auto"/>
+    </cs:fillRef>
+    <cs:effectRef idx="0"/>
+    <cs:fontRef idx="minor">
+      <a:schemeClr val="tx1"/>
+    </cs:fontRef>
+    <cs:spPr>
+      <a:ln w="9525">
+        <a:solidFill>
+          <a:schemeClr val="phClr"/>
+        </a:solidFill>
+      </a:ln>
+    </cs:spPr>
+  </cs:dataPointMarker>
+  <cs:dataPointMarkerLayout symbol="circle" size="5"/>
+  <cs:dataPointWireframe>
+    <cs:lnRef idx="0">
+      <cs:styleClr val="auto"/>
+    </cs:lnRef>
+    <cs:fillRef idx="0"/>
+    <cs:effectRef idx="0"/>
+    <cs:fontRef idx="minor">
+      <a:schemeClr val="dk1"/>
+    </cs:fontRef>
+    <cs:spPr>
+      <a:ln w="9525" cap="rnd">
+        <a:solidFill>
+          <a:schemeClr val="phClr"/>
+        </a:solidFill>
+        <a:round/>
+      </a:ln>
+    </cs:spPr>
+  </cs:dataPointWireframe>
+  <cs:dataTable>
+    <cs:lnRef idx="0"/>
+    <cs:fillRef idx="0"/>
+    <cs:effectRef idx="0"/>
+    <cs:fontRef idx="minor">
+      <a:schemeClr val="tx1">
+        <a:lumMod val="65000"/>
+        <a:lumOff val="35000"/>
+      </a:schemeClr>
+    </cs:fontRef>
+    <cs:spPr>
+      <a:noFill/>
+      <a:ln w="9525" cap="flat" cmpd="sng" algn="ctr">
+        <a:solidFill>
+          <a:schemeClr val="tx1">
+            <a:lumMod val="15000"/>
+            <a:lumOff val="85000"/>
+          </a:schemeClr>
+        </a:solidFill>
+        <a:round/>
+      </a:ln>
+    </cs:spPr>
+    <cs:defRPr sz="900" kern="1200"/>
+  </cs:dataTable>
+  <cs:downBar>
+    <cs:lnRef idx="0"/>
+    <cs:fillRef idx="0"/>
+    <cs:effectRef idx="0"/>
+    <cs:fontRef idx="minor">
+      <a:schemeClr val="tx1"/>
+    </cs:fontRef>
+    <cs:spPr>
+      <a:solidFill>
+        <a:schemeClr val="dk1">
+          <a:lumMod val="75000"/>
+          <a:lumOff val="25000"/>
+        </a:schemeClr>
+      </a:solidFill>
+      <a:ln w="9525" cap="flat" cmpd="sng" algn="ctr">
+        <a:solidFill>
+          <a:schemeClr val="tx1">
+            <a:lumMod val="65000"/>
+            <a:lumOff val="35000"/>
+          </a:schemeClr>
+        </a:solidFill>
+        <a:round/>
+      </a:ln>
+    </cs:spPr>
+  </cs:downBar>
+  <cs:dropLine>
+    <cs:lnRef idx="0"/>
+    <cs:fillRef idx="0"/>
+    <cs:effectRef idx="0"/>
+    <cs:fontRef idx="minor">
+      <a:schemeClr val="tx1"/>
+    </cs:fontRef>
+    <cs:spPr>
+      <a:ln w="9525" cap="flat" cmpd="sng" algn="ctr">
+        <a:solidFill>
+          <a:schemeClr val="tx1">
+            <a:lumMod val="35000"/>
+            <a:lumOff val="65000"/>
+          </a:schemeClr>
+        </a:solidFill>
+        <a:round/>
+      </a:ln>
+    </cs:spPr>
+  </cs:dropLine>
+  <cs:errorBar>
+    <cs:lnRef idx="0"/>
+    <cs:fillRef idx="0"/>
+    <cs:effectRef idx="0"/>
+    <cs:fontRef idx="minor">
+      <a:schemeClr val="tx1"/>
+    </cs:fontRef>
+    <cs:spPr>
+      <a:ln w="9525" cap="flat" cmpd="sng" algn="ctr">
+        <a:solidFill>
+          <a:schemeClr val="tx1">
+            <a:lumMod val="65000"/>
+            <a:lumOff val="35000"/>
+          </a:schemeClr>
+        </a:solidFill>
+        <a:round/>
+      </a:ln>
+    </cs:spPr>
+  </cs:errorBar>
+  <cs:floor>
+    <cs:lnRef idx="0"/>
+    <cs:fillRef idx="0"/>
+    <cs:effectRef idx="0"/>
+    <cs:fontRef idx="minor">
+      <a:schemeClr val="tx1"/>
+    </cs:fontRef>
+    <cs:spPr>
+      <a:noFill/>
+      <a:ln>
+        <a:noFill/>
+      </a:ln>
+    </cs:spPr>
+  </cs:floor>
+  <cs:gridlineMajor>
+    <cs:lnRef idx="0"/>
+    <cs:fillRef idx="0"/>
+    <cs:effectRef idx="0"/>
+    <cs:fontRef idx="minor">
+      <a:schemeClr val="tx1"/>
+    </cs:fontRef>
+    <cs:spPr>
+      <a:ln w="9525" cap="flat" cmpd="sng" algn="ctr">
+        <a:solidFill>
+          <a:schemeClr val="tx1">
+            <a:lumMod val="15000"/>
+            <a:lumOff val="85000"/>
+          </a:schemeClr>
+        </a:solidFill>
+        <a:round/>
+      </a:ln>
+    </cs:spPr>
+  </cs:gridlineMajor>
+  <cs:gridlineMinor>
+    <cs:lnRef idx="0"/>
+    <cs:fillRef idx="0"/>
+    <cs:effectRef idx="0"/>
+    <cs:fontRef idx="minor">
+      <a:schemeClr val="tx1"/>
+    </cs:fontRef>
+    <cs:spPr>
+      <a:ln w="9525" cap="flat" cmpd="sng" algn="ctr">
+        <a:solidFill>
+          <a:schemeClr val="tx1">
+            <a:lumMod val="5000"/>
+            <a:lumOff val="95000"/>
+          </a:schemeClr>
+        </a:solidFill>
+        <a:round/>
+      </a:ln>
+    </cs:spPr>
+  </cs:gridlineMinor>
+  <cs:hiLoLine>
+    <cs:lnRef idx="0"/>
+    <cs:fillRef idx="0"/>
+    <cs:effectRef idx="0"/>
+    <cs:fontRef idx="minor">
+      <a:schemeClr val="tx1"/>
+    </cs:fontRef>
+    <cs:spPr>
+      <a:ln w="9525" cap="flat" cmpd="sng" algn="ctr">
+        <a:solidFill>
+          <a:schemeClr val="tx1">
+            <a:lumMod val="50000"/>
+            <a:lumOff val="50000"/>
+          </a:schemeClr>
+        </a:solidFill>
+        <a:round/>
+      </a:ln>
+    </cs:spPr>
+  </cs:hiLoLine>
+  <cs:leaderLine>
+    <cs:lnRef idx="0"/>
+    <cs:fillRef idx="0"/>
+    <cs:effectRef idx="0"/>
+    <cs:fontRef idx="minor">
+      <a:schemeClr val="tx1"/>
+    </cs:fontRef>
+    <cs:spPr>
+      <a:ln w="9525" cap="flat" cmpd="sng" algn="ctr">
+        <a:solidFill>
+          <a:schemeClr val="tx1">
+            <a:lumMod val="35000"/>
+            <a:lumOff val="65000"/>
+          </a:schemeClr>
+        </a:solidFill>
+        <a:round/>
+      </a:ln>
+    </cs:spPr>
+  </cs:leaderLine>
+  <cs:legend>
+    <cs:lnRef idx="0"/>
+    <cs:fillRef idx="0"/>
+    <cs:effectRef idx="0"/>
+    <cs:fontRef idx="minor">
+      <a:schemeClr val="tx1">
+        <a:lumMod val="65000"/>
+        <a:lumOff val="35000"/>
+      </a:schemeClr>
+    </cs:fontRef>
+    <cs:defRPr sz="900" kern="1200"/>
+  </cs:legend>
+  <cs:plotArea mods="allowNoFillOverride allowNoLineOverride">
+    <cs:lnRef idx="0"/>
+    <cs:fillRef idx="0"/>
+    <cs:effectRef idx="0"/>
+    <cs:fontRef idx="minor">
+      <a:schemeClr val="tx1"/>
+    </cs:fontRef>
+  </cs:plotArea>
+  <cs:plotArea3D mods="allowNoFillOverride allowNoLineOverride">
+    <cs:lnRef idx="0"/>
+    <cs:fillRef idx="0"/>
+    <cs:effectRef idx="0"/>
+    <cs:fontRef idx="minor">
+      <a:schemeClr val="tx1"/>
+    </cs:fontRef>
+  </cs:plotArea3D>
+  <cs:seriesAxis>
+    <cs:lnRef idx="0"/>
+    <cs:fillRef idx="0"/>
+    <cs:effectRef idx="0"/>
+    <cs:fontRef idx="minor">
+      <a:schemeClr val="tx1">
+        <a:lumMod val="65000"/>
+        <a:lumOff val="35000"/>
+      </a:schemeClr>
+    </cs:fontRef>
+    <cs:defRPr sz="900" kern="1200"/>
+  </cs:seriesAxis>
+  <cs:seriesLine>
+    <cs:lnRef idx="0"/>
+    <cs:fillRef idx="0"/>
+    <cs:effectRef idx="0"/>
+    <cs:fontRef idx="minor">
+      <a:schemeClr val="tx1"/>
+    </cs:fontRef>
+    <cs:spPr>
+      <a:ln w="9525" cap="flat" cmpd="sng" algn="ctr">
+        <a:solidFill>
+          <a:schemeClr val="tx1">
+            <a:lumMod val="35000"/>
+            <a:lumOff val="65000"/>
+          </a:schemeClr>
+        </a:solidFill>
+        <a:round/>
+      </a:ln>
+    </cs:spPr>
+  </cs:seriesLine>
+  <cs:title>
+    <cs:lnRef idx="0"/>
+    <cs:fillRef idx="0"/>
+    <cs:effectRef idx="0"/>
+    <cs:fontRef idx="minor">
+      <a:schemeClr val="tx1">
+        <a:lumMod val="65000"/>
+        <a:lumOff val="35000"/>
+      </a:schemeClr>
+    </cs:fontRef>
+    <cs:defRPr sz="1400" b="0" kern="1200" spc="0" baseline="0"/>
+  </cs:title>
+  <cs:trendline>
+    <cs:lnRef idx="0">
+      <cs:styleClr val="auto"/>
+    </cs:lnRef>
+    <cs:fillRef idx="0"/>
+    <cs:effectRef idx="0"/>
+    <cs:fontRef idx="minor">
+      <a:schemeClr val="tx1"/>
+    </cs:fontRef>
+    <cs:spPr>
+      <a:ln w="19050" cap="rnd">
+        <a:solidFill>
+          <a:schemeClr val="phClr"/>
+        </a:solidFill>
+        <a:prstDash val="sysDot"/>
+      </a:ln>
+    </cs:spPr>
+  </cs:trendline>
+  <cs:trendlineLabel>
+    <cs:lnRef idx="0"/>
+    <cs:fillRef idx="0"/>
+    <cs:effectRef idx="0"/>
+    <cs:fontRef idx="minor">
+      <a:schemeClr val="tx1">
+        <a:lumMod val="65000"/>
+        <a:lumOff val="35000"/>
+      </a:schemeClr>
+    </cs:fontRef>
+    <cs:defRPr sz="900" kern="1200"/>
+  </cs:trendlineLabel>
+  <cs:upBar>
+    <cs:lnRef idx="0"/>
+    <cs:fillRef idx="0"/>
+    <cs:effectRef idx="0"/>
+    <cs:fontRef idx="minor">
+      <a:schemeClr val="tx1"/>
+    </cs:fontRef>
+    <cs:spPr>
+      <a:solidFill>
+        <a:schemeClr val="lt1"/>
+      </a:solidFill>
+      <a:ln w="9525" cap="flat" cmpd="sng" algn="ctr">
+        <a:solidFill>
+          <a:schemeClr val="tx1">
+            <a:lumMod val="65000"/>
+            <a:lumOff val="35000"/>
+          </a:schemeClr>
+        </a:solidFill>
+        <a:round/>
+      </a:ln>
+    </cs:spPr>
+  </cs:upBar>
+  <cs:valueAxis>
+    <cs:lnRef idx="0"/>
+    <cs:fillRef idx="0"/>
+    <cs:effectRef idx="0"/>
+    <cs:fontRef idx="minor">
+      <a:schemeClr val="tx1">
+        <a:lumMod val="65000"/>
+        <a:lumOff val="35000"/>
+      </a:schemeClr>
+    </cs:fontRef>
+    <cs:spPr>
+      <a:ln w="9525" cap="flat" cmpd="sng" algn="ctr">
+        <a:solidFill>
+          <a:schemeClr val="tx1">
+            <a:lumMod val="25000"/>
+            <a:lumOff val="75000"/>
+          </a:schemeClr>
+        </a:solidFill>
+        <a:round/>
+      </a:ln>
+    </cs:spPr>
+    <cs:defRPr sz="900" kern="1200"/>
+  </cs:valueAxis>
+  <cs:wall>
+    <cs:lnRef idx="0"/>
+    <cs:fillRef idx="0"/>
+    <cs:effectRef idx="0"/>
+    <cs:fontRef idx="minor">
+      <a:schemeClr val="tx1"/>
+    </cs:fontRef>
+    <cs:spPr>
+      <a:noFill/>
+      <a:ln>
+        <a:noFill/>
+      </a:ln>
+    </cs:spPr>
+  </cs:wall>
+</cs:chartStyle>
+</file>
+
+<file path=ppt/comments/modernComment_106_4791FEFC.xml><?xml version="1.0" encoding="utf-8"?>
+<p188:cmLst xmlns:a="http://schemas.openxmlformats.org/drawingml/2006/main" xmlns:r="http://schemas.openxmlformats.org/officeDocument/2006/relationships" xmlns:p188="http://schemas.microsoft.com/office/powerpoint/2018/8/main">
+  <p188:cm id="{1275EE33-43A5-490E-A8D2-080E79EE55F8}" authorId="{4BB11620-EFBC-D13A-7B93-45F2C922ABDE}" created="2024-04-11T02:29:59.554">
+    <ac:txMkLst xmlns:ac="http://schemas.microsoft.com/office/drawing/2013/main/command">
+      <pc:docMk xmlns:pc="http://schemas.microsoft.com/office/powerpoint/2013/main/command"/>
+      <pc:sldMk xmlns:pc="http://schemas.microsoft.com/office/powerpoint/2013/main/command" cId="1200750332" sldId="262"/>
+      <ac:spMk id="3" creationId="{57846E6E-541E-C380-2EC3-91AF5BEE61F6}"/>
+      <ac:txMk cp="340" len="9">
+        <ac:context len="865" hash="1272217592"/>
+      </ac:txMk>
+    </ac:txMkLst>
+    <p188:pos x="8941904" y="1394042"/>
+    <p188:txBody>
+      <a:bodyPr/>
+      <a:lstStyle/>
+      <a:p>
+        <a:r>
+          <a:rPr lang="en-CA"/>
+          <a:t>check</a:t>
+        </a:r>
+      </a:p>
+    </p188:txBody>
+  </p188:cm>
+</p188:cmLst>
+</file>
+
 <file path=ppt/comments/modernComment_108_E5C5E786.xml><?xml version="1.0" encoding="utf-8"?>
 <p188:cmLst xmlns:a="http://schemas.openxmlformats.org/drawingml/2006/main" xmlns:r="http://schemas.openxmlformats.org/officeDocument/2006/relationships" xmlns:p188="http://schemas.microsoft.com/office/powerpoint/2018/8/main">
   <p188:cm id="{E208A256-2645-4215-A2E1-5835D144B8FF}" authorId="{4BB11620-EFBC-D13A-7B93-45F2C922ABDE}" created="2024-04-09T02:44:11.886">
@@ -7672,8 +9635,8 @@
       <pc:docMk xmlns:pc="http://schemas.microsoft.com/office/powerpoint/2013/main/command"/>
       <pc:sldMk xmlns:pc="http://schemas.microsoft.com/office/powerpoint/2013/main/command" cId="3854952326" sldId="264"/>
       <ac:spMk id="13" creationId="{0A89B34A-8F02-C6EA-B396-FDA8E978F524}"/>
-      <ac:txMk cp="752" len="70">
-        <ac:context len="823" hash="3572908270"/>
+      <ac:txMk cp="757" len="70">
+        <ac:context len="828" hash="3614477621"/>
       </ac:txMk>
     </ac:txMkLst>
     <p188:pos x="6266996" y="3947369"/>
@@ -7684,27 +9647,6 @@
         <a:r>
           <a:rPr lang="en-CA"/>
           <a:t>La force ne peut pas etre une condition frontiere si c'est une donne d'entree</a:t>
-        </a:r>
-      </a:p>
-    </p188:txBody>
-  </p188:cm>
-  <p188:cm id="{595FFDDA-B7D5-4571-BF56-6D90370887B7}" authorId="{53E43574-7A34-154C-E512-F6CBCA51E7C2}" created="2024-04-10T23:23:16.648">
-    <ac:txMkLst xmlns:ac="http://schemas.microsoft.com/office/drawing/2013/main/command">
-      <pc:docMk xmlns:pc="http://schemas.microsoft.com/office/powerpoint/2013/main/command"/>
-      <pc:sldMk xmlns:pc="http://schemas.microsoft.com/office/powerpoint/2013/main/command" cId="3854952326" sldId="264"/>
-      <ac:spMk id="13" creationId="{0A89B34A-8F02-C6EA-B396-FDA8E978F524}"/>
-      <ac:txMk cp="613" len="5">
-        <ac:context len="823" hash="3572908270"/>
-      </ac:txMk>
-    </ac:txMkLst>
-    <p188:pos x="5775837" y="2561689"/>
-    <p188:txBody>
-      <a:bodyPr/>
-      <a:lstStyle/>
-      <a:p>
-        <a:r>
-          <a:rPr lang="en-CA"/>
-          <a:t>On étudie le déplacement postérieur et non axial</a:t>
         </a:r>
       </a:p>
     </p188:txBody>
@@ -7720,7 +9662,7 @@
       <pc:sldMk xmlns:pc="http://schemas.microsoft.com/office/powerpoint/2013/main/command" cId="787268651" sldId="268"/>
       <ac:spMk id="3" creationId="{57846E6E-541E-C380-2EC3-91AF5BEE61F6}"/>
       <ac:txMk cp="579">
-        <ac:context len="800" hash="3997376941"/>
+        <ac:context len="795" hash="312665447"/>
       </ac:txMk>
     </ac:txMkLst>
     <p188:pos x="3940175" y="1481701"/>
@@ -7735,54 +9677,25 @@
       </a:p>
     </p188:txBody>
   </p188:cm>
-</p188:cmLst>
-</file>
-
-<file path=ppt/comments/modernComment_115_F7272C08.xml><?xml version="1.0" encoding="utf-8"?>
-<p188:cmLst xmlns:a="http://schemas.openxmlformats.org/drawingml/2006/main" xmlns:r="http://schemas.openxmlformats.org/officeDocument/2006/relationships" xmlns:p188="http://schemas.microsoft.com/office/powerpoint/2018/8/main">
-  <p188:cm id="{BD2CB6A7-C766-4013-9353-00268370D7E2}" authorId="{53E43574-7A34-154C-E512-F6CBCA51E7C2}" created="2024-04-10T23:32:48.229">
+  <p188:cm id="{2C0822D0-CE0A-4B58-AA90-5DE2630D633E}" authorId="{4BB11620-EFBC-D13A-7B93-45F2C922ABDE}" created="2024-04-11T02:27:00.149">
     <ac:txMkLst xmlns:ac="http://schemas.microsoft.com/office/drawing/2013/main/command">
       <pc:docMk xmlns:pc="http://schemas.microsoft.com/office/powerpoint/2013/main/command"/>
-      <pc:sldMk xmlns:pc="http://schemas.microsoft.com/office/powerpoint/2013/main/command" cId="4146539528" sldId="277"/>
-      <ac:spMk id="3" creationId="{57846E6E-541E-C380-2EC3-91AF5BEE61F6}"/>
-      <ac:txMk cp="441" len="6">
-        <ac:context len="1051" hash="3157278520"/>
+      <pc:sldMk xmlns:pc="http://schemas.microsoft.com/office/powerpoint/2013/main/command" cId="787268651" sldId="268"/>
+      <ac:graphicFrameMk id="7" creationId="{158B1993-4CA7-82B6-EE08-39866B522654}"/>
+      <ac:tblMk/>
+      <ac:tcMk rowId="1367851737" colId="3015167151"/>
+      <ac:txMk cp="0" len="1">
+        <ac:context len="2" hash="2422"/>
       </ac:txMk>
     </ac:txMkLst>
-    <p188:pos x="638175" y="3335901"/>
+    <p188:pos x="230257" y="1744289"/>
     <p188:txBody>
       <a:bodyPr/>
       <a:lstStyle/>
       <a:p>
         <a:r>
           <a:rPr lang="en-CA"/>
-          <a:t>C'est la déflection postérieure ici qu'on analyse</a:t>
-        </a:r>
-      </a:p>
-    </p188:txBody>
-  </p188:cm>
-</p188:cmLst>
-</file>
-
-<file path=ppt/comments/modernComment_116_FD4FE663.xml><?xml version="1.0" encoding="utf-8"?>
-<p188:cmLst xmlns:a="http://schemas.openxmlformats.org/drawingml/2006/main" xmlns:r="http://schemas.openxmlformats.org/officeDocument/2006/relationships" xmlns:p188="http://schemas.microsoft.com/office/powerpoint/2018/8/main">
-  <p188:cm id="{ABBF32EC-3F3C-4CB0-9E1E-7F1A4876E19C}" authorId="{53E43574-7A34-154C-E512-F6CBCA51E7C2}" created="2024-04-10T23:34:17.376">
-    <ac:txMkLst xmlns:ac="http://schemas.microsoft.com/office/drawing/2013/main/command">
-      <pc:docMk xmlns:pc="http://schemas.microsoft.com/office/powerpoint/2013/main/command"/>
-      <pc:sldMk xmlns:pc="http://schemas.microsoft.com/office/powerpoint/2013/main/command" cId="4249871971" sldId="278"/>
-      <ac:spMk id="3" creationId="{57846E6E-541E-C380-2EC3-91AF5BEE61F6}"/>
-      <ac:txMk cp="59" len="5">
-        <ac:context len="854" hash="3580751890"/>
-      </ac:txMk>
-    </ac:txMkLst>
-    <p188:pos x="4876800" y="535551"/>
-    <p188:txBody>
-      <a:bodyPr/>
-      <a:lstStyle/>
-      <a:p>
-        <a:r>
-          <a:rPr lang="en-CA"/>
-          <a:t>postérieur</a:t>
+          <a:t> completer ou a enlever?</a:t>
         </a:r>
       </a:p>
     </p188:txBody>
@@ -7797,8 +9710,8 @@
       <pc:docMk xmlns:pc="http://schemas.microsoft.com/office/powerpoint/2013/main/command"/>
       <pc:sldMk xmlns:pc="http://schemas.microsoft.com/office/powerpoint/2013/main/command" cId="2711060270" sldId="279"/>
       <ac:spMk id="3" creationId="{57846E6E-541E-C380-2EC3-91AF5BEE61F6}"/>
-      <ac:txMk cp="725" len="34">
-        <ac:context len="977" hash="679486689"/>
+      <ac:txMk cp="725">
+        <ac:context len="910" hash="690806682"/>
       </ac:txMk>
     </ac:txMkLst>
     <p188:pos x="5886691" y="3282730"/>
@@ -7816,33 +9729,6 @@
 </p188:cmLst>
 </file>
 
-<file path=ppt/comments/modernComment_118_779F665B.xml><?xml version="1.0" encoding="utf-8"?>
-<p188:cmLst xmlns:a="http://schemas.openxmlformats.org/drawingml/2006/main" xmlns:r="http://schemas.openxmlformats.org/officeDocument/2006/relationships" xmlns:p188="http://schemas.microsoft.com/office/powerpoint/2018/8/main">
-  <p188:cm id="{22021432-D104-45B2-95A0-05D0AD979F3E}" authorId="{E68F2F47-82E5-2BC7-0FEC-4F4EC863DDC3}" created="2024-04-11T00:24:18.453">
-    <ac:txMkLst xmlns:ac="http://schemas.microsoft.com/office/drawing/2013/main/command">
-      <pc:docMk xmlns:pc="http://schemas.microsoft.com/office/powerpoint/2013/main/command"/>
-      <pc:sldMk xmlns:pc="http://schemas.microsoft.com/office/powerpoint/2013/main/command" cId="2006935131" sldId="280"/>
-      <ac:spMk id="3" creationId="{57846E6E-541E-C380-2EC3-91AF5BEE61F6}"/>
-      <ac:txMk cp="934" len="8">
-        <ac:context len="1166" hash="3888751313"/>
-      </ac:txMk>
-    </ac:txMkLst>
-    <p188:pos x="7152861" y="3640287"/>
-    <p188:txBody>
-      <a:bodyPr/>
-      <a:lstStyle/>
-      <a:p>
-        <a:r>
-          <a:rPr lang="fr-FR"/>
-          <a:t>Si on utiliser Richardson on ne parle plus de GCI
-</a:t>
-        </a:r>
-      </a:p>
-    </p188:txBody>
-  </p188:cm>
-</p188:cmLst>
-</file>
-
 <file path=ppt/comments/modernComment_119_D4A1683D.xml><?xml version="1.0" encoding="utf-8"?>
 <p188:cmLst xmlns:a="http://schemas.openxmlformats.org/drawingml/2006/main" xmlns:r="http://schemas.openxmlformats.org/officeDocument/2006/relationships" xmlns:p188="http://schemas.microsoft.com/office/powerpoint/2018/8/main">
   <p188:cm id="{E5CD4D06-CBC4-4BBD-8A2F-2389111330B6}" authorId="{4BB11620-EFBC-D13A-7B93-45F2C922ABDE}" created="2024-04-06T22:52:32.116">
@@ -7850,8 +9736,8 @@
       <pc:docMk xmlns:pc="http://schemas.microsoft.com/office/powerpoint/2013/main/command"/>
       <pc:sldMk xmlns:pc="http://schemas.microsoft.com/office/powerpoint/2013/main/command" cId="3567347773" sldId="281"/>
       <ac:spMk id="3" creationId="{57846E6E-541E-C380-2EC3-91AF5BEE61F6}"/>
-      <ac:txMk cp="1128" len="139">
-        <ac:context len="1357" hash="1021285693"/>
+      <ac:txMk cp="1130" len="139">
+        <ac:context len="1359" hash="27094800"/>
       </ac:txMk>
     </ac:txMkLst>
     <p188:pos x="10184296" y="4306209"/>
@@ -7886,7 +9772,7 @@
       <pc:sldMk xmlns:pc="http://schemas.microsoft.com/office/powerpoint/2013/main/command" cId="3567347773" sldId="281"/>
       <ac:spMk id="3" creationId="{57846E6E-541E-C380-2EC3-91AF5BEE61F6}"/>
       <ac:txMk cp="255" len="67">
-        <ac:context len="1357" hash="1021285693"/>
+        <ac:context len="1359" hash="27094800"/>
       </ac:txMk>
     </ac:txMkLst>
     <p188:pos x="8564217" y="748000"/>
@@ -7911,11 +9797,25 @@
       <pc:docMk xmlns:pc="http://schemas.microsoft.com/office/powerpoint/2013/main/command"/>
       <pc:sldMk xmlns:pc="http://schemas.microsoft.com/office/powerpoint/2013/main/command" cId="494895105" sldId="286"/>
       <ac:spMk id="3" creationId="{57846E6E-541E-C380-2EC3-91AF5BEE61F6}"/>
-      <ac:txMk cp="596" len="381">
-        <ac:context len="1146" hash="121234561"/>
+      <ac:txMk cp="0" len="1">
+        <ac:context len="232" hash="3144641771"/>
       </ac:txMk>
     </ac:txMkLst>
     <p188:pos x="10506075" y="2497701"/>
+    <p188:replyLst>
+      <p188:reply id="{D8296247-F255-453A-8959-8A72DECB77F6}" authorId="{4BB11620-EFBC-D13A-7B93-45F2C922ABDE}" created="2024-04-11T02:42:10.167">
+        <p188:txBody>
+          <a:bodyPr/>
+          <a:lstStyle/>
+          <a:p>
+            <a:r>
+              <a:rPr lang="en-CA"/>
+              <a:t>Ajouté la diapo precedente</a:t>
+            </a:r>
+          </a:p>
+        </p188:txBody>
+      </p188:reply>
+    </p188:replyLst>
     <p188:txBody>
       <a:bodyPr/>
       <a:lstStyle/>
@@ -8171,7 +10071,7 @@
           <a:p>
             <a:fld id="{603E9730-38DB-4F77-A139-6CE923099591}" type="slidenum">
               <a:rPr lang="en-CA" smtClean="0"/>
-              <a:t>‹N°›</a:t>
+              <a:t>‹#›</a:t>
             </a:fld>
             <a:endParaRPr lang="en-CA"/>
           </a:p>
@@ -8483,7 +10383,7 @@
           <a:p>
             <a:fld id="{4BD3201E-7DF8-462B-AC18-61E63795AE0D}" type="slidenum">
               <a:rPr lang="en-CA" smtClean="0"/>
-              <a:t>‹N°›</a:t>
+              <a:t>‹#›</a:t>
             </a:fld>
             <a:endParaRPr lang="en-CA"/>
           </a:p>
@@ -8683,7 +10583,7 @@
           <a:p>
             <a:fld id="{4BD3201E-7DF8-462B-AC18-61E63795AE0D}" type="slidenum">
               <a:rPr lang="en-CA" smtClean="0"/>
-              <a:t>‹N°›</a:t>
+              <a:t>‹#›</a:t>
             </a:fld>
             <a:endParaRPr lang="en-CA"/>
           </a:p>
@@ -8893,7 +10793,7 @@
           <a:p>
             <a:fld id="{4BD3201E-7DF8-462B-AC18-61E63795AE0D}" type="slidenum">
               <a:rPr lang="en-CA" smtClean="0"/>
-              <a:t>‹N°›</a:t>
+              <a:t>‹#›</a:t>
             </a:fld>
             <a:endParaRPr lang="en-CA"/>
           </a:p>
@@ -9093,7 +10993,7 @@
           <a:p>
             <a:fld id="{4BD3201E-7DF8-462B-AC18-61E63795AE0D}" type="slidenum">
               <a:rPr lang="en-CA" smtClean="0"/>
-              <a:t>‹N°›</a:t>
+              <a:t>‹#›</a:t>
             </a:fld>
             <a:endParaRPr lang="en-CA"/>
           </a:p>
@@ -9369,7 +11269,7 @@
           <a:p>
             <a:fld id="{4BD3201E-7DF8-462B-AC18-61E63795AE0D}" type="slidenum">
               <a:rPr lang="en-CA" smtClean="0"/>
-              <a:t>‹N°›</a:t>
+              <a:t>‹#›</a:t>
             </a:fld>
             <a:endParaRPr lang="en-CA"/>
           </a:p>
@@ -9637,7 +11537,7 @@
           <a:p>
             <a:fld id="{4BD3201E-7DF8-462B-AC18-61E63795AE0D}" type="slidenum">
               <a:rPr lang="en-CA" smtClean="0"/>
-              <a:t>‹N°›</a:t>
+              <a:t>‹#›</a:t>
             </a:fld>
             <a:endParaRPr lang="en-CA"/>
           </a:p>
@@ -10052,7 +11952,7 @@
           <a:p>
             <a:fld id="{4BD3201E-7DF8-462B-AC18-61E63795AE0D}" type="slidenum">
               <a:rPr lang="en-CA" smtClean="0"/>
-              <a:t>‹N°›</a:t>
+              <a:t>‹#›</a:t>
             </a:fld>
             <a:endParaRPr lang="en-CA"/>
           </a:p>
@@ -10194,7 +12094,7 @@
           <a:p>
             <a:fld id="{4BD3201E-7DF8-462B-AC18-61E63795AE0D}" type="slidenum">
               <a:rPr lang="en-CA" smtClean="0"/>
-              <a:t>‹N°›</a:t>
+              <a:t>‹#›</a:t>
             </a:fld>
             <a:endParaRPr lang="en-CA"/>
           </a:p>
@@ -10307,7 +12207,7 @@
           <a:p>
             <a:fld id="{4BD3201E-7DF8-462B-AC18-61E63795AE0D}" type="slidenum">
               <a:rPr lang="en-CA" smtClean="0"/>
-              <a:t>‹N°›</a:t>
+              <a:t>‹#›</a:t>
             </a:fld>
             <a:endParaRPr lang="en-CA"/>
           </a:p>
@@ -10620,7 +12520,7 @@
           <a:p>
             <a:fld id="{4BD3201E-7DF8-462B-AC18-61E63795AE0D}" type="slidenum">
               <a:rPr lang="en-CA" smtClean="0"/>
-              <a:t>‹N°›</a:t>
+              <a:t>‹#›</a:t>
             </a:fld>
             <a:endParaRPr lang="en-CA"/>
           </a:p>
@@ -10909,7 +12809,7 @@
           <a:p>
             <a:fld id="{4BD3201E-7DF8-462B-AC18-61E63795AE0D}" type="slidenum">
               <a:rPr lang="en-CA" smtClean="0"/>
-              <a:t>‹N°›</a:t>
+              <a:t>‹#›</a:t>
             </a:fld>
             <a:endParaRPr lang="en-CA"/>
           </a:p>
@@ -11188,7 +13088,7 @@
           <a:p>
             <a:fld id="{4BD3201E-7DF8-462B-AC18-61E63795AE0D}" type="slidenum">
               <a:rPr lang="en-CA" smtClean="0"/>
-              <a:t>‹N°›</a:t>
+              <a:t>‹#›</a:t>
             </a:fld>
             <a:endParaRPr lang="en-CA"/>
           </a:p>
@@ -11949,6 +13849,484 @@
           <a:lstStyle/>
           <a:p>
             <a:r>
+              <a:rPr lang="fr-FR" sz="3000" dirty="0"/>
+              <a:t>Vérification de code</a:t>
+            </a:r>
+            <a:endParaRPr lang="en-CA" sz="3000" dirty="0"/>
+          </a:p>
+        </p:txBody>
+      </p:sp>
+      <mc:AlternateContent xmlns:mc="http://schemas.openxmlformats.org/markup-compatibility/2006">
+        <mc:Choice xmlns:a14="http://schemas.microsoft.com/office/drawing/2010/main" Requires="a14">
+          <p:sp>
+            <p:nvSpPr>
+              <p:cNvPr id="3" name="Content Placeholder 2">
+                <a:extLst>
+                  <a:ext uri="{FF2B5EF4-FFF2-40B4-BE49-F238E27FC236}">
+                    <a16:creationId xmlns:a16="http://schemas.microsoft.com/office/drawing/2014/main" id="{57846E6E-541E-C380-2EC3-91AF5BEE61F6}"/>
+                  </a:ext>
+                </a:extLst>
+              </p:cNvPr>
+              <p:cNvSpPr>
+                <a:spLocks noGrp="1"/>
+              </p:cNvSpPr>
+              <p:nvPr>
+                <p:ph idx="1"/>
+              </p:nvPr>
+            </p:nvSpPr>
+            <p:spPr>
+              <a:xfrm>
+                <a:off x="838200" y="1150374"/>
+                <a:ext cx="10515600" cy="5342501"/>
+              </a:xfrm>
+            </p:spPr>
+            <p:txBody>
+              <a:bodyPr>
+                <a:normAutofit/>
+              </a:bodyPr>
+              <a:lstStyle/>
+              <a:p>
+                <a:pPr marL="0" indent="0" algn="just">
+                  <a:buNone/>
+                </a:pPr>
+                <a:r>
+                  <a:rPr lang="fr-CA" sz="1800" dirty="0"/>
+                  <a:t>Tout d’abord il faut garder à l’esprit que l’erreur de discrétisation en éléments finis converge en O(h</a:t>
+                </a:r>
+                <a:r>
+                  <a:rPr lang="fr-CA" sz="1800" baseline="30000" dirty="0"/>
+                  <a:t>p+1</a:t>
+                </a:r>
+                <a:r>
+                  <a:rPr lang="fr-CA" sz="1800" dirty="0"/>
+                  <a:t>), p étant l’ordre de la fonction de forme utilisée.</a:t>
+                </a:r>
+              </a:p>
+              <a:p>
+                <a:pPr marL="0" indent="0" algn="just">
+                  <a:buNone/>
+                </a:pPr>
+                <a:r>
+                  <a:rPr lang="fr-CA" sz="1800" dirty="0"/>
+                  <a:t>Dans notre cas, </a:t>
+                </a:r>
+                <a:r>
+                  <a:rPr lang="fr-CA" sz="1800" dirty="0" err="1"/>
+                  <a:t>SimCenter</a:t>
+                </a:r>
+                <a:r>
+                  <a:rPr lang="fr-CA" sz="1800" dirty="0"/>
+                  <a:t> utilise des éléments linéaires donc l’ordre formel attendu est de p</a:t>
+                </a:r>
+                <a:r>
+                  <a:rPr lang="fr-CA" sz="1800" baseline="-25000" dirty="0"/>
+                  <a:t>f</a:t>
+                </a:r>
+                <a:r>
+                  <a:rPr lang="fr-CA" sz="1800" dirty="0"/>
+                  <a:t>=2. Cependant, il est possible d’observer sur l’analyse de convergence faite plus haut que l’ordre observée est de </a:t>
+                </a:r>
+                <a14:m>
+                  <m:oMath xmlns:m="http://schemas.openxmlformats.org/officeDocument/2006/math">
+                    <m:acc>
+                      <m:accPr>
+                        <m:chr m:val="̂"/>
+                        <m:ctrlPr>
+                          <a:rPr lang="fr-CA" sz="1800" i="1" smtClean="0">
+                            <a:latin typeface="Cambria Math" panose="02040503050406030204" pitchFamily="18" charset="0"/>
+                          </a:rPr>
+                        </m:ctrlPr>
+                      </m:accPr>
+                      <m:e>
+                        <m:r>
+                          <a:rPr lang="fr-FR" sz="1800" b="0" i="1" smtClean="0">
+                            <a:latin typeface="Cambria Math" panose="02040503050406030204" pitchFamily="18" charset="0"/>
+                          </a:rPr>
+                          <m:t>𝑝</m:t>
+                        </m:r>
+                      </m:e>
+                    </m:acc>
+                    <m:r>
+                      <a:rPr lang="fr-FR" sz="1800" b="0" i="1" smtClean="0">
+                        <a:latin typeface="Cambria Math" panose="02040503050406030204" pitchFamily="18" charset="0"/>
+                      </a:rPr>
+                      <m:t>=</m:t>
+                    </m:r>
+                  </m:oMath>
+                </a14:m>
+                <a:r>
+                  <a:rPr lang="fr-CA" sz="1800" dirty="0"/>
+                  <a:t>1.75.</a:t>
+                </a:r>
+              </a:p>
+              <a:p>
+                <a:pPr marL="0" indent="0" algn="just">
+                  <a:buNone/>
+                </a:pPr>
+                <a:r>
+                  <a:rPr lang="fr-CA" sz="1800" dirty="0"/>
+                  <a:t>De plus, la qualité de la régression n’est pas à remettre en question puisque le coefficient de régression dans ce cas est tel que R</a:t>
+                </a:r>
+                <a:r>
+                  <a:rPr lang="fr-CA" sz="1800" baseline="30000" dirty="0"/>
+                  <a:t>2</a:t>
+                </a:r>
+                <a:r>
+                  <a:rPr lang="fr-CA" sz="1800" dirty="0"/>
+                  <a:t>=0.9938 même si les valeurs oscillent de part et d’autre de la courbe de régression.</a:t>
+                </a:r>
+              </a:p>
+              <a:p>
+                <a:pPr marL="0" indent="0" algn="just">
+                  <a:buNone/>
+                </a:pPr>
+                <a:r>
+                  <a:rPr lang="fr-CA" sz="1800" dirty="0"/>
+                  <a:t>Donc cet écart entre les deux ordres ne peut pas être expliqué par la régression mais peut l’être par les hypothèses faites sur par la formulation des poutres d’Euler et la formulation des poutres de Timoshenko qui sont incompatibles. Cela revient à dire que c’est incorrect de comparer les résultats de </a:t>
+                </a:r>
+                <a:r>
+                  <a:rPr lang="fr-CA" sz="1800" dirty="0" err="1"/>
+                  <a:t>SimCenter</a:t>
+                </a:r>
+                <a:r>
+                  <a:rPr lang="fr-CA" sz="1800" dirty="0"/>
+                  <a:t> avec les résultats analytiques d’une poutre d’Euler conventionnelle.</a:t>
+                </a:r>
+              </a:p>
+              <a:p>
+                <a:pPr marL="0" indent="0" algn="just">
+                  <a:buNone/>
+                </a:pPr>
+                <a:r>
+                  <a:rPr lang="fr-CA" sz="1800" dirty="0"/>
+                  <a:t>On note aussi que malgré le fait d’avoir imposé un encastrement à l’extrémité inférieure de la poutre, ce qui devrait se traduire </a:t>
+                </a:r>
+                <a:r>
+                  <a:rPr lang="fr-FR" sz="1800" dirty="0"/>
+                  <a:t>par un angle nul au premier élément, cette condition ne peut pas être respectée par des éléments linéaires car ils ont un seul degré de liberté par nœud (la déplacement). Comme on peut le voir à la figure </a:t>
+                </a:r>
+                <a:r>
+                  <a:rPr lang="fr-FR" sz="1800" dirty="0">
+                    <a:highlight>
+                      <a:srgbClr val="FFFF00"/>
+                    </a:highlight>
+                  </a:rPr>
+                  <a:t>4</a:t>
+                </a:r>
+                <a:r>
+                  <a:rPr lang="fr-FR" sz="1800" dirty="0"/>
+                  <a:t> de la page suivante, le déplacement est nul à la base de la poutre mais l’angle ne l’est pas. Ceci introduit une erreur entre les nœuds dû à l'interpolation.</a:t>
+                </a:r>
+                <a:endParaRPr lang="fr-CA" sz="1800" dirty="0"/>
+              </a:p>
+              <a:p>
+                <a:pPr marL="0" indent="0" algn="just">
+                  <a:buNone/>
+                </a:pPr>
+                <a:endParaRPr lang="fr-CA" sz="1800" dirty="0"/>
+              </a:p>
+            </p:txBody>
+          </p:sp>
+        </mc:Choice>
+        <mc:Fallback>
+          <p:sp>
+            <p:nvSpPr>
+              <p:cNvPr id="3" name="Content Placeholder 2">
+                <a:extLst>
+                  <a:ext uri="{FF2B5EF4-FFF2-40B4-BE49-F238E27FC236}">
+                    <a16:creationId xmlns:a16="http://schemas.microsoft.com/office/drawing/2014/main" id="{57846E6E-541E-C380-2EC3-91AF5BEE61F6}"/>
+                  </a:ext>
+                </a:extLst>
+              </p:cNvPr>
+              <p:cNvSpPr>
+                <a:spLocks noGrp="1" noRot="1" noChangeAspect="1" noMove="1" noResize="1" noEditPoints="1" noAdjustHandles="1" noChangeArrowheads="1" noChangeShapeType="1" noTextEdit="1"/>
+              </p:cNvSpPr>
+              <p:nvPr>
+                <p:ph idx="1"/>
+              </p:nvPr>
+            </p:nvSpPr>
+            <p:spPr>
+              <a:xfrm>
+                <a:off x="838200" y="1150374"/>
+                <a:ext cx="10515600" cy="5342501"/>
+              </a:xfrm>
+              <a:blipFill>
+                <a:blip r:embed="rId2"/>
+                <a:stretch>
+                  <a:fillRect l="-522" t="-1142" r="-464"/>
+                </a:stretch>
+              </a:blipFill>
+            </p:spPr>
+            <p:txBody>
+              <a:bodyPr/>
+              <a:lstStyle/>
+              <a:p>
+                <a:r>
+                  <a:rPr lang="en-CA">
+                    <a:noFill/>
+                  </a:rPr>
+                  <a:t> </a:t>
+                </a:r>
+              </a:p>
+            </p:txBody>
+          </p:sp>
+        </mc:Fallback>
+      </mc:AlternateContent>
+    </p:spTree>
+    <p:extLst>
+      <p:ext uri="{BB962C8B-B14F-4D97-AF65-F5344CB8AC3E}">
+        <p14:creationId xmlns:p14="http://schemas.microsoft.com/office/powerpoint/2010/main" val="1689215659"/>
+      </p:ext>
+    </p:extLst>
+  </p:cSld>
+  <p:clrMapOvr>
+    <a:masterClrMapping/>
+  </p:clrMapOvr>
+</p:sld>
+</file>
+
+<file path=ppt/slides/slide11.xml><?xml version="1.0" encoding="utf-8"?>
+<p:sld xmlns:a="http://schemas.openxmlformats.org/drawingml/2006/main" xmlns:r="http://schemas.openxmlformats.org/officeDocument/2006/relationships" xmlns:p="http://schemas.openxmlformats.org/presentationml/2006/main">
+  <p:cSld>
+    <p:spTree>
+      <p:nvGrpSpPr>
+        <p:cNvPr id="1" name=""/>
+        <p:cNvGrpSpPr/>
+        <p:nvPr/>
+      </p:nvGrpSpPr>
+      <p:grpSpPr>
+        <a:xfrm>
+          <a:off x="0" y="0"/>
+          <a:ext cx="0" cy="0"/>
+          <a:chOff x="0" y="0"/>
+          <a:chExt cx="0" cy="0"/>
+        </a:xfrm>
+      </p:grpSpPr>
+      <p:sp>
+        <p:nvSpPr>
+          <p:cNvPr id="2" name="Title 1">
+            <a:extLst>
+              <a:ext uri="{FF2B5EF4-FFF2-40B4-BE49-F238E27FC236}">
+                <a16:creationId xmlns:a16="http://schemas.microsoft.com/office/drawing/2014/main" id="{E0220718-7085-48D6-FCCC-6D486EF513A7}"/>
+              </a:ext>
+            </a:extLst>
+          </p:cNvPr>
+          <p:cNvSpPr>
+            <a:spLocks noGrp="1"/>
+          </p:cNvSpPr>
+          <p:nvPr>
+            <p:ph type="title"/>
+          </p:nvPr>
+        </p:nvSpPr>
+        <p:spPr>
+          <a:xfrm>
+            <a:off x="838200" y="365125"/>
+            <a:ext cx="9308690" cy="706591"/>
+          </a:xfrm>
+        </p:spPr>
+        <p:txBody>
+          <a:bodyPr>
+            <a:normAutofit/>
+          </a:bodyPr>
+          <a:lstStyle/>
+          <a:p>
+            <a:r>
+              <a:rPr lang="fr-FR" sz="3000" dirty="0"/>
+              <a:t>Vérification de code</a:t>
+            </a:r>
+            <a:endParaRPr lang="en-CA" sz="3000" dirty="0"/>
+          </a:p>
+        </p:txBody>
+      </p:sp>
+      <p:sp>
+        <p:nvSpPr>
+          <p:cNvPr id="3" name="Content Placeholder 2">
+            <a:extLst>
+              <a:ext uri="{FF2B5EF4-FFF2-40B4-BE49-F238E27FC236}">
+                <a16:creationId xmlns:a16="http://schemas.microsoft.com/office/drawing/2014/main" id="{57846E6E-541E-C380-2EC3-91AF5BEE61F6}"/>
+              </a:ext>
+            </a:extLst>
+          </p:cNvPr>
+          <p:cNvSpPr>
+            <a:spLocks noGrp="1"/>
+          </p:cNvSpPr>
+          <p:nvPr>
+            <p:ph idx="1"/>
+          </p:nvPr>
+        </p:nvSpPr>
+        <p:spPr>
+          <a:xfrm>
+            <a:off x="838200" y="1150374"/>
+            <a:ext cx="10515600" cy="5342501"/>
+          </a:xfrm>
+        </p:spPr>
+        <p:txBody>
+          <a:bodyPr>
+            <a:normAutofit/>
+          </a:bodyPr>
+          <a:lstStyle/>
+          <a:p>
+            <a:pPr marL="0" indent="0" algn="just">
+              <a:buNone/>
+            </a:pPr>
+            <a:r>
+              <a:rPr lang="en-CA" sz="1800" dirty="0">
+                <a:highlight>
+                  <a:srgbClr val="FFFF00"/>
+                </a:highlight>
+              </a:rPr>
+              <a:t>INSERER fig. 4 IMAGE DE LA SIMULATION AVEC ANGLE NON NUL</a:t>
+            </a:r>
+          </a:p>
+          <a:p>
+            <a:pPr marL="0" indent="0" algn="just">
+              <a:buNone/>
+            </a:pPr>
+            <a:endParaRPr lang="en-CA" sz="1800" dirty="0"/>
+          </a:p>
+          <a:p>
+            <a:pPr marL="0" indent="0" algn="just">
+              <a:buNone/>
+            </a:pPr>
+            <a:endParaRPr lang="en-CA" sz="1800" dirty="0"/>
+          </a:p>
+          <a:p>
+            <a:pPr marL="0" indent="0" algn="just">
+              <a:buNone/>
+            </a:pPr>
+            <a:endParaRPr lang="en-CA" sz="1800" dirty="0"/>
+          </a:p>
+          <a:p>
+            <a:pPr marL="0" indent="0" algn="just">
+              <a:buNone/>
+            </a:pPr>
+            <a:endParaRPr lang="en-CA" sz="1800" dirty="0"/>
+          </a:p>
+          <a:p>
+            <a:pPr marL="0" indent="0" algn="just">
+              <a:buNone/>
+            </a:pPr>
+            <a:endParaRPr lang="en-CA" sz="1800" dirty="0"/>
+          </a:p>
+          <a:p>
+            <a:pPr marL="0" indent="0" algn="just">
+              <a:buNone/>
+            </a:pPr>
+            <a:endParaRPr lang="en-CA" sz="1800" dirty="0"/>
+          </a:p>
+          <a:p>
+            <a:pPr marL="0" indent="0" algn="just">
+              <a:buNone/>
+            </a:pPr>
+            <a:endParaRPr lang="en-CA" sz="1800" dirty="0"/>
+          </a:p>
+          <a:p>
+            <a:pPr marL="0" indent="0" algn="just">
+              <a:buNone/>
+            </a:pPr>
+            <a:endParaRPr lang="en-CA" sz="1800" dirty="0"/>
+          </a:p>
+          <a:p>
+            <a:pPr marL="0" indent="0" algn="just">
+              <a:buNone/>
+            </a:pPr>
+            <a:endParaRPr lang="en-CA" sz="1800" dirty="0"/>
+          </a:p>
+          <a:p>
+            <a:pPr marL="0" indent="0" algn="just">
+              <a:buNone/>
+            </a:pPr>
+            <a:endParaRPr lang="en-CA" sz="1800" dirty="0"/>
+          </a:p>
+          <a:p>
+            <a:pPr marL="0" indent="0" algn="just">
+              <a:buNone/>
+            </a:pPr>
+            <a:endParaRPr lang="fr-CA" sz="1800" dirty="0"/>
+          </a:p>
+          <a:p>
+            <a:pPr marL="0" indent="0" algn="just">
+              <a:buNone/>
+            </a:pPr>
+            <a:r>
+              <a:rPr lang="fr-CA" sz="1800" dirty="0"/>
+              <a:t>Finalement, il faut noter que cet écart ne remet pas en question la vérification du Code de </a:t>
+            </a:r>
+            <a:r>
+              <a:rPr lang="fr-CA" sz="1800" dirty="0" err="1"/>
+              <a:t>SimCenter</a:t>
+            </a:r>
+            <a:r>
+              <a:rPr lang="fr-CA" sz="1800" dirty="0"/>
+              <a:t>/Nastran mais plutôt la méthode utilisée pour la vérification.</a:t>
+            </a:r>
+          </a:p>
+        </p:txBody>
+      </p:sp>
+    </p:spTree>
+    <p:extLst>
+      <p:ext uri="{BB962C8B-B14F-4D97-AF65-F5344CB8AC3E}">
+        <p14:creationId xmlns:p14="http://schemas.microsoft.com/office/powerpoint/2010/main" val="494895105"/>
+      </p:ext>
+    </p:extLst>
+  </p:cSld>
+  <p:clrMapOvr>
+    <a:masterClrMapping/>
+  </p:clrMapOvr>
+  <p:extLst>
+    <p:ext uri="{6950BFC3-D8DA-4A85-94F7-54DA5524770B}">
+      <p188:commentRel xmlns:p188="http://schemas.microsoft.com/office/powerpoint/2018/8/main" r:id="rId2"/>
+    </p:ext>
+  </p:extLst>
+</p:sld>
+</file>
+
+<file path=ppt/slides/slide12.xml><?xml version="1.0" encoding="utf-8"?>
+<p:sld xmlns:a="http://schemas.openxmlformats.org/drawingml/2006/main" xmlns:r="http://schemas.openxmlformats.org/officeDocument/2006/relationships" xmlns:p="http://schemas.openxmlformats.org/presentationml/2006/main">
+  <p:cSld>
+    <p:spTree>
+      <p:nvGrpSpPr>
+        <p:cNvPr id="1" name=""/>
+        <p:cNvGrpSpPr/>
+        <p:nvPr/>
+      </p:nvGrpSpPr>
+      <p:grpSpPr>
+        <a:xfrm>
+          <a:off x="0" y="0"/>
+          <a:ext cx="0" cy="0"/>
+          <a:chOff x="0" y="0"/>
+          <a:chExt cx="0" cy="0"/>
+        </a:xfrm>
+      </p:grpSpPr>
+      <p:sp>
+        <p:nvSpPr>
+          <p:cNvPr id="2" name="Title 1">
+            <a:extLst>
+              <a:ext uri="{FF2B5EF4-FFF2-40B4-BE49-F238E27FC236}">
+                <a16:creationId xmlns:a16="http://schemas.microsoft.com/office/drawing/2014/main" id="{E0220718-7085-48D6-FCCC-6D486EF513A7}"/>
+              </a:ext>
+            </a:extLst>
+          </p:cNvPr>
+          <p:cNvSpPr>
+            <a:spLocks noGrp="1"/>
+          </p:cNvSpPr>
+          <p:nvPr>
+            <p:ph type="title"/>
+          </p:nvPr>
+        </p:nvSpPr>
+        <p:spPr>
+          <a:xfrm>
+            <a:off x="838200" y="365125"/>
+            <a:ext cx="9308690" cy="706591"/>
+          </a:xfrm>
+        </p:spPr>
+        <p:txBody>
+          <a:bodyPr>
+            <a:normAutofit/>
+          </a:bodyPr>
+          <a:lstStyle/>
+          <a:p>
+            <a:r>
               <a:rPr lang="fr-FR" sz="3000"/>
               <a:t>Vérification de solution</a:t>
             </a:r>
@@ -11956,8 +14334,8 @@
           </a:p>
         </p:txBody>
       </p:sp>
-      <mc:AlternateContent xmlns:mc="http://schemas.openxmlformats.org/markup-compatibility/2006" xmlns:a14="http://schemas.microsoft.com/office/drawing/2010/main">
-        <mc:Choice Requires="a14">
+      <mc:AlternateContent xmlns:mc="http://schemas.openxmlformats.org/markup-compatibility/2006">
+        <mc:Choice xmlns:a14="http://schemas.microsoft.com/office/drawing/2010/main" Requires="a14">
           <p:sp>
             <p:nvSpPr>
               <p:cNvPr id="3" name="Content Placeholder 2">
@@ -12385,7 +14763,7 @@
                 </a:pPr>
                 <a:r>
                   <a:rPr lang="fr-CA" sz="1800" dirty="0"/>
-                  <a:t>                                                                                          	Grâce à l’équation (1) et aux données du tableau (les 3 						dernières lignes) il est possible d’estimer que </a:t>
+                  <a:t>                                                                                          	Grâce à l’équation (1) et aux données du tableau 3 (les 3 						dernières lignes) il est possible d’estimer que </a:t>
                 </a:r>
                 <a14:m>
                   <m:oMath xmlns:m="http://schemas.openxmlformats.org/officeDocument/2006/math">
@@ -12492,7 +14870,7 @@
             </p:txBody>
           </p:sp>
         </mc:Choice>
-        <mc:Fallback xmlns="">
+        <mc:Fallback>
           <p:sp>
             <p:nvSpPr>
               <p:cNvPr id="3" name="Content Placeholder 2">
@@ -12526,7 +14904,7 @@
               <a:lstStyle/>
               <a:p>
                 <a:r>
-                  <a:rPr lang="fr-FR">
+                  <a:rPr lang="en-CA">
                     <a:noFill/>
                   </a:rPr>
                   <a:t> </a:t>
@@ -12897,7 +15275,7 @@
           <a:p>
             <a:r>
               <a:rPr lang="fr-FR" sz="1200" dirty="0"/>
-              <a:t>Tableau 2. </a:t>
+              <a:t>Tableau 3. </a:t>
             </a:r>
             <a:r>
               <a:rPr lang="en-CA" sz="1200" dirty="0" err="1"/>
@@ -12941,7 +15319,7 @@
 </p:sld>
 </file>
 
-<file path=ppt/slides/slide11.xml><?xml version="1.0" encoding="utf-8"?>
+<file path=ppt/slides/slide13.xml><?xml version="1.0" encoding="utf-8"?>
 <p:sld xmlns:a="http://schemas.openxmlformats.org/drawingml/2006/main" xmlns:r="http://schemas.openxmlformats.org/officeDocument/2006/relationships" xmlns:p="http://schemas.openxmlformats.org/presentationml/2006/main">
   <p:cSld>
     <p:spTree>
@@ -13590,14 +15968,11 @@
                   <a:rPr lang="fr-CA" sz="1600" dirty="0">
                     <a:latin typeface="Aptos "/>
                   </a:rPr>
-                  <a:t>L’intervalle d’incertitude est donc très restreint (ordre e-7) et permet donc d’opter pour la méthode d’extrapolation de Richardson qui fournit une solution améliorée et sans incertitudes </a:t>
-                </a:r>
-                <a:r>
-                  <a:rPr lang="fr-CA" sz="1600" strike="sngStrike" dirty="0">
-                    <a:latin typeface="Aptos "/>
-                  </a:rPr>
-                  <a:t>(GCI=0).</a:t>
-                </a:r>
+                  <a:t>L’intervalle d’incertitude est donc très restreint (ordre e-7) et permet donc d’opter pour la méthode d’extrapolation de Richardson qui fournit une solution améliorée et sans incertitudes.</a:t>
+                </a:r>
+                <a:endParaRPr lang="fr-CA" sz="1600" strike="sngStrike" dirty="0">
+                  <a:latin typeface="Aptos "/>
+                </a:endParaRPr>
               </a:p>
               <a:p>
                 <a:pPr marL="0" indent="0" algn="just">
@@ -13846,53 +16221,7 @@
                       <a:rPr lang="fr-FR" sz="1600" i="1">
                         <a:latin typeface="Cambria Math" panose="02040503050406030204" pitchFamily="18" charset="0"/>
                       </a:rPr>
-                      <m:t>=</m:t>
-                    </m:r>
-                    <m:f>
-                      <m:fPr>
-                        <m:ctrlPr>
-                          <a:rPr lang="en-CA" sz="1600" b="0" i="1" strike="sngStrike" smtClean="0">
-                            <a:highlight>
-                              <a:srgbClr val="FFFF00"/>
-                            </a:highlight>
-                            <a:latin typeface="Cambria Math" panose="02040503050406030204" pitchFamily="18" charset="0"/>
-                          </a:rPr>
-                        </m:ctrlPr>
-                      </m:fPr>
-                      <m:num>
-                        <m:r>
-                          <a:rPr lang="en-CA" sz="1600" b="0" i="1" strike="sngStrike" smtClean="0">
-                            <a:highlight>
-                              <a:srgbClr val="FFFF00"/>
-                            </a:highlight>
-                            <a:latin typeface="Cambria Math" panose="02040503050406030204" pitchFamily="18" charset="0"/>
-                          </a:rPr>
-                          <m:t>𝐺𝐶𝐼</m:t>
-                        </m:r>
-                      </m:num>
-                      <m:den>
-                        <m:r>
-                          <a:rPr lang="en-CA" sz="1600" b="0" i="1" strike="sngStrike" smtClean="0">
-                            <a:highlight>
-                              <a:srgbClr val="FFFF00"/>
-                            </a:highlight>
-                            <a:latin typeface="Cambria Math" panose="02040503050406030204" pitchFamily="18" charset="0"/>
-                          </a:rPr>
-                          <m:t>2</m:t>
-                        </m:r>
-                      </m:den>
-                    </m:f>
-                    <m:r>
-                      <a:rPr lang="en-CA" sz="1600" b="0" i="1" smtClean="0">
-                        <a:latin typeface="Cambria Math" panose="02040503050406030204" pitchFamily="18" charset="0"/>
-                      </a:rPr>
-                      <m:t>=</m:t>
-                    </m:r>
-                    <m:r>
-                      <a:rPr lang="fr-FR" sz="1600" i="1">
-                        <a:latin typeface="Cambria Math" panose="02040503050406030204" pitchFamily="18" charset="0"/>
-                      </a:rPr>
-                      <m:t>0</m:t>
+                      <m:t>=0</m:t>
                     </m:r>
                   </m:oMath>
                 </a14:m>
@@ -13967,7 +16296,7 @@
                 <a:ext cx="10515600" cy="5342501"/>
               </a:xfrm>
               <a:blipFill>
-                <a:blip r:embed="rId3"/>
+                <a:blip r:embed="rId2"/>
                 <a:stretch>
                   <a:fillRect l="-348" t="-228" r="-290"/>
                 </a:stretch>
@@ -13978,7 +16307,7 @@
               <a:lstStyle/>
               <a:p>
                 <a:r>
-                  <a:rPr lang="fr-FR">
+                  <a:rPr lang="en-CA">
                     <a:noFill/>
                   </a:rPr>
                   <a:t> </a:t>
@@ -13998,15 +16327,10 @@
   <p:clrMapOvr>
     <a:masterClrMapping/>
   </p:clrMapOvr>
-  <p:extLst>
-    <p:ext uri="{6950BFC3-D8DA-4A85-94F7-54DA5524770B}">
-      <p188:commentRel xmlns:p188="http://schemas.microsoft.com/office/powerpoint/2018/8/main" r:id="rId2"/>
-    </p:ext>
-  </p:extLst>
 </p:sld>
 </file>
 
-<file path=ppt/slides/slide12.xml><?xml version="1.0" encoding="utf-8"?>
+<file path=ppt/slides/slide14.xml><?xml version="1.0" encoding="utf-8"?>
 <p:sld xmlns:a="http://schemas.openxmlformats.org/drawingml/2006/main" xmlns:r="http://schemas.openxmlformats.org/officeDocument/2006/relationships" xmlns:p="http://schemas.openxmlformats.org/presentationml/2006/main">
   <p:cSld>
     <p:spTree>
@@ -14397,7 +16721,7 @@
 </p:sld>
 </file>
 
-<file path=ppt/slides/slide13.xml><?xml version="1.0" encoding="utf-8"?>
+<file path=ppt/slides/slide15.xml><?xml version="1.0" encoding="utf-8"?>
 <p:sld xmlns:a="http://schemas.openxmlformats.org/drawingml/2006/main" xmlns:r="http://schemas.openxmlformats.org/officeDocument/2006/relationships" xmlns:p="http://schemas.openxmlformats.org/presentationml/2006/main">
   <p:cSld>
     <p:spTree>
@@ -14555,7 +16879,7 @@
         </p:nvSpPr>
         <p:spPr>
           <a:xfrm>
-            <a:off x="6377651" y="5556660"/>
+            <a:off x="6387483" y="5556660"/>
             <a:ext cx="3298784" cy="461665"/>
           </a:xfrm>
           <a:prstGeom prst="rect">
@@ -14571,7 +16895,7 @@
           <a:p>
             <a:r>
               <a:rPr lang="fr-FR" sz="1200" dirty="0"/>
-              <a:t>Fig. 2. </a:t>
+              <a:t>Fig. 5. </a:t>
             </a:r>
             <a:r>
               <a:rPr lang="en-CA" sz="1200" dirty="0"/>
@@ -14664,7 +16988,7 @@
 </p:sld>
 </file>
 
-<file path=ppt/slides/slide14.xml><?xml version="1.0" encoding="utf-8"?>
+<file path=ppt/slides/slide16.xml><?xml version="1.0" encoding="utf-8"?>
 <p:sld xmlns:a="http://schemas.openxmlformats.org/drawingml/2006/main" xmlns:r="http://schemas.openxmlformats.org/officeDocument/2006/relationships" xmlns:p="http://schemas.openxmlformats.org/presentationml/2006/main">
   <p:cSld>
     <p:spTree>
@@ -14914,7 +17238,7 @@
           <a:p>
             <a:r>
               <a:rPr lang="fr-FR" sz="1200" dirty="0"/>
-              <a:t>Fig. 3. </a:t>
+              <a:t>Fig. 6. </a:t>
             </a:r>
             <a:r>
               <a:rPr lang="en-CA" sz="1200" dirty="0"/>
@@ -14954,7 +17278,7 @@
           <a:p>
             <a:r>
               <a:rPr lang="fr-FR" sz="1200" dirty="0"/>
-              <a:t>Fig. 4. </a:t>
+              <a:t>Fig. 7. </a:t>
             </a:r>
             <a:r>
               <a:rPr lang="en-CA" sz="1200" dirty="0"/>
@@ -14977,7 +17301,7 @@
 </p:sld>
 </file>
 
-<file path=ppt/slides/slide15.xml><?xml version="1.0" encoding="utf-8"?>
+<file path=ppt/slides/slide17.xml><?xml version="1.0" encoding="utf-8"?>
 <p:sld xmlns:a="http://schemas.openxmlformats.org/drawingml/2006/main" xmlns:r="http://schemas.openxmlformats.org/officeDocument/2006/relationships" xmlns:p="http://schemas.openxmlformats.org/presentationml/2006/main">
   <p:cSld>
     <p:spTree>
@@ -15030,8 +17354,8 @@
           </a:p>
         </p:txBody>
       </p:sp>
-      <mc:AlternateContent xmlns:mc="http://schemas.openxmlformats.org/markup-compatibility/2006" xmlns:a14="http://schemas.microsoft.com/office/drawing/2010/main">
-        <mc:Choice Requires="a14">
+      <mc:AlternateContent xmlns:mc="http://schemas.openxmlformats.org/markup-compatibility/2006">
+        <mc:Choice xmlns:a14="http://schemas.microsoft.com/office/drawing/2010/main" Requires="a14">
           <p:sp>
             <p:nvSpPr>
               <p:cNvPr id="3" name="Content Placeholder 2">
@@ -15603,7 +17927,7 @@
                 </a:r>
                 <a:r>
                   <a:rPr lang="fr-FR" sz="1600" dirty="0"/>
-                  <a:t>, on suppose que la déflexion axiale expérimentale a été mesurée avec un capteur de déformations (fonctionnement basé sur des jauges de déformation disposées en un pont de Wheatstone). Cette « ignorance » peut être traitée comme une erreur épistémique et donc en effectuant des recherches, un certain modèle de capteur à application médicale a été identifié: le capteur </a:t>
+                  <a:t>, on suppose que la déflexion postérieure expérimentale a été mesurée avec un capteur de déformations (fonctionnement basé sur des jauges de déformation disposées en un pont de Wheatstone). Cette « ignorance » peut être traitée comme une erreur épistémique et donc en effectuant des recherches, un certain modèle de capteur à application médicale a été identifié: le capteur </a:t>
                 </a:r>
                 <a:r>
                   <a:rPr lang="en-CA" sz="1600" i="1" dirty="0"/>
@@ -15647,7 +17971,7 @@
                 </a:pPr>
                 <a:r>
                   <a:rPr lang="en-CA" sz="1300" dirty="0">
-                    <a:hlinkClick r:id="rId3"/>
+                    <a:hlinkClick r:id="rId2"/>
                   </a:rPr>
                   <a:t>²msa-datasheet-en.pdf (flintec.com)</a:t>
                 </a:r>
@@ -15663,7 +17987,7 @@
             </p:txBody>
           </p:sp>
         </mc:Choice>
-        <mc:Fallback xmlns="">
+        <mc:Fallback>
           <p:sp>
             <p:nvSpPr>
               <p:cNvPr id="3" name="Content Placeholder 2">
@@ -15686,7 +18010,7 @@
                 <a:ext cx="10515600" cy="5342501"/>
               </a:xfrm>
               <a:blipFill>
-                <a:blip r:embed="rId4"/>
+                <a:blip r:embed="rId3"/>
                 <a:stretch>
                   <a:fillRect l="-348" t="-228" r="-290"/>
                 </a:stretch>
@@ -15717,15 +18041,10 @@
   <p:clrMapOvr>
     <a:masterClrMapping/>
   </p:clrMapOvr>
-  <p:extLst>
-    <p:ext uri="{6950BFC3-D8DA-4A85-94F7-54DA5524770B}">
-      <p188:commentRel xmlns:p188="http://schemas.microsoft.com/office/powerpoint/2018/8/main" r:id="rId2"/>
-    </p:ext>
-  </p:extLst>
 </p:sld>
 </file>
 
-<file path=ppt/slides/slide16.xml><?xml version="1.0" encoding="utf-8"?>
+<file path=ppt/slides/slide18.xml><?xml version="1.0" encoding="utf-8"?>
 <p:sld xmlns:a="http://schemas.openxmlformats.org/drawingml/2006/main" xmlns:r="http://schemas.openxmlformats.org/officeDocument/2006/relationships" xmlns:p="http://schemas.openxmlformats.org/presentationml/2006/main">
   <p:cSld>
     <p:spTree>
@@ -15778,8 +18097,8 @@
           </a:p>
         </p:txBody>
       </p:sp>
-      <mc:AlternateContent xmlns:mc="http://schemas.openxmlformats.org/markup-compatibility/2006" xmlns:a14="http://schemas.microsoft.com/office/drawing/2010/main">
-        <mc:Choice Requires="a14">
+      <mc:AlternateContent xmlns:mc="http://schemas.openxmlformats.org/markup-compatibility/2006">
+        <mc:Choice xmlns:a14="http://schemas.microsoft.com/office/drawing/2010/main" Requires="a14">
           <p:sp>
             <p:nvSpPr>
               <p:cNvPr id="3" name="Content Placeholder 2">
@@ -16298,7 +18617,7 @@
                 </a:r>
                 <a:r>
                   <a:rPr lang="fr-FR" sz="1600" dirty="0"/>
-                  <a:t> pour F=150N on mesure un déplacement D = 17.86 mm au niveau de la vertèbre L1 (voir trait vert sur la fig. 5). Ce qui se traduit par une incertitude de ± 0.01786 </a:t>
+                  <a:t> pour F=150N on mesure un déplacement D = 17.86 mm au niveau de la vertèbre L1 (voir trait vert sur la fig. 8). Ce qui se traduit par une incertitude de ± 0.01786 </a:t>
                 </a:r>
                 <a:r>
                   <a:rPr lang="fr-FR" sz="1600" dirty="0" err="1"/>
@@ -16497,7 +18816,7 @@
             </p:txBody>
           </p:sp>
         </mc:Choice>
-        <mc:Fallback xmlns="">
+        <mc:Fallback>
           <p:sp>
             <p:nvSpPr>
               <p:cNvPr id="3" name="Content Placeholder 2">
@@ -16607,7 +18926,7 @@
             <a:pPr algn="ctr"/>
             <a:r>
               <a:rPr lang="fr-FR" sz="1200" dirty="0"/>
-              <a:t>Fig. 5. </a:t>
+              <a:t>Fig. 8. </a:t>
             </a:r>
             <a:r>
               <a:rPr lang="en-CA" sz="1200" dirty="0" err="1"/>
@@ -16988,7 +19307,7 @@
 </p:sld>
 </file>
 
-<file path=ppt/slides/slide17.xml><?xml version="1.0" encoding="utf-8"?>
+<file path=ppt/slides/slide19.xml><?xml version="1.0" encoding="utf-8"?>
 <p:sld xmlns:a="http://schemas.openxmlformats.org/drawingml/2006/main" xmlns:r="http://schemas.openxmlformats.org/officeDocument/2006/relationships" xmlns:p="http://schemas.openxmlformats.org/presentationml/2006/main">
   <p:cSld>
     <p:spTree>
@@ -17041,8 +19360,8 @@
           </a:p>
         </p:txBody>
       </p:sp>
-      <mc:AlternateContent xmlns:mc="http://schemas.openxmlformats.org/markup-compatibility/2006" xmlns:a14="http://schemas.microsoft.com/office/drawing/2010/main">
-        <mc:Choice Requires="a14">
+      <mc:AlternateContent xmlns:mc="http://schemas.openxmlformats.org/markup-compatibility/2006">
+        <mc:Choice xmlns:a14="http://schemas.microsoft.com/office/drawing/2010/main" Requires="a14">
           <p:sp>
             <p:nvSpPr>
               <p:cNvPr id="3" name="Content Placeholder 2">
@@ -17067,7 +19386,7 @@
             </p:spPr>
             <p:txBody>
               <a:bodyPr vert="horz" lIns="91440" tIns="45720" rIns="91440" bIns="45720" rtlCol="0" anchor="t">
-                <a:normAutofit/>
+                <a:normAutofit lnSpcReduction="10000"/>
               </a:bodyPr>
               <a:lstStyle/>
               <a:p>
@@ -17111,19 +19430,7 @@
                 </a:pPr>
                 <a:r>
                   <a:rPr lang="fr-FR" sz="1700" dirty="0"/>
-                  <a:t>On compare le résultat « S » du déplacement axial à L1 obtenu par simulation pour F=150N, avec la valeur expérimentale « D » du déplacement mesurée à cette même force (voir fig. 5-page précédente), d’où l’erreur de </a:t>
-                </a:r>
-                <a:r>
-                  <a:rPr lang="fr-FR" sz="1700" dirty="0" err="1">
-                    <a:highlight>
-                      <a:srgbClr val="FFFF00"/>
-                    </a:highlight>
-                  </a:rPr>
-                  <a:t>xsimulationxx</a:t>
-                </a:r>
-                <a:r>
-                  <a:rPr lang="fr-FR" sz="1700" dirty="0"/>
-                  <a:t> E:</a:t>
+                  <a:t>On compare le résultat « S » du déplacement postérieur à L1 obtenu par simulation pour F=150N, avec la valeur expérimentale « D » du déplacement mesurée à cette même force (voir fig. 8-page précédente), d’où l’erreur de simulation E:</a:t>
                 </a:r>
               </a:p>
               <a:p>
@@ -17688,7 +19995,7 @@
                 </a14:m>
                 <a:r>
                   <a:rPr lang="fr-FR" sz="1700" dirty="0"/>
-                  <a:t>, ce qui est bon signe car indique que l’erreur du modèle pourrait être nulle à 95.4%. Cependant </a:t>
+                  <a:t>, ce qui est bon signe car cela indique que l’erreur du modèle pourrait être nulle à 95.4%. Cependant </a:t>
                 </a:r>
                 <a14:m>
                   <m:oMath xmlns:m="http://schemas.openxmlformats.org/officeDocument/2006/math">
@@ -17894,7 +20201,7 @@
             </p:txBody>
           </p:sp>
         </mc:Choice>
-        <mc:Fallback xmlns="">
+        <mc:Fallback>
           <p:sp>
             <p:nvSpPr>
               <p:cNvPr id="3" name="Content Placeholder 2">
@@ -17917,9 +20224,9 @@
                 <a:ext cx="7535770" cy="5342501"/>
               </a:xfrm>
               <a:blipFill>
-                <a:blip r:embed="rId3"/>
+                <a:blip r:embed="rId2"/>
                 <a:stretch>
-                  <a:fillRect l="-566" t="-342" r="-485"/>
+                  <a:fillRect l="-566" t="-799" r="-485"/>
                 </a:stretch>
               </a:blipFill>
             </p:spPr>
@@ -18466,7 +20773,7 @@
           <a:p>
             <a:r>
               <a:rPr lang="en-US" sz="1400" dirty="0"/>
-              <a:t>Fig.6. </a:t>
+              <a:t>Fig.9. </a:t>
             </a:r>
             <a:r>
               <a:rPr lang="en-US" sz="1400" dirty="0" err="1"/>
@@ -18500,1498 +20807,6 @@
     <p:extLst>
       <p:ext uri="{BB962C8B-B14F-4D97-AF65-F5344CB8AC3E}">
         <p14:creationId xmlns:p14="http://schemas.microsoft.com/office/powerpoint/2010/main" val="4249871971"/>
-      </p:ext>
-    </p:extLst>
-  </p:cSld>
-  <p:clrMapOvr>
-    <a:masterClrMapping/>
-  </p:clrMapOvr>
-  <p:extLst>
-    <p:ext uri="{6950BFC3-D8DA-4A85-94F7-54DA5524770B}">
-      <p188:commentRel xmlns:p188="http://schemas.microsoft.com/office/powerpoint/2018/8/main" r:id="rId2"/>
-    </p:ext>
-  </p:extLst>
-</p:sld>
-</file>
-
-<file path=ppt/slides/slide18.xml><?xml version="1.0" encoding="utf-8"?>
-<p:sld xmlns:a="http://schemas.openxmlformats.org/drawingml/2006/main" xmlns:r="http://schemas.openxmlformats.org/officeDocument/2006/relationships" xmlns:p="http://schemas.openxmlformats.org/presentationml/2006/main">
-  <p:cSld>
-    <p:spTree>
-      <p:nvGrpSpPr>
-        <p:cNvPr id="1" name=""/>
-        <p:cNvGrpSpPr/>
-        <p:nvPr/>
-      </p:nvGrpSpPr>
-      <p:grpSpPr>
-        <a:xfrm>
-          <a:off x="0" y="0"/>
-          <a:ext cx="0" cy="0"/>
-          <a:chOff x="0" y="0"/>
-          <a:chExt cx="0" cy="0"/>
-        </a:xfrm>
-      </p:grpSpPr>
-      <p:sp>
-        <p:nvSpPr>
-          <p:cNvPr id="2" name="Title 1">
-            <a:extLst>
-              <a:ext uri="{FF2B5EF4-FFF2-40B4-BE49-F238E27FC236}">
-                <a16:creationId xmlns:a16="http://schemas.microsoft.com/office/drawing/2014/main" id="{E0220718-7085-48D6-FCCC-6D486EF513A7}"/>
-              </a:ext>
-            </a:extLst>
-          </p:cNvPr>
-          <p:cNvSpPr>
-            <a:spLocks noGrp="1"/>
-          </p:cNvSpPr>
-          <p:nvPr>
-            <p:ph type="title"/>
-          </p:nvPr>
-        </p:nvSpPr>
-        <p:spPr>
-          <a:xfrm>
-            <a:off x="838200" y="365125"/>
-            <a:ext cx="9308690" cy="706591"/>
-          </a:xfrm>
-        </p:spPr>
-        <p:txBody>
-          <a:bodyPr>
-            <a:normAutofit/>
-          </a:bodyPr>
-          <a:lstStyle/>
-          <a:p>
-            <a:r>
-              <a:rPr lang="fr-FR" sz="3000" dirty="0"/>
-              <a:t>Validation</a:t>
-            </a:r>
-            <a:endParaRPr lang="en-CA" sz="3000" dirty="0"/>
-          </a:p>
-        </p:txBody>
-      </p:sp>
-      <mc:AlternateContent xmlns:mc="http://schemas.openxmlformats.org/markup-compatibility/2006" xmlns:a14="http://schemas.microsoft.com/office/drawing/2010/main">
-        <mc:Choice Requires="a14">
-          <p:sp>
-            <p:nvSpPr>
-              <p:cNvPr id="3" name="Content Placeholder 2">
-                <a:extLst>
-                  <a:ext uri="{FF2B5EF4-FFF2-40B4-BE49-F238E27FC236}">
-                    <a16:creationId xmlns:a16="http://schemas.microsoft.com/office/drawing/2014/main" id="{57846E6E-541E-C380-2EC3-91AF5BEE61F6}"/>
-                  </a:ext>
-                </a:extLst>
-              </p:cNvPr>
-              <p:cNvSpPr>
-                <a:spLocks noGrp="1"/>
-              </p:cNvSpPr>
-              <p:nvPr>
-                <p:ph idx="1"/>
-              </p:nvPr>
-            </p:nvSpPr>
-            <p:spPr>
-              <a:xfrm>
-                <a:off x="838200" y="1150374"/>
-                <a:ext cx="10515600" cy="5342501"/>
-              </a:xfrm>
-            </p:spPr>
-            <p:txBody>
-              <a:bodyPr>
-                <a:normAutofit/>
-              </a:bodyPr>
-              <a:lstStyle/>
-              <a:p>
-                <a:pPr marL="0" indent="0" algn="just">
-                  <a:lnSpc>
-                    <a:spcPct val="100000"/>
-                  </a:lnSpc>
-                  <a:buNone/>
-                </a:pPr>
-                <a:r>
-                  <a:rPr lang="fr-FR" sz="1800" dirty="0"/>
-                  <a:t>Selon l’article « </a:t>
-                </a:r>
-                <a:r>
-                  <a:rPr lang="en-US" sz="1800" dirty="0"/>
-                  <a:t>On the interpretation and scope of the V&amp;V standard[…]</a:t>
-                </a:r>
-                <a:r>
-                  <a:rPr lang="fr-FR" sz="1800" dirty="0"/>
-                  <a:t> » </a:t>
-                </a:r>
-                <a:r>
-                  <a:rPr lang="en-US" sz="1800" dirty="0"/>
-                  <a:t>(</a:t>
-                </a:r>
-                <a:r>
-                  <a:rPr lang="en-US" sz="1800" dirty="0" err="1"/>
-                  <a:t>Eça</a:t>
-                </a:r>
-                <a:r>
-                  <a:rPr lang="en-US" sz="1800" dirty="0"/>
-                  <a:t> et. al, 2020)</a:t>
-                </a:r>
-                <a:r>
-                  <a:rPr lang="fr-FR" sz="1800" dirty="0"/>
-                  <a:t>, la réduction de </a:t>
-                </a:r>
-                <a14:m>
-                  <m:oMath xmlns:m="http://schemas.openxmlformats.org/officeDocument/2006/math">
-                    <m:sSub>
-                      <m:sSubPr>
-                        <m:ctrlPr>
-                          <a:rPr lang="en-CA" sz="1800" i="1" dirty="0">
-                            <a:latin typeface="Cambria Math" panose="02040503050406030204" pitchFamily="18" charset="0"/>
-                          </a:rPr>
-                        </m:ctrlPr>
-                      </m:sSubPr>
-                      <m:e>
-                        <m:r>
-                          <a:rPr lang="en-CA" sz="1800" dirty="0">
-                            <a:latin typeface="Cambria Math" panose="02040503050406030204" pitchFamily="18" charset="0"/>
-                          </a:rPr>
-                          <m:t>𝑢</m:t>
-                        </m:r>
-                      </m:e>
-                      <m:sub>
-                        <m:r>
-                          <a:rPr lang="en-CA" sz="1800" dirty="0">
-                            <a:latin typeface="Cambria Math" panose="02040503050406030204" pitchFamily="18" charset="0"/>
-                          </a:rPr>
-                          <m:t>𝑣𝑎𝑙</m:t>
-                        </m:r>
-                      </m:sub>
-                    </m:sSub>
-                  </m:oMath>
-                </a14:m>
-                <a:r>
-                  <a:rPr lang="fr-FR" sz="1800" dirty="0"/>
-                  <a:t> ne dépend pas du modèle mais nécessite des améliorations au niveau des précisions numériques et/ou expérimentales et/ou au niveau des données d’entrée. </a:t>
-                </a:r>
-              </a:p>
-              <a:p>
-                <a:pPr marL="0" indent="0" algn="just">
-                  <a:lnSpc>
-                    <a:spcPct val="100000"/>
-                  </a:lnSpc>
-                  <a:buNone/>
-                </a:pPr>
-                <a:r>
-                  <a:rPr lang="fr-FR" sz="1800" dirty="0"/>
-                  <a:t>Etant donné que pour le présent projet, les articles scientifiques de référence contiennent très peu d’information sur les incertitudes des données d’entrée et encore moins sur les démarches des expériences de validation, plusieurs hypothèses ont dû être réalisées, notamment sur les instruments de mesure utilisés et sur la distribution statistique des données.</a:t>
-                </a:r>
-              </a:p>
-              <a:p>
-                <a:pPr marL="0" indent="0" algn="just">
-                  <a:lnSpc>
-                    <a:spcPct val="100000"/>
-                  </a:lnSpc>
-                  <a:buNone/>
-                </a:pPr>
-                <a:r>
-                  <a:rPr lang="fr-FR" sz="1800" dirty="0"/>
-                  <a:t>Ces hypothèses se traduisent par des valeurs peu précises de </a:t>
-                </a:r>
-                <a14:m>
-                  <m:oMath xmlns:m="http://schemas.openxmlformats.org/officeDocument/2006/math">
-                    <m:sSub>
-                      <m:sSubPr>
-                        <m:ctrlPr>
-                          <a:rPr lang="en-CA" sz="1800" i="1" dirty="0" smtClean="0">
-                            <a:latin typeface="Cambria Math" panose="02040503050406030204" pitchFamily="18" charset="0"/>
-                          </a:rPr>
-                        </m:ctrlPr>
-                      </m:sSubPr>
-                      <m:e>
-                        <m:r>
-                          <a:rPr lang="en-CA" sz="1800" dirty="0">
-                            <a:latin typeface="Cambria Math" panose="02040503050406030204" pitchFamily="18" charset="0"/>
-                          </a:rPr>
-                          <m:t>𝑢</m:t>
-                        </m:r>
-                      </m:e>
-                      <m:sub>
-                        <m:r>
-                          <a:rPr lang="en-CA" sz="1800" b="0" i="1" dirty="0" smtClean="0">
-                            <a:latin typeface="Cambria Math" panose="02040503050406030204" pitchFamily="18" charset="0"/>
-                          </a:rPr>
-                          <m:t>𝑖𝑛𝑝𝑢𝑡</m:t>
-                        </m:r>
-                        <m:r>
-                          <a:rPr lang="en-CA" sz="1800" b="0" i="1" dirty="0" smtClean="0">
-                            <a:latin typeface="Cambria Math" panose="02040503050406030204" pitchFamily="18" charset="0"/>
-                          </a:rPr>
-                          <m:t> </m:t>
-                        </m:r>
-                      </m:sub>
-                    </m:sSub>
-                  </m:oMath>
-                </a14:m>
-                <a:r>
-                  <a:rPr lang="fr-FR" sz="1800" dirty="0"/>
-                  <a:t>et </a:t>
-                </a:r>
-                <a14:m>
-                  <m:oMath xmlns:m="http://schemas.openxmlformats.org/officeDocument/2006/math">
-                    <m:sSub>
-                      <m:sSubPr>
-                        <m:ctrlPr>
-                          <a:rPr lang="en-CA" sz="1800" i="1" dirty="0">
-                            <a:latin typeface="Cambria Math" panose="02040503050406030204" pitchFamily="18" charset="0"/>
-                          </a:rPr>
-                        </m:ctrlPr>
-                      </m:sSubPr>
-                      <m:e>
-                        <m:r>
-                          <a:rPr lang="en-CA" sz="1800" dirty="0">
-                            <a:latin typeface="Cambria Math" panose="02040503050406030204" pitchFamily="18" charset="0"/>
-                          </a:rPr>
-                          <m:t>𝑢</m:t>
-                        </m:r>
-                      </m:e>
-                      <m:sub>
-                        <m:r>
-                          <a:rPr lang="en-CA" sz="1800" b="0" i="1" dirty="0" smtClean="0">
-                            <a:latin typeface="Cambria Math" panose="02040503050406030204" pitchFamily="18" charset="0"/>
-                          </a:rPr>
-                          <m:t>𝐷</m:t>
-                        </m:r>
-                      </m:sub>
-                    </m:sSub>
-                  </m:oMath>
-                </a14:m>
-                <a:r>
-                  <a:rPr lang="fr-FR" sz="1800" dirty="0"/>
-                  <a:t>, ce qui affecte directement la précision de </a:t>
-                </a:r>
-                <a14:m>
-                  <m:oMath xmlns:m="http://schemas.openxmlformats.org/officeDocument/2006/math">
-                    <m:sSub>
-                      <m:sSubPr>
-                        <m:ctrlPr>
-                          <a:rPr lang="en-CA" sz="1800" i="1" dirty="0">
-                            <a:latin typeface="Cambria Math" panose="02040503050406030204" pitchFamily="18" charset="0"/>
-                          </a:rPr>
-                        </m:ctrlPr>
-                      </m:sSubPr>
-                      <m:e>
-                        <m:r>
-                          <a:rPr lang="en-CA" sz="1800" dirty="0">
-                            <a:latin typeface="Cambria Math" panose="02040503050406030204" pitchFamily="18" charset="0"/>
-                          </a:rPr>
-                          <m:t>𝑢</m:t>
-                        </m:r>
-                      </m:e>
-                      <m:sub>
-                        <m:r>
-                          <a:rPr lang="en-CA" sz="1800" dirty="0">
-                            <a:latin typeface="Cambria Math" panose="02040503050406030204" pitchFamily="18" charset="0"/>
-                          </a:rPr>
-                          <m:t>𝑣𝑎𝑙</m:t>
-                        </m:r>
-                      </m:sub>
-                    </m:sSub>
-                  </m:oMath>
-                </a14:m>
-                <a:r>
-                  <a:rPr lang="fr-FR" sz="1800" dirty="0"/>
-                  <a:t>, même si d’après la vérification de solution, l’incertitude numérique </a:t>
-                </a:r>
-                <a14:m>
-                  <m:oMath xmlns:m="http://schemas.openxmlformats.org/officeDocument/2006/math">
-                    <m:sSub>
-                      <m:sSubPr>
-                        <m:ctrlPr>
-                          <a:rPr lang="en-CA" sz="1800" i="1" dirty="0">
-                            <a:latin typeface="Cambria Math" panose="02040503050406030204" pitchFamily="18" charset="0"/>
-                          </a:rPr>
-                        </m:ctrlPr>
-                      </m:sSubPr>
-                      <m:e>
-                        <m:r>
-                          <a:rPr lang="en-CA" sz="1800" dirty="0">
-                            <a:latin typeface="Cambria Math" panose="02040503050406030204" pitchFamily="18" charset="0"/>
-                          </a:rPr>
-                          <m:t>𝑢</m:t>
-                        </m:r>
-                      </m:e>
-                      <m:sub>
-                        <m:r>
-                          <a:rPr lang="en-CA" sz="1800" b="0" i="1" dirty="0" smtClean="0">
-                            <a:latin typeface="Cambria Math" panose="02040503050406030204" pitchFamily="18" charset="0"/>
-                          </a:rPr>
-                          <m:t>𝑛𝑢𝑚</m:t>
-                        </m:r>
-                      </m:sub>
-                    </m:sSub>
-                  </m:oMath>
-                </a14:m>
-                <a:r>
-                  <a:rPr lang="fr-FR" sz="1800" dirty="0"/>
-                  <a:t>est nulle. Ainsi le résultat obtenu sur la largeur de l’intervalle d’incertitude de </a:t>
-                </a:r>
-                <a14:m>
-                  <m:oMath xmlns:m="http://schemas.openxmlformats.org/officeDocument/2006/math">
-                    <m:sSub>
-                      <m:sSubPr>
-                        <m:ctrlPr>
-                          <a:rPr lang="en-CA" sz="1800" i="1" dirty="0">
-                            <a:latin typeface="Cambria Math" panose="02040503050406030204" pitchFamily="18" charset="0"/>
-                          </a:rPr>
-                        </m:ctrlPr>
-                      </m:sSubPr>
-                      <m:e>
-                        <m:r>
-                          <a:rPr lang="en-CA" sz="1800" dirty="0">
-                            <a:latin typeface="Cambria Math" panose="02040503050406030204" pitchFamily="18" charset="0"/>
-                          </a:rPr>
-                          <m:t>𝛿</m:t>
-                        </m:r>
-                      </m:e>
-                      <m:sub>
-                        <m:r>
-                          <a:rPr lang="en-CA" sz="1800" dirty="0">
-                            <a:latin typeface="Cambria Math" panose="02040503050406030204" pitchFamily="18" charset="0"/>
-                          </a:rPr>
-                          <m:t>𝑚𝑜𝑑𝑒𝑙</m:t>
-                        </m:r>
-                      </m:sub>
-                    </m:sSub>
-                  </m:oMath>
-                </a14:m>
-                <a:r>
-                  <a:rPr lang="en-CA" sz="1800" dirty="0"/>
-                  <a:t> </a:t>
-                </a:r>
-                <a:r>
-                  <a:rPr lang="fr-CA" sz="1800" dirty="0"/>
-                  <a:t>n’est pas surprenant.</a:t>
-                </a:r>
-              </a:p>
-            </p:txBody>
-          </p:sp>
-        </mc:Choice>
-        <mc:Fallback xmlns="">
-          <p:sp>
-            <p:nvSpPr>
-              <p:cNvPr id="3" name="Content Placeholder 2">
-                <a:extLst>
-                  <a:ext uri="{FF2B5EF4-FFF2-40B4-BE49-F238E27FC236}">
-                    <a16:creationId xmlns:a16="http://schemas.microsoft.com/office/drawing/2014/main" id="{57846E6E-541E-C380-2EC3-91AF5BEE61F6}"/>
-                  </a:ext>
-                </a:extLst>
-              </p:cNvPr>
-              <p:cNvSpPr>
-                <a:spLocks noGrp="1" noRot="1" noChangeAspect="1" noMove="1" noResize="1" noEditPoints="1" noAdjustHandles="1" noChangeArrowheads="1" noChangeShapeType="1" noTextEdit="1"/>
-              </p:cNvSpPr>
-              <p:nvPr>
-                <p:ph idx="1"/>
-              </p:nvPr>
-            </p:nvSpPr>
-            <p:spPr>
-              <a:xfrm>
-                <a:off x="838200" y="1150374"/>
-                <a:ext cx="10515600" cy="5342501"/>
-              </a:xfrm>
-              <a:blipFill>
-                <a:blip r:embed="rId2"/>
-                <a:stretch>
-                  <a:fillRect l="-522" t="-571" r="-464"/>
-                </a:stretch>
-              </a:blipFill>
-            </p:spPr>
-            <p:txBody>
-              <a:bodyPr/>
-              <a:lstStyle/>
-              <a:p>
-                <a:r>
-                  <a:rPr lang="en-CA">
-                    <a:noFill/>
-                  </a:rPr>
-                  <a:t> </a:t>
-                </a:r>
-              </a:p>
-            </p:txBody>
-          </p:sp>
-        </mc:Fallback>
-      </mc:AlternateContent>
-    </p:spTree>
-    <p:extLst>
-      <p:ext uri="{BB962C8B-B14F-4D97-AF65-F5344CB8AC3E}">
-        <p14:creationId xmlns:p14="http://schemas.microsoft.com/office/powerpoint/2010/main" val="3401032911"/>
-      </p:ext>
-    </p:extLst>
-  </p:cSld>
-  <p:clrMapOvr>
-    <a:masterClrMapping/>
-  </p:clrMapOvr>
-</p:sld>
-</file>
-
-<file path=ppt/slides/slide19.xml><?xml version="1.0" encoding="utf-8"?>
-<p:sld xmlns:a="http://schemas.openxmlformats.org/drawingml/2006/main" xmlns:r="http://schemas.openxmlformats.org/officeDocument/2006/relationships" xmlns:p="http://schemas.openxmlformats.org/presentationml/2006/main">
-  <p:cSld>
-    <p:spTree>
-      <p:nvGrpSpPr>
-        <p:cNvPr id="1" name=""/>
-        <p:cNvGrpSpPr/>
-        <p:nvPr/>
-      </p:nvGrpSpPr>
-      <p:grpSpPr>
-        <a:xfrm>
-          <a:off x="0" y="0"/>
-          <a:ext cx="0" cy="0"/>
-          <a:chOff x="0" y="0"/>
-          <a:chExt cx="0" cy="0"/>
-        </a:xfrm>
-      </p:grpSpPr>
-      <p:sp>
-        <p:nvSpPr>
-          <p:cNvPr id="2" name="Title 1">
-            <a:extLst>
-              <a:ext uri="{FF2B5EF4-FFF2-40B4-BE49-F238E27FC236}">
-                <a16:creationId xmlns:a16="http://schemas.microsoft.com/office/drawing/2014/main" id="{E0220718-7085-48D6-FCCC-6D486EF513A7}"/>
-              </a:ext>
-            </a:extLst>
-          </p:cNvPr>
-          <p:cNvSpPr>
-            <a:spLocks noGrp="1"/>
-          </p:cNvSpPr>
-          <p:nvPr>
-            <p:ph type="title"/>
-          </p:nvPr>
-        </p:nvSpPr>
-        <p:spPr>
-          <a:xfrm>
-            <a:off x="838200" y="365125"/>
-            <a:ext cx="9308690" cy="706591"/>
-          </a:xfrm>
-        </p:spPr>
-        <p:txBody>
-          <a:bodyPr>
-            <a:normAutofit/>
-          </a:bodyPr>
-          <a:lstStyle/>
-          <a:p>
-            <a:r>
-              <a:rPr lang="fr-FR" sz="3000" dirty="0"/>
-              <a:t>Conclusion</a:t>
-            </a:r>
-            <a:endParaRPr lang="en-CA" sz="3000" dirty="0"/>
-          </a:p>
-        </p:txBody>
-      </p:sp>
-      <mc:AlternateContent xmlns:mc="http://schemas.openxmlformats.org/markup-compatibility/2006" xmlns:a14="http://schemas.microsoft.com/office/drawing/2010/main">
-        <mc:Choice Requires="a14">
-          <p:sp>
-            <p:nvSpPr>
-              <p:cNvPr id="3" name="Content Placeholder 2">
-                <a:extLst>
-                  <a:ext uri="{FF2B5EF4-FFF2-40B4-BE49-F238E27FC236}">
-                    <a16:creationId xmlns:a16="http://schemas.microsoft.com/office/drawing/2014/main" id="{57846E6E-541E-C380-2EC3-91AF5BEE61F6}"/>
-                  </a:ext>
-                </a:extLst>
-              </p:cNvPr>
-              <p:cNvSpPr>
-                <a:spLocks noGrp="1"/>
-              </p:cNvSpPr>
-              <p:nvPr>
-                <p:ph idx="1"/>
-              </p:nvPr>
-            </p:nvSpPr>
-            <p:spPr>
-              <a:xfrm>
-                <a:off x="838200" y="1150374"/>
-                <a:ext cx="10515600" cy="5342501"/>
-              </a:xfrm>
-            </p:spPr>
-            <p:txBody>
-              <a:bodyPr>
-                <a:normAutofit/>
-              </a:bodyPr>
-              <a:lstStyle/>
-              <a:p>
-                <a:pPr marL="0" indent="0" algn="just">
-                  <a:buNone/>
-                </a:pPr>
-                <a:r>
-                  <a:rPr lang="en-CA" sz="1800" dirty="0">
-                    <a:highlight>
-                      <a:srgbClr val="FFFF00"/>
-                    </a:highlight>
-                  </a:rPr>
-                  <a:t>La verification de code montre … </a:t>
-                </a:r>
-                <a:r>
-                  <a:rPr lang="en-CA" sz="1800" dirty="0" err="1">
-                    <a:highlight>
-                      <a:srgbClr val="FFFF00"/>
-                    </a:highlight>
-                  </a:rPr>
-                  <a:t>ce</a:t>
-                </a:r>
-                <a:r>
-                  <a:rPr lang="en-CA" sz="1800" dirty="0">
-                    <a:highlight>
-                      <a:srgbClr val="FFFF00"/>
-                    </a:highlight>
-                  </a:rPr>
-                  <a:t> </a:t>
-                </a:r>
-                <a:r>
-                  <a:rPr lang="en-CA" sz="1800" dirty="0" err="1">
-                    <a:highlight>
-                      <a:srgbClr val="FFFF00"/>
-                    </a:highlight>
-                  </a:rPr>
-                  <a:t>n’etait</a:t>
-                </a:r>
-                <a:r>
-                  <a:rPr lang="en-CA" sz="1800" dirty="0">
-                    <a:highlight>
-                      <a:srgbClr val="FFFF00"/>
-                    </a:highlight>
-                  </a:rPr>
-                  <a:t> pas </a:t>
-                </a:r>
-                <a:r>
-                  <a:rPr lang="en-CA" sz="1800" dirty="0" err="1">
-                    <a:highlight>
-                      <a:srgbClr val="FFFF00"/>
-                    </a:highlight>
-                  </a:rPr>
-                  <a:t>directement</a:t>
-                </a:r>
-                <a:r>
-                  <a:rPr lang="en-CA" sz="1800" dirty="0">
-                    <a:highlight>
-                      <a:srgbClr val="FFFF00"/>
-                    </a:highlight>
-                  </a:rPr>
-                  <a:t> </a:t>
-                </a:r>
-                <a:r>
-                  <a:rPr lang="en-CA" sz="1800" dirty="0" err="1">
-                    <a:highlight>
-                      <a:srgbClr val="FFFF00"/>
-                    </a:highlight>
-                  </a:rPr>
-                  <a:t>une</a:t>
-                </a:r>
-                <a:r>
-                  <a:rPr lang="en-CA" sz="1800" dirty="0">
-                    <a:highlight>
-                      <a:srgbClr val="FFFF00"/>
-                    </a:highlight>
-                  </a:rPr>
-                  <a:t> verification du MEF de la </a:t>
-                </a:r>
-                <a:r>
-                  <a:rPr lang="en-CA" sz="1800" dirty="0" err="1">
-                    <a:highlight>
-                      <a:srgbClr val="FFFF00"/>
-                    </a:highlight>
-                  </a:rPr>
-                  <a:t>colonne</a:t>
-                </a:r>
-                <a:r>
-                  <a:rPr lang="en-CA" sz="1800" dirty="0">
-                    <a:highlight>
-                      <a:srgbClr val="FFFF00"/>
-                    </a:highlight>
-                  </a:rPr>
-                  <a:t> </a:t>
-                </a:r>
-                <a:r>
-                  <a:rPr lang="en-CA" sz="1800" dirty="0" err="1">
-                    <a:highlight>
-                      <a:srgbClr val="FFFF00"/>
-                    </a:highlight>
-                  </a:rPr>
-                  <a:t>vertebrale</a:t>
-                </a:r>
-                <a:r>
-                  <a:rPr lang="en-CA" sz="1800" dirty="0">
-                    <a:highlight>
-                      <a:srgbClr val="FFFF00"/>
-                    </a:highlight>
-                  </a:rPr>
-                  <a:t> </a:t>
-                </a:r>
-                <a:r>
-                  <a:rPr lang="en-CA" sz="1800" dirty="0" err="1">
-                    <a:highlight>
-                      <a:srgbClr val="FFFF00"/>
-                    </a:highlight>
-                  </a:rPr>
-                  <a:t>mais</a:t>
-                </a:r>
-                <a:r>
-                  <a:rPr lang="en-CA" sz="1800" dirty="0">
-                    <a:highlight>
-                      <a:srgbClr val="FFFF00"/>
-                    </a:highlight>
-                  </a:rPr>
-                  <a:t> </a:t>
-                </a:r>
-                <a:r>
-                  <a:rPr lang="en-CA" sz="1800" dirty="0" err="1">
-                    <a:highlight>
-                      <a:srgbClr val="FFFF00"/>
-                    </a:highlight>
-                  </a:rPr>
-                  <a:t>plutot</a:t>
-                </a:r>
-                <a:r>
-                  <a:rPr lang="en-CA" sz="1800" dirty="0">
-                    <a:highlight>
-                      <a:srgbClr val="FFFF00"/>
-                    </a:highlight>
-                  </a:rPr>
-                  <a:t> de </a:t>
-                </a:r>
-                <a:r>
-                  <a:rPr lang="en-CA" sz="1800" dirty="0" err="1">
-                    <a:highlight>
-                      <a:srgbClr val="FFFF00"/>
-                    </a:highlight>
-                  </a:rPr>
-                  <a:t>simcenter</a:t>
-                </a:r>
-                <a:r>
-                  <a:rPr lang="en-CA" sz="1800" dirty="0">
-                    <a:highlight>
-                      <a:srgbClr val="FFFF00"/>
-                    </a:highlight>
-                  </a:rPr>
-                  <a:t>…</a:t>
-                </a:r>
-              </a:p>
-              <a:p>
-                <a:pPr marL="0" indent="0" algn="just">
-                  <a:buNone/>
-                </a:pPr>
-                <a:r>
-                  <a:rPr lang="en-CA" sz="1800" dirty="0">
-                    <a:highlight>
-                      <a:srgbClr val="FFFF00"/>
-                    </a:highlight>
-                  </a:rPr>
-                  <a:t>La verification de solution </a:t>
-                </a:r>
-                <a:r>
-                  <a:rPr lang="en-CA" sz="1800" dirty="0" err="1">
-                    <a:highlight>
-                      <a:srgbClr val="FFFF00"/>
-                    </a:highlight>
-                  </a:rPr>
-                  <a:t>donne</a:t>
-                </a:r>
-                <a:r>
-                  <a:rPr lang="en-CA" sz="1800" dirty="0">
-                    <a:highlight>
-                      <a:srgbClr val="FFFF00"/>
-                    </a:highlight>
-                  </a:rPr>
-                  <a:t> un </a:t>
-                </a:r>
-                <a:r>
-                  <a:rPr lang="en-CA" sz="1800" dirty="0" err="1">
-                    <a:highlight>
-                      <a:srgbClr val="FFFF00"/>
-                    </a:highlight>
-                  </a:rPr>
-                  <a:t>estimé</a:t>
-                </a:r>
-                <a:r>
-                  <a:rPr lang="en-CA" sz="1800" dirty="0">
-                    <a:highlight>
-                      <a:srgbClr val="FFFF00"/>
-                    </a:highlight>
-                  </a:rPr>
-                  <a:t> de </a:t>
-                </a:r>
-                <a:r>
-                  <a:rPr lang="en-CA" sz="1800" dirty="0" err="1">
-                    <a:highlight>
-                      <a:srgbClr val="FFFF00"/>
-                    </a:highlight>
-                  </a:rPr>
-                  <a:t>l’erreur</a:t>
-                </a:r>
-                <a:r>
-                  <a:rPr lang="en-CA" sz="1800" dirty="0">
-                    <a:highlight>
-                      <a:srgbClr val="FFFF00"/>
-                    </a:highlight>
-                  </a:rPr>
-                  <a:t> de ?? Et on </a:t>
-                </a:r>
-                <a:r>
-                  <a:rPr lang="en-CA" sz="1800" dirty="0" err="1">
-                    <a:highlight>
-                      <a:srgbClr val="FFFF00"/>
-                    </a:highlight>
-                  </a:rPr>
-                  <a:t>trouve</a:t>
-                </a:r>
-                <a:r>
-                  <a:rPr lang="en-CA" sz="1800" dirty="0">
-                    <a:highlight>
-                      <a:srgbClr val="FFFF00"/>
-                    </a:highlight>
-                  </a:rPr>
-                  <a:t> </a:t>
-                </a:r>
-                <a:r>
-                  <a:rPr lang="en-CA" sz="1800" dirty="0" err="1">
-                    <a:highlight>
-                      <a:srgbClr val="FFFF00"/>
-                    </a:highlight>
-                  </a:rPr>
-                  <a:t>qu’une</a:t>
-                </a:r>
-                <a:r>
-                  <a:rPr lang="en-CA" sz="1800" dirty="0">
-                    <a:highlight>
-                      <a:srgbClr val="FFFF00"/>
-                    </a:highlight>
-                  </a:rPr>
-                  <a:t> approximation de la solution par </a:t>
-                </a:r>
-                <a:r>
-                  <a:rPr lang="en-CA" sz="1800" dirty="0" err="1">
-                    <a:highlight>
-                      <a:srgbClr val="FFFF00"/>
-                    </a:highlight>
-                  </a:rPr>
-                  <a:t>une</a:t>
-                </a:r>
-                <a:r>
-                  <a:rPr lang="en-CA" sz="1800" dirty="0">
-                    <a:highlight>
-                      <a:srgbClr val="FFFF00"/>
-                    </a:highlight>
-                  </a:rPr>
-                  <a:t> extrapolation de Richardson </a:t>
-                </a:r>
-                <a:r>
-                  <a:rPr lang="en-CA" sz="1800" dirty="0" err="1">
-                    <a:highlight>
-                      <a:srgbClr val="FFFF00"/>
-                    </a:highlight>
-                  </a:rPr>
-                  <a:t>est</a:t>
-                </a:r>
-                <a:r>
-                  <a:rPr lang="en-CA" sz="1800" dirty="0">
-                    <a:highlight>
-                      <a:srgbClr val="FFFF00"/>
-                    </a:highlight>
-                  </a:rPr>
-                  <a:t> possible </a:t>
-                </a:r>
-                <a:r>
-                  <a:rPr lang="en-CA" sz="1800" dirty="0" err="1">
-                    <a:highlight>
-                      <a:srgbClr val="FFFF00"/>
-                    </a:highlight>
-                  </a:rPr>
-                  <a:t>blablabla</a:t>
-                </a:r>
-                <a:endParaRPr lang="en-CA" sz="1800" dirty="0">
-                  <a:highlight>
-                    <a:srgbClr val="FFFF00"/>
-                  </a:highlight>
-                </a:endParaRPr>
-              </a:p>
-              <a:p>
-                <a:pPr marL="0" indent="0" algn="just">
-                  <a:buNone/>
-                </a:pPr>
-                <a:r>
-                  <a:rPr lang="en-CA" sz="1800" dirty="0" err="1">
-                    <a:highlight>
-                      <a:srgbClr val="FFFF00"/>
-                    </a:highlight>
-                  </a:rPr>
-                  <a:t>Arrivee</a:t>
-                </a:r>
-                <a:r>
-                  <a:rPr lang="en-CA" sz="1800" dirty="0">
-                    <a:highlight>
-                      <a:srgbClr val="FFFF00"/>
-                    </a:highlight>
-                  </a:rPr>
-                  <a:t> a </a:t>
-                </a:r>
-                <a:r>
-                  <a:rPr lang="en-CA" sz="1800" dirty="0" err="1">
-                    <a:highlight>
-                      <a:srgbClr val="FFFF00"/>
-                    </a:highlight>
-                  </a:rPr>
-                  <a:t>l’etape</a:t>
-                </a:r>
-                <a:r>
-                  <a:rPr lang="en-CA" sz="1800" dirty="0">
-                    <a:highlight>
-                      <a:srgbClr val="FFFF00"/>
-                    </a:highlight>
-                  </a:rPr>
-                  <a:t> de validation, </a:t>
-                </a:r>
-                <a:r>
-                  <a:rPr lang="en-CA" sz="1800" dirty="0" err="1">
-                    <a:highlight>
-                      <a:srgbClr val="FFFF00"/>
-                    </a:highlight>
-                  </a:rPr>
-                  <a:t>plusieurs</a:t>
-                </a:r>
-                <a:r>
-                  <a:rPr lang="en-CA" sz="1800" dirty="0">
-                    <a:highlight>
-                      <a:srgbClr val="FFFF00"/>
-                    </a:highlight>
-                  </a:rPr>
-                  <a:t> hypotheses </a:t>
-                </a:r>
-                <a:r>
-                  <a:rPr lang="en-CA" sz="1800" dirty="0" err="1">
-                    <a:highlight>
-                      <a:srgbClr val="FFFF00"/>
-                    </a:highlight>
-                  </a:rPr>
-                  <a:t>ont</a:t>
-                </a:r>
-                <a:r>
-                  <a:rPr lang="en-CA" sz="1800" dirty="0">
-                    <a:highlight>
-                      <a:srgbClr val="FFFF00"/>
-                    </a:highlight>
-                  </a:rPr>
-                  <a:t> du </a:t>
-                </a:r>
-                <a:r>
-                  <a:rPr lang="en-CA" sz="1800" dirty="0" err="1">
-                    <a:highlight>
-                      <a:srgbClr val="FFFF00"/>
-                    </a:highlight>
-                  </a:rPr>
-                  <a:t>etre</a:t>
-                </a:r>
-                <a:r>
-                  <a:rPr lang="en-CA" sz="1800" dirty="0">
-                    <a:highlight>
-                      <a:srgbClr val="FFFF00"/>
-                    </a:highlight>
-                  </a:rPr>
-                  <a:t> </a:t>
-                </a:r>
-                <a:r>
-                  <a:rPr lang="en-CA" sz="1800" dirty="0" err="1">
-                    <a:highlight>
-                      <a:srgbClr val="FFFF00"/>
-                    </a:highlight>
-                  </a:rPr>
-                  <a:t>effectuees</a:t>
-                </a:r>
-                <a:r>
-                  <a:rPr lang="en-CA" sz="1800" dirty="0">
-                    <a:highlight>
-                      <a:srgbClr val="FFFF00"/>
-                    </a:highlight>
-                  </a:rPr>
-                  <a:t> pour pallier aux manque </a:t>
-                </a:r>
-                <a:r>
-                  <a:rPr lang="en-CA" sz="1800" dirty="0" err="1">
-                    <a:highlight>
-                      <a:srgbClr val="FFFF00"/>
-                    </a:highlight>
-                  </a:rPr>
-                  <a:t>d’information</a:t>
-                </a:r>
-                <a:r>
-                  <a:rPr lang="en-CA" sz="1800" dirty="0">
-                    <a:highlight>
-                      <a:srgbClr val="FFFF00"/>
-                    </a:highlight>
-                  </a:rPr>
-                  <a:t> des articles </a:t>
-                </a:r>
-                <a:r>
-                  <a:rPr lang="en-CA" sz="1800" dirty="0" err="1">
-                    <a:highlight>
-                      <a:srgbClr val="FFFF00"/>
-                    </a:highlight>
-                  </a:rPr>
-                  <a:t>scientifiques</a:t>
-                </a:r>
-                <a:r>
-                  <a:rPr lang="en-CA" sz="1800" dirty="0">
-                    <a:highlight>
-                      <a:srgbClr val="FFFF00"/>
-                    </a:highlight>
-                  </a:rPr>
-                  <a:t> sur la distribution des </a:t>
-                </a:r>
-                <a:r>
-                  <a:rPr lang="en-CA" sz="1800" dirty="0" err="1">
-                    <a:highlight>
-                      <a:srgbClr val="FFFF00"/>
-                    </a:highlight>
-                  </a:rPr>
-                  <a:t>donnees</a:t>
-                </a:r>
-                <a:r>
-                  <a:rPr lang="en-CA" sz="1800" dirty="0">
-                    <a:highlight>
-                      <a:srgbClr val="FFFF00"/>
-                    </a:highlight>
-                  </a:rPr>
-                  <a:t> </a:t>
-                </a:r>
-                <a:r>
-                  <a:rPr lang="en-CA" sz="1800" dirty="0" err="1">
-                    <a:highlight>
-                      <a:srgbClr val="FFFF00"/>
-                    </a:highlight>
-                  </a:rPr>
-                  <a:t>d’entrees</a:t>
-                </a:r>
-                <a:r>
-                  <a:rPr lang="en-CA" sz="1800" dirty="0">
-                    <a:highlight>
-                      <a:srgbClr val="FFFF00"/>
-                    </a:highlight>
-                  </a:rPr>
-                  <a:t>, </a:t>
-                </a:r>
-                <a:r>
-                  <a:rPr lang="en-CA" sz="1800" dirty="0" err="1">
-                    <a:highlight>
-                      <a:srgbClr val="FFFF00"/>
-                    </a:highlight>
-                  </a:rPr>
-                  <a:t>ainsi</a:t>
-                </a:r>
-                <a:r>
-                  <a:rPr lang="en-CA" sz="1800" dirty="0">
-                    <a:highlight>
-                      <a:srgbClr val="FFFF00"/>
-                    </a:highlight>
-                  </a:rPr>
-                  <a:t> que les </a:t>
-                </a:r>
-                <a:r>
-                  <a:rPr lang="en-CA" sz="1800" dirty="0" err="1">
-                    <a:highlight>
-                      <a:srgbClr val="FFFF00"/>
-                    </a:highlight>
-                  </a:rPr>
-                  <a:t>erreurs</a:t>
-                </a:r>
-                <a:r>
-                  <a:rPr lang="en-CA" sz="1800" dirty="0">
-                    <a:highlight>
-                      <a:srgbClr val="FFFF00"/>
-                    </a:highlight>
-                  </a:rPr>
-                  <a:t> de </a:t>
-                </a:r>
-                <a:r>
-                  <a:rPr lang="en-CA" sz="1800" dirty="0" err="1">
-                    <a:highlight>
-                      <a:srgbClr val="FFFF00"/>
-                    </a:highlight>
-                  </a:rPr>
-                  <a:t>mesure</a:t>
-                </a:r>
-                <a:r>
-                  <a:rPr lang="en-CA" sz="1800" dirty="0">
-                    <a:highlight>
-                      <a:srgbClr val="FFFF00"/>
-                    </a:highlight>
-                  </a:rPr>
-                  <a:t>  de </a:t>
-                </a:r>
-                <a:r>
-                  <a:rPr lang="en-CA" sz="1800" dirty="0" err="1">
-                    <a:highlight>
-                      <a:srgbClr val="FFFF00"/>
-                    </a:highlight>
-                  </a:rPr>
-                  <a:t>ces</a:t>
-                </a:r>
-                <a:r>
-                  <a:rPr lang="en-CA" sz="1800" dirty="0">
-                    <a:highlight>
-                      <a:srgbClr val="FFFF00"/>
-                    </a:highlight>
-                  </a:rPr>
-                  <a:t> </a:t>
-                </a:r>
-                <a:r>
-                  <a:rPr lang="en-CA" sz="1800" dirty="0" err="1">
-                    <a:highlight>
-                      <a:srgbClr val="FFFF00"/>
-                    </a:highlight>
-                  </a:rPr>
-                  <a:t>donnees</a:t>
-                </a:r>
-                <a:r>
-                  <a:rPr lang="en-CA" sz="1800" dirty="0">
-                    <a:highlight>
-                      <a:srgbClr val="FFFF00"/>
-                    </a:highlight>
-                  </a:rPr>
-                  <a:t> </a:t>
-                </a:r>
-                <a:r>
-                  <a:rPr lang="en-CA" sz="1800" dirty="0" err="1">
-                    <a:highlight>
-                      <a:srgbClr val="FFFF00"/>
-                    </a:highlight>
-                  </a:rPr>
-                  <a:t>mais</a:t>
-                </a:r>
-                <a:r>
-                  <a:rPr lang="en-CA" sz="1800" dirty="0">
-                    <a:highlight>
-                      <a:srgbClr val="FFFF00"/>
-                    </a:highlight>
-                  </a:rPr>
-                  <a:t> </a:t>
-                </a:r>
-                <a:r>
-                  <a:rPr lang="en-CA" sz="1800" dirty="0" err="1">
-                    <a:highlight>
-                      <a:srgbClr val="FFFF00"/>
-                    </a:highlight>
-                  </a:rPr>
-                  <a:t>aussi</a:t>
-                </a:r>
-                <a:r>
-                  <a:rPr lang="en-CA" sz="1800" dirty="0">
-                    <a:highlight>
-                      <a:srgbClr val="FFFF00"/>
-                    </a:highlight>
-                  </a:rPr>
-                  <a:t> sur les experiences de validation et les </a:t>
-                </a:r>
-                <a:r>
-                  <a:rPr lang="en-CA" sz="1800" dirty="0" err="1">
-                    <a:highlight>
-                      <a:srgbClr val="FFFF00"/>
-                    </a:highlight>
-                  </a:rPr>
-                  <a:t>mesures</a:t>
-                </a:r>
-                <a:r>
-                  <a:rPr lang="en-CA" sz="1800" dirty="0">
-                    <a:highlight>
-                      <a:srgbClr val="FFFF00"/>
-                    </a:highlight>
-                  </a:rPr>
-                  <a:t> de la SRQ. Ceci fait que malgré un </a:t>
-                </a:r>
-                <a:r>
-                  <a:rPr lang="en-CA" sz="1800" dirty="0" err="1">
-                    <a:highlight>
-                      <a:srgbClr val="FFFF00"/>
-                    </a:highlight>
-                  </a:rPr>
-                  <a:t>intervalle</a:t>
-                </a:r>
-                <a:r>
-                  <a:rPr lang="en-CA" sz="1800" dirty="0">
-                    <a:highlight>
-                      <a:srgbClr val="FFFF00"/>
-                    </a:highlight>
-                  </a:rPr>
-                  <a:t> </a:t>
-                </a:r>
-                <a:r>
-                  <a:rPr lang="en-CA" sz="1800" dirty="0" err="1">
-                    <a:highlight>
-                      <a:srgbClr val="FFFF00"/>
-                    </a:highlight>
-                  </a:rPr>
-                  <a:t>d’incertitude</a:t>
-                </a:r>
-                <a:r>
-                  <a:rPr lang="en-CA" sz="1800" dirty="0">
-                    <a:highlight>
-                      <a:srgbClr val="FFFF00"/>
-                    </a:highlight>
-                  </a:rPr>
-                  <a:t> sur </a:t>
-                </a:r>
-                <a:r>
-                  <a:rPr lang="en-CA" sz="1800" dirty="0" err="1">
-                    <a:highlight>
-                      <a:srgbClr val="FFFF00"/>
-                    </a:highlight>
-                  </a:rPr>
-                  <a:t>l;erreure</a:t>
-                </a:r>
-                <a:r>
-                  <a:rPr lang="en-CA" sz="1800" dirty="0">
-                    <a:highlight>
-                      <a:srgbClr val="FFFF00"/>
-                    </a:highlight>
-                  </a:rPr>
-                  <a:t> du </a:t>
-                </a:r>
-                <a:r>
-                  <a:rPr lang="en-CA" sz="1800" dirty="0" err="1">
-                    <a:highlight>
-                      <a:srgbClr val="FFFF00"/>
-                    </a:highlight>
-                  </a:rPr>
-                  <a:t>modele</a:t>
-                </a:r>
-                <a:r>
-                  <a:rPr lang="en-CA" sz="1800" dirty="0">
-                    <a:highlight>
-                      <a:srgbClr val="FFFF00"/>
-                    </a:highlight>
-                  </a:rPr>
-                  <a:t> qui englobe la </a:t>
-                </a:r>
-                <a:r>
-                  <a:rPr lang="en-CA" sz="1800" dirty="0" err="1">
-                    <a:highlight>
-                      <a:srgbClr val="FFFF00"/>
-                    </a:highlight>
-                  </a:rPr>
-                  <a:t>valeur</a:t>
-                </a:r>
-                <a:r>
-                  <a:rPr lang="en-CA" sz="1800" dirty="0">
-                    <a:highlight>
-                      <a:srgbClr val="FFFF00"/>
-                    </a:highlight>
-                  </a:rPr>
-                  <a:t> 0, </a:t>
-                </a:r>
-                <a:r>
-                  <a:rPr lang="en-CA" sz="1800" dirty="0" err="1">
-                    <a:highlight>
-                      <a:srgbClr val="FFFF00"/>
-                    </a:highlight>
-                  </a:rPr>
-                  <a:t>l’intervalle</a:t>
-                </a:r>
-                <a:r>
-                  <a:rPr lang="en-CA" sz="1800" dirty="0">
-                    <a:highlight>
-                      <a:srgbClr val="FFFF00"/>
-                    </a:highlight>
-                  </a:rPr>
-                  <a:t> </a:t>
-                </a:r>
-                <a:r>
-                  <a:rPr lang="en-CA" sz="1800" dirty="0" err="1">
-                    <a:highlight>
-                      <a:srgbClr val="FFFF00"/>
-                    </a:highlight>
-                  </a:rPr>
-                  <a:t>est</a:t>
-                </a:r>
-                <a:r>
-                  <a:rPr lang="en-CA" sz="1800" dirty="0">
-                    <a:highlight>
-                      <a:srgbClr val="FFFF00"/>
-                    </a:highlight>
-                  </a:rPr>
-                  <a:t> beaucoup trop large pour </a:t>
-                </a:r>
-                <a:r>
-                  <a:rPr lang="en-CA" sz="1800" dirty="0" err="1">
-                    <a:highlight>
-                      <a:srgbClr val="FFFF00"/>
-                    </a:highlight>
-                  </a:rPr>
-                  <a:t>pouvoir</a:t>
-                </a:r>
-                <a:r>
-                  <a:rPr lang="en-CA" sz="1800" dirty="0">
-                    <a:highlight>
-                      <a:srgbClr val="FFFF00"/>
-                    </a:highlight>
-                  </a:rPr>
-                  <a:t> affirmer que le </a:t>
-                </a:r>
-                <a:r>
-                  <a:rPr lang="en-CA" sz="1800" dirty="0" err="1">
-                    <a:highlight>
-                      <a:srgbClr val="FFFF00"/>
-                    </a:highlight>
-                  </a:rPr>
-                  <a:t>modele</a:t>
-                </a:r>
-                <a:r>
-                  <a:rPr lang="en-CA" sz="1800" dirty="0">
-                    <a:highlight>
-                      <a:srgbClr val="FFFF00"/>
-                    </a:highlight>
-                  </a:rPr>
-                  <a:t> </a:t>
-                </a:r>
-                <a:r>
-                  <a:rPr lang="en-CA" sz="1800" dirty="0" err="1">
-                    <a:highlight>
-                      <a:srgbClr val="FFFF00"/>
-                    </a:highlight>
-                  </a:rPr>
-                  <a:t>est</a:t>
-                </a:r>
-                <a:r>
-                  <a:rPr lang="en-CA" sz="1800" dirty="0">
-                    <a:highlight>
-                      <a:srgbClr val="FFFF00"/>
-                    </a:highlight>
-                  </a:rPr>
-                  <a:t> completement </a:t>
-                </a:r>
-                <a:r>
-                  <a:rPr lang="en-CA" sz="1800" dirty="0" err="1">
-                    <a:highlight>
-                      <a:srgbClr val="FFFF00"/>
-                    </a:highlight>
-                  </a:rPr>
-                  <a:t>fiable</a:t>
-                </a:r>
-                <a:r>
-                  <a:rPr lang="en-CA" sz="1800" dirty="0">
-                    <a:highlight>
-                      <a:srgbClr val="FFFF00"/>
-                    </a:highlight>
-                  </a:rPr>
-                  <a:t>. Des efforts de reduction de </a:t>
-                </a:r>
-                <a14:m>
-                  <m:oMath xmlns:m="http://schemas.openxmlformats.org/officeDocument/2006/math">
-                    <m:sSub>
-                      <m:sSubPr>
-                        <m:ctrlPr>
-                          <a:rPr lang="en-CA" sz="1800" i="1" dirty="0">
-                            <a:highlight>
-                              <a:srgbClr val="FFFF00"/>
-                            </a:highlight>
-                            <a:latin typeface="Cambria Math" panose="02040503050406030204" pitchFamily="18" charset="0"/>
-                          </a:rPr>
-                        </m:ctrlPr>
-                      </m:sSubPr>
-                      <m:e>
-                        <m:r>
-                          <a:rPr lang="en-CA" sz="1800" dirty="0">
-                            <a:highlight>
-                              <a:srgbClr val="FFFF00"/>
-                            </a:highlight>
-                            <a:latin typeface="Cambria Math" panose="02040503050406030204" pitchFamily="18" charset="0"/>
-                          </a:rPr>
-                          <m:t>𝑢</m:t>
-                        </m:r>
-                      </m:e>
-                      <m:sub>
-                        <m:r>
-                          <a:rPr lang="en-CA" sz="1800" b="0" i="1" dirty="0" smtClean="0">
-                            <a:highlight>
-                              <a:srgbClr val="FFFF00"/>
-                            </a:highlight>
-                            <a:latin typeface="Cambria Math" panose="02040503050406030204" pitchFamily="18" charset="0"/>
-                          </a:rPr>
-                          <m:t>𝑣𝑎𝑙</m:t>
-                        </m:r>
-                        <m:r>
-                          <a:rPr lang="en-CA" sz="1800" i="1" dirty="0">
-                            <a:highlight>
-                              <a:srgbClr val="FFFF00"/>
-                            </a:highlight>
-                            <a:latin typeface="Cambria Math" panose="02040503050406030204" pitchFamily="18" charset="0"/>
-                          </a:rPr>
-                          <m:t> </m:t>
-                        </m:r>
-                      </m:sub>
-                    </m:sSub>
-                  </m:oMath>
-                </a14:m>
-                <a:r>
-                  <a:rPr lang="en-CA" sz="1800" dirty="0" err="1">
-                    <a:highlight>
-                      <a:srgbClr val="FFFF00"/>
-                    </a:highlight>
-                  </a:rPr>
-                  <a:t>doivent</a:t>
-                </a:r>
-                <a:r>
-                  <a:rPr lang="en-CA" sz="1800" dirty="0">
-                    <a:highlight>
-                      <a:srgbClr val="FFFF00"/>
-                    </a:highlight>
-                  </a:rPr>
-                  <a:t> </a:t>
-                </a:r>
-                <a:r>
-                  <a:rPr lang="en-CA" sz="1800" dirty="0" err="1">
-                    <a:highlight>
-                      <a:srgbClr val="FFFF00"/>
-                    </a:highlight>
-                  </a:rPr>
-                  <a:t>etre</a:t>
-                </a:r>
-                <a:r>
-                  <a:rPr lang="en-CA" sz="1800" dirty="0">
-                    <a:highlight>
-                      <a:srgbClr val="FFFF00"/>
-                    </a:highlight>
-                  </a:rPr>
-                  <a:t> </a:t>
-                </a:r>
-                <a:r>
-                  <a:rPr lang="en-CA" sz="1800" dirty="0" err="1">
-                    <a:highlight>
-                      <a:srgbClr val="FFFF00"/>
-                    </a:highlight>
-                  </a:rPr>
-                  <a:t>entrepris</a:t>
-                </a:r>
-                <a:r>
-                  <a:rPr lang="en-CA" sz="1800" dirty="0">
-                    <a:highlight>
-                      <a:srgbClr val="FFFF00"/>
-                    </a:highlight>
-                  </a:rPr>
-                  <a:t> a travers la reduction de </a:t>
-                </a:r>
-                <a14:m>
-                  <m:oMath xmlns:m="http://schemas.openxmlformats.org/officeDocument/2006/math">
-                    <m:sSub>
-                      <m:sSubPr>
-                        <m:ctrlPr>
-                          <a:rPr lang="en-CA" sz="1800" i="1" dirty="0" smtClean="0">
-                            <a:latin typeface="Cambria Math" panose="02040503050406030204" pitchFamily="18" charset="0"/>
-                          </a:rPr>
-                        </m:ctrlPr>
-                      </m:sSubPr>
-                      <m:e>
-                        <m:r>
-                          <a:rPr lang="en-CA" sz="1800" dirty="0">
-                            <a:latin typeface="Cambria Math" panose="02040503050406030204" pitchFamily="18" charset="0"/>
-                          </a:rPr>
-                          <m:t>𝑢</m:t>
-                        </m:r>
-                      </m:e>
-                      <m:sub>
-                        <m:r>
-                          <a:rPr lang="en-CA" sz="1800" b="0" i="1" dirty="0" smtClean="0">
-                            <a:latin typeface="Cambria Math" panose="02040503050406030204" pitchFamily="18" charset="0"/>
-                          </a:rPr>
-                          <m:t>𝑖𝑛𝑝𝑢𝑡</m:t>
-                        </m:r>
-                        <m:r>
-                          <a:rPr lang="en-CA" sz="1800" b="0" i="1" dirty="0" smtClean="0">
-                            <a:latin typeface="Cambria Math" panose="02040503050406030204" pitchFamily="18" charset="0"/>
-                          </a:rPr>
-                          <m:t> </m:t>
-                        </m:r>
-                      </m:sub>
-                    </m:sSub>
-                  </m:oMath>
-                </a14:m>
-                <a:r>
-                  <a:rPr lang="fr-FR" sz="1800" dirty="0"/>
-                  <a:t>et </a:t>
-                </a:r>
-                <a14:m>
-                  <m:oMath xmlns:m="http://schemas.openxmlformats.org/officeDocument/2006/math">
-                    <m:sSub>
-                      <m:sSubPr>
-                        <m:ctrlPr>
-                          <a:rPr lang="en-CA" sz="1800" i="1" dirty="0">
-                            <a:latin typeface="Cambria Math" panose="02040503050406030204" pitchFamily="18" charset="0"/>
-                          </a:rPr>
-                        </m:ctrlPr>
-                      </m:sSubPr>
-                      <m:e>
-                        <m:r>
-                          <a:rPr lang="en-CA" sz="1800" dirty="0">
-                            <a:latin typeface="Cambria Math" panose="02040503050406030204" pitchFamily="18" charset="0"/>
-                          </a:rPr>
-                          <m:t>𝑢</m:t>
-                        </m:r>
-                      </m:e>
-                      <m:sub>
-                        <m:r>
-                          <a:rPr lang="en-CA" sz="1800" b="0" i="1" dirty="0" smtClean="0">
-                            <a:latin typeface="Cambria Math" panose="02040503050406030204" pitchFamily="18" charset="0"/>
-                          </a:rPr>
-                          <m:t>𝐷</m:t>
-                        </m:r>
-                      </m:sub>
-                    </m:sSub>
-                  </m:oMath>
-                </a14:m>
-                <a:r>
-                  <a:rPr lang="en-CA" sz="1800" dirty="0">
-                    <a:highlight>
-                      <a:srgbClr val="FFFF00"/>
-                    </a:highlight>
-                  </a:rPr>
-                  <a:t>.</a:t>
-                </a:r>
-              </a:p>
-            </p:txBody>
-          </p:sp>
-        </mc:Choice>
-        <mc:Fallback xmlns="">
-          <p:sp>
-            <p:nvSpPr>
-              <p:cNvPr id="3" name="Content Placeholder 2">
-                <a:extLst>
-                  <a:ext uri="{FF2B5EF4-FFF2-40B4-BE49-F238E27FC236}">
-                    <a16:creationId xmlns:a16="http://schemas.microsoft.com/office/drawing/2014/main" id="{57846E6E-541E-C380-2EC3-91AF5BEE61F6}"/>
-                  </a:ext>
-                </a:extLst>
-              </p:cNvPr>
-              <p:cNvSpPr>
-                <a:spLocks noGrp="1" noRot="1" noChangeAspect="1" noMove="1" noResize="1" noEditPoints="1" noAdjustHandles="1" noChangeArrowheads="1" noChangeShapeType="1" noTextEdit="1"/>
-              </p:cNvSpPr>
-              <p:nvPr>
-                <p:ph idx="1"/>
-              </p:nvPr>
-            </p:nvSpPr>
-            <p:spPr>
-              <a:xfrm>
-                <a:off x="838200" y="1150374"/>
-                <a:ext cx="10515600" cy="5342501"/>
-              </a:xfrm>
-              <a:blipFill>
-                <a:blip r:embed="rId2"/>
-                <a:stretch>
-                  <a:fillRect l="-522" t="-1142" r="-870"/>
-                </a:stretch>
-              </a:blipFill>
-            </p:spPr>
-            <p:txBody>
-              <a:bodyPr/>
-              <a:lstStyle/>
-              <a:p>
-                <a:r>
-                  <a:rPr lang="en-CA">
-                    <a:noFill/>
-                  </a:rPr>
-                  <a:t> </a:t>
-                </a:r>
-              </a:p>
-            </p:txBody>
-          </p:sp>
-        </mc:Fallback>
-      </mc:AlternateContent>
-    </p:spTree>
-    <p:extLst>
-      <p:ext uri="{BB962C8B-B14F-4D97-AF65-F5344CB8AC3E}">
-        <p14:creationId xmlns:p14="http://schemas.microsoft.com/office/powerpoint/2010/main" val="1558127010"/>
       </p:ext>
     </p:extLst>
   </p:cSld>
@@ -20036,7 +20851,7 @@
         </p:nvSpPr>
         <p:spPr>
           <a:xfrm>
-            <a:off x="838200" y="1219200"/>
+            <a:off x="838200" y="1140544"/>
             <a:ext cx="10515600" cy="5154407"/>
           </a:xfrm>
         </p:spPr>
@@ -20336,6 +21151,1493 @@
           <a:p>
             <a:r>
               <a:rPr lang="fr-FR" sz="3000" dirty="0"/>
+              <a:t>Validation</a:t>
+            </a:r>
+            <a:endParaRPr lang="en-CA" sz="3000" dirty="0"/>
+          </a:p>
+        </p:txBody>
+      </p:sp>
+      <mc:AlternateContent xmlns:mc="http://schemas.openxmlformats.org/markup-compatibility/2006" xmlns:a14="http://schemas.microsoft.com/office/drawing/2010/main">
+        <mc:Choice Requires="a14">
+          <p:sp>
+            <p:nvSpPr>
+              <p:cNvPr id="3" name="Content Placeholder 2">
+                <a:extLst>
+                  <a:ext uri="{FF2B5EF4-FFF2-40B4-BE49-F238E27FC236}">
+                    <a16:creationId xmlns:a16="http://schemas.microsoft.com/office/drawing/2014/main" id="{57846E6E-541E-C380-2EC3-91AF5BEE61F6}"/>
+                  </a:ext>
+                </a:extLst>
+              </p:cNvPr>
+              <p:cNvSpPr>
+                <a:spLocks noGrp="1"/>
+              </p:cNvSpPr>
+              <p:nvPr>
+                <p:ph idx="1"/>
+              </p:nvPr>
+            </p:nvSpPr>
+            <p:spPr>
+              <a:xfrm>
+                <a:off x="838200" y="1150374"/>
+                <a:ext cx="10515600" cy="5342501"/>
+              </a:xfrm>
+            </p:spPr>
+            <p:txBody>
+              <a:bodyPr>
+                <a:normAutofit/>
+              </a:bodyPr>
+              <a:lstStyle/>
+              <a:p>
+                <a:pPr marL="0" indent="0" algn="just">
+                  <a:lnSpc>
+                    <a:spcPct val="100000"/>
+                  </a:lnSpc>
+                  <a:buNone/>
+                </a:pPr>
+                <a:r>
+                  <a:rPr lang="fr-FR" sz="1800" dirty="0"/>
+                  <a:t>Selon l’article « </a:t>
+                </a:r>
+                <a:r>
+                  <a:rPr lang="en-US" sz="1800" dirty="0"/>
+                  <a:t>On the interpretation and scope of the V&amp;V standard[…]</a:t>
+                </a:r>
+                <a:r>
+                  <a:rPr lang="fr-FR" sz="1800" dirty="0"/>
+                  <a:t> » </a:t>
+                </a:r>
+                <a:r>
+                  <a:rPr lang="en-US" sz="1800" dirty="0"/>
+                  <a:t>(</a:t>
+                </a:r>
+                <a:r>
+                  <a:rPr lang="en-US" sz="1800" dirty="0" err="1"/>
+                  <a:t>Eça</a:t>
+                </a:r>
+                <a:r>
+                  <a:rPr lang="en-US" sz="1800" dirty="0"/>
+                  <a:t> et. al, 2020)</a:t>
+                </a:r>
+                <a:r>
+                  <a:rPr lang="fr-FR" sz="1800" dirty="0"/>
+                  <a:t>, la réduction de </a:t>
+                </a:r>
+                <a14:m>
+                  <m:oMath xmlns:m="http://schemas.openxmlformats.org/officeDocument/2006/math">
+                    <m:sSub>
+                      <m:sSubPr>
+                        <m:ctrlPr>
+                          <a:rPr lang="en-CA" sz="1800" i="1" dirty="0">
+                            <a:latin typeface="Cambria Math" panose="02040503050406030204" pitchFamily="18" charset="0"/>
+                          </a:rPr>
+                        </m:ctrlPr>
+                      </m:sSubPr>
+                      <m:e>
+                        <m:r>
+                          <a:rPr lang="en-CA" sz="1800" dirty="0">
+                            <a:latin typeface="Cambria Math" panose="02040503050406030204" pitchFamily="18" charset="0"/>
+                          </a:rPr>
+                          <m:t>𝑢</m:t>
+                        </m:r>
+                      </m:e>
+                      <m:sub>
+                        <m:r>
+                          <a:rPr lang="en-CA" sz="1800" dirty="0">
+                            <a:latin typeface="Cambria Math" panose="02040503050406030204" pitchFamily="18" charset="0"/>
+                          </a:rPr>
+                          <m:t>𝑣𝑎𝑙</m:t>
+                        </m:r>
+                      </m:sub>
+                    </m:sSub>
+                  </m:oMath>
+                </a14:m>
+                <a:r>
+                  <a:rPr lang="fr-FR" sz="1800" dirty="0"/>
+                  <a:t> ne dépend pas du modèle mais nécessite des améliorations au niveau des précisions numériques et/ou expérimentales et/ou au niveau des données d’entrée. </a:t>
+                </a:r>
+              </a:p>
+              <a:p>
+                <a:pPr marL="0" indent="0" algn="just">
+                  <a:lnSpc>
+                    <a:spcPct val="100000"/>
+                  </a:lnSpc>
+                  <a:buNone/>
+                </a:pPr>
+                <a:r>
+                  <a:rPr lang="fr-FR" sz="1800" dirty="0"/>
+                  <a:t>Etant donné que pour le présent projet, les articles scientifiques de référence contiennent très peu d’information sur les incertitudes des données d’entrée et encore moins sur les démarches des expériences de validation, plusieurs hypothèses ont dû être réalisées, notamment sur les instruments de mesure utilisés et sur la distribution statistique des données.</a:t>
+                </a:r>
+              </a:p>
+              <a:p>
+                <a:pPr marL="0" indent="0" algn="just">
+                  <a:lnSpc>
+                    <a:spcPct val="100000"/>
+                  </a:lnSpc>
+                  <a:buNone/>
+                </a:pPr>
+                <a:r>
+                  <a:rPr lang="fr-FR" sz="1800" dirty="0"/>
+                  <a:t>Ces hypothèses se traduisent par des valeurs peu précises de </a:t>
+                </a:r>
+                <a14:m>
+                  <m:oMath xmlns:m="http://schemas.openxmlformats.org/officeDocument/2006/math">
+                    <m:sSub>
+                      <m:sSubPr>
+                        <m:ctrlPr>
+                          <a:rPr lang="en-CA" sz="1800" i="1" dirty="0" smtClean="0">
+                            <a:latin typeface="Cambria Math" panose="02040503050406030204" pitchFamily="18" charset="0"/>
+                          </a:rPr>
+                        </m:ctrlPr>
+                      </m:sSubPr>
+                      <m:e>
+                        <m:r>
+                          <a:rPr lang="en-CA" sz="1800" dirty="0">
+                            <a:latin typeface="Cambria Math" panose="02040503050406030204" pitchFamily="18" charset="0"/>
+                          </a:rPr>
+                          <m:t>𝑢</m:t>
+                        </m:r>
+                      </m:e>
+                      <m:sub>
+                        <m:r>
+                          <a:rPr lang="en-CA" sz="1800" b="0" i="1" dirty="0" smtClean="0">
+                            <a:latin typeface="Cambria Math" panose="02040503050406030204" pitchFamily="18" charset="0"/>
+                          </a:rPr>
+                          <m:t>𝑖𝑛𝑝𝑢𝑡</m:t>
+                        </m:r>
+                        <m:r>
+                          <a:rPr lang="en-CA" sz="1800" b="0" i="1" dirty="0" smtClean="0">
+                            <a:latin typeface="Cambria Math" panose="02040503050406030204" pitchFamily="18" charset="0"/>
+                          </a:rPr>
+                          <m:t> </m:t>
+                        </m:r>
+                      </m:sub>
+                    </m:sSub>
+                  </m:oMath>
+                </a14:m>
+                <a:r>
+                  <a:rPr lang="fr-FR" sz="1800" dirty="0"/>
+                  <a:t>et </a:t>
+                </a:r>
+                <a14:m>
+                  <m:oMath xmlns:m="http://schemas.openxmlformats.org/officeDocument/2006/math">
+                    <m:sSub>
+                      <m:sSubPr>
+                        <m:ctrlPr>
+                          <a:rPr lang="en-CA" sz="1800" i="1" dirty="0">
+                            <a:latin typeface="Cambria Math" panose="02040503050406030204" pitchFamily="18" charset="0"/>
+                          </a:rPr>
+                        </m:ctrlPr>
+                      </m:sSubPr>
+                      <m:e>
+                        <m:r>
+                          <a:rPr lang="en-CA" sz="1800" dirty="0">
+                            <a:latin typeface="Cambria Math" panose="02040503050406030204" pitchFamily="18" charset="0"/>
+                          </a:rPr>
+                          <m:t>𝑢</m:t>
+                        </m:r>
+                      </m:e>
+                      <m:sub>
+                        <m:r>
+                          <a:rPr lang="en-CA" sz="1800" b="0" i="1" dirty="0" smtClean="0">
+                            <a:latin typeface="Cambria Math" panose="02040503050406030204" pitchFamily="18" charset="0"/>
+                          </a:rPr>
+                          <m:t>𝐷</m:t>
+                        </m:r>
+                      </m:sub>
+                    </m:sSub>
+                  </m:oMath>
+                </a14:m>
+                <a:r>
+                  <a:rPr lang="fr-FR" sz="1800" dirty="0"/>
+                  <a:t>, ce qui affecte directement la précision de </a:t>
+                </a:r>
+                <a14:m>
+                  <m:oMath xmlns:m="http://schemas.openxmlformats.org/officeDocument/2006/math">
+                    <m:sSub>
+                      <m:sSubPr>
+                        <m:ctrlPr>
+                          <a:rPr lang="en-CA" sz="1800" i="1" dirty="0">
+                            <a:latin typeface="Cambria Math" panose="02040503050406030204" pitchFamily="18" charset="0"/>
+                          </a:rPr>
+                        </m:ctrlPr>
+                      </m:sSubPr>
+                      <m:e>
+                        <m:r>
+                          <a:rPr lang="en-CA" sz="1800" dirty="0">
+                            <a:latin typeface="Cambria Math" panose="02040503050406030204" pitchFamily="18" charset="0"/>
+                          </a:rPr>
+                          <m:t>𝑢</m:t>
+                        </m:r>
+                      </m:e>
+                      <m:sub>
+                        <m:r>
+                          <a:rPr lang="en-CA" sz="1800" dirty="0">
+                            <a:latin typeface="Cambria Math" panose="02040503050406030204" pitchFamily="18" charset="0"/>
+                          </a:rPr>
+                          <m:t>𝑣𝑎𝑙</m:t>
+                        </m:r>
+                      </m:sub>
+                    </m:sSub>
+                  </m:oMath>
+                </a14:m>
+                <a:r>
+                  <a:rPr lang="fr-FR" sz="1800" dirty="0"/>
+                  <a:t>, même si d’après la vérification de solution, l’incertitude numérique </a:t>
+                </a:r>
+                <a14:m>
+                  <m:oMath xmlns:m="http://schemas.openxmlformats.org/officeDocument/2006/math">
+                    <m:sSub>
+                      <m:sSubPr>
+                        <m:ctrlPr>
+                          <a:rPr lang="en-CA" sz="1800" i="1" dirty="0">
+                            <a:latin typeface="Cambria Math" panose="02040503050406030204" pitchFamily="18" charset="0"/>
+                          </a:rPr>
+                        </m:ctrlPr>
+                      </m:sSubPr>
+                      <m:e>
+                        <m:r>
+                          <a:rPr lang="en-CA" sz="1800" dirty="0">
+                            <a:latin typeface="Cambria Math" panose="02040503050406030204" pitchFamily="18" charset="0"/>
+                          </a:rPr>
+                          <m:t>𝑢</m:t>
+                        </m:r>
+                      </m:e>
+                      <m:sub>
+                        <m:r>
+                          <a:rPr lang="en-CA" sz="1800" b="0" i="1" dirty="0" smtClean="0">
+                            <a:latin typeface="Cambria Math" panose="02040503050406030204" pitchFamily="18" charset="0"/>
+                          </a:rPr>
+                          <m:t>𝑛𝑢𝑚</m:t>
+                        </m:r>
+                      </m:sub>
+                    </m:sSub>
+                  </m:oMath>
+                </a14:m>
+                <a:r>
+                  <a:rPr lang="fr-FR" sz="1800" dirty="0"/>
+                  <a:t>est nulle. Ainsi le résultat obtenu sur la largeur de l’intervalle d’incertitude de </a:t>
+                </a:r>
+                <a14:m>
+                  <m:oMath xmlns:m="http://schemas.openxmlformats.org/officeDocument/2006/math">
+                    <m:sSub>
+                      <m:sSubPr>
+                        <m:ctrlPr>
+                          <a:rPr lang="en-CA" sz="1800" i="1" dirty="0">
+                            <a:latin typeface="Cambria Math" panose="02040503050406030204" pitchFamily="18" charset="0"/>
+                          </a:rPr>
+                        </m:ctrlPr>
+                      </m:sSubPr>
+                      <m:e>
+                        <m:r>
+                          <a:rPr lang="en-CA" sz="1800" dirty="0">
+                            <a:latin typeface="Cambria Math" panose="02040503050406030204" pitchFamily="18" charset="0"/>
+                          </a:rPr>
+                          <m:t>𝛿</m:t>
+                        </m:r>
+                      </m:e>
+                      <m:sub>
+                        <m:r>
+                          <a:rPr lang="en-CA" sz="1800" dirty="0">
+                            <a:latin typeface="Cambria Math" panose="02040503050406030204" pitchFamily="18" charset="0"/>
+                          </a:rPr>
+                          <m:t>𝑚𝑜𝑑𝑒𝑙</m:t>
+                        </m:r>
+                      </m:sub>
+                    </m:sSub>
+                  </m:oMath>
+                </a14:m>
+                <a:r>
+                  <a:rPr lang="en-CA" sz="1800" dirty="0"/>
+                  <a:t> </a:t>
+                </a:r>
+                <a:r>
+                  <a:rPr lang="fr-CA" sz="1800" dirty="0"/>
+                  <a:t>n’est pas surprenant.</a:t>
+                </a:r>
+              </a:p>
+            </p:txBody>
+          </p:sp>
+        </mc:Choice>
+        <mc:Fallback xmlns="">
+          <p:sp>
+            <p:nvSpPr>
+              <p:cNvPr id="3" name="Content Placeholder 2">
+                <a:extLst>
+                  <a:ext uri="{FF2B5EF4-FFF2-40B4-BE49-F238E27FC236}">
+                    <a16:creationId xmlns:a16="http://schemas.microsoft.com/office/drawing/2014/main" id="{57846E6E-541E-C380-2EC3-91AF5BEE61F6}"/>
+                  </a:ext>
+                </a:extLst>
+              </p:cNvPr>
+              <p:cNvSpPr>
+                <a:spLocks noGrp="1" noRot="1" noChangeAspect="1" noMove="1" noResize="1" noEditPoints="1" noAdjustHandles="1" noChangeArrowheads="1" noChangeShapeType="1" noTextEdit="1"/>
+              </p:cNvSpPr>
+              <p:nvPr>
+                <p:ph idx="1"/>
+              </p:nvPr>
+            </p:nvSpPr>
+            <p:spPr>
+              <a:xfrm>
+                <a:off x="838200" y="1150374"/>
+                <a:ext cx="10515600" cy="5342501"/>
+              </a:xfrm>
+              <a:blipFill>
+                <a:blip r:embed="rId2"/>
+                <a:stretch>
+                  <a:fillRect l="-522" t="-571" r="-464"/>
+                </a:stretch>
+              </a:blipFill>
+            </p:spPr>
+            <p:txBody>
+              <a:bodyPr/>
+              <a:lstStyle/>
+              <a:p>
+                <a:r>
+                  <a:rPr lang="en-CA">
+                    <a:noFill/>
+                  </a:rPr>
+                  <a:t> </a:t>
+                </a:r>
+              </a:p>
+            </p:txBody>
+          </p:sp>
+        </mc:Fallback>
+      </mc:AlternateContent>
+    </p:spTree>
+    <p:extLst>
+      <p:ext uri="{BB962C8B-B14F-4D97-AF65-F5344CB8AC3E}">
+        <p14:creationId xmlns:p14="http://schemas.microsoft.com/office/powerpoint/2010/main" val="3401032911"/>
+      </p:ext>
+    </p:extLst>
+  </p:cSld>
+  <p:clrMapOvr>
+    <a:masterClrMapping/>
+  </p:clrMapOvr>
+</p:sld>
+</file>
+
+<file path=ppt/slides/slide21.xml><?xml version="1.0" encoding="utf-8"?>
+<p:sld xmlns:a="http://schemas.openxmlformats.org/drawingml/2006/main" xmlns:r="http://schemas.openxmlformats.org/officeDocument/2006/relationships" xmlns:p="http://schemas.openxmlformats.org/presentationml/2006/main">
+  <p:cSld>
+    <p:spTree>
+      <p:nvGrpSpPr>
+        <p:cNvPr id="1" name=""/>
+        <p:cNvGrpSpPr/>
+        <p:nvPr/>
+      </p:nvGrpSpPr>
+      <p:grpSpPr>
+        <a:xfrm>
+          <a:off x="0" y="0"/>
+          <a:ext cx="0" cy="0"/>
+          <a:chOff x="0" y="0"/>
+          <a:chExt cx="0" cy="0"/>
+        </a:xfrm>
+      </p:grpSpPr>
+      <p:sp>
+        <p:nvSpPr>
+          <p:cNvPr id="2" name="Title 1">
+            <a:extLst>
+              <a:ext uri="{FF2B5EF4-FFF2-40B4-BE49-F238E27FC236}">
+                <a16:creationId xmlns:a16="http://schemas.microsoft.com/office/drawing/2014/main" id="{E0220718-7085-48D6-FCCC-6D486EF513A7}"/>
+              </a:ext>
+            </a:extLst>
+          </p:cNvPr>
+          <p:cNvSpPr>
+            <a:spLocks noGrp="1"/>
+          </p:cNvSpPr>
+          <p:nvPr>
+            <p:ph type="title"/>
+          </p:nvPr>
+        </p:nvSpPr>
+        <p:spPr>
+          <a:xfrm>
+            <a:off x="838200" y="365125"/>
+            <a:ext cx="9308690" cy="706591"/>
+          </a:xfrm>
+        </p:spPr>
+        <p:txBody>
+          <a:bodyPr>
+            <a:normAutofit/>
+          </a:bodyPr>
+          <a:lstStyle/>
+          <a:p>
+            <a:r>
+              <a:rPr lang="fr-FR" sz="3000" dirty="0"/>
+              <a:t>Conclusion</a:t>
+            </a:r>
+            <a:endParaRPr lang="en-CA" sz="3000" dirty="0"/>
+          </a:p>
+        </p:txBody>
+      </p:sp>
+      <mc:AlternateContent xmlns:mc="http://schemas.openxmlformats.org/markup-compatibility/2006" xmlns:a14="http://schemas.microsoft.com/office/drawing/2010/main">
+        <mc:Choice Requires="a14">
+          <p:sp>
+            <p:nvSpPr>
+              <p:cNvPr id="3" name="Content Placeholder 2">
+                <a:extLst>
+                  <a:ext uri="{FF2B5EF4-FFF2-40B4-BE49-F238E27FC236}">
+                    <a16:creationId xmlns:a16="http://schemas.microsoft.com/office/drawing/2014/main" id="{57846E6E-541E-C380-2EC3-91AF5BEE61F6}"/>
+                  </a:ext>
+                </a:extLst>
+              </p:cNvPr>
+              <p:cNvSpPr>
+                <a:spLocks noGrp="1"/>
+              </p:cNvSpPr>
+              <p:nvPr>
+                <p:ph idx="1"/>
+              </p:nvPr>
+            </p:nvSpPr>
+            <p:spPr>
+              <a:xfrm>
+                <a:off x="838200" y="1150374"/>
+                <a:ext cx="10515600" cy="5342501"/>
+              </a:xfrm>
+            </p:spPr>
+            <p:txBody>
+              <a:bodyPr>
+                <a:normAutofit/>
+              </a:bodyPr>
+              <a:lstStyle/>
+              <a:p>
+                <a:pPr marL="0" indent="0" algn="just">
+                  <a:buNone/>
+                </a:pPr>
+                <a:r>
+                  <a:rPr lang="en-CA" sz="1800" dirty="0">
+                    <a:highlight>
+                      <a:srgbClr val="FFFF00"/>
+                    </a:highlight>
+                  </a:rPr>
+                  <a:t>La verification de code montre … </a:t>
+                </a:r>
+                <a:r>
+                  <a:rPr lang="en-CA" sz="1800" dirty="0" err="1">
+                    <a:highlight>
+                      <a:srgbClr val="FFFF00"/>
+                    </a:highlight>
+                  </a:rPr>
+                  <a:t>ce</a:t>
+                </a:r>
+                <a:r>
+                  <a:rPr lang="en-CA" sz="1800" dirty="0">
+                    <a:highlight>
+                      <a:srgbClr val="FFFF00"/>
+                    </a:highlight>
+                  </a:rPr>
+                  <a:t> </a:t>
+                </a:r>
+                <a:r>
+                  <a:rPr lang="en-CA" sz="1800" dirty="0" err="1">
+                    <a:highlight>
+                      <a:srgbClr val="FFFF00"/>
+                    </a:highlight>
+                  </a:rPr>
+                  <a:t>n’etait</a:t>
+                </a:r>
+                <a:r>
+                  <a:rPr lang="en-CA" sz="1800" dirty="0">
+                    <a:highlight>
+                      <a:srgbClr val="FFFF00"/>
+                    </a:highlight>
+                  </a:rPr>
+                  <a:t> pas </a:t>
+                </a:r>
+                <a:r>
+                  <a:rPr lang="en-CA" sz="1800" dirty="0" err="1">
+                    <a:highlight>
+                      <a:srgbClr val="FFFF00"/>
+                    </a:highlight>
+                  </a:rPr>
+                  <a:t>directement</a:t>
+                </a:r>
+                <a:r>
+                  <a:rPr lang="en-CA" sz="1800" dirty="0">
+                    <a:highlight>
+                      <a:srgbClr val="FFFF00"/>
+                    </a:highlight>
+                  </a:rPr>
+                  <a:t> </a:t>
+                </a:r>
+                <a:r>
+                  <a:rPr lang="en-CA" sz="1800" dirty="0" err="1">
+                    <a:highlight>
+                      <a:srgbClr val="FFFF00"/>
+                    </a:highlight>
+                  </a:rPr>
+                  <a:t>une</a:t>
+                </a:r>
+                <a:r>
+                  <a:rPr lang="en-CA" sz="1800" dirty="0">
+                    <a:highlight>
+                      <a:srgbClr val="FFFF00"/>
+                    </a:highlight>
+                  </a:rPr>
+                  <a:t> verification du MEF de la </a:t>
+                </a:r>
+                <a:r>
+                  <a:rPr lang="en-CA" sz="1800" dirty="0" err="1">
+                    <a:highlight>
+                      <a:srgbClr val="FFFF00"/>
+                    </a:highlight>
+                  </a:rPr>
+                  <a:t>colonne</a:t>
+                </a:r>
+                <a:r>
+                  <a:rPr lang="en-CA" sz="1800" dirty="0">
+                    <a:highlight>
+                      <a:srgbClr val="FFFF00"/>
+                    </a:highlight>
+                  </a:rPr>
+                  <a:t> </a:t>
+                </a:r>
+                <a:r>
+                  <a:rPr lang="en-CA" sz="1800" dirty="0" err="1">
+                    <a:highlight>
+                      <a:srgbClr val="FFFF00"/>
+                    </a:highlight>
+                  </a:rPr>
+                  <a:t>vertebrale</a:t>
+                </a:r>
+                <a:r>
+                  <a:rPr lang="en-CA" sz="1800" dirty="0">
+                    <a:highlight>
+                      <a:srgbClr val="FFFF00"/>
+                    </a:highlight>
+                  </a:rPr>
+                  <a:t> </a:t>
+                </a:r>
+                <a:r>
+                  <a:rPr lang="en-CA" sz="1800" dirty="0" err="1">
+                    <a:highlight>
+                      <a:srgbClr val="FFFF00"/>
+                    </a:highlight>
+                  </a:rPr>
+                  <a:t>mais</a:t>
+                </a:r>
+                <a:r>
+                  <a:rPr lang="en-CA" sz="1800" dirty="0">
+                    <a:highlight>
+                      <a:srgbClr val="FFFF00"/>
+                    </a:highlight>
+                  </a:rPr>
+                  <a:t> </a:t>
+                </a:r>
+                <a:r>
+                  <a:rPr lang="en-CA" sz="1800" dirty="0" err="1">
+                    <a:highlight>
+                      <a:srgbClr val="FFFF00"/>
+                    </a:highlight>
+                  </a:rPr>
+                  <a:t>plutot</a:t>
+                </a:r>
+                <a:r>
+                  <a:rPr lang="en-CA" sz="1800" dirty="0">
+                    <a:highlight>
+                      <a:srgbClr val="FFFF00"/>
+                    </a:highlight>
+                  </a:rPr>
+                  <a:t> de </a:t>
+                </a:r>
+                <a:r>
+                  <a:rPr lang="en-CA" sz="1800" dirty="0" err="1">
+                    <a:highlight>
+                      <a:srgbClr val="FFFF00"/>
+                    </a:highlight>
+                  </a:rPr>
+                  <a:t>simcenter</a:t>
+                </a:r>
+                <a:r>
+                  <a:rPr lang="en-CA" sz="1800" dirty="0">
+                    <a:highlight>
+                      <a:srgbClr val="FFFF00"/>
+                    </a:highlight>
+                  </a:rPr>
+                  <a:t>…</a:t>
+                </a:r>
+              </a:p>
+              <a:p>
+                <a:pPr marL="0" indent="0" algn="just">
+                  <a:buNone/>
+                </a:pPr>
+                <a:r>
+                  <a:rPr lang="en-CA" sz="1800" dirty="0">
+                    <a:highlight>
+                      <a:srgbClr val="FFFF00"/>
+                    </a:highlight>
+                  </a:rPr>
+                  <a:t>La verification de solution </a:t>
+                </a:r>
+                <a:r>
+                  <a:rPr lang="en-CA" sz="1800" dirty="0" err="1">
+                    <a:highlight>
+                      <a:srgbClr val="FFFF00"/>
+                    </a:highlight>
+                  </a:rPr>
+                  <a:t>donne</a:t>
+                </a:r>
+                <a:r>
+                  <a:rPr lang="en-CA" sz="1800" dirty="0">
+                    <a:highlight>
+                      <a:srgbClr val="FFFF00"/>
+                    </a:highlight>
+                  </a:rPr>
+                  <a:t> un </a:t>
+                </a:r>
+                <a:r>
+                  <a:rPr lang="en-CA" sz="1800" dirty="0" err="1">
+                    <a:highlight>
+                      <a:srgbClr val="FFFF00"/>
+                    </a:highlight>
+                  </a:rPr>
+                  <a:t>estimé</a:t>
+                </a:r>
+                <a:r>
+                  <a:rPr lang="en-CA" sz="1800" dirty="0">
+                    <a:highlight>
+                      <a:srgbClr val="FFFF00"/>
+                    </a:highlight>
+                  </a:rPr>
+                  <a:t> de </a:t>
+                </a:r>
+                <a:r>
+                  <a:rPr lang="en-CA" sz="1800" dirty="0" err="1">
+                    <a:highlight>
+                      <a:srgbClr val="FFFF00"/>
+                    </a:highlight>
+                  </a:rPr>
+                  <a:t>l’erreur</a:t>
+                </a:r>
+                <a:r>
+                  <a:rPr lang="en-CA" sz="1800" dirty="0">
+                    <a:highlight>
+                      <a:srgbClr val="FFFF00"/>
+                    </a:highlight>
+                  </a:rPr>
+                  <a:t> de ?? Et on </a:t>
+                </a:r>
+                <a:r>
+                  <a:rPr lang="en-CA" sz="1800" dirty="0" err="1">
+                    <a:highlight>
+                      <a:srgbClr val="FFFF00"/>
+                    </a:highlight>
+                  </a:rPr>
+                  <a:t>trouve</a:t>
+                </a:r>
+                <a:r>
+                  <a:rPr lang="en-CA" sz="1800" dirty="0">
+                    <a:highlight>
+                      <a:srgbClr val="FFFF00"/>
+                    </a:highlight>
+                  </a:rPr>
+                  <a:t> </a:t>
+                </a:r>
+                <a:r>
+                  <a:rPr lang="en-CA" sz="1800" dirty="0" err="1">
+                    <a:highlight>
+                      <a:srgbClr val="FFFF00"/>
+                    </a:highlight>
+                  </a:rPr>
+                  <a:t>qu’une</a:t>
+                </a:r>
+                <a:r>
+                  <a:rPr lang="en-CA" sz="1800" dirty="0">
+                    <a:highlight>
+                      <a:srgbClr val="FFFF00"/>
+                    </a:highlight>
+                  </a:rPr>
+                  <a:t> approximation de la solution par </a:t>
+                </a:r>
+                <a:r>
+                  <a:rPr lang="en-CA" sz="1800" dirty="0" err="1">
+                    <a:highlight>
+                      <a:srgbClr val="FFFF00"/>
+                    </a:highlight>
+                  </a:rPr>
+                  <a:t>une</a:t>
+                </a:r>
+                <a:r>
+                  <a:rPr lang="en-CA" sz="1800" dirty="0">
+                    <a:highlight>
+                      <a:srgbClr val="FFFF00"/>
+                    </a:highlight>
+                  </a:rPr>
+                  <a:t> extrapolation de Richardson </a:t>
+                </a:r>
+                <a:r>
+                  <a:rPr lang="en-CA" sz="1800" dirty="0" err="1">
+                    <a:highlight>
+                      <a:srgbClr val="FFFF00"/>
+                    </a:highlight>
+                  </a:rPr>
+                  <a:t>est</a:t>
+                </a:r>
+                <a:r>
+                  <a:rPr lang="en-CA" sz="1800" dirty="0">
+                    <a:highlight>
+                      <a:srgbClr val="FFFF00"/>
+                    </a:highlight>
+                  </a:rPr>
+                  <a:t> possible </a:t>
+                </a:r>
+                <a:r>
+                  <a:rPr lang="en-CA" sz="1800" dirty="0" err="1">
+                    <a:highlight>
+                      <a:srgbClr val="FFFF00"/>
+                    </a:highlight>
+                  </a:rPr>
+                  <a:t>blablabla</a:t>
+                </a:r>
+                <a:endParaRPr lang="en-CA" sz="1800" dirty="0">
+                  <a:highlight>
+                    <a:srgbClr val="FFFF00"/>
+                  </a:highlight>
+                </a:endParaRPr>
+              </a:p>
+              <a:p>
+                <a:pPr marL="0" indent="0" algn="just">
+                  <a:buNone/>
+                </a:pPr>
+                <a:r>
+                  <a:rPr lang="en-CA" sz="1800" dirty="0" err="1">
+                    <a:highlight>
+                      <a:srgbClr val="FFFF00"/>
+                    </a:highlight>
+                  </a:rPr>
+                  <a:t>Arrivee</a:t>
+                </a:r>
+                <a:r>
+                  <a:rPr lang="en-CA" sz="1800" dirty="0">
+                    <a:highlight>
+                      <a:srgbClr val="FFFF00"/>
+                    </a:highlight>
+                  </a:rPr>
+                  <a:t> a </a:t>
+                </a:r>
+                <a:r>
+                  <a:rPr lang="en-CA" sz="1800" dirty="0" err="1">
+                    <a:highlight>
+                      <a:srgbClr val="FFFF00"/>
+                    </a:highlight>
+                  </a:rPr>
+                  <a:t>l’etape</a:t>
+                </a:r>
+                <a:r>
+                  <a:rPr lang="en-CA" sz="1800" dirty="0">
+                    <a:highlight>
+                      <a:srgbClr val="FFFF00"/>
+                    </a:highlight>
+                  </a:rPr>
+                  <a:t> de validation, </a:t>
+                </a:r>
+                <a:r>
+                  <a:rPr lang="en-CA" sz="1800" dirty="0" err="1">
+                    <a:highlight>
+                      <a:srgbClr val="FFFF00"/>
+                    </a:highlight>
+                  </a:rPr>
+                  <a:t>plusieurs</a:t>
+                </a:r>
+                <a:r>
+                  <a:rPr lang="en-CA" sz="1800" dirty="0">
+                    <a:highlight>
+                      <a:srgbClr val="FFFF00"/>
+                    </a:highlight>
+                  </a:rPr>
+                  <a:t> hypotheses </a:t>
+                </a:r>
+                <a:r>
+                  <a:rPr lang="en-CA" sz="1800" dirty="0" err="1">
+                    <a:highlight>
+                      <a:srgbClr val="FFFF00"/>
+                    </a:highlight>
+                  </a:rPr>
+                  <a:t>ont</a:t>
+                </a:r>
+                <a:r>
+                  <a:rPr lang="en-CA" sz="1800" dirty="0">
+                    <a:highlight>
+                      <a:srgbClr val="FFFF00"/>
+                    </a:highlight>
+                  </a:rPr>
+                  <a:t> du </a:t>
+                </a:r>
+                <a:r>
+                  <a:rPr lang="en-CA" sz="1800" dirty="0" err="1">
+                    <a:highlight>
+                      <a:srgbClr val="FFFF00"/>
+                    </a:highlight>
+                  </a:rPr>
+                  <a:t>etre</a:t>
+                </a:r>
+                <a:r>
+                  <a:rPr lang="en-CA" sz="1800" dirty="0">
+                    <a:highlight>
+                      <a:srgbClr val="FFFF00"/>
+                    </a:highlight>
+                  </a:rPr>
+                  <a:t> </a:t>
+                </a:r>
+                <a:r>
+                  <a:rPr lang="en-CA" sz="1800" dirty="0" err="1">
+                    <a:highlight>
+                      <a:srgbClr val="FFFF00"/>
+                    </a:highlight>
+                  </a:rPr>
+                  <a:t>effectuees</a:t>
+                </a:r>
+                <a:r>
+                  <a:rPr lang="en-CA" sz="1800" dirty="0">
+                    <a:highlight>
+                      <a:srgbClr val="FFFF00"/>
+                    </a:highlight>
+                  </a:rPr>
+                  <a:t> pour pallier aux manque </a:t>
+                </a:r>
+                <a:r>
+                  <a:rPr lang="en-CA" sz="1800" dirty="0" err="1">
+                    <a:highlight>
+                      <a:srgbClr val="FFFF00"/>
+                    </a:highlight>
+                  </a:rPr>
+                  <a:t>d’information</a:t>
+                </a:r>
+                <a:r>
+                  <a:rPr lang="en-CA" sz="1800" dirty="0">
+                    <a:highlight>
+                      <a:srgbClr val="FFFF00"/>
+                    </a:highlight>
+                  </a:rPr>
+                  <a:t> des articles </a:t>
+                </a:r>
+                <a:r>
+                  <a:rPr lang="en-CA" sz="1800" dirty="0" err="1">
+                    <a:highlight>
+                      <a:srgbClr val="FFFF00"/>
+                    </a:highlight>
+                  </a:rPr>
+                  <a:t>scientifiques</a:t>
+                </a:r>
+                <a:r>
+                  <a:rPr lang="en-CA" sz="1800" dirty="0">
+                    <a:highlight>
+                      <a:srgbClr val="FFFF00"/>
+                    </a:highlight>
+                  </a:rPr>
+                  <a:t> sur la distribution des </a:t>
+                </a:r>
+                <a:r>
+                  <a:rPr lang="en-CA" sz="1800" dirty="0" err="1">
+                    <a:highlight>
+                      <a:srgbClr val="FFFF00"/>
+                    </a:highlight>
+                  </a:rPr>
+                  <a:t>donnees</a:t>
+                </a:r>
+                <a:r>
+                  <a:rPr lang="en-CA" sz="1800" dirty="0">
+                    <a:highlight>
+                      <a:srgbClr val="FFFF00"/>
+                    </a:highlight>
+                  </a:rPr>
+                  <a:t> </a:t>
+                </a:r>
+                <a:r>
+                  <a:rPr lang="en-CA" sz="1800" dirty="0" err="1">
+                    <a:highlight>
+                      <a:srgbClr val="FFFF00"/>
+                    </a:highlight>
+                  </a:rPr>
+                  <a:t>d’entrees</a:t>
+                </a:r>
+                <a:r>
+                  <a:rPr lang="en-CA" sz="1800" dirty="0">
+                    <a:highlight>
+                      <a:srgbClr val="FFFF00"/>
+                    </a:highlight>
+                  </a:rPr>
+                  <a:t>, </a:t>
+                </a:r>
+                <a:r>
+                  <a:rPr lang="en-CA" sz="1800" dirty="0" err="1">
+                    <a:highlight>
+                      <a:srgbClr val="FFFF00"/>
+                    </a:highlight>
+                  </a:rPr>
+                  <a:t>ainsi</a:t>
+                </a:r>
+                <a:r>
+                  <a:rPr lang="en-CA" sz="1800" dirty="0">
+                    <a:highlight>
+                      <a:srgbClr val="FFFF00"/>
+                    </a:highlight>
+                  </a:rPr>
+                  <a:t> que les </a:t>
+                </a:r>
+                <a:r>
+                  <a:rPr lang="en-CA" sz="1800" dirty="0" err="1">
+                    <a:highlight>
+                      <a:srgbClr val="FFFF00"/>
+                    </a:highlight>
+                  </a:rPr>
+                  <a:t>erreurs</a:t>
+                </a:r>
+                <a:r>
+                  <a:rPr lang="en-CA" sz="1800" dirty="0">
+                    <a:highlight>
+                      <a:srgbClr val="FFFF00"/>
+                    </a:highlight>
+                  </a:rPr>
+                  <a:t> de </a:t>
+                </a:r>
+                <a:r>
+                  <a:rPr lang="en-CA" sz="1800" dirty="0" err="1">
+                    <a:highlight>
+                      <a:srgbClr val="FFFF00"/>
+                    </a:highlight>
+                  </a:rPr>
+                  <a:t>mesure</a:t>
+                </a:r>
+                <a:r>
+                  <a:rPr lang="en-CA" sz="1800" dirty="0">
+                    <a:highlight>
+                      <a:srgbClr val="FFFF00"/>
+                    </a:highlight>
+                  </a:rPr>
+                  <a:t>  de </a:t>
+                </a:r>
+                <a:r>
+                  <a:rPr lang="en-CA" sz="1800" dirty="0" err="1">
+                    <a:highlight>
+                      <a:srgbClr val="FFFF00"/>
+                    </a:highlight>
+                  </a:rPr>
+                  <a:t>ces</a:t>
+                </a:r>
+                <a:r>
+                  <a:rPr lang="en-CA" sz="1800" dirty="0">
+                    <a:highlight>
+                      <a:srgbClr val="FFFF00"/>
+                    </a:highlight>
+                  </a:rPr>
+                  <a:t> </a:t>
+                </a:r>
+                <a:r>
+                  <a:rPr lang="en-CA" sz="1800" dirty="0" err="1">
+                    <a:highlight>
+                      <a:srgbClr val="FFFF00"/>
+                    </a:highlight>
+                  </a:rPr>
+                  <a:t>donnees</a:t>
+                </a:r>
+                <a:r>
+                  <a:rPr lang="en-CA" sz="1800" dirty="0">
+                    <a:highlight>
+                      <a:srgbClr val="FFFF00"/>
+                    </a:highlight>
+                  </a:rPr>
+                  <a:t> </a:t>
+                </a:r>
+                <a:r>
+                  <a:rPr lang="en-CA" sz="1800" dirty="0" err="1">
+                    <a:highlight>
+                      <a:srgbClr val="FFFF00"/>
+                    </a:highlight>
+                  </a:rPr>
+                  <a:t>mais</a:t>
+                </a:r>
+                <a:r>
+                  <a:rPr lang="en-CA" sz="1800" dirty="0">
+                    <a:highlight>
+                      <a:srgbClr val="FFFF00"/>
+                    </a:highlight>
+                  </a:rPr>
+                  <a:t> </a:t>
+                </a:r>
+                <a:r>
+                  <a:rPr lang="en-CA" sz="1800" dirty="0" err="1">
+                    <a:highlight>
+                      <a:srgbClr val="FFFF00"/>
+                    </a:highlight>
+                  </a:rPr>
+                  <a:t>aussi</a:t>
+                </a:r>
+                <a:r>
+                  <a:rPr lang="en-CA" sz="1800" dirty="0">
+                    <a:highlight>
+                      <a:srgbClr val="FFFF00"/>
+                    </a:highlight>
+                  </a:rPr>
+                  <a:t> sur les experiences de validation et les </a:t>
+                </a:r>
+                <a:r>
+                  <a:rPr lang="en-CA" sz="1800" dirty="0" err="1">
+                    <a:highlight>
+                      <a:srgbClr val="FFFF00"/>
+                    </a:highlight>
+                  </a:rPr>
+                  <a:t>mesures</a:t>
+                </a:r>
+                <a:r>
+                  <a:rPr lang="en-CA" sz="1800" dirty="0">
+                    <a:highlight>
+                      <a:srgbClr val="FFFF00"/>
+                    </a:highlight>
+                  </a:rPr>
+                  <a:t> de la SRQ. Ceci fait que malgré un </a:t>
+                </a:r>
+                <a:r>
+                  <a:rPr lang="en-CA" sz="1800" dirty="0" err="1">
+                    <a:highlight>
+                      <a:srgbClr val="FFFF00"/>
+                    </a:highlight>
+                  </a:rPr>
+                  <a:t>intervalle</a:t>
+                </a:r>
+                <a:r>
+                  <a:rPr lang="en-CA" sz="1800" dirty="0">
+                    <a:highlight>
+                      <a:srgbClr val="FFFF00"/>
+                    </a:highlight>
+                  </a:rPr>
+                  <a:t> </a:t>
+                </a:r>
+                <a:r>
+                  <a:rPr lang="en-CA" sz="1800" dirty="0" err="1">
+                    <a:highlight>
+                      <a:srgbClr val="FFFF00"/>
+                    </a:highlight>
+                  </a:rPr>
+                  <a:t>d’incertitude</a:t>
+                </a:r>
+                <a:r>
+                  <a:rPr lang="en-CA" sz="1800" dirty="0">
+                    <a:highlight>
+                      <a:srgbClr val="FFFF00"/>
+                    </a:highlight>
+                  </a:rPr>
+                  <a:t> sur </a:t>
+                </a:r>
+                <a:r>
+                  <a:rPr lang="en-CA" sz="1800" dirty="0" err="1">
+                    <a:highlight>
+                      <a:srgbClr val="FFFF00"/>
+                    </a:highlight>
+                  </a:rPr>
+                  <a:t>l;erreure</a:t>
+                </a:r>
+                <a:r>
+                  <a:rPr lang="en-CA" sz="1800" dirty="0">
+                    <a:highlight>
+                      <a:srgbClr val="FFFF00"/>
+                    </a:highlight>
+                  </a:rPr>
+                  <a:t> du </a:t>
+                </a:r>
+                <a:r>
+                  <a:rPr lang="en-CA" sz="1800" dirty="0" err="1">
+                    <a:highlight>
+                      <a:srgbClr val="FFFF00"/>
+                    </a:highlight>
+                  </a:rPr>
+                  <a:t>modele</a:t>
+                </a:r>
+                <a:r>
+                  <a:rPr lang="en-CA" sz="1800" dirty="0">
+                    <a:highlight>
+                      <a:srgbClr val="FFFF00"/>
+                    </a:highlight>
+                  </a:rPr>
+                  <a:t> qui englobe la </a:t>
+                </a:r>
+                <a:r>
+                  <a:rPr lang="en-CA" sz="1800" dirty="0" err="1">
+                    <a:highlight>
+                      <a:srgbClr val="FFFF00"/>
+                    </a:highlight>
+                  </a:rPr>
+                  <a:t>valeur</a:t>
+                </a:r>
+                <a:r>
+                  <a:rPr lang="en-CA" sz="1800" dirty="0">
+                    <a:highlight>
+                      <a:srgbClr val="FFFF00"/>
+                    </a:highlight>
+                  </a:rPr>
+                  <a:t> 0, </a:t>
+                </a:r>
+                <a:r>
+                  <a:rPr lang="en-CA" sz="1800" dirty="0" err="1">
+                    <a:highlight>
+                      <a:srgbClr val="FFFF00"/>
+                    </a:highlight>
+                  </a:rPr>
+                  <a:t>l’intervalle</a:t>
+                </a:r>
+                <a:r>
+                  <a:rPr lang="en-CA" sz="1800" dirty="0">
+                    <a:highlight>
+                      <a:srgbClr val="FFFF00"/>
+                    </a:highlight>
+                  </a:rPr>
+                  <a:t> </a:t>
+                </a:r>
+                <a:r>
+                  <a:rPr lang="en-CA" sz="1800" dirty="0" err="1">
+                    <a:highlight>
+                      <a:srgbClr val="FFFF00"/>
+                    </a:highlight>
+                  </a:rPr>
+                  <a:t>est</a:t>
+                </a:r>
+                <a:r>
+                  <a:rPr lang="en-CA" sz="1800" dirty="0">
+                    <a:highlight>
+                      <a:srgbClr val="FFFF00"/>
+                    </a:highlight>
+                  </a:rPr>
+                  <a:t> beaucoup trop large pour </a:t>
+                </a:r>
+                <a:r>
+                  <a:rPr lang="en-CA" sz="1800" dirty="0" err="1">
+                    <a:highlight>
+                      <a:srgbClr val="FFFF00"/>
+                    </a:highlight>
+                  </a:rPr>
+                  <a:t>pouvoir</a:t>
+                </a:r>
+                <a:r>
+                  <a:rPr lang="en-CA" sz="1800" dirty="0">
+                    <a:highlight>
+                      <a:srgbClr val="FFFF00"/>
+                    </a:highlight>
+                  </a:rPr>
+                  <a:t> affirmer que le </a:t>
+                </a:r>
+                <a:r>
+                  <a:rPr lang="en-CA" sz="1800" dirty="0" err="1">
+                    <a:highlight>
+                      <a:srgbClr val="FFFF00"/>
+                    </a:highlight>
+                  </a:rPr>
+                  <a:t>modele</a:t>
+                </a:r>
+                <a:r>
+                  <a:rPr lang="en-CA" sz="1800" dirty="0">
+                    <a:highlight>
+                      <a:srgbClr val="FFFF00"/>
+                    </a:highlight>
+                  </a:rPr>
+                  <a:t> </a:t>
+                </a:r>
+                <a:r>
+                  <a:rPr lang="en-CA" sz="1800" dirty="0" err="1">
+                    <a:highlight>
+                      <a:srgbClr val="FFFF00"/>
+                    </a:highlight>
+                  </a:rPr>
+                  <a:t>est</a:t>
+                </a:r>
+                <a:r>
+                  <a:rPr lang="en-CA" sz="1800" dirty="0">
+                    <a:highlight>
+                      <a:srgbClr val="FFFF00"/>
+                    </a:highlight>
+                  </a:rPr>
+                  <a:t> completement </a:t>
+                </a:r>
+                <a:r>
+                  <a:rPr lang="en-CA" sz="1800" dirty="0" err="1">
+                    <a:highlight>
+                      <a:srgbClr val="FFFF00"/>
+                    </a:highlight>
+                  </a:rPr>
+                  <a:t>fiable</a:t>
+                </a:r>
+                <a:r>
+                  <a:rPr lang="en-CA" sz="1800" dirty="0">
+                    <a:highlight>
+                      <a:srgbClr val="FFFF00"/>
+                    </a:highlight>
+                  </a:rPr>
+                  <a:t>. Des efforts de reduction de </a:t>
+                </a:r>
+                <a14:m>
+                  <m:oMath xmlns:m="http://schemas.openxmlformats.org/officeDocument/2006/math">
+                    <m:sSub>
+                      <m:sSubPr>
+                        <m:ctrlPr>
+                          <a:rPr lang="en-CA" sz="1800" i="1" dirty="0">
+                            <a:highlight>
+                              <a:srgbClr val="FFFF00"/>
+                            </a:highlight>
+                            <a:latin typeface="Cambria Math" panose="02040503050406030204" pitchFamily="18" charset="0"/>
+                          </a:rPr>
+                        </m:ctrlPr>
+                      </m:sSubPr>
+                      <m:e>
+                        <m:r>
+                          <a:rPr lang="en-CA" sz="1800" dirty="0">
+                            <a:highlight>
+                              <a:srgbClr val="FFFF00"/>
+                            </a:highlight>
+                            <a:latin typeface="Cambria Math" panose="02040503050406030204" pitchFamily="18" charset="0"/>
+                          </a:rPr>
+                          <m:t>𝑢</m:t>
+                        </m:r>
+                      </m:e>
+                      <m:sub>
+                        <m:r>
+                          <a:rPr lang="en-CA" sz="1800" b="0" i="1" dirty="0" smtClean="0">
+                            <a:highlight>
+                              <a:srgbClr val="FFFF00"/>
+                            </a:highlight>
+                            <a:latin typeface="Cambria Math" panose="02040503050406030204" pitchFamily="18" charset="0"/>
+                          </a:rPr>
+                          <m:t>𝑣𝑎𝑙</m:t>
+                        </m:r>
+                        <m:r>
+                          <a:rPr lang="en-CA" sz="1800" i="1" dirty="0">
+                            <a:highlight>
+                              <a:srgbClr val="FFFF00"/>
+                            </a:highlight>
+                            <a:latin typeface="Cambria Math" panose="02040503050406030204" pitchFamily="18" charset="0"/>
+                          </a:rPr>
+                          <m:t> </m:t>
+                        </m:r>
+                      </m:sub>
+                    </m:sSub>
+                  </m:oMath>
+                </a14:m>
+                <a:r>
+                  <a:rPr lang="en-CA" sz="1800" dirty="0" err="1">
+                    <a:highlight>
+                      <a:srgbClr val="FFFF00"/>
+                    </a:highlight>
+                  </a:rPr>
+                  <a:t>doivent</a:t>
+                </a:r>
+                <a:r>
+                  <a:rPr lang="en-CA" sz="1800" dirty="0">
+                    <a:highlight>
+                      <a:srgbClr val="FFFF00"/>
+                    </a:highlight>
+                  </a:rPr>
+                  <a:t> </a:t>
+                </a:r>
+                <a:r>
+                  <a:rPr lang="en-CA" sz="1800" dirty="0" err="1">
+                    <a:highlight>
+                      <a:srgbClr val="FFFF00"/>
+                    </a:highlight>
+                  </a:rPr>
+                  <a:t>etre</a:t>
+                </a:r>
+                <a:r>
+                  <a:rPr lang="en-CA" sz="1800" dirty="0">
+                    <a:highlight>
+                      <a:srgbClr val="FFFF00"/>
+                    </a:highlight>
+                  </a:rPr>
+                  <a:t> </a:t>
+                </a:r>
+                <a:r>
+                  <a:rPr lang="en-CA" sz="1800" dirty="0" err="1">
+                    <a:highlight>
+                      <a:srgbClr val="FFFF00"/>
+                    </a:highlight>
+                  </a:rPr>
+                  <a:t>entrepris</a:t>
+                </a:r>
+                <a:r>
+                  <a:rPr lang="en-CA" sz="1800" dirty="0">
+                    <a:highlight>
+                      <a:srgbClr val="FFFF00"/>
+                    </a:highlight>
+                  </a:rPr>
+                  <a:t> a travers la reduction de </a:t>
+                </a:r>
+                <a14:m>
+                  <m:oMath xmlns:m="http://schemas.openxmlformats.org/officeDocument/2006/math">
+                    <m:sSub>
+                      <m:sSubPr>
+                        <m:ctrlPr>
+                          <a:rPr lang="en-CA" sz="1800" i="1" dirty="0" smtClean="0">
+                            <a:latin typeface="Cambria Math" panose="02040503050406030204" pitchFamily="18" charset="0"/>
+                          </a:rPr>
+                        </m:ctrlPr>
+                      </m:sSubPr>
+                      <m:e>
+                        <m:r>
+                          <a:rPr lang="en-CA" sz="1800" dirty="0">
+                            <a:latin typeface="Cambria Math" panose="02040503050406030204" pitchFamily="18" charset="0"/>
+                          </a:rPr>
+                          <m:t>𝑢</m:t>
+                        </m:r>
+                      </m:e>
+                      <m:sub>
+                        <m:r>
+                          <a:rPr lang="en-CA" sz="1800" b="0" i="1" dirty="0" smtClean="0">
+                            <a:latin typeface="Cambria Math" panose="02040503050406030204" pitchFamily="18" charset="0"/>
+                          </a:rPr>
+                          <m:t>𝑖𝑛𝑝𝑢𝑡</m:t>
+                        </m:r>
+                        <m:r>
+                          <a:rPr lang="en-CA" sz="1800" b="0" i="1" dirty="0" smtClean="0">
+                            <a:latin typeface="Cambria Math" panose="02040503050406030204" pitchFamily="18" charset="0"/>
+                          </a:rPr>
+                          <m:t> </m:t>
+                        </m:r>
+                      </m:sub>
+                    </m:sSub>
+                  </m:oMath>
+                </a14:m>
+                <a:r>
+                  <a:rPr lang="fr-FR" sz="1800" dirty="0"/>
+                  <a:t>et </a:t>
+                </a:r>
+                <a14:m>
+                  <m:oMath xmlns:m="http://schemas.openxmlformats.org/officeDocument/2006/math">
+                    <m:sSub>
+                      <m:sSubPr>
+                        <m:ctrlPr>
+                          <a:rPr lang="en-CA" sz="1800" i="1" dirty="0">
+                            <a:latin typeface="Cambria Math" panose="02040503050406030204" pitchFamily="18" charset="0"/>
+                          </a:rPr>
+                        </m:ctrlPr>
+                      </m:sSubPr>
+                      <m:e>
+                        <m:r>
+                          <a:rPr lang="en-CA" sz="1800" dirty="0">
+                            <a:latin typeface="Cambria Math" panose="02040503050406030204" pitchFamily="18" charset="0"/>
+                          </a:rPr>
+                          <m:t>𝑢</m:t>
+                        </m:r>
+                      </m:e>
+                      <m:sub>
+                        <m:r>
+                          <a:rPr lang="en-CA" sz="1800" b="0" i="1" dirty="0" smtClean="0">
+                            <a:latin typeface="Cambria Math" panose="02040503050406030204" pitchFamily="18" charset="0"/>
+                          </a:rPr>
+                          <m:t>𝐷</m:t>
+                        </m:r>
+                      </m:sub>
+                    </m:sSub>
+                  </m:oMath>
+                </a14:m>
+                <a:r>
+                  <a:rPr lang="en-CA" sz="1800" dirty="0">
+                    <a:highlight>
+                      <a:srgbClr val="FFFF00"/>
+                    </a:highlight>
+                  </a:rPr>
+                  <a:t>.</a:t>
+                </a:r>
+              </a:p>
+            </p:txBody>
+          </p:sp>
+        </mc:Choice>
+        <mc:Fallback xmlns="">
+          <p:sp>
+            <p:nvSpPr>
+              <p:cNvPr id="3" name="Content Placeholder 2">
+                <a:extLst>
+                  <a:ext uri="{FF2B5EF4-FFF2-40B4-BE49-F238E27FC236}">
+                    <a16:creationId xmlns:a16="http://schemas.microsoft.com/office/drawing/2014/main" id="{57846E6E-541E-C380-2EC3-91AF5BEE61F6}"/>
+                  </a:ext>
+                </a:extLst>
+              </p:cNvPr>
+              <p:cNvSpPr>
+                <a:spLocks noGrp="1" noRot="1" noChangeAspect="1" noMove="1" noResize="1" noEditPoints="1" noAdjustHandles="1" noChangeArrowheads="1" noChangeShapeType="1" noTextEdit="1"/>
+              </p:cNvSpPr>
+              <p:nvPr>
+                <p:ph idx="1"/>
+              </p:nvPr>
+            </p:nvSpPr>
+            <p:spPr>
+              <a:xfrm>
+                <a:off x="838200" y="1150374"/>
+                <a:ext cx="10515600" cy="5342501"/>
+              </a:xfrm>
+              <a:blipFill>
+                <a:blip r:embed="rId2"/>
+                <a:stretch>
+                  <a:fillRect l="-522" t="-1142" r="-870"/>
+                </a:stretch>
+              </a:blipFill>
+            </p:spPr>
+            <p:txBody>
+              <a:bodyPr/>
+              <a:lstStyle/>
+              <a:p>
+                <a:r>
+                  <a:rPr lang="en-CA">
+                    <a:noFill/>
+                  </a:rPr>
+                  <a:t> </a:t>
+                </a:r>
+              </a:p>
+            </p:txBody>
+          </p:sp>
+        </mc:Fallback>
+      </mc:AlternateContent>
+    </p:spTree>
+    <p:extLst>
+      <p:ext uri="{BB962C8B-B14F-4D97-AF65-F5344CB8AC3E}">
+        <p14:creationId xmlns:p14="http://schemas.microsoft.com/office/powerpoint/2010/main" val="1558127010"/>
+      </p:ext>
+    </p:extLst>
+  </p:cSld>
+  <p:clrMapOvr>
+    <a:masterClrMapping/>
+  </p:clrMapOvr>
+</p:sld>
+</file>
+
+<file path=ppt/slides/slide22.xml><?xml version="1.0" encoding="utf-8"?>
+<p:sld xmlns:a="http://schemas.openxmlformats.org/drawingml/2006/main" xmlns:r="http://schemas.openxmlformats.org/officeDocument/2006/relationships" xmlns:p="http://schemas.openxmlformats.org/presentationml/2006/main">
+  <p:cSld>
+    <p:spTree>
+      <p:nvGrpSpPr>
+        <p:cNvPr id="1" name=""/>
+        <p:cNvGrpSpPr/>
+        <p:nvPr/>
+      </p:nvGrpSpPr>
+      <p:grpSpPr>
+        <a:xfrm>
+          <a:off x="0" y="0"/>
+          <a:ext cx="0" cy="0"/>
+          <a:chOff x="0" y="0"/>
+          <a:chExt cx="0" cy="0"/>
+        </a:xfrm>
+      </p:grpSpPr>
+      <p:sp>
+        <p:nvSpPr>
+          <p:cNvPr id="2" name="Title 1">
+            <a:extLst>
+              <a:ext uri="{FF2B5EF4-FFF2-40B4-BE49-F238E27FC236}">
+                <a16:creationId xmlns:a16="http://schemas.microsoft.com/office/drawing/2014/main" id="{E0220718-7085-48D6-FCCC-6D486EF513A7}"/>
+              </a:ext>
+            </a:extLst>
+          </p:cNvPr>
+          <p:cNvSpPr>
+            <a:spLocks noGrp="1"/>
+          </p:cNvSpPr>
+          <p:nvPr>
+            <p:ph type="title"/>
+          </p:nvPr>
+        </p:nvSpPr>
+        <p:spPr>
+          <a:xfrm>
+            <a:off x="838200" y="365125"/>
+            <a:ext cx="9308690" cy="706591"/>
+          </a:xfrm>
+        </p:spPr>
+        <p:txBody>
+          <a:bodyPr>
+            <a:normAutofit/>
+          </a:bodyPr>
+          <a:lstStyle/>
+          <a:p>
+            <a:r>
+              <a:rPr lang="fr-FR" sz="3000" dirty="0"/>
               <a:t>Bibliographie</a:t>
             </a:r>
             <a:endParaRPr lang="en-CA" sz="3000" dirty="0"/>
@@ -20394,14 +22696,13 @@
               <a:t>, L., Dowding, K., &amp; Roache, P. J. (2020). on the interpretation and scope of the </a:t>
             </a:r>
             <a:r>
-              <a:rPr lang="en-US" sz="1600" b="0" i="0" dirty="0" err="1">
+              <a:rPr lang="en-US" sz="1600" dirty="0">
                 <a:solidFill>
                   <a:srgbClr val="2C3E50"/>
                 </a:solidFill>
-                <a:effectLst/>
                 <a:latin typeface="+mj-lt"/>
               </a:rPr>
-              <a:t>v&amp;v</a:t>
+              <a:t>V</a:t>
             </a:r>
             <a:r>
               <a:rPr lang="en-US" sz="1600" b="0" i="0" dirty="0">
@@ -20411,7 +22712,7 @@
                 <a:effectLst/>
                 <a:latin typeface="+mj-lt"/>
               </a:rPr>
-              <a:t> 20 standard for verification and 	validation in computational fluid dynamics and heat transfer [Review of </a:t>
+              <a:t>&amp;V 20 standard for verification and 	validation in computational fluid dynamics and heat transfer [Review of </a:t>
             </a:r>
             <a:r>
               <a:rPr lang="en-US" sz="1600" b="0" i="1" dirty="0">
@@ -20424,14 +22725,32 @@
               <a:t>on the interpretation and scope of the </a:t>
             </a:r>
             <a:r>
-              <a:rPr lang="en-US" sz="1600" b="0" i="1" dirty="0" err="1">
+              <a:rPr lang="en-US" sz="1600" i="1" dirty="0">
+                <a:solidFill>
+                  <a:srgbClr val="2C3E50"/>
+                </a:solidFill>
+                <a:latin typeface="+mj-lt"/>
+              </a:rPr>
+              <a:t>V</a:t>
+            </a:r>
+            <a:r>
+              <a:rPr lang="en-US" sz="1600" b="0" i="1" dirty="0">
                 <a:solidFill>
                   <a:srgbClr val="2C3E50"/>
                 </a:solidFill>
                 <a:effectLst/>
                 <a:latin typeface="+mj-lt"/>
               </a:rPr>
-              <a:t>v&amp;v</a:t>
+              <a:t>&amp;</a:t>
+            </a:r>
+            <a:r>
+              <a:rPr lang="en-US" sz="1600" i="1" dirty="0">
+                <a:solidFill>
+                  <a:srgbClr val="2C3E50"/>
+                </a:solidFill>
+                <a:latin typeface="+mj-lt"/>
+              </a:rPr>
+              <a:t>V</a:t>
             </a:r>
             <a:r>
               <a:rPr lang="en-US" sz="1600" b="0" i="1" dirty="0">
@@ -20486,7 +22805,7 @@
             </a:endParaRPr>
           </a:p>
           <a:p>
-            <a:pPr marL="0" indent="0">
+            <a:pPr marL="0" indent="0" algn="just">
               <a:buNone/>
             </a:pPr>
             <a:r>
@@ -20586,7 +22905,7 @@
             </a:endParaRPr>
           </a:p>
           <a:p>
-            <a:pPr marL="0" indent="0">
+            <a:pPr marL="0" indent="0" algn="just">
               <a:buNone/>
             </a:pPr>
             <a:endParaRPr lang="en-US" sz="1600" dirty="0">
@@ -20596,7 +22915,7 @@
             </a:endParaRPr>
           </a:p>
           <a:p>
-            <a:pPr marL="0" indent="0">
+            <a:pPr marL="0" indent="0" algn="just">
               <a:buNone/>
             </a:pPr>
             <a:r>
@@ -21895,7 +24214,7 @@
             </a:pPr>
             <a:r>
               <a:rPr lang="fr-FR" sz="1600" dirty="0"/>
-              <a:t>La sortie du modèle correspond au déplacement axial des vertèbres. </a:t>
+              <a:t>La sortie du modèle correspond au déplacement postérieur des vertèbres. </a:t>
             </a:r>
           </a:p>
           <a:p>
@@ -21999,281 +24318,15 @@
           <a:lstStyle/>
           <a:p>
             <a:r>
-              <a:rPr lang="fr-FR" sz="3000"/>
-              <a:t>Discrétisation</a:t>
-            </a:r>
-            <a:endParaRPr lang="en-CA" sz="3000"/>
+              <a:rPr lang="fr-FR" sz="3000" dirty="0"/>
+              <a:t>Vérification de code</a:t>
+            </a:r>
+            <a:endParaRPr lang="en-CA" sz="3000" dirty="0"/>
           </a:p>
         </p:txBody>
       </p:sp>
-      <p:sp>
-        <p:nvSpPr>
-          <p:cNvPr id="3" name="Content Placeholder 2">
-            <a:extLst>
-              <a:ext uri="{FF2B5EF4-FFF2-40B4-BE49-F238E27FC236}">
-                <a16:creationId xmlns:a16="http://schemas.microsoft.com/office/drawing/2014/main" id="{57846E6E-541E-C380-2EC3-91AF5BEE61F6}"/>
-              </a:ext>
-            </a:extLst>
-          </p:cNvPr>
-          <p:cNvSpPr>
-            <a:spLocks noGrp="1"/>
-          </p:cNvSpPr>
-          <p:nvPr>
-            <p:ph idx="1"/>
-          </p:nvPr>
-        </p:nvSpPr>
-        <p:spPr>
-          <a:xfrm>
-            <a:off x="838200" y="1150374"/>
-            <a:ext cx="10515600" cy="5342501"/>
-          </a:xfrm>
-        </p:spPr>
-        <p:txBody>
-          <a:bodyPr vert="horz" lIns="91440" tIns="45720" rIns="91440" bIns="45720" rtlCol="0" anchor="t">
-            <a:normAutofit/>
-          </a:bodyPr>
-          <a:lstStyle/>
-          <a:p>
-            <a:pPr marL="0" indent="0">
-              <a:buNone/>
-            </a:pPr>
-            <a:r>
-              <a:rPr lang="en-CA" sz="1800" dirty="0">
-                <a:highlight>
-                  <a:srgbClr val="FFFF00"/>
-                </a:highlight>
-              </a:rPr>
-              <a:t>Elements </a:t>
-            </a:r>
-            <a:r>
-              <a:rPr lang="en-CA" sz="1800" dirty="0" err="1">
-                <a:highlight>
-                  <a:srgbClr val="FFFF00"/>
-                </a:highlight>
-              </a:rPr>
-              <a:t>d'ordre</a:t>
-            </a:r>
-            <a:r>
-              <a:rPr lang="en-CA" sz="1800" dirty="0">
-                <a:highlight>
-                  <a:srgbClr val="FFFF00"/>
-                </a:highlight>
-              </a:rPr>
-              <a:t> 2 avec interpolation </a:t>
-            </a:r>
-            <a:r>
-              <a:rPr lang="en-CA" sz="1800" dirty="0" err="1">
-                <a:highlight>
-                  <a:srgbClr val="FFFF00"/>
-                </a:highlight>
-              </a:rPr>
-              <a:t>lineaire</a:t>
-            </a:r>
-            <a:r>
-              <a:rPr lang="en-CA" sz="1800" dirty="0">
-                <a:highlight>
-                  <a:srgbClr val="FFFF00"/>
-                </a:highlight>
-              </a:rPr>
-              <a:t> entre les </a:t>
-            </a:r>
-            <a:r>
-              <a:rPr lang="en-CA" sz="1800" dirty="0" err="1">
-                <a:highlight>
-                  <a:srgbClr val="FFFF00"/>
-                </a:highlight>
-              </a:rPr>
-              <a:t>noeuds</a:t>
-            </a:r>
-            <a:endParaRPr lang="en-CA" sz="1800" dirty="0">
-              <a:highlight>
-                <a:srgbClr val="FFFF00"/>
-              </a:highlight>
-            </a:endParaRPr>
-          </a:p>
-          <a:p>
-            <a:pPr marL="0" indent="0">
-              <a:buNone/>
-            </a:pPr>
-            <a:endParaRPr lang="en-CA" sz="1800" dirty="0">
-              <a:highlight>
-                <a:srgbClr val="FFFF00"/>
-              </a:highlight>
-            </a:endParaRPr>
-          </a:p>
-          <a:p>
-            <a:pPr marL="0" indent="0">
-              <a:buNone/>
-            </a:pPr>
-            <a:endParaRPr lang="en-CA" sz="1800" dirty="0">
-              <a:highlight>
-                <a:srgbClr val="FFFF00"/>
-              </a:highlight>
-            </a:endParaRPr>
-          </a:p>
-          <a:p>
-            <a:pPr marL="0" indent="0">
-              <a:buNone/>
-            </a:pPr>
-            <a:r>
-              <a:rPr lang="en-CA" sz="1800" dirty="0" err="1">
-                <a:highlight>
-                  <a:srgbClr val="FFFF00"/>
-                </a:highlight>
-              </a:rPr>
-              <a:t>Inserer</a:t>
-            </a:r>
-            <a:r>
-              <a:rPr lang="en-CA" sz="1800" dirty="0">
-                <a:highlight>
-                  <a:srgbClr val="FFFF00"/>
-                </a:highlight>
-              </a:rPr>
-              <a:t> </a:t>
-            </a:r>
-            <a:r>
-              <a:rPr lang="en-CA" sz="1800" dirty="0" err="1">
-                <a:highlight>
-                  <a:srgbClr val="FFFF00"/>
-                </a:highlight>
-              </a:rPr>
-              <a:t>modele</a:t>
-            </a:r>
-            <a:r>
-              <a:rPr lang="en-CA" sz="1800" dirty="0">
-                <a:highlight>
-                  <a:srgbClr val="FFFF00"/>
-                </a:highlight>
-              </a:rPr>
-              <a:t> FEM de la </a:t>
-            </a:r>
-            <a:r>
-              <a:rPr lang="en-CA" sz="1800" dirty="0" err="1">
-                <a:highlight>
-                  <a:srgbClr val="FFFF00"/>
-                </a:highlight>
-              </a:rPr>
-              <a:t>partie</a:t>
-            </a:r>
-            <a:r>
-              <a:rPr lang="en-CA" sz="1800" dirty="0">
-                <a:highlight>
-                  <a:srgbClr val="FFFF00"/>
-                </a:highlight>
-              </a:rPr>
-              <a:t> </a:t>
-            </a:r>
-            <a:r>
-              <a:rPr lang="en-CA" sz="1800" dirty="0" err="1">
-                <a:highlight>
-                  <a:srgbClr val="FFFF00"/>
-                </a:highlight>
-              </a:rPr>
-              <a:t>lombaire</a:t>
-            </a:r>
-            <a:r>
-              <a:rPr lang="en-CA" sz="1800" dirty="0">
-                <a:highlight>
-                  <a:srgbClr val="FFFF00"/>
-                </a:highlight>
-              </a:rPr>
-              <a:t> </a:t>
-            </a:r>
-            <a:r>
-              <a:rPr lang="en-CA" sz="1800" dirty="0" err="1">
-                <a:highlight>
-                  <a:srgbClr val="FFFF00"/>
-                </a:highlight>
-              </a:rPr>
-              <a:t>seulement</a:t>
-            </a:r>
-            <a:r>
-              <a:rPr lang="en-CA" sz="1800" dirty="0">
-                <a:highlight>
-                  <a:srgbClr val="FFFF00"/>
-                </a:highlight>
-              </a:rPr>
-              <a:t>?</a:t>
-            </a:r>
-          </a:p>
-        </p:txBody>
-      </p:sp>
-    </p:spTree>
-    <p:extLst>
-      <p:ext uri="{BB962C8B-B14F-4D97-AF65-F5344CB8AC3E}">
-        <p14:creationId xmlns:p14="http://schemas.microsoft.com/office/powerpoint/2010/main" val="1200750332"/>
-      </p:ext>
-    </p:extLst>
-  </p:cSld>
-  <p:clrMapOvr>
-    <a:masterClrMapping/>
-  </p:clrMapOvr>
-</p:sld>
-</file>
-
-<file path=ppt/slides/slide7.xml><?xml version="1.0" encoding="utf-8"?>
-<p:sld xmlns:a="http://schemas.openxmlformats.org/drawingml/2006/main" xmlns:r="http://schemas.openxmlformats.org/officeDocument/2006/relationships" xmlns:p="http://schemas.openxmlformats.org/presentationml/2006/main">
-  <p:cSld>
-    <p:spTree>
-      <p:nvGrpSpPr>
-        <p:cNvPr id="1" name=""/>
-        <p:cNvGrpSpPr/>
-        <p:nvPr/>
-      </p:nvGrpSpPr>
-      <p:grpSpPr>
-        <a:xfrm>
-          <a:off x="0" y="0"/>
-          <a:ext cx="0" cy="0"/>
-          <a:chOff x="0" y="0"/>
-          <a:chExt cx="0" cy="0"/>
-        </a:xfrm>
-      </p:grpSpPr>
-      <p:sp>
-        <p:nvSpPr>
-          <p:cNvPr id="2" name="Title 1">
-            <a:extLst>
-              <a:ext uri="{FF2B5EF4-FFF2-40B4-BE49-F238E27FC236}">
-                <a16:creationId xmlns:a16="http://schemas.microsoft.com/office/drawing/2014/main" id="{E0220718-7085-48D6-FCCC-6D486EF513A7}"/>
-              </a:ext>
-            </a:extLst>
-          </p:cNvPr>
-          <p:cNvSpPr>
-            <a:spLocks noGrp="1"/>
-          </p:cNvSpPr>
-          <p:nvPr>
-            <p:ph type="title"/>
-          </p:nvPr>
-        </p:nvSpPr>
-        <p:spPr>
-          <a:xfrm>
-            <a:off x="838200" y="365125"/>
-            <a:ext cx="9308690" cy="706591"/>
-          </a:xfrm>
-        </p:spPr>
-        <p:txBody>
-          <a:bodyPr>
-            <a:normAutofit/>
-          </a:bodyPr>
-          <a:lstStyle/>
-          <a:p>
-            <a:r>
-              <a:rPr lang="fr-FR" sz="3000" dirty="0">
-                <a:highlight>
-                  <a:srgbClr val="FFFF00"/>
-                </a:highlight>
-              </a:rPr>
-              <a:t>Vérification de code</a:t>
-            </a:r>
-            <a:endParaRPr lang="en-CA" sz="3000" dirty="0">
-              <a:highlight>
-                <a:srgbClr val="FFFF00"/>
-              </a:highlight>
-            </a:endParaRPr>
-          </a:p>
-        </p:txBody>
-      </p:sp>
-      <mc:AlternateContent xmlns:mc="http://schemas.openxmlformats.org/markup-compatibility/2006" xmlns:a14="http://schemas.microsoft.com/office/drawing/2010/main">
-        <mc:Choice Requires="a14">
+      <mc:AlternateContent xmlns:mc="http://schemas.openxmlformats.org/markup-compatibility/2006">
+        <mc:Choice xmlns:a14="http://schemas.microsoft.com/office/drawing/2010/main" Requires="a14">
           <p:sp>
             <p:nvSpPr>
               <p:cNvPr id="3" name="Content Placeholder 2">
@@ -22303,20 +24356,26 @@
               <a:lstStyle/>
               <a:p>
                 <a:pPr marL="0" indent="0" algn="just">
+                  <a:lnSpc>
+                    <a:spcPct val="100000"/>
+                  </a:lnSpc>
                   <a:buNone/>
                 </a:pPr>
                 <a:r>
                   <a:rPr lang="fr-CA" sz="1800" dirty="0"/>
-                  <a:t>Tout d’abord il faut noter que l’utilisation de SimCenter 3D confère une certaine confiance dans les résultats des simulations puisque ce dernier est supposé complètement vérifié par son éditeur. </a:t>
+                  <a:t>Pour commencer, il faut noter que l’utilisation de SimCenter 3D confère une certaine confiance aux résultats des simulations puisque ce dernier est supposé complètement vérifié par son éditeur. </a:t>
                 </a:r>
               </a:p>
               <a:p>
                 <a:pPr marL="0" indent="0" algn="just">
+                  <a:lnSpc>
+                    <a:spcPct val="100000"/>
+                  </a:lnSpc>
                   <a:buNone/>
                 </a:pPr>
                 <a:r>
                   <a:rPr lang="fr-CA" sz="1800" dirty="0"/>
-                  <a:t>Cependant, notre modèle FEM de la colonne vertébrale est formé de 2 types d’éléments différents. Alors nous avons choisi dans une tentative d’effectuer la vérification de code du logiciel SimCenter, de comparer la solution qu’il génère pour une poutre encastrée-libre (ce sera la solution numérique), avec le résultat la solution analytique connue</a:t>
+                  <a:t>Cependant, notre modèle FEM de la colonne vertébrale est formé de 2 types d’éléments différents. Alors nous avons choisi, dans une tentative d’effectuer la vérification de code du logiciel SimCenter, de comparer la solution qu’il génère pour une poutre encastrée-libre (ce sera la solution numérique), avec le résultat la solution analytique connue</a:t>
                 </a:r>
                 <a:r>
                   <a:rPr lang="fr-CA" sz="1800" dirty="0">
@@ -22324,11 +24383,11 @@
                       <a:srgbClr val="FFFF00"/>
                     </a:highlight>
                   </a:rPr>
-                  <a:t>(?) </a:t>
+                  <a:t> </a:t>
                 </a:r>
                 <a:r>
                   <a:rPr lang="fr-CA" sz="1800" dirty="0"/>
-                  <a:t> d’une poutre d’Euler soit </a:t>
+                  <a:t>d’une poutre d’Euler soit </a:t>
                 </a:r>
                 <a14:m>
                   <m:oMath xmlns:m="http://schemas.openxmlformats.org/officeDocument/2006/math">
@@ -22462,6 +24521,9 @@
               </a:p>
               <a:p>
                 <a:pPr marL="0" indent="0" algn="just">
+                  <a:lnSpc>
+                    <a:spcPct val="100000"/>
+                  </a:lnSpc>
                   <a:buNone/>
                 </a:pPr>
                 <a:r>
@@ -22478,7 +24540,7 @@
             </p:txBody>
           </p:sp>
         </mc:Choice>
-        <mc:Fallback xmlns="">
+        <mc:Fallback>
           <p:sp>
             <p:nvSpPr>
               <p:cNvPr id="3" name="Content Placeholder 2">
@@ -22503,7 +24565,7 @@
               <a:blipFill>
                 <a:blip r:embed="rId3"/>
                 <a:stretch>
-                  <a:fillRect l="-522" t="-1142" r="-464"/>
+                  <a:fillRect l="-522" t="-571" r="-464"/>
                 </a:stretch>
               </a:blipFill>
             </p:spPr>
@@ -22512,7 +24574,7 @@
               <a:lstStyle/>
               <a:p>
                 <a:r>
-                  <a:rPr lang="fr-FR">
+                  <a:rPr lang="en-CA">
                     <a:noFill/>
                   </a:rPr>
                   <a:t> </a:t>
@@ -22537,13 +24599,13 @@
           <p:nvPr>
             <p:extLst>
               <p:ext uri="{D42A27DB-BD31-4B8C-83A1-F6EECF244321}">
-                <p14:modId xmlns:p14="http://schemas.microsoft.com/office/powerpoint/2010/main" val="2310139198"/>
+                <p14:modId xmlns:p14="http://schemas.microsoft.com/office/powerpoint/2010/main" val="2053614699"/>
               </p:ext>
             </p:extLst>
           </p:nvPr>
         </p:nvGraphicFramePr>
         <p:xfrm>
-          <a:off x="3747052" y="3821624"/>
+          <a:off x="3646004" y="4477607"/>
           <a:ext cx="4899991" cy="1828800"/>
         </p:xfrm>
         <a:graphic>
@@ -22622,7 +24684,7 @@
                     <a:p>
                       <a:r>
                         <a:rPr lang="fr-FR" dirty="0"/>
-                        <a:t>1N</a:t>
+                        <a:t>1 N</a:t>
                       </a:r>
                     </a:p>
                   </a:txBody>
@@ -22655,7 +24717,7 @@
                     <a:p>
                       <a:r>
                         <a:rPr lang="fr-FR" dirty="0"/>
-                        <a:t>500mm</a:t>
+                        <a:t>500 mm</a:t>
                       </a:r>
                     </a:p>
                   </a:txBody>
@@ -22748,7 +24810,7 @@
         </p:nvSpPr>
         <p:spPr>
           <a:xfrm>
-            <a:off x="3599622" y="3544625"/>
+            <a:off x="3646004" y="4141830"/>
             <a:ext cx="5435048" cy="276999"/>
           </a:xfrm>
           <a:prstGeom prst="rect">
@@ -22788,7 +24850,15 @@
             </a:r>
             <a:r>
               <a:rPr lang="en-CA" sz="1200" dirty="0"/>
-              <a:t> pour la verification de code</a:t>
+              <a:t> pour la </a:t>
+            </a:r>
+            <a:r>
+              <a:rPr lang="en-CA" sz="1200" dirty="0" err="1"/>
+              <a:t>vérification</a:t>
+            </a:r>
+            <a:r>
+              <a:rPr lang="en-CA" sz="1200" dirty="0"/>
+              <a:t> de code</a:t>
             </a:r>
             <a:endParaRPr lang="fr-FR" sz="1200" dirty="0"/>
           </a:p>
@@ -22798,6 +24868,167 @@
     <p:extLst>
       <p:ext uri="{BB962C8B-B14F-4D97-AF65-F5344CB8AC3E}">
         <p14:creationId xmlns:p14="http://schemas.microsoft.com/office/powerpoint/2010/main" val="787268651"/>
+      </p:ext>
+    </p:extLst>
+  </p:cSld>
+  <p:clrMapOvr>
+    <a:masterClrMapping/>
+  </p:clrMapOvr>
+  <p:extLst>
+    <p:ext uri="{6950BFC3-D8DA-4A85-94F7-54DA5524770B}">
+      <p188:commentRel xmlns:p188="http://schemas.microsoft.com/office/powerpoint/2018/8/main" r:id="rId2"/>
+    </p:ext>
+  </p:extLst>
+</p:sld>
+</file>
+
+<file path=ppt/slides/slide7.xml><?xml version="1.0" encoding="utf-8"?>
+<p:sld xmlns:a="http://schemas.openxmlformats.org/drawingml/2006/main" xmlns:r="http://schemas.openxmlformats.org/officeDocument/2006/relationships" xmlns:p="http://schemas.openxmlformats.org/presentationml/2006/main">
+  <p:cSld>
+    <p:spTree>
+      <p:nvGrpSpPr>
+        <p:cNvPr id="1" name=""/>
+        <p:cNvGrpSpPr/>
+        <p:nvPr/>
+      </p:nvGrpSpPr>
+      <p:grpSpPr>
+        <a:xfrm>
+          <a:off x="0" y="0"/>
+          <a:ext cx="0" cy="0"/>
+          <a:chOff x="0" y="0"/>
+          <a:chExt cx="0" cy="0"/>
+        </a:xfrm>
+      </p:grpSpPr>
+      <p:sp>
+        <p:nvSpPr>
+          <p:cNvPr id="2" name="Title 1">
+            <a:extLst>
+              <a:ext uri="{FF2B5EF4-FFF2-40B4-BE49-F238E27FC236}">
+                <a16:creationId xmlns:a16="http://schemas.microsoft.com/office/drawing/2014/main" id="{E0220718-7085-48D6-FCCC-6D486EF513A7}"/>
+              </a:ext>
+            </a:extLst>
+          </p:cNvPr>
+          <p:cNvSpPr>
+            <a:spLocks noGrp="1"/>
+          </p:cNvSpPr>
+          <p:nvPr>
+            <p:ph type="title"/>
+          </p:nvPr>
+        </p:nvSpPr>
+        <p:spPr>
+          <a:xfrm>
+            <a:off x="838200" y="365125"/>
+            <a:ext cx="9308690" cy="706591"/>
+          </a:xfrm>
+        </p:spPr>
+        <p:txBody>
+          <a:bodyPr>
+            <a:normAutofit/>
+          </a:bodyPr>
+          <a:lstStyle/>
+          <a:p>
+            <a:r>
+              <a:rPr lang="fr-FR" sz="3000" dirty="0"/>
+              <a:t>Vérification de code</a:t>
+            </a:r>
+            <a:endParaRPr lang="en-CA" sz="3000" dirty="0"/>
+          </a:p>
+        </p:txBody>
+      </p:sp>
+      <p:sp>
+        <p:nvSpPr>
+          <p:cNvPr id="3" name="Content Placeholder 2">
+            <a:extLst>
+              <a:ext uri="{FF2B5EF4-FFF2-40B4-BE49-F238E27FC236}">
+                <a16:creationId xmlns:a16="http://schemas.microsoft.com/office/drawing/2014/main" id="{57846E6E-541E-C380-2EC3-91AF5BEE61F6}"/>
+              </a:ext>
+            </a:extLst>
+          </p:cNvPr>
+          <p:cNvSpPr>
+            <a:spLocks noGrp="1"/>
+          </p:cNvSpPr>
+          <p:nvPr>
+            <p:ph idx="1"/>
+          </p:nvPr>
+        </p:nvSpPr>
+        <p:spPr>
+          <a:xfrm>
+            <a:off x="838200" y="1150375"/>
+            <a:ext cx="10515600" cy="3689982"/>
+          </a:xfrm>
+        </p:spPr>
+        <p:txBody>
+          <a:bodyPr vert="horz" lIns="91440" tIns="45720" rIns="91440" bIns="45720" rtlCol="0" anchor="t">
+            <a:normAutofit/>
+          </a:bodyPr>
+          <a:lstStyle/>
+          <a:p>
+            <a:pPr marL="0" indent="0" algn="just">
+              <a:buNone/>
+            </a:pPr>
+            <a:r>
+              <a:rPr lang="fr-FR" sz="1800" dirty="0"/>
+              <a:t>Pour modéliser un élément Poutre, </a:t>
+            </a:r>
+            <a:r>
+              <a:rPr lang="fr-FR" sz="1800" dirty="0" err="1"/>
+              <a:t>SimCenter</a:t>
+            </a:r>
+            <a:r>
+              <a:rPr lang="fr-FR" sz="1800" dirty="0"/>
+              <a:t> utilise la formulation de Timoshenko qui est une équation différentielle d’ordre 2 (voir page 3).</a:t>
+            </a:r>
+          </a:p>
+          <a:p>
+            <a:pPr marL="0" indent="0" algn="just">
+              <a:buNone/>
+            </a:pPr>
+            <a:r>
+              <a:rPr lang="fr-FR" sz="1800" dirty="0"/>
+              <a:t>Ainsi les fonctions de forme utilisées pour l’interpolation entre deux nœuds sont, au plus, des fonctions linéaires.</a:t>
+            </a:r>
+          </a:p>
+          <a:p>
+            <a:pPr marL="0" indent="0" algn="just">
+              <a:buNone/>
+            </a:pPr>
+            <a:r>
+              <a:rPr lang="fr-FR" sz="1800" dirty="0"/>
+              <a:t>Cependant la formulation d’une poutre d’Euler est une équation différentielle de d’ordre 4, qui nécessite au minimum des fonctions de forme quadratiques.</a:t>
+            </a:r>
+          </a:p>
+          <a:p>
+            <a:pPr marL="0" indent="0" algn="just">
+              <a:buNone/>
+            </a:pPr>
+            <a:r>
+              <a:rPr lang="fr-FR" sz="1800" dirty="0"/>
+              <a:t>Ceci aurait dû annoncer dès le départ l’incompatibilité des deux formulations, mais c’est malheureusement quelque chose que nous n’avons réalisé que trop tard, quand nous ne sommes pas arrivés au bon ordre de convergence malgré tous nos essais, et après consultation du professeur David </a:t>
+            </a:r>
+            <a:r>
+              <a:rPr lang="fr-FR" sz="1800" dirty="0" err="1"/>
+              <a:t>Mélançon</a:t>
+            </a:r>
+            <a:r>
+              <a:rPr lang="fr-FR" sz="1800" dirty="0"/>
+              <a:t> qui a attiré notre attention sur cette incohérence.</a:t>
+            </a:r>
+          </a:p>
+          <a:p>
+            <a:pPr marL="0" indent="0" algn="just">
+              <a:buNone/>
+            </a:pPr>
+            <a:r>
+              <a:rPr lang="fr-FR" sz="1800" dirty="0"/>
+              <a:t>Les tentatives et résultats de notre analyse de convergence sont quand même présentés dans ce qui suit.</a:t>
+            </a:r>
+          </a:p>
+        </p:txBody>
+      </p:sp>
+    </p:spTree>
+    <p:extLst>
+      <p:ext uri="{BB962C8B-B14F-4D97-AF65-F5344CB8AC3E}">
+        <p14:creationId xmlns:p14="http://schemas.microsoft.com/office/powerpoint/2010/main" val="1200750332"/>
       </p:ext>
     </p:extLst>
   </p:cSld>
@@ -22858,18 +25089,221 @@
           <a:lstStyle/>
           <a:p>
             <a:r>
-              <a:rPr lang="fr-FR" sz="3000" dirty="0">
-                <a:highlight>
-                  <a:srgbClr val="FFFF00"/>
-                </a:highlight>
-              </a:rPr>
+              <a:rPr lang="fr-FR" sz="3000" dirty="0"/>
               <a:t>Vérification de code</a:t>
             </a:r>
-            <a:endParaRPr lang="en-CA" sz="3000" dirty="0">
-              <a:highlight>
-                <a:srgbClr val="FFFF00"/>
-              </a:highlight>
-            </a:endParaRPr>
+            <a:endParaRPr lang="en-CA" sz="3000" dirty="0"/>
+          </a:p>
+        </p:txBody>
+      </p:sp>
+      <p:sp>
+        <p:nvSpPr>
+          <p:cNvPr id="3" name="Content Placeholder 2">
+            <a:extLst>
+              <a:ext uri="{FF2B5EF4-FFF2-40B4-BE49-F238E27FC236}">
+                <a16:creationId xmlns:a16="http://schemas.microsoft.com/office/drawing/2014/main" id="{57846E6E-541E-C380-2EC3-91AF5BEE61F6}"/>
+              </a:ext>
+            </a:extLst>
+          </p:cNvPr>
+          <p:cNvSpPr>
+            <a:spLocks noGrp="1"/>
+          </p:cNvSpPr>
+          <p:nvPr>
+            <p:ph idx="1"/>
+          </p:nvPr>
+        </p:nvSpPr>
+        <p:spPr>
+          <a:xfrm>
+            <a:off x="838200" y="1150375"/>
+            <a:ext cx="3183194" cy="5427406"/>
+          </a:xfrm>
+        </p:spPr>
+        <p:txBody>
+          <a:bodyPr vert="horz" lIns="91440" tIns="45720" rIns="91440" bIns="45720" rtlCol="0" anchor="t">
+            <a:normAutofit/>
+          </a:bodyPr>
+          <a:lstStyle/>
+          <a:p>
+            <a:pPr marL="0" indent="0" algn="just">
+              <a:buNone/>
+            </a:pPr>
+            <a:r>
+              <a:rPr lang="fr-FR" sz="1800" dirty="0"/>
+              <a:t>En lançant les simulations avec des maillages de plus en plus fins, on observe que la solution numérique générée par </a:t>
+            </a:r>
+            <a:r>
+              <a:rPr lang="fr-FR" sz="1800" dirty="0" err="1"/>
+              <a:t>SimCenter</a:t>
+            </a:r>
+            <a:r>
+              <a:rPr lang="fr-FR" sz="1800" dirty="0"/>
+              <a:t> se rapproche de la solution analytique de la poutre d’Euler, jusqu’à ce que les courbes deviennent confondues à partir de n=32 éléments.</a:t>
+            </a:r>
+          </a:p>
+          <a:p>
+            <a:pPr marL="0" indent="0" algn="just">
+              <a:buNone/>
+            </a:pPr>
+            <a:r>
+              <a:rPr lang="fr-FR" sz="1800" dirty="0"/>
+              <a:t>Cependant on note aussi, comme attendu que les interpolations entre 2 nœuds sont linéaires. Ainsi les solutions aux nœuds sont exactes mais l’erreur apparait en comparant les résultats internodaux.</a:t>
+            </a:r>
+          </a:p>
+        </p:txBody>
+      </p:sp>
+      <p:graphicFrame>
+        <p:nvGraphicFramePr>
+          <p:cNvPr id="4" name="Chart 3">
+            <a:extLst>
+              <a:ext uri="{FF2B5EF4-FFF2-40B4-BE49-F238E27FC236}">
+                <a16:creationId xmlns:a16="http://schemas.microsoft.com/office/drawing/2014/main" id="{3A30FDD7-43B2-46A1-8E9E-CD345E38816B}"/>
+              </a:ext>
+            </a:extLst>
+          </p:cNvPr>
+          <p:cNvGraphicFramePr>
+            <a:graphicFrameLocks/>
+          </p:cNvGraphicFramePr>
+          <p:nvPr>
+            <p:extLst>
+              <p:ext uri="{D42A27DB-BD31-4B8C-83A1-F6EECF244321}">
+                <p14:modId xmlns:p14="http://schemas.microsoft.com/office/powerpoint/2010/main" val="1112944858"/>
+              </p:ext>
+            </p:extLst>
+          </p:nvPr>
+        </p:nvGraphicFramePr>
+        <p:xfrm>
+          <a:off x="4149214" y="909489"/>
+          <a:ext cx="7852856" cy="5530644"/>
+        </p:xfrm>
+        <a:graphic>
+          <a:graphicData uri="http://schemas.openxmlformats.org/drawingml/2006/chart">
+            <c:chart xmlns:c="http://schemas.openxmlformats.org/drawingml/2006/chart" xmlns:r="http://schemas.openxmlformats.org/officeDocument/2006/relationships" r:id="rId2"/>
+          </a:graphicData>
+        </a:graphic>
+      </p:graphicFrame>
+      <p:sp>
+        <p:nvSpPr>
+          <p:cNvPr id="5" name="ZoneTexte 4">
+            <a:extLst>
+              <a:ext uri="{FF2B5EF4-FFF2-40B4-BE49-F238E27FC236}">
+                <a16:creationId xmlns:a16="http://schemas.microsoft.com/office/drawing/2014/main" id="{5B77A3C8-BA77-5C51-CD07-3D4CA97C151B}"/>
+              </a:ext>
+            </a:extLst>
+          </p:cNvPr>
+          <p:cNvSpPr txBox="1"/>
+          <p:nvPr/>
+        </p:nvSpPr>
+        <p:spPr>
+          <a:xfrm>
+            <a:off x="5740284" y="6440133"/>
+            <a:ext cx="5435048" cy="276999"/>
+          </a:xfrm>
+          <a:prstGeom prst="rect">
+            <a:avLst/>
+          </a:prstGeom>
+          <a:noFill/>
+        </p:spPr>
+        <p:txBody>
+          <a:bodyPr wrap="square" rtlCol="0">
+            <a:spAutoFit/>
+          </a:bodyPr>
+          <a:lstStyle/>
+          <a:p>
+            <a:r>
+              <a:rPr lang="fr-FR" sz="1200" dirty="0"/>
+              <a:t>Fig. 2. </a:t>
+            </a:r>
+            <a:r>
+              <a:rPr lang="en-CA" sz="1200" dirty="0" err="1"/>
+              <a:t>Valeurs</a:t>
+            </a:r>
+            <a:r>
+              <a:rPr lang="en-CA" sz="1200" dirty="0"/>
+              <a:t> des </a:t>
+            </a:r>
+            <a:r>
+              <a:rPr lang="en-CA" sz="1200" dirty="0" err="1"/>
+              <a:t>constantes</a:t>
+            </a:r>
+            <a:r>
+              <a:rPr lang="en-CA" sz="1200" dirty="0"/>
+              <a:t> </a:t>
+            </a:r>
+            <a:r>
+              <a:rPr lang="en-CA" sz="1200" dirty="0" err="1"/>
+              <a:t>utilisées</a:t>
+            </a:r>
+            <a:r>
+              <a:rPr lang="en-CA" sz="1200" dirty="0"/>
+              <a:t> pour la verification de code</a:t>
+            </a:r>
+            <a:endParaRPr lang="fr-FR" sz="1200" dirty="0"/>
+          </a:p>
+        </p:txBody>
+      </p:sp>
+    </p:spTree>
+    <p:extLst>
+      <p:ext uri="{BB962C8B-B14F-4D97-AF65-F5344CB8AC3E}">
+        <p14:creationId xmlns:p14="http://schemas.microsoft.com/office/powerpoint/2010/main" val="3789193543"/>
+      </p:ext>
+    </p:extLst>
+  </p:cSld>
+  <p:clrMapOvr>
+    <a:masterClrMapping/>
+  </p:clrMapOvr>
+</p:sld>
+</file>
+
+<file path=ppt/slides/slide9.xml><?xml version="1.0" encoding="utf-8"?>
+<p:sld xmlns:a="http://schemas.openxmlformats.org/drawingml/2006/main" xmlns:r="http://schemas.openxmlformats.org/officeDocument/2006/relationships" xmlns:p="http://schemas.openxmlformats.org/presentationml/2006/main">
+  <p:cSld>
+    <p:spTree>
+      <p:nvGrpSpPr>
+        <p:cNvPr id="1" name=""/>
+        <p:cNvGrpSpPr/>
+        <p:nvPr/>
+      </p:nvGrpSpPr>
+      <p:grpSpPr>
+        <a:xfrm>
+          <a:off x="0" y="0"/>
+          <a:ext cx="0" cy="0"/>
+          <a:chOff x="0" y="0"/>
+          <a:chExt cx="0" cy="0"/>
+        </a:xfrm>
+      </p:grpSpPr>
+      <p:sp>
+        <p:nvSpPr>
+          <p:cNvPr id="2" name="Title 1">
+            <a:extLst>
+              <a:ext uri="{FF2B5EF4-FFF2-40B4-BE49-F238E27FC236}">
+                <a16:creationId xmlns:a16="http://schemas.microsoft.com/office/drawing/2014/main" id="{E0220718-7085-48D6-FCCC-6D486EF513A7}"/>
+              </a:ext>
+            </a:extLst>
+          </p:cNvPr>
+          <p:cNvSpPr>
+            <a:spLocks noGrp="1"/>
+          </p:cNvSpPr>
+          <p:nvPr>
+            <p:ph type="title"/>
+          </p:nvPr>
+        </p:nvSpPr>
+        <p:spPr>
+          <a:xfrm>
+            <a:off x="838200" y="365125"/>
+            <a:ext cx="9308690" cy="706591"/>
+          </a:xfrm>
+        </p:spPr>
+        <p:txBody>
+          <a:bodyPr>
+            <a:normAutofit/>
+          </a:bodyPr>
+          <a:lstStyle/>
+          <a:p>
+            <a:r>
+              <a:rPr lang="fr-FR" sz="3000" dirty="0"/>
+              <a:t>Vérification de code</a:t>
+            </a:r>
+            <a:endParaRPr lang="en-CA" sz="3000" dirty="0"/>
           </a:p>
         </p:txBody>
       </p:sp>
@@ -23527,13 +25961,13 @@
           <p:nvPr>
             <p:extLst>
               <p:ext uri="{D42A27DB-BD31-4B8C-83A1-F6EECF244321}">
-                <p14:modId xmlns:p14="http://schemas.microsoft.com/office/powerpoint/2010/main" val="2522707038"/>
+                <p14:modId xmlns:p14="http://schemas.microsoft.com/office/powerpoint/2010/main" val="663502251"/>
               </p:ext>
             </p:extLst>
           </p:nvPr>
         </p:nvGraphicFramePr>
         <p:xfrm>
-          <a:off x="3500283" y="1887793"/>
+          <a:off x="3500283" y="1858297"/>
           <a:ext cx="7355041" cy="4098140"/>
         </p:xfrm>
         <a:graphic>
@@ -23542,6 +25976,130 @@
           </a:graphicData>
         </a:graphic>
       </p:graphicFrame>
+      <p:sp>
+        <p:nvSpPr>
+          <p:cNvPr id="4" name="ZoneTexte 4">
+            <a:extLst>
+              <a:ext uri="{FF2B5EF4-FFF2-40B4-BE49-F238E27FC236}">
+                <a16:creationId xmlns:a16="http://schemas.microsoft.com/office/drawing/2014/main" id="{1C1EA7A2-B906-0687-7FAB-E254C5ACBEF8}"/>
+              </a:ext>
+            </a:extLst>
+          </p:cNvPr>
+          <p:cNvSpPr txBox="1"/>
+          <p:nvPr/>
+        </p:nvSpPr>
+        <p:spPr>
+          <a:xfrm>
+            <a:off x="5420276" y="5866798"/>
+            <a:ext cx="5435048" cy="276999"/>
+          </a:xfrm>
+          <a:prstGeom prst="rect">
+            <a:avLst/>
+          </a:prstGeom>
+          <a:noFill/>
+        </p:spPr>
+        <p:txBody>
+          <a:bodyPr wrap="square" rtlCol="0">
+            <a:spAutoFit/>
+          </a:bodyPr>
+          <a:lstStyle/>
+          <a:p>
+            <a:r>
+              <a:rPr lang="fr-FR" sz="1200" dirty="0"/>
+              <a:t>Fig.3. </a:t>
+            </a:r>
+            <a:r>
+              <a:rPr lang="en-CA" sz="1200" dirty="0"/>
+              <a:t>Convergence de </a:t>
+            </a:r>
+            <a:r>
+              <a:rPr lang="en-CA" sz="1200" dirty="0" err="1"/>
+              <a:t>l’erreur</a:t>
+            </a:r>
+            <a:r>
+              <a:rPr lang="en-CA" sz="1200" dirty="0"/>
+              <a:t> L2 </a:t>
+            </a:r>
+            <a:r>
+              <a:rPr lang="en-CA" sz="1200" dirty="0" err="1"/>
+              <a:t>en</a:t>
+            </a:r>
+            <a:r>
+              <a:rPr lang="en-CA" sz="1200" dirty="0"/>
+              <a:t> </a:t>
+            </a:r>
+            <a:r>
+              <a:rPr lang="en-CA" sz="1200" dirty="0" err="1"/>
+              <a:t>fonction</a:t>
+            </a:r>
+            <a:r>
+              <a:rPr lang="en-CA" sz="1200" dirty="0"/>
+              <a:t> du pas dx</a:t>
+            </a:r>
+            <a:endParaRPr lang="fr-FR" sz="1200" dirty="0"/>
+          </a:p>
+        </p:txBody>
+      </p:sp>
+      <p:sp>
+        <p:nvSpPr>
+          <p:cNvPr id="7" name="ZoneTexte 4">
+            <a:extLst>
+              <a:ext uri="{FF2B5EF4-FFF2-40B4-BE49-F238E27FC236}">
+                <a16:creationId xmlns:a16="http://schemas.microsoft.com/office/drawing/2014/main" id="{D171DBA5-F2AB-1803-42AF-95DB866C9BD0}"/>
+              </a:ext>
+            </a:extLst>
+          </p:cNvPr>
+          <p:cNvSpPr txBox="1"/>
+          <p:nvPr/>
+        </p:nvSpPr>
+        <p:spPr>
+          <a:xfrm>
+            <a:off x="1113503" y="5866798"/>
+            <a:ext cx="2111477" cy="461665"/>
+          </a:xfrm>
+          <a:prstGeom prst="rect">
+            <a:avLst/>
+          </a:prstGeom>
+          <a:noFill/>
+        </p:spPr>
+        <p:txBody>
+          <a:bodyPr wrap="square" rtlCol="0">
+            <a:spAutoFit/>
+          </a:bodyPr>
+          <a:lstStyle/>
+          <a:p>
+            <a:r>
+              <a:rPr lang="fr-FR" sz="1200" dirty="0"/>
+              <a:t>Tableau 2. </a:t>
+            </a:r>
+            <a:r>
+              <a:rPr lang="en-CA" sz="1200" dirty="0"/>
+              <a:t>Valeur de </a:t>
+            </a:r>
+            <a:r>
+              <a:rPr lang="en-CA" sz="1200" dirty="0" err="1"/>
+              <a:t>l’erreur</a:t>
+            </a:r>
+            <a:r>
+              <a:rPr lang="en-CA" sz="1200" dirty="0"/>
+              <a:t> L2 pour </a:t>
+            </a:r>
+            <a:r>
+              <a:rPr lang="en-CA" sz="1200" dirty="0" err="1"/>
+              <a:t>différents</a:t>
+            </a:r>
+            <a:r>
+              <a:rPr lang="en-CA" sz="1200" dirty="0"/>
+              <a:t> </a:t>
+            </a:r>
+            <a:r>
+              <a:rPr lang="en-CA" sz="1200" dirty="0" err="1"/>
+              <a:t>maillages</a:t>
+            </a:r>
+            <a:endParaRPr lang="fr-FR" sz="1200" dirty="0"/>
+          </a:p>
+        </p:txBody>
+      </p:sp>
     </p:spTree>
     <p:extLst>
       <p:ext uri="{BB962C8B-B14F-4D97-AF65-F5344CB8AC3E}">
@@ -23552,307 +26110,6 @@
   <p:clrMapOvr>
     <a:masterClrMapping/>
   </p:clrMapOvr>
-</p:sld>
-</file>
-
-<file path=ppt/slides/slide9.xml><?xml version="1.0" encoding="utf-8"?>
-<p:sld xmlns:a="http://schemas.openxmlformats.org/drawingml/2006/main" xmlns:r="http://schemas.openxmlformats.org/officeDocument/2006/relationships" xmlns:p="http://schemas.openxmlformats.org/presentationml/2006/main">
-  <p:cSld>
-    <p:spTree>
-      <p:nvGrpSpPr>
-        <p:cNvPr id="1" name=""/>
-        <p:cNvGrpSpPr/>
-        <p:nvPr/>
-      </p:nvGrpSpPr>
-      <p:grpSpPr>
-        <a:xfrm>
-          <a:off x="0" y="0"/>
-          <a:ext cx="0" cy="0"/>
-          <a:chOff x="0" y="0"/>
-          <a:chExt cx="0" cy="0"/>
-        </a:xfrm>
-      </p:grpSpPr>
-      <p:sp>
-        <p:nvSpPr>
-          <p:cNvPr id="2" name="Title 1">
-            <a:extLst>
-              <a:ext uri="{FF2B5EF4-FFF2-40B4-BE49-F238E27FC236}">
-                <a16:creationId xmlns:a16="http://schemas.microsoft.com/office/drawing/2014/main" id="{E0220718-7085-48D6-FCCC-6D486EF513A7}"/>
-              </a:ext>
-            </a:extLst>
-          </p:cNvPr>
-          <p:cNvSpPr>
-            <a:spLocks noGrp="1"/>
-          </p:cNvSpPr>
-          <p:nvPr>
-            <p:ph type="title"/>
-          </p:nvPr>
-        </p:nvSpPr>
-        <p:spPr>
-          <a:xfrm>
-            <a:off x="838200" y="365125"/>
-            <a:ext cx="9308690" cy="706591"/>
-          </a:xfrm>
-        </p:spPr>
-        <p:txBody>
-          <a:bodyPr>
-            <a:normAutofit/>
-          </a:bodyPr>
-          <a:lstStyle/>
-          <a:p>
-            <a:r>
-              <a:rPr lang="fr-FR" sz="3000" dirty="0">
-                <a:highlight>
-                  <a:srgbClr val="FFFF00"/>
-                </a:highlight>
-              </a:rPr>
-              <a:t>Vérification de code</a:t>
-            </a:r>
-            <a:endParaRPr lang="en-CA" sz="3000" dirty="0">
-              <a:highlight>
-                <a:srgbClr val="FFFF00"/>
-              </a:highlight>
-            </a:endParaRPr>
-          </a:p>
-        </p:txBody>
-      </p:sp>
-      <mc:AlternateContent xmlns:mc="http://schemas.openxmlformats.org/markup-compatibility/2006" xmlns:a14="http://schemas.microsoft.com/office/drawing/2010/main">
-        <mc:Choice Requires="a14">
-          <p:sp>
-            <p:nvSpPr>
-              <p:cNvPr id="3" name="Content Placeholder 2">
-                <a:extLst>
-                  <a:ext uri="{FF2B5EF4-FFF2-40B4-BE49-F238E27FC236}">
-                    <a16:creationId xmlns:a16="http://schemas.microsoft.com/office/drawing/2014/main" id="{57846E6E-541E-C380-2EC3-91AF5BEE61F6}"/>
-                  </a:ext>
-                </a:extLst>
-              </p:cNvPr>
-              <p:cNvSpPr>
-                <a:spLocks noGrp="1"/>
-              </p:cNvSpPr>
-              <p:nvPr>
-                <p:ph idx="1"/>
-              </p:nvPr>
-            </p:nvSpPr>
-            <p:spPr>
-              <a:xfrm>
-                <a:off x="838200" y="1150374"/>
-                <a:ext cx="10515600" cy="5342501"/>
-              </a:xfrm>
-            </p:spPr>
-            <p:txBody>
-              <a:bodyPr>
-                <a:normAutofit/>
-              </a:bodyPr>
-              <a:lstStyle/>
-              <a:p>
-                <a:pPr marL="0" indent="0" algn="just">
-                  <a:buNone/>
-                </a:pPr>
-                <a:r>
-                  <a:rPr lang="fr-CA" sz="1800" dirty="0"/>
-                  <a:t>Tout d’abord il faut garder à l’esprit que l’erreur de discrétisation en éléments finis converge en O(h</a:t>
-                </a:r>
-                <a:r>
-                  <a:rPr lang="fr-CA" sz="1800" baseline="30000" dirty="0"/>
-                  <a:t>p+1</a:t>
-                </a:r>
-                <a:r>
-                  <a:rPr lang="fr-CA" sz="1800" dirty="0"/>
-                  <a:t>), p étant l’ordre de la fonction de forme utilisée.</a:t>
-                </a:r>
-              </a:p>
-              <a:p>
-                <a:pPr marL="0" indent="0" algn="just">
-                  <a:buNone/>
-                </a:pPr>
-                <a:r>
-                  <a:rPr lang="fr-CA" sz="1800" dirty="0"/>
-                  <a:t>Dans notre cas </a:t>
-                </a:r>
-                <a:r>
-                  <a:rPr lang="fr-CA" sz="1800" dirty="0" err="1"/>
-                  <a:t>SimCenter</a:t>
-                </a:r>
-                <a:r>
-                  <a:rPr lang="fr-CA" sz="1800" dirty="0"/>
-                  <a:t> utilise des éléments linéaires donc l’ordre formel attendu est de p</a:t>
-                </a:r>
-                <a:r>
-                  <a:rPr lang="fr-CA" sz="1800" baseline="-25000" dirty="0"/>
-                  <a:t>f</a:t>
-                </a:r>
-                <a:r>
-                  <a:rPr lang="fr-CA" sz="1800" dirty="0"/>
-                  <a:t>=2. Cependant, il est possible d’observer sur l’analyse de convergence faite plus haut que l’ordre observée est de </a:t>
-                </a:r>
-                <a14:m>
-                  <m:oMath xmlns:m="http://schemas.openxmlformats.org/officeDocument/2006/math">
-                    <m:acc>
-                      <m:accPr>
-                        <m:chr m:val="̂"/>
-                        <m:ctrlPr>
-                          <a:rPr lang="fr-CA" sz="1800" i="1" smtClean="0">
-                            <a:latin typeface="Cambria Math" panose="02040503050406030204" pitchFamily="18" charset="0"/>
-                          </a:rPr>
-                        </m:ctrlPr>
-                      </m:accPr>
-                      <m:e>
-                        <m:r>
-                          <a:rPr lang="fr-FR" sz="1800" b="0" i="1" smtClean="0">
-                            <a:latin typeface="Cambria Math" panose="02040503050406030204" pitchFamily="18" charset="0"/>
-                          </a:rPr>
-                          <m:t>𝑝</m:t>
-                        </m:r>
-                      </m:e>
-                    </m:acc>
-                    <m:r>
-                      <a:rPr lang="fr-FR" sz="1800" b="0" i="1" smtClean="0">
-                        <a:latin typeface="Cambria Math" panose="02040503050406030204" pitchFamily="18" charset="0"/>
-                      </a:rPr>
-                      <m:t>=</m:t>
-                    </m:r>
-                  </m:oMath>
-                </a14:m>
-                <a:r>
-                  <a:rPr lang="fr-CA" sz="1800" dirty="0"/>
-                  <a:t>1.75.</a:t>
-                </a:r>
-              </a:p>
-              <a:p>
-                <a:pPr marL="0" indent="0" algn="just">
-                  <a:buNone/>
-                </a:pPr>
-                <a:r>
-                  <a:rPr lang="fr-CA" sz="1800" dirty="0"/>
-                  <a:t>De plus, la qualité de la régression n’est pas à remettre en question puisque le coefficient de régression dans ce cas est tel que R</a:t>
-                </a:r>
-                <a:r>
-                  <a:rPr lang="fr-CA" sz="1800" baseline="30000" dirty="0"/>
-                  <a:t>2</a:t>
-                </a:r>
-                <a:r>
-                  <a:rPr lang="fr-CA" sz="1800" dirty="0"/>
-                  <a:t>=0.9938 même si les valeurs oscillent de part et d’autre de la courbe de régression.</a:t>
-                </a:r>
-              </a:p>
-              <a:p>
-                <a:pPr marL="0" indent="0" algn="just">
-                  <a:buNone/>
-                </a:pPr>
-                <a:r>
-                  <a:rPr lang="fr-CA" sz="1800" dirty="0"/>
-                  <a:t>Donc cet écart entre les deux ordres ne peut pas être expliquer par la régression mais peut l’être par les hypothèses faites sur par la formulation des poutres d’Euler et la formulation des poutres de Timoshenko qui sont incompatibles. Cela revient dire que c’est incorrect de comparer les résultats de </a:t>
-                </a:r>
-                <a:r>
-                  <a:rPr lang="fr-CA" sz="1800" dirty="0" err="1"/>
-                  <a:t>SimCenter</a:t>
-                </a:r>
-                <a:r>
-                  <a:rPr lang="fr-CA" sz="1800" dirty="0"/>
-                  <a:t> avec les résultats analytiques d’une poutre d’Euler conventionnelle.</a:t>
-                </a:r>
-              </a:p>
-              <a:p>
-                <a:pPr marL="0" indent="0" algn="just">
-                  <a:buNone/>
-                </a:pPr>
-                <a:r>
-                  <a:rPr lang="fr-CA" sz="1800" dirty="0"/>
-                  <a:t>Finalement, il faut noter que cet écart ne remet pas en question la vérification du Code de </a:t>
-                </a:r>
-                <a:r>
-                  <a:rPr lang="fr-CA" sz="1800" dirty="0" err="1"/>
-                  <a:t>SimCenter</a:t>
-                </a:r>
-                <a:r>
-                  <a:rPr lang="fr-CA" sz="1800" dirty="0"/>
-                  <a:t>/Nastran mais plutôt la méthode utilisée pour la vérification.</a:t>
-                </a:r>
-              </a:p>
-              <a:p>
-                <a:pPr marL="0" indent="0" algn="just">
-                  <a:buNone/>
-                </a:pPr>
-                <a:endParaRPr lang="fr-CA" sz="1800" dirty="0"/>
-              </a:p>
-              <a:p>
-                <a:pPr marL="0" indent="0" algn="just">
-                  <a:buNone/>
-                </a:pPr>
-                <a:r>
-                  <a:rPr lang="fr-CA" sz="1800" dirty="0"/>
-                  <a:t> </a:t>
-                </a:r>
-              </a:p>
-              <a:p>
-                <a:pPr marL="0" indent="0" algn="just">
-                  <a:buNone/>
-                </a:pPr>
-                <a:endParaRPr lang="fr-CA" sz="1800" dirty="0"/>
-              </a:p>
-            </p:txBody>
-          </p:sp>
-        </mc:Choice>
-        <mc:Fallback xmlns="">
-          <p:sp>
-            <p:nvSpPr>
-              <p:cNvPr id="3" name="Content Placeholder 2">
-                <a:extLst>
-                  <a:ext uri="{FF2B5EF4-FFF2-40B4-BE49-F238E27FC236}">
-                    <a16:creationId xmlns:a16="http://schemas.microsoft.com/office/drawing/2014/main" id="{57846E6E-541E-C380-2EC3-91AF5BEE61F6}"/>
-                  </a:ext>
-                </a:extLst>
-              </p:cNvPr>
-              <p:cNvSpPr>
-                <a:spLocks noGrp="1" noRot="1" noChangeAspect="1" noMove="1" noResize="1" noEditPoints="1" noAdjustHandles="1" noChangeArrowheads="1" noChangeShapeType="1" noTextEdit="1"/>
-              </p:cNvSpPr>
-              <p:nvPr>
-                <p:ph idx="1"/>
-              </p:nvPr>
-            </p:nvSpPr>
-            <p:spPr>
-              <a:xfrm>
-                <a:off x="838200" y="1150374"/>
-                <a:ext cx="10515600" cy="5342501"/>
-              </a:xfrm>
-              <a:blipFill>
-                <a:blip r:embed="rId3"/>
-                <a:stretch>
-                  <a:fillRect l="-522" t="-1142" r="-464"/>
-                </a:stretch>
-              </a:blipFill>
-            </p:spPr>
-            <p:txBody>
-              <a:bodyPr/>
-              <a:lstStyle/>
-              <a:p>
-                <a:r>
-                  <a:rPr lang="fr-FR">
-                    <a:noFill/>
-                  </a:rPr>
-                  <a:t> </a:t>
-                </a:r>
-              </a:p>
-            </p:txBody>
-          </p:sp>
-        </mc:Fallback>
-      </mc:AlternateContent>
-    </p:spTree>
-    <p:extLst>
-      <p:ext uri="{BB962C8B-B14F-4D97-AF65-F5344CB8AC3E}">
-        <p14:creationId xmlns:p14="http://schemas.microsoft.com/office/powerpoint/2010/main" val="494895105"/>
-      </p:ext>
-    </p:extLst>
-  </p:cSld>
-  <p:clrMapOvr>
-    <a:masterClrMapping/>
-  </p:clrMapOvr>
-  <p:extLst>
-    <p:ext uri="{6950BFC3-D8DA-4A85-94F7-54DA5524770B}">
-      <p188:commentRel xmlns:p188="http://schemas.microsoft.com/office/powerpoint/2018/8/main" r:id="rId2"/>
-    </p:ext>
-  </p:extLst>
 </p:sld>
 </file>
 
@@ -24487,6 +26744,15 @@
 </file>
 
 <file path=customXml/item1.xml><?xml version="1.0" encoding="utf-8"?>
+<?mso-contentType ?>
+<FormTemplates xmlns="http://schemas.microsoft.com/sharepoint/v3/contenttype/forms">
+  <Display>DocumentLibraryForm</Display>
+  <Edit>DocumentLibraryForm</Edit>
+  <New>DocumentLibraryForm</New>
+</FormTemplates>
+</file>
+
+<file path=customXml/item2.xml><?xml version="1.0" encoding="utf-8"?>
 <p:properties xmlns:p="http://schemas.microsoft.com/office/2006/metadata/properties" xmlns:xsi="http://www.w3.org/2001/XMLSchema-instance" xmlns:pc="http://schemas.microsoft.com/office/infopath/2007/PartnerControls">
   <documentManagement>
     <lcf76f155ced4ddcb4097134ff3c332f xmlns="ec825916-6f01-4646-bf11-4e97fdd06dc8">
@@ -24495,15 +26761,6 @@
     <TaxCatchAll xmlns="10202d72-3646-4d36-9cf4-1feba2c78df0" xsi:nil="true"/>
   </documentManagement>
 </p:properties>
-</file>
-
-<file path=customXml/item2.xml><?xml version="1.0" encoding="utf-8"?>
-<?mso-contentType ?>
-<FormTemplates xmlns="http://schemas.microsoft.com/sharepoint/v3/contenttype/forms">
-  <Display>DocumentLibraryForm</Display>
-  <Edit>DocumentLibraryForm</Edit>
-  <New>DocumentLibraryForm</New>
-</FormTemplates>
 </file>
 
 <file path=customXml/item3.xml><?xml version="1.0" encoding="utf-8"?>
@@ -24702,6 +26959,14 @@
 </file>
 
 <file path=customXml/itemProps1.xml><?xml version="1.0" encoding="utf-8"?>
+<ds:datastoreItem xmlns:ds="http://schemas.openxmlformats.org/officeDocument/2006/customXml" ds:itemID="{73F4A501-0066-4B8E-9AA2-A07CF344BF69}">
+  <ds:schemaRefs>
+    <ds:schemaRef ds:uri="http://schemas.microsoft.com/sharepoint/v3/contenttype/forms"/>
+  </ds:schemaRefs>
+</ds:datastoreItem>
+</file>
+
+<file path=customXml/itemProps2.xml><?xml version="1.0" encoding="utf-8"?>
 <ds:datastoreItem xmlns:ds="http://schemas.openxmlformats.org/officeDocument/2006/customXml" ds:itemID="{CC0D4AF6-CA21-4510-812C-479171907BC9}">
   <ds:schemaRefs>
     <ds:schemaRef ds:uri="ec825916-6f01-4646-bf11-4e97fdd06dc8"/>
@@ -24714,14 +26979,6 @@
     <ds:schemaRef ds:uri="http://schemas.microsoft.com/office/2006/metadata/properties"/>
     <ds:schemaRef ds:uri="http://schemas.openxmlformats.org/package/2006/metadata/core-properties"/>
     <ds:schemaRef ds:uri="http://purl.org/dc/elements/1.1/"/>
-  </ds:schemaRefs>
-</ds:datastoreItem>
-</file>
-
-<file path=customXml/itemProps2.xml><?xml version="1.0" encoding="utf-8"?>
-<ds:datastoreItem xmlns:ds="http://schemas.openxmlformats.org/officeDocument/2006/customXml" ds:itemID="{73F4A501-0066-4B8E-9AA2-A07CF344BF69}">
-  <ds:schemaRefs>
-    <ds:schemaRef ds:uri="http://schemas.microsoft.com/sharepoint/v3/contenttype/forms"/>
   </ds:schemaRefs>
 </ds:datastoreItem>
 </file>

--- a/Rapport_Projet_V1.pptx
+++ b/Rapport_Projet_V1.pptx
@@ -4700,7 +4700,15 @@
                 </a:r>
                 <a:r>
                   <a:rPr lang="en-CA" sz="1100" dirty="0"/>
-                  <a:t> axial de L1 [mm]</a:t>
+                  <a:t> </a:t>
+                </a:r>
+                <a:r>
+                  <a:rPr lang="en-CA" sz="1100" dirty="0" err="1"/>
+                  <a:t>postérieur</a:t>
+                </a:r>
+                <a:r>
+                  <a:rPr lang="en-CA" sz="1100" dirty="0"/>
+                  <a:t> de L1 [mm]</a:t>
                 </a:r>
               </a:p>
             </c:rich>
@@ -5693,7 +5701,29 @@
                       </a:prstClr>
                     </a:solidFill>
                   </a:rPr>
-                  <a:t> axial de L1 [mm]</a:t>
+                  <a:t> </a:t>
+                </a:r>
+                <a:r>
+                  <a:rPr lang="en-CA" sz="1100" b="0" i="0" u="none" strike="noStrike" kern="1200" baseline="0" dirty="0" err="1">
+                    <a:solidFill>
+                      <a:prstClr val="black">
+                        <a:lumMod val="65000"/>
+                        <a:lumOff val="35000"/>
+                      </a:prstClr>
+                    </a:solidFill>
+                  </a:rPr>
+                  <a:t>postérieur</a:t>
+                </a:r>
+                <a:r>
+                  <a:rPr lang="en-CA" sz="1100" b="0" i="0" u="none" strike="noStrike" kern="1200" baseline="0" dirty="0">
+                    <a:solidFill>
+                      <a:prstClr val="black">
+                        <a:lumMod val="65000"/>
+                        <a:lumOff val="35000"/>
+                      </a:prstClr>
+                    </a:solidFill>
+                  </a:rPr>
+                  <a:t> de L1 [mm]</a:t>
                 </a:r>
               </a:p>
             </c:rich>
@@ -9736,8 +9766,8 @@
       <pc:docMk xmlns:pc="http://schemas.microsoft.com/office/powerpoint/2013/main/command"/>
       <pc:sldMk xmlns:pc="http://schemas.microsoft.com/office/powerpoint/2013/main/command" cId="3567347773" sldId="281"/>
       <ac:spMk id="3" creationId="{57846E6E-541E-C380-2EC3-91AF5BEE61F6}"/>
-      <ac:txMk cp="1130" len="139">
-        <ac:context len="1359" hash="27094800"/>
+      <ac:txMk cp="1134" len="139">
+        <ac:context len="1363" hash="3672763890"/>
       </ac:txMk>
     </ac:txMkLst>
     <p188:pos x="10184296" y="4306209"/>
@@ -9772,7 +9802,7 @@
       <pc:sldMk xmlns:pc="http://schemas.microsoft.com/office/powerpoint/2013/main/command" cId="3567347773" sldId="281"/>
       <ac:spMk id="3" creationId="{57846E6E-541E-C380-2EC3-91AF5BEE61F6}"/>
       <ac:txMk cp="255" len="67">
-        <ac:context len="1359" hash="27094800"/>
+        <ac:context len="1363" hash="3672763890"/>
       </ac:txMk>
     </ac:txMkLst>
     <p188:pos x="8564217" y="748000"/>
@@ -13856,8 +13886,8 @@
           </a:p>
         </p:txBody>
       </p:sp>
-      <mc:AlternateContent xmlns:mc="http://schemas.openxmlformats.org/markup-compatibility/2006">
-        <mc:Choice xmlns:a14="http://schemas.microsoft.com/office/drawing/2010/main" Requires="a14">
+      <mc:AlternateContent xmlns:mc="http://schemas.openxmlformats.org/markup-compatibility/2006" xmlns:a14="http://schemas.microsoft.com/office/drawing/2010/main">
+        <mc:Choice Requires="a14">
           <p:sp>
             <p:nvSpPr>
               <p:cNvPr id="3" name="Content Placeholder 2">
@@ -14028,7 +14058,7 @@
             </p:txBody>
           </p:sp>
         </mc:Choice>
-        <mc:Fallback>
+        <mc:Fallback xmlns="">
           <p:sp>
             <p:nvSpPr>
               <p:cNvPr id="3" name="Content Placeholder 2">
@@ -14366,7 +14396,7 @@
               <a:p>
                 <a:pPr marL="0" indent="0" algn="just">
                   <a:lnSpc>
-                    <a:spcPct val="100000"/>
+                    <a:spcPct val="110000"/>
                   </a:lnSpc>
                   <a:buNone/>
                 </a:pPr>
@@ -14378,7 +14408,7 @@
               <a:p>
                 <a:pPr marL="0" indent="0" algn="just">
                   <a:lnSpc>
-                    <a:spcPct val="100000"/>
+                    <a:spcPct val="110000"/>
                   </a:lnSpc>
                   <a:buNone/>
                 </a:pPr>
@@ -14390,7 +14420,7 @@
               <a:p>
                 <a:pPr marL="0" indent="0" algn="just">
                   <a:lnSpc>
-                    <a:spcPct val="100000"/>
+                    <a:spcPct val="110000"/>
                   </a:lnSpc>
                   <a:buNone/>
                 </a:pPr>
@@ -14621,7 +14651,7 @@
               <a:p>
                 <a:pPr marL="0" indent="0" algn="just">
                   <a:lnSpc>
-                    <a:spcPct val="100000"/>
+                    <a:spcPct val="110000"/>
                   </a:lnSpc>
                   <a:buNone/>
                 </a:pPr>
@@ -14734,7 +14764,7 @@
                 </a14:m>
                 <a:r>
                   <a:rPr lang="fr-CA" sz="1800" dirty="0"/>
-                  <a:t> qui représentent respectivement la réponse du système en termes de déplacement axiale de la vertèbre L1 pour des maillages de plus en plus fins, et </a:t>
+                  <a:t> qui représentent respectivement la réponse du système en termes de déplacement postérieur de la vertèbre L1 pour des maillages de plus en plus fins, et </a:t>
                 </a:r>
                 <a:r>
                   <a:rPr lang="fr-CA" sz="1800" i="1" dirty="0"/>
@@ -14895,7 +14925,7 @@
               <a:blipFill>
                 <a:blip r:embed="rId3"/>
                 <a:stretch>
-                  <a:fillRect l="-406" t="-799" r="-348"/>
+                  <a:fillRect l="-406" t="-342" r="-348"/>
                 </a:stretch>
               </a:blipFill>
             </p:spPr>
@@ -14929,13 +14959,13 @@
           <p:nvPr>
             <p:extLst>
               <p:ext uri="{D42A27DB-BD31-4B8C-83A1-F6EECF244321}">
-                <p14:modId xmlns:p14="http://schemas.microsoft.com/office/powerpoint/2010/main" val="2064034302"/>
+                <p14:modId xmlns:p14="http://schemas.microsoft.com/office/powerpoint/2010/main" val="672787777"/>
               </p:ext>
             </p:extLst>
           </p:nvPr>
         </p:nvGraphicFramePr>
         <p:xfrm>
-          <a:off x="838200" y="4172647"/>
+          <a:off x="838200" y="4321732"/>
           <a:ext cx="4038600" cy="2113935"/>
         </p:xfrm>
         <a:graphic>
@@ -15259,7 +15289,7 @@
         </p:nvSpPr>
         <p:spPr>
           <a:xfrm>
-            <a:off x="838200" y="3902486"/>
+            <a:off x="838200" y="4071449"/>
             <a:ext cx="4038600" cy="276999"/>
           </a:xfrm>
           <a:prstGeom prst="rect">
@@ -15372,8 +15402,8 @@
           </a:p>
         </p:txBody>
       </p:sp>
-      <mc:AlternateContent xmlns:mc="http://schemas.openxmlformats.org/markup-compatibility/2006">
-        <mc:Choice xmlns:a14="http://schemas.microsoft.com/office/drawing/2010/main" Requires="a14">
+      <mc:AlternateContent xmlns:mc="http://schemas.openxmlformats.org/markup-compatibility/2006" xmlns:a14="http://schemas.microsoft.com/office/drawing/2010/main">
+        <mc:Choice Requires="a14">
           <p:sp>
             <p:nvSpPr>
               <p:cNvPr id="3" name="Content Placeholder 2">
@@ -16273,7 +16303,7 @@
             </p:txBody>
           </p:sp>
         </mc:Choice>
-        <mc:Fallback>
+        <mc:Fallback xmlns="">
           <p:sp>
             <p:nvSpPr>
               <p:cNvPr id="3" name="Content Placeholder 2">
@@ -17082,7 +17112,7 @@
             </a:r>
             <a:r>
               <a:rPr lang="fr-FR" sz="1600" dirty="0"/>
-              <a:t> ont ensuite été réalisées  pour ces 100 valeurs de forces, et les résultats du déplacement axial de L1 (la SRQ) ont été compilés dans le classeur Excel. Les PDF et CDF de la SRQ ont été tracés, et sa moyenne </a:t>
+              <a:t> ont ensuite été réalisées  pour ces 100 valeurs de forces, et les résultats du déplacement postérieur de L1 (la SRQ) ont été compilés dans le classeur Excel. Les PDF et CDF de la SRQ ont été tracés, et sa moyenne </a:t>
             </a:r>
             <a:r>
               <a:rPr lang="fr-FR" sz="1600" i="1" dirty="0"/>
@@ -17163,7 +17193,7 @@
           <p:nvPr>
             <p:extLst>
               <p:ext uri="{D42A27DB-BD31-4B8C-83A1-F6EECF244321}">
-                <p14:modId xmlns:p14="http://schemas.microsoft.com/office/powerpoint/2010/main" val="975872240"/>
+                <p14:modId xmlns:p14="http://schemas.microsoft.com/office/powerpoint/2010/main" val="596544179"/>
               </p:ext>
             </p:extLst>
           </p:nvPr>
@@ -17193,7 +17223,7 @@
           <p:nvPr>
             <p:extLst>
               <p:ext uri="{D42A27DB-BD31-4B8C-83A1-F6EECF244321}">
-                <p14:modId xmlns:p14="http://schemas.microsoft.com/office/powerpoint/2010/main" val="2723826455"/>
+                <p14:modId xmlns:p14="http://schemas.microsoft.com/office/powerpoint/2010/main" val="3223989453"/>
               </p:ext>
             </p:extLst>
           </p:nvPr>
@@ -17354,8 +17384,8 @@
           </a:p>
         </p:txBody>
       </p:sp>
-      <mc:AlternateContent xmlns:mc="http://schemas.openxmlformats.org/markup-compatibility/2006">
-        <mc:Choice xmlns:a14="http://schemas.microsoft.com/office/drawing/2010/main" Requires="a14">
+      <mc:AlternateContent xmlns:mc="http://schemas.openxmlformats.org/markup-compatibility/2006" xmlns:a14="http://schemas.microsoft.com/office/drawing/2010/main">
+        <mc:Choice Requires="a14">
           <p:sp>
             <p:nvSpPr>
               <p:cNvPr id="3" name="Content Placeholder 2">
@@ -17987,7 +18017,7 @@
             </p:txBody>
           </p:sp>
         </mc:Choice>
-        <mc:Fallback>
+        <mc:Fallback xmlns="">
           <p:sp>
             <p:nvSpPr>
               <p:cNvPr id="3" name="Content Placeholder 2">
@@ -18097,8 +18127,8 @@
           </a:p>
         </p:txBody>
       </p:sp>
-      <mc:AlternateContent xmlns:mc="http://schemas.openxmlformats.org/markup-compatibility/2006">
-        <mc:Choice xmlns:a14="http://schemas.microsoft.com/office/drawing/2010/main" Requires="a14">
+      <mc:AlternateContent xmlns:mc="http://schemas.openxmlformats.org/markup-compatibility/2006" xmlns:a14="http://schemas.microsoft.com/office/drawing/2010/main">
+        <mc:Choice Requires="a14">
           <p:sp>
             <p:nvSpPr>
               <p:cNvPr id="3" name="Content Placeholder 2">
@@ -18816,7 +18846,7 @@
             </p:txBody>
           </p:sp>
         </mc:Choice>
-        <mc:Fallback>
+        <mc:Fallback xmlns="">
           <p:sp>
             <p:nvSpPr>
               <p:cNvPr id="3" name="Content Placeholder 2">
@@ -18950,7 +18980,15 @@
             </a:r>
             <a:r>
               <a:rPr lang="en-CA" sz="1200" dirty="0"/>
-              <a:t> axial au </a:t>
+              <a:t> </a:t>
+            </a:r>
+            <a:r>
+              <a:rPr lang="en-CA" sz="1200" dirty="0" err="1"/>
+              <a:t>postérieur</a:t>
+            </a:r>
+            <a:r>
+              <a:rPr lang="en-CA" sz="1200" dirty="0"/>
+              <a:t> au </a:t>
             </a:r>
             <a:r>
               <a:rPr lang="en-CA" sz="1200" dirty="0" err="1"/>
@@ -19360,8 +19398,8 @@
           </a:p>
         </p:txBody>
       </p:sp>
-      <mc:AlternateContent xmlns:mc="http://schemas.openxmlformats.org/markup-compatibility/2006">
-        <mc:Choice xmlns:a14="http://schemas.microsoft.com/office/drawing/2010/main" Requires="a14">
+      <mc:AlternateContent xmlns:mc="http://schemas.openxmlformats.org/markup-compatibility/2006" xmlns:a14="http://schemas.microsoft.com/office/drawing/2010/main">
+        <mc:Choice Requires="a14">
           <p:sp>
             <p:nvSpPr>
               <p:cNvPr id="3" name="Content Placeholder 2">
@@ -20201,7 +20239,7 @@
             </p:txBody>
           </p:sp>
         </mc:Choice>
-        <mc:Fallback>
+        <mc:Fallback xmlns="">
           <p:sp>
             <p:nvSpPr>
               <p:cNvPr id="3" name="Content Placeholder 2">
@@ -20945,7 +20983,7 @@
             </a:pPr>
             <a:r>
               <a:rPr lang="fr-CA" sz="1600" dirty="0"/>
-              <a:t>En guise de validation lors du PI3, le membre de l’équipe avait simplement comparé visuellement l’allure et les ordres de grandeur des réponses obtenues par son modèle avec les courbes Force-Déplacement axial tirés des articles scientifiques de référence. Le projet final de MEC8211 est ainsi l’occasion idéale pour appliquer les acquis du cours et mettre à l’épreuve la validité de son modèle.</a:t>
+              <a:t>En guise de validation lors du PI3, le membre de l’équipe avait simplement comparé visuellement l’allure et les ordres de grandeur des réponses obtenues par son modèle avec les courbes Force-Déplacement postérieur tirés des articles scientifiques de référence. Le projet final de MEC8211 est ainsi l’occasion idéale pour appliquer les acquis du cours et mettre à l’épreuve la validité de son modèle.</a:t>
             </a:r>
           </a:p>
           <a:p>
@@ -24325,8 +24363,8 @@
           </a:p>
         </p:txBody>
       </p:sp>
-      <mc:AlternateContent xmlns:mc="http://schemas.openxmlformats.org/markup-compatibility/2006">
-        <mc:Choice xmlns:a14="http://schemas.microsoft.com/office/drawing/2010/main" Requires="a14">
+      <mc:AlternateContent xmlns:mc="http://schemas.openxmlformats.org/markup-compatibility/2006" xmlns:a14="http://schemas.microsoft.com/office/drawing/2010/main">
+        <mc:Choice Requires="a14">
           <p:sp>
             <p:nvSpPr>
               <p:cNvPr id="3" name="Content Placeholder 2">
@@ -24540,7 +24578,7 @@
             </p:txBody>
           </p:sp>
         </mc:Choice>
-        <mc:Fallback>
+        <mc:Fallback xmlns="">
           <p:sp>
             <p:nvSpPr>
               <p:cNvPr id="3" name="Content Placeholder 2">
@@ -26744,15 +26782,6 @@
 </file>
 
 <file path=customXml/item1.xml><?xml version="1.0" encoding="utf-8"?>
-<?mso-contentType ?>
-<FormTemplates xmlns="http://schemas.microsoft.com/sharepoint/v3/contenttype/forms">
-  <Display>DocumentLibraryForm</Display>
-  <Edit>DocumentLibraryForm</Edit>
-  <New>DocumentLibraryForm</New>
-</FormTemplates>
-</file>
-
-<file path=customXml/item2.xml><?xml version="1.0" encoding="utf-8"?>
 <p:properties xmlns:p="http://schemas.microsoft.com/office/2006/metadata/properties" xmlns:xsi="http://www.w3.org/2001/XMLSchema-instance" xmlns:pc="http://schemas.microsoft.com/office/infopath/2007/PartnerControls">
   <documentManagement>
     <lcf76f155ced4ddcb4097134ff3c332f xmlns="ec825916-6f01-4646-bf11-4e97fdd06dc8">
@@ -26761,6 +26790,15 @@
     <TaxCatchAll xmlns="10202d72-3646-4d36-9cf4-1feba2c78df0" xsi:nil="true"/>
   </documentManagement>
 </p:properties>
+</file>
+
+<file path=customXml/item2.xml><?xml version="1.0" encoding="utf-8"?>
+<?mso-contentType ?>
+<FormTemplates xmlns="http://schemas.microsoft.com/sharepoint/v3/contenttype/forms">
+  <Display>DocumentLibraryForm</Display>
+  <Edit>DocumentLibraryForm</Edit>
+  <New>DocumentLibraryForm</New>
+</FormTemplates>
 </file>
 
 <file path=customXml/item3.xml><?xml version="1.0" encoding="utf-8"?>
@@ -26959,14 +26997,6 @@
 </file>
 
 <file path=customXml/itemProps1.xml><?xml version="1.0" encoding="utf-8"?>
-<ds:datastoreItem xmlns:ds="http://schemas.openxmlformats.org/officeDocument/2006/customXml" ds:itemID="{73F4A501-0066-4B8E-9AA2-A07CF344BF69}">
-  <ds:schemaRefs>
-    <ds:schemaRef ds:uri="http://schemas.microsoft.com/sharepoint/v3/contenttype/forms"/>
-  </ds:schemaRefs>
-</ds:datastoreItem>
-</file>
-
-<file path=customXml/itemProps2.xml><?xml version="1.0" encoding="utf-8"?>
 <ds:datastoreItem xmlns:ds="http://schemas.openxmlformats.org/officeDocument/2006/customXml" ds:itemID="{CC0D4AF6-CA21-4510-812C-479171907BC9}">
   <ds:schemaRefs>
     <ds:schemaRef ds:uri="ec825916-6f01-4646-bf11-4e97fdd06dc8"/>
@@ -26979,6 +27009,14 @@
     <ds:schemaRef ds:uri="http://schemas.microsoft.com/office/2006/metadata/properties"/>
     <ds:schemaRef ds:uri="http://schemas.openxmlformats.org/package/2006/metadata/core-properties"/>
     <ds:schemaRef ds:uri="http://purl.org/dc/elements/1.1/"/>
+  </ds:schemaRefs>
+</ds:datastoreItem>
+</file>
+
+<file path=customXml/itemProps2.xml><?xml version="1.0" encoding="utf-8"?>
+<ds:datastoreItem xmlns:ds="http://schemas.openxmlformats.org/officeDocument/2006/customXml" ds:itemID="{73F4A501-0066-4B8E-9AA2-A07CF344BF69}">
+  <ds:schemaRefs>
+    <ds:schemaRef ds:uri="http://schemas.microsoft.com/sharepoint/v3/contenttype/forms"/>
   </ds:schemaRefs>
 </ds:datastoreItem>
 </file>

--- a/Rapport_Projet_V1.pptx
+++ b/Rapport_Projet_V1.pptx
@@ -954,7 +954,7 @@
 <file path=ppt/charts/chart1.xml><?xml version="1.0" encoding="utf-8"?>
 <c:chartSpace xmlns:c="http://schemas.openxmlformats.org/drawingml/2006/chart" xmlns:a="http://schemas.openxmlformats.org/drawingml/2006/main" xmlns:r="http://schemas.openxmlformats.org/officeDocument/2006/relationships" xmlns:c16r2="http://schemas.microsoft.com/office/drawing/2015/06/chart">
   <c:date1904 val="0"/>
-  <c:lang val="en-US"/>
+  <c:lang val="fr-FR"/>
   <c:roundedCorners val="0"/>
   <mc:AlternateContent xmlns:mc="http://schemas.openxmlformats.org/markup-compatibility/2006">
     <mc:Choice xmlns:c14="http://schemas.microsoft.com/office/drawing/2007/8/2/chart" Requires="c14">
@@ -2080,7 +2080,7 @@
                   <a:cs typeface="+mn-cs"/>
                 </a:defRPr>
               </a:pPr>
-              <a:endParaRPr lang="en-US"/>
+              <a:endParaRPr lang="fr-FR"/>
             </a:p>
           </c:txPr>
         </c:title>
@@ -2118,7 +2118,7 @@
                 <a:cs typeface="+mn-cs"/>
               </a:defRPr>
             </a:pPr>
-            <a:endParaRPr lang="en-US"/>
+            <a:endParaRPr lang="fr-FR"/>
           </a:p>
         </c:txPr>
         <c:crossAx val="477271791"/>
@@ -2202,7 +2202,7 @@
                   <a:cs typeface="+mn-cs"/>
                 </a:defRPr>
               </a:pPr>
-              <a:endParaRPr lang="en-US"/>
+              <a:endParaRPr lang="fr-FR"/>
             </a:p>
           </c:txPr>
         </c:title>
@@ -2240,7 +2240,7 @@
                 <a:cs typeface="+mn-cs"/>
               </a:defRPr>
             </a:pPr>
-            <a:endParaRPr lang="en-US"/>
+            <a:endParaRPr lang="fr-FR"/>
           </a:p>
         </c:txPr>
         <c:crossAx val="477280911"/>
@@ -2292,7 +2292,7 @@
               <a:cs typeface="+mn-cs"/>
             </a:defRPr>
           </a:pPr>
-          <a:endParaRPr lang="en-US"/>
+          <a:endParaRPr lang="fr-FR"/>
         </a:p>
       </c:txPr>
     </c:legend>
@@ -2321,7 +2321,7 @@
       <a:pPr>
         <a:defRPr/>
       </a:pPr>
-      <a:endParaRPr lang="en-US"/>
+      <a:endParaRPr lang="fr-FR"/>
     </a:p>
   </c:txPr>
   <c:externalData r:id="rId3">
@@ -2333,7 +2333,7 @@
 <file path=ppt/charts/chart2.xml><?xml version="1.0" encoding="utf-8"?>
 <c:chartSpace xmlns:c="http://schemas.openxmlformats.org/drawingml/2006/chart" xmlns:a="http://schemas.openxmlformats.org/drawingml/2006/main" xmlns:r="http://schemas.openxmlformats.org/officeDocument/2006/relationships" xmlns:c16r2="http://schemas.microsoft.com/office/drawing/2015/06/chart">
   <c:date1904 val="0"/>
-  <c:lang val="en-US"/>
+  <c:lang val="fr-FR"/>
   <c:roundedCorners val="0"/>
   <mc:AlternateContent xmlns:mc="http://schemas.openxmlformats.org/markup-compatibility/2006">
     <mc:Choice xmlns:c14="http://schemas.microsoft.com/office/drawing/2007/8/2/chart" Requires="c14">
@@ -2408,7 +2408,7 @@
               <a:cs typeface="+mn-cs"/>
             </a:defRPr>
           </a:pPr>
-          <a:endParaRPr lang="en-US"/>
+          <a:endParaRPr lang="fr-FR"/>
         </a:p>
       </c:txPr>
     </c:title>
@@ -2499,7 +2499,7 @@
                       <a:cs typeface="+mn-cs"/>
                     </a:defRPr>
                   </a:pPr>
-                  <a:endParaRPr lang="en-US"/>
+                  <a:endParaRPr lang="fr-FR"/>
                 </a:p>
               </c:txPr>
             </c:trendlineLbl>
@@ -2642,7 +2642,7 @@
                             <a:cs typeface="+mn-cs"/>
                           </a:defRPr>
                         </a:pPr>
-                        <a:endParaRPr lang="en-US"/>
+                        <a:endParaRPr lang="fr-FR"/>
                       </a:p>
                     </c:txPr>
                   </c:trendlineLbl>
@@ -2784,7 +2784,7 @@
                   <a:cs typeface="+mn-cs"/>
                 </a:defRPr>
               </a:pPr>
-              <a:endParaRPr lang="en-US"/>
+              <a:endParaRPr lang="fr-FR"/>
             </a:p>
           </c:txPr>
         </c:title>
@@ -2822,7 +2822,7 @@
                 <a:cs typeface="+mn-cs"/>
               </a:defRPr>
             </a:pPr>
-            <a:endParaRPr lang="en-US"/>
+            <a:endParaRPr lang="fr-FR"/>
           </a:p>
         </c:txPr>
         <c:crossAx val="1420657695"/>
@@ -2906,7 +2906,7 @@
                   <a:cs typeface="+mn-cs"/>
                 </a:defRPr>
               </a:pPr>
-              <a:endParaRPr lang="en-US"/>
+              <a:endParaRPr lang="fr-FR"/>
             </a:p>
           </c:txPr>
         </c:title>
@@ -2944,7 +2944,7 @@
                 <a:cs typeface="+mn-cs"/>
               </a:defRPr>
             </a:pPr>
-            <a:endParaRPr lang="en-US"/>
+            <a:endParaRPr lang="fr-FR"/>
           </a:p>
         </c:txPr>
         <c:crossAx val="1911372511"/>
@@ -2984,7 +2984,7 @@
       <a:pPr>
         <a:defRPr/>
       </a:pPr>
-      <a:endParaRPr lang="en-US"/>
+      <a:endParaRPr lang="fr-FR"/>
     </a:p>
   </c:txPr>
   <c:externalData r:id="rId3">
@@ -2996,7 +2996,7 @@
 <file path=ppt/charts/chart3.xml><?xml version="1.0" encoding="utf-8"?>
 <c:chartSpace xmlns:c="http://schemas.openxmlformats.org/drawingml/2006/chart" xmlns:a="http://schemas.openxmlformats.org/drawingml/2006/main" xmlns:r="http://schemas.openxmlformats.org/officeDocument/2006/relationships" xmlns:c16r2="http://schemas.microsoft.com/office/drawing/2015/06/chart">
   <c:date1904 val="0"/>
-  <c:lang val="en-US"/>
+  <c:lang val="fr-FR"/>
   <c:roundedCorners val="0"/>
   <mc:AlternateContent xmlns:mc="http://schemas.openxmlformats.org/markup-compatibility/2006">
     <mc:Choice xmlns:c14="http://schemas.microsoft.com/office/drawing/2007/8/2/chart" Requires="c14">
@@ -3757,7 +3757,7 @@
                   <a:cs typeface="+mn-cs"/>
                 </a:defRPr>
               </a:pPr>
-              <a:endParaRPr lang="en-US"/>
+              <a:endParaRPr lang="fr-FR"/>
             </a:p>
           </c:txPr>
         </c:title>
@@ -3795,7 +3795,7 @@
                 <a:cs typeface="+mn-cs"/>
               </a:defRPr>
             </a:pPr>
-            <a:endParaRPr lang="en-US"/>
+            <a:endParaRPr lang="fr-FR"/>
           </a:p>
         </c:txPr>
         <c:crossAx val="1457253920"/>
@@ -3875,7 +3875,7 @@
                   <a:cs typeface="+mn-cs"/>
                 </a:defRPr>
               </a:pPr>
-              <a:endParaRPr lang="en-US"/>
+              <a:endParaRPr lang="fr-FR"/>
             </a:p>
           </c:txPr>
         </c:title>
@@ -3913,7 +3913,7 @@
                 <a:cs typeface="+mn-cs"/>
               </a:defRPr>
             </a:pPr>
-            <a:endParaRPr lang="en-US"/>
+            <a:endParaRPr lang="fr-FR"/>
           </a:p>
         </c:txPr>
         <c:crossAx val="1457258720"/>
@@ -3953,7 +3953,7 @@
       <a:pPr>
         <a:defRPr/>
       </a:pPr>
-      <a:endParaRPr lang="en-US"/>
+      <a:endParaRPr lang="fr-FR"/>
     </a:p>
   </c:txPr>
   <c:externalData r:id="rId3">
@@ -3965,7 +3965,7 @@
 <file path=ppt/charts/chart4.xml><?xml version="1.0" encoding="utf-8"?>
 <c:chartSpace xmlns:c="http://schemas.openxmlformats.org/drawingml/2006/chart" xmlns:a="http://schemas.openxmlformats.org/drawingml/2006/main" xmlns:r="http://schemas.openxmlformats.org/officeDocument/2006/relationships" xmlns:c16r2="http://schemas.microsoft.com/office/drawing/2015/06/chart">
   <c:date1904 val="0"/>
-  <c:lang val="en-US"/>
+  <c:lang val="fr-FR"/>
   <c:roundedCorners val="0"/>
   <mc:AlternateContent xmlns:mc="http://schemas.openxmlformats.org/markup-compatibility/2006">
     <mc:Choice xmlns:c14="http://schemas.microsoft.com/office/drawing/2007/8/2/chart" Requires="c14">
@@ -4738,7 +4738,7 @@
                   <a:cs typeface="+mn-cs"/>
                 </a:defRPr>
               </a:pPr>
-              <a:endParaRPr lang="en-US"/>
+              <a:endParaRPr lang="fr-FR"/>
             </a:p>
           </c:txPr>
         </c:title>
@@ -4776,7 +4776,7 @@
                 <a:cs typeface="+mn-cs"/>
               </a:defRPr>
             </a:pPr>
-            <a:endParaRPr lang="en-US"/>
+            <a:endParaRPr lang="fr-FR"/>
           </a:p>
         </c:txPr>
         <c:crossAx val="2041938592"/>
@@ -4856,7 +4856,7 @@
                   <a:cs typeface="+mn-cs"/>
                 </a:defRPr>
               </a:pPr>
-              <a:endParaRPr lang="en-US"/>
+              <a:endParaRPr lang="fr-FR"/>
             </a:p>
           </c:txPr>
         </c:title>
@@ -4894,7 +4894,7 @@
                 <a:cs typeface="+mn-cs"/>
               </a:defRPr>
             </a:pPr>
-            <a:endParaRPr lang="en-US"/>
+            <a:endParaRPr lang="fr-FR"/>
           </a:p>
         </c:txPr>
         <c:crossAx val="2041944352"/>
@@ -4934,7 +4934,7 @@
       <a:pPr>
         <a:defRPr/>
       </a:pPr>
-      <a:endParaRPr lang="en-US"/>
+      <a:endParaRPr lang="fr-FR"/>
     </a:p>
   </c:txPr>
   <c:externalData r:id="rId3">
@@ -4946,7 +4946,7 @@
 <file path=ppt/charts/chart5.xml><?xml version="1.0" encoding="utf-8"?>
 <c:chartSpace xmlns:c="http://schemas.openxmlformats.org/drawingml/2006/chart" xmlns:a="http://schemas.openxmlformats.org/drawingml/2006/main" xmlns:r="http://schemas.openxmlformats.org/officeDocument/2006/relationships" xmlns:c16r2="http://schemas.microsoft.com/office/drawing/2015/06/chart">
   <c:date1904 val="0"/>
-  <c:lang val="en-US"/>
+  <c:lang val="fr-FR"/>
   <c:roundedCorners val="0"/>
   <mc:AlternateContent xmlns:mc="http://schemas.openxmlformats.org/markup-compatibility/2006">
     <mc:Choice xmlns:c14="http://schemas.microsoft.com/office/drawing/2007/8/2/chart" Requires="c14">
@@ -5753,7 +5753,7 @@
                   <a:cs typeface="+mn-cs"/>
                 </a:defRPr>
               </a:pPr>
-              <a:endParaRPr lang="en-US"/>
+              <a:endParaRPr lang="fr-FR"/>
             </a:p>
           </c:txPr>
         </c:title>
@@ -5791,7 +5791,7 @@
                 <a:cs typeface="+mn-cs"/>
               </a:defRPr>
             </a:pPr>
-            <a:endParaRPr lang="en-US"/>
+            <a:endParaRPr lang="fr-FR"/>
           </a:p>
         </c:txPr>
         <c:crossAx val="2041041472"/>
@@ -5871,7 +5871,7 @@
                   <a:cs typeface="+mn-cs"/>
                 </a:defRPr>
               </a:pPr>
-              <a:endParaRPr lang="en-US"/>
+              <a:endParaRPr lang="fr-FR"/>
             </a:p>
           </c:txPr>
         </c:title>
@@ -5909,7 +5909,7 @@
                 <a:cs typeface="+mn-cs"/>
               </a:defRPr>
             </a:pPr>
-            <a:endParaRPr lang="en-US"/>
+            <a:endParaRPr lang="fr-FR"/>
           </a:p>
         </c:txPr>
         <c:crossAx val="2041040032"/>
@@ -5949,7 +5949,7 @@
       <a:pPr>
         <a:defRPr/>
       </a:pPr>
-      <a:endParaRPr lang="en-US"/>
+      <a:endParaRPr lang="fr-FR"/>
     </a:p>
   </c:txPr>
   <c:externalData r:id="rId3">
@@ -5961,7 +5961,7 @@
 <file path=ppt/charts/chart6.xml><?xml version="1.0" encoding="utf-8"?>
 <c:chartSpace xmlns:c="http://schemas.openxmlformats.org/drawingml/2006/chart" xmlns:a="http://schemas.openxmlformats.org/drawingml/2006/main" xmlns:r="http://schemas.openxmlformats.org/officeDocument/2006/relationships" xmlns:c16r2="http://schemas.microsoft.com/office/drawing/2015/06/chart">
   <c:date1904 val="0"/>
-  <c:lang val="en-US"/>
+  <c:lang val="fr-FR"/>
   <c:roundedCorners val="0"/>
   <mc:AlternateContent xmlns:mc="http://schemas.openxmlformats.org/markup-compatibility/2006">
     <mc:Choice xmlns:c14="http://schemas.microsoft.com/office/drawing/2007/8/2/chart" Requires="c14">
@@ -6209,7 +6209,7 @@
                   <a:cs typeface="+mn-cs"/>
                 </a:defRPr>
               </a:pPr>
-              <a:endParaRPr lang="en-US"/>
+              <a:endParaRPr lang="fr-FR"/>
             </a:p>
           </c:txPr>
         </c:title>
@@ -6247,7 +6247,7 @@
                 <a:cs typeface="+mn-cs"/>
               </a:defRPr>
             </a:pPr>
-            <a:endParaRPr lang="en-US"/>
+            <a:endParaRPr lang="fr-FR"/>
           </a:p>
         </c:txPr>
         <c:crossAx val="1632011967"/>
@@ -6287,7 +6287,7 @@
       <a:pPr>
         <a:defRPr/>
       </a:pPr>
-      <a:endParaRPr lang="en-US"/>
+      <a:endParaRPr lang="fr-FR"/>
     </a:p>
   </c:txPr>
   <c:externalData r:id="rId3">
@@ -9670,6 +9670,20 @@
       </ac:txMk>
     </ac:txMkLst>
     <p188:pos x="6266996" y="3947369"/>
+    <p188:replyLst>
+      <p188:reply id="{4D2E3173-7F5B-494D-9B6F-EC70F917A23F}" authorId="{E68F2F47-82E5-2BC7-0FEC-4F4EC863DDC3}" created="2024-04-11T03:56:20.273">
+        <p188:txBody>
+          <a:bodyPr/>
+          <a:lstStyle/>
+          <a:p>
+            <a:r>
+              <a:rPr lang="fr-FR"/>
+              <a:t>La force est une condition de Neumann puisqu'elle agit sur une des dérivées de la flèche (dérivée seconde). Je ne sais pas si ces deux affirmations sont compatibles  </a:t>
+            </a:r>
+          </a:p>
+        </p188:txBody>
+      </p188:reply>
+    </p188:replyLst>
     <p188:txBody>
       <a:bodyPr/>
       <a:lstStyle/>
@@ -9696,6 +9710,20 @@
       </ac:txMk>
     </ac:txMkLst>
     <p188:pos x="3940175" y="1481701"/>
+    <p188:replyLst>
+      <p188:reply id="{21130A69-027F-4B38-9582-7DA70CCE4EB0}" authorId="{E68F2F47-82E5-2BC7-0FEC-4F4EC863DDC3}" created="2024-04-11T03:57:20.340">
+        <p188:txBody>
+          <a:bodyPr/>
+          <a:lstStyle/>
+          <a:p>
+            <a:r>
+              <a:rPr lang="fr-FR"/>
+              <a:t>Il existe une solution analytique mais avec l'hypothèse de poutre élancée le terme en plus de la modélisation de Timoshenko est négligeable </a:t>
+            </a:r>
+          </a:p>
+        </p188:txBody>
+      </p188:reply>
+    </p188:replyLst>
     <p188:txBody>
       <a:bodyPr/>
       <a:lstStyle/>
@@ -9719,6 +9747,20 @@
       </ac:txMk>
     </ac:txMkLst>
     <p188:pos x="230257" y="1744289"/>
+    <p188:replyLst>
+      <p188:reply id="{DC6A1E44-243A-4112-8FE1-B97BFADAFD01}" authorId="{E68F2F47-82E5-2BC7-0FEC-4F4EC863DDC3}" created="2024-04-11T03:57:51.650">
+        <p188:txBody>
+          <a:bodyPr/>
+          <a:lstStyle/>
+          <a:p>
+            <a:r>
+              <a:rPr lang="fr-FR"/>
+              <a:t>@Alexandre peut tu fournir la valeur de I que t'as utilisée pour les simulations</a:t>
+            </a:r>
+          </a:p>
+        </p188:txBody>
+      </p188:reply>
+    </p188:replyLst>
     <p188:txBody>
       <a:bodyPr/>
       <a:lstStyle/>
@@ -9806,6 +9848,20 @@
       </ac:txMk>
     </ac:txMkLst>
     <p188:pos x="8564217" y="748000"/>
+    <p188:replyLst>
+      <p188:reply id="{B34F2192-071B-4E6B-B768-4530513785EF}" authorId="{E68F2F47-82E5-2BC7-0FEC-4F4EC863DDC3}" created="2024-04-11T04:00:02.254">
+        <p188:txBody>
+          <a:bodyPr/>
+          <a:lstStyle/>
+          <a:p>
+            <a:r>
+              <a:rPr lang="fr-FR"/>
+              <a:t>Il faut enlever cette phrase</a:t>
+            </a:r>
+          </a:p>
+        </p188:txBody>
+      </p188:reply>
+    </p188:replyLst>
     <p188:txBody>
       <a:bodyPr/>
       <a:lstStyle/>
@@ -10101,7 +10157,7 @@
           <a:p>
             <a:fld id="{603E9730-38DB-4F77-A139-6CE923099591}" type="slidenum">
               <a:rPr lang="en-CA" smtClean="0"/>
-              <a:t>‹#›</a:t>
+              <a:t>‹N°›</a:t>
             </a:fld>
             <a:endParaRPr lang="en-CA"/>
           </a:p>
@@ -10413,7 +10469,7 @@
           <a:p>
             <a:fld id="{4BD3201E-7DF8-462B-AC18-61E63795AE0D}" type="slidenum">
               <a:rPr lang="en-CA" smtClean="0"/>
-              <a:t>‹#›</a:t>
+              <a:t>‹N°›</a:t>
             </a:fld>
             <a:endParaRPr lang="en-CA"/>
           </a:p>
@@ -10613,7 +10669,7 @@
           <a:p>
             <a:fld id="{4BD3201E-7DF8-462B-AC18-61E63795AE0D}" type="slidenum">
               <a:rPr lang="en-CA" smtClean="0"/>
-              <a:t>‹#›</a:t>
+              <a:t>‹N°›</a:t>
             </a:fld>
             <a:endParaRPr lang="en-CA"/>
           </a:p>
@@ -10823,7 +10879,7 @@
           <a:p>
             <a:fld id="{4BD3201E-7DF8-462B-AC18-61E63795AE0D}" type="slidenum">
               <a:rPr lang="en-CA" smtClean="0"/>
-              <a:t>‹#›</a:t>
+              <a:t>‹N°›</a:t>
             </a:fld>
             <a:endParaRPr lang="en-CA"/>
           </a:p>
@@ -11023,7 +11079,7 @@
           <a:p>
             <a:fld id="{4BD3201E-7DF8-462B-AC18-61E63795AE0D}" type="slidenum">
               <a:rPr lang="en-CA" smtClean="0"/>
-              <a:t>‹#›</a:t>
+              <a:t>‹N°›</a:t>
             </a:fld>
             <a:endParaRPr lang="en-CA"/>
           </a:p>
@@ -11299,7 +11355,7 @@
           <a:p>
             <a:fld id="{4BD3201E-7DF8-462B-AC18-61E63795AE0D}" type="slidenum">
               <a:rPr lang="en-CA" smtClean="0"/>
-              <a:t>‹#›</a:t>
+              <a:t>‹N°›</a:t>
             </a:fld>
             <a:endParaRPr lang="en-CA"/>
           </a:p>
@@ -11567,7 +11623,7 @@
           <a:p>
             <a:fld id="{4BD3201E-7DF8-462B-AC18-61E63795AE0D}" type="slidenum">
               <a:rPr lang="en-CA" smtClean="0"/>
-              <a:t>‹#›</a:t>
+              <a:t>‹N°›</a:t>
             </a:fld>
             <a:endParaRPr lang="en-CA"/>
           </a:p>
@@ -11982,7 +12038,7 @@
           <a:p>
             <a:fld id="{4BD3201E-7DF8-462B-AC18-61E63795AE0D}" type="slidenum">
               <a:rPr lang="en-CA" smtClean="0"/>
-              <a:t>‹#›</a:t>
+              <a:t>‹N°›</a:t>
             </a:fld>
             <a:endParaRPr lang="en-CA"/>
           </a:p>
@@ -12124,7 +12180,7 @@
           <a:p>
             <a:fld id="{4BD3201E-7DF8-462B-AC18-61E63795AE0D}" type="slidenum">
               <a:rPr lang="en-CA" smtClean="0"/>
-              <a:t>‹#›</a:t>
+              <a:t>‹N°›</a:t>
             </a:fld>
             <a:endParaRPr lang="en-CA"/>
           </a:p>
@@ -12237,7 +12293,7 @@
           <a:p>
             <a:fld id="{4BD3201E-7DF8-462B-AC18-61E63795AE0D}" type="slidenum">
               <a:rPr lang="en-CA" smtClean="0"/>
-              <a:t>‹#›</a:t>
+              <a:t>‹N°›</a:t>
             </a:fld>
             <a:endParaRPr lang="en-CA"/>
           </a:p>
@@ -12550,7 +12606,7 @@
           <a:p>
             <a:fld id="{4BD3201E-7DF8-462B-AC18-61E63795AE0D}" type="slidenum">
               <a:rPr lang="en-CA" smtClean="0"/>
-              <a:t>‹#›</a:t>
+              <a:t>‹N°›</a:t>
             </a:fld>
             <a:endParaRPr lang="en-CA"/>
           </a:p>
@@ -12839,7 +12895,7 @@
           <a:p>
             <a:fld id="{4BD3201E-7DF8-462B-AC18-61E63795AE0D}" type="slidenum">
               <a:rPr lang="en-CA" smtClean="0"/>
-              <a:t>‹#›</a:t>
+              <a:t>‹N°›</a:t>
             </a:fld>
             <a:endParaRPr lang="en-CA"/>
           </a:p>
@@ -13118,7 +13174,7 @@
           <a:p>
             <a:fld id="{4BD3201E-7DF8-462B-AC18-61E63795AE0D}" type="slidenum">
               <a:rPr lang="en-CA" smtClean="0"/>
-              <a:t>‹#›</a:t>
+              <a:t>‹N°›</a:t>
             </a:fld>
             <a:endParaRPr lang="en-CA"/>
           </a:p>
@@ -14885,7 +14941,15 @@
                 </a:pPr>
                 <a:r>
                   <a:rPr lang="fr-CA" sz="1800" dirty="0"/>
-                  <a:t>					(l’ordre formel est obtenu d’après l’ordre du type 							d’éléments utilisés en FEM – or ici les PBEAM sont des 						éléments d’ordre 2).</a:t>
+                  <a:t>					</a:t>
+                </a:r>
+                <a:r>
+                  <a:rPr lang="fr-CA" sz="1800" dirty="0">
+                    <a:highlight>
+                      <a:srgbClr val="FFFF00"/>
+                    </a:highlight>
+                  </a:rPr>
+                  <a:t>(l’ordre formel est obtenu d’après l’ordre du type 							d’éléments utilisés en FEM – or ici les PBEAM sont des 						éléments d’ordre 2).</a:t>
                 </a:r>
               </a:p>
               <a:p>
@@ -14934,7 +14998,7 @@
               <a:lstStyle/>
               <a:p>
                 <a:r>
-                  <a:rPr lang="en-CA">
+                  <a:rPr lang="fr-FR">
                     <a:noFill/>
                   </a:rPr>
                   <a:t> </a:t>
@@ -25378,7 +25442,7 @@
             </a:pPr>
             <a:r>
               <a:rPr lang="fr-CA" sz="1800" dirty="0"/>
-              <a:t>Par la suite plusieurs simulations ont été réalisées en augmentant le nombre d’éléments de la poutre (i.e. en diminuant le pas en espace).</a:t>
+              <a:t>Comme mentionné précédemment, les simulations ont été réalisées en augmentant le nombre d’éléments de la poutre (i.e. en diminuant le pas en espace).</a:t>
             </a:r>
           </a:p>
           <a:p>
@@ -26782,6 +26846,15 @@
 </file>
 
 <file path=customXml/item1.xml><?xml version="1.0" encoding="utf-8"?>
+<?mso-contentType ?>
+<FormTemplates xmlns="http://schemas.microsoft.com/sharepoint/v3/contenttype/forms">
+  <Display>DocumentLibraryForm</Display>
+  <Edit>DocumentLibraryForm</Edit>
+  <New>DocumentLibraryForm</New>
+</FormTemplates>
+</file>
+
+<file path=customXml/item2.xml><?xml version="1.0" encoding="utf-8"?>
 <p:properties xmlns:p="http://schemas.microsoft.com/office/2006/metadata/properties" xmlns:xsi="http://www.w3.org/2001/XMLSchema-instance" xmlns:pc="http://schemas.microsoft.com/office/infopath/2007/PartnerControls">
   <documentManagement>
     <lcf76f155ced4ddcb4097134ff3c332f xmlns="ec825916-6f01-4646-bf11-4e97fdd06dc8">
@@ -26790,15 +26863,6 @@
     <TaxCatchAll xmlns="10202d72-3646-4d36-9cf4-1feba2c78df0" xsi:nil="true"/>
   </documentManagement>
 </p:properties>
-</file>
-
-<file path=customXml/item2.xml><?xml version="1.0" encoding="utf-8"?>
-<?mso-contentType ?>
-<FormTemplates xmlns="http://schemas.microsoft.com/sharepoint/v3/contenttype/forms">
-  <Display>DocumentLibraryForm</Display>
-  <Edit>DocumentLibraryForm</Edit>
-  <New>DocumentLibraryForm</New>
-</FormTemplates>
 </file>
 
 <file path=customXml/item3.xml><?xml version="1.0" encoding="utf-8"?>
@@ -26997,6 +27061,14 @@
 </file>
 
 <file path=customXml/itemProps1.xml><?xml version="1.0" encoding="utf-8"?>
+<ds:datastoreItem xmlns:ds="http://schemas.openxmlformats.org/officeDocument/2006/customXml" ds:itemID="{73F4A501-0066-4B8E-9AA2-A07CF344BF69}">
+  <ds:schemaRefs>
+    <ds:schemaRef ds:uri="http://schemas.microsoft.com/sharepoint/v3/contenttype/forms"/>
+  </ds:schemaRefs>
+</ds:datastoreItem>
+</file>
+
+<file path=customXml/itemProps2.xml><?xml version="1.0" encoding="utf-8"?>
 <ds:datastoreItem xmlns:ds="http://schemas.openxmlformats.org/officeDocument/2006/customXml" ds:itemID="{CC0D4AF6-CA21-4510-812C-479171907BC9}">
   <ds:schemaRefs>
     <ds:schemaRef ds:uri="ec825916-6f01-4646-bf11-4e97fdd06dc8"/>
@@ -27009,14 +27081,6 @@
     <ds:schemaRef ds:uri="http://schemas.microsoft.com/office/2006/metadata/properties"/>
     <ds:schemaRef ds:uri="http://schemas.openxmlformats.org/package/2006/metadata/core-properties"/>
     <ds:schemaRef ds:uri="http://purl.org/dc/elements/1.1/"/>
-  </ds:schemaRefs>
-</ds:datastoreItem>
-</file>
-
-<file path=customXml/itemProps2.xml><?xml version="1.0" encoding="utf-8"?>
-<ds:datastoreItem xmlns:ds="http://schemas.openxmlformats.org/officeDocument/2006/customXml" ds:itemID="{73F4A501-0066-4B8E-9AA2-A07CF344BF69}">
-  <ds:schemaRefs>
-    <ds:schemaRef ds:uri="http://schemas.microsoft.com/sharepoint/v3/contenttype/forms"/>
   </ds:schemaRefs>
 </ds:datastoreItem>
 </file>

--- a/Rapport_Projet_V1.pptx
+++ b/Rapport_Projet_V1.pptx
@@ -954,7 +954,7 @@
 <file path=ppt/charts/chart1.xml><?xml version="1.0" encoding="utf-8"?>
 <c:chartSpace xmlns:c="http://schemas.openxmlformats.org/drawingml/2006/chart" xmlns:a="http://schemas.openxmlformats.org/drawingml/2006/main" xmlns:r="http://schemas.openxmlformats.org/officeDocument/2006/relationships" xmlns:c16r2="http://schemas.microsoft.com/office/drawing/2015/06/chart">
   <c:date1904 val="0"/>
-  <c:lang val="fr-FR"/>
+  <c:lang val="en-US"/>
   <c:roundedCorners val="0"/>
   <mc:AlternateContent xmlns:mc="http://schemas.openxmlformats.org/markup-compatibility/2006">
     <mc:Choice xmlns:c14="http://schemas.microsoft.com/office/drawing/2007/8/2/chart" Requires="c14">
@@ -2080,7 +2080,7 @@
                   <a:cs typeface="+mn-cs"/>
                 </a:defRPr>
               </a:pPr>
-              <a:endParaRPr lang="fr-FR"/>
+              <a:endParaRPr lang="en-US"/>
             </a:p>
           </c:txPr>
         </c:title>
@@ -2118,7 +2118,7 @@
                 <a:cs typeface="+mn-cs"/>
               </a:defRPr>
             </a:pPr>
-            <a:endParaRPr lang="fr-FR"/>
+            <a:endParaRPr lang="en-US"/>
           </a:p>
         </c:txPr>
         <c:crossAx val="477271791"/>
@@ -2202,7 +2202,7 @@
                   <a:cs typeface="+mn-cs"/>
                 </a:defRPr>
               </a:pPr>
-              <a:endParaRPr lang="fr-FR"/>
+              <a:endParaRPr lang="en-US"/>
             </a:p>
           </c:txPr>
         </c:title>
@@ -2240,7 +2240,7 @@
                 <a:cs typeface="+mn-cs"/>
               </a:defRPr>
             </a:pPr>
-            <a:endParaRPr lang="fr-FR"/>
+            <a:endParaRPr lang="en-US"/>
           </a:p>
         </c:txPr>
         <c:crossAx val="477280911"/>
@@ -2292,7 +2292,7 @@
               <a:cs typeface="+mn-cs"/>
             </a:defRPr>
           </a:pPr>
-          <a:endParaRPr lang="fr-FR"/>
+          <a:endParaRPr lang="en-US"/>
         </a:p>
       </c:txPr>
     </c:legend>
@@ -2321,7 +2321,7 @@
       <a:pPr>
         <a:defRPr/>
       </a:pPr>
-      <a:endParaRPr lang="fr-FR"/>
+      <a:endParaRPr lang="en-US"/>
     </a:p>
   </c:txPr>
   <c:externalData r:id="rId3">
@@ -2333,7 +2333,7 @@
 <file path=ppt/charts/chart2.xml><?xml version="1.0" encoding="utf-8"?>
 <c:chartSpace xmlns:c="http://schemas.openxmlformats.org/drawingml/2006/chart" xmlns:a="http://schemas.openxmlformats.org/drawingml/2006/main" xmlns:r="http://schemas.openxmlformats.org/officeDocument/2006/relationships" xmlns:c16r2="http://schemas.microsoft.com/office/drawing/2015/06/chart">
   <c:date1904 val="0"/>
-  <c:lang val="fr-FR"/>
+  <c:lang val="en-US"/>
   <c:roundedCorners val="0"/>
   <mc:AlternateContent xmlns:mc="http://schemas.openxmlformats.org/markup-compatibility/2006">
     <mc:Choice xmlns:c14="http://schemas.microsoft.com/office/drawing/2007/8/2/chart" Requires="c14">
@@ -2408,7 +2408,7 @@
               <a:cs typeface="+mn-cs"/>
             </a:defRPr>
           </a:pPr>
-          <a:endParaRPr lang="fr-FR"/>
+          <a:endParaRPr lang="en-US"/>
         </a:p>
       </c:txPr>
     </c:title>
@@ -2499,7 +2499,7 @@
                       <a:cs typeface="+mn-cs"/>
                     </a:defRPr>
                   </a:pPr>
-                  <a:endParaRPr lang="fr-FR"/>
+                  <a:endParaRPr lang="en-US"/>
                 </a:p>
               </c:txPr>
             </c:trendlineLbl>
@@ -2642,7 +2642,7 @@
                             <a:cs typeface="+mn-cs"/>
                           </a:defRPr>
                         </a:pPr>
-                        <a:endParaRPr lang="fr-FR"/>
+                        <a:endParaRPr lang="en-US"/>
                       </a:p>
                     </c:txPr>
                   </c:trendlineLbl>
@@ -2784,7 +2784,7 @@
                   <a:cs typeface="+mn-cs"/>
                 </a:defRPr>
               </a:pPr>
-              <a:endParaRPr lang="fr-FR"/>
+              <a:endParaRPr lang="en-US"/>
             </a:p>
           </c:txPr>
         </c:title>
@@ -2822,7 +2822,7 @@
                 <a:cs typeface="+mn-cs"/>
               </a:defRPr>
             </a:pPr>
-            <a:endParaRPr lang="fr-FR"/>
+            <a:endParaRPr lang="en-US"/>
           </a:p>
         </c:txPr>
         <c:crossAx val="1420657695"/>
@@ -2906,7 +2906,7 @@
                   <a:cs typeface="+mn-cs"/>
                 </a:defRPr>
               </a:pPr>
-              <a:endParaRPr lang="fr-FR"/>
+              <a:endParaRPr lang="en-US"/>
             </a:p>
           </c:txPr>
         </c:title>
@@ -2944,7 +2944,7 @@
                 <a:cs typeface="+mn-cs"/>
               </a:defRPr>
             </a:pPr>
-            <a:endParaRPr lang="fr-FR"/>
+            <a:endParaRPr lang="en-US"/>
           </a:p>
         </c:txPr>
         <c:crossAx val="1911372511"/>
@@ -2984,7 +2984,7 @@
       <a:pPr>
         <a:defRPr/>
       </a:pPr>
-      <a:endParaRPr lang="fr-FR"/>
+      <a:endParaRPr lang="en-US"/>
     </a:p>
   </c:txPr>
   <c:externalData r:id="rId3">
@@ -2996,7 +2996,7 @@
 <file path=ppt/charts/chart3.xml><?xml version="1.0" encoding="utf-8"?>
 <c:chartSpace xmlns:c="http://schemas.openxmlformats.org/drawingml/2006/chart" xmlns:a="http://schemas.openxmlformats.org/drawingml/2006/main" xmlns:r="http://schemas.openxmlformats.org/officeDocument/2006/relationships" xmlns:c16r2="http://schemas.microsoft.com/office/drawing/2015/06/chart">
   <c:date1904 val="0"/>
-  <c:lang val="fr-FR"/>
+  <c:lang val="en-US"/>
   <c:roundedCorners val="0"/>
   <mc:AlternateContent xmlns:mc="http://schemas.openxmlformats.org/markup-compatibility/2006">
     <mc:Choice xmlns:c14="http://schemas.microsoft.com/office/drawing/2007/8/2/chart" Requires="c14">
@@ -3757,7 +3757,7 @@
                   <a:cs typeface="+mn-cs"/>
                 </a:defRPr>
               </a:pPr>
-              <a:endParaRPr lang="fr-FR"/>
+              <a:endParaRPr lang="en-US"/>
             </a:p>
           </c:txPr>
         </c:title>
@@ -3795,7 +3795,7 @@
                 <a:cs typeface="+mn-cs"/>
               </a:defRPr>
             </a:pPr>
-            <a:endParaRPr lang="fr-FR"/>
+            <a:endParaRPr lang="en-US"/>
           </a:p>
         </c:txPr>
         <c:crossAx val="1457253920"/>
@@ -3875,7 +3875,7 @@
                   <a:cs typeface="+mn-cs"/>
                 </a:defRPr>
               </a:pPr>
-              <a:endParaRPr lang="fr-FR"/>
+              <a:endParaRPr lang="en-US"/>
             </a:p>
           </c:txPr>
         </c:title>
@@ -3913,7 +3913,7 @@
                 <a:cs typeface="+mn-cs"/>
               </a:defRPr>
             </a:pPr>
-            <a:endParaRPr lang="fr-FR"/>
+            <a:endParaRPr lang="en-US"/>
           </a:p>
         </c:txPr>
         <c:crossAx val="1457258720"/>
@@ -3953,7 +3953,7 @@
       <a:pPr>
         <a:defRPr/>
       </a:pPr>
-      <a:endParaRPr lang="fr-FR"/>
+      <a:endParaRPr lang="en-US"/>
     </a:p>
   </c:txPr>
   <c:externalData r:id="rId3">
@@ -3965,7 +3965,7 @@
 <file path=ppt/charts/chart4.xml><?xml version="1.0" encoding="utf-8"?>
 <c:chartSpace xmlns:c="http://schemas.openxmlformats.org/drawingml/2006/chart" xmlns:a="http://schemas.openxmlformats.org/drawingml/2006/main" xmlns:r="http://schemas.openxmlformats.org/officeDocument/2006/relationships" xmlns:c16r2="http://schemas.microsoft.com/office/drawing/2015/06/chart">
   <c:date1904 val="0"/>
-  <c:lang val="fr-FR"/>
+  <c:lang val="en-US"/>
   <c:roundedCorners val="0"/>
   <mc:AlternateContent xmlns:mc="http://schemas.openxmlformats.org/markup-compatibility/2006">
     <mc:Choice xmlns:c14="http://schemas.microsoft.com/office/drawing/2007/8/2/chart" Requires="c14">
@@ -4738,7 +4738,7 @@
                   <a:cs typeface="+mn-cs"/>
                 </a:defRPr>
               </a:pPr>
-              <a:endParaRPr lang="fr-FR"/>
+              <a:endParaRPr lang="en-US"/>
             </a:p>
           </c:txPr>
         </c:title>
@@ -4776,7 +4776,7 @@
                 <a:cs typeface="+mn-cs"/>
               </a:defRPr>
             </a:pPr>
-            <a:endParaRPr lang="fr-FR"/>
+            <a:endParaRPr lang="en-US"/>
           </a:p>
         </c:txPr>
         <c:crossAx val="2041938592"/>
@@ -4856,7 +4856,7 @@
                   <a:cs typeface="+mn-cs"/>
                 </a:defRPr>
               </a:pPr>
-              <a:endParaRPr lang="fr-FR"/>
+              <a:endParaRPr lang="en-US"/>
             </a:p>
           </c:txPr>
         </c:title>
@@ -4894,7 +4894,7 @@
                 <a:cs typeface="+mn-cs"/>
               </a:defRPr>
             </a:pPr>
-            <a:endParaRPr lang="fr-FR"/>
+            <a:endParaRPr lang="en-US"/>
           </a:p>
         </c:txPr>
         <c:crossAx val="2041944352"/>
@@ -4934,7 +4934,7 @@
       <a:pPr>
         <a:defRPr/>
       </a:pPr>
-      <a:endParaRPr lang="fr-FR"/>
+      <a:endParaRPr lang="en-US"/>
     </a:p>
   </c:txPr>
   <c:externalData r:id="rId3">
@@ -4946,7 +4946,7 @@
 <file path=ppt/charts/chart5.xml><?xml version="1.0" encoding="utf-8"?>
 <c:chartSpace xmlns:c="http://schemas.openxmlformats.org/drawingml/2006/chart" xmlns:a="http://schemas.openxmlformats.org/drawingml/2006/main" xmlns:r="http://schemas.openxmlformats.org/officeDocument/2006/relationships" xmlns:c16r2="http://schemas.microsoft.com/office/drawing/2015/06/chart">
   <c:date1904 val="0"/>
-  <c:lang val="fr-FR"/>
+  <c:lang val="en-US"/>
   <c:roundedCorners val="0"/>
   <mc:AlternateContent xmlns:mc="http://schemas.openxmlformats.org/markup-compatibility/2006">
     <mc:Choice xmlns:c14="http://schemas.microsoft.com/office/drawing/2007/8/2/chart" Requires="c14">
@@ -5753,7 +5753,7 @@
                   <a:cs typeface="+mn-cs"/>
                 </a:defRPr>
               </a:pPr>
-              <a:endParaRPr lang="fr-FR"/>
+              <a:endParaRPr lang="en-US"/>
             </a:p>
           </c:txPr>
         </c:title>
@@ -5791,7 +5791,7 @@
                 <a:cs typeface="+mn-cs"/>
               </a:defRPr>
             </a:pPr>
-            <a:endParaRPr lang="fr-FR"/>
+            <a:endParaRPr lang="en-US"/>
           </a:p>
         </c:txPr>
         <c:crossAx val="2041041472"/>
@@ -5871,7 +5871,7 @@
                   <a:cs typeface="+mn-cs"/>
                 </a:defRPr>
               </a:pPr>
-              <a:endParaRPr lang="fr-FR"/>
+              <a:endParaRPr lang="en-US"/>
             </a:p>
           </c:txPr>
         </c:title>
@@ -5909,7 +5909,7 @@
                 <a:cs typeface="+mn-cs"/>
               </a:defRPr>
             </a:pPr>
-            <a:endParaRPr lang="fr-FR"/>
+            <a:endParaRPr lang="en-US"/>
           </a:p>
         </c:txPr>
         <c:crossAx val="2041040032"/>
@@ -5949,7 +5949,7 @@
       <a:pPr>
         <a:defRPr/>
       </a:pPr>
-      <a:endParaRPr lang="fr-FR"/>
+      <a:endParaRPr lang="en-US"/>
     </a:p>
   </c:txPr>
   <c:externalData r:id="rId3">
@@ -5961,7 +5961,7 @@
 <file path=ppt/charts/chart6.xml><?xml version="1.0" encoding="utf-8"?>
 <c:chartSpace xmlns:c="http://schemas.openxmlformats.org/drawingml/2006/chart" xmlns:a="http://schemas.openxmlformats.org/drawingml/2006/main" xmlns:r="http://schemas.openxmlformats.org/officeDocument/2006/relationships" xmlns:c16r2="http://schemas.microsoft.com/office/drawing/2015/06/chart">
   <c:date1904 val="0"/>
-  <c:lang val="fr-FR"/>
+  <c:lang val="en-US"/>
   <c:roundedCorners val="0"/>
   <mc:AlternateContent xmlns:mc="http://schemas.openxmlformats.org/markup-compatibility/2006">
     <mc:Choice xmlns:c14="http://schemas.microsoft.com/office/drawing/2007/8/2/chart" Requires="c14">
@@ -6209,7 +6209,7 @@
                   <a:cs typeface="+mn-cs"/>
                 </a:defRPr>
               </a:pPr>
-              <a:endParaRPr lang="fr-FR"/>
+              <a:endParaRPr lang="en-US"/>
             </a:p>
           </c:txPr>
         </c:title>
@@ -6247,7 +6247,7 @@
                 <a:cs typeface="+mn-cs"/>
               </a:defRPr>
             </a:pPr>
-            <a:endParaRPr lang="fr-FR"/>
+            <a:endParaRPr lang="en-US"/>
           </a:p>
         </c:txPr>
         <c:crossAx val="1632011967"/>
@@ -6287,7 +6287,7 @@
       <a:pPr>
         <a:defRPr/>
       </a:pPr>
-      <a:endParaRPr lang="fr-FR"/>
+      <a:endParaRPr lang="en-US"/>
     </a:p>
   </c:txPr>
   <c:externalData r:id="rId3">
@@ -9683,6 +9683,18 @@
           </a:p>
         </p188:txBody>
       </p188:reply>
+      <p188:reply id="{ED1DFAE6-706E-4F5A-9066-E3A5E6431B52}" authorId="{4BB11620-EFBC-D13A-7B93-45F2C922ABDE}" created="2024-04-11T04:53:01.967">
+        <p188:txBody>
+          <a:bodyPr/>
+          <a:lstStyle/>
+          <a:p>
+            <a:r>
+              <a:rPr lang="en-CA"/>
+              <a:t>Oui je sais qu' "une force" est en general une condition de neumann mais dans ce cas particulier je ne crois pas que le role de la force soit une condition frontiere car on l'utilise aussi comme variable d'entrée qui varie</a:t>
+            </a:r>
+          </a:p>
+        </p188:txBody>
+      </p188:reply>
     </p188:replyLst>
     <p188:txBody>
       <a:bodyPr/>
@@ -9722,6 +9734,15 @@
             </a:r>
           </a:p>
         </p188:txBody>
+        <p188:extLst>
+          <p:ext xmlns:p="http://schemas.openxmlformats.org/presentationml/2006/main" uri="{57CB4572-C831-44C2-8A1C-0ADB6CCDFE69}">
+            <p223:reactions xmlns:p223="http://schemas.microsoft.com/office/powerpoint/2022/03/main">
+              <p223:rxn type="👍">
+                <p223:instance time="2024-04-11T04:53:19.686" authorId="{4BB11620-EFBC-D13A-7B93-45F2C922ABDE}"/>
+              </p223:rxn>
+            </p223:reactions>
+          </p:ext>
+        </p188:extLst>
       </p188:reply>
     </p188:replyLst>
     <p188:txBody>
@@ -9861,6 +9882,18 @@
           </a:p>
         </p188:txBody>
       </p188:reply>
+      <p188:reply id="{BC82CEF8-FA9E-4B11-85B2-C869687F2122}" authorId="{4BB11620-EFBC-D13A-7B93-45F2C922ABDE}" created="2024-04-11T04:55:25.070">
+        <p188:txBody>
+          <a:bodyPr/>
+          <a:lstStyle/>
+          <a:p>
+            <a:r>
+              <a:rPr lang="en-CA"/>
+              <a:t>Pourquoi? Il ne faut pas preciser qu'on travaille à des conditions fixes pour la convergence?</a:t>
+            </a:r>
+          </a:p>
+        </p188:txBody>
+      </p188:reply>
     </p188:replyLst>
     <p188:txBody>
       <a:bodyPr/>
@@ -9896,7 +9929,7 @@
           <a:p>
             <a:r>
               <a:rPr lang="en-CA"/>
-              <a:t>Ajouté la diapo precedente</a:t>
+              <a:t>Ajouté à la diapo precedente</a:t>
             </a:r>
           </a:p>
         </p188:txBody>
@@ -9998,7 +10031,7 @@
           <a:p>
             <a:fld id="{DAB5DE69-65B2-445A-B9D2-BC2BC199D49F}" type="datetimeFigureOut">
               <a:rPr lang="en-CA" smtClean="0"/>
-              <a:t>2024-04-10</a:t>
+              <a:t>2024-04-11</a:t>
             </a:fld>
             <a:endParaRPr lang="en-CA"/>
           </a:p>
@@ -10157,7 +10190,7 @@
           <a:p>
             <a:fld id="{603E9730-38DB-4F77-A139-6CE923099591}" type="slidenum">
               <a:rPr lang="en-CA" smtClean="0"/>
-              <a:t>‹N°›</a:t>
+              <a:t>‹#›</a:t>
             </a:fld>
             <a:endParaRPr lang="en-CA"/>
           </a:p>
@@ -10415,7 +10448,7 @@
           <a:p>
             <a:fld id="{CF633E34-DD75-4254-AB88-C9D2090F6CC5}" type="datetimeFigureOut">
               <a:rPr lang="en-CA" smtClean="0"/>
-              <a:t>2024-04-10</a:t>
+              <a:t>2024-04-11</a:t>
             </a:fld>
             <a:endParaRPr lang="en-CA"/>
           </a:p>
@@ -10469,7 +10502,7 @@
           <a:p>
             <a:fld id="{4BD3201E-7DF8-462B-AC18-61E63795AE0D}" type="slidenum">
               <a:rPr lang="en-CA" smtClean="0"/>
-              <a:t>‹N°›</a:t>
+              <a:t>‹#›</a:t>
             </a:fld>
             <a:endParaRPr lang="en-CA"/>
           </a:p>
@@ -10615,7 +10648,7 @@
           <a:p>
             <a:fld id="{CF633E34-DD75-4254-AB88-C9D2090F6CC5}" type="datetimeFigureOut">
               <a:rPr lang="en-CA" smtClean="0"/>
-              <a:t>2024-04-10</a:t>
+              <a:t>2024-04-11</a:t>
             </a:fld>
             <a:endParaRPr lang="en-CA"/>
           </a:p>
@@ -10669,7 +10702,7 @@
           <a:p>
             <a:fld id="{4BD3201E-7DF8-462B-AC18-61E63795AE0D}" type="slidenum">
               <a:rPr lang="en-CA" smtClean="0"/>
-              <a:t>‹N°›</a:t>
+              <a:t>‹#›</a:t>
             </a:fld>
             <a:endParaRPr lang="en-CA"/>
           </a:p>
@@ -10825,7 +10858,7 @@
           <a:p>
             <a:fld id="{CF633E34-DD75-4254-AB88-C9D2090F6CC5}" type="datetimeFigureOut">
               <a:rPr lang="en-CA" smtClean="0"/>
-              <a:t>2024-04-10</a:t>
+              <a:t>2024-04-11</a:t>
             </a:fld>
             <a:endParaRPr lang="en-CA"/>
           </a:p>
@@ -10879,7 +10912,7 @@
           <a:p>
             <a:fld id="{4BD3201E-7DF8-462B-AC18-61E63795AE0D}" type="slidenum">
               <a:rPr lang="en-CA" smtClean="0"/>
-              <a:t>‹N°›</a:t>
+              <a:t>‹#›</a:t>
             </a:fld>
             <a:endParaRPr lang="en-CA"/>
           </a:p>
@@ -11025,7 +11058,7 @@
           <a:p>
             <a:fld id="{CF633E34-DD75-4254-AB88-C9D2090F6CC5}" type="datetimeFigureOut">
               <a:rPr lang="en-CA" smtClean="0"/>
-              <a:t>2024-04-10</a:t>
+              <a:t>2024-04-11</a:t>
             </a:fld>
             <a:endParaRPr lang="en-CA"/>
           </a:p>
@@ -11079,7 +11112,7 @@
           <a:p>
             <a:fld id="{4BD3201E-7DF8-462B-AC18-61E63795AE0D}" type="slidenum">
               <a:rPr lang="en-CA" smtClean="0"/>
-              <a:t>‹N°›</a:t>
+              <a:t>‹#›</a:t>
             </a:fld>
             <a:endParaRPr lang="en-CA"/>
           </a:p>
@@ -11301,7 +11334,7 @@
           <a:p>
             <a:fld id="{CF633E34-DD75-4254-AB88-C9D2090F6CC5}" type="datetimeFigureOut">
               <a:rPr lang="en-CA" smtClean="0"/>
-              <a:t>2024-04-10</a:t>
+              <a:t>2024-04-11</a:t>
             </a:fld>
             <a:endParaRPr lang="en-CA"/>
           </a:p>
@@ -11355,7 +11388,7 @@
           <a:p>
             <a:fld id="{4BD3201E-7DF8-462B-AC18-61E63795AE0D}" type="slidenum">
               <a:rPr lang="en-CA" smtClean="0"/>
-              <a:t>‹N°›</a:t>
+              <a:t>‹#›</a:t>
             </a:fld>
             <a:endParaRPr lang="en-CA"/>
           </a:p>
@@ -11569,7 +11602,7 @@
           <a:p>
             <a:fld id="{CF633E34-DD75-4254-AB88-C9D2090F6CC5}" type="datetimeFigureOut">
               <a:rPr lang="en-CA" smtClean="0"/>
-              <a:t>2024-04-10</a:t>
+              <a:t>2024-04-11</a:t>
             </a:fld>
             <a:endParaRPr lang="en-CA"/>
           </a:p>
@@ -11623,7 +11656,7 @@
           <a:p>
             <a:fld id="{4BD3201E-7DF8-462B-AC18-61E63795AE0D}" type="slidenum">
               <a:rPr lang="en-CA" smtClean="0"/>
-              <a:t>‹N°›</a:t>
+              <a:t>‹#›</a:t>
             </a:fld>
             <a:endParaRPr lang="en-CA"/>
           </a:p>
@@ -11984,7 +12017,7 @@
           <a:p>
             <a:fld id="{CF633E34-DD75-4254-AB88-C9D2090F6CC5}" type="datetimeFigureOut">
               <a:rPr lang="en-CA" smtClean="0"/>
-              <a:t>2024-04-10</a:t>
+              <a:t>2024-04-11</a:t>
             </a:fld>
             <a:endParaRPr lang="en-CA"/>
           </a:p>
@@ -12038,7 +12071,7 @@
           <a:p>
             <a:fld id="{4BD3201E-7DF8-462B-AC18-61E63795AE0D}" type="slidenum">
               <a:rPr lang="en-CA" smtClean="0"/>
-              <a:t>‹N°›</a:t>
+              <a:t>‹#›</a:t>
             </a:fld>
             <a:endParaRPr lang="en-CA"/>
           </a:p>
@@ -12126,7 +12159,7 @@
           <a:p>
             <a:fld id="{CF633E34-DD75-4254-AB88-C9D2090F6CC5}" type="datetimeFigureOut">
               <a:rPr lang="en-CA" smtClean="0"/>
-              <a:t>2024-04-10</a:t>
+              <a:t>2024-04-11</a:t>
             </a:fld>
             <a:endParaRPr lang="en-CA"/>
           </a:p>
@@ -12180,7 +12213,7 @@
           <a:p>
             <a:fld id="{4BD3201E-7DF8-462B-AC18-61E63795AE0D}" type="slidenum">
               <a:rPr lang="en-CA" smtClean="0"/>
-              <a:t>‹N°›</a:t>
+              <a:t>‹#›</a:t>
             </a:fld>
             <a:endParaRPr lang="en-CA"/>
           </a:p>
@@ -12239,7 +12272,7 @@
           <a:p>
             <a:fld id="{CF633E34-DD75-4254-AB88-C9D2090F6CC5}" type="datetimeFigureOut">
               <a:rPr lang="en-CA" smtClean="0"/>
-              <a:t>2024-04-10</a:t>
+              <a:t>2024-04-11</a:t>
             </a:fld>
             <a:endParaRPr lang="en-CA"/>
           </a:p>
@@ -12293,7 +12326,7 @@
           <a:p>
             <a:fld id="{4BD3201E-7DF8-462B-AC18-61E63795AE0D}" type="slidenum">
               <a:rPr lang="en-CA" smtClean="0"/>
-              <a:t>‹N°›</a:t>
+              <a:t>‹#›</a:t>
             </a:fld>
             <a:endParaRPr lang="en-CA"/>
           </a:p>
@@ -12552,7 +12585,7 @@
           <a:p>
             <a:fld id="{CF633E34-DD75-4254-AB88-C9D2090F6CC5}" type="datetimeFigureOut">
               <a:rPr lang="en-CA" smtClean="0"/>
-              <a:t>2024-04-10</a:t>
+              <a:t>2024-04-11</a:t>
             </a:fld>
             <a:endParaRPr lang="en-CA"/>
           </a:p>
@@ -12606,7 +12639,7 @@
           <a:p>
             <a:fld id="{4BD3201E-7DF8-462B-AC18-61E63795AE0D}" type="slidenum">
               <a:rPr lang="en-CA" smtClean="0"/>
-              <a:t>‹N°›</a:t>
+              <a:t>‹#›</a:t>
             </a:fld>
             <a:endParaRPr lang="en-CA"/>
           </a:p>
@@ -12841,7 +12874,7 @@
           <a:p>
             <a:fld id="{CF633E34-DD75-4254-AB88-C9D2090F6CC5}" type="datetimeFigureOut">
               <a:rPr lang="en-CA" smtClean="0"/>
-              <a:t>2024-04-10</a:t>
+              <a:t>2024-04-11</a:t>
             </a:fld>
             <a:endParaRPr lang="en-CA"/>
           </a:p>
@@ -12895,7 +12928,7 @@
           <a:p>
             <a:fld id="{4BD3201E-7DF8-462B-AC18-61E63795AE0D}" type="slidenum">
               <a:rPr lang="en-CA" smtClean="0"/>
-              <a:t>‹N°›</a:t>
+              <a:t>‹#›</a:t>
             </a:fld>
             <a:endParaRPr lang="en-CA"/>
           </a:p>
@@ -13084,7 +13117,7 @@
           <a:p>
             <a:fld id="{CF633E34-DD75-4254-AB88-C9D2090F6CC5}" type="datetimeFigureOut">
               <a:rPr lang="en-CA" smtClean="0"/>
-              <a:t>2024-04-10</a:t>
+              <a:t>2024-04-11</a:t>
             </a:fld>
             <a:endParaRPr lang="en-CA"/>
           </a:p>
@@ -13174,7 +13207,7 @@
           <a:p>
             <a:fld id="{4BD3201E-7DF8-462B-AC18-61E63795AE0D}" type="slidenum">
               <a:rPr lang="en-CA" smtClean="0"/>
-              <a:t>‹N°›</a:t>
+              <a:t>‹#›</a:t>
             </a:fld>
             <a:endParaRPr lang="en-CA"/>
           </a:p>
@@ -14420,8 +14453,8 @@
           </a:p>
         </p:txBody>
       </p:sp>
-      <mc:AlternateContent xmlns:mc="http://schemas.openxmlformats.org/markup-compatibility/2006">
-        <mc:Choice xmlns:a14="http://schemas.microsoft.com/office/drawing/2010/main" Requires="a14">
+      <mc:AlternateContent xmlns:mc="http://schemas.openxmlformats.org/markup-compatibility/2006" xmlns:a14="http://schemas.microsoft.com/office/drawing/2010/main">
+        <mc:Choice Requires="a14">
           <p:sp>
             <p:nvSpPr>
               <p:cNvPr id="3" name="Content Placeholder 2">
@@ -14964,7 +14997,7 @@
             </p:txBody>
           </p:sp>
         </mc:Choice>
-        <mc:Fallback>
+        <mc:Fallback xmlns="">
           <p:sp>
             <p:nvSpPr>
               <p:cNvPr id="3" name="Content Placeholder 2">
@@ -26846,15 +26879,6 @@
 </file>
 
 <file path=customXml/item1.xml><?xml version="1.0" encoding="utf-8"?>
-<?mso-contentType ?>
-<FormTemplates xmlns="http://schemas.microsoft.com/sharepoint/v3/contenttype/forms">
-  <Display>DocumentLibraryForm</Display>
-  <Edit>DocumentLibraryForm</Edit>
-  <New>DocumentLibraryForm</New>
-</FormTemplates>
-</file>
-
-<file path=customXml/item2.xml><?xml version="1.0" encoding="utf-8"?>
 <p:properties xmlns:p="http://schemas.microsoft.com/office/2006/metadata/properties" xmlns:xsi="http://www.w3.org/2001/XMLSchema-instance" xmlns:pc="http://schemas.microsoft.com/office/infopath/2007/PartnerControls">
   <documentManagement>
     <lcf76f155ced4ddcb4097134ff3c332f xmlns="ec825916-6f01-4646-bf11-4e97fdd06dc8">
@@ -26863,6 +26887,15 @@
     <TaxCatchAll xmlns="10202d72-3646-4d36-9cf4-1feba2c78df0" xsi:nil="true"/>
   </documentManagement>
 </p:properties>
+</file>
+
+<file path=customXml/item2.xml><?xml version="1.0" encoding="utf-8"?>
+<?mso-contentType ?>
+<FormTemplates xmlns="http://schemas.microsoft.com/sharepoint/v3/contenttype/forms">
+  <Display>DocumentLibraryForm</Display>
+  <Edit>DocumentLibraryForm</Edit>
+  <New>DocumentLibraryForm</New>
+</FormTemplates>
 </file>
 
 <file path=customXml/item3.xml><?xml version="1.0" encoding="utf-8"?>
@@ -27061,14 +27094,6 @@
 </file>
 
 <file path=customXml/itemProps1.xml><?xml version="1.0" encoding="utf-8"?>
-<ds:datastoreItem xmlns:ds="http://schemas.openxmlformats.org/officeDocument/2006/customXml" ds:itemID="{73F4A501-0066-4B8E-9AA2-A07CF344BF69}">
-  <ds:schemaRefs>
-    <ds:schemaRef ds:uri="http://schemas.microsoft.com/sharepoint/v3/contenttype/forms"/>
-  </ds:schemaRefs>
-</ds:datastoreItem>
-</file>
-
-<file path=customXml/itemProps2.xml><?xml version="1.0" encoding="utf-8"?>
 <ds:datastoreItem xmlns:ds="http://schemas.openxmlformats.org/officeDocument/2006/customXml" ds:itemID="{CC0D4AF6-CA21-4510-812C-479171907BC9}">
   <ds:schemaRefs>
     <ds:schemaRef ds:uri="ec825916-6f01-4646-bf11-4e97fdd06dc8"/>
@@ -27081,6 +27106,14 @@
     <ds:schemaRef ds:uri="http://schemas.microsoft.com/office/2006/metadata/properties"/>
     <ds:schemaRef ds:uri="http://schemas.openxmlformats.org/package/2006/metadata/core-properties"/>
     <ds:schemaRef ds:uri="http://purl.org/dc/elements/1.1/"/>
+  </ds:schemaRefs>
+</ds:datastoreItem>
+</file>
+
+<file path=customXml/itemProps2.xml><?xml version="1.0" encoding="utf-8"?>
+<ds:datastoreItem xmlns:ds="http://schemas.openxmlformats.org/officeDocument/2006/customXml" ds:itemID="{73F4A501-0066-4B8E-9AA2-A07CF344BF69}">
+  <ds:schemaRefs>
+    <ds:schemaRef ds:uri="http://schemas.microsoft.com/sharepoint/v3/contenttype/forms"/>
   </ds:schemaRefs>
 </ds:datastoreItem>
 </file>

--- a/Rapport_Projet_V1.pptx
+++ b/Rapport_Projet_V1.pptx
@@ -954,7 +954,7 @@
 <file path=ppt/charts/chart1.xml><?xml version="1.0" encoding="utf-8"?>
 <c:chartSpace xmlns:c="http://schemas.openxmlformats.org/drawingml/2006/chart" xmlns:a="http://schemas.openxmlformats.org/drawingml/2006/main" xmlns:r="http://schemas.openxmlformats.org/officeDocument/2006/relationships" xmlns:c16r2="http://schemas.microsoft.com/office/drawing/2015/06/chart">
   <c:date1904 val="0"/>
-  <c:lang val="en-US"/>
+  <c:lang val="fr-FR"/>
   <c:roundedCorners val="0"/>
   <mc:AlternateContent xmlns:mc="http://schemas.openxmlformats.org/markup-compatibility/2006">
     <mc:Choice xmlns:c14="http://schemas.microsoft.com/office/drawing/2007/8/2/chart" Requires="c14">
@@ -2080,7 +2080,7 @@
                   <a:cs typeface="+mn-cs"/>
                 </a:defRPr>
               </a:pPr>
-              <a:endParaRPr lang="en-US"/>
+              <a:endParaRPr lang="fr-FR"/>
             </a:p>
           </c:txPr>
         </c:title>
@@ -2118,7 +2118,7 @@
                 <a:cs typeface="+mn-cs"/>
               </a:defRPr>
             </a:pPr>
-            <a:endParaRPr lang="en-US"/>
+            <a:endParaRPr lang="fr-FR"/>
           </a:p>
         </c:txPr>
         <c:crossAx val="477271791"/>
@@ -2202,7 +2202,7 @@
                   <a:cs typeface="+mn-cs"/>
                 </a:defRPr>
               </a:pPr>
-              <a:endParaRPr lang="en-US"/>
+              <a:endParaRPr lang="fr-FR"/>
             </a:p>
           </c:txPr>
         </c:title>
@@ -2240,7 +2240,7 @@
                 <a:cs typeface="+mn-cs"/>
               </a:defRPr>
             </a:pPr>
-            <a:endParaRPr lang="en-US"/>
+            <a:endParaRPr lang="fr-FR"/>
           </a:p>
         </c:txPr>
         <c:crossAx val="477280911"/>
@@ -2292,7 +2292,7 @@
               <a:cs typeface="+mn-cs"/>
             </a:defRPr>
           </a:pPr>
-          <a:endParaRPr lang="en-US"/>
+          <a:endParaRPr lang="fr-FR"/>
         </a:p>
       </c:txPr>
     </c:legend>
@@ -2321,7 +2321,7 @@
       <a:pPr>
         <a:defRPr/>
       </a:pPr>
-      <a:endParaRPr lang="en-US"/>
+      <a:endParaRPr lang="fr-FR"/>
     </a:p>
   </c:txPr>
   <c:externalData r:id="rId3">
@@ -2333,7 +2333,7 @@
 <file path=ppt/charts/chart2.xml><?xml version="1.0" encoding="utf-8"?>
 <c:chartSpace xmlns:c="http://schemas.openxmlformats.org/drawingml/2006/chart" xmlns:a="http://schemas.openxmlformats.org/drawingml/2006/main" xmlns:r="http://schemas.openxmlformats.org/officeDocument/2006/relationships" xmlns:c16r2="http://schemas.microsoft.com/office/drawing/2015/06/chart">
   <c:date1904 val="0"/>
-  <c:lang val="en-US"/>
+  <c:lang val="fr-FR"/>
   <c:roundedCorners val="0"/>
   <mc:AlternateContent xmlns:mc="http://schemas.openxmlformats.org/markup-compatibility/2006">
     <mc:Choice xmlns:c14="http://schemas.microsoft.com/office/drawing/2007/8/2/chart" Requires="c14">
@@ -2408,7 +2408,7 @@
               <a:cs typeface="+mn-cs"/>
             </a:defRPr>
           </a:pPr>
-          <a:endParaRPr lang="en-US"/>
+          <a:endParaRPr lang="fr-FR"/>
         </a:p>
       </c:txPr>
     </c:title>
@@ -2499,7 +2499,7 @@
                       <a:cs typeface="+mn-cs"/>
                     </a:defRPr>
                   </a:pPr>
-                  <a:endParaRPr lang="en-US"/>
+                  <a:endParaRPr lang="fr-FR"/>
                 </a:p>
               </c:txPr>
             </c:trendlineLbl>
@@ -2642,7 +2642,7 @@
                             <a:cs typeface="+mn-cs"/>
                           </a:defRPr>
                         </a:pPr>
-                        <a:endParaRPr lang="en-US"/>
+                        <a:endParaRPr lang="fr-FR"/>
                       </a:p>
                     </c:txPr>
                   </c:trendlineLbl>
@@ -2784,7 +2784,7 @@
                   <a:cs typeface="+mn-cs"/>
                 </a:defRPr>
               </a:pPr>
-              <a:endParaRPr lang="en-US"/>
+              <a:endParaRPr lang="fr-FR"/>
             </a:p>
           </c:txPr>
         </c:title>
@@ -2822,7 +2822,7 @@
                 <a:cs typeface="+mn-cs"/>
               </a:defRPr>
             </a:pPr>
-            <a:endParaRPr lang="en-US"/>
+            <a:endParaRPr lang="fr-FR"/>
           </a:p>
         </c:txPr>
         <c:crossAx val="1420657695"/>
@@ -2906,7 +2906,7 @@
                   <a:cs typeface="+mn-cs"/>
                 </a:defRPr>
               </a:pPr>
-              <a:endParaRPr lang="en-US"/>
+              <a:endParaRPr lang="fr-FR"/>
             </a:p>
           </c:txPr>
         </c:title>
@@ -2944,7 +2944,7 @@
                 <a:cs typeface="+mn-cs"/>
               </a:defRPr>
             </a:pPr>
-            <a:endParaRPr lang="en-US"/>
+            <a:endParaRPr lang="fr-FR"/>
           </a:p>
         </c:txPr>
         <c:crossAx val="1911372511"/>
@@ -2984,7 +2984,7 @@
       <a:pPr>
         <a:defRPr/>
       </a:pPr>
-      <a:endParaRPr lang="en-US"/>
+      <a:endParaRPr lang="fr-FR"/>
     </a:p>
   </c:txPr>
   <c:externalData r:id="rId3">
@@ -2996,7 +2996,7 @@
 <file path=ppt/charts/chart3.xml><?xml version="1.0" encoding="utf-8"?>
 <c:chartSpace xmlns:c="http://schemas.openxmlformats.org/drawingml/2006/chart" xmlns:a="http://schemas.openxmlformats.org/drawingml/2006/main" xmlns:r="http://schemas.openxmlformats.org/officeDocument/2006/relationships" xmlns:c16r2="http://schemas.microsoft.com/office/drawing/2015/06/chart">
   <c:date1904 val="0"/>
-  <c:lang val="en-US"/>
+  <c:lang val="fr-FR"/>
   <c:roundedCorners val="0"/>
   <mc:AlternateContent xmlns:mc="http://schemas.openxmlformats.org/markup-compatibility/2006">
     <mc:Choice xmlns:c14="http://schemas.microsoft.com/office/drawing/2007/8/2/chart" Requires="c14">
@@ -3757,7 +3757,7 @@
                   <a:cs typeface="+mn-cs"/>
                 </a:defRPr>
               </a:pPr>
-              <a:endParaRPr lang="en-US"/>
+              <a:endParaRPr lang="fr-FR"/>
             </a:p>
           </c:txPr>
         </c:title>
@@ -3795,7 +3795,7 @@
                 <a:cs typeface="+mn-cs"/>
               </a:defRPr>
             </a:pPr>
-            <a:endParaRPr lang="en-US"/>
+            <a:endParaRPr lang="fr-FR"/>
           </a:p>
         </c:txPr>
         <c:crossAx val="1457253920"/>
@@ -3875,7 +3875,7 @@
                   <a:cs typeface="+mn-cs"/>
                 </a:defRPr>
               </a:pPr>
-              <a:endParaRPr lang="en-US"/>
+              <a:endParaRPr lang="fr-FR"/>
             </a:p>
           </c:txPr>
         </c:title>
@@ -3913,7 +3913,7 @@
                 <a:cs typeface="+mn-cs"/>
               </a:defRPr>
             </a:pPr>
-            <a:endParaRPr lang="en-US"/>
+            <a:endParaRPr lang="fr-FR"/>
           </a:p>
         </c:txPr>
         <c:crossAx val="1457258720"/>
@@ -3953,7 +3953,7 @@
       <a:pPr>
         <a:defRPr/>
       </a:pPr>
-      <a:endParaRPr lang="en-US"/>
+      <a:endParaRPr lang="fr-FR"/>
     </a:p>
   </c:txPr>
   <c:externalData r:id="rId3">
@@ -3965,7 +3965,7 @@
 <file path=ppt/charts/chart4.xml><?xml version="1.0" encoding="utf-8"?>
 <c:chartSpace xmlns:c="http://schemas.openxmlformats.org/drawingml/2006/chart" xmlns:a="http://schemas.openxmlformats.org/drawingml/2006/main" xmlns:r="http://schemas.openxmlformats.org/officeDocument/2006/relationships" xmlns:c16r2="http://schemas.microsoft.com/office/drawing/2015/06/chart">
   <c:date1904 val="0"/>
-  <c:lang val="en-US"/>
+  <c:lang val="fr-FR"/>
   <c:roundedCorners val="0"/>
   <mc:AlternateContent xmlns:mc="http://schemas.openxmlformats.org/markup-compatibility/2006">
     <mc:Choice xmlns:c14="http://schemas.microsoft.com/office/drawing/2007/8/2/chart" Requires="c14">
@@ -4738,7 +4738,7 @@
                   <a:cs typeface="+mn-cs"/>
                 </a:defRPr>
               </a:pPr>
-              <a:endParaRPr lang="en-US"/>
+              <a:endParaRPr lang="fr-FR"/>
             </a:p>
           </c:txPr>
         </c:title>
@@ -4776,7 +4776,7 @@
                 <a:cs typeface="+mn-cs"/>
               </a:defRPr>
             </a:pPr>
-            <a:endParaRPr lang="en-US"/>
+            <a:endParaRPr lang="fr-FR"/>
           </a:p>
         </c:txPr>
         <c:crossAx val="2041938592"/>
@@ -4856,7 +4856,7 @@
                   <a:cs typeface="+mn-cs"/>
                 </a:defRPr>
               </a:pPr>
-              <a:endParaRPr lang="en-US"/>
+              <a:endParaRPr lang="fr-FR"/>
             </a:p>
           </c:txPr>
         </c:title>
@@ -4894,7 +4894,7 @@
                 <a:cs typeface="+mn-cs"/>
               </a:defRPr>
             </a:pPr>
-            <a:endParaRPr lang="en-US"/>
+            <a:endParaRPr lang="fr-FR"/>
           </a:p>
         </c:txPr>
         <c:crossAx val="2041944352"/>
@@ -4934,7 +4934,7 @@
       <a:pPr>
         <a:defRPr/>
       </a:pPr>
-      <a:endParaRPr lang="en-US"/>
+      <a:endParaRPr lang="fr-FR"/>
     </a:p>
   </c:txPr>
   <c:externalData r:id="rId3">
@@ -4946,7 +4946,7 @@
 <file path=ppt/charts/chart5.xml><?xml version="1.0" encoding="utf-8"?>
 <c:chartSpace xmlns:c="http://schemas.openxmlformats.org/drawingml/2006/chart" xmlns:a="http://schemas.openxmlformats.org/drawingml/2006/main" xmlns:r="http://schemas.openxmlformats.org/officeDocument/2006/relationships" xmlns:c16r2="http://schemas.microsoft.com/office/drawing/2015/06/chart">
   <c:date1904 val="0"/>
-  <c:lang val="en-US"/>
+  <c:lang val="fr-FR"/>
   <c:roundedCorners val="0"/>
   <mc:AlternateContent xmlns:mc="http://schemas.openxmlformats.org/markup-compatibility/2006">
     <mc:Choice xmlns:c14="http://schemas.microsoft.com/office/drawing/2007/8/2/chart" Requires="c14">
@@ -5753,7 +5753,7 @@
                   <a:cs typeface="+mn-cs"/>
                 </a:defRPr>
               </a:pPr>
-              <a:endParaRPr lang="en-US"/>
+              <a:endParaRPr lang="fr-FR"/>
             </a:p>
           </c:txPr>
         </c:title>
@@ -5791,7 +5791,7 @@
                 <a:cs typeface="+mn-cs"/>
               </a:defRPr>
             </a:pPr>
-            <a:endParaRPr lang="en-US"/>
+            <a:endParaRPr lang="fr-FR"/>
           </a:p>
         </c:txPr>
         <c:crossAx val="2041041472"/>
@@ -5871,7 +5871,7 @@
                   <a:cs typeface="+mn-cs"/>
                 </a:defRPr>
               </a:pPr>
-              <a:endParaRPr lang="en-US"/>
+              <a:endParaRPr lang="fr-FR"/>
             </a:p>
           </c:txPr>
         </c:title>
@@ -5909,7 +5909,7 @@
                 <a:cs typeface="+mn-cs"/>
               </a:defRPr>
             </a:pPr>
-            <a:endParaRPr lang="en-US"/>
+            <a:endParaRPr lang="fr-FR"/>
           </a:p>
         </c:txPr>
         <c:crossAx val="2041040032"/>
@@ -5949,7 +5949,7 @@
       <a:pPr>
         <a:defRPr/>
       </a:pPr>
-      <a:endParaRPr lang="en-US"/>
+      <a:endParaRPr lang="fr-FR"/>
     </a:p>
   </c:txPr>
   <c:externalData r:id="rId3">
@@ -5961,7 +5961,7 @@
 <file path=ppt/charts/chart6.xml><?xml version="1.0" encoding="utf-8"?>
 <c:chartSpace xmlns:c="http://schemas.openxmlformats.org/drawingml/2006/chart" xmlns:a="http://schemas.openxmlformats.org/drawingml/2006/main" xmlns:r="http://schemas.openxmlformats.org/officeDocument/2006/relationships" xmlns:c16r2="http://schemas.microsoft.com/office/drawing/2015/06/chart">
   <c:date1904 val="0"/>
-  <c:lang val="en-US"/>
+  <c:lang val="fr-FR"/>
   <c:roundedCorners val="0"/>
   <mc:AlternateContent xmlns:mc="http://schemas.openxmlformats.org/markup-compatibility/2006">
     <mc:Choice xmlns:c14="http://schemas.microsoft.com/office/drawing/2007/8/2/chart" Requires="c14">
@@ -6209,7 +6209,7 @@
                   <a:cs typeface="+mn-cs"/>
                 </a:defRPr>
               </a:pPr>
-              <a:endParaRPr lang="en-US"/>
+              <a:endParaRPr lang="fr-FR"/>
             </a:p>
           </c:txPr>
         </c:title>
@@ -6247,7 +6247,7 @@
                 <a:cs typeface="+mn-cs"/>
               </a:defRPr>
             </a:pPr>
-            <a:endParaRPr lang="en-US"/>
+            <a:endParaRPr lang="fr-FR"/>
           </a:p>
         </c:txPr>
         <c:crossAx val="1632011967"/>
@@ -6287,7 +6287,7 @@
       <a:pPr>
         <a:defRPr/>
       </a:pPr>
-      <a:endParaRPr lang="en-US"/>
+      <a:endParaRPr lang="fr-FR"/>
     </a:p>
   </c:txPr>
   <c:externalData r:id="rId3">
@@ -9847,6 +9847,19 @@
           </a:p>
         </p188:txBody>
       </p188:reply>
+      <p188:reply id="{1CA78D15-FBCE-45F2-9D50-3AC2207DF516}" authorId="{E68F2F47-82E5-2BC7-0FEC-4F4EC863DDC3}" created="2024-04-12T00:27:39.614">
+        <p188:txBody>
+          <a:bodyPr/>
+          <a:lstStyle/>
+          <a:p>
+            <a:r>
+              <a:rPr lang="fr-FR"/>
+              <a:t>C'est cette phrase qu'il faut enlever. Ce n'est pas l'ordre des PBEAM qui apparait c'est l'ordre des elements +1.
+L'ordre qui apparait c'est O(h^p+1) </a:t>
+            </a:r>
+          </a:p>
+        </p188:txBody>
+      </p188:reply>
     </p188:replyLst>
     <p188:txBody>
       <a:bodyPr/>
@@ -9890,6 +9903,18 @@
             <a:r>
               <a:rPr lang="en-CA"/>
               <a:t>Pourquoi? Il ne faut pas preciser qu'on travaille à des conditions fixes pour la convergence?</a:t>
+            </a:r>
+          </a:p>
+        </p188:txBody>
+      </p188:reply>
+      <p188:reply id="{87FFEA0A-E9C0-4C9E-B4B6-7AC95E452E82}" authorId="{E68F2F47-82E5-2BC7-0FEC-4F4EC863DDC3}" created="2024-04-12T00:26:52.446">
+        <p188:txBody>
+          <a:bodyPr/>
+          <a:lstStyle/>
+          <a:p>
+            <a:r>
+              <a:rPr lang="fr-FR"/>
+              <a:t>Si, je viens de me rendre compte que je ne répond pas au bon commentaire. (Voir le commentaire plus haut)</a:t>
             </a:r>
           </a:p>
         </p188:txBody>
@@ -10190,7 +10215,7 @@
           <a:p>
             <a:fld id="{603E9730-38DB-4F77-A139-6CE923099591}" type="slidenum">
               <a:rPr lang="en-CA" smtClean="0"/>
-              <a:t>‹#›</a:t>
+              <a:t>‹N°›</a:t>
             </a:fld>
             <a:endParaRPr lang="en-CA"/>
           </a:p>
@@ -10502,7 +10527,7 @@
           <a:p>
             <a:fld id="{4BD3201E-7DF8-462B-AC18-61E63795AE0D}" type="slidenum">
               <a:rPr lang="en-CA" smtClean="0"/>
-              <a:t>‹#›</a:t>
+              <a:t>‹N°›</a:t>
             </a:fld>
             <a:endParaRPr lang="en-CA"/>
           </a:p>
@@ -10702,7 +10727,7 @@
           <a:p>
             <a:fld id="{4BD3201E-7DF8-462B-AC18-61E63795AE0D}" type="slidenum">
               <a:rPr lang="en-CA" smtClean="0"/>
-              <a:t>‹#›</a:t>
+              <a:t>‹N°›</a:t>
             </a:fld>
             <a:endParaRPr lang="en-CA"/>
           </a:p>
@@ -10912,7 +10937,7 @@
           <a:p>
             <a:fld id="{4BD3201E-7DF8-462B-AC18-61E63795AE0D}" type="slidenum">
               <a:rPr lang="en-CA" smtClean="0"/>
-              <a:t>‹#›</a:t>
+              <a:t>‹N°›</a:t>
             </a:fld>
             <a:endParaRPr lang="en-CA"/>
           </a:p>
@@ -11112,7 +11137,7 @@
           <a:p>
             <a:fld id="{4BD3201E-7DF8-462B-AC18-61E63795AE0D}" type="slidenum">
               <a:rPr lang="en-CA" smtClean="0"/>
-              <a:t>‹#›</a:t>
+              <a:t>‹N°›</a:t>
             </a:fld>
             <a:endParaRPr lang="en-CA"/>
           </a:p>
@@ -11388,7 +11413,7 @@
           <a:p>
             <a:fld id="{4BD3201E-7DF8-462B-AC18-61E63795AE0D}" type="slidenum">
               <a:rPr lang="en-CA" smtClean="0"/>
-              <a:t>‹#›</a:t>
+              <a:t>‹N°›</a:t>
             </a:fld>
             <a:endParaRPr lang="en-CA"/>
           </a:p>
@@ -11656,7 +11681,7 @@
           <a:p>
             <a:fld id="{4BD3201E-7DF8-462B-AC18-61E63795AE0D}" type="slidenum">
               <a:rPr lang="en-CA" smtClean="0"/>
-              <a:t>‹#›</a:t>
+              <a:t>‹N°›</a:t>
             </a:fld>
             <a:endParaRPr lang="en-CA"/>
           </a:p>
@@ -12071,7 +12096,7 @@
           <a:p>
             <a:fld id="{4BD3201E-7DF8-462B-AC18-61E63795AE0D}" type="slidenum">
               <a:rPr lang="en-CA" smtClean="0"/>
-              <a:t>‹#›</a:t>
+              <a:t>‹N°›</a:t>
             </a:fld>
             <a:endParaRPr lang="en-CA"/>
           </a:p>
@@ -12213,7 +12238,7 @@
           <a:p>
             <a:fld id="{4BD3201E-7DF8-462B-AC18-61E63795AE0D}" type="slidenum">
               <a:rPr lang="en-CA" smtClean="0"/>
-              <a:t>‹#›</a:t>
+              <a:t>‹N°›</a:t>
             </a:fld>
             <a:endParaRPr lang="en-CA"/>
           </a:p>
@@ -12326,7 +12351,7 @@
           <a:p>
             <a:fld id="{4BD3201E-7DF8-462B-AC18-61E63795AE0D}" type="slidenum">
               <a:rPr lang="en-CA" smtClean="0"/>
-              <a:t>‹#›</a:t>
+              <a:t>‹N°›</a:t>
             </a:fld>
             <a:endParaRPr lang="en-CA"/>
           </a:p>
@@ -12639,7 +12664,7 @@
           <a:p>
             <a:fld id="{4BD3201E-7DF8-462B-AC18-61E63795AE0D}" type="slidenum">
               <a:rPr lang="en-CA" smtClean="0"/>
-              <a:t>‹#›</a:t>
+              <a:t>‹N°›</a:t>
             </a:fld>
             <a:endParaRPr lang="en-CA"/>
           </a:p>
@@ -12928,7 +12953,7 @@
           <a:p>
             <a:fld id="{4BD3201E-7DF8-462B-AC18-61E63795AE0D}" type="slidenum">
               <a:rPr lang="en-CA" smtClean="0"/>
-              <a:t>‹#›</a:t>
+              <a:t>‹N°›</a:t>
             </a:fld>
             <a:endParaRPr lang="en-CA"/>
           </a:p>
@@ -13207,7 +13232,7 @@
           <a:p>
             <a:fld id="{4BD3201E-7DF8-462B-AC18-61E63795AE0D}" type="slidenum">
               <a:rPr lang="en-CA" smtClean="0"/>
-              <a:t>‹#›</a:t>
+              <a:t>‹N°›</a:t>
             </a:fld>
             <a:endParaRPr lang="en-CA"/>
           </a:p>
@@ -13975,8 +14000,8 @@
           </a:p>
         </p:txBody>
       </p:sp>
-      <mc:AlternateContent xmlns:mc="http://schemas.openxmlformats.org/markup-compatibility/2006" xmlns:a14="http://schemas.microsoft.com/office/drawing/2010/main">
-        <mc:Choice Requires="a14">
+      <mc:AlternateContent xmlns:mc="http://schemas.openxmlformats.org/markup-compatibility/2006">
+        <mc:Choice xmlns:a14="http://schemas.microsoft.com/office/drawing/2010/main" Requires="a14">
           <p:sp>
             <p:nvSpPr>
               <p:cNvPr id="3" name="Content Placeholder 2">
@@ -14018,7 +14043,7 @@
                 </a:r>
                 <a:r>
                   <a:rPr lang="fr-CA" sz="1800" dirty="0"/>
-                  <a:t>), p étant l’ordre de la fonction de forme utilisée.</a:t>
+                  <a:t>) avec l’erreur L2, p étant l’ordre de la fonction de forme utilisée.</a:t>
                 </a:r>
               </a:p>
               <a:p>
@@ -14147,7 +14172,7 @@
             </p:txBody>
           </p:sp>
         </mc:Choice>
-        <mc:Fallback xmlns="">
+        <mc:Fallback>
           <p:sp>
             <p:nvSpPr>
               <p:cNvPr id="3" name="Content Placeholder 2">
@@ -14181,7 +14206,7 @@
               <a:lstStyle/>
               <a:p>
                 <a:r>
-                  <a:rPr lang="en-CA">
+                  <a:rPr lang="fr-FR">
                     <a:noFill/>
                   </a:rPr>
                   <a:t> </a:t>
@@ -26879,6 +26904,15 @@
 </file>
 
 <file path=customXml/item1.xml><?xml version="1.0" encoding="utf-8"?>
+<?mso-contentType ?>
+<FormTemplates xmlns="http://schemas.microsoft.com/sharepoint/v3/contenttype/forms">
+  <Display>DocumentLibraryForm</Display>
+  <Edit>DocumentLibraryForm</Edit>
+  <New>DocumentLibraryForm</New>
+</FormTemplates>
+</file>
+
+<file path=customXml/item2.xml><?xml version="1.0" encoding="utf-8"?>
 <p:properties xmlns:p="http://schemas.microsoft.com/office/2006/metadata/properties" xmlns:xsi="http://www.w3.org/2001/XMLSchema-instance" xmlns:pc="http://schemas.microsoft.com/office/infopath/2007/PartnerControls">
   <documentManagement>
     <lcf76f155ced4ddcb4097134ff3c332f xmlns="ec825916-6f01-4646-bf11-4e97fdd06dc8">
@@ -26887,15 +26921,6 @@
     <TaxCatchAll xmlns="10202d72-3646-4d36-9cf4-1feba2c78df0" xsi:nil="true"/>
   </documentManagement>
 </p:properties>
-</file>
-
-<file path=customXml/item2.xml><?xml version="1.0" encoding="utf-8"?>
-<?mso-contentType ?>
-<FormTemplates xmlns="http://schemas.microsoft.com/sharepoint/v3/contenttype/forms">
-  <Display>DocumentLibraryForm</Display>
-  <Edit>DocumentLibraryForm</Edit>
-  <New>DocumentLibraryForm</New>
-</FormTemplates>
 </file>
 
 <file path=customXml/item3.xml><?xml version="1.0" encoding="utf-8"?>
@@ -27094,6 +27119,14 @@
 </file>
 
 <file path=customXml/itemProps1.xml><?xml version="1.0" encoding="utf-8"?>
+<ds:datastoreItem xmlns:ds="http://schemas.openxmlformats.org/officeDocument/2006/customXml" ds:itemID="{73F4A501-0066-4B8E-9AA2-A07CF344BF69}">
+  <ds:schemaRefs>
+    <ds:schemaRef ds:uri="http://schemas.microsoft.com/sharepoint/v3/contenttype/forms"/>
+  </ds:schemaRefs>
+</ds:datastoreItem>
+</file>
+
+<file path=customXml/itemProps2.xml><?xml version="1.0" encoding="utf-8"?>
 <ds:datastoreItem xmlns:ds="http://schemas.openxmlformats.org/officeDocument/2006/customXml" ds:itemID="{CC0D4AF6-CA21-4510-812C-479171907BC9}">
   <ds:schemaRefs>
     <ds:schemaRef ds:uri="ec825916-6f01-4646-bf11-4e97fdd06dc8"/>
@@ -27106,14 +27139,6 @@
     <ds:schemaRef ds:uri="http://schemas.microsoft.com/office/2006/metadata/properties"/>
     <ds:schemaRef ds:uri="http://schemas.openxmlformats.org/package/2006/metadata/core-properties"/>
     <ds:schemaRef ds:uri="http://purl.org/dc/elements/1.1/"/>
-  </ds:schemaRefs>
-</ds:datastoreItem>
-</file>
-
-<file path=customXml/itemProps2.xml><?xml version="1.0" encoding="utf-8"?>
-<ds:datastoreItem xmlns:ds="http://schemas.openxmlformats.org/officeDocument/2006/customXml" ds:itemID="{73F4A501-0066-4B8E-9AA2-A07CF344BF69}">
-  <ds:schemaRefs>
-    <ds:schemaRef ds:uri="http://schemas.microsoft.com/sharepoint/v3/contenttype/forms"/>
   </ds:schemaRefs>
 </ds:datastoreItem>
 </file>

--- a/Rapport_Projet_V1.pptx
+++ b/Rapport_Projet_V1.pptx
@@ -5,7 +5,7 @@
     <p:sldMasterId id="2147483648" r:id="rId4"/>
   </p:sldMasterIdLst>
   <p:notesMasterIdLst>
-    <p:notesMasterId r:id="rId27"/>
+    <p:notesMasterId r:id="rId30"/>
   </p:notesMasterIdLst>
   <p:sldIdLst>
     <p:sldId id="256" r:id="rId5"/>
@@ -19,17 +19,20 @@
     <p:sldId id="285" r:id="rId13"/>
     <p:sldId id="288" r:id="rId14"/>
     <p:sldId id="286" r:id="rId15"/>
-    <p:sldId id="281" r:id="rId16"/>
-    <p:sldId id="280" r:id="rId17"/>
-    <p:sldId id="270" r:id="rId18"/>
-    <p:sldId id="274" r:id="rId19"/>
-    <p:sldId id="273" r:id="rId20"/>
-    <p:sldId id="277" r:id="rId21"/>
-    <p:sldId id="279" r:id="rId22"/>
-    <p:sldId id="278" r:id="rId23"/>
-    <p:sldId id="271" r:id="rId24"/>
-    <p:sldId id="283" r:id="rId25"/>
-    <p:sldId id="282" r:id="rId26"/>
+    <p:sldId id="289" r:id="rId16"/>
+    <p:sldId id="291" r:id="rId17"/>
+    <p:sldId id="290" r:id="rId18"/>
+    <p:sldId id="281" r:id="rId19"/>
+    <p:sldId id="280" r:id="rId20"/>
+    <p:sldId id="270" r:id="rId21"/>
+    <p:sldId id="274" r:id="rId22"/>
+    <p:sldId id="273" r:id="rId23"/>
+    <p:sldId id="277" r:id="rId24"/>
+    <p:sldId id="279" r:id="rId25"/>
+    <p:sldId id="278" r:id="rId26"/>
+    <p:sldId id="271" r:id="rId27"/>
+    <p:sldId id="283" r:id="rId28"/>
+    <p:sldId id="282" r:id="rId29"/>
   </p:sldIdLst>
   <p:sldSz cx="12192000" cy="6858000"/>
   <p:notesSz cx="6858000" cy="9144000"/>
@@ -954,7 +957,7 @@
 <file path=ppt/charts/chart1.xml><?xml version="1.0" encoding="utf-8"?>
 <c:chartSpace xmlns:c="http://schemas.openxmlformats.org/drawingml/2006/chart" xmlns:a="http://schemas.openxmlformats.org/drawingml/2006/main" xmlns:r="http://schemas.openxmlformats.org/officeDocument/2006/relationships" xmlns:c16r2="http://schemas.microsoft.com/office/drawing/2015/06/chart">
   <c:date1904 val="0"/>
-  <c:lang val="fr-FR"/>
+  <c:lang val="en-US"/>
   <c:roundedCorners val="0"/>
   <mc:AlternateContent xmlns:mc="http://schemas.openxmlformats.org/markup-compatibility/2006">
     <mc:Choice xmlns:c14="http://schemas.microsoft.com/office/drawing/2007/8/2/chart" Requires="c14">
@@ -2080,7 +2083,7 @@
                   <a:cs typeface="+mn-cs"/>
                 </a:defRPr>
               </a:pPr>
-              <a:endParaRPr lang="fr-FR"/>
+              <a:endParaRPr lang="en-US"/>
             </a:p>
           </c:txPr>
         </c:title>
@@ -2118,7 +2121,7 @@
                 <a:cs typeface="+mn-cs"/>
               </a:defRPr>
             </a:pPr>
-            <a:endParaRPr lang="fr-FR"/>
+            <a:endParaRPr lang="en-US"/>
           </a:p>
         </c:txPr>
         <c:crossAx val="477271791"/>
@@ -2202,7 +2205,7 @@
                   <a:cs typeface="+mn-cs"/>
                 </a:defRPr>
               </a:pPr>
-              <a:endParaRPr lang="fr-FR"/>
+              <a:endParaRPr lang="en-US"/>
             </a:p>
           </c:txPr>
         </c:title>
@@ -2240,7 +2243,7 @@
                 <a:cs typeface="+mn-cs"/>
               </a:defRPr>
             </a:pPr>
-            <a:endParaRPr lang="fr-FR"/>
+            <a:endParaRPr lang="en-US"/>
           </a:p>
         </c:txPr>
         <c:crossAx val="477280911"/>
@@ -2292,7 +2295,7 @@
               <a:cs typeface="+mn-cs"/>
             </a:defRPr>
           </a:pPr>
-          <a:endParaRPr lang="fr-FR"/>
+          <a:endParaRPr lang="en-US"/>
         </a:p>
       </c:txPr>
     </c:legend>
@@ -2321,7 +2324,7 @@
       <a:pPr>
         <a:defRPr/>
       </a:pPr>
-      <a:endParaRPr lang="fr-FR"/>
+      <a:endParaRPr lang="en-US"/>
     </a:p>
   </c:txPr>
   <c:externalData r:id="rId3">
@@ -2333,7 +2336,7 @@
 <file path=ppt/charts/chart2.xml><?xml version="1.0" encoding="utf-8"?>
 <c:chartSpace xmlns:c="http://schemas.openxmlformats.org/drawingml/2006/chart" xmlns:a="http://schemas.openxmlformats.org/drawingml/2006/main" xmlns:r="http://schemas.openxmlformats.org/officeDocument/2006/relationships" xmlns:c16r2="http://schemas.microsoft.com/office/drawing/2015/06/chart">
   <c:date1904 val="0"/>
-  <c:lang val="fr-FR"/>
+  <c:lang val="en-US"/>
   <c:roundedCorners val="0"/>
   <mc:AlternateContent xmlns:mc="http://schemas.openxmlformats.org/markup-compatibility/2006">
     <mc:Choice xmlns:c14="http://schemas.microsoft.com/office/drawing/2007/8/2/chart" Requires="c14">
@@ -2408,7 +2411,7 @@
               <a:cs typeface="+mn-cs"/>
             </a:defRPr>
           </a:pPr>
-          <a:endParaRPr lang="fr-FR"/>
+          <a:endParaRPr lang="en-US"/>
         </a:p>
       </c:txPr>
     </c:title>
@@ -2499,7 +2502,7 @@
                       <a:cs typeface="+mn-cs"/>
                     </a:defRPr>
                   </a:pPr>
-                  <a:endParaRPr lang="fr-FR"/>
+                  <a:endParaRPr lang="en-US"/>
                 </a:p>
               </c:txPr>
             </c:trendlineLbl>
@@ -2642,7 +2645,7 @@
                             <a:cs typeface="+mn-cs"/>
                           </a:defRPr>
                         </a:pPr>
-                        <a:endParaRPr lang="fr-FR"/>
+                        <a:endParaRPr lang="en-US"/>
                       </a:p>
                     </c:txPr>
                   </c:trendlineLbl>
@@ -2784,7 +2787,7 @@
                   <a:cs typeface="+mn-cs"/>
                 </a:defRPr>
               </a:pPr>
-              <a:endParaRPr lang="fr-FR"/>
+              <a:endParaRPr lang="en-US"/>
             </a:p>
           </c:txPr>
         </c:title>
@@ -2822,7 +2825,7 @@
                 <a:cs typeface="+mn-cs"/>
               </a:defRPr>
             </a:pPr>
-            <a:endParaRPr lang="fr-FR"/>
+            <a:endParaRPr lang="en-US"/>
           </a:p>
         </c:txPr>
         <c:crossAx val="1420657695"/>
@@ -2906,7 +2909,7 @@
                   <a:cs typeface="+mn-cs"/>
                 </a:defRPr>
               </a:pPr>
-              <a:endParaRPr lang="fr-FR"/>
+              <a:endParaRPr lang="en-US"/>
             </a:p>
           </c:txPr>
         </c:title>
@@ -2944,7 +2947,7 @@
                 <a:cs typeface="+mn-cs"/>
               </a:defRPr>
             </a:pPr>
-            <a:endParaRPr lang="fr-FR"/>
+            <a:endParaRPr lang="en-US"/>
           </a:p>
         </c:txPr>
         <c:crossAx val="1911372511"/>
@@ -2984,7 +2987,7 @@
       <a:pPr>
         <a:defRPr/>
       </a:pPr>
-      <a:endParaRPr lang="fr-FR"/>
+      <a:endParaRPr lang="en-US"/>
     </a:p>
   </c:txPr>
   <c:externalData r:id="rId3">
@@ -2996,7 +2999,411 @@
 <file path=ppt/charts/chart3.xml><?xml version="1.0" encoding="utf-8"?>
 <c:chartSpace xmlns:c="http://schemas.openxmlformats.org/drawingml/2006/chart" xmlns:a="http://schemas.openxmlformats.org/drawingml/2006/main" xmlns:r="http://schemas.openxmlformats.org/officeDocument/2006/relationships" xmlns:c16r2="http://schemas.microsoft.com/office/drawing/2015/06/chart">
   <c:date1904 val="0"/>
-  <c:lang val="fr-FR"/>
+  <c:lang val="en-US"/>
+  <c:roundedCorners val="0"/>
+  <mc:AlternateContent xmlns:mc="http://schemas.openxmlformats.org/markup-compatibility/2006">
+    <mc:Choice xmlns:c14="http://schemas.microsoft.com/office/drawing/2007/8/2/chart" Requires="c14">
+      <c14:style val="102"/>
+    </mc:Choice>
+    <mc:Fallback>
+      <c:style val="2"/>
+    </mc:Fallback>
+  </mc:AlternateContent>
+  <c:chart>
+    <c:title>
+      <c:tx>
+        <c:rich>
+          <a:bodyPr rot="0" spcFirstLastPara="1" vertOverflow="ellipsis" vert="horz" wrap="square" anchor="ctr" anchorCtr="1"/>
+          <a:lstStyle/>
+          <a:p>
+            <a:pPr>
+              <a:defRPr sz="1400" b="0" i="0" u="none" strike="noStrike" kern="1200" spc="0" baseline="0">
+                <a:solidFill>
+                  <a:schemeClr val="tx1">
+                    <a:lumMod val="65000"/>
+                    <a:lumOff val="35000"/>
+                  </a:schemeClr>
+                </a:solidFill>
+                <a:latin typeface="+mn-lt"/>
+                <a:ea typeface="+mn-ea"/>
+                <a:cs typeface="+mn-cs"/>
+              </a:defRPr>
+            </a:pPr>
+            <a:r>
+              <a:rPr lang="en-CA"/>
+              <a:t>Convergence de l'erreur</a:t>
+            </a:r>
+            <a:r>
+              <a:rPr lang="en-CA" baseline="0"/>
+              <a:t> de déformation en fonction de h</a:t>
+            </a:r>
+            <a:endParaRPr lang="en-CA"/>
+          </a:p>
+        </c:rich>
+      </c:tx>
+      <c:overlay val="0"/>
+      <c:spPr>
+        <a:noFill/>
+        <a:ln>
+          <a:noFill/>
+        </a:ln>
+        <a:effectLst/>
+      </c:spPr>
+      <c:txPr>
+        <a:bodyPr rot="0" spcFirstLastPara="1" vertOverflow="ellipsis" vert="horz" wrap="square" anchor="ctr" anchorCtr="1"/>
+        <a:lstStyle/>
+        <a:p>
+          <a:pPr>
+            <a:defRPr sz="1400" b="0" i="0" u="none" strike="noStrike" kern="1200" spc="0" baseline="0">
+              <a:solidFill>
+                <a:schemeClr val="tx1">
+                  <a:lumMod val="65000"/>
+                  <a:lumOff val="35000"/>
+                </a:schemeClr>
+              </a:solidFill>
+              <a:latin typeface="+mn-lt"/>
+              <a:ea typeface="+mn-ea"/>
+              <a:cs typeface="+mn-cs"/>
+            </a:defRPr>
+          </a:pPr>
+          <a:endParaRPr lang="en-US"/>
+        </a:p>
+      </c:txPr>
+    </c:title>
+    <c:autoTitleDeleted val="0"/>
+    <c:plotArea>
+      <c:layout/>
+      <c:scatterChart>
+        <c:scatterStyle val="lineMarker"/>
+        <c:varyColors val="0"/>
+        <c:ser>
+          <c:idx val="0"/>
+          <c:order val="0"/>
+          <c:tx>
+            <c:v>Erreur de déformation</c:v>
+          </c:tx>
+          <c:spPr>
+            <a:ln w="25400" cap="rnd">
+              <a:noFill/>
+              <a:round/>
+            </a:ln>
+            <a:effectLst/>
+          </c:spPr>
+          <c:marker>
+            <c:symbol val="circle"/>
+            <c:size val="5"/>
+            <c:spPr>
+              <a:solidFill>
+                <a:schemeClr val="accent1"/>
+              </a:solidFill>
+              <a:ln w="9525">
+                <a:solidFill>
+                  <a:schemeClr val="accent1"/>
+                </a:solidFill>
+              </a:ln>
+              <a:effectLst/>
+            </c:spPr>
+          </c:marker>
+          <c:trendline>
+            <c:spPr>
+              <a:ln w="19050" cap="rnd">
+                <a:solidFill>
+                  <a:schemeClr val="accent1"/>
+                </a:solidFill>
+                <a:prstDash val="sysDot"/>
+              </a:ln>
+              <a:effectLst/>
+            </c:spPr>
+            <c:trendlineType val="power"/>
+            <c:dispRSqr val="1"/>
+            <c:dispEq val="1"/>
+            <c:trendlineLbl>
+              <c:numFmt formatCode="General" sourceLinked="0"/>
+              <c:spPr>
+                <a:noFill/>
+                <a:ln>
+                  <a:noFill/>
+                </a:ln>
+                <a:effectLst/>
+              </c:spPr>
+              <c:txPr>
+                <a:bodyPr rot="0" spcFirstLastPara="1" vertOverflow="ellipsis" vert="horz" wrap="square" anchor="ctr" anchorCtr="1"/>
+                <a:lstStyle/>
+                <a:p>
+                  <a:pPr>
+                    <a:defRPr sz="900" b="0" i="0" u="none" strike="noStrike" kern="1200" baseline="0">
+                      <a:solidFill>
+                        <a:schemeClr val="tx1">
+                          <a:lumMod val="65000"/>
+                          <a:lumOff val="35000"/>
+                        </a:schemeClr>
+                      </a:solidFill>
+                      <a:latin typeface="+mn-lt"/>
+                      <a:ea typeface="+mn-ea"/>
+                      <a:cs typeface="+mn-cs"/>
+                    </a:defRPr>
+                  </a:pPr>
+                  <a:endParaRPr lang="en-US"/>
+                </a:p>
+              </c:txPr>
+            </c:trendlineLbl>
+          </c:trendline>
+          <c:xVal>
+            <c:numRef>
+              <c:f>Sheet1!$AB$3:$AI$3</c:f>
+              <c:numCache>
+                <c:formatCode>General</c:formatCode>
+                <c:ptCount val="8"/>
+                <c:pt idx="0">
+                  <c:v>500</c:v>
+                </c:pt>
+                <c:pt idx="1">
+                  <c:v>250</c:v>
+                </c:pt>
+                <c:pt idx="2">
+                  <c:v>125</c:v>
+                </c:pt>
+                <c:pt idx="3">
+                  <c:v>62.5</c:v>
+                </c:pt>
+                <c:pt idx="4">
+                  <c:v>31.25</c:v>
+                </c:pt>
+                <c:pt idx="5">
+                  <c:v>15.625</c:v>
+                </c:pt>
+                <c:pt idx="6">
+                  <c:v>7.8125</c:v>
+                </c:pt>
+                <c:pt idx="7">
+                  <c:v>3.90625</c:v>
+                </c:pt>
+              </c:numCache>
+            </c:numRef>
+          </c:xVal>
+          <c:yVal>
+            <c:numRef>
+              <c:f>Sheet1!$P$3:$W$3</c:f>
+              <c:numCache>
+                <c:formatCode>General</c:formatCode>
+                <c:ptCount val="8"/>
+                <c:pt idx="0">
+                  <c:v>6.3078313813422824</c:v>
+                </c:pt>
+                <c:pt idx="1">
+                  <c:v>3.1539156906711412</c:v>
+                </c:pt>
+                <c:pt idx="2">
+                  <c:v>1.5769578453355706</c:v>
+                </c:pt>
+                <c:pt idx="3">
+                  <c:v>0.7884789226677853</c:v>
+                </c:pt>
+                <c:pt idx="4">
+                  <c:v>0.39423946133389265</c:v>
+                </c:pt>
+                <c:pt idx="5">
+                  <c:v>0.19711973066694632</c:v>
+                </c:pt>
+                <c:pt idx="6">
+                  <c:v>9.8561126899749135E-2</c:v>
+                </c:pt>
+                <c:pt idx="7">
+                  <c:v>4.9279301883598609E-2</c:v>
+                </c:pt>
+              </c:numCache>
+            </c:numRef>
+          </c:yVal>
+          <c:smooth val="0"/>
+          <c:extLst>
+            <c:ext xmlns:c16="http://schemas.microsoft.com/office/drawing/2014/chart" uri="{C3380CC4-5D6E-409C-BE32-E72D297353CC}">
+              <c16:uniqueId val="{00000001-A80C-4654-A8AE-01D6AEE703EA}"/>
+            </c:ext>
+          </c:extLst>
+        </c:ser>
+        <c:dLbls>
+          <c:showLegendKey val="0"/>
+          <c:showVal val="0"/>
+          <c:showCatName val="0"/>
+          <c:showSerName val="0"/>
+          <c:showPercent val="0"/>
+          <c:showBubbleSize val="0"/>
+        </c:dLbls>
+        <c:axId val="642881968"/>
+        <c:axId val="642880048"/>
+      </c:scatterChart>
+      <c:valAx>
+        <c:axId val="642881968"/>
+        <c:scaling>
+          <c:logBase val="10"/>
+          <c:orientation val="minMax"/>
+        </c:scaling>
+        <c:delete val="0"/>
+        <c:axPos val="b"/>
+        <c:majorGridlines>
+          <c:spPr>
+            <a:ln w="9525" cap="flat" cmpd="sng" algn="ctr">
+              <a:solidFill>
+                <a:schemeClr val="tx1">
+                  <a:lumMod val="15000"/>
+                  <a:lumOff val="85000"/>
+                </a:schemeClr>
+              </a:solidFill>
+              <a:round/>
+            </a:ln>
+            <a:effectLst/>
+          </c:spPr>
+        </c:majorGridlines>
+        <c:numFmt formatCode="General" sourceLinked="1"/>
+        <c:majorTickMark val="none"/>
+        <c:minorTickMark val="none"/>
+        <c:tickLblPos val="nextTo"/>
+        <c:spPr>
+          <a:noFill/>
+          <a:ln w="9525" cap="flat" cmpd="sng" algn="ctr">
+            <a:solidFill>
+              <a:schemeClr val="tx1">
+                <a:lumMod val="25000"/>
+                <a:lumOff val="75000"/>
+              </a:schemeClr>
+            </a:solidFill>
+            <a:round/>
+          </a:ln>
+          <a:effectLst/>
+        </c:spPr>
+        <c:txPr>
+          <a:bodyPr rot="-60000000" spcFirstLastPara="1" vertOverflow="ellipsis" vert="horz" wrap="square" anchor="ctr" anchorCtr="1"/>
+          <a:lstStyle/>
+          <a:p>
+            <a:pPr>
+              <a:defRPr sz="900" b="0" i="0" u="none" strike="noStrike" kern="1200" baseline="0">
+                <a:solidFill>
+                  <a:schemeClr val="tx1">
+                    <a:lumMod val="65000"/>
+                    <a:lumOff val="35000"/>
+                  </a:schemeClr>
+                </a:solidFill>
+                <a:latin typeface="+mn-lt"/>
+                <a:ea typeface="+mn-ea"/>
+                <a:cs typeface="+mn-cs"/>
+              </a:defRPr>
+            </a:pPr>
+            <a:endParaRPr lang="en-US"/>
+          </a:p>
+        </c:txPr>
+        <c:crossAx val="642880048"/>
+        <c:crosses val="autoZero"/>
+        <c:crossBetween val="midCat"/>
+      </c:valAx>
+      <c:valAx>
+        <c:axId val="642880048"/>
+        <c:scaling>
+          <c:logBase val="10"/>
+          <c:orientation val="minMax"/>
+        </c:scaling>
+        <c:delete val="0"/>
+        <c:axPos val="l"/>
+        <c:majorGridlines>
+          <c:spPr>
+            <a:ln w="9525" cap="flat" cmpd="sng" algn="ctr">
+              <a:solidFill>
+                <a:schemeClr val="tx1">
+                  <a:lumMod val="15000"/>
+                  <a:lumOff val="85000"/>
+                </a:schemeClr>
+              </a:solidFill>
+              <a:round/>
+            </a:ln>
+            <a:effectLst/>
+          </c:spPr>
+        </c:majorGridlines>
+        <c:numFmt formatCode="General" sourceLinked="1"/>
+        <c:majorTickMark val="none"/>
+        <c:minorTickMark val="none"/>
+        <c:tickLblPos val="nextTo"/>
+        <c:spPr>
+          <a:noFill/>
+          <a:ln w="9525" cap="flat" cmpd="sng" algn="ctr">
+            <a:solidFill>
+              <a:schemeClr val="tx1">
+                <a:lumMod val="25000"/>
+                <a:lumOff val="75000"/>
+              </a:schemeClr>
+            </a:solidFill>
+            <a:round/>
+          </a:ln>
+          <a:effectLst/>
+        </c:spPr>
+        <c:txPr>
+          <a:bodyPr rot="-60000000" spcFirstLastPara="1" vertOverflow="ellipsis" vert="horz" wrap="square" anchor="ctr" anchorCtr="1"/>
+          <a:lstStyle/>
+          <a:p>
+            <a:pPr>
+              <a:defRPr sz="900" b="0" i="0" u="none" strike="noStrike" kern="1200" baseline="0">
+                <a:solidFill>
+                  <a:schemeClr val="tx1">
+                    <a:lumMod val="65000"/>
+                    <a:lumOff val="35000"/>
+                  </a:schemeClr>
+                </a:solidFill>
+                <a:latin typeface="+mn-lt"/>
+                <a:ea typeface="+mn-ea"/>
+                <a:cs typeface="+mn-cs"/>
+              </a:defRPr>
+            </a:pPr>
+            <a:endParaRPr lang="en-US"/>
+          </a:p>
+        </c:txPr>
+        <c:crossAx val="642881968"/>
+        <c:crosses val="autoZero"/>
+        <c:crossBetween val="midCat"/>
+      </c:valAx>
+      <c:spPr>
+        <a:noFill/>
+        <a:ln>
+          <a:noFill/>
+        </a:ln>
+        <a:effectLst/>
+      </c:spPr>
+    </c:plotArea>
+    <c:plotVisOnly val="1"/>
+    <c:dispBlanksAs val="gap"/>
+    <c:extLst>
+      <c:ext xmlns:c16r3="http://schemas.microsoft.com/office/drawing/2017/03/chart" uri="{56B9EC1D-385E-4148-901F-78D8002777C0}">
+        <c16r3:dataDisplayOptions16>
+          <c16r3:dispNaAsBlank val="1"/>
+        </c16r3:dataDisplayOptions16>
+      </c:ext>
+    </c:extLst>
+    <c:showDLblsOverMax val="0"/>
+  </c:chart>
+  <c:spPr>
+    <a:noFill/>
+    <a:ln>
+      <a:noFill/>
+    </a:ln>
+    <a:effectLst/>
+  </c:spPr>
+  <c:txPr>
+    <a:bodyPr/>
+    <a:lstStyle/>
+    <a:p>
+      <a:pPr>
+        <a:defRPr/>
+      </a:pPr>
+      <a:endParaRPr lang="en-US"/>
+    </a:p>
+  </c:txPr>
+  <c:externalData r:id="rId3">
+    <c:autoUpdate val="0"/>
+  </c:externalData>
+</c:chartSpace>
+</file>
+
+<file path=ppt/charts/chart4.xml><?xml version="1.0" encoding="utf-8"?>
+<c:chartSpace xmlns:c="http://schemas.openxmlformats.org/drawingml/2006/chart" xmlns:a="http://schemas.openxmlformats.org/drawingml/2006/main" xmlns:r="http://schemas.openxmlformats.org/officeDocument/2006/relationships" xmlns:c16r2="http://schemas.microsoft.com/office/drawing/2015/06/chart">
+  <c:date1904 val="0"/>
+  <c:lang val="en-US"/>
   <c:roundedCorners val="0"/>
   <mc:AlternateContent xmlns:mc="http://schemas.openxmlformats.org/markup-compatibility/2006">
     <mc:Choice xmlns:c14="http://schemas.microsoft.com/office/drawing/2007/8/2/chart" Requires="c14">
@@ -3757,7 +4164,7 @@
                   <a:cs typeface="+mn-cs"/>
                 </a:defRPr>
               </a:pPr>
-              <a:endParaRPr lang="fr-FR"/>
+              <a:endParaRPr lang="en-US"/>
             </a:p>
           </c:txPr>
         </c:title>
@@ -3795,7 +4202,7 @@
                 <a:cs typeface="+mn-cs"/>
               </a:defRPr>
             </a:pPr>
-            <a:endParaRPr lang="fr-FR"/>
+            <a:endParaRPr lang="en-US"/>
           </a:p>
         </c:txPr>
         <c:crossAx val="1457253920"/>
@@ -3875,7 +4282,7 @@
                   <a:cs typeface="+mn-cs"/>
                 </a:defRPr>
               </a:pPr>
-              <a:endParaRPr lang="fr-FR"/>
+              <a:endParaRPr lang="en-US"/>
             </a:p>
           </c:txPr>
         </c:title>
@@ -3913,7 +4320,7 @@
                 <a:cs typeface="+mn-cs"/>
               </a:defRPr>
             </a:pPr>
-            <a:endParaRPr lang="fr-FR"/>
+            <a:endParaRPr lang="en-US"/>
           </a:p>
         </c:txPr>
         <c:crossAx val="1457258720"/>
@@ -3953,7 +4360,7 @@
       <a:pPr>
         <a:defRPr/>
       </a:pPr>
-      <a:endParaRPr lang="fr-FR"/>
+      <a:endParaRPr lang="en-US"/>
     </a:p>
   </c:txPr>
   <c:externalData r:id="rId3">
@@ -3962,10 +4369,10 @@
 </c:chartSpace>
 </file>
 
-<file path=ppt/charts/chart4.xml><?xml version="1.0" encoding="utf-8"?>
+<file path=ppt/charts/chart5.xml><?xml version="1.0" encoding="utf-8"?>
 <c:chartSpace xmlns:c="http://schemas.openxmlformats.org/drawingml/2006/chart" xmlns:a="http://schemas.openxmlformats.org/drawingml/2006/main" xmlns:r="http://schemas.openxmlformats.org/officeDocument/2006/relationships" xmlns:c16r2="http://schemas.microsoft.com/office/drawing/2015/06/chart">
   <c:date1904 val="0"/>
-  <c:lang val="fr-FR"/>
+  <c:lang val="en-US"/>
   <c:roundedCorners val="0"/>
   <mc:AlternateContent xmlns:mc="http://schemas.openxmlformats.org/markup-compatibility/2006">
     <mc:Choice xmlns:c14="http://schemas.microsoft.com/office/drawing/2007/8/2/chart" Requires="c14">
@@ -4738,7 +5145,7 @@
                   <a:cs typeface="+mn-cs"/>
                 </a:defRPr>
               </a:pPr>
-              <a:endParaRPr lang="fr-FR"/>
+              <a:endParaRPr lang="en-US"/>
             </a:p>
           </c:txPr>
         </c:title>
@@ -4776,7 +5183,7 @@
                 <a:cs typeface="+mn-cs"/>
               </a:defRPr>
             </a:pPr>
-            <a:endParaRPr lang="fr-FR"/>
+            <a:endParaRPr lang="en-US"/>
           </a:p>
         </c:txPr>
         <c:crossAx val="2041938592"/>
@@ -4856,7 +5263,7 @@
                   <a:cs typeface="+mn-cs"/>
                 </a:defRPr>
               </a:pPr>
-              <a:endParaRPr lang="fr-FR"/>
+              <a:endParaRPr lang="en-US"/>
             </a:p>
           </c:txPr>
         </c:title>
@@ -4894,7 +5301,7 @@
                 <a:cs typeface="+mn-cs"/>
               </a:defRPr>
             </a:pPr>
-            <a:endParaRPr lang="fr-FR"/>
+            <a:endParaRPr lang="en-US"/>
           </a:p>
         </c:txPr>
         <c:crossAx val="2041944352"/>
@@ -4934,7 +5341,7 @@
       <a:pPr>
         <a:defRPr/>
       </a:pPr>
-      <a:endParaRPr lang="fr-FR"/>
+      <a:endParaRPr lang="en-US"/>
     </a:p>
   </c:txPr>
   <c:externalData r:id="rId3">
@@ -4943,10 +5350,10 @@
 </c:chartSpace>
 </file>
 
-<file path=ppt/charts/chart5.xml><?xml version="1.0" encoding="utf-8"?>
+<file path=ppt/charts/chart6.xml><?xml version="1.0" encoding="utf-8"?>
 <c:chartSpace xmlns:c="http://schemas.openxmlformats.org/drawingml/2006/chart" xmlns:a="http://schemas.openxmlformats.org/drawingml/2006/main" xmlns:r="http://schemas.openxmlformats.org/officeDocument/2006/relationships" xmlns:c16r2="http://schemas.microsoft.com/office/drawing/2015/06/chart">
   <c:date1904 val="0"/>
-  <c:lang val="fr-FR"/>
+  <c:lang val="en-US"/>
   <c:roundedCorners val="0"/>
   <mc:AlternateContent xmlns:mc="http://schemas.openxmlformats.org/markup-compatibility/2006">
     <mc:Choice xmlns:c14="http://schemas.microsoft.com/office/drawing/2007/8/2/chart" Requires="c14">
@@ -5753,7 +6160,7 @@
                   <a:cs typeface="+mn-cs"/>
                 </a:defRPr>
               </a:pPr>
-              <a:endParaRPr lang="fr-FR"/>
+              <a:endParaRPr lang="en-US"/>
             </a:p>
           </c:txPr>
         </c:title>
@@ -5791,7 +6198,7 @@
                 <a:cs typeface="+mn-cs"/>
               </a:defRPr>
             </a:pPr>
-            <a:endParaRPr lang="fr-FR"/>
+            <a:endParaRPr lang="en-US"/>
           </a:p>
         </c:txPr>
         <c:crossAx val="2041041472"/>
@@ -5871,7 +6278,7 @@
                   <a:cs typeface="+mn-cs"/>
                 </a:defRPr>
               </a:pPr>
-              <a:endParaRPr lang="fr-FR"/>
+              <a:endParaRPr lang="en-US"/>
             </a:p>
           </c:txPr>
         </c:title>
@@ -5909,7 +6316,7 @@
                 <a:cs typeface="+mn-cs"/>
               </a:defRPr>
             </a:pPr>
-            <a:endParaRPr lang="fr-FR"/>
+            <a:endParaRPr lang="en-US"/>
           </a:p>
         </c:txPr>
         <c:crossAx val="2041040032"/>
@@ -5949,7 +6356,7 @@
       <a:pPr>
         <a:defRPr/>
       </a:pPr>
-      <a:endParaRPr lang="fr-FR"/>
+      <a:endParaRPr lang="en-US"/>
     </a:p>
   </c:txPr>
   <c:externalData r:id="rId3">
@@ -5958,10 +6365,10 @@
 </c:chartSpace>
 </file>
 
-<file path=ppt/charts/chart6.xml><?xml version="1.0" encoding="utf-8"?>
+<file path=ppt/charts/chart7.xml><?xml version="1.0" encoding="utf-8"?>
 <c:chartSpace xmlns:c="http://schemas.openxmlformats.org/drawingml/2006/chart" xmlns:a="http://schemas.openxmlformats.org/drawingml/2006/main" xmlns:r="http://schemas.openxmlformats.org/officeDocument/2006/relationships" xmlns:c16r2="http://schemas.microsoft.com/office/drawing/2015/06/chart">
   <c:date1904 val="0"/>
-  <c:lang val="fr-FR"/>
+  <c:lang val="en-US"/>
   <c:roundedCorners val="0"/>
   <mc:AlternateContent xmlns:mc="http://schemas.openxmlformats.org/markup-compatibility/2006">
     <mc:Choice xmlns:c14="http://schemas.microsoft.com/office/drawing/2007/8/2/chart" Requires="c14">
@@ -6209,7 +6616,7 @@
                   <a:cs typeface="+mn-cs"/>
                 </a:defRPr>
               </a:pPr>
-              <a:endParaRPr lang="fr-FR"/>
+              <a:endParaRPr lang="en-US"/>
             </a:p>
           </c:txPr>
         </c:title>
@@ -6247,7 +6654,7 @@
                 <a:cs typeface="+mn-cs"/>
               </a:defRPr>
             </a:pPr>
-            <a:endParaRPr lang="fr-FR"/>
+            <a:endParaRPr lang="en-US"/>
           </a:p>
         </c:txPr>
         <c:crossAx val="1632011967"/>
@@ -6287,7 +6694,7 @@
       <a:pPr>
         <a:defRPr/>
       </a:pPr>
-      <a:endParaRPr lang="fr-FR"/>
+      <a:endParaRPr lang="en-US"/>
     </a:p>
   </c:txPr>
   <c:externalData r:id="rId3">
@@ -6497,6 +6904,46 @@
 </file>
 
 <file path=ppt/charts/colors6.xml><?xml version="1.0" encoding="utf-8"?>
+<cs:colorStyle xmlns:cs="http://schemas.microsoft.com/office/drawing/2012/chartStyle" xmlns:a="http://schemas.openxmlformats.org/drawingml/2006/main" meth="cycle" id="10">
+  <a:schemeClr val="accent1"/>
+  <a:schemeClr val="accent2"/>
+  <a:schemeClr val="accent3"/>
+  <a:schemeClr val="accent4"/>
+  <a:schemeClr val="accent5"/>
+  <a:schemeClr val="accent6"/>
+  <cs:variation/>
+  <cs:variation>
+    <a:lumMod val="60000"/>
+  </cs:variation>
+  <cs:variation>
+    <a:lumMod val="80000"/>
+    <a:lumOff val="20000"/>
+  </cs:variation>
+  <cs:variation>
+    <a:lumMod val="80000"/>
+  </cs:variation>
+  <cs:variation>
+    <a:lumMod val="60000"/>
+    <a:lumOff val="40000"/>
+  </cs:variation>
+  <cs:variation>
+    <a:lumMod val="50000"/>
+  </cs:variation>
+  <cs:variation>
+    <a:lumMod val="70000"/>
+    <a:lumOff val="30000"/>
+  </cs:variation>
+  <cs:variation>
+    <a:lumMod val="70000"/>
+  </cs:variation>
+  <cs:variation>
+    <a:lumMod val="50000"/>
+    <a:lumOff val="50000"/>
+  </cs:variation>
+</cs:colorStyle>
+</file>
+
+<file path=ppt/charts/colors7.xml><?xml version="1.0" encoding="utf-8"?>
 <cs:colorStyle xmlns:cs="http://schemas.microsoft.com/office/drawing/2012/chartStyle" xmlns:a="http://schemas.openxmlformats.org/drawingml/2006/main" meth="cycle" id="10">
   <a:schemeClr val="accent1"/>
   <a:schemeClr val="accent2"/>
@@ -9632,6 +10079,522 @@
 </cs:chartStyle>
 </file>
 
+<file path=ppt/charts/style7.xml><?xml version="1.0" encoding="utf-8"?>
+<cs:chartStyle xmlns:cs="http://schemas.microsoft.com/office/drawing/2012/chartStyle" xmlns:a="http://schemas.openxmlformats.org/drawingml/2006/main" id="240">
+  <cs:axisTitle>
+    <cs:lnRef idx="0"/>
+    <cs:fillRef idx="0"/>
+    <cs:effectRef idx="0"/>
+    <cs:fontRef idx="minor">
+      <a:schemeClr val="tx1">
+        <a:lumMod val="65000"/>
+        <a:lumOff val="35000"/>
+      </a:schemeClr>
+    </cs:fontRef>
+    <cs:defRPr sz="1000" kern="1200"/>
+  </cs:axisTitle>
+  <cs:categoryAxis>
+    <cs:lnRef idx="0"/>
+    <cs:fillRef idx="0"/>
+    <cs:effectRef idx="0"/>
+    <cs:fontRef idx="minor">
+      <a:schemeClr val="tx1">
+        <a:lumMod val="65000"/>
+        <a:lumOff val="35000"/>
+      </a:schemeClr>
+    </cs:fontRef>
+    <cs:spPr>
+      <a:ln w="9525" cap="flat" cmpd="sng" algn="ctr">
+        <a:solidFill>
+          <a:schemeClr val="tx1">
+            <a:lumMod val="25000"/>
+            <a:lumOff val="75000"/>
+          </a:schemeClr>
+        </a:solidFill>
+        <a:round/>
+      </a:ln>
+    </cs:spPr>
+    <cs:defRPr sz="900" kern="1200"/>
+  </cs:categoryAxis>
+  <cs:chartArea mods="allowNoFillOverride allowNoLineOverride">
+    <cs:lnRef idx="0"/>
+    <cs:fillRef idx="0"/>
+    <cs:effectRef idx="0"/>
+    <cs:fontRef idx="minor">
+      <a:schemeClr val="tx1"/>
+    </cs:fontRef>
+    <cs:spPr>
+      <a:solidFill>
+        <a:schemeClr val="bg1"/>
+      </a:solidFill>
+      <a:ln w="9525" cap="flat" cmpd="sng" algn="ctr">
+        <a:solidFill>
+          <a:schemeClr val="tx1">
+            <a:lumMod val="15000"/>
+            <a:lumOff val="85000"/>
+          </a:schemeClr>
+        </a:solidFill>
+        <a:round/>
+      </a:ln>
+    </cs:spPr>
+    <cs:defRPr sz="1000" kern="1200"/>
+  </cs:chartArea>
+  <cs:dataLabel>
+    <cs:lnRef idx="0"/>
+    <cs:fillRef idx="0"/>
+    <cs:effectRef idx="0"/>
+    <cs:fontRef idx="minor">
+      <a:schemeClr val="tx1">
+        <a:lumMod val="75000"/>
+        <a:lumOff val="25000"/>
+      </a:schemeClr>
+    </cs:fontRef>
+    <cs:defRPr sz="900" kern="1200"/>
+  </cs:dataLabel>
+  <cs:dataLabelCallout>
+    <cs:lnRef idx="0"/>
+    <cs:fillRef idx="0"/>
+    <cs:effectRef idx="0"/>
+    <cs:fontRef idx="minor">
+      <a:schemeClr val="dk1">
+        <a:lumMod val="65000"/>
+        <a:lumOff val="35000"/>
+      </a:schemeClr>
+    </cs:fontRef>
+    <cs:spPr>
+      <a:solidFill>
+        <a:schemeClr val="lt1"/>
+      </a:solidFill>
+      <a:ln>
+        <a:solidFill>
+          <a:schemeClr val="dk1">
+            <a:lumMod val="25000"/>
+            <a:lumOff val="75000"/>
+          </a:schemeClr>
+        </a:solidFill>
+      </a:ln>
+    </cs:spPr>
+    <cs:defRPr sz="900" kern="1200"/>
+    <cs:bodyPr rot="0" spcFirstLastPara="1" vertOverflow="clip" horzOverflow="clip" vert="horz" wrap="square" lIns="36576" tIns="18288" rIns="36576" bIns="18288" anchor="ctr" anchorCtr="1">
+      <a:spAutoFit/>
+    </cs:bodyPr>
+  </cs:dataLabelCallout>
+  <cs:dataPoint>
+    <cs:lnRef idx="0"/>
+    <cs:fillRef idx="1">
+      <cs:styleClr val="auto"/>
+    </cs:fillRef>
+    <cs:effectRef idx="0"/>
+    <cs:fontRef idx="minor">
+      <a:schemeClr val="tx1"/>
+    </cs:fontRef>
+  </cs:dataPoint>
+  <cs:dataPoint3D>
+    <cs:lnRef idx="0"/>
+    <cs:fillRef idx="1">
+      <cs:styleClr val="auto"/>
+    </cs:fillRef>
+    <cs:effectRef idx="0"/>
+    <cs:fontRef idx="minor">
+      <a:schemeClr val="tx1"/>
+    </cs:fontRef>
+  </cs:dataPoint3D>
+  <cs:dataPointLine>
+    <cs:lnRef idx="0">
+      <cs:styleClr val="auto"/>
+    </cs:lnRef>
+    <cs:fillRef idx="1"/>
+    <cs:effectRef idx="0"/>
+    <cs:fontRef idx="minor">
+      <a:schemeClr val="tx1"/>
+    </cs:fontRef>
+    <cs:spPr>
+      <a:ln w="19050" cap="rnd">
+        <a:solidFill>
+          <a:schemeClr val="phClr"/>
+        </a:solidFill>
+        <a:round/>
+      </a:ln>
+    </cs:spPr>
+  </cs:dataPointLine>
+  <cs:dataPointMarker>
+    <cs:lnRef idx="0">
+      <cs:styleClr val="auto"/>
+    </cs:lnRef>
+    <cs:fillRef idx="1">
+      <cs:styleClr val="auto"/>
+    </cs:fillRef>
+    <cs:effectRef idx="0"/>
+    <cs:fontRef idx="minor">
+      <a:schemeClr val="tx1"/>
+    </cs:fontRef>
+    <cs:spPr>
+      <a:ln w="9525">
+        <a:solidFill>
+          <a:schemeClr val="phClr"/>
+        </a:solidFill>
+      </a:ln>
+    </cs:spPr>
+  </cs:dataPointMarker>
+  <cs:dataPointMarkerLayout symbol="circle" size="5"/>
+  <cs:dataPointWireframe>
+    <cs:lnRef idx="0">
+      <cs:styleClr val="auto"/>
+    </cs:lnRef>
+    <cs:fillRef idx="0"/>
+    <cs:effectRef idx="0"/>
+    <cs:fontRef idx="minor">
+      <a:schemeClr val="dk1"/>
+    </cs:fontRef>
+    <cs:spPr>
+      <a:ln w="9525" cap="rnd">
+        <a:solidFill>
+          <a:schemeClr val="phClr"/>
+        </a:solidFill>
+        <a:round/>
+      </a:ln>
+    </cs:spPr>
+  </cs:dataPointWireframe>
+  <cs:dataTable>
+    <cs:lnRef idx="0"/>
+    <cs:fillRef idx="0"/>
+    <cs:effectRef idx="0"/>
+    <cs:fontRef idx="minor">
+      <a:schemeClr val="tx1">
+        <a:lumMod val="65000"/>
+        <a:lumOff val="35000"/>
+      </a:schemeClr>
+    </cs:fontRef>
+    <cs:spPr>
+      <a:noFill/>
+      <a:ln w="9525" cap="flat" cmpd="sng" algn="ctr">
+        <a:solidFill>
+          <a:schemeClr val="tx1">
+            <a:lumMod val="15000"/>
+            <a:lumOff val="85000"/>
+          </a:schemeClr>
+        </a:solidFill>
+        <a:round/>
+      </a:ln>
+    </cs:spPr>
+    <cs:defRPr sz="900" kern="1200"/>
+  </cs:dataTable>
+  <cs:downBar>
+    <cs:lnRef idx="0"/>
+    <cs:fillRef idx="0"/>
+    <cs:effectRef idx="0"/>
+    <cs:fontRef idx="minor">
+      <a:schemeClr val="tx1"/>
+    </cs:fontRef>
+    <cs:spPr>
+      <a:solidFill>
+        <a:schemeClr val="dk1">
+          <a:lumMod val="75000"/>
+          <a:lumOff val="25000"/>
+        </a:schemeClr>
+      </a:solidFill>
+      <a:ln w="9525" cap="flat" cmpd="sng" algn="ctr">
+        <a:solidFill>
+          <a:schemeClr val="tx1">
+            <a:lumMod val="65000"/>
+            <a:lumOff val="35000"/>
+          </a:schemeClr>
+        </a:solidFill>
+        <a:round/>
+      </a:ln>
+    </cs:spPr>
+  </cs:downBar>
+  <cs:dropLine>
+    <cs:lnRef idx="0"/>
+    <cs:fillRef idx="0"/>
+    <cs:effectRef idx="0"/>
+    <cs:fontRef idx="minor">
+      <a:schemeClr val="tx1"/>
+    </cs:fontRef>
+    <cs:spPr>
+      <a:ln w="9525" cap="flat" cmpd="sng" algn="ctr">
+        <a:solidFill>
+          <a:schemeClr val="tx1">
+            <a:lumMod val="35000"/>
+            <a:lumOff val="65000"/>
+          </a:schemeClr>
+        </a:solidFill>
+        <a:round/>
+      </a:ln>
+    </cs:spPr>
+  </cs:dropLine>
+  <cs:errorBar>
+    <cs:lnRef idx="0"/>
+    <cs:fillRef idx="0"/>
+    <cs:effectRef idx="0"/>
+    <cs:fontRef idx="minor">
+      <a:schemeClr val="tx1"/>
+    </cs:fontRef>
+    <cs:spPr>
+      <a:ln w="9525" cap="flat" cmpd="sng" algn="ctr">
+        <a:solidFill>
+          <a:schemeClr val="tx1">
+            <a:lumMod val="65000"/>
+            <a:lumOff val="35000"/>
+          </a:schemeClr>
+        </a:solidFill>
+        <a:round/>
+      </a:ln>
+    </cs:spPr>
+  </cs:errorBar>
+  <cs:floor>
+    <cs:lnRef idx="0"/>
+    <cs:fillRef idx="0"/>
+    <cs:effectRef idx="0"/>
+    <cs:fontRef idx="minor">
+      <a:schemeClr val="tx1"/>
+    </cs:fontRef>
+    <cs:spPr>
+      <a:noFill/>
+      <a:ln>
+        <a:noFill/>
+      </a:ln>
+    </cs:spPr>
+  </cs:floor>
+  <cs:gridlineMajor>
+    <cs:lnRef idx="0"/>
+    <cs:fillRef idx="0"/>
+    <cs:effectRef idx="0"/>
+    <cs:fontRef idx="minor">
+      <a:schemeClr val="tx1"/>
+    </cs:fontRef>
+    <cs:spPr>
+      <a:ln w="9525" cap="flat" cmpd="sng" algn="ctr">
+        <a:solidFill>
+          <a:schemeClr val="tx1">
+            <a:lumMod val="15000"/>
+            <a:lumOff val="85000"/>
+          </a:schemeClr>
+        </a:solidFill>
+        <a:round/>
+      </a:ln>
+    </cs:spPr>
+  </cs:gridlineMajor>
+  <cs:gridlineMinor>
+    <cs:lnRef idx="0"/>
+    <cs:fillRef idx="0"/>
+    <cs:effectRef idx="0"/>
+    <cs:fontRef idx="minor">
+      <a:schemeClr val="tx1"/>
+    </cs:fontRef>
+    <cs:spPr>
+      <a:ln w="9525" cap="flat" cmpd="sng" algn="ctr">
+        <a:solidFill>
+          <a:schemeClr val="tx1">
+            <a:lumMod val="5000"/>
+            <a:lumOff val="95000"/>
+          </a:schemeClr>
+        </a:solidFill>
+        <a:round/>
+      </a:ln>
+    </cs:spPr>
+  </cs:gridlineMinor>
+  <cs:hiLoLine>
+    <cs:lnRef idx="0"/>
+    <cs:fillRef idx="0"/>
+    <cs:effectRef idx="0"/>
+    <cs:fontRef idx="minor">
+      <a:schemeClr val="tx1"/>
+    </cs:fontRef>
+    <cs:spPr>
+      <a:ln w="9525" cap="flat" cmpd="sng" algn="ctr">
+        <a:solidFill>
+          <a:schemeClr val="tx1">
+            <a:lumMod val="50000"/>
+            <a:lumOff val="50000"/>
+          </a:schemeClr>
+        </a:solidFill>
+        <a:round/>
+      </a:ln>
+    </cs:spPr>
+  </cs:hiLoLine>
+  <cs:leaderLine>
+    <cs:lnRef idx="0"/>
+    <cs:fillRef idx="0"/>
+    <cs:effectRef idx="0"/>
+    <cs:fontRef idx="minor">
+      <a:schemeClr val="tx1"/>
+    </cs:fontRef>
+    <cs:spPr>
+      <a:ln w="9525" cap="flat" cmpd="sng" algn="ctr">
+        <a:solidFill>
+          <a:schemeClr val="tx1">
+            <a:lumMod val="35000"/>
+            <a:lumOff val="65000"/>
+          </a:schemeClr>
+        </a:solidFill>
+        <a:round/>
+      </a:ln>
+    </cs:spPr>
+  </cs:leaderLine>
+  <cs:legend>
+    <cs:lnRef idx="0"/>
+    <cs:fillRef idx="0"/>
+    <cs:effectRef idx="0"/>
+    <cs:fontRef idx="minor">
+      <a:schemeClr val="tx1">
+        <a:lumMod val="65000"/>
+        <a:lumOff val="35000"/>
+      </a:schemeClr>
+    </cs:fontRef>
+    <cs:defRPr sz="900" kern="1200"/>
+  </cs:legend>
+  <cs:plotArea mods="allowNoFillOverride allowNoLineOverride">
+    <cs:lnRef idx="0"/>
+    <cs:fillRef idx="0"/>
+    <cs:effectRef idx="0"/>
+    <cs:fontRef idx="minor">
+      <a:schemeClr val="tx1"/>
+    </cs:fontRef>
+  </cs:plotArea>
+  <cs:plotArea3D mods="allowNoFillOverride allowNoLineOverride">
+    <cs:lnRef idx="0"/>
+    <cs:fillRef idx="0"/>
+    <cs:effectRef idx="0"/>
+    <cs:fontRef idx="minor">
+      <a:schemeClr val="tx1"/>
+    </cs:fontRef>
+  </cs:plotArea3D>
+  <cs:seriesAxis>
+    <cs:lnRef idx="0"/>
+    <cs:fillRef idx="0"/>
+    <cs:effectRef idx="0"/>
+    <cs:fontRef idx="minor">
+      <a:schemeClr val="tx1">
+        <a:lumMod val="65000"/>
+        <a:lumOff val="35000"/>
+      </a:schemeClr>
+    </cs:fontRef>
+    <cs:defRPr sz="900" kern="1200"/>
+  </cs:seriesAxis>
+  <cs:seriesLine>
+    <cs:lnRef idx="0"/>
+    <cs:fillRef idx="0"/>
+    <cs:effectRef idx="0"/>
+    <cs:fontRef idx="minor">
+      <a:schemeClr val="tx1"/>
+    </cs:fontRef>
+    <cs:spPr>
+      <a:ln w="9525" cap="flat" cmpd="sng" algn="ctr">
+        <a:solidFill>
+          <a:schemeClr val="tx1">
+            <a:lumMod val="35000"/>
+            <a:lumOff val="65000"/>
+          </a:schemeClr>
+        </a:solidFill>
+        <a:round/>
+      </a:ln>
+    </cs:spPr>
+  </cs:seriesLine>
+  <cs:title>
+    <cs:lnRef idx="0"/>
+    <cs:fillRef idx="0"/>
+    <cs:effectRef idx="0"/>
+    <cs:fontRef idx="minor">
+      <a:schemeClr val="tx1">
+        <a:lumMod val="65000"/>
+        <a:lumOff val="35000"/>
+      </a:schemeClr>
+    </cs:fontRef>
+    <cs:defRPr sz="1400" b="0" kern="1200" spc="0" baseline="0"/>
+  </cs:title>
+  <cs:trendline>
+    <cs:lnRef idx="0">
+      <cs:styleClr val="auto"/>
+    </cs:lnRef>
+    <cs:fillRef idx="0"/>
+    <cs:effectRef idx="0"/>
+    <cs:fontRef idx="minor">
+      <a:schemeClr val="tx1"/>
+    </cs:fontRef>
+    <cs:spPr>
+      <a:ln w="19050" cap="rnd">
+        <a:solidFill>
+          <a:schemeClr val="phClr"/>
+        </a:solidFill>
+        <a:prstDash val="sysDot"/>
+      </a:ln>
+    </cs:spPr>
+  </cs:trendline>
+  <cs:trendlineLabel>
+    <cs:lnRef idx="0"/>
+    <cs:fillRef idx="0"/>
+    <cs:effectRef idx="0"/>
+    <cs:fontRef idx="minor">
+      <a:schemeClr val="tx1">
+        <a:lumMod val="65000"/>
+        <a:lumOff val="35000"/>
+      </a:schemeClr>
+    </cs:fontRef>
+    <cs:defRPr sz="900" kern="1200"/>
+  </cs:trendlineLabel>
+  <cs:upBar>
+    <cs:lnRef idx="0"/>
+    <cs:fillRef idx="0"/>
+    <cs:effectRef idx="0"/>
+    <cs:fontRef idx="minor">
+      <a:schemeClr val="tx1"/>
+    </cs:fontRef>
+    <cs:spPr>
+      <a:solidFill>
+        <a:schemeClr val="lt1"/>
+      </a:solidFill>
+      <a:ln w="9525" cap="flat" cmpd="sng" algn="ctr">
+        <a:solidFill>
+          <a:schemeClr val="tx1">
+            <a:lumMod val="65000"/>
+            <a:lumOff val="35000"/>
+          </a:schemeClr>
+        </a:solidFill>
+        <a:round/>
+      </a:ln>
+    </cs:spPr>
+  </cs:upBar>
+  <cs:valueAxis>
+    <cs:lnRef idx="0"/>
+    <cs:fillRef idx="0"/>
+    <cs:effectRef idx="0"/>
+    <cs:fontRef idx="minor">
+      <a:schemeClr val="tx1">
+        <a:lumMod val="65000"/>
+        <a:lumOff val="35000"/>
+      </a:schemeClr>
+    </cs:fontRef>
+    <cs:spPr>
+      <a:ln w="9525" cap="flat" cmpd="sng" algn="ctr">
+        <a:solidFill>
+          <a:schemeClr val="tx1">
+            <a:lumMod val="25000"/>
+            <a:lumOff val="75000"/>
+          </a:schemeClr>
+        </a:solidFill>
+        <a:round/>
+      </a:ln>
+    </cs:spPr>
+    <cs:defRPr sz="900" kern="1200"/>
+  </cs:valueAxis>
+  <cs:wall>
+    <cs:lnRef idx="0"/>
+    <cs:fillRef idx="0"/>
+    <cs:effectRef idx="0"/>
+    <cs:fontRef idx="minor">
+      <a:schemeClr val="tx1"/>
+    </cs:fontRef>
+    <cs:spPr>
+      <a:noFill/>
+      <a:ln>
+        <a:noFill/>
+      </a:ln>
+    </cs:spPr>
+  </cs:wall>
+</cs:chartStyle>
+</file>
+
 <file path=ppt/comments/modernComment_106_4791FEFC.xml><?xml version="1.0" encoding="utf-8"?>
 <p188:cmLst xmlns:a="http://schemas.openxmlformats.org/drawingml/2006/main" xmlns:r="http://schemas.openxmlformats.org/officeDocument/2006/relationships" xmlns:p188="http://schemas.microsoft.com/office/powerpoint/2018/8/main">
   <p188:cm id="{1275EE33-43A5-490E-A8D2-080E79EE55F8}" authorId="{4BB11620-EFBC-D13A-7B93-45F2C922ABDE}" created="2024-04-11T02:29:59.554">
@@ -9651,6 +10614,27 @@
         <a:r>
           <a:rPr lang="en-CA"/>
           <a:t>check</a:t>
+        </a:r>
+      </a:p>
+    </p188:txBody>
+  </p188:cm>
+  <p188:cm id="{3724C460-C9F0-49DB-9DE2-9E5AD2B8FA85}" authorId="{53E43574-7A34-154C-E512-F6CBCA51E7C2}" created="2024-04-13T02:50:35.708">
+    <ac:txMkLst xmlns:ac="http://schemas.microsoft.com/office/drawing/2013/main/command">
+      <pc:docMk xmlns:pc="http://schemas.microsoft.com/office/powerpoint/2013/main/command"/>
+      <pc:sldMk xmlns:pc="http://schemas.microsoft.com/office/powerpoint/2013/main/command" cId="1200750332" sldId="262"/>
+      <ac:spMk id="3" creationId="{57846E6E-541E-C380-2EC3-91AF5BEE61F6}"/>
+      <ac:txMk cp="413" len="347">
+        <ac:context len="865" hash="1272217592"/>
+      </ac:txMk>
+    </ac:txMkLst>
+    <p188:pos x="10506075" y="2002400"/>
+    <p188:txBody>
+      <a:bodyPr/>
+      <a:lstStyle/>
+      <a:p>
+        <a:r>
+          <a:rPr lang="en-CA"/>
+          <a:t>Est-ce qu'on garde cette partie là?</a:t>
         </a:r>
       </a:p>
     </p188:txBody>
@@ -9941,8 +10925,8 @@
       <pc:docMk xmlns:pc="http://schemas.microsoft.com/office/powerpoint/2013/main/command"/>
       <pc:sldMk xmlns:pc="http://schemas.microsoft.com/office/powerpoint/2013/main/command" cId="494895105" sldId="286"/>
       <ac:spMk id="3" creationId="{57846E6E-541E-C380-2EC3-91AF5BEE61F6}"/>
-      <ac:txMk cp="0" len="1">
-        <ac:context len="232" hash="3144641771"/>
+      <ac:txMk cp="0">
+        <ac:context len="641" hash="1044606716"/>
       </ac:txMk>
     </ac:txMkLst>
     <p188:pos x="10506075" y="2497701"/>
@@ -10056,7 +11040,7 @@
           <a:p>
             <a:fld id="{DAB5DE69-65B2-445A-B9D2-BC2BC199D49F}" type="datetimeFigureOut">
               <a:rPr lang="en-CA" smtClean="0"/>
-              <a:t>2024-04-11</a:t>
+              <a:t>2024-04-12</a:t>
             </a:fld>
             <a:endParaRPr lang="en-CA"/>
           </a:p>
@@ -10215,7 +11199,7 @@
           <a:p>
             <a:fld id="{603E9730-38DB-4F77-A139-6CE923099591}" type="slidenum">
               <a:rPr lang="en-CA" smtClean="0"/>
-              <a:t>‹N°›</a:t>
+              <a:t>‹#›</a:t>
             </a:fld>
             <a:endParaRPr lang="en-CA"/>
           </a:p>
@@ -10473,7 +11457,7 @@
           <a:p>
             <a:fld id="{CF633E34-DD75-4254-AB88-C9D2090F6CC5}" type="datetimeFigureOut">
               <a:rPr lang="en-CA" smtClean="0"/>
-              <a:t>2024-04-11</a:t>
+              <a:t>2024-04-12</a:t>
             </a:fld>
             <a:endParaRPr lang="en-CA"/>
           </a:p>
@@ -10527,7 +11511,7 @@
           <a:p>
             <a:fld id="{4BD3201E-7DF8-462B-AC18-61E63795AE0D}" type="slidenum">
               <a:rPr lang="en-CA" smtClean="0"/>
-              <a:t>‹N°›</a:t>
+              <a:t>‹#›</a:t>
             </a:fld>
             <a:endParaRPr lang="en-CA"/>
           </a:p>
@@ -10673,7 +11657,7 @@
           <a:p>
             <a:fld id="{CF633E34-DD75-4254-AB88-C9D2090F6CC5}" type="datetimeFigureOut">
               <a:rPr lang="en-CA" smtClean="0"/>
-              <a:t>2024-04-11</a:t>
+              <a:t>2024-04-12</a:t>
             </a:fld>
             <a:endParaRPr lang="en-CA"/>
           </a:p>
@@ -10727,7 +11711,7 @@
           <a:p>
             <a:fld id="{4BD3201E-7DF8-462B-AC18-61E63795AE0D}" type="slidenum">
               <a:rPr lang="en-CA" smtClean="0"/>
-              <a:t>‹N°›</a:t>
+              <a:t>‹#›</a:t>
             </a:fld>
             <a:endParaRPr lang="en-CA"/>
           </a:p>
@@ -10883,7 +11867,7 @@
           <a:p>
             <a:fld id="{CF633E34-DD75-4254-AB88-C9D2090F6CC5}" type="datetimeFigureOut">
               <a:rPr lang="en-CA" smtClean="0"/>
-              <a:t>2024-04-11</a:t>
+              <a:t>2024-04-12</a:t>
             </a:fld>
             <a:endParaRPr lang="en-CA"/>
           </a:p>
@@ -10937,7 +11921,7 @@
           <a:p>
             <a:fld id="{4BD3201E-7DF8-462B-AC18-61E63795AE0D}" type="slidenum">
               <a:rPr lang="en-CA" smtClean="0"/>
-              <a:t>‹N°›</a:t>
+              <a:t>‹#›</a:t>
             </a:fld>
             <a:endParaRPr lang="en-CA"/>
           </a:p>
@@ -11083,7 +12067,7 @@
           <a:p>
             <a:fld id="{CF633E34-DD75-4254-AB88-C9D2090F6CC5}" type="datetimeFigureOut">
               <a:rPr lang="en-CA" smtClean="0"/>
-              <a:t>2024-04-11</a:t>
+              <a:t>2024-04-12</a:t>
             </a:fld>
             <a:endParaRPr lang="en-CA"/>
           </a:p>
@@ -11137,7 +12121,7 @@
           <a:p>
             <a:fld id="{4BD3201E-7DF8-462B-AC18-61E63795AE0D}" type="slidenum">
               <a:rPr lang="en-CA" smtClean="0"/>
-              <a:t>‹N°›</a:t>
+              <a:t>‹#›</a:t>
             </a:fld>
             <a:endParaRPr lang="en-CA"/>
           </a:p>
@@ -11359,7 +12343,7 @@
           <a:p>
             <a:fld id="{CF633E34-DD75-4254-AB88-C9D2090F6CC5}" type="datetimeFigureOut">
               <a:rPr lang="en-CA" smtClean="0"/>
-              <a:t>2024-04-11</a:t>
+              <a:t>2024-04-12</a:t>
             </a:fld>
             <a:endParaRPr lang="en-CA"/>
           </a:p>
@@ -11413,7 +12397,7 @@
           <a:p>
             <a:fld id="{4BD3201E-7DF8-462B-AC18-61E63795AE0D}" type="slidenum">
               <a:rPr lang="en-CA" smtClean="0"/>
-              <a:t>‹N°›</a:t>
+              <a:t>‹#›</a:t>
             </a:fld>
             <a:endParaRPr lang="en-CA"/>
           </a:p>
@@ -11627,7 +12611,7 @@
           <a:p>
             <a:fld id="{CF633E34-DD75-4254-AB88-C9D2090F6CC5}" type="datetimeFigureOut">
               <a:rPr lang="en-CA" smtClean="0"/>
-              <a:t>2024-04-11</a:t>
+              <a:t>2024-04-12</a:t>
             </a:fld>
             <a:endParaRPr lang="en-CA"/>
           </a:p>
@@ -11681,7 +12665,7 @@
           <a:p>
             <a:fld id="{4BD3201E-7DF8-462B-AC18-61E63795AE0D}" type="slidenum">
               <a:rPr lang="en-CA" smtClean="0"/>
-              <a:t>‹N°›</a:t>
+              <a:t>‹#›</a:t>
             </a:fld>
             <a:endParaRPr lang="en-CA"/>
           </a:p>
@@ -12042,7 +13026,7 @@
           <a:p>
             <a:fld id="{CF633E34-DD75-4254-AB88-C9D2090F6CC5}" type="datetimeFigureOut">
               <a:rPr lang="en-CA" smtClean="0"/>
-              <a:t>2024-04-11</a:t>
+              <a:t>2024-04-12</a:t>
             </a:fld>
             <a:endParaRPr lang="en-CA"/>
           </a:p>
@@ -12096,7 +13080,7 @@
           <a:p>
             <a:fld id="{4BD3201E-7DF8-462B-AC18-61E63795AE0D}" type="slidenum">
               <a:rPr lang="en-CA" smtClean="0"/>
-              <a:t>‹N°›</a:t>
+              <a:t>‹#›</a:t>
             </a:fld>
             <a:endParaRPr lang="en-CA"/>
           </a:p>
@@ -12184,7 +13168,7 @@
           <a:p>
             <a:fld id="{CF633E34-DD75-4254-AB88-C9D2090F6CC5}" type="datetimeFigureOut">
               <a:rPr lang="en-CA" smtClean="0"/>
-              <a:t>2024-04-11</a:t>
+              <a:t>2024-04-12</a:t>
             </a:fld>
             <a:endParaRPr lang="en-CA"/>
           </a:p>
@@ -12238,7 +13222,7 @@
           <a:p>
             <a:fld id="{4BD3201E-7DF8-462B-AC18-61E63795AE0D}" type="slidenum">
               <a:rPr lang="en-CA" smtClean="0"/>
-              <a:t>‹N°›</a:t>
+              <a:t>‹#›</a:t>
             </a:fld>
             <a:endParaRPr lang="en-CA"/>
           </a:p>
@@ -12297,7 +13281,7 @@
           <a:p>
             <a:fld id="{CF633E34-DD75-4254-AB88-C9D2090F6CC5}" type="datetimeFigureOut">
               <a:rPr lang="en-CA" smtClean="0"/>
-              <a:t>2024-04-11</a:t>
+              <a:t>2024-04-12</a:t>
             </a:fld>
             <a:endParaRPr lang="en-CA"/>
           </a:p>
@@ -12351,7 +13335,7 @@
           <a:p>
             <a:fld id="{4BD3201E-7DF8-462B-AC18-61E63795AE0D}" type="slidenum">
               <a:rPr lang="en-CA" smtClean="0"/>
-              <a:t>‹N°›</a:t>
+              <a:t>‹#›</a:t>
             </a:fld>
             <a:endParaRPr lang="en-CA"/>
           </a:p>
@@ -12610,7 +13594,7 @@
           <a:p>
             <a:fld id="{CF633E34-DD75-4254-AB88-C9D2090F6CC5}" type="datetimeFigureOut">
               <a:rPr lang="en-CA" smtClean="0"/>
-              <a:t>2024-04-11</a:t>
+              <a:t>2024-04-12</a:t>
             </a:fld>
             <a:endParaRPr lang="en-CA"/>
           </a:p>
@@ -12664,7 +13648,7 @@
           <a:p>
             <a:fld id="{4BD3201E-7DF8-462B-AC18-61E63795AE0D}" type="slidenum">
               <a:rPr lang="en-CA" smtClean="0"/>
-              <a:t>‹N°›</a:t>
+              <a:t>‹#›</a:t>
             </a:fld>
             <a:endParaRPr lang="en-CA"/>
           </a:p>
@@ -12899,7 +13883,7 @@
           <a:p>
             <a:fld id="{CF633E34-DD75-4254-AB88-C9D2090F6CC5}" type="datetimeFigureOut">
               <a:rPr lang="en-CA" smtClean="0"/>
-              <a:t>2024-04-11</a:t>
+              <a:t>2024-04-12</a:t>
             </a:fld>
             <a:endParaRPr lang="en-CA"/>
           </a:p>
@@ -12953,7 +13937,7 @@
           <a:p>
             <a:fld id="{4BD3201E-7DF8-462B-AC18-61E63795AE0D}" type="slidenum">
               <a:rPr lang="en-CA" smtClean="0"/>
-              <a:t>‹N°›</a:t>
+              <a:t>‹#›</a:t>
             </a:fld>
             <a:endParaRPr lang="en-CA"/>
           </a:p>
@@ -13142,7 +14126,7 @@
           <a:p>
             <a:fld id="{CF633E34-DD75-4254-AB88-C9D2090F6CC5}" type="datetimeFigureOut">
               <a:rPr lang="en-CA" smtClean="0"/>
-              <a:t>2024-04-11</a:t>
+              <a:t>2024-04-12</a:t>
             </a:fld>
             <a:endParaRPr lang="en-CA"/>
           </a:p>
@@ -13232,7 +14216,7 @@
           <a:p>
             <a:fld id="{4BD3201E-7DF8-462B-AC18-61E63795AE0D}" type="slidenum">
               <a:rPr lang="en-CA" smtClean="0"/>
-              <a:t>‹N°›</a:t>
+              <a:t>‹#›</a:t>
             </a:fld>
             <a:endParaRPr lang="en-CA"/>
           </a:p>
@@ -14141,32 +15125,6 @@
                 <a:pPr marL="0" indent="0" algn="just">
                   <a:buNone/>
                 </a:pPr>
-                <a:r>
-                  <a:rPr lang="fr-CA" sz="1800" dirty="0"/>
-                  <a:t>On note aussi que malgré le fait d’avoir imposé un encastrement à l’extrémité inférieure de la poutre, ce qui devrait se traduire </a:t>
-                </a:r>
-                <a:r>
-                  <a:rPr lang="fr-FR" sz="1800" dirty="0"/>
-                  <a:t>par un angle nul au premier élément, cette condition ne peut pas être respectée par des éléments linéaires car ils ont un seul degré de liberté par nœud (la déplacement). Comme on peut le voir à la figure </a:t>
-                </a:r>
-                <a:r>
-                  <a:rPr lang="fr-FR" sz="1800" dirty="0">
-                    <a:highlight>
-                      <a:srgbClr val="FFFF00"/>
-                    </a:highlight>
-                  </a:rPr>
-                  <a:t>4</a:t>
-                </a:r>
-                <a:r>
-                  <a:rPr lang="fr-FR" sz="1800" dirty="0"/>
-                  <a:t> de la page suivante, le déplacement est nul à la base de la poutre mais l’angle ne l’est pas. Ceci introduit une erreur entre les nœuds dû à l'interpolation.</a:t>
-                </a:r>
-                <a:endParaRPr lang="fr-CA" sz="1800" dirty="0"/>
-              </a:p>
-              <a:p>
-                <a:pPr marL="0" indent="0" algn="just">
-                  <a:buNone/>
-                </a:pPr>
                 <a:endParaRPr lang="fr-CA" sz="1800" dirty="0"/>
               </a:p>
             </p:txBody>
@@ -14206,7 +15164,7 @@
               <a:lstStyle/>
               <a:p>
                 <a:r>
-                  <a:rPr lang="fr-FR">
+                  <a:rPr lang="en-CA">
                     <a:noFill/>
                   </a:rPr>
                   <a:t> </a:t>
@@ -14275,6 +15233,816 @@
           <a:lstStyle/>
           <a:p>
             <a:r>
+              <a:rPr lang="fr-FR" sz="3000"/>
+              <a:t>Vérification de code</a:t>
+            </a:r>
+            <a:endParaRPr lang="en-CA" sz="3000" dirty="0"/>
+          </a:p>
+        </p:txBody>
+      </p:sp>
+      <p:sp>
+        <p:nvSpPr>
+          <p:cNvPr id="3" name="Content Placeholder 2">
+            <a:extLst>
+              <a:ext uri="{FF2B5EF4-FFF2-40B4-BE49-F238E27FC236}">
+                <a16:creationId xmlns:a16="http://schemas.microsoft.com/office/drawing/2014/main" id="{57846E6E-541E-C380-2EC3-91AF5BEE61F6}"/>
+              </a:ext>
+            </a:extLst>
+          </p:cNvPr>
+          <p:cNvSpPr>
+            <a:spLocks noGrp="1"/>
+          </p:cNvSpPr>
+          <p:nvPr>
+            <p:ph idx="1"/>
+          </p:nvPr>
+        </p:nvSpPr>
+        <p:spPr>
+          <a:xfrm>
+            <a:off x="714375" y="1150374"/>
+            <a:ext cx="6715125" cy="5342501"/>
+          </a:xfrm>
+        </p:spPr>
+        <p:txBody>
+          <a:bodyPr>
+            <a:normAutofit/>
+          </a:bodyPr>
+          <a:lstStyle/>
+          <a:p>
+            <a:pPr marL="0" indent="0" algn="just">
+              <a:buNone/>
+            </a:pPr>
+            <a:r>
+              <a:rPr lang="fr-CA" sz="1800" dirty="0"/>
+              <a:t>On note aussi que malgré le fait d’avoir imposé un encastrement à l’extrémité inférieure de la poutre, ce qui devrait se traduire </a:t>
+            </a:r>
+            <a:r>
+              <a:rPr lang="fr-FR" sz="1800" dirty="0"/>
+              <a:t>par un angle nul au premier élément, cette condition ne peut pas être respectée par des éléments linéaires car ils ont un seul degré de liberté par nœud (la déplacement). Comme on peut le voir à la figure 4, le déplacement est nul à la base de la poutre mais l’angle ne l’est pas. Ceci introduit une erreur entre les nœuds dû à l'interpolation.</a:t>
+            </a:r>
+            <a:endParaRPr lang="fr-CA" sz="1800" dirty="0"/>
+          </a:p>
+          <a:p>
+            <a:pPr marL="0" indent="0" algn="just">
+              <a:buNone/>
+            </a:pPr>
+            <a:endParaRPr lang="en-CA" sz="1800" dirty="0">
+              <a:highlight>
+                <a:srgbClr val="FFFF00"/>
+              </a:highlight>
+            </a:endParaRPr>
+          </a:p>
+          <a:p>
+            <a:pPr marL="0" indent="0" algn="just">
+              <a:buNone/>
+            </a:pPr>
+            <a:endParaRPr lang="fr-CA" sz="1800" dirty="0"/>
+          </a:p>
+          <a:p>
+            <a:pPr marL="0" indent="0" algn="just">
+              <a:buNone/>
+            </a:pPr>
+            <a:r>
+              <a:rPr lang="fr-CA" sz="1800" dirty="0"/>
+              <a:t>Il est important de noter que cet écart ne remet pas en question la vérification du code de </a:t>
+            </a:r>
+            <a:r>
+              <a:rPr lang="fr-CA" sz="1800" dirty="0" err="1"/>
+              <a:t>SimCenter</a:t>
+            </a:r>
+            <a:r>
+              <a:rPr lang="fr-CA" sz="1800" dirty="0"/>
+              <a:t>/</a:t>
+            </a:r>
+            <a:r>
+              <a:rPr lang="fr-CA" sz="1800" dirty="0" err="1"/>
+              <a:t>Nastran</a:t>
+            </a:r>
+            <a:r>
+              <a:rPr lang="fr-CA" sz="1800" dirty="0"/>
+              <a:t> mais plutôt la méthode utilisée pour la vérification.</a:t>
+            </a:r>
+          </a:p>
+        </p:txBody>
+      </p:sp>
+      <p:pic>
+        <p:nvPicPr>
+          <p:cNvPr id="10" name="Picture 9">
+            <a:extLst>
+              <a:ext uri="{FF2B5EF4-FFF2-40B4-BE49-F238E27FC236}">
+                <a16:creationId xmlns:a16="http://schemas.microsoft.com/office/drawing/2014/main" id="{4C6094C8-647C-6C33-05D7-E0D0C50BE585}"/>
+              </a:ext>
+            </a:extLst>
+          </p:cNvPr>
+          <p:cNvPicPr>
+            <a:picLocks noChangeAspect="1"/>
+          </p:cNvPicPr>
+          <p:nvPr/>
+        </p:nvPicPr>
+        <p:blipFill>
+          <a:blip r:embed="rId3"/>
+          <a:stretch>
+            <a:fillRect/>
+          </a:stretch>
+        </p:blipFill>
+        <p:spPr>
+          <a:xfrm>
+            <a:off x="7746693" y="718420"/>
+            <a:ext cx="4261003" cy="4476750"/>
+          </a:xfrm>
+          <a:prstGeom prst="rect">
+            <a:avLst/>
+          </a:prstGeom>
+        </p:spPr>
+      </p:pic>
+      <p:sp>
+        <p:nvSpPr>
+          <p:cNvPr id="11" name="ZoneTexte 4">
+            <a:extLst>
+              <a:ext uri="{FF2B5EF4-FFF2-40B4-BE49-F238E27FC236}">
+                <a16:creationId xmlns:a16="http://schemas.microsoft.com/office/drawing/2014/main" id="{D45E035C-2C6B-E5B4-30DE-7A0788EED6B4}"/>
+              </a:ext>
+            </a:extLst>
+          </p:cNvPr>
+          <p:cNvSpPr txBox="1"/>
+          <p:nvPr/>
+        </p:nvSpPr>
+        <p:spPr>
+          <a:xfrm>
+            <a:off x="7746693" y="5271466"/>
+            <a:ext cx="5435048" cy="276999"/>
+          </a:xfrm>
+          <a:prstGeom prst="rect">
+            <a:avLst/>
+          </a:prstGeom>
+          <a:noFill/>
+        </p:spPr>
+        <p:txBody>
+          <a:bodyPr wrap="square" rtlCol="0">
+            <a:spAutoFit/>
+          </a:bodyPr>
+          <a:lstStyle/>
+          <a:p>
+            <a:r>
+              <a:rPr lang="fr-FR" sz="1200" dirty="0"/>
+              <a:t>Fig.3. Simulation d’une poutre encastrée-libre à un élément</a:t>
+            </a:r>
+          </a:p>
+        </p:txBody>
+      </p:sp>
+    </p:spTree>
+    <p:extLst>
+      <p:ext uri="{BB962C8B-B14F-4D97-AF65-F5344CB8AC3E}">
+        <p14:creationId xmlns:p14="http://schemas.microsoft.com/office/powerpoint/2010/main" val="494895105"/>
+      </p:ext>
+    </p:extLst>
+  </p:cSld>
+  <p:clrMapOvr>
+    <a:masterClrMapping/>
+  </p:clrMapOvr>
+  <p:extLst>
+    <p:ext uri="{6950BFC3-D8DA-4A85-94F7-54DA5524770B}">
+      <p188:commentRel xmlns:p188="http://schemas.microsoft.com/office/powerpoint/2018/8/main" r:id="rId2"/>
+    </p:ext>
+  </p:extLst>
+</p:sld>
+</file>
+
+<file path=ppt/slides/slide12.xml><?xml version="1.0" encoding="utf-8"?>
+<p:sld xmlns:a="http://schemas.openxmlformats.org/drawingml/2006/main" xmlns:r="http://schemas.openxmlformats.org/officeDocument/2006/relationships" xmlns:p="http://schemas.openxmlformats.org/presentationml/2006/main">
+  <p:cSld>
+    <p:spTree>
+      <p:nvGrpSpPr>
+        <p:cNvPr id="1" name=""/>
+        <p:cNvGrpSpPr/>
+        <p:nvPr/>
+      </p:nvGrpSpPr>
+      <p:grpSpPr>
+        <a:xfrm>
+          <a:off x="0" y="0"/>
+          <a:ext cx="0" cy="0"/>
+          <a:chOff x="0" y="0"/>
+          <a:chExt cx="0" cy="0"/>
+        </a:xfrm>
+      </p:grpSpPr>
+      <p:sp>
+        <p:nvSpPr>
+          <p:cNvPr id="2" name="Title 1">
+            <a:extLst>
+              <a:ext uri="{FF2B5EF4-FFF2-40B4-BE49-F238E27FC236}">
+                <a16:creationId xmlns:a16="http://schemas.microsoft.com/office/drawing/2014/main" id="{E0220718-7085-48D6-FCCC-6D486EF513A7}"/>
+              </a:ext>
+            </a:extLst>
+          </p:cNvPr>
+          <p:cNvSpPr>
+            <a:spLocks noGrp="1"/>
+          </p:cNvSpPr>
+          <p:nvPr>
+            <p:ph type="title"/>
+          </p:nvPr>
+        </p:nvSpPr>
+        <p:spPr>
+          <a:xfrm>
+            <a:off x="838200" y="365125"/>
+            <a:ext cx="9308690" cy="706591"/>
+          </a:xfrm>
+        </p:spPr>
+        <p:txBody>
+          <a:bodyPr>
+            <a:normAutofit/>
+          </a:bodyPr>
+          <a:lstStyle/>
+          <a:p>
+            <a:r>
+              <a:rPr lang="fr-FR" sz="3000" dirty="0"/>
+              <a:t>Vérification de code</a:t>
+            </a:r>
+            <a:endParaRPr lang="en-CA" sz="3000" dirty="0"/>
+          </a:p>
+        </p:txBody>
+      </p:sp>
+      <mc:AlternateContent xmlns:mc="http://schemas.openxmlformats.org/markup-compatibility/2006">
+        <mc:Choice xmlns:a14="http://schemas.microsoft.com/office/drawing/2010/main" Requires="a14">
+          <p:sp>
+            <p:nvSpPr>
+              <p:cNvPr id="3" name="Content Placeholder 2">
+                <a:extLst>
+                  <a:ext uri="{FF2B5EF4-FFF2-40B4-BE49-F238E27FC236}">
+                    <a16:creationId xmlns:a16="http://schemas.microsoft.com/office/drawing/2014/main" id="{57846E6E-541E-C380-2EC3-91AF5BEE61F6}"/>
+                  </a:ext>
+                </a:extLst>
+              </p:cNvPr>
+              <p:cNvSpPr>
+                <a:spLocks noGrp="1"/>
+              </p:cNvSpPr>
+              <p:nvPr>
+                <p:ph idx="1"/>
+              </p:nvPr>
+            </p:nvSpPr>
+            <p:spPr>
+              <a:xfrm>
+                <a:off x="838200" y="1150374"/>
+                <a:ext cx="10515600" cy="5342501"/>
+              </a:xfrm>
+            </p:spPr>
+            <p:txBody>
+              <a:bodyPr>
+                <a:normAutofit fontScale="92500" lnSpcReduction="20000"/>
+              </a:bodyPr>
+              <a:lstStyle/>
+              <a:p>
+                <a:pPr marL="0" indent="0" algn="just">
+                  <a:buNone/>
+                </a:pPr>
+                <a:r>
+                  <a:rPr lang="fr-CA" sz="1800" dirty="0"/>
+                  <a:t>Il est donc possible de remarquer qu’un différente méthode est nécessaire afin d’effectuer la vérification de code. Pour ce faire, il est possible d’utiliser l’énergie de déformation.</a:t>
+                </a:r>
+              </a:p>
+              <a:p>
+                <a:pPr marL="0" indent="0" algn="just">
+                  <a:buNone/>
+                </a:pPr>
+                <a:r>
+                  <a:rPr lang="fr-CA" sz="1800" dirty="0"/>
+                  <a:t>L’énergie de déformation par élément linéaire est définie comme:</a:t>
+                </a:r>
+              </a:p>
+              <a:p>
+                <a:pPr marL="0" indent="0" algn="just">
+                  <a:buNone/>
+                </a:pPr>
+                <a:endParaRPr lang="fr-CA" sz="1800" dirty="0"/>
+              </a:p>
+              <a:p>
+                <a:pPr marL="0" indent="0" algn="just">
+                  <a:buNone/>
+                </a:pPr>
+                <a14:m>
+                  <m:oMathPara xmlns:m="http://schemas.openxmlformats.org/officeDocument/2006/math">
+                    <m:oMathParaPr>
+                      <m:jc m:val="centerGroup"/>
+                    </m:oMathParaPr>
+                    <m:oMath xmlns:m="http://schemas.openxmlformats.org/officeDocument/2006/math">
+                      <m:r>
+                        <a:rPr lang="fr-CA" sz="1800" b="0" i="1" smtClean="0">
+                          <a:latin typeface="Cambria Math" panose="02040503050406030204" pitchFamily="18" charset="0"/>
+                        </a:rPr>
+                        <m:t>𝑈</m:t>
+                      </m:r>
+                      <m:r>
+                        <a:rPr lang="fr-CA" sz="1800" b="0" i="1" smtClean="0">
+                          <a:latin typeface="Cambria Math" panose="02040503050406030204" pitchFamily="18" charset="0"/>
+                        </a:rPr>
+                        <m:t>=</m:t>
+                      </m:r>
+                      <m:f>
+                        <m:fPr>
+                          <m:ctrlPr>
+                            <a:rPr lang="fr-CA" sz="1800" b="0" i="1" smtClean="0">
+                              <a:latin typeface="Cambria Math" panose="02040503050406030204" pitchFamily="18" charset="0"/>
+                            </a:rPr>
+                          </m:ctrlPr>
+                        </m:fPr>
+                        <m:num>
+                          <m:sSubSup>
+                            <m:sSubSupPr>
+                              <m:ctrlPr>
+                                <a:rPr lang="fr-CA" sz="1800" b="0" i="1" smtClean="0">
+                                  <a:latin typeface="Cambria Math" panose="02040503050406030204" pitchFamily="18" charset="0"/>
+                                </a:rPr>
+                              </m:ctrlPr>
+                            </m:sSubSupPr>
+                            <m:e>
+                              <m:r>
+                                <a:rPr lang="fr-CA" sz="1800" b="0" i="1" smtClean="0">
+                                  <a:latin typeface="Cambria Math" panose="02040503050406030204" pitchFamily="18" charset="0"/>
+                                </a:rPr>
+                                <m:t>𝑀</m:t>
+                              </m:r>
+                            </m:e>
+                            <m:sub>
+                              <m:r>
+                                <a:rPr lang="fr-CA" sz="1800" b="0" i="1" smtClean="0">
+                                  <a:latin typeface="Cambria Math" panose="02040503050406030204" pitchFamily="18" charset="0"/>
+                                </a:rPr>
+                                <m:t>𝑒𝑓</m:t>
+                              </m:r>
+                            </m:sub>
+                            <m:sup>
+                              <m:r>
+                                <a:rPr lang="fr-CA" sz="1800" b="0" i="1" smtClean="0">
+                                  <a:latin typeface="Cambria Math" panose="02040503050406030204" pitchFamily="18" charset="0"/>
+                                </a:rPr>
+                                <m:t>2</m:t>
+                              </m:r>
+                            </m:sup>
+                          </m:sSubSup>
+                        </m:num>
+                        <m:den>
+                          <m:r>
+                            <a:rPr lang="fr-CA" sz="1800" b="0" i="1" smtClean="0">
+                              <a:latin typeface="Cambria Math" panose="02040503050406030204" pitchFamily="18" charset="0"/>
+                            </a:rPr>
+                            <m:t>2 </m:t>
+                          </m:r>
+                          <m:r>
+                            <a:rPr lang="fr-CA" sz="1800" b="0" i="1" smtClean="0">
+                              <a:latin typeface="Cambria Math" panose="02040503050406030204" pitchFamily="18" charset="0"/>
+                            </a:rPr>
+                            <m:t>𝐸𝐼</m:t>
+                          </m:r>
+                        </m:den>
+                      </m:f>
+                      <m:r>
+                        <a:rPr lang="fr-CA" sz="1800" b="0" i="1" smtClean="0">
+                          <a:latin typeface="Cambria Math" panose="02040503050406030204" pitchFamily="18" charset="0"/>
+                        </a:rPr>
+                        <m:t> </m:t>
+                      </m:r>
+                      <m:r>
+                        <a:rPr lang="fr-CA" sz="1800" b="0" i="1" smtClean="0">
+                          <a:latin typeface="Cambria Math" panose="02040503050406030204" pitchFamily="18" charset="0"/>
+                        </a:rPr>
+                        <m:t>h</m:t>
+                      </m:r>
+                    </m:oMath>
+                  </m:oMathPara>
+                </a14:m>
+                <a:endParaRPr lang="fr-CA" sz="1800" dirty="0"/>
+              </a:p>
+              <a:p>
+                <a:pPr marL="0" indent="0" algn="just">
+                  <a:buNone/>
+                </a:pPr>
+                <a:endParaRPr lang="fr-CA" sz="1800" dirty="0"/>
+              </a:p>
+              <a:p>
+                <a:pPr marL="0" indent="0" algn="just">
+                  <a:buNone/>
+                </a:pPr>
+                <a:r>
+                  <a:rPr lang="fr-CA" sz="1800" dirty="0"/>
+                  <a:t>L’erreur locale de discrétisation est définie comme étant:</a:t>
+                </a:r>
+              </a:p>
+              <a:p>
+                <a:pPr marL="0" indent="0" algn="just">
+                  <a:buNone/>
+                </a:pPr>
+                <a:endParaRPr lang="fr-CA" sz="1800" dirty="0"/>
+              </a:p>
+              <a:p>
+                <a:pPr marL="0" indent="0" algn="just">
+                  <a:buNone/>
+                </a:pPr>
+                <a14:m>
+                  <m:oMathPara xmlns:m="http://schemas.openxmlformats.org/officeDocument/2006/math">
+                    <m:oMathParaPr>
+                      <m:jc m:val="centerGroup"/>
+                    </m:oMathParaPr>
+                    <m:oMath xmlns:m="http://schemas.openxmlformats.org/officeDocument/2006/math">
+                      <m:r>
+                        <a:rPr lang="fr-CA" sz="1800" b="0" i="1" smtClean="0">
+                          <a:latin typeface="Cambria Math" panose="02040503050406030204" pitchFamily="18" charset="0"/>
+                        </a:rPr>
+                        <m:t>𝑒</m:t>
+                      </m:r>
+                      <m:r>
+                        <a:rPr lang="fr-CA" sz="1800" b="0" i="1" smtClean="0">
+                          <a:latin typeface="Cambria Math" panose="02040503050406030204" pitchFamily="18" charset="0"/>
+                        </a:rPr>
+                        <m:t>=</m:t>
+                      </m:r>
+                      <m:sSub>
+                        <m:sSubPr>
+                          <m:ctrlPr>
+                            <a:rPr lang="fr-CA" sz="1800" b="0" i="1" smtClean="0">
+                              <a:latin typeface="Cambria Math" panose="02040503050406030204" pitchFamily="18" charset="0"/>
+                            </a:rPr>
+                          </m:ctrlPr>
+                        </m:sSubPr>
+                        <m:e>
+                          <m:r>
+                            <a:rPr lang="fr-CA" sz="1800" b="0" i="1" smtClean="0">
+                              <a:latin typeface="Cambria Math" panose="02040503050406030204" pitchFamily="18" charset="0"/>
+                            </a:rPr>
+                            <m:t>𝑀</m:t>
+                          </m:r>
+                        </m:e>
+                        <m:sub>
+                          <m:r>
+                            <a:rPr lang="fr-CA" sz="1800" b="0" i="1" smtClean="0">
+                              <a:latin typeface="Cambria Math" panose="02040503050406030204" pitchFamily="18" charset="0"/>
+                            </a:rPr>
+                            <m:t>𝑛𝑢𝑚</m:t>
+                          </m:r>
+                        </m:sub>
+                      </m:sSub>
+                      <m:r>
+                        <a:rPr lang="fr-CA" sz="1800" b="0" i="1" smtClean="0">
+                          <a:latin typeface="Cambria Math" panose="02040503050406030204" pitchFamily="18" charset="0"/>
+                        </a:rPr>
+                        <m:t>−</m:t>
+                      </m:r>
+                      <m:sSub>
+                        <m:sSubPr>
+                          <m:ctrlPr>
+                            <a:rPr lang="fr-CA" sz="1800" b="0" i="1" smtClean="0">
+                              <a:latin typeface="Cambria Math" panose="02040503050406030204" pitchFamily="18" charset="0"/>
+                            </a:rPr>
+                          </m:ctrlPr>
+                        </m:sSubPr>
+                        <m:e>
+                          <m:r>
+                            <a:rPr lang="fr-CA" sz="1800" b="0" i="1" smtClean="0">
+                              <a:latin typeface="Cambria Math" panose="02040503050406030204" pitchFamily="18" charset="0"/>
+                            </a:rPr>
+                            <m:t>𝑀</m:t>
+                          </m:r>
+                        </m:e>
+                        <m:sub>
+                          <m:r>
+                            <a:rPr lang="fr-CA" sz="1800" b="0" i="1" smtClean="0">
+                              <a:latin typeface="Cambria Math" panose="02040503050406030204" pitchFamily="18" charset="0"/>
+                            </a:rPr>
+                            <m:t>𝑟</m:t>
+                          </m:r>
+                          <m:r>
+                            <a:rPr lang="fr-CA" sz="1800" b="0" i="1" smtClean="0">
+                              <a:latin typeface="Cambria Math" panose="02040503050406030204" pitchFamily="18" charset="0"/>
+                            </a:rPr>
+                            <m:t>é</m:t>
+                          </m:r>
+                          <m:r>
+                            <a:rPr lang="fr-CA" sz="1800" b="0" i="1" smtClean="0">
+                              <a:latin typeface="Cambria Math" panose="02040503050406030204" pitchFamily="18" charset="0"/>
+                            </a:rPr>
+                            <m:t>𝑒𝑙</m:t>
+                          </m:r>
+                        </m:sub>
+                      </m:sSub>
+                    </m:oMath>
+                  </m:oMathPara>
+                </a14:m>
+                <a:endParaRPr lang="fr-CA" sz="1800" dirty="0"/>
+              </a:p>
+              <a:p>
+                <a:pPr marL="0" indent="0" algn="just">
+                  <a:buNone/>
+                </a:pPr>
+                <a:endParaRPr lang="fr-CA" sz="1800" dirty="0"/>
+              </a:p>
+              <a:p>
+                <a:pPr marL="0" indent="0" algn="just">
+                  <a:buNone/>
+                </a:pPr>
+                <a:r>
+                  <a:rPr lang="fr-CA" sz="1800" dirty="0"/>
+                  <a:t>De ce fait, l’erreur locale sur l’énergie de déformation peut être défini comme étant:</a:t>
+                </a:r>
+              </a:p>
+              <a:p>
+                <a:pPr marL="0" indent="0" algn="just">
+                  <a:buNone/>
+                </a:pPr>
+                <a:endParaRPr lang="fr-CA" sz="1800" dirty="0"/>
+              </a:p>
+              <a:p>
+                <a:pPr marL="0" indent="0" algn="just">
+                  <a:buNone/>
+                </a:pPr>
+                <a14:m>
+                  <m:oMathPara xmlns:m="http://schemas.openxmlformats.org/officeDocument/2006/math">
+                    <m:oMathParaPr>
+                      <m:jc m:val="centerGroup"/>
+                    </m:oMathParaPr>
+                    <m:oMath xmlns:m="http://schemas.openxmlformats.org/officeDocument/2006/math">
+                      <m:sSup>
+                        <m:sSupPr>
+                          <m:ctrlPr>
+                            <a:rPr lang="fr-CA" sz="1800" b="0" i="1" smtClean="0">
+                              <a:latin typeface="Cambria Math" panose="02040503050406030204" pitchFamily="18" charset="0"/>
+                            </a:rPr>
+                          </m:ctrlPr>
+                        </m:sSupPr>
+                        <m:e>
+                          <m:r>
+                            <a:rPr lang="fr-CA" sz="1800" b="0" i="1" smtClean="0">
+                              <a:latin typeface="Cambria Math" panose="02040503050406030204" pitchFamily="18" charset="0"/>
+                            </a:rPr>
+                            <m:t>𝐸</m:t>
+                          </m:r>
+                        </m:e>
+                        <m:sup>
+                          <m:r>
+                            <a:rPr lang="fr-CA" sz="1800" b="0" i="1" smtClean="0">
+                              <a:latin typeface="Cambria Math" panose="02040503050406030204" pitchFamily="18" charset="0"/>
+                            </a:rPr>
+                            <m:t>2</m:t>
+                          </m:r>
+                        </m:sup>
+                      </m:sSup>
+                      <m:r>
+                        <a:rPr lang="fr-CA" sz="1800" b="0" i="1" smtClean="0">
+                          <a:latin typeface="Cambria Math" panose="02040503050406030204" pitchFamily="18" charset="0"/>
+                        </a:rPr>
+                        <m:t>=</m:t>
+                      </m:r>
+                      <m:f>
+                        <m:fPr>
+                          <m:ctrlPr>
+                            <a:rPr lang="fr-CA" sz="1800" b="0" i="1" smtClean="0">
+                              <a:latin typeface="Cambria Math" panose="02040503050406030204" pitchFamily="18" charset="0"/>
+                            </a:rPr>
+                          </m:ctrlPr>
+                        </m:fPr>
+                        <m:num>
+                          <m:sSup>
+                            <m:sSupPr>
+                              <m:ctrlPr>
+                                <a:rPr lang="fr-CA" sz="1800" b="0" i="1" smtClean="0">
+                                  <a:latin typeface="Cambria Math" panose="02040503050406030204" pitchFamily="18" charset="0"/>
+                                </a:rPr>
+                              </m:ctrlPr>
+                            </m:sSupPr>
+                            <m:e>
+                              <m:r>
+                                <a:rPr lang="fr-CA" sz="1800" b="0" i="1" smtClean="0">
+                                  <a:latin typeface="Cambria Math" panose="02040503050406030204" pitchFamily="18" charset="0"/>
+                                </a:rPr>
+                                <m:t>𝑒</m:t>
+                              </m:r>
+                            </m:e>
+                            <m:sup>
+                              <m:r>
+                                <a:rPr lang="fr-CA" sz="1800" b="0" i="1" smtClean="0">
+                                  <a:latin typeface="Cambria Math" panose="02040503050406030204" pitchFamily="18" charset="0"/>
+                                </a:rPr>
+                                <m:t>2</m:t>
+                              </m:r>
+                            </m:sup>
+                          </m:sSup>
+                        </m:num>
+                        <m:den>
+                          <m:r>
+                            <a:rPr lang="fr-CA" sz="1800" b="0" i="1" smtClean="0">
+                              <a:latin typeface="Cambria Math" panose="02040503050406030204" pitchFamily="18" charset="0"/>
+                            </a:rPr>
+                            <m:t>2 </m:t>
+                          </m:r>
+                          <m:r>
+                            <a:rPr lang="fr-CA" sz="1800" b="0" i="1" smtClean="0">
+                              <a:latin typeface="Cambria Math" panose="02040503050406030204" pitchFamily="18" charset="0"/>
+                            </a:rPr>
+                            <m:t>𝐸𝐼</m:t>
+                          </m:r>
+                        </m:den>
+                      </m:f>
+                      <m:r>
+                        <a:rPr lang="fr-CA" sz="1800" b="0" i="1" smtClean="0">
+                          <a:latin typeface="Cambria Math" panose="02040503050406030204" pitchFamily="18" charset="0"/>
+                        </a:rPr>
+                        <m:t> </m:t>
+                      </m:r>
+                      <m:r>
+                        <a:rPr lang="fr-CA" sz="1800" b="0" i="1" smtClean="0">
+                          <a:latin typeface="Cambria Math" panose="02040503050406030204" pitchFamily="18" charset="0"/>
+                        </a:rPr>
+                        <m:t>h</m:t>
+                      </m:r>
+                    </m:oMath>
+                  </m:oMathPara>
+                </a14:m>
+                <a:endParaRPr lang="fr-CA" sz="1800" dirty="0"/>
+              </a:p>
+              <a:p>
+                <a:pPr marL="0" indent="0" algn="just">
+                  <a:buNone/>
+                </a:pPr>
+                <a:endParaRPr lang="fr-CA" sz="1800" dirty="0"/>
+              </a:p>
+              <a:p>
+                <a:pPr marL="0" indent="0" algn="just">
+                  <a:buNone/>
+                </a:pPr>
+                <a:r>
+                  <a:rPr lang="fr-CA" sz="1800" dirty="0"/>
+                  <a:t>Toutefois, elle peut également être défini à l’aide de la formulation de l’erreur de discrétisation d’une méthode par éléments finis, soit:</a:t>
+                </a:r>
+              </a:p>
+              <a:p>
+                <a:pPr marL="0" indent="0" algn="just">
+                  <a:buNone/>
+                </a:pPr>
+                <a14:m>
+                  <m:oMathPara xmlns:m="http://schemas.openxmlformats.org/officeDocument/2006/math">
+                    <m:oMathParaPr>
+                      <m:jc m:val="centerGroup"/>
+                    </m:oMathParaPr>
+                    <m:oMath xmlns:m="http://schemas.openxmlformats.org/officeDocument/2006/math">
+                      <m:r>
+                        <m:rPr>
+                          <m:sty m:val="p"/>
+                        </m:rPr>
+                        <a:rPr lang="fr-CA" sz="1800" b="0" i="0" smtClean="0">
+                          <a:latin typeface="Cambria Math" panose="02040503050406030204" pitchFamily="18" charset="0"/>
+                        </a:rPr>
+                        <m:t>E</m:t>
+                      </m:r>
+                      <m:r>
+                        <a:rPr lang="fr-CA" sz="1800" b="0" i="0" smtClean="0">
+                          <a:latin typeface="Cambria Math" panose="02040503050406030204" pitchFamily="18" charset="0"/>
+                        </a:rPr>
+                        <m:t>=</m:t>
+                      </m:r>
+                      <m:sSup>
+                        <m:sSupPr>
+                          <m:ctrlPr>
+                            <a:rPr lang="fr-CA" sz="1800" b="0" i="0" smtClean="0">
+                              <a:latin typeface="Cambria Math" panose="02040503050406030204" pitchFamily="18" charset="0"/>
+                            </a:rPr>
+                          </m:ctrlPr>
+                        </m:sSupPr>
+                        <m:e>
+                          <m:r>
+                            <m:rPr>
+                              <m:sty m:val="p"/>
+                            </m:rPr>
+                            <a:rPr lang="fr-CA" sz="1800" b="0" i="0" smtClean="0">
+                              <a:latin typeface="Cambria Math" panose="02040503050406030204" pitchFamily="18" charset="0"/>
+                            </a:rPr>
+                            <m:t>Ch</m:t>
+                          </m:r>
+                        </m:e>
+                        <m:sup>
+                          <m:r>
+                            <m:rPr>
+                              <m:sty m:val="p"/>
+                            </m:rPr>
+                            <a:rPr lang="fr-CA" sz="1800" b="0" i="0" smtClean="0">
+                              <a:latin typeface="Cambria Math" panose="02040503050406030204" pitchFamily="18" charset="0"/>
+                            </a:rPr>
+                            <m:t>p</m:t>
+                          </m:r>
+                        </m:sup>
+                      </m:sSup>
+                    </m:oMath>
+                  </m:oMathPara>
+                </a14:m>
+                <a:endParaRPr lang="fr-CA" sz="1800" dirty="0"/>
+              </a:p>
+              <a:p>
+                <a:pPr marL="0" indent="0" algn="just">
+                  <a:buNone/>
+                </a:pPr>
+                <a:endParaRPr lang="fr-CA" sz="1800" dirty="0"/>
+              </a:p>
+            </p:txBody>
+          </p:sp>
+        </mc:Choice>
+        <mc:Fallback>
+          <p:sp>
+            <p:nvSpPr>
+              <p:cNvPr id="3" name="Content Placeholder 2">
+                <a:extLst>
+                  <a:ext uri="{FF2B5EF4-FFF2-40B4-BE49-F238E27FC236}">
+                    <a16:creationId xmlns:a16="http://schemas.microsoft.com/office/drawing/2014/main" id="{57846E6E-541E-C380-2EC3-91AF5BEE61F6}"/>
+                  </a:ext>
+                </a:extLst>
+              </p:cNvPr>
+              <p:cNvSpPr>
+                <a:spLocks noGrp="1" noRot="1" noChangeAspect="1" noMove="1" noResize="1" noEditPoints="1" noAdjustHandles="1" noChangeArrowheads="1" noChangeShapeType="1" noTextEdit="1"/>
+              </p:cNvSpPr>
+              <p:nvPr>
+                <p:ph idx="1"/>
+              </p:nvPr>
+            </p:nvSpPr>
+            <p:spPr>
+              <a:xfrm>
+                <a:off x="838200" y="1150374"/>
+                <a:ext cx="10515600" cy="5342501"/>
+              </a:xfrm>
+              <a:blipFill>
+                <a:blip r:embed="rId2"/>
+                <a:stretch>
+                  <a:fillRect l="-406" t="-1598" r="-348"/>
+                </a:stretch>
+              </a:blipFill>
+            </p:spPr>
+            <p:txBody>
+              <a:bodyPr/>
+              <a:lstStyle/>
+              <a:p>
+                <a:r>
+                  <a:rPr lang="en-CA">
+                    <a:noFill/>
+                  </a:rPr>
+                  <a:t> </a:t>
+                </a:r>
+              </a:p>
+            </p:txBody>
+          </p:sp>
+        </mc:Fallback>
+      </mc:AlternateContent>
+    </p:spTree>
+    <p:extLst>
+      <p:ext uri="{BB962C8B-B14F-4D97-AF65-F5344CB8AC3E}">
+        <p14:creationId xmlns:p14="http://schemas.microsoft.com/office/powerpoint/2010/main" val="2581581720"/>
+      </p:ext>
+    </p:extLst>
+  </p:cSld>
+  <p:clrMapOvr>
+    <a:masterClrMapping/>
+  </p:clrMapOvr>
+</p:sld>
+</file>
+
+<file path=ppt/slides/slide13.xml><?xml version="1.0" encoding="utf-8"?>
+<p:sld xmlns:a="http://schemas.openxmlformats.org/drawingml/2006/main" xmlns:r="http://schemas.openxmlformats.org/officeDocument/2006/relationships" xmlns:p="http://schemas.openxmlformats.org/presentationml/2006/main">
+  <p:cSld>
+    <p:spTree>
+      <p:nvGrpSpPr>
+        <p:cNvPr id="1" name=""/>
+        <p:cNvGrpSpPr/>
+        <p:nvPr/>
+      </p:nvGrpSpPr>
+      <p:grpSpPr>
+        <a:xfrm>
+          <a:off x="0" y="0"/>
+          <a:ext cx="0" cy="0"/>
+          <a:chOff x="0" y="0"/>
+          <a:chExt cx="0" cy="0"/>
+        </a:xfrm>
+      </p:grpSpPr>
+      <p:sp>
+        <p:nvSpPr>
+          <p:cNvPr id="2" name="Title 1">
+            <a:extLst>
+              <a:ext uri="{FF2B5EF4-FFF2-40B4-BE49-F238E27FC236}">
+                <a16:creationId xmlns:a16="http://schemas.microsoft.com/office/drawing/2014/main" id="{E0220718-7085-48D6-FCCC-6D486EF513A7}"/>
+              </a:ext>
+            </a:extLst>
+          </p:cNvPr>
+          <p:cNvSpPr>
+            <a:spLocks noGrp="1"/>
+          </p:cNvSpPr>
+          <p:nvPr>
+            <p:ph type="title"/>
+          </p:nvPr>
+        </p:nvSpPr>
+        <p:spPr>
+          <a:xfrm>
+            <a:off x="838200" y="365125"/>
+            <a:ext cx="9308690" cy="706591"/>
+          </a:xfrm>
+        </p:spPr>
+        <p:txBody>
+          <a:bodyPr>
+            <a:normAutofit/>
+          </a:bodyPr>
+          <a:lstStyle/>
+          <a:p>
+            <a:r>
               <a:rPr lang="fr-FR" sz="3000" dirty="0"/>
               <a:t>Vérification de code</a:t>
             </a:r>
@@ -14314,73 +16082,18 @@
               <a:buNone/>
             </a:pPr>
             <a:r>
-              <a:rPr lang="en-CA" sz="1800" dirty="0">
-                <a:highlight>
-                  <a:srgbClr val="FFFF00"/>
-                </a:highlight>
-              </a:rPr>
-              <a:t>INSERER fig. 4 IMAGE DE LA SIMULATION AVEC ANGLE NON NUL</a:t>
+              <a:rPr lang="fr-CA" sz="1800" dirty="0"/>
+              <a:t>Ainsi, en réalisant des simulations qui augmente le nombre d’éléments (i.e. en diminuant h), on observe les résultats suivants:</a:t>
             </a:r>
           </a:p>
           <a:p>
             <a:pPr marL="0" indent="0" algn="just">
               <a:buNone/>
             </a:pPr>
-            <a:endParaRPr lang="en-CA" sz="1800" dirty="0"/>
-          </a:p>
-          <a:p>
-            <a:pPr marL="0" indent="0" algn="just">
-              <a:buNone/>
-            </a:pPr>
-            <a:endParaRPr lang="en-CA" sz="1800" dirty="0"/>
-          </a:p>
-          <a:p>
-            <a:pPr marL="0" indent="0" algn="just">
-              <a:buNone/>
-            </a:pPr>
-            <a:endParaRPr lang="en-CA" sz="1800" dirty="0"/>
-          </a:p>
-          <a:p>
-            <a:pPr marL="0" indent="0" algn="just">
-              <a:buNone/>
-            </a:pPr>
-            <a:endParaRPr lang="en-CA" sz="1800" dirty="0"/>
-          </a:p>
-          <a:p>
-            <a:pPr marL="0" indent="0" algn="just">
-              <a:buNone/>
-            </a:pPr>
-            <a:endParaRPr lang="en-CA" sz="1800" dirty="0"/>
-          </a:p>
-          <a:p>
-            <a:pPr marL="0" indent="0" algn="just">
-              <a:buNone/>
-            </a:pPr>
-            <a:endParaRPr lang="en-CA" sz="1800" dirty="0"/>
-          </a:p>
-          <a:p>
-            <a:pPr marL="0" indent="0" algn="just">
-              <a:buNone/>
-            </a:pPr>
-            <a:endParaRPr lang="en-CA" sz="1800" dirty="0"/>
-          </a:p>
-          <a:p>
-            <a:pPr marL="0" indent="0" algn="just">
-              <a:buNone/>
-            </a:pPr>
-            <a:endParaRPr lang="en-CA" sz="1800" dirty="0"/>
-          </a:p>
-          <a:p>
-            <a:pPr marL="0" indent="0" algn="just">
-              <a:buNone/>
-            </a:pPr>
-            <a:endParaRPr lang="en-CA" sz="1800" dirty="0"/>
-          </a:p>
-          <a:p>
-            <a:pPr marL="0" indent="0" algn="just">
-              <a:buNone/>
-            </a:pPr>
-            <a:endParaRPr lang="en-CA" sz="1800" dirty="0"/>
+            <a:r>
+              <a:rPr lang="fr-CA" sz="1800" dirty="0"/>
+              <a:t> </a:t>
+            </a:r>
           </a:p>
           <a:p>
             <a:pPr marL="0" indent="0" algn="just">
@@ -14388,44 +16101,1128 @@
             </a:pPr>
             <a:endParaRPr lang="fr-CA" sz="1800" dirty="0"/>
           </a:p>
+        </p:txBody>
+      </p:sp>
+      <p:graphicFrame>
+        <p:nvGraphicFramePr>
+          <p:cNvPr id="5" name="Tableau 4">
+            <a:extLst>
+              <a:ext uri="{FF2B5EF4-FFF2-40B4-BE49-F238E27FC236}">
+                <a16:creationId xmlns:a16="http://schemas.microsoft.com/office/drawing/2014/main" id="{1E3C8E96-FEA8-F541-ED57-035B52468DA4}"/>
+              </a:ext>
+            </a:extLst>
+          </p:cNvPr>
+          <p:cNvGraphicFramePr>
+            <a:graphicFrameLocks noGrp="1"/>
+          </p:cNvGraphicFramePr>
+          <p:nvPr>
+            <p:extLst>
+              <p:ext uri="{D42A27DB-BD31-4B8C-83A1-F6EECF244321}">
+                <p14:modId xmlns:p14="http://schemas.microsoft.com/office/powerpoint/2010/main" val="2676117715"/>
+              </p:ext>
+            </p:extLst>
+          </p:nvPr>
+        </p:nvGraphicFramePr>
+        <p:xfrm>
+          <a:off x="838200" y="1729331"/>
+          <a:ext cx="2583426" cy="4098138"/>
+        </p:xfrm>
+        <a:graphic>
+          <a:graphicData uri="http://schemas.openxmlformats.org/drawingml/2006/table">
+            <a:tbl>
+              <a:tblPr>
+                <a:tableStyleId>{5C22544A-7EE6-4342-B048-85BDC9FD1C3A}</a:tableStyleId>
+              </a:tblPr>
+              <a:tblGrid>
+                <a:gridCol w="861142">
+                  <a:extLst>
+                    <a:ext uri="{9D8B030D-6E8A-4147-A177-3AD203B41FA5}">
+                      <a16:colId xmlns:a16="http://schemas.microsoft.com/office/drawing/2014/main" val="1227360745"/>
+                    </a:ext>
+                  </a:extLst>
+                </a:gridCol>
+                <a:gridCol w="861142">
+                  <a:extLst>
+                    <a:ext uri="{9D8B030D-6E8A-4147-A177-3AD203B41FA5}">
+                      <a16:colId xmlns:a16="http://schemas.microsoft.com/office/drawing/2014/main" val="3107719020"/>
+                    </a:ext>
+                  </a:extLst>
+                </a:gridCol>
+                <a:gridCol w="861142">
+                  <a:extLst>
+                    <a:ext uri="{9D8B030D-6E8A-4147-A177-3AD203B41FA5}">
+                      <a16:colId xmlns:a16="http://schemas.microsoft.com/office/drawing/2014/main" val="1044542190"/>
+                    </a:ext>
+                  </a:extLst>
+                </a:gridCol>
+              </a:tblGrid>
+              <a:tr h="1060138">
+                <a:tc>
+                  <a:txBody>
+                    <a:bodyPr/>
+                    <a:lstStyle/>
+                    <a:p>
+                      <a:pPr algn="ctr" fontAlgn="ctr"/>
+                      <a:r>
+                        <a:rPr lang="fr-CA" sz="1100" u="none" strike="noStrike" dirty="0">
+                          <a:effectLst/>
+                        </a:rPr>
+                        <a:t>Nombre d’éléments</a:t>
+                      </a:r>
+                      <a:endParaRPr lang="fr-CA" sz="1100" b="0" i="0" u="none" strike="noStrike" dirty="0">
+                        <a:solidFill>
+                          <a:srgbClr val="000000"/>
+                        </a:solidFill>
+                        <a:effectLst/>
+                        <a:latin typeface="Calibri" panose="020F0502020204030204" pitchFamily="34" charset="0"/>
+                      </a:endParaRPr>
+                    </a:p>
+                  </a:txBody>
+                  <a:tcPr marL="7620" marR="7620" marT="7620" marB="0" anchor="ctr"/>
+                </a:tc>
+                <a:tc>
+                  <a:txBody>
+                    <a:bodyPr/>
+                    <a:lstStyle/>
+                    <a:p>
+                      <a:pPr algn="ctr" fontAlgn="ctr"/>
+                      <a:r>
+                        <a:rPr lang="fr-CA" sz="1100" b="0" i="0" u="none" strike="noStrike" dirty="0">
+                          <a:solidFill>
+                            <a:srgbClr val="000000"/>
+                          </a:solidFill>
+                          <a:effectLst/>
+                          <a:latin typeface="Calibri" panose="020F0502020204030204" pitchFamily="34" charset="0"/>
+                        </a:rPr>
+                        <a:t>Pas en espace dx [m]</a:t>
+                      </a:r>
+                    </a:p>
+                  </a:txBody>
+                  <a:tcPr marL="7620" marR="7620" marT="7620" marB="0" anchor="ctr"/>
+                </a:tc>
+                <a:tc>
+                  <a:txBody>
+                    <a:bodyPr/>
+                    <a:lstStyle/>
+                    <a:p>
+                      <a:pPr algn="ctr" fontAlgn="ctr"/>
+                      <a:r>
+                        <a:rPr lang="fr-CA" sz="1100" u="none" strike="noStrike" dirty="0">
+                          <a:effectLst/>
+                        </a:rPr>
+                        <a:t>Erreur de déformation</a:t>
+                      </a:r>
+                      <a:endParaRPr lang="fr-CA" sz="1100" b="0" i="0" u="none" strike="noStrike" dirty="0">
+                        <a:solidFill>
+                          <a:srgbClr val="000000"/>
+                        </a:solidFill>
+                        <a:effectLst/>
+                        <a:latin typeface="Calibri" panose="020F0502020204030204" pitchFamily="34" charset="0"/>
+                      </a:endParaRPr>
+                    </a:p>
+                  </a:txBody>
+                  <a:tcPr marL="7620" marR="7620" marT="7620" marB="0" anchor="ctr"/>
+                </a:tc>
+                <a:extLst>
+                  <a:ext uri="{0D108BD9-81ED-4DB2-BD59-A6C34878D82A}">
+                    <a16:rowId xmlns:a16="http://schemas.microsoft.com/office/drawing/2014/main" val="3343584684"/>
+                  </a:ext>
+                </a:extLst>
+              </a:tr>
+              <a:tr h="379750">
+                <a:tc>
+                  <a:txBody>
+                    <a:bodyPr/>
+                    <a:lstStyle/>
+                    <a:p>
+                      <a:pPr algn="ctr" fontAlgn="ctr"/>
+                      <a:r>
+                        <a:rPr lang="fr-CA" sz="1100" u="none" strike="noStrike">
+                          <a:effectLst/>
+                        </a:rPr>
+                        <a:t>1</a:t>
+                      </a:r>
+                      <a:endParaRPr lang="fr-CA" sz="1100" b="0" i="0" u="none" strike="noStrike">
+                        <a:solidFill>
+                          <a:srgbClr val="000000"/>
+                        </a:solidFill>
+                        <a:effectLst/>
+                        <a:latin typeface="Calibri" panose="020F0502020204030204" pitchFamily="34" charset="0"/>
+                      </a:endParaRPr>
+                    </a:p>
+                  </a:txBody>
+                  <a:tcPr marL="7620" marR="7620" marT="7620" marB="0" anchor="ctr"/>
+                </a:tc>
+                <a:tc>
+                  <a:txBody>
+                    <a:bodyPr/>
+                    <a:lstStyle/>
+                    <a:p>
+                      <a:pPr algn="ctr" fontAlgn="ctr"/>
+                      <a:r>
+                        <a:rPr lang="fr-CA" sz="1100" u="none" strike="noStrike">
+                          <a:effectLst/>
+                        </a:rPr>
+                        <a:t>500</a:t>
+                      </a:r>
+                      <a:endParaRPr lang="fr-CA" sz="1100" b="0" i="0" u="none" strike="noStrike">
+                        <a:solidFill>
+                          <a:srgbClr val="000000"/>
+                        </a:solidFill>
+                        <a:effectLst/>
+                        <a:latin typeface="Calibri" panose="020F0502020204030204" pitchFamily="34" charset="0"/>
+                      </a:endParaRPr>
+                    </a:p>
+                  </a:txBody>
+                  <a:tcPr marL="7620" marR="7620" marT="7620" marB="0" anchor="ctr"/>
+                </a:tc>
+                <a:tc>
+                  <a:txBody>
+                    <a:bodyPr/>
+                    <a:lstStyle/>
+                    <a:p>
+                      <a:pPr algn="ctr" fontAlgn="b"/>
+                      <a:r>
+                        <a:rPr lang="en-CA" sz="1100" b="0" i="0" u="none" strike="noStrike" dirty="0">
+                          <a:solidFill>
+                            <a:srgbClr val="000000"/>
+                          </a:solidFill>
+                          <a:effectLst/>
+                          <a:latin typeface="Aptos Narrow" panose="020B0004020202020204" pitchFamily="34" charset="0"/>
+                        </a:rPr>
+                        <a:t>6.3078314</a:t>
+                      </a:r>
+                    </a:p>
+                  </a:txBody>
+                  <a:tcPr marL="9525" marR="9525" marT="9525" marB="0" anchor="ctr"/>
+                </a:tc>
+                <a:extLst>
+                  <a:ext uri="{0D108BD9-81ED-4DB2-BD59-A6C34878D82A}">
+                    <a16:rowId xmlns:a16="http://schemas.microsoft.com/office/drawing/2014/main" val="2690500205"/>
+                  </a:ext>
+                </a:extLst>
+              </a:tr>
+              <a:tr h="379750">
+                <a:tc>
+                  <a:txBody>
+                    <a:bodyPr/>
+                    <a:lstStyle/>
+                    <a:p>
+                      <a:pPr algn="ctr" fontAlgn="ctr"/>
+                      <a:r>
+                        <a:rPr lang="fr-CA" sz="1100" u="none" strike="noStrike">
+                          <a:effectLst/>
+                        </a:rPr>
+                        <a:t>2</a:t>
+                      </a:r>
+                      <a:endParaRPr lang="fr-CA" sz="1100" b="0" i="0" u="none" strike="noStrike">
+                        <a:solidFill>
+                          <a:srgbClr val="000000"/>
+                        </a:solidFill>
+                        <a:effectLst/>
+                        <a:latin typeface="Calibri" panose="020F0502020204030204" pitchFamily="34" charset="0"/>
+                      </a:endParaRPr>
+                    </a:p>
+                  </a:txBody>
+                  <a:tcPr marL="7620" marR="7620" marT="7620" marB="0" anchor="ctr"/>
+                </a:tc>
+                <a:tc>
+                  <a:txBody>
+                    <a:bodyPr/>
+                    <a:lstStyle/>
+                    <a:p>
+                      <a:pPr algn="ctr" fontAlgn="ctr"/>
+                      <a:r>
+                        <a:rPr lang="fr-CA" sz="1100" u="none" strike="noStrike">
+                          <a:effectLst/>
+                        </a:rPr>
+                        <a:t>250</a:t>
+                      </a:r>
+                      <a:endParaRPr lang="fr-CA" sz="1100" b="0" i="0" u="none" strike="noStrike">
+                        <a:solidFill>
+                          <a:srgbClr val="000000"/>
+                        </a:solidFill>
+                        <a:effectLst/>
+                        <a:latin typeface="Calibri" panose="020F0502020204030204" pitchFamily="34" charset="0"/>
+                      </a:endParaRPr>
+                    </a:p>
+                  </a:txBody>
+                  <a:tcPr marL="7620" marR="7620" marT="7620" marB="0" anchor="ctr"/>
+                </a:tc>
+                <a:tc>
+                  <a:txBody>
+                    <a:bodyPr/>
+                    <a:lstStyle/>
+                    <a:p>
+                      <a:pPr algn="ctr" fontAlgn="b"/>
+                      <a:r>
+                        <a:rPr lang="en-CA" sz="1100" b="0" i="0" u="none" strike="noStrike" dirty="0">
+                          <a:solidFill>
+                            <a:srgbClr val="000000"/>
+                          </a:solidFill>
+                          <a:effectLst/>
+                          <a:latin typeface="Aptos Narrow" panose="020B0004020202020204" pitchFamily="34" charset="0"/>
+                        </a:rPr>
+                        <a:t>3.153916</a:t>
+                      </a:r>
+                    </a:p>
+                  </a:txBody>
+                  <a:tcPr marL="9525" marR="9525" marT="9525" marB="0" anchor="ctr"/>
+                </a:tc>
+                <a:extLst>
+                  <a:ext uri="{0D108BD9-81ED-4DB2-BD59-A6C34878D82A}">
+                    <a16:rowId xmlns:a16="http://schemas.microsoft.com/office/drawing/2014/main" val="85500179"/>
+                  </a:ext>
+                </a:extLst>
+              </a:tr>
+              <a:tr h="379750">
+                <a:tc>
+                  <a:txBody>
+                    <a:bodyPr/>
+                    <a:lstStyle/>
+                    <a:p>
+                      <a:pPr algn="ctr" fontAlgn="ctr"/>
+                      <a:r>
+                        <a:rPr lang="fr-CA" sz="1100" u="none" strike="noStrike">
+                          <a:effectLst/>
+                        </a:rPr>
+                        <a:t>4</a:t>
+                      </a:r>
+                      <a:endParaRPr lang="fr-CA" sz="1100" b="0" i="0" u="none" strike="noStrike">
+                        <a:solidFill>
+                          <a:srgbClr val="000000"/>
+                        </a:solidFill>
+                        <a:effectLst/>
+                        <a:latin typeface="Calibri" panose="020F0502020204030204" pitchFamily="34" charset="0"/>
+                      </a:endParaRPr>
+                    </a:p>
+                  </a:txBody>
+                  <a:tcPr marL="7620" marR="7620" marT="7620" marB="0" anchor="ctr"/>
+                </a:tc>
+                <a:tc>
+                  <a:txBody>
+                    <a:bodyPr/>
+                    <a:lstStyle/>
+                    <a:p>
+                      <a:pPr algn="ctr" fontAlgn="ctr"/>
+                      <a:r>
+                        <a:rPr lang="fr-CA" sz="1100" u="none" strike="noStrike">
+                          <a:effectLst/>
+                        </a:rPr>
+                        <a:t>125</a:t>
+                      </a:r>
+                      <a:endParaRPr lang="fr-CA" sz="1100" b="0" i="0" u="none" strike="noStrike">
+                        <a:solidFill>
+                          <a:srgbClr val="000000"/>
+                        </a:solidFill>
+                        <a:effectLst/>
+                        <a:latin typeface="Calibri" panose="020F0502020204030204" pitchFamily="34" charset="0"/>
+                      </a:endParaRPr>
+                    </a:p>
+                  </a:txBody>
+                  <a:tcPr marL="7620" marR="7620" marT="7620" marB="0" anchor="ctr"/>
+                </a:tc>
+                <a:tc>
+                  <a:txBody>
+                    <a:bodyPr/>
+                    <a:lstStyle/>
+                    <a:p>
+                      <a:pPr algn="ctr" fontAlgn="b"/>
+                      <a:r>
+                        <a:rPr lang="en-CA" sz="1100" b="0" i="0" u="none" strike="noStrike" dirty="0">
+                          <a:solidFill>
+                            <a:srgbClr val="000000"/>
+                          </a:solidFill>
+                          <a:effectLst/>
+                          <a:latin typeface="Aptos Narrow" panose="020B0004020202020204" pitchFamily="34" charset="0"/>
+                        </a:rPr>
+                        <a:t>1.576958</a:t>
+                      </a:r>
+                    </a:p>
+                  </a:txBody>
+                  <a:tcPr marL="9525" marR="9525" marT="9525" marB="0" anchor="ctr"/>
+                </a:tc>
+                <a:extLst>
+                  <a:ext uri="{0D108BD9-81ED-4DB2-BD59-A6C34878D82A}">
+                    <a16:rowId xmlns:a16="http://schemas.microsoft.com/office/drawing/2014/main" val="1329961423"/>
+                  </a:ext>
+                </a:extLst>
+              </a:tr>
+              <a:tr h="379750">
+                <a:tc>
+                  <a:txBody>
+                    <a:bodyPr/>
+                    <a:lstStyle/>
+                    <a:p>
+                      <a:pPr algn="ctr" fontAlgn="ctr"/>
+                      <a:r>
+                        <a:rPr lang="fr-CA" sz="1100" u="none" strike="noStrike">
+                          <a:effectLst/>
+                        </a:rPr>
+                        <a:t>8</a:t>
+                      </a:r>
+                      <a:endParaRPr lang="fr-CA" sz="1100" b="0" i="0" u="none" strike="noStrike">
+                        <a:solidFill>
+                          <a:srgbClr val="000000"/>
+                        </a:solidFill>
+                        <a:effectLst/>
+                        <a:latin typeface="Calibri" panose="020F0502020204030204" pitchFamily="34" charset="0"/>
+                      </a:endParaRPr>
+                    </a:p>
+                  </a:txBody>
+                  <a:tcPr marL="7620" marR="7620" marT="7620" marB="0" anchor="ctr"/>
+                </a:tc>
+                <a:tc>
+                  <a:txBody>
+                    <a:bodyPr/>
+                    <a:lstStyle/>
+                    <a:p>
+                      <a:pPr algn="ctr" fontAlgn="ctr"/>
+                      <a:r>
+                        <a:rPr lang="fr-CA" sz="1100" u="none" strike="noStrike">
+                          <a:effectLst/>
+                        </a:rPr>
+                        <a:t>62,5</a:t>
+                      </a:r>
+                      <a:endParaRPr lang="fr-CA" sz="1100" b="0" i="0" u="none" strike="noStrike">
+                        <a:solidFill>
+                          <a:srgbClr val="000000"/>
+                        </a:solidFill>
+                        <a:effectLst/>
+                        <a:latin typeface="Calibri" panose="020F0502020204030204" pitchFamily="34" charset="0"/>
+                      </a:endParaRPr>
+                    </a:p>
+                  </a:txBody>
+                  <a:tcPr marL="7620" marR="7620" marT="7620" marB="0" anchor="ctr"/>
+                </a:tc>
+                <a:tc>
+                  <a:txBody>
+                    <a:bodyPr/>
+                    <a:lstStyle/>
+                    <a:p>
+                      <a:pPr algn="ctr" fontAlgn="b"/>
+                      <a:r>
+                        <a:rPr lang="en-CA" sz="1100" b="0" i="0" u="none" strike="noStrike" dirty="0">
+                          <a:solidFill>
+                            <a:srgbClr val="000000"/>
+                          </a:solidFill>
+                          <a:effectLst/>
+                          <a:latin typeface="Aptos Narrow" panose="020B0004020202020204" pitchFamily="34" charset="0"/>
+                        </a:rPr>
+                        <a:t>0.788479</a:t>
+                      </a:r>
+                    </a:p>
+                  </a:txBody>
+                  <a:tcPr marL="9525" marR="9525" marT="9525" marB="0" anchor="ctr"/>
+                </a:tc>
+                <a:extLst>
+                  <a:ext uri="{0D108BD9-81ED-4DB2-BD59-A6C34878D82A}">
+                    <a16:rowId xmlns:a16="http://schemas.microsoft.com/office/drawing/2014/main" val="1029355492"/>
+                  </a:ext>
+                </a:extLst>
+              </a:tr>
+              <a:tr h="379750">
+                <a:tc>
+                  <a:txBody>
+                    <a:bodyPr/>
+                    <a:lstStyle/>
+                    <a:p>
+                      <a:pPr algn="ctr" fontAlgn="ctr"/>
+                      <a:r>
+                        <a:rPr lang="fr-CA" sz="1100" u="none" strike="noStrike">
+                          <a:effectLst/>
+                        </a:rPr>
+                        <a:t>16</a:t>
+                      </a:r>
+                      <a:endParaRPr lang="fr-CA" sz="1100" b="0" i="0" u="none" strike="noStrike">
+                        <a:solidFill>
+                          <a:srgbClr val="000000"/>
+                        </a:solidFill>
+                        <a:effectLst/>
+                        <a:latin typeface="Calibri" panose="020F0502020204030204" pitchFamily="34" charset="0"/>
+                      </a:endParaRPr>
+                    </a:p>
+                  </a:txBody>
+                  <a:tcPr marL="7620" marR="7620" marT="7620" marB="0" anchor="ctr"/>
+                </a:tc>
+                <a:tc>
+                  <a:txBody>
+                    <a:bodyPr/>
+                    <a:lstStyle/>
+                    <a:p>
+                      <a:pPr algn="ctr" fontAlgn="ctr"/>
+                      <a:r>
+                        <a:rPr lang="fr-CA" sz="1100" u="none" strike="noStrike">
+                          <a:effectLst/>
+                        </a:rPr>
+                        <a:t>31,25</a:t>
+                      </a:r>
+                      <a:endParaRPr lang="fr-CA" sz="1100" b="0" i="0" u="none" strike="noStrike">
+                        <a:solidFill>
+                          <a:srgbClr val="000000"/>
+                        </a:solidFill>
+                        <a:effectLst/>
+                        <a:latin typeface="Calibri" panose="020F0502020204030204" pitchFamily="34" charset="0"/>
+                      </a:endParaRPr>
+                    </a:p>
+                  </a:txBody>
+                  <a:tcPr marL="7620" marR="7620" marT="7620" marB="0" anchor="ctr"/>
+                </a:tc>
+                <a:tc>
+                  <a:txBody>
+                    <a:bodyPr/>
+                    <a:lstStyle/>
+                    <a:p>
+                      <a:pPr algn="ctr" fontAlgn="b"/>
+                      <a:r>
+                        <a:rPr lang="en-CA" sz="1100" b="0" i="0" u="none" strike="noStrike" dirty="0">
+                          <a:solidFill>
+                            <a:srgbClr val="000000"/>
+                          </a:solidFill>
+                          <a:effectLst/>
+                          <a:latin typeface="Aptos Narrow" panose="020B0004020202020204" pitchFamily="34" charset="0"/>
+                        </a:rPr>
+                        <a:t>0.394239</a:t>
+                      </a:r>
+                    </a:p>
+                  </a:txBody>
+                  <a:tcPr marL="9525" marR="9525" marT="9525" marB="0" anchor="ctr"/>
+                </a:tc>
+                <a:extLst>
+                  <a:ext uri="{0D108BD9-81ED-4DB2-BD59-A6C34878D82A}">
+                    <a16:rowId xmlns:a16="http://schemas.microsoft.com/office/drawing/2014/main" val="1431671733"/>
+                  </a:ext>
+                </a:extLst>
+              </a:tr>
+              <a:tr h="379750">
+                <a:tc>
+                  <a:txBody>
+                    <a:bodyPr/>
+                    <a:lstStyle/>
+                    <a:p>
+                      <a:pPr algn="ctr" fontAlgn="ctr"/>
+                      <a:r>
+                        <a:rPr lang="fr-CA" sz="1100" u="none" strike="noStrike" dirty="0">
+                          <a:effectLst/>
+                        </a:rPr>
+                        <a:t>32</a:t>
+                      </a:r>
+                      <a:endParaRPr lang="fr-CA" sz="1100" b="0" i="0" u="none" strike="noStrike" dirty="0">
+                        <a:solidFill>
+                          <a:srgbClr val="000000"/>
+                        </a:solidFill>
+                        <a:effectLst/>
+                        <a:latin typeface="Calibri" panose="020F0502020204030204" pitchFamily="34" charset="0"/>
+                      </a:endParaRPr>
+                    </a:p>
+                  </a:txBody>
+                  <a:tcPr marL="7620" marR="7620" marT="7620" marB="0" anchor="ctr"/>
+                </a:tc>
+                <a:tc>
+                  <a:txBody>
+                    <a:bodyPr/>
+                    <a:lstStyle/>
+                    <a:p>
+                      <a:pPr algn="ctr" fontAlgn="ctr"/>
+                      <a:r>
+                        <a:rPr lang="fr-CA" sz="1100" u="none" strike="noStrike">
+                          <a:effectLst/>
+                        </a:rPr>
+                        <a:t>15,625</a:t>
+                      </a:r>
+                      <a:endParaRPr lang="fr-CA" sz="1100" b="0" i="0" u="none" strike="noStrike">
+                        <a:solidFill>
+                          <a:srgbClr val="000000"/>
+                        </a:solidFill>
+                        <a:effectLst/>
+                        <a:latin typeface="Calibri" panose="020F0502020204030204" pitchFamily="34" charset="0"/>
+                      </a:endParaRPr>
+                    </a:p>
+                  </a:txBody>
+                  <a:tcPr marL="7620" marR="7620" marT="7620" marB="0" anchor="ctr"/>
+                </a:tc>
+                <a:tc>
+                  <a:txBody>
+                    <a:bodyPr/>
+                    <a:lstStyle/>
+                    <a:p>
+                      <a:pPr algn="ctr" fontAlgn="b"/>
+                      <a:r>
+                        <a:rPr lang="en-CA" sz="1100" b="0" i="0" u="none" strike="noStrike" dirty="0">
+                          <a:solidFill>
+                            <a:srgbClr val="000000"/>
+                          </a:solidFill>
+                          <a:effectLst/>
+                          <a:latin typeface="Aptos Narrow" panose="020B0004020202020204" pitchFamily="34" charset="0"/>
+                        </a:rPr>
+                        <a:t>0.19712</a:t>
+                      </a:r>
+                    </a:p>
+                  </a:txBody>
+                  <a:tcPr marL="9525" marR="9525" marT="9525" marB="0" anchor="ctr"/>
+                </a:tc>
+                <a:extLst>
+                  <a:ext uri="{0D108BD9-81ED-4DB2-BD59-A6C34878D82A}">
+                    <a16:rowId xmlns:a16="http://schemas.microsoft.com/office/drawing/2014/main" val="3712731881"/>
+                  </a:ext>
+                </a:extLst>
+              </a:tr>
+              <a:tr h="379750">
+                <a:tc>
+                  <a:txBody>
+                    <a:bodyPr/>
+                    <a:lstStyle/>
+                    <a:p>
+                      <a:pPr algn="ctr" fontAlgn="ctr"/>
+                      <a:r>
+                        <a:rPr lang="fr-CA" sz="1100" b="0" i="0" u="none" strike="noStrike" dirty="0">
+                          <a:solidFill>
+                            <a:srgbClr val="000000"/>
+                          </a:solidFill>
+                          <a:effectLst/>
+                          <a:latin typeface="Calibri" panose="020F0502020204030204" pitchFamily="34" charset="0"/>
+                        </a:rPr>
+                        <a:t>64</a:t>
+                      </a:r>
+                    </a:p>
+                  </a:txBody>
+                  <a:tcPr marL="7620" marR="7620" marT="7620" marB="0" anchor="ctr"/>
+                </a:tc>
+                <a:tc>
+                  <a:txBody>
+                    <a:bodyPr/>
+                    <a:lstStyle/>
+                    <a:p>
+                      <a:pPr algn="ctr" fontAlgn="b"/>
+                      <a:r>
+                        <a:rPr lang="en-CA" sz="1100" b="0" i="0" u="none" strike="noStrike" dirty="0">
+                          <a:solidFill>
+                            <a:srgbClr val="000000"/>
+                          </a:solidFill>
+                          <a:effectLst/>
+                          <a:latin typeface="Aptos Narrow" panose="020B0004020202020204" pitchFamily="34" charset="0"/>
+                        </a:rPr>
+                        <a:t>7.8125</a:t>
+                      </a:r>
+                    </a:p>
+                  </a:txBody>
+                  <a:tcPr marL="9525" marR="9525" marT="9525" marB="0" anchor="ctr"/>
+                </a:tc>
+                <a:tc>
+                  <a:txBody>
+                    <a:bodyPr/>
+                    <a:lstStyle/>
+                    <a:p>
+                      <a:pPr algn="ctr" fontAlgn="b"/>
+                      <a:r>
+                        <a:rPr lang="en-CA" sz="1100" b="0" i="0" u="none" strike="noStrike" dirty="0">
+                          <a:solidFill>
+                            <a:srgbClr val="000000"/>
+                          </a:solidFill>
+                          <a:effectLst/>
+                          <a:latin typeface="Aptos Narrow" panose="020B0004020202020204" pitchFamily="34" charset="0"/>
+                        </a:rPr>
+                        <a:t>0.098561</a:t>
+                      </a:r>
+                    </a:p>
+                  </a:txBody>
+                  <a:tcPr marL="9525" marR="9525" marT="9525" marB="0" anchor="ctr"/>
+                </a:tc>
+                <a:extLst>
+                  <a:ext uri="{0D108BD9-81ED-4DB2-BD59-A6C34878D82A}">
+                    <a16:rowId xmlns:a16="http://schemas.microsoft.com/office/drawing/2014/main" val="1479933162"/>
+                  </a:ext>
+                </a:extLst>
+              </a:tr>
+              <a:tr h="379750">
+                <a:tc>
+                  <a:txBody>
+                    <a:bodyPr/>
+                    <a:lstStyle/>
+                    <a:p>
+                      <a:pPr algn="ctr" fontAlgn="ctr"/>
+                      <a:r>
+                        <a:rPr lang="fr-CA" sz="1100" b="0" i="0" u="none" strike="noStrike" dirty="0">
+                          <a:solidFill>
+                            <a:srgbClr val="000000"/>
+                          </a:solidFill>
+                          <a:effectLst/>
+                          <a:latin typeface="Calibri" panose="020F0502020204030204" pitchFamily="34" charset="0"/>
+                        </a:rPr>
+                        <a:t>128</a:t>
+                      </a:r>
+                    </a:p>
+                  </a:txBody>
+                  <a:tcPr marL="7620" marR="7620" marT="7620" marB="0" anchor="ctr"/>
+                </a:tc>
+                <a:tc>
+                  <a:txBody>
+                    <a:bodyPr/>
+                    <a:lstStyle/>
+                    <a:p>
+                      <a:pPr algn="ctr" fontAlgn="b"/>
+                      <a:r>
+                        <a:rPr lang="en-CA" sz="1100" b="0" i="0" u="none" strike="noStrike" dirty="0">
+                          <a:solidFill>
+                            <a:srgbClr val="000000"/>
+                          </a:solidFill>
+                          <a:effectLst/>
+                          <a:latin typeface="Aptos Narrow" panose="020B0004020202020204" pitchFamily="34" charset="0"/>
+                        </a:rPr>
+                        <a:t>3.90625</a:t>
+                      </a:r>
+                    </a:p>
+                  </a:txBody>
+                  <a:tcPr marL="9525" marR="9525" marT="9525" marB="0" anchor="ctr"/>
+                </a:tc>
+                <a:tc>
+                  <a:txBody>
+                    <a:bodyPr/>
+                    <a:lstStyle/>
+                    <a:p>
+                      <a:pPr algn="ctr" fontAlgn="b"/>
+                      <a:r>
+                        <a:rPr lang="en-CA" sz="1100" b="0" i="0" u="none" strike="noStrike" dirty="0">
+                          <a:solidFill>
+                            <a:srgbClr val="000000"/>
+                          </a:solidFill>
+                          <a:effectLst/>
+                          <a:latin typeface="Aptos Narrow" panose="020B0004020202020204" pitchFamily="34" charset="0"/>
+                        </a:rPr>
+                        <a:t>0.049279</a:t>
+                      </a:r>
+                    </a:p>
+                  </a:txBody>
+                  <a:tcPr marL="9525" marR="9525" marT="9525" marB="0" anchor="ctr"/>
+                </a:tc>
+                <a:extLst>
+                  <a:ext uri="{0D108BD9-81ED-4DB2-BD59-A6C34878D82A}">
+                    <a16:rowId xmlns:a16="http://schemas.microsoft.com/office/drawing/2014/main" val="1093481435"/>
+                  </a:ext>
+                </a:extLst>
+              </a:tr>
+            </a:tbl>
+          </a:graphicData>
+        </a:graphic>
+      </p:graphicFrame>
+      <p:sp>
+        <p:nvSpPr>
+          <p:cNvPr id="4" name="ZoneTexte 4">
+            <a:extLst>
+              <a:ext uri="{FF2B5EF4-FFF2-40B4-BE49-F238E27FC236}">
+                <a16:creationId xmlns:a16="http://schemas.microsoft.com/office/drawing/2014/main" id="{1C1EA7A2-B906-0687-7FAB-E254C5ACBEF8}"/>
+              </a:ext>
+            </a:extLst>
+          </p:cNvPr>
+          <p:cNvSpPr txBox="1"/>
+          <p:nvPr/>
+        </p:nvSpPr>
+        <p:spPr>
+          <a:xfrm>
+            <a:off x="5420276" y="5866798"/>
+            <a:ext cx="5435048" cy="276999"/>
+          </a:xfrm>
+          <a:prstGeom prst="rect">
+            <a:avLst/>
+          </a:prstGeom>
+          <a:noFill/>
+        </p:spPr>
+        <p:txBody>
+          <a:bodyPr wrap="square" rtlCol="0">
+            <a:spAutoFit/>
+          </a:bodyPr>
+          <a:lstStyle/>
           <a:p>
-            <a:pPr marL="0" indent="0" algn="just">
-              <a:buNone/>
-            </a:pPr>
-            <a:r>
-              <a:rPr lang="fr-CA" sz="1800" dirty="0"/>
-              <a:t>Finalement, il faut noter que cet écart ne remet pas en question la vérification du Code de </a:t>
-            </a:r>
-            <a:r>
-              <a:rPr lang="fr-CA" sz="1800" dirty="0" err="1"/>
-              <a:t>SimCenter</a:t>
-            </a:r>
-            <a:r>
-              <a:rPr lang="fr-CA" sz="1800" dirty="0"/>
-              <a:t>/Nastran mais plutôt la méthode utilisée pour la vérification.</a:t>
-            </a:r>
+            <a:r>
+              <a:rPr lang="fr-FR" sz="1200" dirty="0"/>
+              <a:t>Fig.5. </a:t>
+            </a:r>
+            <a:r>
+              <a:rPr lang="en-CA" sz="1200" dirty="0"/>
+              <a:t>Convergence de </a:t>
+            </a:r>
+            <a:r>
+              <a:rPr lang="en-CA" sz="1200" dirty="0" err="1"/>
+              <a:t>l’erreur</a:t>
+            </a:r>
+            <a:r>
+              <a:rPr lang="en-CA" sz="1200" dirty="0"/>
+              <a:t> de deformation </a:t>
+            </a:r>
+            <a:r>
+              <a:rPr lang="en-CA" sz="1200" dirty="0" err="1"/>
+              <a:t>en</a:t>
+            </a:r>
+            <a:r>
+              <a:rPr lang="en-CA" sz="1200" dirty="0"/>
+              <a:t> </a:t>
+            </a:r>
+            <a:r>
+              <a:rPr lang="en-CA" sz="1200" dirty="0" err="1"/>
+              <a:t>fonction</a:t>
+            </a:r>
+            <a:r>
+              <a:rPr lang="en-CA" sz="1200" dirty="0"/>
+              <a:t> de h</a:t>
+            </a:r>
+            <a:endParaRPr lang="fr-FR" sz="1200" dirty="0"/>
           </a:p>
         </p:txBody>
       </p:sp>
+      <p:sp>
+        <p:nvSpPr>
+          <p:cNvPr id="7" name="ZoneTexte 4">
+            <a:extLst>
+              <a:ext uri="{FF2B5EF4-FFF2-40B4-BE49-F238E27FC236}">
+                <a16:creationId xmlns:a16="http://schemas.microsoft.com/office/drawing/2014/main" id="{D171DBA5-F2AB-1803-42AF-95DB866C9BD0}"/>
+              </a:ext>
+            </a:extLst>
+          </p:cNvPr>
+          <p:cNvSpPr txBox="1"/>
+          <p:nvPr/>
+        </p:nvSpPr>
+        <p:spPr>
+          <a:xfrm>
+            <a:off x="1113503" y="5866798"/>
+            <a:ext cx="2111477" cy="646331"/>
+          </a:xfrm>
+          <a:prstGeom prst="rect">
+            <a:avLst/>
+          </a:prstGeom>
+          <a:noFill/>
+        </p:spPr>
+        <p:txBody>
+          <a:bodyPr wrap="square" rtlCol="0">
+            <a:spAutoFit/>
+          </a:bodyPr>
+          <a:lstStyle/>
+          <a:p>
+            <a:r>
+              <a:rPr lang="fr-FR" sz="1200" dirty="0"/>
+              <a:t>Tableau 3. </a:t>
+            </a:r>
+            <a:r>
+              <a:rPr lang="en-CA" sz="1200" dirty="0"/>
+              <a:t>Valeur de </a:t>
+            </a:r>
+            <a:r>
+              <a:rPr lang="en-CA" sz="1200" dirty="0" err="1"/>
+              <a:t>l’erreur</a:t>
+            </a:r>
+            <a:r>
+              <a:rPr lang="en-CA" sz="1200" dirty="0"/>
+              <a:t> de deformation pour </a:t>
+            </a:r>
+            <a:r>
+              <a:rPr lang="en-CA" sz="1200" dirty="0" err="1"/>
+              <a:t>différents</a:t>
+            </a:r>
+            <a:r>
+              <a:rPr lang="en-CA" sz="1200" dirty="0"/>
+              <a:t> </a:t>
+            </a:r>
+            <a:r>
+              <a:rPr lang="en-CA" sz="1200" dirty="0" err="1"/>
+              <a:t>maillages</a:t>
+            </a:r>
+            <a:endParaRPr lang="fr-FR" sz="1200" dirty="0"/>
+          </a:p>
+        </p:txBody>
+      </p:sp>
+      <p:graphicFrame>
+        <p:nvGraphicFramePr>
+          <p:cNvPr id="8" name="Chart 7">
+            <a:extLst>
+              <a:ext uri="{FF2B5EF4-FFF2-40B4-BE49-F238E27FC236}">
+                <a16:creationId xmlns:a16="http://schemas.microsoft.com/office/drawing/2014/main" id="{6F0BDE2F-EA72-3241-7427-B88E7D002C01}"/>
+              </a:ext>
+            </a:extLst>
+          </p:cNvPr>
+          <p:cNvGraphicFramePr>
+            <a:graphicFrameLocks/>
+          </p:cNvGraphicFramePr>
+          <p:nvPr>
+            <p:extLst>
+              <p:ext uri="{D42A27DB-BD31-4B8C-83A1-F6EECF244321}">
+                <p14:modId xmlns:p14="http://schemas.microsoft.com/office/powerpoint/2010/main" val="2005764556"/>
+              </p:ext>
+            </p:extLst>
+          </p:nvPr>
+        </p:nvGraphicFramePr>
+        <p:xfrm>
+          <a:off x="4563344" y="1850608"/>
+          <a:ext cx="6291980" cy="3855584"/>
+        </p:xfrm>
+        <a:graphic>
+          <a:graphicData uri="http://schemas.openxmlformats.org/drawingml/2006/chart">
+            <c:chart xmlns:c="http://schemas.openxmlformats.org/drawingml/2006/chart" xmlns:r="http://schemas.openxmlformats.org/officeDocument/2006/relationships" r:id="rId2"/>
+          </a:graphicData>
+        </a:graphic>
+      </p:graphicFrame>
     </p:spTree>
     <p:extLst>
       <p:ext uri="{BB962C8B-B14F-4D97-AF65-F5344CB8AC3E}">
-        <p14:creationId xmlns:p14="http://schemas.microsoft.com/office/powerpoint/2010/main" val="494895105"/>
+        <p14:creationId xmlns:p14="http://schemas.microsoft.com/office/powerpoint/2010/main" val="3283470432"/>
       </p:ext>
     </p:extLst>
   </p:cSld>
   <p:clrMapOvr>
     <a:masterClrMapping/>
   </p:clrMapOvr>
-  <p:extLst>
-    <p:ext uri="{6950BFC3-D8DA-4A85-94F7-54DA5524770B}">
-      <p188:commentRel xmlns:p188="http://schemas.microsoft.com/office/powerpoint/2018/8/main" r:id="rId2"/>
-    </p:ext>
-  </p:extLst>
 </p:sld>
 </file>
 
-<file path=ppt/slides/slide12.xml><?xml version="1.0" encoding="utf-8"?>
+<file path=ppt/slides/slide14.xml><?xml version="1.0" encoding="utf-8"?>
+<p:sld xmlns:a="http://schemas.openxmlformats.org/drawingml/2006/main" xmlns:r="http://schemas.openxmlformats.org/officeDocument/2006/relationships" xmlns:p="http://schemas.openxmlformats.org/presentationml/2006/main">
+  <p:cSld>
+    <p:spTree>
+      <p:nvGrpSpPr>
+        <p:cNvPr id="1" name=""/>
+        <p:cNvGrpSpPr/>
+        <p:nvPr/>
+      </p:nvGrpSpPr>
+      <p:grpSpPr>
+        <a:xfrm>
+          <a:off x="0" y="0"/>
+          <a:ext cx="0" cy="0"/>
+          <a:chOff x="0" y="0"/>
+          <a:chExt cx="0" cy="0"/>
+        </a:xfrm>
+      </p:grpSpPr>
+      <p:sp>
+        <p:nvSpPr>
+          <p:cNvPr id="2" name="Title 1">
+            <a:extLst>
+              <a:ext uri="{FF2B5EF4-FFF2-40B4-BE49-F238E27FC236}">
+                <a16:creationId xmlns:a16="http://schemas.microsoft.com/office/drawing/2014/main" id="{E0220718-7085-48D6-FCCC-6D486EF513A7}"/>
+              </a:ext>
+            </a:extLst>
+          </p:cNvPr>
+          <p:cNvSpPr>
+            <a:spLocks noGrp="1"/>
+          </p:cNvSpPr>
+          <p:nvPr>
+            <p:ph type="title"/>
+          </p:nvPr>
+        </p:nvSpPr>
+        <p:spPr>
+          <a:xfrm>
+            <a:off x="838200" y="365125"/>
+            <a:ext cx="9308690" cy="706591"/>
+          </a:xfrm>
+        </p:spPr>
+        <p:txBody>
+          <a:bodyPr>
+            <a:normAutofit/>
+          </a:bodyPr>
+          <a:lstStyle/>
+          <a:p>
+            <a:r>
+              <a:rPr lang="fr-FR" sz="3000" dirty="0"/>
+              <a:t>Vérification de code</a:t>
+            </a:r>
+            <a:endParaRPr lang="en-CA" sz="3000" dirty="0"/>
+          </a:p>
+        </p:txBody>
+      </p:sp>
+      <mc:AlternateContent xmlns:mc="http://schemas.openxmlformats.org/markup-compatibility/2006">
+        <mc:Choice xmlns:a14="http://schemas.microsoft.com/office/drawing/2010/main" Requires="a14">
+          <p:sp>
+            <p:nvSpPr>
+              <p:cNvPr id="3" name="Content Placeholder 2">
+                <a:extLst>
+                  <a:ext uri="{FF2B5EF4-FFF2-40B4-BE49-F238E27FC236}">
+                    <a16:creationId xmlns:a16="http://schemas.microsoft.com/office/drawing/2014/main" id="{57846E6E-541E-C380-2EC3-91AF5BEE61F6}"/>
+                  </a:ext>
+                </a:extLst>
+              </p:cNvPr>
+              <p:cNvSpPr>
+                <a:spLocks noGrp="1"/>
+              </p:cNvSpPr>
+              <p:nvPr>
+                <p:ph idx="1"/>
+              </p:nvPr>
+            </p:nvSpPr>
+            <p:spPr>
+              <a:xfrm>
+                <a:off x="838200" y="1150374"/>
+                <a:ext cx="10515600" cy="5342501"/>
+              </a:xfrm>
+            </p:spPr>
+            <p:txBody>
+              <a:bodyPr>
+                <a:normAutofit/>
+              </a:bodyPr>
+              <a:lstStyle/>
+              <a:p>
+                <a:pPr marL="0" indent="0" algn="just">
+                  <a:buNone/>
+                </a:pPr>
+                <a:r>
+                  <a:rPr lang="fr-CA" sz="1800" dirty="0"/>
+                  <a:t>Il faut noter que cette méthode converge selon </a:t>
+                </a:r>
+                <a14:m>
+                  <m:oMath xmlns:m="http://schemas.openxmlformats.org/officeDocument/2006/math">
+                    <m:r>
+                      <m:rPr>
+                        <m:sty m:val="p"/>
+                      </m:rPr>
+                      <a:rPr lang="el-GR" sz="1800" i="1" smtClean="0">
+                        <a:latin typeface="Cambria Math" panose="02040503050406030204" pitchFamily="18" charset="0"/>
+                      </a:rPr>
+                      <m:t>Ο</m:t>
+                    </m:r>
+                    <m:r>
+                      <a:rPr lang="fr-CA" sz="1800" b="0" i="1" smtClean="0">
+                        <a:latin typeface="Cambria Math" panose="02040503050406030204" pitchFamily="18" charset="0"/>
+                      </a:rPr>
+                      <m:t>(</m:t>
+                    </m:r>
+                    <m:sSup>
+                      <m:sSupPr>
+                        <m:ctrlPr>
+                          <a:rPr lang="fr-CA" sz="1800" b="0" i="1" smtClean="0">
+                            <a:latin typeface="Cambria Math" panose="02040503050406030204" pitchFamily="18" charset="0"/>
+                          </a:rPr>
+                        </m:ctrlPr>
+                      </m:sSupPr>
+                      <m:e>
+                        <m:r>
+                          <a:rPr lang="fr-CA" sz="1800" b="0" i="1" smtClean="0">
+                            <a:latin typeface="Cambria Math" panose="02040503050406030204" pitchFamily="18" charset="0"/>
+                          </a:rPr>
+                          <m:t>h</m:t>
+                        </m:r>
+                      </m:e>
+                      <m:sup>
+                        <m:r>
+                          <a:rPr lang="fr-CA" sz="1800" b="0" i="1" smtClean="0">
+                            <a:latin typeface="Cambria Math" panose="02040503050406030204" pitchFamily="18" charset="0"/>
+                          </a:rPr>
+                          <m:t>𝑝</m:t>
+                        </m:r>
+                      </m:sup>
+                    </m:sSup>
+                    <m:r>
+                      <a:rPr lang="fr-CA" sz="1800" b="0" i="1" smtClean="0">
+                        <a:latin typeface="Cambria Math" panose="02040503050406030204" pitchFamily="18" charset="0"/>
+                      </a:rPr>
+                      <m:t>)</m:t>
+                    </m:r>
+                  </m:oMath>
+                </a14:m>
+                <a:r>
+                  <a:rPr lang="fr-CA" sz="1800" dirty="0"/>
+                  <a:t> où p est l’ordre de convergence. Il est donc possible de remarquer que cette méthode est beaucoup mieux adaptée pour analyser la convergence des éléments poutre. Les poutres utilisées par le logiciel Simcenter3D sont des éléments finis linéaire. Effectivement, elle ne possède pas de nœuds milieu permettant de prendre en compte la pente dans l’élément. </a:t>
+                </a:r>
+              </a:p>
+              <a:p>
+                <a:pPr marL="0" indent="0" algn="just">
+                  <a:buNone/>
+                </a:pPr>
+                <a:endParaRPr lang="fr-CA" sz="1800" dirty="0"/>
+              </a:p>
+              <a:p>
+                <a:pPr marL="0" indent="0" algn="just">
+                  <a:buNone/>
+                </a:pPr>
+                <a:r>
+                  <a:rPr lang="fr-CA" sz="1800" dirty="0"/>
+                  <a:t>Il est donc possible de remarquer que les éléments se comporte tel qu’attendu étant donné que l’erreur de déformation converge selon un ordre linéaire.</a:t>
+                </a:r>
+              </a:p>
+              <a:p>
+                <a:pPr marL="0" indent="0" algn="just">
+                  <a:buNone/>
+                </a:pPr>
+                <a:endParaRPr lang="fr-CA" sz="1800" dirty="0"/>
+              </a:p>
+              <a:p>
+                <a:pPr marL="0" indent="0" algn="just">
+                  <a:buNone/>
+                </a:pPr>
+                <a:r>
+                  <a:rPr lang="fr-CA" sz="1800" dirty="0"/>
+                  <a:t>De plus, la qualité de la régression vient ajouter de la validité à cette affirmation étant donné qu’elle est exactement de 1. Il est normal d’obtenir une telle régression étant donné que l’on utilise un logiciel commercial qui a dû être vérifié extensivement par Siemens.</a:t>
+                </a:r>
+              </a:p>
+              <a:p>
+                <a:pPr marL="0" indent="0" algn="just">
+                  <a:buNone/>
+                </a:pPr>
+                <a:endParaRPr lang="fr-CA" sz="1800" dirty="0"/>
+              </a:p>
+              <a:p>
+                <a:pPr marL="0" indent="0" algn="just">
+                  <a:buNone/>
+                </a:pPr>
+                <a:r>
+                  <a:rPr lang="fr-CA" sz="1800" dirty="0"/>
+                  <a:t>Il est donc possible de conclure que le code résout correctement les formulations mathématiques utilisé pour définir les éléments poutre.</a:t>
+                </a:r>
+              </a:p>
+            </p:txBody>
+          </p:sp>
+        </mc:Choice>
+        <mc:Fallback>
+          <p:sp>
+            <p:nvSpPr>
+              <p:cNvPr id="3" name="Content Placeholder 2">
+                <a:extLst>
+                  <a:ext uri="{FF2B5EF4-FFF2-40B4-BE49-F238E27FC236}">
+                    <a16:creationId xmlns:a16="http://schemas.microsoft.com/office/drawing/2014/main" id="{57846E6E-541E-C380-2EC3-91AF5BEE61F6}"/>
+                  </a:ext>
+                </a:extLst>
+              </p:cNvPr>
+              <p:cNvSpPr>
+                <a:spLocks noGrp="1" noRot="1" noChangeAspect="1" noMove="1" noResize="1" noEditPoints="1" noAdjustHandles="1" noChangeArrowheads="1" noChangeShapeType="1" noTextEdit="1"/>
+              </p:cNvSpPr>
+              <p:nvPr>
+                <p:ph idx="1"/>
+              </p:nvPr>
+            </p:nvSpPr>
+            <p:spPr>
+              <a:xfrm>
+                <a:off x="838200" y="1150374"/>
+                <a:ext cx="10515600" cy="5342501"/>
+              </a:xfrm>
+              <a:blipFill>
+                <a:blip r:embed="rId2"/>
+                <a:stretch>
+                  <a:fillRect l="-522" t="-1142" r="-464"/>
+                </a:stretch>
+              </a:blipFill>
+            </p:spPr>
+            <p:txBody>
+              <a:bodyPr/>
+              <a:lstStyle/>
+              <a:p>
+                <a:r>
+                  <a:rPr lang="en-CA">
+                    <a:noFill/>
+                  </a:rPr>
+                  <a:t> </a:t>
+                </a:r>
+              </a:p>
+            </p:txBody>
+          </p:sp>
+        </mc:Fallback>
+      </mc:AlternateContent>
+    </p:spTree>
+    <p:extLst>
+      <p:ext uri="{BB962C8B-B14F-4D97-AF65-F5344CB8AC3E}">
+        <p14:creationId xmlns:p14="http://schemas.microsoft.com/office/powerpoint/2010/main" val="4014962709"/>
+      </p:ext>
+    </p:extLst>
+  </p:cSld>
+  <p:clrMapOvr>
+    <a:masterClrMapping/>
+  </p:clrMapOvr>
+</p:sld>
+</file>
+
+<file path=ppt/slides/slide15.xml><?xml version="1.0" encoding="utf-8"?>
 <p:sld xmlns:a="http://schemas.openxmlformats.org/drawingml/2006/main" xmlns:r="http://schemas.openxmlformats.org/officeDocument/2006/relationships" xmlns:p="http://schemas.openxmlformats.org/presentationml/2006/main">
   <p:cSld>
     <p:spTree>
@@ -15427,7 +18224,7 @@
           <a:p>
             <a:r>
               <a:rPr lang="fr-FR" sz="1200" dirty="0"/>
-              <a:t>Tableau 3. </a:t>
+              <a:t>Tableau 4. </a:t>
             </a:r>
             <a:r>
               <a:rPr lang="en-CA" sz="1200" dirty="0" err="1"/>
@@ -15471,7 +18268,7 @@
 </p:sld>
 </file>
 
-<file path=ppt/slides/slide13.xml><?xml version="1.0" encoding="utf-8"?>
+<file path=ppt/slides/slide16.xml><?xml version="1.0" encoding="utf-8"?>
 <p:sld xmlns:a="http://schemas.openxmlformats.org/drawingml/2006/main" xmlns:r="http://schemas.openxmlformats.org/officeDocument/2006/relationships" xmlns:p="http://schemas.openxmlformats.org/presentationml/2006/main">
   <p:cSld>
     <p:spTree>
@@ -16482,7 +19279,7 @@
 </p:sld>
 </file>
 
-<file path=ppt/slides/slide14.xml><?xml version="1.0" encoding="utf-8"?>
+<file path=ppt/slides/slide17.xml><?xml version="1.0" encoding="utf-8"?>
 <p:sld xmlns:a="http://schemas.openxmlformats.org/drawingml/2006/main" xmlns:r="http://schemas.openxmlformats.org/officeDocument/2006/relationships" xmlns:p="http://schemas.openxmlformats.org/presentationml/2006/main">
   <p:cSld>
     <p:spTree>
@@ -16873,7 +19670,7 @@
 </p:sld>
 </file>
 
-<file path=ppt/slides/slide15.xml><?xml version="1.0" encoding="utf-8"?>
+<file path=ppt/slides/slide18.xml><?xml version="1.0" encoding="utf-8"?>
 <p:sld xmlns:a="http://schemas.openxmlformats.org/drawingml/2006/main" xmlns:r="http://schemas.openxmlformats.org/officeDocument/2006/relationships" xmlns:p="http://schemas.openxmlformats.org/presentationml/2006/main">
   <p:cSld>
     <p:spTree>
@@ -17047,7 +19844,7 @@
           <a:p>
             <a:r>
               <a:rPr lang="fr-FR" sz="1200" dirty="0"/>
-              <a:t>Fig. 5. </a:t>
+              <a:t>Fig. 6. </a:t>
             </a:r>
             <a:r>
               <a:rPr lang="en-CA" sz="1200" dirty="0"/>
@@ -17140,7 +19937,7 @@
 </p:sld>
 </file>
 
-<file path=ppt/slides/slide16.xml><?xml version="1.0" encoding="utf-8"?>
+<file path=ppt/slides/slide19.xml><?xml version="1.0" encoding="utf-8"?>
 <p:sld xmlns:a="http://schemas.openxmlformats.org/drawingml/2006/main" xmlns:r="http://schemas.openxmlformats.org/officeDocument/2006/relationships" xmlns:p="http://schemas.openxmlformats.org/presentationml/2006/main">
   <p:cSld>
     <p:spTree>
@@ -17390,7 +20187,7 @@
           <a:p>
             <a:r>
               <a:rPr lang="fr-FR" sz="1200" dirty="0"/>
-              <a:t>Fig. 6. </a:t>
+              <a:t>Fig. 7. </a:t>
             </a:r>
             <a:r>
               <a:rPr lang="en-CA" sz="1200" dirty="0"/>
@@ -17430,7 +20227,7 @@
           <a:p>
             <a:r>
               <a:rPr lang="fr-FR" sz="1200" dirty="0"/>
-              <a:t>Fig. 7. </a:t>
+              <a:t>Fig. 8. </a:t>
             </a:r>
             <a:r>
               <a:rPr lang="en-CA" sz="1200" dirty="0"/>
@@ -17453,7 +20250,295 @@
 </p:sld>
 </file>
 
-<file path=ppt/slides/slide17.xml><?xml version="1.0" encoding="utf-8"?>
+<file path=ppt/slides/slide2.xml><?xml version="1.0" encoding="utf-8"?>
+<p:sld xmlns:a="http://schemas.openxmlformats.org/drawingml/2006/main" xmlns:r="http://schemas.openxmlformats.org/officeDocument/2006/relationships" xmlns:p="http://schemas.openxmlformats.org/presentationml/2006/main">
+  <p:cSld>
+    <p:spTree>
+      <p:nvGrpSpPr>
+        <p:cNvPr id="1" name=""/>
+        <p:cNvGrpSpPr/>
+        <p:nvPr/>
+      </p:nvGrpSpPr>
+      <p:grpSpPr>
+        <a:xfrm>
+          <a:off x="0" y="0"/>
+          <a:ext cx="0" cy="0"/>
+          <a:chOff x="0" y="0"/>
+          <a:chExt cx="0" cy="0"/>
+        </a:xfrm>
+      </p:grpSpPr>
+      <p:sp>
+        <p:nvSpPr>
+          <p:cNvPr id="3" name="Content Placeholder 2">
+            <a:extLst>
+              <a:ext uri="{FF2B5EF4-FFF2-40B4-BE49-F238E27FC236}">
+                <a16:creationId xmlns:a16="http://schemas.microsoft.com/office/drawing/2014/main" id="{57846E6E-541E-C380-2EC3-91AF5BEE61F6}"/>
+              </a:ext>
+            </a:extLst>
+          </p:cNvPr>
+          <p:cNvSpPr>
+            <a:spLocks noGrp="1"/>
+          </p:cNvSpPr>
+          <p:nvPr>
+            <p:ph idx="1"/>
+          </p:nvPr>
+        </p:nvSpPr>
+        <p:spPr>
+          <a:xfrm>
+            <a:off x="838200" y="1140544"/>
+            <a:ext cx="10515600" cy="5154407"/>
+          </a:xfrm>
+        </p:spPr>
+        <p:txBody>
+          <a:bodyPr vert="horz" lIns="91440" tIns="45720" rIns="91440" bIns="45720" rtlCol="0" anchor="t">
+            <a:normAutofit fontScale="92500" lnSpcReduction="10000"/>
+          </a:bodyPr>
+          <a:lstStyle/>
+          <a:p>
+            <a:pPr marL="0" indent="0" algn="just">
+              <a:lnSpc>
+                <a:spcPct val="100000"/>
+              </a:lnSpc>
+              <a:buNone/>
+            </a:pPr>
+            <a:r>
+              <a:rPr lang="fr-CA" sz="1600" dirty="0"/>
+              <a:t>Le présent rapport couvre le processus de vérification et de validation d’un modèle d’éléments finis modélisant la section lombaire d’une colonne vertébrale.</a:t>
+            </a:r>
+          </a:p>
+          <a:p>
+            <a:pPr marL="0" indent="0" algn="just">
+              <a:lnSpc>
+                <a:spcPct val="100000"/>
+              </a:lnSpc>
+              <a:buNone/>
+            </a:pPr>
+            <a:r>
+              <a:rPr lang="fr-CA" sz="1600" dirty="0"/>
+              <a:t>Le modèle a été conçu dans le cadre du PI3 d’un des membres de l’équipe, et est basé sur des données expérimentales tirées des articles scientifiques </a:t>
+            </a:r>
+            <a:r>
+              <a:rPr lang="fr-FR" sz="1600" i="1" dirty="0"/>
+              <a:t>«</a:t>
+            </a:r>
+            <a:r>
+              <a:rPr lang="en-US" sz="1600" i="1" dirty="0"/>
+              <a:t> Stability of the human spine in neutral postures </a:t>
+            </a:r>
+            <a:r>
+              <a:rPr lang="fr-FR" sz="1600" i="1" dirty="0"/>
+              <a:t>» </a:t>
+            </a:r>
+            <a:r>
+              <a:rPr lang="fr-FR" sz="1600" dirty="0"/>
+              <a:t>(Kiefer et al., 1997)</a:t>
+            </a:r>
+            <a:r>
+              <a:rPr lang="fr-CA" sz="1600" dirty="0"/>
+              <a:t> et </a:t>
+            </a:r>
+            <a:r>
+              <a:rPr lang="fr-CA" sz="1600" i="1" dirty="0"/>
+              <a:t>« </a:t>
+            </a:r>
+            <a:r>
+              <a:rPr lang="en-US" sz="1600" i="1" dirty="0"/>
+              <a:t>Load-bearing and stress analysis of the human spine under a novel wrapping compression loading</a:t>
+            </a:r>
+            <a:r>
+              <a:rPr lang="fr-FR" sz="1600" i="1" dirty="0"/>
+              <a:t> »</a:t>
+            </a:r>
+            <a:r>
+              <a:rPr lang="en-US" sz="1600" i="1" dirty="0"/>
+              <a:t> </a:t>
+            </a:r>
+            <a:r>
+              <a:rPr lang="en-CA" sz="1600" dirty="0"/>
+              <a:t>(Shirazi-</a:t>
+            </a:r>
+            <a:r>
+              <a:rPr lang="en-CA" sz="1600" dirty="0" err="1"/>
+              <a:t>Adl</a:t>
+            </a:r>
+            <a:r>
+              <a:rPr lang="en-CA" sz="1600" dirty="0"/>
+              <a:t> &amp; Parnianpour, 2000), </a:t>
+            </a:r>
+            <a:r>
+              <a:rPr lang="fr-CA" sz="1600" dirty="0"/>
+              <a:t>ainsi que sur des données géométriques et propriétés physiques (coordonnées spatiales, sections, rigidités) issues des recherches personnelles de Prof. Aboulfazl Shirazi-Adl. Pour des raisons de confidentialité, ce fichier ne sera pas publié sur GitHub mais il peut être disponible sur demande.</a:t>
+            </a:r>
+          </a:p>
+          <a:p>
+            <a:pPr marL="0" indent="0" algn="just">
+              <a:lnSpc>
+                <a:spcPct val="100000"/>
+              </a:lnSpc>
+              <a:buNone/>
+            </a:pPr>
+            <a:r>
+              <a:rPr lang="fr-CA" sz="1600" dirty="0"/>
+              <a:t>En guise de validation lors du PI3, le membre de l’équipe avait simplement comparé visuellement l’allure et les ordres de grandeur des réponses obtenues par son modèle avec les courbes Force-Déplacement postérieur tirés des articles scientifiques de référence. Le projet final de MEC8211 est ainsi l’occasion idéale pour appliquer les acquis du cours et mettre à l’épreuve la validité de son modèle.</a:t>
+            </a:r>
+          </a:p>
+          <a:p>
+            <a:pPr marL="0" indent="0">
+              <a:lnSpc>
+                <a:spcPct val="100000"/>
+              </a:lnSpc>
+              <a:buNone/>
+            </a:pPr>
+            <a:r>
+              <a:rPr lang="fr-CA" sz="1600" dirty="0"/>
+              <a:t>Les étapes de V&amp;V entreprises consistent en ce qui suit:</a:t>
+            </a:r>
+          </a:p>
+          <a:p>
+            <a:pPr marL="342900" indent="-342900">
+              <a:lnSpc>
+                <a:spcPct val="100000"/>
+              </a:lnSpc>
+              <a:buFont typeface="+mj-lt"/>
+              <a:buAutoNum type="arabicPeriod"/>
+            </a:pPr>
+            <a:r>
+              <a:rPr lang="fr-CA" sz="1600" dirty="0"/>
+              <a:t>Présentation du modèle mathématique</a:t>
+            </a:r>
+          </a:p>
+          <a:p>
+            <a:pPr marL="342900" indent="-342900">
+              <a:lnSpc>
+                <a:spcPct val="100000"/>
+              </a:lnSpc>
+              <a:buFont typeface="+mj-lt"/>
+              <a:buAutoNum type="arabicPeriod"/>
+            </a:pPr>
+            <a:r>
+              <a:rPr lang="fr-CA" sz="1600" dirty="0"/>
+              <a:t>Description de la discrétisation choisie</a:t>
+            </a:r>
+          </a:p>
+          <a:p>
+            <a:pPr marL="342900" indent="-342900">
+              <a:lnSpc>
+                <a:spcPct val="100000"/>
+              </a:lnSpc>
+              <a:buFont typeface="+mj-lt"/>
+              <a:buAutoNum type="arabicPeriod"/>
+            </a:pPr>
+            <a:r>
+              <a:rPr lang="fr-CA" sz="1600" dirty="0"/>
+              <a:t>Vérification de code</a:t>
+            </a:r>
+          </a:p>
+          <a:p>
+            <a:pPr marL="342900" indent="-342900">
+              <a:lnSpc>
+                <a:spcPct val="100000"/>
+              </a:lnSpc>
+              <a:buFont typeface="+mj-lt"/>
+              <a:buAutoNum type="arabicPeriod"/>
+            </a:pPr>
+            <a:r>
+              <a:rPr lang="fr-CA" sz="1600" dirty="0"/>
+              <a:t>Vérification de solution</a:t>
+            </a:r>
+          </a:p>
+          <a:p>
+            <a:pPr marL="342900" indent="-342900">
+              <a:lnSpc>
+                <a:spcPct val="100000"/>
+              </a:lnSpc>
+              <a:buFont typeface="+mj-lt"/>
+              <a:buAutoNum type="arabicPeriod"/>
+            </a:pPr>
+            <a:r>
+              <a:rPr lang="fr-CA" sz="1600" dirty="0"/>
+              <a:t>Propagation des incertitudes</a:t>
+            </a:r>
+          </a:p>
+          <a:p>
+            <a:pPr marL="342900" indent="-342900">
+              <a:lnSpc>
+                <a:spcPct val="100000"/>
+              </a:lnSpc>
+              <a:buFont typeface="+mj-lt"/>
+              <a:buAutoNum type="arabicPeriod"/>
+            </a:pPr>
+            <a:r>
+              <a:rPr lang="fr-CA" sz="1600" dirty="0"/>
+              <a:t>Validation</a:t>
+            </a:r>
+          </a:p>
+          <a:p>
+            <a:pPr marL="0" indent="0">
+              <a:lnSpc>
+                <a:spcPct val="100000"/>
+              </a:lnSpc>
+              <a:buNone/>
+            </a:pPr>
+            <a:endParaRPr lang="fr-CA" sz="1600" dirty="0"/>
+          </a:p>
+          <a:p>
+            <a:pPr marL="0" indent="0">
+              <a:buNone/>
+            </a:pPr>
+            <a:endParaRPr lang="en-CA" sz="1800" dirty="0"/>
+          </a:p>
+        </p:txBody>
+      </p:sp>
+      <p:sp>
+        <p:nvSpPr>
+          <p:cNvPr id="8" name="Title 1">
+            <a:extLst>
+              <a:ext uri="{FF2B5EF4-FFF2-40B4-BE49-F238E27FC236}">
+                <a16:creationId xmlns:a16="http://schemas.microsoft.com/office/drawing/2014/main" id="{131056D3-4217-EA50-3282-5A33501AC195}"/>
+              </a:ext>
+            </a:extLst>
+          </p:cNvPr>
+          <p:cNvSpPr>
+            <a:spLocks noGrp="1"/>
+          </p:cNvSpPr>
+          <p:nvPr>
+            <p:ph type="title"/>
+          </p:nvPr>
+        </p:nvSpPr>
+        <p:spPr>
+          <a:xfrm>
+            <a:off x="838200" y="365125"/>
+            <a:ext cx="9308690" cy="706591"/>
+          </a:xfrm>
+        </p:spPr>
+        <p:txBody>
+          <a:bodyPr>
+            <a:normAutofit/>
+          </a:bodyPr>
+          <a:lstStyle/>
+          <a:p>
+            <a:r>
+              <a:rPr lang="fr-FR" sz="3000" dirty="0"/>
+              <a:t>Introduction et mise en contexte</a:t>
+            </a:r>
+            <a:endParaRPr lang="en-CA" sz="3000" dirty="0"/>
+          </a:p>
+        </p:txBody>
+      </p:sp>
+    </p:spTree>
+    <p:extLst>
+      <p:ext uri="{BB962C8B-B14F-4D97-AF65-F5344CB8AC3E}">
+        <p14:creationId xmlns:p14="http://schemas.microsoft.com/office/powerpoint/2010/main" val="2767786287"/>
+      </p:ext>
+    </p:extLst>
+  </p:cSld>
+  <p:clrMapOvr>
+    <a:masterClrMapping/>
+  </p:clrMapOvr>
+</p:sld>
+</file>
+
+<file path=ppt/slides/slide20.xml><?xml version="1.0" encoding="utf-8"?>
 <p:sld xmlns:a="http://schemas.openxmlformats.org/drawingml/2006/main" xmlns:r="http://schemas.openxmlformats.org/officeDocument/2006/relationships" xmlns:p="http://schemas.openxmlformats.org/presentationml/2006/main">
   <p:cSld>
     <p:spTree>
@@ -18196,7 +21281,7 @@
 </p:sld>
 </file>
 
-<file path=ppt/slides/slide18.xml><?xml version="1.0" encoding="utf-8"?>
+<file path=ppt/slides/slide21.xml><?xml version="1.0" encoding="utf-8"?>
 <p:sld xmlns:a="http://schemas.openxmlformats.org/drawingml/2006/main" xmlns:r="http://schemas.openxmlformats.org/officeDocument/2006/relationships" xmlns:p="http://schemas.openxmlformats.org/presentationml/2006/main">
   <p:cSld>
     <p:spTree>
@@ -19078,7 +22163,7 @@
             <a:pPr algn="ctr"/>
             <a:r>
               <a:rPr lang="fr-FR" sz="1200" dirty="0"/>
-              <a:t>Fig. 8. </a:t>
+              <a:t>Fig. 9. </a:t>
             </a:r>
             <a:r>
               <a:rPr lang="en-CA" sz="1200" dirty="0" err="1"/>
@@ -19467,7 +22552,7 @@
 </p:sld>
 </file>
 
-<file path=ppt/slides/slide19.xml><?xml version="1.0" encoding="utf-8"?>
+<file path=ppt/slides/slide22.xml><?xml version="1.0" encoding="utf-8"?>
 <p:sld xmlns:a="http://schemas.openxmlformats.org/drawingml/2006/main" xmlns:r="http://schemas.openxmlformats.org/officeDocument/2006/relationships" xmlns:p="http://schemas.openxmlformats.org/presentationml/2006/main">
   <p:cSld>
     <p:spTree>
@@ -20918,7 +24003,7 @@
         <p:spPr>
           <a:xfrm>
             <a:off x="8621604" y="6191934"/>
-            <a:ext cx="3233982" cy="307777"/>
+            <a:ext cx="3233982" cy="523220"/>
           </a:xfrm>
           <a:prstGeom prst="rect">
             <a:avLst/>
@@ -20933,7 +24018,7 @@
           <a:p>
             <a:r>
               <a:rPr lang="en-US" sz="1400" dirty="0"/>
-              <a:t>Fig.9. </a:t>
+              <a:t>Fig.10. </a:t>
             </a:r>
             <a:r>
               <a:rPr lang="en-US" sz="1400" dirty="0" err="1"/>
@@ -20960,6 +24045,41 @@
               <a:t>model</a:t>
             </a:r>
             <a:endParaRPr lang="en-US" sz="1400" dirty="0"/>
+          </a:p>
+        </p:txBody>
+      </p:sp>
+      <p:sp>
+        <p:nvSpPr>
+          <p:cNvPr id="5" name="ZoneTexte 4">
+            <a:extLst>
+              <a:ext uri="{FF2B5EF4-FFF2-40B4-BE49-F238E27FC236}">
+                <a16:creationId xmlns:a16="http://schemas.microsoft.com/office/drawing/2014/main" id="{CE3761A4-DB83-99C0-7B09-41073DF19926}"/>
+              </a:ext>
+            </a:extLst>
+          </p:cNvPr>
+          <p:cNvSpPr txBox="1"/>
+          <p:nvPr/>
+        </p:nvSpPr>
+        <p:spPr>
+          <a:xfrm>
+            <a:off x="8474430" y="906753"/>
+            <a:ext cx="4038600" cy="276999"/>
+          </a:xfrm>
+          <a:prstGeom prst="rect">
+            <a:avLst/>
+          </a:prstGeom>
+          <a:noFill/>
+        </p:spPr>
+        <p:txBody>
+          <a:bodyPr wrap="square" rtlCol="0">
+            <a:spAutoFit/>
+          </a:bodyPr>
+          <a:lstStyle/>
+          <a:p>
+            <a:r>
+              <a:rPr lang="fr-FR" sz="1200" dirty="0"/>
+              <a:t>Tableau 5. Tableau de l’erreur de simulation</a:t>
+            </a:r>
           </a:p>
         </p:txBody>
       </p:sp>
@@ -20976,295 +24096,7 @@
 </p:sld>
 </file>
 
-<file path=ppt/slides/slide2.xml><?xml version="1.0" encoding="utf-8"?>
-<p:sld xmlns:a="http://schemas.openxmlformats.org/drawingml/2006/main" xmlns:r="http://schemas.openxmlformats.org/officeDocument/2006/relationships" xmlns:p="http://schemas.openxmlformats.org/presentationml/2006/main">
-  <p:cSld>
-    <p:spTree>
-      <p:nvGrpSpPr>
-        <p:cNvPr id="1" name=""/>
-        <p:cNvGrpSpPr/>
-        <p:nvPr/>
-      </p:nvGrpSpPr>
-      <p:grpSpPr>
-        <a:xfrm>
-          <a:off x="0" y="0"/>
-          <a:ext cx="0" cy="0"/>
-          <a:chOff x="0" y="0"/>
-          <a:chExt cx="0" cy="0"/>
-        </a:xfrm>
-      </p:grpSpPr>
-      <p:sp>
-        <p:nvSpPr>
-          <p:cNvPr id="3" name="Content Placeholder 2">
-            <a:extLst>
-              <a:ext uri="{FF2B5EF4-FFF2-40B4-BE49-F238E27FC236}">
-                <a16:creationId xmlns:a16="http://schemas.microsoft.com/office/drawing/2014/main" id="{57846E6E-541E-C380-2EC3-91AF5BEE61F6}"/>
-              </a:ext>
-            </a:extLst>
-          </p:cNvPr>
-          <p:cNvSpPr>
-            <a:spLocks noGrp="1"/>
-          </p:cNvSpPr>
-          <p:nvPr>
-            <p:ph idx="1"/>
-          </p:nvPr>
-        </p:nvSpPr>
-        <p:spPr>
-          <a:xfrm>
-            <a:off x="838200" y="1140544"/>
-            <a:ext cx="10515600" cy="5154407"/>
-          </a:xfrm>
-        </p:spPr>
-        <p:txBody>
-          <a:bodyPr vert="horz" lIns="91440" tIns="45720" rIns="91440" bIns="45720" rtlCol="0" anchor="t">
-            <a:normAutofit fontScale="92500" lnSpcReduction="10000"/>
-          </a:bodyPr>
-          <a:lstStyle/>
-          <a:p>
-            <a:pPr marL="0" indent="0" algn="just">
-              <a:lnSpc>
-                <a:spcPct val="100000"/>
-              </a:lnSpc>
-              <a:buNone/>
-            </a:pPr>
-            <a:r>
-              <a:rPr lang="fr-CA" sz="1600" dirty="0"/>
-              <a:t>Le présent rapport couvre le processus de vérification et de validation d’un modèle d’éléments finis modélisant la section lombaire d’une colonne vertébrale.</a:t>
-            </a:r>
-          </a:p>
-          <a:p>
-            <a:pPr marL="0" indent="0" algn="just">
-              <a:lnSpc>
-                <a:spcPct val="100000"/>
-              </a:lnSpc>
-              <a:buNone/>
-            </a:pPr>
-            <a:r>
-              <a:rPr lang="fr-CA" sz="1600" dirty="0"/>
-              <a:t>Le modèle a été conçu dans le cadre du PI3 d’un des membres de l’équipe, et est basé sur des données expérimentales tirées des articles scientifiques </a:t>
-            </a:r>
-            <a:r>
-              <a:rPr lang="fr-FR" sz="1600" i="1" dirty="0"/>
-              <a:t>«</a:t>
-            </a:r>
-            <a:r>
-              <a:rPr lang="en-US" sz="1600" i="1" dirty="0"/>
-              <a:t> Stability of the human spine in neutral postures </a:t>
-            </a:r>
-            <a:r>
-              <a:rPr lang="fr-FR" sz="1600" i="1" dirty="0"/>
-              <a:t>» </a:t>
-            </a:r>
-            <a:r>
-              <a:rPr lang="fr-FR" sz="1600" dirty="0"/>
-              <a:t>(Kiefer et al., 1997)</a:t>
-            </a:r>
-            <a:r>
-              <a:rPr lang="fr-CA" sz="1600" dirty="0"/>
-              <a:t> et </a:t>
-            </a:r>
-            <a:r>
-              <a:rPr lang="fr-CA" sz="1600" i="1" dirty="0"/>
-              <a:t>« </a:t>
-            </a:r>
-            <a:r>
-              <a:rPr lang="en-US" sz="1600" i="1" dirty="0"/>
-              <a:t>Load-bearing and stress analysis of the human spine under a novel wrapping compression loading</a:t>
-            </a:r>
-            <a:r>
-              <a:rPr lang="fr-FR" sz="1600" i="1" dirty="0"/>
-              <a:t> »</a:t>
-            </a:r>
-            <a:r>
-              <a:rPr lang="en-US" sz="1600" i="1" dirty="0"/>
-              <a:t> </a:t>
-            </a:r>
-            <a:r>
-              <a:rPr lang="en-CA" sz="1600" dirty="0"/>
-              <a:t>(Shirazi-</a:t>
-            </a:r>
-            <a:r>
-              <a:rPr lang="en-CA" sz="1600" dirty="0" err="1"/>
-              <a:t>Adl</a:t>
-            </a:r>
-            <a:r>
-              <a:rPr lang="en-CA" sz="1600" dirty="0"/>
-              <a:t> &amp; Parnianpour, 2000), </a:t>
-            </a:r>
-            <a:r>
-              <a:rPr lang="fr-CA" sz="1600" dirty="0"/>
-              <a:t>ainsi que sur des données géométriques et propriétés physiques (coordonnées spatiales, sections, rigidités) issues des recherches personnelles de Prof. Aboulfazl Shirazi-Adl. Pour des raisons de confidentialité, ce fichier ne sera pas publié sur GitHub mais il peut être disponible sur demande.</a:t>
-            </a:r>
-          </a:p>
-          <a:p>
-            <a:pPr marL="0" indent="0" algn="just">
-              <a:lnSpc>
-                <a:spcPct val="100000"/>
-              </a:lnSpc>
-              <a:buNone/>
-            </a:pPr>
-            <a:r>
-              <a:rPr lang="fr-CA" sz="1600" dirty="0"/>
-              <a:t>En guise de validation lors du PI3, le membre de l’équipe avait simplement comparé visuellement l’allure et les ordres de grandeur des réponses obtenues par son modèle avec les courbes Force-Déplacement postérieur tirés des articles scientifiques de référence. Le projet final de MEC8211 est ainsi l’occasion idéale pour appliquer les acquis du cours et mettre à l’épreuve la validité de son modèle.</a:t>
-            </a:r>
-          </a:p>
-          <a:p>
-            <a:pPr marL="0" indent="0">
-              <a:lnSpc>
-                <a:spcPct val="100000"/>
-              </a:lnSpc>
-              <a:buNone/>
-            </a:pPr>
-            <a:r>
-              <a:rPr lang="fr-CA" sz="1600" dirty="0"/>
-              <a:t>Les étapes de V&amp;V entreprises consistent en ce qui suit:</a:t>
-            </a:r>
-          </a:p>
-          <a:p>
-            <a:pPr marL="342900" indent="-342900">
-              <a:lnSpc>
-                <a:spcPct val="100000"/>
-              </a:lnSpc>
-              <a:buFont typeface="+mj-lt"/>
-              <a:buAutoNum type="arabicPeriod"/>
-            </a:pPr>
-            <a:r>
-              <a:rPr lang="fr-CA" sz="1600" dirty="0"/>
-              <a:t>Présentation du modèle mathématique</a:t>
-            </a:r>
-          </a:p>
-          <a:p>
-            <a:pPr marL="342900" indent="-342900">
-              <a:lnSpc>
-                <a:spcPct val="100000"/>
-              </a:lnSpc>
-              <a:buFont typeface="+mj-lt"/>
-              <a:buAutoNum type="arabicPeriod"/>
-            </a:pPr>
-            <a:r>
-              <a:rPr lang="fr-CA" sz="1600" dirty="0"/>
-              <a:t>Description de la discrétisation choisie</a:t>
-            </a:r>
-          </a:p>
-          <a:p>
-            <a:pPr marL="342900" indent="-342900">
-              <a:lnSpc>
-                <a:spcPct val="100000"/>
-              </a:lnSpc>
-              <a:buFont typeface="+mj-lt"/>
-              <a:buAutoNum type="arabicPeriod"/>
-            </a:pPr>
-            <a:r>
-              <a:rPr lang="fr-CA" sz="1600" dirty="0"/>
-              <a:t>Vérification de code</a:t>
-            </a:r>
-          </a:p>
-          <a:p>
-            <a:pPr marL="342900" indent="-342900">
-              <a:lnSpc>
-                <a:spcPct val="100000"/>
-              </a:lnSpc>
-              <a:buFont typeface="+mj-lt"/>
-              <a:buAutoNum type="arabicPeriod"/>
-            </a:pPr>
-            <a:r>
-              <a:rPr lang="fr-CA" sz="1600" dirty="0"/>
-              <a:t>Vérification de solution</a:t>
-            </a:r>
-          </a:p>
-          <a:p>
-            <a:pPr marL="342900" indent="-342900">
-              <a:lnSpc>
-                <a:spcPct val="100000"/>
-              </a:lnSpc>
-              <a:buFont typeface="+mj-lt"/>
-              <a:buAutoNum type="arabicPeriod"/>
-            </a:pPr>
-            <a:r>
-              <a:rPr lang="fr-CA" sz="1600" dirty="0"/>
-              <a:t>Propagation des incertitudes</a:t>
-            </a:r>
-          </a:p>
-          <a:p>
-            <a:pPr marL="342900" indent="-342900">
-              <a:lnSpc>
-                <a:spcPct val="100000"/>
-              </a:lnSpc>
-              <a:buFont typeface="+mj-lt"/>
-              <a:buAutoNum type="arabicPeriod"/>
-            </a:pPr>
-            <a:r>
-              <a:rPr lang="fr-CA" sz="1600" dirty="0"/>
-              <a:t>Validation</a:t>
-            </a:r>
-          </a:p>
-          <a:p>
-            <a:pPr marL="0" indent="0">
-              <a:lnSpc>
-                <a:spcPct val="100000"/>
-              </a:lnSpc>
-              <a:buNone/>
-            </a:pPr>
-            <a:endParaRPr lang="fr-CA" sz="1600" dirty="0"/>
-          </a:p>
-          <a:p>
-            <a:pPr marL="0" indent="0">
-              <a:buNone/>
-            </a:pPr>
-            <a:endParaRPr lang="en-CA" sz="1800" dirty="0"/>
-          </a:p>
-        </p:txBody>
-      </p:sp>
-      <p:sp>
-        <p:nvSpPr>
-          <p:cNvPr id="8" name="Title 1">
-            <a:extLst>
-              <a:ext uri="{FF2B5EF4-FFF2-40B4-BE49-F238E27FC236}">
-                <a16:creationId xmlns:a16="http://schemas.microsoft.com/office/drawing/2014/main" id="{131056D3-4217-EA50-3282-5A33501AC195}"/>
-              </a:ext>
-            </a:extLst>
-          </p:cNvPr>
-          <p:cNvSpPr>
-            <a:spLocks noGrp="1"/>
-          </p:cNvSpPr>
-          <p:nvPr>
-            <p:ph type="title"/>
-          </p:nvPr>
-        </p:nvSpPr>
-        <p:spPr>
-          <a:xfrm>
-            <a:off x="838200" y="365125"/>
-            <a:ext cx="9308690" cy="706591"/>
-          </a:xfrm>
-        </p:spPr>
-        <p:txBody>
-          <a:bodyPr>
-            <a:normAutofit/>
-          </a:bodyPr>
-          <a:lstStyle/>
-          <a:p>
-            <a:r>
-              <a:rPr lang="fr-FR" sz="3000" dirty="0"/>
-              <a:t>Introduction et mise en contexte</a:t>
-            </a:r>
-            <a:endParaRPr lang="en-CA" sz="3000" dirty="0"/>
-          </a:p>
-        </p:txBody>
-      </p:sp>
-    </p:spTree>
-    <p:extLst>
-      <p:ext uri="{BB962C8B-B14F-4D97-AF65-F5344CB8AC3E}">
-        <p14:creationId xmlns:p14="http://schemas.microsoft.com/office/powerpoint/2010/main" val="2767786287"/>
-      </p:ext>
-    </p:extLst>
-  </p:cSld>
-  <p:clrMapOvr>
-    <a:masterClrMapping/>
-  </p:clrMapOvr>
-</p:sld>
-</file>
-
-<file path=ppt/slides/slide20.xml><?xml version="1.0" encoding="utf-8"?>
+<file path=ppt/slides/slide23.xml><?xml version="1.0" encoding="utf-8"?>
 <p:sld xmlns:a="http://schemas.openxmlformats.org/drawingml/2006/main" xmlns:r="http://schemas.openxmlformats.org/officeDocument/2006/relationships" xmlns:p="http://schemas.openxmlformats.org/presentationml/2006/main">
   <p:cSld>
     <p:spTree>
@@ -21674,7 +24506,7 @@
 </p:sld>
 </file>
 
-<file path=ppt/slides/slide21.xml><?xml version="1.0" encoding="utf-8"?>
+<file path=ppt/slides/slide24.xml><?xml version="1.0" encoding="utf-8"?>
 <p:sld xmlns:a="http://schemas.openxmlformats.org/drawingml/2006/main" xmlns:r="http://schemas.openxmlformats.org/officeDocument/2006/relationships" xmlns:p="http://schemas.openxmlformats.org/presentationml/2006/main">
   <p:cSld>
     <p:spTree>
@@ -22751,7 +25583,7 @@
 </p:sld>
 </file>
 
-<file path=ppt/slides/slide22.xml><?xml version="1.0" encoding="utf-8"?>
+<file path=ppt/slides/slide25.xml><?xml version="1.0" encoding="utf-8"?>
 <p:sld xmlns:a="http://schemas.openxmlformats.org/drawingml/2006/main" xmlns:r="http://schemas.openxmlformats.org/officeDocument/2006/relationships" xmlns:p="http://schemas.openxmlformats.org/presentationml/2006/main">
   <p:cSld>
     <p:spTree>
@@ -26904,26 +29736,6 @@
 </file>
 
 <file path=customXml/item1.xml><?xml version="1.0" encoding="utf-8"?>
-<?mso-contentType ?>
-<FormTemplates xmlns="http://schemas.microsoft.com/sharepoint/v3/contenttype/forms">
-  <Display>DocumentLibraryForm</Display>
-  <Edit>DocumentLibraryForm</Edit>
-  <New>DocumentLibraryForm</New>
-</FormTemplates>
-</file>
-
-<file path=customXml/item2.xml><?xml version="1.0" encoding="utf-8"?>
-<p:properties xmlns:p="http://schemas.microsoft.com/office/2006/metadata/properties" xmlns:xsi="http://www.w3.org/2001/XMLSchema-instance" xmlns:pc="http://schemas.microsoft.com/office/infopath/2007/PartnerControls">
-  <documentManagement>
-    <lcf76f155ced4ddcb4097134ff3c332f xmlns="ec825916-6f01-4646-bf11-4e97fdd06dc8">
-      <Terms xmlns="http://schemas.microsoft.com/office/infopath/2007/PartnerControls"/>
-    </lcf76f155ced4ddcb4097134ff3c332f>
-    <TaxCatchAll xmlns="10202d72-3646-4d36-9cf4-1feba2c78df0" xsi:nil="true"/>
-  </documentManagement>
-</p:properties>
-</file>
-
-<file path=customXml/item3.xml><?xml version="1.0" encoding="utf-8"?>
 <ct:contentTypeSchema xmlns:ct="http://schemas.microsoft.com/office/2006/metadata/contentType" xmlns:ma="http://schemas.microsoft.com/office/2006/metadata/properties/metaAttributes" ct:_="" ma:_="" ma:contentTypeName="Document" ma:contentTypeID="0x010100744768CFAF743F4A83B0523C20156377" ma:contentTypeVersion="11" ma:contentTypeDescription="Create a new document." ma:contentTypeScope="" ma:versionID="aafa440e1ffbdaf1b0956f4ac1c916a8">
   <xsd:schema xmlns:xsd="http://www.w3.org/2001/XMLSchema" xmlns:xs="http://www.w3.org/2001/XMLSchema" xmlns:p="http://schemas.microsoft.com/office/2006/metadata/properties" xmlns:ns2="ec825916-6f01-4646-bf11-4e97fdd06dc8" xmlns:ns3="10202d72-3646-4d36-9cf4-1feba2c78df0" targetNamespace="http://schemas.microsoft.com/office/2006/metadata/properties" ma:root="true" ma:fieldsID="7a73fe93b8aa32af4ca50956a2221801" ns2:_="" ns3:_="">
     <xsd:import namespace="ec825916-6f01-4646-bf11-4e97fdd06dc8"/>
@@ -27118,10 +29930,41 @@
 </ct:contentTypeSchema>
 </file>
 
+<file path=customXml/item2.xml><?xml version="1.0" encoding="utf-8"?>
+<p:properties xmlns:p="http://schemas.microsoft.com/office/2006/metadata/properties" xmlns:xsi="http://www.w3.org/2001/XMLSchema-instance" xmlns:pc="http://schemas.microsoft.com/office/infopath/2007/PartnerControls">
+  <documentManagement>
+    <lcf76f155ced4ddcb4097134ff3c332f xmlns="ec825916-6f01-4646-bf11-4e97fdd06dc8">
+      <Terms xmlns="http://schemas.microsoft.com/office/infopath/2007/PartnerControls"/>
+    </lcf76f155ced4ddcb4097134ff3c332f>
+    <TaxCatchAll xmlns="10202d72-3646-4d36-9cf4-1feba2c78df0" xsi:nil="true"/>
+  </documentManagement>
+</p:properties>
+</file>
+
+<file path=customXml/item3.xml><?xml version="1.0" encoding="utf-8"?>
+<?mso-contentType ?>
+<FormTemplates xmlns="http://schemas.microsoft.com/sharepoint/v3/contenttype/forms">
+  <Display>DocumentLibraryForm</Display>
+  <Edit>DocumentLibraryForm</Edit>
+  <New>DocumentLibraryForm</New>
+</FormTemplates>
+</file>
+
 <file path=customXml/itemProps1.xml><?xml version="1.0" encoding="utf-8"?>
-<ds:datastoreItem xmlns:ds="http://schemas.openxmlformats.org/officeDocument/2006/customXml" ds:itemID="{73F4A501-0066-4B8E-9AA2-A07CF344BF69}">
+<ds:datastoreItem xmlns:ds="http://schemas.openxmlformats.org/officeDocument/2006/customXml" ds:itemID="{4AB5C90D-8262-4EAC-95BF-2CC4C44D50EC}">
   <ds:schemaRefs>
-    <ds:schemaRef ds:uri="http://schemas.microsoft.com/sharepoint/v3/contenttype/forms"/>
+    <ds:schemaRef ds:uri="10202d72-3646-4d36-9cf4-1feba2c78df0"/>
+    <ds:schemaRef ds:uri="ec825916-6f01-4646-bf11-4e97fdd06dc8"/>
+    <ds:schemaRef ds:uri="http://purl.org/dc/elements/1.1/"/>
+    <ds:schemaRef ds:uri="http://purl.org/dc/terms/"/>
+    <ds:schemaRef ds:uri="http://schemas.microsoft.com/internal/obd"/>
+    <ds:schemaRef ds:uri="http://schemas.microsoft.com/office/2006/documentManagement/types"/>
+    <ds:schemaRef ds:uri="http://schemas.microsoft.com/office/2006/metadata/contentType"/>
+    <ds:schemaRef ds:uri="http://schemas.microsoft.com/office/2006/metadata/properties"/>
+    <ds:schemaRef ds:uri="http://schemas.microsoft.com/office/2006/metadata/properties/metaAttributes"/>
+    <ds:schemaRef ds:uri="http://schemas.microsoft.com/office/infopath/2007/PartnerControls"/>
+    <ds:schemaRef ds:uri="http://schemas.openxmlformats.org/package/2006/metadata/core-properties"/>
+    <ds:schemaRef ds:uri="http://www.w3.org/2001/XMLSchema"/>
   </ds:schemaRefs>
 </ds:datastoreItem>
 </file>
@@ -27144,20 +29987,9 @@
 </file>
 
 <file path=customXml/itemProps3.xml><?xml version="1.0" encoding="utf-8"?>
-<ds:datastoreItem xmlns:ds="http://schemas.openxmlformats.org/officeDocument/2006/customXml" ds:itemID="{4AB5C90D-8262-4EAC-95BF-2CC4C44D50EC}">
+<ds:datastoreItem xmlns:ds="http://schemas.openxmlformats.org/officeDocument/2006/customXml" ds:itemID="{73F4A501-0066-4B8E-9AA2-A07CF344BF69}">
   <ds:schemaRefs>
-    <ds:schemaRef ds:uri="10202d72-3646-4d36-9cf4-1feba2c78df0"/>
-    <ds:schemaRef ds:uri="ec825916-6f01-4646-bf11-4e97fdd06dc8"/>
-    <ds:schemaRef ds:uri="http://purl.org/dc/elements/1.1/"/>
-    <ds:schemaRef ds:uri="http://purl.org/dc/terms/"/>
-    <ds:schemaRef ds:uri="http://schemas.microsoft.com/internal/obd"/>
-    <ds:schemaRef ds:uri="http://schemas.microsoft.com/office/2006/documentManagement/types"/>
-    <ds:schemaRef ds:uri="http://schemas.microsoft.com/office/2006/metadata/contentType"/>
-    <ds:schemaRef ds:uri="http://schemas.microsoft.com/office/2006/metadata/properties"/>
-    <ds:schemaRef ds:uri="http://schemas.microsoft.com/office/2006/metadata/properties/metaAttributes"/>
-    <ds:schemaRef ds:uri="http://schemas.microsoft.com/office/infopath/2007/PartnerControls"/>
-    <ds:schemaRef ds:uri="http://schemas.openxmlformats.org/package/2006/metadata/core-properties"/>
-    <ds:schemaRef ds:uri="http://www.w3.org/2001/XMLSchema"/>
+    <ds:schemaRef ds:uri="http://schemas.microsoft.com/sharepoint/v3/contenttype/forms"/>
   </ds:schemaRefs>
 </ds:datastoreItem>
 </file>
--- a/Rapport_Projet_V1.pptx
+++ b/Rapport_Projet_V1.pptx
@@ -10597,34 +10597,13 @@
 
 <file path=ppt/comments/modernComment_106_4791FEFC.xml><?xml version="1.0" encoding="utf-8"?>
 <p188:cmLst xmlns:a="http://schemas.openxmlformats.org/drawingml/2006/main" xmlns:r="http://schemas.openxmlformats.org/officeDocument/2006/relationships" xmlns:p188="http://schemas.microsoft.com/office/powerpoint/2018/8/main">
-  <p188:cm id="{1275EE33-43A5-490E-A8D2-080E79EE55F8}" authorId="{4BB11620-EFBC-D13A-7B93-45F2C922ABDE}" created="2024-04-11T02:29:59.554">
-    <ac:txMkLst xmlns:ac="http://schemas.microsoft.com/office/drawing/2013/main/command">
-      <pc:docMk xmlns:pc="http://schemas.microsoft.com/office/powerpoint/2013/main/command"/>
-      <pc:sldMk xmlns:pc="http://schemas.microsoft.com/office/powerpoint/2013/main/command" cId="1200750332" sldId="262"/>
-      <ac:spMk id="3" creationId="{57846E6E-541E-C380-2EC3-91AF5BEE61F6}"/>
-      <ac:txMk cp="340" len="9">
-        <ac:context len="865" hash="1272217592"/>
-      </ac:txMk>
-    </ac:txMkLst>
-    <p188:pos x="8941904" y="1394042"/>
-    <p188:txBody>
-      <a:bodyPr/>
-      <a:lstStyle/>
-      <a:p>
-        <a:r>
-          <a:rPr lang="en-CA"/>
-          <a:t>check</a:t>
-        </a:r>
-      </a:p>
-    </p188:txBody>
-  </p188:cm>
   <p188:cm id="{3724C460-C9F0-49DB-9DE2-9E5AD2B8FA85}" authorId="{53E43574-7A34-154C-E512-F6CBCA51E7C2}" created="2024-04-13T02:50:35.708">
     <ac:txMkLst xmlns:ac="http://schemas.microsoft.com/office/drawing/2013/main/command">
       <pc:docMk xmlns:pc="http://schemas.microsoft.com/office/powerpoint/2013/main/command"/>
       <pc:sldMk xmlns:pc="http://schemas.microsoft.com/office/powerpoint/2013/main/command" cId="1200750332" sldId="262"/>
       <ac:spMk id="3" creationId="{57846E6E-541E-C380-2EC3-91AF5BEE61F6}"/>
       <ac:txMk cp="413" len="347">
-        <ac:context len="865" hash="1272217592"/>
+        <ac:context len="934" hash="2870726881"/>
       </ac:txMk>
     </ac:txMkLst>
     <p188:pos x="10506075" y="2002400"/>
@@ -10674,7 +10653,7 @@
           <a:p>
             <a:r>
               <a:rPr lang="en-CA"/>
-              <a:t>Oui je sais qu' "une force" est en general une condition de neumann mais dans ce cas particulier je ne crois pas que le role de la force soit une condition frontiere car on l'utilise aussi comme variable d'entrée qui varie</a:t>
+              <a:t>Oui "une force" est en general une condition de neumann mais dans ce cas particulier je ne crois pas que le role de la force soit une condition frontiere car on l'utilise aussi comme variable d'entrée qui varie</a:t>
             </a:r>
           </a:p>
         </p188:txBody>
@@ -10687,270 +10666,6 @@
         <a:r>
           <a:rPr lang="en-CA"/>
           <a:t>La force ne peut pas etre une condition frontiere si c'est une donne d'entree</a:t>
-        </a:r>
-      </a:p>
-    </p188:txBody>
-  </p188:cm>
-</p188:cmLst>
-</file>
-
-<file path=ppt/comments/modernComment_10C_2EECC42B.xml><?xml version="1.0" encoding="utf-8"?>
-<p188:cmLst xmlns:a="http://schemas.openxmlformats.org/drawingml/2006/main" xmlns:r="http://schemas.openxmlformats.org/officeDocument/2006/relationships" xmlns:p188="http://schemas.microsoft.com/office/powerpoint/2018/8/main">
-  <p188:cm id="{FB552410-3568-487C-A036-1B1A7AA6A6BA}" authorId="{4BB11620-EFBC-D13A-7B93-45F2C922ABDE}" created="2024-04-06T22:20:24.107">
-    <ac:txMkLst xmlns:ac="http://schemas.microsoft.com/office/drawing/2013/main/command">
-      <pc:docMk xmlns:pc="http://schemas.microsoft.com/office/powerpoint/2013/main/command"/>
-      <pc:sldMk xmlns:pc="http://schemas.microsoft.com/office/powerpoint/2013/main/command" cId="787268651" sldId="268"/>
-      <ac:spMk id="3" creationId="{57846E6E-541E-C380-2EC3-91AF5BEE61F6}"/>
-      <ac:txMk cp="579">
-        <ac:context len="795" hash="312665447"/>
-      </ac:txMk>
-    </ac:txMkLst>
-    <p188:pos x="3940175" y="1481701"/>
-    <p188:replyLst>
-      <p188:reply id="{21130A69-027F-4B38-9582-7DA70CCE4EB0}" authorId="{E68F2F47-82E5-2BC7-0FEC-4F4EC863DDC3}" created="2024-04-11T03:57:20.340">
-        <p188:txBody>
-          <a:bodyPr/>
-          <a:lstStyle/>
-          <a:p>
-            <a:r>
-              <a:rPr lang="fr-FR"/>
-              <a:t>Il existe une solution analytique mais avec l'hypothèse de poutre élancée le terme en plus de la modélisation de Timoshenko est négligeable </a:t>
-            </a:r>
-          </a:p>
-        </p188:txBody>
-        <p188:extLst>
-          <p:ext xmlns:p="http://schemas.openxmlformats.org/presentationml/2006/main" uri="{57CB4572-C831-44C2-8A1C-0ADB6CCDFE69}">
-            <p223:reactions xmlns:p223="http://schemas.microsoft.com/office/powerpoint/2022/03/main">
-              <p223:rxn type="👍">
-                <p223:instance time="2024-04-11T04:53:19.686" authorId="{4BB11620-EFBC-D13A-7B93-45F2C922ABDE}"/>
-              </p223:rxn>
-            </p223:reactions>
-          </p:ext>
-        </p188:extLst>
-      </p188:reply>
-    </p188:replyLst>
-    <p188:txBody>
-      <a:bodyPr/>
-      <a:lstStyle/>
-      <a:p>
-        <a:r>
-          <a:rPr lang="en-CA"/>
-          <a:t>S'assurer qu'il ya vriament une solution analytique connue pour timoshenko - ou bien juste prendre EUler</a:t>
-        </a:r>
-      </a:p>
-    </p188:txBody>
-  </p188:cm>
-  <p188:cm id="{2C0822D0-CE0A-4B58-AA90-5DE2630D633E}" authorId="{4BB11620-EFBC-D13A-7B93-45F2C922ABDE}" created="2024-04-11T02:27:00.149">
-    <ac:txMkLst xmlns:ac="http://schemas.microsoft.com/office/drawing/2013/main/command">
-      <pc:docMk xmlns:pc="http://schemas.microsoft.com/office/powerpoint/2013/main/command"/>
-      <pc:sldMk xmlns:pc="http://schemas.microsoft.com/office/powerpoint/2013/main/command" cId="787268651" sldId="268"/>
-      <ac:graphicFrameMk id="7" creationId="{158B1993-4CA7-82B6-EE08-39866B522654}"/>
-      <ac:tblMk/>
-      <ac:tcMk rowId="1367851737" colId="3015167151"/>
-      <ac:txMk cp="0" len="1">
-        <ac:context len="2" hash="2422"/>
-      </ac:txMk>
-    </ac:txMkLst>
-    <p188:pos x="230257" y="1744289"/>
-    <p188:replyLst>
-      <p188:reply id="{DC6A1E44-243A-4112-8FE1-B97BFADAFD01}" authorId="{E68F2F47-82E5-2BC7-0FEC-4F4EC863DDC3}" created="2024-04-11T03:57:51.650">
-        <p188:txBody>
-          <a:bodyPr/>
-          <a:lstStyle/>
-          <a:p>
-            <a:r>
-              <a:rPr lang="fr-FR"/>
-              <a:t>@Alexandre peut tu fournir la valeur de I que t'as utilisée pour les simulations</a:t>
-            </a:r>
-          </a:p>
-        </p188:txBody>
-      </p188:reply>
-    </p188:replyLst>
-    <p188:txBody>
-      <a:bodyPr/>
-      <a:lstStyle/>
-      <a:p>
-        <a:r>
-          <a:rPr lang="en-CA"/>
-          <a:t> completer ou a enlever?</a:t>
-        </a:r>
-      </a:p>
-    </p188:txBody>
-  </p188:cm>
-</p188:cmLst>
-</file>
-
-<file path=ppt/comments/modernComment_117_A1977F2E.xml><?xml version="1.0" encoding="utf-8"?>
-<p188:cmLst xmlns:a="http://schemas.openxmlformats.org/drawingml/2006/main" xmlns:r="http://schemas.openxmlformats.org/officeDocument/2006/relationships" xmlns:p188="http://schemas.microsoft.com/office/powerpoint/2018/8/main">
-  <p188:cm id="{36D4ADF6-6359-4D91-B7F4-6568DFFEFBFC}" authorId="{4BB11620-EFBC-D13A-7B93-45F2C922ABDE}" created="2024-04-09T00:40:55.872">
-    <ac:txMkLst xmlns:ac="http://schemas.microsoft.com/office/drawing/2013/main/command">
-      <pc:docMk xmlns:pc="http://schemas.microsoft.com/office/powerpoint/2013/main/command"/>
-      <pc:sldMk xmlns:pc="http://schemas.microsoft.com/office/powerpoint/2013/main/command" cId="2711060270" sldId="279"/>
-      <ac:spMk id="3" creationId="{57846E6E-541E-C380-2EC3-91AF5BEE61F6}"/>
-      <ac:txMk cp="725">
-        <ac:context len="910" hash="690806682"/>
-      </ac:txMk>
-    </ac:txMkLst>
-    <p188:pos x="5886691" y="3282730"/>
-    <p188:txBody>
-      <a:bodyPr/>
-      <a:lstStyle/>
-      <a:p>
-        <a:r>
-          <a:rPr lang="en-CA"/>
-          <a:t>C'est pas 2*0.01786?</a:t>
-        </a:r>
-      </a:p>
-    </p188:txBody>
-  </p188:cm>
-</p188:cmLst>
-</file>
-
-<file path=ppt/comments/modernComment_119_D4A1683D.xml><?xml version="1.0" encoding="utf-8"?>
-<p188:cmLst xmlns:a="http://schemas.openxmlformats.org/drawingml/2006/main" xmlns:r="http://schemas.openxmlformats.org/officeDocument/2006/relationships" xmlns:p188="http://schemas.microsoft.com/office/powerpoint/2018/8/main">
-  <p188:cm id="{E5CD4D06-CBC4-4BBD-8A2F-2389111330B6}" authorId="{4BB11620-EFBC-D13A-7B93-45F2C922ABDE}" created="2024-04-06T22:52:32.116">
-    <ac:txMkLst xmlns:ac="http://schemas.microsoft.com/office/drawing/2013/main/command">
-      <pc:docMk xmlns:pc="http://schemas.microsoft.com/office/powerpoint/2013/main/command"/>
-      <pc:sldMk xmlns:pc="http://schemas.microsoft.com/office/powerpoint/2013/main/command" cId="3567347773" sldId="281"/>
-      <ac:spMk id="3" creationId="{57846E6E-541E-C380-2EC3-91AF5BEE61F6}"/>
-      <ac:txMk cp="1134" len="139">
-        <ac:context len="1363" hash="3672763890"/>
-      </ac:txMk>
-    </ac:txMkLst>
-    <p188:pos x="10184296" y="4306209"/>
-    <p188:replyLst>
-      <p188:reply id="{5BB1BFE5-C6BD-4BCE-B02D-C23A120FE53D}" authorId="{E68F2F47-82E5-2BC7-0FEC-4F4EC863DDC3}" created="2024-04-07T20:42:42.607">
-        <p188:txBody>
-          <a:bodyPr/>
-          <a:lstStyle/>
-          <a:p>
-            <a:r>
-              <a:rPr lang="fr-FR"/>
-              <a:t>L'ordre des elements +1</a:t>
-            </a:r>
-          </a:p>
-        </p188:txBody>
-      </p188:reply>
-      <p188:reply id="{1CA78D15-FBCE-45F2-9D50-3AC2207DF516}" authorId="{E68F2F47-82E5-2BC7-0FEC-4F4EC863DDC3}" created="2024-04-12T00:27:39.614">
-        <p188:txBody>
-          <a:bodyPr/>
-          <a:lstStyle/>
-          <a:p>
-            <a:r>
-              <a:rPr lang="fr-FR"/>
-              <a:t>C'est cette phrase qu'il faut enlever. Ce n'est pas l'ordre des PBEAM qui apparait c'est l'ordre des elements +1.
-L'ordre qui apparait c'est O(h^p+1) </a:t>
-            </a:r>
-          </a:p>
-        </p188:txBody>
-      </p188:reply>
-    </p188:replyLst>
-    <p188:txBody>
-      <a:bodyPr/>
-      <a:lstStyle/>
-      <a:p>
-        <a:r>
-          <a:rPr lang="en-CA"/>
-          <a:t>Est ce d'apres l'ordre des elements ou la formule de tomishenko qu'on a l'ordre 2?</a:t>
-        </a:r>
-      </a:p>
-    </p188:txBody>
-  </p188:cm>
-  <p188:cm id="{37F27A8D-EFA0-4410-B6C6-D9B44291E8C0}" authorId="{4BB11620-EFBC-D13A-7B93-45F2C922ABDE}" created="2024-04-06T23:02:52.806">
-    <ac:txMkLst xmlns:ac="http://schemas.microsoft.com/office/drawing/2013/main/command">
-      <pc:docMk xmlns:pc="http://schemas.microsoft.com/office/powerpoint/2013/main/command"/>
-      <pc:sldMk xmlns:pc="http://schemas.microsoft.com/office/powerpoint/2013/main/command" cId="3567347773" sldId="281"/>
-      <ac:spMk id="3" creationId="{57846E6E-541E-C380-2EC3-91AF5BEE61F6}"/>
-      <ac:txMk cp="255" len="67">
-        <ac:context len="1363" hash="3672763890"/>
-      </ac:txMk>
-    </ac:txMkLst>
-    <p188:pos x="8564217" y="748000"/>
-    <p188:replyLst>
-      <p188:reply id="{B34F2192-071B-4E6B-B768-4530513785EF}" authorId="{E68F2F47-82E5-2BC7-0FEC-4F4EC863DDC3}" created="2024-04-11T04:00:02.254">
-        <p188:txBody>
-          <a:bodyPr/>
-          <a:lstStyle/>
-          <a:p>
-            <a:r>
-              <a:rPr lang="fr-FR"/>
-              <a:t>Il faut enlever cette phrase</a:t>
-            </a:r>
-          </a:p>
-        </p188:txBody>
-      </p188:reply>
-      <p188:reply id="{BC82CEF8-FA9E-4B11-85B2-C869687F2122}" authorId="{4BB11620-EFBC-D13A-7B93-45F2C922ABDE}" created="2024-04-11T04:55:25.070">
-        <p188:txBody>
-          <a:bodyPr/>
-          <a:lstStyle/>
-          <a:p>
-            <a:r>
-              <a:rPr lang="en-CA"/>
-              <a:t>Pourquoi? Il ne faut pas preciser qu'on travaille à des conditions fixes pour la convergence?</a:t>
-            </a:r>
-          </a:p>
-        </p188:txBody>
-      </p188:reply>
-      <p188:reply id="{87FFEA0A-E9C0-4C9E-B4B6-7AC95E452E82}" authorId="{E68F2F47-82E5-2BC7-0FEC-4F4EC863DDC3}" created="2024-04-12T00:26:52.446">
-        <p188:txBody>
-          <a:bodyPr/>
-          <a:lstStyle/>
-          <a:p>
-            <a:r>
-              <a:rPr lang="fr-FR"/>
-              <a:t>Si, je viens de me rendre compte que je ne répond pas au bon commentaire. (Voir le commentaire plus haut)</a:t>
-            </a:r>
-          </a:p>
-        </p188:txBody>
-      </p188:reply>
-    </p188:replyLst>
-    <p188:txBody>
-      <a:bodyPr/>
-      <a:lstStyle/>
-      <a:p>
-        <a:r>
-          <a:rPr lang="en-CA"/>
-          <a:t>Qq1 peut confirmer?</a:t>
-        </a:r>
-      </a:p>
-    </p188:txBody>
-  </p188:cm>
-</p188:cmLst>
-</file>
-
-<file path=ppt/comments/modernComment_11E_1D7F8001.xml><?xml version="1.0" encoding="utf-8"?>
-<p188:cmLst xmlns:a="http://schemas.openxmlformats.org/drawingml/2006/main" xmlns:r="http://schemas.openxmlformats.org/officeDocument/2006/relationships" xmlns:p188="http://schemas.microsoft.com/office/powerpoint/2018/8/main">
-  <p188:cm id="{DAB7DD91-4611-4132-AA57-7C73CA635F1A}" authorId="{53E43574-7A34-154C-E512-F6CBCA51E7C2}" created="2024-04-10T23:30:28.627">
-    <ac:txMkLst xmlns:ac="http://schemas.microsoft.com/office/drawing/2013/main/command">
-      <pc:docMk xmlns:pc="http://schemas.microsoft.com/office/powerpoint/2013/main/command"/>
-      <pc:sldMk xmlns:pc="http://schemas.microsoft.com/office/powerpoint/2013/main/command" cId="494895105" sldId="286"/>
-      <ac:spMk id="3" creationId="{57846E6E-541E-C380-2EC3-91AF5BEE61F6}"/>
-      <ac:txMk cp="0">
-        <ac:context len="641" hash="1044606716"/>
-      </ac:txMk>
-    </ac:txMkLst>
-    <p188:pos x="10506075" y="2497701"/>
-    <p188:replyLst>
-      <p188:reply id="{D8296247-F255-453A-8959-8A72DECB77F6}" authorId="{4BB11620-EFBC-D13A-7B93-45F2C922ABDE}" created="2024-04-11T02:42:10.167">
-        <p188:txBody>
-          <a:bodyPr/>
-          <a:lstStyle/>
-          <a:p>
-            <a:r>
-              <a:rPr lang="en-CA"/>
-              <a:t>Ajouté à la diapo precedente</a:t>
-            </a:r>
-          </a:p>
-        </p188:txBody>
-      </p188:reply>
-    </p188:replyLst>
-    <p188:txBody>
-      <a:bodyPr/>
-      <a:lstStyle/>
-      <a:p>
-        <a:r>
-          <a:rPr lang="en-CA"/>
-          <a:t>On peut également parler du fait que l'encastrement impose un angle nulle qui ne peut pas être respecté par des élément linéaire ce qui introduit un erreur entre les nœuds dû à l'interpolation</a:t>
         </a:r>
       </a:p>
     </p188:txBody>
@@ -11040,7 +10755,7 @@
           <a:p>
             <a:fld id="{DAB5DE69-65B2-445A-B9D2-BC2BC199D49F}" type="datetimeFigureOut">
               <a:rPr lang="en-CA" smtClean="0"/>
-              <a:t>2024-04-12</a:t>
+              <a:t>2024-04-13</a:t>
             </a:fld>
             <a:endParaRPr lang="en-CA"/>
           </a:p>
@@ -11455,9 +11170,9 @@
           <a:bodyPr/>
           <a:lstStyle/>
           <a:p>
-            <a:fld id="{CF633E34-DD75-4254-AB88-C9D2090F6CC5}" type="datetimeFigureOut">
+            <a:fld id="{9EA6847D-0F1C-4E6B-9D14-F86603C90A34}" type="datetime1">
               <a:rPr lang="en-CA" smtClean="0"/>
-              <a:t>2024-04-12</a:t>
+              <a:t>2024-04-13</a:t>
             </a:fld>
             <a:endParaRPr lang="en-CA"/>
           </a:p>
@@ -11655,9 +11370,9 @@
           <a:bodyPr/>
           <a:lstStyle/>
           <a:p>
-            <a:fld id="{CF633E34-DD75-4254-AB88-C9D2090F6CC5}" type="datetimeFigureOut">
+            <a:fld id="{CADE0B10-915C-4E23-BF3D-3A60511C290D}" type="datetime1">
               <a:rPr lang="en-CA" smtClean="0"/>
-              <a:t>2024-04-12</a:t>
+              <a:t>2024-04-13</a:t>
             </a:fld>
             <a:endParaRPr lang="en-CA"/>
           </a:p>
@@ -11865,9 +11580,9 @@
           <a:bodyPr/>
           <a:lstStyle/>
           <a:p>
-            <a:fld id="{CF633E34-DD75-4254-AB88-C9D2090F6CC5}" type="datetimeFigureOut">
+            <a:fld id="{18C01E2C-5F1C-40DF-9FFA-058BE0208EC5}" type="datetime1">
               <a:rPr lang="en-CA" smtClean="0"/>
-              <a:t>2024-04-12</a:t>
+              <a:t>2024-04-13</a:t>
             </a:fld>
             <a:endParaRPr lang="en-CA"/>
           </a:p>
@@ -12065,9 +11780,9 @@
           <a:bodyPr/>
           <a:lstStyle/>
           <a:p>
-            <a:fld id="{CF633E34-DD75-4254-AB88-C9D2090F6CC5}" type="datetimeFigureOut">
+            <a:fld id="{C4E66924-F8B7-484E-9572-FEB480D73625}" type="datetime1">
               <a:rPr lang="en-CA" smtClean="0"/>
-              <a:t>2024-04-12</a:t>
+              <a:t>2024-04-13</a:t>
             </a:fld>
             <a:endParaRPr lang="en-CA"/>
           </a:p>
@@ -12341,9 +12056,9 @@
           <a:bodyPr/>
           <a:lstStyle/>
           <a:p>
-            <a:fld id="{CF633E34-DD75-4254-AB88-C9D2090F6CC5}" type="datetimeFigureOut">
+            <a:fld id="{8DF54FAA-8BEB-4397-B05D-7E067FAA1D51}" type="datetime1">
               <a:rPr lang="en-CA" smtClean="0"/>
-              <a:t>2024-04-12</a:t>
+              <a:t>2024-04-13</a:t>
             </a:fld>
             <a:endParaRPr lang="en-CA"/>
           </a:p>
@@ -12609,9 +12324,9 @@
           <a:bodyPr/>
           <a:lstStyle/>
           <a:p>
-            <a:fld id="{CF633E34-DD75-4254-AB88-C9D2090F6CC5}" type="datetimeFigureOut">
+            <a:fld id="{91E49129-39F5-406C-9780-EBCC397C408D}" type="datetime1">
               <a:rPr lang="en-CA" smtClean="0"/>
-              <a:t>2024-04-12</a:t>
+              <a:t>2024-04-13</a:t>
             </a:fld>
             <a:endParaRPr lang="en-CA"/>
           </a:p>
@@ -13024,9 +12739,9 @@
           <a:bodyPr/>
           <a:lstStyle/>
           <a:p>
-            <a:fld id="{CF633E34-DD75-4254-AB88-C9D2090F6CC5}" type="datetimeFigureOut">
+            <a:fld id="{842BEFE3-C6EA-474C-97FD-ABDEA347D9FB}" type="datetime1">
               <a:rPr lang="en-CA" smtClean="0"/>
-              <a:t>2024-04-12</a:t>
+              <a:t>2024-04-13</a:t>
             </a:fld>
             <a:endParaRPr lang="en-CA"/>
           </a:p>
@@ -13166,9 +12881,9 @@
           <a:bodyPr/>
           <a:lstStyle/>
           <a:p>
-            <a:fld id="{CF633E34-DD75-4254-AB88-C9D2090F6CC5}" type="datetimeFigureOut">
+            <a:fld id="{6E136DE9-66C8-4178-B1EE-68BA1DDA6AC1}" type="datetime1">
               <a:rPr lang="en-CA" smtClean="0"/>
-              <a:t>2024-04-12</a:t>
+              <a:t>2024-04-13</a:t>
             </a:fld>
             <a:endParaRPr lang="en-CA"/>
           </a:p>
@@ -13279,9 +12994,9 @@
           <a:bodyPr/>
           <a:lstStyle/>
           <a:p>
-            <a:fld id="{CF633E34-DD75-4254-AB88-C9D2090F6CC5}" type="datetimeFigureOut">
+            <a:fld id="{9FB45C08-7649-49AF-BD7B-580DB8C99B7A}" type="datetime1">
               <a:rPr lang="en-CA" smtClean="0"/>
-              <a:t>2024-04-12</a:t>
+              <a:t>2024-04-13</a:t>
             </a:fld>
             <a:endParaRPr lang="en-CA"/>
           </a:p>
@@ -13592,9 +13307,9 @@
           <a:bodyPr/>
           <a:lstStyle/>
           <a:p>
-            <a:fld id="{CF633E34-DD75-4254-AB88-C9D2090F6CC5}" type="datetimeFigureOut">
+            <a:fld id="{C892CBF7-3610-449C-AFF4-F9E06E0A3AE6}" type="datetime1">
               <a:rPr lang="en-CA" smtClean="0"/>
-              <a:t>2024-04-12</a:t>
+              <a:t>2024-04-13</a:t>
             </a:fld>
             <a:endParaRPr lang="en-CA"/>
           </a:p>
@@ -13881,9 +13596,9 @@
           <a:bodyPr/>
           <a:lstStyle/>
           <a:p>
-            <a:fld id="{CF633E34-DD75-4254-AB88-C9D2090F6CC5}" type="datetimeFigureOut">
+            <a:fld id="{FEBB46D6-6F0E-424D-BC97-33481DE3A81C}" type="datetime1">
               <a:rPr lang="en-CA" smtClean="0"/>
-              <a:t>2024-04-12</a:t>
+              <a:t>2024-04-13</a:t>
             </a:fld>
             <a:endParaRPr lang="en-CA"/>
           </a:p>
@@ -14124,9 +13839,9 @@
             </a:lvl1pPr>
           </a:lstStyle>
           <a:p>
-            <a:fld id="{CF633E34-DD75-4254-AB88-C9D2090F6CC5}" type="datetimeFigureOut">
+            <a:fld id="{B73E6E16-3168-468D-A621-C54C80625A51}" type="datetime1">
               <a:rPr lang="en-CA" smtClean="0"/>
-              <a:t>2024-04-12</a:t>
+              <a:t>2024-04-13</a:t>
             </a:fld>
             <a:endParaRPr lang="en-CA"/>
           </a:p>
@@ -14243,6 +13958,7 @@
     <p:sldLayoutId id="2147483658" r:id="rId10"/>
     <p:sldLayoutId id="2147483659" r:id="rId11"/>
   </p:sldLayoutIdLst>
+  <p:hf hdr="0" ftr="0" dt="0"/>
   <p:txStyles>
     <p:titleStyle>
       <a:lvl1pPr algn="l" defTabSz="914400" rtl="0" eaLnBrk="1" latinLnBrk="0" hangingPunct="1">
@@ -14918,6 +14634,35 @@
           </a:p>
         </p:txBody>
       </p:sp>
+      <p:sp>
+        <p:nvSpPr>
+          <p:cNvPr id="5" name="Slide Number Placeholder 4">
+            <a:extLst>
+              <a:ext uri="{FF2B5EF4-FFF2-40B4-BE49-F238E27FC236}">
+                <a16:creationId xmlns:a16="http://schemas.microsoft.com/office/drawing/2014/main" id="{48EF54F8-527A-34C8-885D-511EBC06BAD5}"/>
+              </a:ext>
+            </a:extLst>
+          </p:cNvPr>
+          <p:cNvSpPr>
+            <a:spLocks noGrp="1"/>
+          </p:cNvSpPr>
+          <p:nvPr>
+            <p:ph type="sldNum" sz="quarter" idx="12"/>
+          </p:nvPr>
+        </p:nvSpPr>
+        <p:spPr/>
+        <p:txBody>
+          <a:bodyPr/>
+          <a:lstStyle/>
+          <a:p>
+            <a:fld id="{4BD3201E-7DF8-462B-AC18-61E63795AE0D}" type="slidenum">
+              <a:rPr lang="en-CA" smtClean="0"/>
+              <a:t>1</a:t>
+            </a:fld>
+            <a:endParaRPr lang="en-CA"/>
+          </a:p>
+        </p:txBody>
+      </p:sp>
     </p:spTree>
     <p:extLst>
       <p:ext uri="{BB962C8B-B14F-4D97-AF65-F5344CB8AC3E}">
@@ -14984,8 +14729,8 @@
           </a:p>
         </p:txBody>
       </p:sp>
-      <mc:AlternateContent xmlns:mc="http://schemas.openxmlformats.org/markup-compatibility/2006">
-        <mc:Choice xmlns:a14="http://schemas.microsoft.com/office/drawing/2010/main" Requires="a14">
+      <mc:AlternateContent xmlns:mc="http://schemas.openxmlformats.org/markup-compatibility/2006" xmlns:a14="http://schemas.microsoft.com/office/drawing/2010/main">
+        <mc:Choice Requires="a14">
           <p:sp>
             <p:nvSpPr>
               <p:cNvPr id="3" name="Content Placeholder 2">
@@ -15044,15 +14789,23 @@
                 </a:r>
                 <a:r>
                   <a:rPr lang="fr-CA" sz="1800" dirty="0"/>
-                  <a:t> utilise des éléments linéaires donc l’ordre formel attendu est de p</a:t>
+                  <a:t> utilise des éléments linéaires donc l’ordre formel attendu est de </a:t>
                 </a:r>
                 <a:r>
-                  <a:rPr lang="fr-CA" sz="1800" baseline="-25000" dirty="0"/>
+                  <a:rPr lang="fr-CA" sz="1800" i="1" dirty="0"/>
+                  <a:t>p</a:t>
+                </a:r>
+                <a:r>
+                  <a:rPr lang="fr-CA" sz="1800" i="1" baseline="-25000" dirty="0"/>
                   <a:t>f</a:t>
                 </a:r>
                 <a:r>
+                  <a:rPr lang="fr-CA" sz="1800" i="1" dirty="0"/>
+                  <a:t>=2.</a:t>
+                </a:r>
+                <a:r>
                   <a:rPr lang="fr-CA" sz="1800" dirty="0"/>
-                  <a:t>=2. Cependant, il est possible d’observer sur l’analyse de convergence faite plus haut que l’ordre observée est de </a:t>
+                  <a:t> Cependant, il est possible d’observer sur l’analyse de convergence faite plus haut que l’ordre observée est de </a:t>
                 </a:r>
                 <a14:m>
                   <m:oMath xmlns:m="http://schemas.openxmlformats.org/officeDocument/2006/math">
@@ -15130,7 +14883,7 @@
             </p:txBody>
           </p:sp>
         </mc:Choice>
-        <mc:Fallback>
+        <mc:Fallback xmlns="">
           <p:sp>
             <p:nvSpPr>
               <p:cNvPr id="3" name="Content Placeholder 2">
@@ -15174,6 +14927,89 @@
           </p:sp>
         </mc:Fallback>
       </mc:AlternateContent>
+      <p:sp>
+        <p:nvSpPr>
+          <p:cNvPr id="5" name="Slide Number Placeholder 4">
+            <a:extLst>
+              <a:ext uri="{FF2B5EF4-FFF2-40B4-BE49-F238E27FC236}">
+                <a16:creationId xmlns:a16="http://schemas.microsoft.com/office/drawing/2014/main" id="{A552B322-FC02-A50A-ED20-6CE8DCF65154}"/>
+              </a:ext>
+            </a:extLst>
+          </p:cNvPr>
+          <p:cNvSpPr>
+            <a:spLocks noGrp="1"/>
+          </p:cNvSpPr>
+          <p:nvPr>
+            <p:ph type="sldNum" sz="quarter" idx="12"/>
+          </p:nvPr>
+        </p:nvSpPr>
+        <p:spPr/>
+        <p:txBody>
+          <a:bodyPr/>
+          <a:lstStyle/>
+          <a:p>
+            <a:fld id="{4BD3201E-7DF8-462B-AC18-61E63795AE0D}" type="slidenum">
+              <a:rPr lang="en-CA" smtClean="0"/>
+              <a:t>10</a:t>
+            </a:fld>
+            <a:endParaRPr lang="en-CA"/>
+          </a:p>
+        </p:txBody>
+      </p:sp>
+      <p:sp>
+        <p:nvSpPr>
+          <p:cNvPr id="4" name="Rectangle 3">
+            <a:extLst>
+              <a:ext uri="{FF2B5EF4-FFF2-40B4-BE49-F238E27FC236}">
+                <a16:creationId xmlns:a16="http://schemas.microsoft.com/office/drawing/2014/main" id="{90985DD7-71CB-4A32-AAEA-05B4DD6EC606}"/>
+              </a:ext>
+            </a:extLst>
+          </p:cNvPr>
+          <p:cNvSpPr/>
+          <p:nvPr/>
+        </p:nvSpPr>
+        <p:spPr>
+          <a:xfrm>
+            <a:off x="0" y="365125"/>
+            <a:ext cx="678427" cy="556649"/>
+          </a:xfrm>
+          <a:prstGeom prst="rect">
+            <a:avLst/>
+          </a:prstGeom>
+          <a:solidFill>
+            <a:schemeClr val="accent2">
+              <a:lumMod val="75000"/>
+            </a:schemeClr>
+          </a:solidFill>
+          <a:ln>
+            <a:noFill/>
+          </a:ln>
+        </p:spPr>
+        <p:style>
+          <a:lnRef idx="2">
+            <a:schemeClr val="accent1">
+              <a:shade val="15000"/>
+            </a:schemeClr>
+          </a:lnRef>
+          <a:fillRef idx="1">
+            <a:schemeClr val="accent1"/>
+          </a:fillRef>
+          <a:effectRef idx="0">
+            <a:schemeClr val="accent1"/>
+          </a:effectRef>
+          <a:fontRef idx="minor">
+            <a:schemeClr val="lt1"/>
+          </a:fontRef>
+        </p:style>
+        <p:txBody>
+          <a:bodyPr rtlCol="0" anchor="ctr"/>
+          <a:lstStyle/>
+          <a:p>
+            <a:pPr algn="ctr"/>
+            <a:endParaRPr lang="en-CA"/>
+          </a:p>
+        </p:txBody>
+      </p:sp>
     </p:spTree>
     <p:extLst>
       <p:ext uri="{BB962C8B-B14F-4D97-AF65-F5344CB8AC3E}">
@@ -15277,7 +15113,7 @@
             </a:r>
             <a:r>
               <a:rPr lang="fr-FR" sz="1800" dirty="0"/>
-              <a:t>par un angle nul au premier élément, cette condition ne peut pas être respectée par des éléments linéaires car ils ont un seul degré de liberté par nœud (la déplacement). Comme on peut le voir à la figure 4, le déplacement est nul à la base de la poutre mais l’angle ne l’est pas. Ceci introduit une erreur entre les nœuds dû à l'interpolation.</a:t>
+              <a:t>par un angle nul au premier élément, cette condition ne peut pas être respectée par des éléments linéaires car ils ont un seul degré de liberté par nœud (le déplacement). Comme on peut le voir à la figure 4, le déplacement est nul à la base de la poutre mais l’angle ne l’est pas. Ceci introduit une erreur entre les nœuds dû à l'interpolation.</a:t>
             </a:r>
             <a:endParaRPr lang="fr-CA" sz="1800" dirty="0"/>
           </a:p>
@@ -15339,7 +15175,7 @@
           <p:nvPr/>
         </p:nvPicPr>
         <p:blipFill>
-          <a:blip r:embed="rId3"/>
+          <a:blip r:embed="rId2"/>
           <a:stretch>
             <a:fillRect/>
           </a:stretch>
@@ -15384,8 +15220,91 @@
           <a:p>
             <a:r>
               <a:rPr lang="fr-FR" sz="1200" dirty="0"/>
-              <a:t>Fig.3. Simulation d’une poutre encastrée-libre à un élément</a:t>
-            </a:r>
+              <a:t>Fig.4. Simulation d’une poutre encastrée-libre à un élément</a:t>
+            </a:r>
+          </a:p>
+        </p:txBody>
+      </p:sp>
+      <p:sp>
+        <p:nvSpPr>
+          <p:cNvPr id="5" name="Slide Number Placeholder 4">
+            <a:extLst>
+              <a:ext uri="{FF2B5EF4-FFF2-40B4-BE49-F238E27FC236}">
+                <a16:creationId xmlns:a16="http://schemas.microsoft.com/office/drawing/2014/main" id="{843677EC-8660-9CDF-987F-72428454CDFB}"/>
+              </a:ext>
+            </a:extLst>
+          </p:cNvPr>
+          <p:cNvSpPr>
+            <a:spLocks noGrp="1"/>
+          </p:cNvSpPr>
+          <p:nvPr>
+            <p:ph type="sldNum" sz="quarter" idx="12"/>
+          </p:nvPr>
+        </p:nvSpPr>
+        <p:spPr/>
+        <p:txBody>
+          <a:bodyPr/>
+          <a:lstStyle/>
+          <a:p>
+            <a:fld id="{4BD3201E-7DF8-462B-AC18-61E63795AE0D}" type="slidenum">
+              <a:rPr lang="en-CA" smtClean="0"/>
+              <a:t>11</a:t>
+            </a:fld>
+            <a:endParaRPr lang="en-CA"/>
+          </a:p>
+        </p:txBody>
+      </p:sp>
+      <p:sp>
+        <p:nvSpPr>
+          <p:cNvPr id="4" name="Rectangle 3">
+            <a:extLst>
+              <a:ext uri="{FF2B5EF4-FFF2-40B4-BE49-F238E27FC236}">
+                <a16:creationId xmlns:a16="http://schemas.microsoft.com/office/drawing/2014/main" id="{A3671CCE-1689-1DD9-D97C-36F6EA41A1AF}"/>
+              </a:ext>
+            </a:extLst>
+          </p:cNvPr>
+          <p:cNvSpPr/>
+          <p:nvPr/>
+        </p:nvSpPr>
+        <p:spPr>
+          <a:xfrm>
+            <a:off x="0" y="365125"/>
+            <a:ext cx="678427" cy="556649"/>
+          </a:xfrm>
+          <a:prstGeom prst="rect">
+            <a:avLst/>
+          </a:prstGeom>
+          <a:solidFill>
+            <a:schemeClr val="accent2">
+              <a:lumMod val="75000"/>
+            </a:schemeClr>
+          </a:solidFill>
+          <a:ln>
+            <a:noFill/>
+          </a:ln>
+        </p:spPr>
+        <p:style>
+          <a:lnRef idx="2">
+            <a:schemeClr val="accent1">
+              <a:shade val="15000"/>
+            </a:schemeClr>
+          </a:lnRef>
+          <a:fillRef idx="1">
+            <a:schemeClr val="accent1"/>
+          </a:fillRef>
+          <a:effectRef idx="0">
+            <a:schemeClr val="accent1"/>
+          </a:effectRef>
+          <a:fontRef idx="minor">
+            <a:schemeClr val="lt1"/>
+          </a:fontRef>
+        </p:style>
+        <p:txBody>
+          <a:bodyPr rtlCol="0" anchor="ctr"/>
+          <a:lstStyle/>
+          <a:p>
+            <a:pPr algn="ctr"/>
+            <a:endParaRPr lang="en-CA"/>
           </a:p>
         </p:txBody>
       </p:sp>
@@ -15399,11 +15318,6 @@
   <p:clrMapOvr>
     <a:masterClrMapping/>
   </p:clrMapOvr>
-  <p:extLst>
-    <p:ext uri="{6950BFC3-D8DA-4A85-94F7-54DA5524770B}">
-      <p188:commentRel xmlns:p188="http://schemas.microsoft.com/office/powerpoint/2018/8/main" r:id="rId2"/>
-    </p:ext>
-  </p:extLst>
 </p:sld>
 </file>
 
@@ -15454,14 +15368,14 @@
           <a:p>
             <a:r>
               <a:rPr lang="fr-FR" sz="3000" dirty="0"/>
-              <a:t>Vérification de code</a:t>
+              <a:t>Vérification de code – méthode alternative</a:t>
             </a:r>
             <a:endParaRPr lang="en-CA" sz="3000" dirty="0"/>
           </a:p>
         </p:txBody>
       </p:sp>
-      <mc:AlternateContent xmlns:mc="http://schemas.openxmlformats.org/markup-compatibility/2006">
-        <mc:Choice xmlns:a14="http://schemas.microsoft.com/office/drawing/2010/main" Requires="a14">
+      <mc:AlternateContent xmlns:mc="http://schemas.openxmlformats.org/markup-compatibility/2006" xmlns:a14="http://schemas.microsoft.com/office/drawing/2010/main">
+        <mc:Choice Requires="a14">
           <p:sp>
             <p:nvSpPr>
               <p:cNvPr id="3" name="Content Placeholder 2">
@@ -15495,7 +15409,7 @@
                 </a:pPr>
                 <a:r>
                   <a:rPr lang="fr-CA" sz="1800" dirty="0"/>
-                  <a:t>Il est donc possible de remarquer qu’un différente méthode est nécessaire afin d’effectuer la vérification de code. Pour ce faire, il est possible d’utiliser l’énergie de déformation.</a:t>
+                  <a:t>Il est donc possible de remarquer qu’une différente méthode est nécessaire afin d’effectuer la vérification de code. Pour ce faire, il est possible d’utiliser l’énergie de déformation.</a:t>
                 </a:r>
               </a:p>
               <a:p>
@@ -15504,7 +15418,7 @@
                 </a:pPr>
                 <a:r>
                   <a:rPr lang="fr-CA" sz="1800" dirty="0"/>
-                  <a:t>L’énergie de déformation par élément linéaire est définie comme:</a:t>
+                  <a:t>L’énergie de déformation par élément linéaire est définie comme suit:</a:t>
                 </a:r>
               </a:p>
               <a:p>
@@ -15738,7 +15652,7 @@
                 </a:pPr>
                 <a:r>
                   <a:rPr lang="fr-CA" sz="1800" dirty="0"/>
-                  <a:t>De ce fait, l’erreur locale sur l’énergie de déformation peut être défini comme étant:</a:t>
+                  <a:t>De ce fait, l’erreur locale sur l’énergie de déformation peut être définie comme étant:</a:t>
                 </a:r>
               </a:p>
               <a:p>
@@ -15867,7 +15781,7 @@
                 </a:pPr>
                 <a:r>
                   <a:rPr lang="fr-CA" sz="1800" dirty="0"/>
-                  <a:t>Toutefois, elle peut également être défini à l’aide de la formulation de l’erreur de discrétisation d’une méthode par éléments finis, soit:</a:t>
+                  <a:t>Toutefois, elle peut également être définie à l’aide de la formulation de l’erreur de discrétisation d’une méthode par éléments finis, soit:</a:t>
                 </a:r>
               </a:p>
               <a:p>
@@ -15881,16 +15795,13 @@
                     </m:oMathParaPr>
                     <m:oMath xmlns:m="http://schemas.openxmlformats.org/officeDocument/2006/math">
                       <m:r>
-                        <m:rPr>
-                          <m:sty m:val="p"/>
-                        </m:rPr>
-                        <a:rPr lang="fr-CA" sz="1800" b="0" i="0" smtClean="0">
+                        <a:rPr lang="fr-CA" sz="1800" b="0" i="1" smtClean="0">
                           <a:latin typeface="Cambria Math" panose="02040503050406030204" pitchFamily="18" charset="0"/>
                         </a:rPr>
-                        <m:t>E</m:t>
+                        <m:t>𝐸</m:t>
                       </m:r>
                       <m:r>
-                        <a:rPr lang="fr-CA" sz="1800" b="0" i="0" smtClean="0">
+                        <a:rPr lang="fr-CA" sz="1800" b="0" i="1" smtClean="0">
                           <a:latin typeface="Cambria Math" panose="02040503050406030204" pitchFamily="18" charset="0"/>
                         </a:rPr>
                         <m:t>=</m:t>
@@ -15898,38 +15809,32 @@
                       <m:sSup>
                         <m:sSupPr>
                           <m:ctrlPr>
-                            <a:rPr lang="fr-CA" sz="1800" b="0" i="0" smtClean="0">
+                            <a:rPr lang="fr-CA" sz="1800" b="0" i="1" smtClean="0">
                               <a:latin typeface="Cambria Math" panose="02040503050406030204" pitchFamily="18" charset="0"/>
                             </a:rPr>
                           </m:ctrlPr>
                         </m:sSupPr>
                         <m:e>
                           <m:r>
-                            <m:rPr>
-                              <m:sty m:val="p"/>
-                            </m:rPr>
-                            <a:rPr lang="fr-CA" sz="1800" b="0" i="0" smtClean="0">
+                            <a:rPr lang="fr-CA" sz="1800" b="0" i="1" smtClean="0">
                               <a:latin typeface="Cambria Math" panose="02040503050406030204" pitchFamily="18" charset="0"/>
                             </a:rPr>
-                            <m:t>Ch</m:t>
+                            <m:t>𝐶h</m:t>
                           </m:r>
                         </m:e>
                         <m:sup>
                           <m:r>
-                            <m:rPr>
-                              <m:sty m:val="p"/>
-                            </m:rPr>
-                            <a:rPr lang="fr-CA" sz="1800" b="0" i="0" smtClean="0">
+                            <a:rPr lang="fr-CA" sz="1800" b="0" i="1" smtClean="0">
                               <a:latin typeface="Cambria Math" panose="02040503050406030204" pitchFamily="18" charset="0"/>
                             </a:rPr>
-                            <m:t>p</m:t>
+                            <m:t>𝑝</m:t>
                           </m:r>
                         </m:sup>
                       </m:sSup>
                     </m:oMath>
                   </m:oMathPara>
                 </a14:m>
-                <a:endParaRPr lang="fr-CA" sz="1800" dirty="0"/>
+                <a:endParaRPr lang="fr-CA" sz="1800" i="1" dirty="0"/>
               </a:p>
               <a:p>
                 <a:pPr marL="0" indent="0" algn="just">
@@ -15940,7 +15845,7 @@
             </p:txBody>
           </p:sp>
         </mc:Choice>
-        <mc:Fallback>
+        <mc:Fallback xmlns="">
           <p:sp>
             <p:nvSpPr>
               <p:cNvPr id="3" name="Content Placeholder 2">
@@ -15984,6 +15889,89 @@
           </p:sp>
         </mc:Fallback>
       </mc:AlternateContent>
+      <p:sp>
+        <p:nvSpPr>
+          <p:cNvPr id="5" name="Slide Number Placeholder 4">
+            <a:extLst>
+              <a:ext uri="{FF2B5EF4-FFF2-40B4-BE49-F238E27FC236}">
+                <a16:creationId xmlns:a16="http://schemas.microsoft.com/office/drawing/2014/main" id="{A10108A2-108C-9B6B-91B7-BD9E1C13032A}"/>
+              </a:ext>
+            </a:extLst>
+          </p:cNvPr>
+          <p:cNvSpPr>
+            <a:spLocks noGrp="1"/>
+          </p:cNvSpPr>
+          <p:nvPr>
+            <p:ph type="sldNum" sz="quarter" idx="12"/>
+          </p:nvPr>
+        </p:nvSpPr>
+        <p:spPr/>
+        <p:txBody>
+          <a:bodyPr/>
+          <a:lstStyle/>
+          <a:p>
+            <a:fld id="{4BD3201E-7DF8-462B-AC18-61E63795AE0D}" type="slidenum">
+              <a:rPr lang="en-CA" smtClean="0"/>
+              <a:t>12</a:t>
+            </a:fld>
+            <a:endParaRPr lang="en-CA"/>
+          </a:p>
+        </p:txBody>
+      </p:sp>
+      <p:sp>
+        <p:nvSpPr>
+          <p:cNvPr id="4" name="Rectangle 3">
+            <a:extLst>
+              <a:ext uri="{FF2B5EF4-FFF2-40B4-BE49-F238E27FC236}">
+                <a16:creationId xmlns:a16="http://schemas.microsoft.com/office/drawing/2014/main" id="{31BAE03D-CE65-1623-A78F-0B2B513D4140}"/>
+              </a:ext>
+            </a:extLst>
+          </p:cNvPr>
+          <p:cNvSpPr/>
+          <p:nvPr/>
+        </p:nvSpPr>
+        <p:spPr>
+          <a:xfrm>
+            <a:off x="0" y="365125"/>
+            <a:ext cx="678427" cy="556649"/>
+          </a:xfrm>
+          <a:prstGeom prst="rect">
+            <a:avLst/>
+          </a:prstGeom>
+          <a:solidFill>
+            <a:schemeClr val="accent2">
+              <a:lumMod val="75000"/>
+            </a:schemeClr>
+          </a:solidFill>
+          <a:ln>
+            <a:noFill/>
+          </a:ln>
+        </p:spPr>
+        <p:style>
+          <a:lnRef idx="2">
+            <a:schemeClr val="accent1">
+              <a:shade val="15000"/>
+            </a:schemeClr>
+          </a:lnRef>
+          <a:fillRef idx="1">
+            <a:schemeClr val="accent1"/>
+          </a:fillRef>
+          <a:effectRef idx="0">
+            <a:schemeClr val="accent1"/>
+          </a:effectRef>
+          <a:fontRef idx="minor">
+            <a:schemeClr val="lt1"/>
+          </a:fontRef>
+        </p:style>
+        <p:txBody>
+          <a:bodyPr rtlCol="0" anchor="ctr"/>
+          <a:lstStyle/>
+          <a:p>
+            <a:pPr algn="ctr"/>
+            <a:endParaRPr lang="en-CA"/>
+          </a:p>
+        </p:txBody>
+      </p:sp>
     </p:spTree>
     <p:extLst>
       <p:ext uri="{BB962C8B-B14F-4D97-AF65-F5344CB8AC3E}">
@@ -16044,7 +16032,7 @@
           <a:p>
             <a:r>
               <a:rPr lang="fr-FR" sz="3000" dirty="0"/>
-              <a:t>Vérification de code</a:t>
+              <a:t>Vérification de code – méthode alternative</a:t>
             </a:r>
             <a:endParaRPr lang="en-CA" sz="3000" dirty="0"/>
           </a:p>
@@ -16083,7 +16071,7 @@
             </a:pPr>
             <a:r>
               <a:rPr lang="fr-CA" sz="1800" dirty="0"/>
-              <a:t>Ainsi, en réalisant des simulations qui augmente le nombre d’éléments (i.e. en diminuant h), on observe les résultats suivants:</a:t>
+              <a:t>Ainsi, en réalisant des simulations qui augmentent le nombre d’éléments (i.e. en diminuant h), on observe les résultats suivants:</a:t>
             </a:r>
           </a:p>
           <a:p>
@@ -16847,7 +16835,15 @@
             </a:r>
             <a:r>
               <a:rPr lang="en-CA" sz="1200" dirty="0"/>
-              <a:t> de deformation </a:t>
+              <a:t> de </a:t>
+            </a:r>
+            <a:r>
+              <a:rPr lang="en-CA" sz="1200" dirty="0" err="1"/>
+              <a:t>déformation</a:t>
+            </a:r>
+            <a:r>
+              <a:rPr lang="en-CA" sz="1200" dirty="0"/>
+              <a:t> </a:t>
             </a:r>
             <a:r>
               <a:rPr lang="en-CA" sz="1200" dirty="0" err="1"/>
@@ -16883,8 +16879,8 @@
         </p:nvSpPr>
         <p:spPr>
           <a:xfrm>
-            <a:off x="1113503" y="5866798"/>
-            <a:ext cx="2111477" cy="646331"/>
+            <a:off x="776749" y="5866798"/>
+            <a:ext cx="2723536" cy="461665"/>
           </a:xfrm>
           <a:prstGeom prst="rect">
             <a:avLst/>
@@ -16911,7 +16907,15 @@
             </a:r>
             <a:r>
               <a:rPr lang="en-CA" sz="1200" dirty="0"/>
-              <a:t> de deformation pour </a:t>
+              <a:t> de </a:t>
+            </a:r>
+            <a:r>
+              <a:rPr lang="en-CA" sz="1200" dirty="0" err="1"/>
+              <a:t>déformation</a:t>
+            </a:r>
+            <a:r>
+              <a:rPr lang="en-CA" sz="1200" dirty="0"/>
+              <a:t> pour </a:t>
             </a:r>
             <a:r>
               <a:rPr lang="en-CA" sz="1200" dirty="0" err="1"/>
@@ -16959,6 +16963,89 @@
           </a:graphicData>
         </a:graphic>
       </p:graphicFrame>
+      <p:sp>
+        <p:nvSpPr>
+          <p:cNvPr id="9" name="Slide Number Placeholder 8">
+            <a:extLst>
+              <a:ext uri="{FF2B5EF4-FFF2-40B4-BE49-F238E27FC236}">
+                <a16:creationId xmlns:a16="http://schemas.microsoft.com/office/drawing/2014/main" id="{3A70F826-24CA-2337-5173-89A61B28C3D4}"/>
+              </a:ext>
+            </a:extLst>
+          </p:cNvPr>
+          <p:cNvSpPr>
+            <a:spLocks noGrp="1"/>
+          </p:cNvSpPr>
+          <p:nvPr>
+            <p:ph type="sldNum" sz="quarter" idx="12"/>
+          </p:nvPr>
+        </p:nvSpPr>
+        <p:spPr/>
+        <p:txBody>
+          <a:bodyPr/>
+          <a:lstStyle/>
+          <a:p>
+            <a:fld id="{4BD3201E-7DF8-462B-AC18-61E63795AE0D}" type="slidenum">
+              <a:rPr lang="en-CA" smtClean="0"/>
+              <a:t>13</a:t>
+            </a:fld>
+            <a:endParaRPr lang="en-CA"/>
+          </a:p>
+        </p:txBody>
+      </p:sp>
+      <p:sp>
+        <p:nvSpPr>
+          <p:cNvPr id="6" name="Rectangle 5">
+            <a:extLst>
+              <a:ext uri="{FF2B5EF4-FFF2-40B4-BE49-F238E27FC236}">
+                <a16:creationId xmlns:a16="http://schemas.microsoft.com/office/drawing/2014/main" id="{8BAE1BDF-8C82-BBE1-F14E-7EC7C361622A}"/>
+              </a:ext>
+            </a:extLst>
+          </p:cNvPr>
+          <p:cNvSpPr/>
+          <p:nvPr/>
+        </p:nvSpPr>
+        <p:spPr>
+          <a:xfrm>
+            <a:off x="0" y="365125"/>
+            <a:ext cx="678427" cy="556649"/>
+          </a:xfrm>
+          <a:prstGeom prst="rect">
+            <a:avLst/>
+          </a:prstGeom>
+          <a:solidFill>
+            <a:schemeClr val="accent2">
+              <a:lumMod val="75000"/>
+            </a:schemeClr>
+          </a:solidFill>
+          <a:ln>
+            <a:noFill/>
+          </a:ln>
+        </p:spPr>
+        <p:style>
+          <a:lnRef idx="2">
+            <a:schemeClr val="accent1">
+              <a:shade val="15000"/>
+            </a:schemeClr>
+          </a:lnRef>
+          <a:fillRef idx="1">
+            <a:schemeClr val="accent1"/>
+          </a:fillRef>
+          <a:effectRef idx="0">
+            <a:schemeClr val="accent1"/>
+          </a:effectRef>
+          <a:fontRef idx="minor">
+            <a:schemeClr val="lt1"/>
+          </a:fontRef>
+        </p:style>
+        <p:txBody>
+          <a:bodyPr rtlCol="0" anchor="ctr"/>
+          <a:lstStyle/>
+          <a:p>
+            <a:pPr algn="ctr"/>
+            <a:endParaRPr lang="en-CA"/>
+          </a:p>
+        </p:txBody>
+      </p:sp>
     </p:spTree>
     <p:extLst>
       <p:ext uri="{BB962C8B-B14F-4D97-AF65-F5344CB8AC3E}">
@@ -17019,14 +17106,14 @@
           <a:p>
             <a:r>
               <a:rPr lang="fr-FR" sz="3000" dirty="0"/>
-              <a:t>Vérification de code</a:t>
+              <a:t>Vérification de code – méthode alternative</a:t>
             </a:r>
             <a:endParaRPr lang="en-CA" sz="3000" dirty="0"/>
           </a:p>
         </p:txBody>
       </p:sp>
-      <mc:AlternateContent xmlns:mc="http://schemas.openxmlformats.org/markup-compatibility/2006">
-        <mc:Choice xmlns:a14="http://schemas.microsoft.com/office/drawing/2010/main" Requires="a14">
+      <mc:AlternateContent xmlns:mc="http://schemas.openxmlformats.org/markup-compatibility/2006" xmlns:a14="http://schemas.microsoft.com/office/drawing/2010/main">
+        <mc:Choice Requires="a14">
           <p:sp>
             <p:nvSpPr>
               <p:cNvPr id="3" name="Content Placeholder 2">
@@ -17114,7 +17201,7 @@
                 </a14:m>
                 <a:r>
                   <a:rPr lang="fr-CA" sz="1800" dirty="0"/>
-                  <a:t> où p est l’ordre de convergence. Il est donc possible de remarquer que cette méthode est beaucoup mieux adaptée pour analyser la convergence des éléments poutre. Les poutres utilisées par le logiciel Simcenter3D sont des éléments finis linéaire. Effectivement, elle ne possède pas de nœuds milieu permettant de prendre en compte la pente dans l’élément. </a:t>
+                  <a:t> où p est l’ordre de convergence. Il est donc possible de remarquer que cette méthode est beaucoup mieux adaptée pour analyser la convergence des éléments poutre. Les poutres utilisées par le logiciel Simcenter3D sont des éléments finis linéaires. Effectivement, elles ne possèdent pas de nœuds milieux permettant de prendre en compte la pente dans l’élément. </a:t>
                 </a:r>
               </a:p>
               <a:p>
@@ -17129,7 +17216,39 @@
                 </a:pPr>
                 <a:r>
                   <a:rPr lang="fr-CA" sz="1800" dirty="0"/>
-                  <a:t>Il est donc possible de remarquer que les éléments se comporte tel qu’attendu étant donné que l’erreur de déformation converge selon un ordre linéaire.</a:t>
+                  <a:t>Il est donc possible de remarquer que les éléments se comporte tel qu’attendu étant donné que l’erreur de déformation converge selon un ordre linéaire </a:t>
+                </a:r>
+                <a14:m>
+                  <m:oMath xmlns:m="http://schemas.openxmlformats.org/officeDocument/2006/math">
+                    <m:acc>
+                      <m:accPr>
+                        <m:chr m:val="̂"/>
+                        <m:ctrlPr>
+                          <a:rPr lang="en-CA" sz="1800" b="0" i="1" smtClean="0">
+                            <a:latin typeface="Cambria Math" panose="02040503050406030204" pitchFamily="18" charset="0"/>
+                          </a:rPr>
+                        </m:ctrlPr>
+                      </m:accPr>
+                      <m:e>
+                        <m:r>
+                          <a:rPr lang="en-CA" sz="1800" b="0" i="1" smtClean="0">
+                            <a:latin typeface="Cambria Math" panose="02040503050406030204" pitchFamily="18" charset="0"/>
+                          </a:rPr>
+                          <m:t>𝑝</m:t>
+                        </m:r>
+                      </m:e>
+                    </m:acc>
+                    <m:r>
+                      <a:rPr lang="en-CA" sz="1800" b="0" i="1" smtClean="0">
+                        <a:latin typeface="Cambria Math" panose="02040503050406030204" pitchFamily="18" charset="0"/>
+                      </a:rPr>
+                      <m:t>=1</m:t>
+                    </m:r>
+                  </m:oMath>
+                </a14:m>
+                <a:r>
+                  <a:rPr lang="fr-CA" sz="1800" dirty="0"/>
+                  <a:t>.</a:t>
                 </a:r>
               </a:p>
               <a:p>
@@ -17144,7 +17263,7 @@
                 </a:pPr>
                 <a:r>
                   <a:rPr lang="fr-CA" sz="1800" dirty="0"/>
-                  <a:t>De plus, la qualité de la régression vient ajouter de la validité à cette affirmation étant donné qu’elle est exactement de 1. Il est normal d’obtenir une telle régression étant donné que l’on utilise un logiciel commercial qui a dû être vérifié extensivement par Siemens.</a:t>
+                  <a:t>De plus, la qualité de la régression vient ajouter de la validité à cette affirmation étant donné qu’elle est exactement de R²=1. Il est normal d’obtenir une telle régression étant donné que l’on utilise un logiciel commercial qui a dû être vérifié extensivement par Siemens.</a:t>
                 </a:r>
               </a:p>
               <a:p>
@@ -17159,13 +17278,13 @@
                 </a:pPr>
                 <a:r>
                   <a:rPr lang="fr-CA" sz="1800" dirty="0"/>
-                  <a:t>Il est donc possible de conclure que le code résout correctement les formulations mathématiques utilisé pour définir les éléments poutre.</a:t>
+                  <a:t>Il est donc possible de conclure que le code résout correctement les formulations mathématiques utilisées pour définir les éléments poutre.</a:t>
                 </a:r>
               </a:p>
             </p:txBody>
           </p:sp>
         </mc:Choice>
-        <mc:Fallback>
+        <mc:Fallback xmlns="">
           <p:sp>
             <p:nvSpPr>
               <p:cNvPr id="3" name="Content Placeholder 2">
@@ -17209,6 +17328,89 @@
           </p:sp>
         </mc:Fallback>
       </mc:AlternateContent>
+      <p:sp>
+        <p:nvSpPr>
+          <p:cNvPr id="5" name="Slide Number Placeholder 4">
+            <a:extLst>
+              <a:ext uri="{FF2B5EF4-FFF2-40B4-BE49-F238E27FC236}">
+                <a16:creationId xmlns:a16="http://schemas.microsoft.com/office/drawing/2014/main" id="{212F9EB7-5C44-4FE9-1B5E-021AAFF119D8}"/>
+              </a:ext>
+            </a:extLst>
+          </p:cNvPr>
+          <p:cNvSpPr>
+            <a:spLocks noGrp="1"/>
+          </p:cNvSpPr>
+          <p:nvPr>
+            <p:ph type="sldNum" sz="quarter" idx="12"/>
+          </p:nvPr>
+        </p:nvSpPr>
+        <p:spPr/>
+        <p:txBody>
+          <a:bodyPr/>
+          <a:lstStyle/>
+          <a:p>
+            <a:fld id="{4BD3201E-7DF8-462B-AC18-61E63795AE0D}" type="slidenum">
+              <a:rPr lang="en-CA" smtClean="0"/>
+              <a:t>14</a:t>
+            </a:fld>
+            <a:endParaRPr lang="en-CA"/>
+          </a:p>
+        </p:txBody>
+      </p:sp>
+      <p:sp>
+        <p:nvSpPr>
+          <p:cNvPr id="4" name="Rectangle 3">
+            <a:extLst>
+              <a:ext uri="{FF2B5EF4-FFF2-40B4-BE49-F238E27FC236}">
+                <a16:creationId xmlns:a16="http://schemas.microsoft.com/office/drawing/2014/main" id="{3FCA21F0-3EF8-A580-58A8-28C04ECA4600}"/>
+              </a:ext>
+            </a:extLst>
+          </p:cNvPr>
+          <p:cNvSpPr/>
+          <p:nvPr/>
+        </p:nvSpPr>
+        <p:spPr>
+          <a:xfrm>
+            <a:off x="0" y="365125"/>
+            <a:ext cx="678427" cy="556649"/>
+          </a:xfrm>
+          <a:prstGeom prst="rect">
+            <a:avLst/>
+          </a:prstGeom>
+          <a:solidFill>
+            <a:schemeClr val="accent2">
+              <a:lumMod val="75000"/>
+            </a:schemeClr>
+          </a:solidFill>
+          <a:ln>
+            <a:noFill/>
+          </a:ln>
+        </p:spPr>
+        <p:style>
+          <a:lnRef idx="2">
+            <a:schemeClr val="accent1">
+              <a:shade val="15000"/>
+            </a:schemeClr>
+          </a:lnRef>
+          <a:fillRef idx="1">
+            <a:schemeClr val="accent1"/>
+          </a:fillRef>
+          <a:effectRef idx="0">
+            <a:schemeClr val="accent1"/>
+          </a:effectRef>
+          <a:fontRef idx="minor">
+            <a:schemeClr val="lt1"/>
+          </a:fontRef>
+        </p:style>
+        <p:txBody>
+          <a:bodyPr rtlCol="0" anchor="ctr"/>
+          <a:lstStyle/>
+          <a:p>
+            <a:pPr algn="ctr"/>
+            <a:endParaRPr lang="en-CA"/>
+          </a:p>
+        </p:txBody>
+      </p:sp>
     </p:spTree>
     <p:extLst>
       <p:ext uri="{BB962C8B-B14F-4D97-AF65-F5344CB8AC3E}">
@@ -17726,12 +17928,15 @@
                         </m:r>
                       </m:e>
                     </m:acc>
+                    <m:r>
+                      <a:rPr lang="en-CA" sz="1800" b="0" i="1" smtClean="0">
+                        <a:latin typeface="Cambria Math" panose="02040503050406030204" pitchFamily="18" charset="0"/>
+                      </a:rPr>
+                      <m:t>=2.055</m:t>
+                    </m:r>
                   </m:oMath>
                 </a14:m>
-                <a:r>
-                  <a:rPr lang="fr-CA" sz="1800" dirty="0"/>
-                  <a:t>= 2,055.</a:t>
-                </a:r>
+                <a:endParaRPr lang="fr-CA" sz="1800" dirty="0"/>
               </a:p>
               <a:p>
                 <a:pPr marL="0" indent="0" algn="just">
@@ -17798,23 +18003,36 @@
                   <a:rPr lang="fr-CA" sz="1800" dirty="0"/>
                   <a:t>					</a:t>
                 </a:r>
+              </a:p>
+              <a:p>
+                <a:pPr marL="0" indent="0" algn="just">
+                  <a:lnSpc>
+                    <a:spcPct val="100000"/>
+                  </a:lnSpc>
+                  <a:buNone/>
+                </a:pPr>
+                <a:endParaRPr lang="fr-CA" sz="1800" dirty="0"/>
+              </a:p>
+              <a:p>
+                <a:pPr marL="0" indent="0" algn="just">
+                  <a:lnSpc>
+                    <a:spcPct val="100000"/>
+                  </a:lnSpc>
+                  <a:buNone/>
+                </a:pPr>
                 <a:r>
-                  <a:rPr lang="fr-CA" sz="1800" dirty="0">
-                    <a:highlight>
-                      <a:srgbClr val="FFFF00"/>
-                    </a:highlight>
-                  </a:rPr>
-                  <a:t>(l’ordre formel est obtenu d’après l’ordre du type 							d’éléments utilisés en FEM – or ici les PBEAM sont des 						éléments d’ordre 2).</a:t>
+                  <a:rPr lang="fr-CA" sz="1800" dirty="0"/>
+                  <a:t>h</a:t>
                 </a:r>
               </a:p>
               <a:p>
                 <a:pPr marL="0" indent="0" algn="just">
+                  <a:lnSpc>
+                    <a:spcPct val="100000"/>
+                  </a:lnSpc>
                   <a:buNone/>
                 </a:pPr>
-                <a:r>
-                  <a:rPr lang="fr-CA" sz="1800" dirty="0"/>
-                  <a:t>                                                                                        </a:t>
-                </a:r>
+                <a:endParaRPr lang="fr-CA" sz="1800" dirty="0"/>
               </a:p>
             </p:txBody>
           </p:sp>
@@ -17842,7 +18060,7 @@
                 <a:ext cx="10515600" cy="5342501"/>
               </a:xfrm>
               <a:blipFill>
-                <a:blip r:embed="rId3"/>
+                <a:blip r:embed="rId2"/>
                 <a:stretch>
                   <a:fillRect l="-406" t="-342" r="-348"/>
                 </a:stretch>
@@ -17853,7 +18071,7 @@
               <a:lstStyle/>
               <a:p>
                 <a:r>
-                  <a:rPr lang="fr-FR">
+                  <a:rPr lang="en-CA">
                     <a:noFill/>
                   </a:rPr>
                   <a:t> </a:t>
@@ -18250,6 +18468,87 @@
           </a:p>
         </p:txBody>
       </p:sp>
+      <p:sp>
+        <p:nvSpPr>
+          <p:cNvPr id="7" name="Slide Number Placeholder 6">
+            <a:extLst>
+              <a:ext uri="{FF2B5EF4-FFF2-40B4-BE49-F238E27FC236}">
+                <a16:creationId xmlns:a16="http://schemas.microsoft.com/office/drawing/2014/main" id="{DD148BCD-C241-BB2E-E9AD-C1F06CCEAA7D}"/>
+              </a:ext>
+            </a:extLst>
+          </p:cNvPr>
+          <p:cNvSpPr>
+            <a:spLocks noGrp="1"/>
+          </p:cNvSpPr>
+          <p:nvPr>
+            <p:ph type="sldNum" sz="quarter" idx="12"/>
+          </p:nvPr>
+        </p:nvSpPr>
+        <p:spPr/>
+        <p:txBody>
+          <a:bodyPr/>
+          <a:lstStyle/>
+          <a:p>
+            <a:fld id="{4BD3201E-7DF8-462B-AC18-61E63795AE0D}" type="slidenum">
+              <a:rPr lang="en-CA" smtClean="0"/>
+              <a:t>15</a:t>
+            </a:fld>
+            <a:endParaRPr lang="en-CA"/>
+          </a:p>
+        </p:txBody>
+      </p:sp>
+      <p:sp>
+        <p:nvSpPr>
+          <p:cNvPr id="8" name="Rectangle 7">
+            <a:extLst>
+              <a:ext uri="{FF2B5EF4-FFF2-40B4-BE49-F238E27FC236}">
+                <a16:creationId xmlns:a16="http://schemas.microsoft.com/office/drawing/2014/main" id="{82B54652-20EC-AFF4-D07D-253BEB78361C}"/>
+              </a:ext>
+            </a:extLst>
+          </p:cNvPr>
+          <p:cNvSpPr/>
+          <p:nvPr/>
+        </p:nvSpPr>
+        <p:spPr>
+          <a:xfrm>
+            <a:off x="0" y="365125"/>
+            <a:ext cx="678427" cy="556649"/>
+          </a:xfrm>
+          <a:prstGeom prst="rect">
+            <a:avLst/>
+          </a:prstGeom>
+          <a:solidFill>
+            <a:schemeClr val="accent5"/>
+          </a:solidFill>
+          <a:ln>
+            <a:noFill/>
+          </a:ln>
+        </p:spPr>
+        <p:style>
+          <a:lnRef idx="2">
+            <a:schemeClr val="accent1">
+              <a:shade val="15000"/>
+            </a:schemeClr>
+          </a:lnRef>
+          <a:fillRef idx="1">
+            <a:schemeClr val="accent1"/>
+          </a:fillRef>
+          <a:effectRef idx="0">
+            <a:schemeClr val="accent1"/>
+          </a:effectRef>
+          <a:fontRef idx="minor">
+            <a:schemeClr val="lt1"/>
+          </a:fontRef>
+        </p:style>
+        <p:txBody>
+          <a:bodyPr rtlCol="0" anchor="ctr"/>
+          <a:lstStyle/>
+          <a:p>
+            <a:pPr algn="ctr"/>
+            <a:endParaRPr lang="en-CA"/>
+          </a:p>
+        </p:txBody>
+      </p:sp>
     </p:spTree>
     <p:extLst>
       <p:ext uri="{BB962C8B-B14F-4D97-AF65-F5344CB8AC3E}">
@@ -18260,11 +18559,6 @@
   <p:clrMapOvr>
     <a:masterClrMapping/>
   </p:clrMapOvr>
-  <p:extLst>
-    <p:ext uri="{6950BFC3-D8DA-4A85-94F7-54DA5524770B}">
-      <p188:commentRel xmlns:p188="http://schemas.microsoft.com/office/powerpoint/2018/8/main" r:id="rId2"/>
-    </p:ext>
-  </p:extLst>
 </p:sld>
 </file>
 
@@ -19266,6 +19560,87 @@
           </p:sp>
         </mc:Fallback>
       </mc:AlternateContent>
+      <p:sp>
+        <p:nvSpPr>
+          <p:cNvPr id="5" name="Slide Number Placeholder 4">
+            <a:extLst>
+              <a:ext uri="{FF2B5EF4-FFF2-40B4-BE49-F238E27FC236}">
+                <a16:creationId xmlns:a16="http://schemas.microsoft.com/office/drawing/2014/main" id="{1AA84267-AC5A-1C68-8A3C-87E1592EE454}"/>
+              </a:ext>
+            </a:extLst>
+          </p:cNvPr>
+          <p:cNvSpPr>
+            <a:spLocks noGrp="1"/>
+          </p:cNvSpPr>
+          <p:nvPr>
+            <p:ph type="sldNum" sz="quarter" idx="12"/>
+          </p:nvPr>
+        </p:nvSpPr>
+        <p:spPr/>
+        <p:txBody>
+          <a:bodyPr/>
+          <a:lstStyle/>
+          <a:p>
+            <a:fld id="{4BD3201E-7DF8-462B-AC18-61E63795AE0D}" type="slidenum">
+              <a:rPr lang="en-CA" smtClean="0"/>
+              <a:t>16</a:t>
+            </a:fld>
+            <a:endParaRPr lang="en-CA"/>
+          </a:p>
+        </p:txBody>
+      </p:sp>
+      <p:sp>
+        <p:nvSpPr>
+          <p:cNvPr id="4" name="Rectangle 3">
+            <a:extLst>
+              <a:ext uri="{FF2B5EF4-FFF2-40B4-BE49-F238E27FC236}">
+                <a16:creationId xmlns:a16="http://schemas.microsoft.com/office/drawing/2014/main" id="{AACD4DC8-3AB0-24BE-F53B-C9C09D574F2C}"/>
+              </a:ext>
+            </a:extLst>
+          </p:cNvPr>
+          <p:cNvSpPr/>
+          <p:nvPr/>
+        </p:nvSpPr>
+        <p:spPr>
+          <a:xfrm>
+            <a:off x="0" y="365125"/>
+            <a:ext cx="678427" cy="556649"/>
+          </a:xfrm>
+          <a:prstGeom prst="rect">
+            <a:avLst/>
+          </a:prstGeom>
+          <a:solidFill>
+            <a:schemeClr val="accent5"/>
+          </a:solidFill>
+          <a:ln>
+            <a:noFill/>
+          </a:ln>
+        </p:spPr>
+        <p:style>
+          <a:lnRef idx="2">
+            <a:schemeClr val="accent1">
+              <a:shade val="15000"/>
+            </a:schemeClr>
+          </a:lnRef>
+          <a:fillRef idx="1">
+            <a:schemeClr val="accent1"/>
+          </a:fillRef>
+          <a:effectRef idx="0">
+            <a:schemeClr val="accent1"/>
+          </a:effectRef>
+          <a:fontRef idx="minor">
+            <a:schemeClr val="lt1"/>
+          </a:fontRef>
+        </p:style>
+        <p:txBody>
+          <a:bodyPr rtlCol="0" anchor="ctr"/>
+          <a:lstStyle/>
+          <a:p>
+            <a:pPr algn="ctr"/>
+            <a:endParaRPr lang="en-CA"/>
+          </a:p>
+        </p:txBody>
+      </p:sp>
     </p:spTree>
     <p:extLst>
       <p:ext uri="{BB962C8B-B14F-4D97-AF65-F5344CB8AC3E}">
@@ -19657,6 +20032,84 @@
           </p:sp>
         </mc:Fallback>
       </mc:AlternateContent>
+      <p:sp>
+        <p:nvSpPr>
+          <p:cNvPr id="5" name="Slide Number Placeholder 4">
+            <a:extLst>
+              <a:ext uri="{FF2B5EF4-FFF2-40B4-BE49-F238E27FC236}">
+                <a16:creationId xmlns:a16="http://schemas.microsoft.com/office/drawing/2014/main" id="{C8650017-5619-589C-654E-C76AC441D7EF}"/>
+              </a:ext>
+            </a:extLst>
+          </p:cNvPr>
+          <p:cNvSpPr>
+            <a:spLocks noGrp="1"/>
+          </p:cNvSpPr>
+          <p:nvPr>
+            <p:ph type="sldNum" sz="quarter" idx="12"/>
+          </p:nvPr>
+        </p:nvSpPr>
+        <p:spPr/>
+        <p:txBody>
+          <a:bodyPr/>
+          <a:lstStyle/>
+          <a:p>
+            <a:fld id="{4BD3201E-7DF8-462B-AC18-61E63795AE0D}" type="slidenum">
+              <a:rPr lang="en-CA" smtClean="0"/>
+              <a:t>17</a:t>
+            </a:fld>
+            <a:endParaRPr lang="en-CA"/>
+          </a:p>
+        </p:txBody>
+      </p:sp>
+      <p:sp>
+        <p:nvSpPr>
+          <p:cNvPr id="4" name="Rectangle 3">
+            <a:extLst>
+              <a:ext uri="{FF2B5EF4-FFF2-40B4-BE49-F238E27FC236}">
+                <a16:creationId xmlns:a16="http://schemas.microsoft.com/office/drawing/2014/main" id="{C6162948-1810-85BB-22E9-A5D9B9F6D4A7}"/>
+              </a:ext>
+            </a:extLst>
+          </p:cNvPr>
+          <p:cNvSpPr/>
+          <p:nvPr/>
+        </p:nvSpPr>
+        <p:spPr>
+          <a:xfrm>
+            <a:off x="0" y="365125"/>
+            <a:ext cx="678427" cy="556649"/>
+          </a:xfrm>
+          <a:prstGeom prst="rect">
+            <a:avLst/>
+          </a:prstGeom>
+          <a:ln>
+            <a:noFill/>
+          </a:ln>
+        </p:spPr>
+        <p:style>
+          <a:lnRef idx="2">
+            <a:schemeClr val="accent1">
+              <a:shade val="15000"/>
+            </a:schemeClr>
+          </a:lnRef>
+          <a:fillRef idx="1">
+            <a:schemeClr val="accent1"/>
+          </a:fillRef>
+          <a:effectRef idx="0">
+            <a:schemeClr val="accent1"/>
+          </a:effectRef>
+          <a:fontRef idx="minor">
+            <a:schemeClr val="lt1"/>
+          </a:fontRef>
+        </p:style>
+        <p:txBody>
+          <a:bodyPr rtlCol="0" anchor="ctr"/>
+          <a:lstStyle/>
+          <a:p>
+            <a:pPr algn="ctr"/>
+            <a:endParaRPr lang="en-CA"/>
+          </a:p>
+        </p:txBody>
+      </p:sp>
     </p:spTree>
     <p:extLst>
       <p:ext uri="{BB962C8B-B14F-4D97-AF65-F5344CB8AC3E}">
@@ -19924,6 +20377,84 @@
           </a:graphicData>
         </a:graphic>
       </p:graphicFrame>
+      <p:sp>
+        <p:nvSpPr>
+          <p:cNvPr id="7" name="Slide Number Placeholder 6">
+            <a:extLst>
+              <a:ext uri="{FF2B5EF4-FFF2-40B4-BE49-F238E27FC236}">
+                <a16:creationId xmlns:a16="http://schemas.microsoft.com/office/drawing/2014/main" id="{711FE1AE-3B4C-153A-C1BB-9CD43A0DCB44}"/>
+              </a:ext>
+            </a:extLst>
+          </p:cNvPr>
+          <p:cNvSpPr>
+            <a:spLocks noGrp="1"/>
+          </p:cNvSpPr>
+          <p:nvPr>
+            <p:ph type="sldNum" sz="quarter" idx="12"/>
+          </p:nvPr>
+        </p:nvSpPr>
+        <p:spPr/>
+        <p:txBody>
+          <a:bodyPr/>
+          <a:lstStyle/>
+          <a:p>
+            <a:fld id="{4BD3201E-7DF8-462B-AC18-61E63795AE0D}" type="slidenum">
+              <a:rPr lang="en-CA" smtClean="0"/>
+              <a:t>18</a:t>
+            </a:fld>
+            <a:endParaRPr lang="en-CA"/>
+          </a:p>
+        </p:txBody>
+      </p:sp>
+      <p:sp>
+        <p:nvSpPr>
+          <p:cNvPr id="4" name="Rectangle 3">
+            <a:extLst>
+              <a:ext uri="{FF2B5EF4-FFF2-40B4-BE49-F238E27FC236}">
+                <a16:creationId xmlns:a16="http://schemas.microsoft.com/office/drawing/2014/main" id="{D2059B86-05EF-7F4E-CA23-5A114F6DB1CB}"/>
+              </a:ext>
+            </a:extLst>
+          </p:cNvPr>
+          <p:cNvSpPr/>
+          <p:nvPr/>
+        </p:nvSpPr>
+        <p:spPr>
+          <a:xfrm>
+            <a:off x="0" y="365125"/>
+            <a:ext cx="678427" cy="556649"/>
+          </a:xfrm>
+          <a:prstGeom prst="rect">
+            <a:avLst/>
+          </a:prstGeom>
+          <a:ln>
+            <a:noFill/>
+          </a:ln>
+        </p:spPr>
+        <p:style>
+          <a:lnRef idx="2">
+            <a:schemeClr val="accent1">
+              <a:shade val="15000"/>
+            </a:schemeClr>
+          </a:lnRef>
+          <a:fillRef idx="1">
+            <a:schemeClr val="accent1"/>
+          </a:fillRef>
+          <a:effectRef idx="0">
+            <a:schemeClr val="accent1"/>
+          </a:effectRef>
+          <a:fontRef idx="minor">
+            <a:schemeClr val="lt1"/>
+          </a:fontRef>
+        </p:style>
+        <p:txBody>
+          <a:bodyPr rtlCol="0" anchor="ctr"/>
+          <a:lstStyle/>
+          <a:p>
+            <a:pPr algn="ctr"/>
+            <a:endParaRPr lang="en-CA"/>
+          </a:p>
+        </p:txBody>
+      </p:sp>
     </p:spTree>
     <p:extLst>
       <p:ext uri="{BB962C8B-B14F-4D97-AF65-F5344CB8AC3E}">
@@ -20237,6 +20768,84 @@
           </a:p>
         </p:txBody>
       </p:sp>
+      <p:sp>
+        <p:nvSpPr>
+          <p:cNvPr id="9" name="Slide Number Placeholder 8">
+            <a:extLst>
+              <a:ext uri="{FF2B5EF4-FFF2-40B4-BE49-F238E27FC236}">
+                <a16:creationId xmlns:a16="http://schemas.microsoft.com/office/drawing/2014/main" id="{0F15210A-0CDF-0DE2-1E9C-BAAC3450F38B}"/>
+              </a:ext>
+            </a:extLst>
+          </p:cNvPr>
+          <p:cNvSpPr>
+            <a:spLocks noGrp="1"/>
+          </p:cNvSpPr>
+          <p:nvPr>
+            <p:ph type="sldNum" sz="quarter" idx="12"/>
+          </p:nvPr>
+        </p:nvSpPr>
+        <p:spPr/>
+        <p:txBody>
+          <a:bodyPr/>
+          <a:lstStyle/>
+          <a:p>
+            <a:fld id="{4BD3201E-7DF8-462B-AC18-61E63795AE0D}" type="slidenum">
+              <a:rPr lang="en-CA" smtClean="0"/>
+              <a:t>19</a:t>
+            </a:fld>
+            <a:endParaRPr lang="en-CA"/>
+          </a:p>
+        </p:txBody>
+      </p:sp>
+      <p:sp>
+        <p:nvSpPr>
+          <p:cNvPr id="8" name="Rectangle 7">
+            <a:extLst>
+              <a:ext uri="{FF2B5EF4-FFF2-40B4-BE49-F238E27FC236}">
+                <a16:creationId xmlns:a16="http://schemas.microsoft.com/office/drawing/2014/main" id="{FB62AE11-F5D2-8B5F-C7BD-2995DC6C76B0}"/>
+              </a:ext>
+            </a:extLst>
+          </p:cNvPr>
+          <p:cNvSpPr/>
+          <p:nvPr/>
+        </p:nvSpPr>
+        <p:spPr>
+          <a:xfrm>
+            <a:off x="0" y="365125"/>
+            <a:ext cx="678427" cy="556649"/>
+          </a:xfrm>
+          <a:prstGeom prst="rect">
+            <a:avLst/>
+          </a:prstGeom>
+          <a:ln>
+            <a:noFill/>
+          </a:ln>
+        </p:spPr>
+        <p:style>
+          <a:lnRef idx="2">
+            <a:schemeClr val="accent1">
+              <a:shade val="15000"/>
+            </a:schemeClr>
+          </a:lnRef>
+          <a:fillRef idx="1">
+            <a:schemeClr val="accent1"/>
+          </a:fillRef>
+          <a:effectRef idx="0">
+            <a:schemeClr val="accent1"/>
+          </a:effectRef>
+          <a:fontRef idx="minor">
+            <a:schemeClr val="lt1"/>
+          </a:fontRef>
+        </p:style>
+        <p:txBody>
+          <a:bodyPr rtlCol="0" anchor="ctr"/>
+          <a:lstStyle/>
+          <a:p>
+            <a:pPr algn="ctr"/>
+            <a:endParaRPr lang="en-CA"/>
+          </a:p>
+        </p:txBody>
+      </p:sp>
     </p:spTree>
     <p:extLst>
       <p:ext uri="{BB962C8B-B14F-4D97-AF65-F5344CB8AC3E}">
@@ -20522,6 +21131,87 @@
               <a:t>Introduction et mise en contexte</a:t>
             </a:r>
             <a:endParaRPr lang="en-CA" sz="3000" dirty="0"/>
+          </a:p>
+        </p:txBody>
+      </p:sp>
+      <p:sp>
+        <p:nvSpPr>
+          <p:cNvPr id="4" name="Slide Number Placeholder 3">
+            <a:extLst>
+              <a:ext uri="{FF2B5EF4-FFF2-40B4-BE49-F238E27FC236}">
+                <a16:creationId xmlns:a16="http://schemas.microsoft.com/office/drawing/2014/main" id="{DADD488D-5AB2-D172-10C4-9D5B2F1CCA21}"/>
+              </a:ext>
+            </a:extLst>
+          </p:cNvPr>
+          <p:cNvSpPr>
+            <a:spLocks noGrp="1"/>
+          </p:cNvSpPr>
+          <p:nvPr>
+            <p:ph type="sldNum" sz="quarter" idx="12"/>
+          </p:nvPr>
+        </p:nvSpPr>
+        <p:spPr/>
+        <p:txBody>
+          <a:bodyPr/>
+          <a:lstStyle/>
+          <a:p>
+            <a:fld id="{4BD3201E-7DF8-462B-AC18-61E63795AE0D}" type="slidenum">
+              <a:rPr lang="en-CA" smtClean="0"/>
+              <a:t>2</a:t>
+            </a:fld>
+            <a:endParaRPr lang="en-CA"/>
+          </a:p>
+        </p:txBody>
+      </p:sp>
+      <p:sp>
+        <p:nvSpPr>
+          <p:cNvPr id="2" name="Rectangle 1">
+            <a:extLst>
+              <a:ext uri="{FF2B5EF4-FFF2-40B4-BE49-F238E27FC236}">
+                <a16:creationId xmlns:a16="http://schemas.microsoft.com/office/drawing/2014/main" id="{026E126C-8AC9-1FA2-80F5-9075AEE896A7}"/>
+              </a:ext>
+            </a:extLst>
+          </p:cNvPr>
+          <p:cNvSpPr/>
+          <p:nvPr/>
+        </p:nvSpPr>
+        <p:spPr>
+          <a:xfrm>
+            <a:off x="0" y="365125"/>
+            <a:ext cx="678427" cy="556649"/>
+          </a:xfrm>
+          <a:prstGeom prst="rect">
+            <a:avLst/>
+          </a:prstGeom>
+          <a:solidFill>
+            <a:schemeClr val="accent6"/>
+          </a:solidFill>
+          <a:ln>
+            <a:noFill/>
+          </a:ln>
+        </p:spPr>
+        <p:style>
+          <a:lnRef idx="2">
+            <a:schemeClr val="accent1">
+              <a:shade val="15000"/>
+            </a:schemeClr>
+          </a:lnRef>
+          <a:fillRef idx="1">
+            <a:schemeClr val="accent1"/>
+          </a:fillRef>
+          <a:effectRef idx="0">
+            <a:schemeClr val="accent1"/>
+          </a:effectRef>
+          <a:fontRef idx="minor">
+            <a:schemeClr val="lt1"/>
+          </a:fontRef>
+        </p:style>
+        <p:txBody>
+          <a:bodyPr rtlCol="0" anchor="ctr"/>
+          <a:lstStyle/>
+          <a:p>
+            <a:pPr algn="ctr"/>
+            <a:endParaRPr lang="en-CA"/>
           </a:p>
         </p:txBody>
       </p:sp>
@@ -20694,10 +21384,10 @@
                       </m:sSubPr>
                       <m:e>
                         <m:r>
-                          <a:rPr lang="fr-FR" sz="1600" i="1" smtClean="0">
+                          <a:rPr lang="en-CA" sz="1600" b="0" i="1" smtClean="0">
                             <a:latin typeface="Cambria Math" panose="02040503050406030204" pitchFamily="18" charset="0"/>
                           </a:rPr>
-                          <m:t>𝑈</m:t>
+                          <m:t>𝑢</m:t>
                         </m:r>
                       </m:e>
                       <m:sub>
@@ -21268,6 +21958,84 @@
           </p:sp>
         </mc:Fallback>
       </mc:AlternateContent>
+      <p:sp>
+        <p:nvSpPr>
+          <p:cNvPr id="5" name="Slide Number Placeholder 4">
+            <a:extLst>
+              <a:ext uri="{FF2B5EF4-FFF2-40B4-BE49-F238E27FC236}">
+                <a16:creationId xmlns:a16="http://schemas.microsoft.com/office/drawing/2014/main" id="{9DA74A6D-9267-4A22-E27F-E31B47CF2221}"/>
+              </a:ext>
+            </a:extLst>
+          </p:cNvPr>
+          <p:cNvSpPr>
+            <a:spLocks noGrp="1"/>
+          </p:cNvSpPr>
+          <p:nvPr>
+            <p:ph type="sldNum" sz="quarter" idx="12"/>
+          </p:nvPr>
+        </p:nvSpPr>
+        <p:spPr/>
+        <p:txBody>
+          <a:bodyPr/>
+          <a:lstStyle/>
+          <a:p>
+            <a:fld id="{4BD3201E-7DF8-462B-AC18-61E63795AE0D}" type="slidenum">
+              <a:rPr lang="en-CA" smtClean="0"/>
+              <a:t>20</a:t>
+            </a:fld>
+            <a:endParaRPr lang="en-CA"/>
+          </a:p>
+        </p:txBody>
+      </p:sp>
+      <p:sp>
+        <p:nvSpPr>
+          <p:cNvPr id="4" name="Rectangle 3">
+            <a:extLst>
+              <a:ext uri="{FF2B5EF4-FFF2-40B4-BE49-F238E27FC236}">
+                <a16:creationId xmlns:a16="http://schemas.microsoft.com/office/drawing/2014/main" id="{AB6B6D6F-627F-6A22-B742-4796E38ADDB5}"/>
+              </a:ext>
+            </a:extLst>
+          </p:cNvPr>
+          <p:cNvSpPr/>
+          <p:nvPr/>
+        </p:nvSpPr>
+        <p:spPr>
+          <a:xfrm>
+            <a:off x="0" y="365125"/>
+            <a:ext cx="678427" cy="556649"/>
+          </a:xfrm>
+          <a:prstGeom prst="rect">
+            <a:avLst/>
+          </a:prstGeom>
+          <a:ln>
+            <a:noFill/>
+          </a:ln>
+        </p:spPr>
+        <p:style>
+          <a:lnRef idx="2">
+            <a:schemeClr val="accent1">
+              <a:shade val="15000"/>
+            </a:schemeClr>
+          </a:lnRef>
+          <a:fillRef idx="1">
+            <a:schemeClr val="accent1"/>
+          </a:fillRef>
+          <a:effectRef idx="0">
+            <a:schemeClr val="accent1"/>
+          </a:effectRef>
+          <a:fontRef idx="minor">
+            <a:schemeClr val="lt1"/>
+          </a:fontRef>
+        </p:style>
+        <p:txBody>
+          <a:bodyPr rtlCol="0" anchor="ctr"/>
+          <a:lstStyle/>
+          <a:p>
+            <a:pPr algn="ctr"/>
+            <a:endParaRPr lang="en-CA"/>
+          </a:p>
+        </p:txBody>
+      </p:sp>
     </p:spTree>
     <p:extLst>
       <p:ext uri="{BB962C8B-B14F-4D97-AF65-F5344CB8AC3E}">
@@ -21854,7 +22622,7 @@
                 </a:r>
                 <a:r>
                   <a:rPr lang="fr-FR" sz="1600" dirty="0"/>
-                  <a:t> pour F=150N on mesure un déplacement D = 17.86 mm au niveau de la vertèbre L1 (voir trait vert sur la fig. 8). Ce qui se traduit par une incertitude de ± 0.01786 </a:t>
+                  <a:t> pour F=150N on mesure un déplacement D = 17.86 mm au niveau de la vertèbre L1 (voir trait vert sur la fig.9). Ce qui se traduit par une incertitude de ± 0.01786 </a:t>
                 </a:r>
                 <a:r>
                   <a:rPr lang="fr-FR" sz="1600" dirty="0" err="1"/>
@@ -22076,7 +22844,7 @@
                 <a:ext cx="6042283" cy="5427407"/>
               </a:xfrm>
               <a:blipFill>
-                <a:blip r:embed="rId3"/>
+                <a:blip r:embed="rId2"/>
                 <a:stretch>
                   <a:fillRect l="-605" t="-337" r="-505"/>
                 </a:stretch>
@@ -22112,7 +22880,7 @@
           <p:nvPr/>
         </p:nvPicPr>
         <p:blipFill rotWithShape="1">
-          <a:blip r:embed="rId4">
+          <a:blip r:embed="rId3">
             <a:extLst>
               <a:ext uri="{28A0092B-C50C-407E-A947-70E740481C1C}">
                 <a14:useLocalDpi xmlns:a14="http://schemas.microsoft.com/office/drawing/2010/main" val="0"/>
@@ -22534,6 +23302,84 @@
           </p:sp>
         </mc:Fallback>
       </mc:AlternateContent>
+      <p:sp>
+        <p:nvSpPr>
+          <p:cNvPr id="7" name="Slide Number Placeholder 6">
+            <a:extLst>
+              <a:ext uri="{FF2B5EF4-FFF2-40B4-BE49-F238E27FC236}">
+                <a16:creationId xmlns:a16="http://schemas.microsoft.com/office/drawing/2014/main" id="{491FC1DB-91C1-B770-677B-778C6EC4EDAB}"/>
+              </a:ext>
+            </a:extLst>
+          </p:cNvPr>
+          <p:cNvSpPr>
+            <a:spLocks noGrp="1"/>
+          </p:cNvSpPr>
+          <p:nvPr>
+            <p:ph type="sldNum" sz="quarter" idx="12"/>
+          </p:nvPr>
+        </p:nvSpPr>
+        <p:spPr/>
+        <p:txBody>
+          <a:bodyPr/>
+          <a:lstStyle/>
+          <a:p>
+            <a:fld id="{4BD3201E-7DF8-462B-AC18-61E63795AE0D}" type="slidenum">
+              <a:rPr lang="en-CA" smtClean="0"/>
+              <a:t>21</a:t>
+            </a:fld>
+            <a:endParaRPr lang="en-CA"/>
+          </a:p>
+        </p:txBody>
+      </p:sp>
+      <p:sp>
+        <p:nvSpPr>
+          <p:cNvPr id="4" name="Rectangle 3">
+            <a:extLst>
+              <a:ext uri="{FF2B5EF4-FFF2-40B4-BE49-F238E27FC236}">
+                <a16:creationId xmlns:a16="http://schemas.microsoft.com/office/drawing/2014/main" id="{8D04AFA7-E406-9EF6-FFE8-57224C2858E7}"/>
+              </a:ext>
+            </a:extLst>
+          </p:cNvPr>
+          <p:cNvSpPr/>
+          <p:nvPr/>
+        </p:nvSpPr>
+        <p:spPr>
+          <a:xfrm>
+            <a:off x="0" y="365125"/>
+            <a:ext cx="678427" cy="556649"/>
+          </a:xfrm>
+          <a:prstGeom prst="rect">
+            <a:avLst/>
+          </a:prstGeom>
+          <a:ln>
+            <a:noFill/>
+          </a:ln>
+        </p:spPr>
+        <p:style>
+          <a:lnRef idx="2">
+            <a:schemeClr val="accent1">
+              <a:shade val="15000"/>
+            </a:schemeClr>
+          </a:lnRef>
+          <a:fillRef idx="1">
+            <a:schemeClr val="accent1"/>
+          </a:fillRef>
+          <a:effectRef idx="0">
+            <a:schemeClr val="accent1"/>
+          </a:effectRef>
+          <a:fontRef idx="minor">
+            <a:schemeClr val="lt1"/>
+          </a:fontRef>
+        </p:style>
+        <p:txBody>
+          <a:bodyPr rtlCol="0" anchor="ctr"/>
+          <a:lstStyle/>
+          <a:p>
+            <a:pPr algn="ctr"/>
+            <a:endParaRPr lang="en-CA"/>
+          </a:p>
+        </p:txBody>
+      </p:sp>
     </p:spTree>
     <p:extLst>
       <p:ext uri="{BB962C8B-B14F-4D97-AF65-F5344CB8AC3E}">
@@ -22544,11 +23390,6 @@
   <p:clrMapOvr>
     <a:masterClrMapping/>
   </p:clrMapOvr>
-  <p:extLst>
-    <p:ext uri="{6950BFC3-D8DA-4A85-94F7-54DA5524770B}">
-      <p188:commentRel xmlns:p188="http://schemas.microsoft.com/office/powerpoint/2018/8/main" r:id="rId2"/>
-    </p:ext>
-  </p:extLst>
 </p:sld>
 </file>
 
@@ -22675,7 +23516,7 @@
                 </a:pPr>
                 <a:r>
                   <a:rPr lang="fr-FR" sz="1700" dirty="0"/>
-                  <a:t>On compare le résultat « S » du déplacement postérieur à L1 obtenu par simulation pour F=150N, avec la valeur expérimentale « D » du déplacement mesurée à cette même force (voir fig. 8-page précédente), d’où l’erreur de simulation E:</a:t>
+                  <a:t>On compare le résultat « S » du déplacement postérieur à L1 obtenu par simulation pour F=150N, avec la valeur expérimentale « D » du déplacement mesurée à cette même force (voir fig.9-page précédente), d’où l’erreur de simulation E présentée au tableau 5:</a:t>
                 </a:r>
               </a:p>
               <a:p>
@@ -24003,7 +24844,7 @@
         <p:spPr>
           <a:xfrm>
             <a:off x="8621604" y="6191934"/>
-            <a:ext cx="3233982" cy="523220"/>
+            <a:ext cx="3334422" cy="307777"/>
           </a:xfrm>
           <a:prstGeom prst="rect">
             <a:avLst/>
@@ -24080,6 +24921,84 @@
               <a:rPr lang="fr-FR" sz="1200" dirty="0"/>
               <a:t>Tableau 5. Tableau de l’erreur de simulation</a:t>
             </a:r>
+          </a:p>
+        </p:txBody>
+      </p:sp>
+      <p:sp>
+        <p:nvSpPr>
+          <p:cNvPr id="9" name="Slide Number Placeholder 8">
+            <a:extLst>
+              <a:ext uri="{FF2B5EF4-FFF2-40B4-BE49-F238E27FC236}">
+                <a16:creationId xmlns:a16="http://schemas.microsoft.com/office/drawing/2014/main" id="{440B8553-23AC-D3AA-A797-4A00EB88EB0E}"/>
+              </a:ext>
+            </a:extLst>
+          </p:cNvPr>
+          <p:cNvSpPr>
+            <a:spLocks noGrp="1"/>
+          </p:cNvSpPr>
+          <p:nvPr>
+            <p:ph type="sldNum" sz="quarter" idx="12"/>
+          </p:nvPr>
+        </p:nvSpPr>
+        <p:spPr/>
+        <p:txBody>
+          <a:bodyPr/>
+          <a:lstStyle/>
+          <a:p>
+            <a:fld id="{4BD3201E-7DF8-462B-AC18-61E63795AE0D}" type="slidenum">
+              <a:rPr lang="en-CA" smtClean="0"/>
+              <a:t>22</a:t>
+            </a:fld>
+            <a:endParaRPr lang="en-CA"/>
+          </a:p>
+        </p:txBody>
+      </p:sp>
+      <p:sp>
+        <p:nvSpPr>
+          <p:cNvPr id="8" name="Rectangle 7">
+            <a:extLst>
+              <a:ext uri="{FF2B5EF4-FFF2-40B4-BE49-F238E27FC236}">
+                <a16:creationId xmlns:a16="http://schemas.microsoft.com/office/drawing/2014/main" id="{6F736270-6293-5487-761C-FBB5F4BE1578}"/>
+              </a:ext>
+            </a:extLst>
+          </p:cNvPr>
+          <p:cNvSpPr/>
+          <p:nvPr/>
+        </p:nvSpPr>
+        <p:spPr>
+          <a:xfrm>
+            <a:off x="0" y="365125"/>
+            <a:ext cx="678427" cy="556649"/>
+          </a:xfrm>
+          <a:prstGeom prst="rect">
+            <a:avLst/>
+          </a:prstGeom>
+          <a:ln>
+            <a:noFill/>
+          </a:ln>
+        </p:spPr>
+        <p:style>
+          <a:lnRef idx="2">
+            <a:schemeClr val="accent1">
+              <a:shade val="15000"/>
+            </a:schemeClr>
+          </a:lnRef>
+          <a:fillRef idx="1">
+            <a:schemeClr val="accent1"/>
+          </a:fillRef>
+          <a:effectRef idx="0">
+            <a:schemeClr val="accent1"/>
+          </a:effectRef>
+          <a:fontRef idx="minor">
+            <a:schemeClr val="lt1"/>
+          </a:fontRef>
+        </p:style>
+        <p:txBody>
+          <a:bodyPr rtlCol="0" anchor="ctr"/>
+          <a:lstStyle/>
+          <a:p>
+            <a:pPr algn="ctr"/>
+            <a:endParaRPr lang="en-CA"/>
           </a:p>
         </p:txBody>
       </p:sp>
@@ -24493,6 +25412,84 @@
           </p:sp>
         </mc:Fallback>
       </mc:AlternateContent>
+      <p:sp>
+        <p:nvSpPr>
+          <p:cNvPr id="5" name="Slide Number Placeholder 4">
+            <a:extLst>
+              <a:ext uri="{FF2B5EF4-FFF2-40B4-BE49-F238E27FC236}">
+                <a16:creationId xmlns:a16="http://schemas.microsoft.com/office/drawing/2014/main" id="{E5147425-65D7-37E2-94C4-C8DE409FE9A3}"/>
+              </a:ext>
+            </a:extLst>
+          </p:cNvPr>
+          <p:cNvSpPr>
+            <a:spLocks noGrp="1"/>
+          </p:cNvSpPr>
+          <p:nvPr>
+            <p:ph type="sldNum" sz="quarter" idx="12"/>
+          </p:nvPr>
+        </p:nvSpPr>
+        <p:spPr/>
+        <p:txBody>
+          <a:bodyPr/>
+          <a:lstStyle/>
+          <a:p>
+            <a:fld id="{4BD3201E-7DF8-462B-AC18-61E63795AE0D}" type="slidenum">
+              <a:rPr lang="en-CA" smtClean="0"/>
+              <a:t>23</a:t>
+            </a:fld>
+            <a:endParaRPr lang="en-CA"/>
+          </a:p>
+        </p:txBody>
+      </p:sp>
+      <p:sp>
+        <p:nvSpPr>
+          <p:cNvPr id="4" name="Rectangle 3">
+            <a:extLst>
+              <a:ext uri="{FF2B5EF4-FFF2-40B4-BE49-F238E27FC236}">
+                <a16:creationId xmlns:a16="http://schemas.microsoft.com/office/drawing/2014/main" id="{E8BA408E-8F21-2E99-63F6-15F587C524E1}"/>
+              </a:ext>
+            </a:extLst>
+          </p:cNvPr>
+          <p:cNvSpPr/>
+          <p:nvPr/>
+        </p:nvSpPr>
+        <p:spPr>
+          <a:xfrm>
+            <a:off x="0" y="365125"/>
+            <a:ext cx="678427" cy="556649"/>
+          </a:xfrm>
+          <a:prstGeom prst="rect">
+            <a:avLst/>
+          </a:prstGeom>
+          <a:ln>
+            <a:noFill/>
+          </a:ln>
+        </p:spPr>
+        <p:style>
+          <a:lnRef idx="2">
+            <a:schemeClr val="accent1">
+              <a:shade val="15000"/>
+            </a:schemeClr>
+          </a:lnRef>
+          <a:fillRef idx="1">
+            <a:schemeClr val="accent1"/>
+          </a:fillRef>
+          <a:effectRef idx="0">
+            <a:schemeClr val="accent1"/>
+          </a:effectRef>
+          <a:fontRef idx="minor">
+            <a:schemeClr val="lt1"/>
+          </a:fontRef>
+        </p:style>
+        <p:txBody>
+          <a:bodyPr rtlCol="0" anchor="ctr"/>
+          <a:lstStyle/>
+          <a:p>
+            <a:pPr algn="ctr"/>
+            <a:endParaRPr lang="en-CA"/>
+          </a:p>
+        </p:txBody>
+      </p:sp>
     </p:spTree>
     <p:extLst>
       <p:ext uri="{BB962C8B-B14F-4D97-AF65-F5344CB8AC3E}">
@@ -24585,771 +25582,146 @@
             </p:spPr>
             <p:txBody>
               <a:bodyPr>
-                <a:normAutofit/>
+                <a:normAutofit fontScale="92500" lnSpcReduction="20000"/>
               </a:bodyPr>
               <a:lstStyle/>
               <a:p>
                 <a:pPr marL="0" indent="0" algn="just">
+                  <a:lnSpc>
+                    <a:spcPct val="110000"/>
+                  </a:lnSpc>
+                  <a:spcAft>
+                    <a:spcPts val="1200"/>
+                  </a:spcAft>
                   <a:buNone/>
                 </a:pPr>
                 <a:r>
-                  <a:rPr lang="en-CA" sz="1800" dirty="0">
-                    <a:highlight>
-                      <a:srgbClr val="FFFF00"/>
-                    </a:highlight>
-                  </a:rPr>
-                  <a:t>La verification de code montre … </a:t>
+                  <a:rPr lang="fr-CA" sz="1800" dirty="0"/>
+                  <a:t>En voulant effectuer la vérification de code sur le logiciel </a:t>
                 </a:r>
                 <a:r>
-                  <a:rPr lang="en-CA" sz="1800" dirty="0" err="1">
-                    <a:highlight>
-                      <a:srgbClr val="FFFF00"/>
-                    </a:highlight>
-                  </a:rPr>
-                  <a:t>ce</a:t>
+                  <a:rPr lang="fr-CA" sz="1800" dirty="0" err="1"/>
+                  <a:t>SimCenter</a:t>
                 </a:r>
                 <a:r>
-                  <a:rPr lang="en-CA" sz="1800" dirty="0">
-                    <a:highlight>
-                      <a:srgbClr val="FFFF00"/>
-                    </a:highlight>
-                  </a:rPr>
-                  <a:t> </a:t>
+                  <a:rPr lang="fr-CA" sz="1800" dirty="0"/>
+                  <a:t> 3D, le problème rencontré réside dans l’incompatibilité de la solution analytique choisie pour la vérification (Formulation d’une poutre d’Euler qui est une équation différentielle d’ordre 4) avec la nature des éléments poutre implémentés par </a:t>
                 </a:r>
                 <a:r>
-                  <a:rPr lang="en-CA" sz="1800" dirty="0" err="1">
-                    <a:highlight>
-                      <a:srgbClr val="FFFF00"/>
-                    </a:highlight>
-                  </a:rPr>
-                  <a:t>n’etait</a:t>
+                  <a:rPr lang="fr-CA" sz="1800" dirty="0" err="1"/>
+                  <a:t>SimCenter</a:t>
                 </a:r>
                 <a:r>
-                  <a:rPr lang="en-CA" sz="1800" dirty="0">
-                    <a:highlight>
-                      <a:srgbClr val="FFFF00"/>
-                    </a:highlight>
-                  </a:rPr>
-                  <a:t> pas </a:t>
-                </a:r>
-                <a:r>
-                  <a:rPr lang="en-CA" sz="1800" dirty="0" err="1">
-                    <a:highlight>
-                      <a:srgbClr val="FFFF00"/>
-                    </a:highlight>
-                  </a:rPr>
-                  <a:t>directement</a:t>
-                </a:r>
-                <a:r>
-                  <a:rPr lang="en-CA" sz="1800" dirty="0">
-                    <a:highlight>
-                      <a:srgbClr val="FFFF00"/>
-                    </a:highlight>
-                  </a:rPr>
-                  <a:t> </a:t>
-                </a:r>
-                <a:r>
-                  <a:rPr lang="en-CA" sz="1800" dirty="0" err="1">
-                    <a:highlight>
-                      <a:srgbClr val="FFFF00"/>
-                    </a:highlight>
-                  </a:rPr>
-                  <a:t>une</a:t>
-                </a:r>
-                <a:r>
-                  <a:rPr lang="en-CA" sz="1800" dirty="0">
-                    <a:highlight>
-                      <a:srgbClr val="FFFF00"/>
-                    </a:highlight>
-                  </a:rPr>
-                  <a:t> verification du MEF de la </a:t>
-                </a:r>
-                <a:r>
-                  <a:rPr lang="en-CA" sz="1800" dirty="0" err="1">
-                    <a:highlight>
-                      <a:srgbClr val="FFFF00"/>
-                    </a:highlight>
-                  </a:rPr>
-                  <a:t>colonne</a:t>
-                </a:r>
-                <a:r>
-                  <a:rPr lang="en-CA" sz="1800" dirty="0">
-                    <a:highlight>
-                      <a:srgbClr val="FFFF00"/>
-                    </a:highlight>
-                  </a:rPr>
-                  <a:t> </a:t>
-                </a:r>
-                <a:r>
-                  <a:rPr lang="en-CA" sz="1800" dirty="0" err="1">
-                    <a:highlight>
-                      <a:srgbClr val="FFFF00"/>
-                    </a:highlight>
-                  </a:rPr>
-                  <a:t>vertebrale</a:t>
-                </a:r>
-                <a:r>
-                  <a:rPr lang="en-CA" sz="1800" dirty="0">
-                    <a:highlight>
-                      <a:srgbClr val="FFFF00"/>
-                    </a:highlight>
-                  </a:rPr>
-                  <a:t> </a:t>
-                </a:r>
-                <a:r>
-                  <a:rPr lang="en-CA" sz="1800" dirty="0" err="1">
-                    <a:highlight>
-                      <a:srgbClr val="FFFF00"/>
-                    </a:highlight>
-                  </a:rPr>
-                  <a:t>mais</a:t>
-                </a:r>
-                <a:r>
-                  <a:rPr lang="en-CA" sz="1800" dirty="0">
-                    <a:highlight>
-                      <a:srgbClr val="FFFF00"/>
-                    </a:highlight>
-                  </a:rPr>
-                  <a:t> </a:t>
-                </a:r>
-                <a:r>
-                  <a:rPr lang="en-CA" sz="1800" dirty="0" err="1">
-                    <a:highlight>
-                      <a:srgbClr val="FFFF00"/>
-                    </a:highlight>
-                  </a:rPr>
-                  <a:t>plutot</a:t>
-                </a:r>
-                <a:r>
-                  <a:rPr lang="en-CA" sz="1800" dirty="0">
-                    <a:highlight>
-                      <a:srgbClr val="FFFF00"/>
-                    </a:highlight>
-                  </a:rPr>
-                  <a:t> de </a:t>
-                </a:r>
-                <a:r>
-                  <a:rPr lang="en-CA" sz="1800" dirty="0" err="1">
-                    <a:highlight>
-                      <a:srgbClr val="FFFF00"/>
-                    </a:highlight>
-                  </a:rPr>
-                  <a:t>simcenter</a:t>
-                </a:r>
-                <a:r>
-                  <a:rPr lang="en-CA" sz="1800" dirty="0">
-                    <a:highlight>
-                      <a:srgbClr val="FFFF00"/>
-                    </a:highlight>
-                  </a:rPr>
-                  <a:t>…</a:t>
+                  <a:rPr lang="fr-CA" sz="1800" dirty="0"/>
+                  <a:t> (qui sont des poutres de Timoshenko, équation différentielle d’ordre m=2, donc interpolation d’ordre m-1=1). Ainsi l’interpolation entre deux nœuds de la poutre d’Euler était linéaire et l’erreur L2 ne convergeait pas vers l’ordre formel attendu. Cependant, en utilisant une méthode de convergence basée sur les énergies de déformation, et qui converge à l’ordre p, on réussit à retrouver l’ordre p=1 d’un élément linéaire. Le code est donc vérifié, tel qu’attendu vu que c’est un logiciel commercial qui a normalement déjà subit toutes les étapes de V&amp;V.</a:t>
                 </a:r>
               </a:p>
               <a:p>
                 <a:pPr marL="0" indent="0" algn="just">
+                  <a:lnSpc>
+                    <a:spcPct val="110000"/>
+                  </a:lnSpc>
+                  <a:spcAft>
+                    <a:spcPts val="1200"/>
+                  </a:spcAft>
                   <a:buNone/>
                 </a:pPr>
                 <a:r>
-                  <a:rPr lang="en-CA" sz="1800" dirty="0">
-                    <a:highlight>
-                      <a:srgbClr val="FFFF00"/>
-                    </a:highlight>
-                  </a:rPr>
-                  <a:t>La verification de solution </a:t>
+                  <a:rPr lang="fr-CA" sz="1800" dirty="0"/>
+                  <a:t>Pour la vérification de solution, on se base sur l’ordre formel de l’équation d’une poutre de Timoshenko (</a:t>
                 </a:r>
+                <a14:m>
+                  <m:oMath xmlns:m="http://schemas.openxmlformats.org/officeDocument/2006/math">
+                    <m:sSub>
+                      <m:sSubPr>
+                        <m:ctrlPr>
+                          <a:rPr lang="en-CA" sz="1800" b="0" i="1" smtClean="0">
+                            <a:latin typeface="Cambria Math" panose="02040503050406030204" pitchFamily="18" charset="0"/>
+                          </a:rPr>
+                        </m:ctrlPr>
+                      </m:sSubPr>
+                      <m:e>
+                        <m:r>
+                          <a:rPr lang="en-CA" sz="1800" b="0" i="1" smtClean="0">
+                            <a:latin typeface="Cambria Math" panose="02040503050406030204" pitchFamily="18" charset="0"/>
+                          </a:rPr>
+                          <m:t>𝑝</m:t>
+                        </m:r>
+                      </m:e>
+                      <m:sub>
+                        <m:r>
+                          <a:rPr lang="en-CA" sz="1800" b="0" i="1" smtClean="0">
+                            <a:latin typeface="Cambria Math" panose="02040503050406030204" pitchFamily="18" charset="0"/>
+                          </a:rPr>
+                          <m:t>𝑓</m:t>
+                        </m:r>
+                      </m:sub>
+                    </m:sSub>
+                    <m:r>
+                      <a:rPr lang="en-CA" sz="1800" b="0" i="1" smtClean="0">
+                        <a:latin typeface="Cambria Math" panose="02040503050406030204" pitchFamily="18" charset="0"/>
+                      </a:rPr>
+                      <m:t>=2</m:t>
+                    </m:r>
+                    <m:r>
+                      <a:rPr lang="en-CA" sz="1800" b="0" i="0" smtClean="0">
+                        <a:latin typeface="Cambria Math" panose="02040503050406030204" pitchFamily="18" charset="0"/>
+                      </a:rPr>
+                      <m:t>).</m:t>
+                    </m:r>
+                  </m:oMath>
+                </a14:m>
                 <a:r>
-                  <a:rPr lang="en-CA" sz="1800" dirty="0" err="1">
-                    <a:highlight>
-                      <a:srgbClr val="FFFF00"/>
-                    </a:highlight>
-                  </a:rPr>
-                  <a:t>donne</a:t>
+                  <a:rPr lang="fr-CA" sz="1800" dirty="0"/>
+                  <a:t> Ainsi on obtient </a:t>
                 </a:r>
+                <a14:m>
+                  <m:oMath xmlns:m="http://schemas.openxmlformats.org/officeDocument/2006/math">
+                    <m:acc>
+                      <m:accPr>
+                        <m:chr m:val="̂"/>
+                        <m:ctrlPr>
+                          <a:rPr lang="en-CA" sz="1800" b="0" i="1" smtClean="0">
+                            <a:latin typeface="Cambria Math" panose="02040503050406030204" pitchFamily="18" charset="0"/>
+                          </a:rPr>
+                        </m:ctrlPr>
+                      </m:accPr>
+                      <m:e>
+                        <m:r>
+                          <a:rPr lang="en-CA" sz="1800" b="0" i="1" smtClean="0">
+                            <a:latin typeface="Cambria Math" panose="02040503050406030204" pitchFamily="18" charset="0"/>
+                          </a:rPr>
+                          <m:t>𝑝</m:t>
+                        </m:r>
+                      </m:e>
+                    </m:acc>
+                    <m:r>
+                      <a:rPr lang="en-CA" sz="1800" b="0" i="1" smtClean="0">
+                        <a:latin typeface="Cambria Math" panose="02040503050406030204" pitchFamily="18" charset="0"/>
+                      </a:rPr>
+                      <m:t>=2.055</m:t>
+                    </m:r>
+                  </m:oMath>
+                </a14:m>
                 <a:r>
-                  <a:rPr lang="en-CA" sz="1800" dirty="0">
-                    <a:highlight>
-                      <a:srgbClr val="FFFF00"/>
-                    </a:highlight>
-                  </a:rPr>
-                  <a:t> un </a:t>
+                  <a:rPr lang="fr-CA" sz="1800" dirty="0"/>
+                  <a:t> en utilisant 3 maillages, ce qui donne un écart relatif ~3% . Avec un tel écart proche de 1% on trouve qu’une approximation de la solution par une extrapolation de Richardson est possible, donc l’incertitude est nulle, et la solution est vérifiée.</a:t>
                 </a:r>
-                <a:r>
-                  <a:rPr lang="en-CA" sz="1800" dirty="0" err="1">
-                    <a:highlight>
-                      <a:srgbClr val="FFFF00"/>
-                    </a:highlight>
-                  </a:rPr>
-                  <a:t>estimé</a:t>
-                </a:r>
-                <a:r>
-                  <a:rPr lang="en-CA" sz="1800" dirty="0">
-                    <a:highlight>
-                      <a:srgbClr val="FFFF00"/>
-                    </a:highlight>
-                  </a:rPr>
-                  <a:t> de </a:t>
-                </a:r>
-                <a:r>
-                  <a:rPr lang="en-CA" sz="1800" dirty="0" err="1">
-                    <a:highlight>
-                      <a:srgbClr val="FFFF00"/>
-                    </a:highlight>
-                  </a:rPr>
-                  <a:t>l’erreur</a:t>
-                </a:r>
-                <a:r>
-                  <a:rPr lang="en-CA" sz="1800" dirty="0">
-                    <a:highlight>
-                      <a:srgbClr val="FFFF00"/>
-                    </a:highlight>
-                  </a:rPr>
-                  <a:t> de ?? Et on </a:t>
-                </a:r>
-                <a:r>
-                  <a:rPr lang="en-CA" sz="1800" dirty="0" err="1">
-                    <a:highlight>
-                      <a:srgbClr val="FFFF00"/>
-                    </a:highlight>
-                  </a:rPr>
-                  <a:t>trouve</a:t>
-                </a:r>
-                <a:r>
-                  <a:rPr lang="en-CA" sz="1800" dirty="0">
-                    <a:highlight>
-                      <a:srgbClr val="FFFF00"/>
-                    </a:highlight>
-                  </a:rPr>
-                  <a:t> </a:t>
-                </a:r>
-                <a:r>
-                  <a:rPr lang="en-CA" sz="1800" dirty="0" err="1">
-                    <a:highlight>
-                      <a:srgbClr val="FFFF00"/>
-                    </a:highlight>
-                  </a:rPr>
-                  <a:t>qu’une</a:t>
-                </a:r>
-                <a:r>
-                  <a:rPr lang="en-CA" sz="1800" dirty="0">
-                    <a:highlight>
-                      <a:srgbClr val="FFFF00"/>
-                    </a:highlight>
-                  </a:rPr>
-                  <a:t> approximation de la solution par </a:t>
-                </a:r>
-                <a:r>
-                  <a:rPr lang="en-CA" sz="1800" dirty="0" err="1">
-                    <a:highlight>
-                      <a:srgbClr val="FFFF00"/>
-                    </a:highlight>
-                  </a:rPr>
-                  <a:t>une</a:t>
-                </a:r>
-                <a:r>
-                  <a:rPr lang="en-CA" sz="1800" dirty="0">
-                    <a:highlight>
-                      <a:srgbClr val="FFFF00"/>
-                    </a:highlight>
-                  </a:rPr>
-                  <a:t> extrapolation de Richardson </a:t>
-                </a:r>
-                <a:r>
-                  <a:rPr lang="en-CA" sz="1800" dirty="0" err="1">
-                    <a:highlight>
-                      <a:srgbClr val="FFFF00"/>
-                    </a:highlight>
-                  </a:rPr>
-                  <a:t>est</a:t>
-                </a:r>
-                <a:r>
-                  <a:rPr lang="en-CA" sz="1800" dirty="0">
-                    <a:highlight>
-                      <a:srgbClr val="FFFF00"/>
-                    </a:highlight>
-                  </a:rPr>
-                  <a:t> possible </a:t>
-                </a:r>
-                <a:r>
-                  <a:rPr lang="en-CA" sz="1800" dirty="0" err="1">
-                    <a:highlight>
-                      <a:srgbClr val="FFFF00"/>
-                    </a:highlight>
-                  </a:rPr>
-                  <a:t>blablabla</a:t>
-                </a:r>
-                <a:endParaRPr lang="en-CA" sz="1800" dirty="0">
-                  <a:highlight>
-                    <a:srgbClr val="FFFF00"/>
-                  </a:highlight>
-                </a:endParaRPr>
               </a:p>
               <a:p>
                 <a:pPr marL="0" indent="0" algn="just">
+                  <a:lnSpc>
+                    <a:spcPct val="110000"/>
+                  </a:lnSpc>
                   <a:buNone/>
                 </a:pPr>
                 <a:r>
-                  <a:rPr lang="en-CA" sz="1800" dirty="0" err="1">
-                    <a:highlight>
-                      <a:srgbClr val="FFFF00"/>
-                    </a:highlight>
-                  </a:rPr>
-                  <a:t>Arrivee</a:t>
+                  <a:rPr lang="fr-CA" sz="1800" dirty="0"/>
+                  <a:t>Arrivée l’étape de validation, plusieurs hypothèses ont dû être effectuées pour pallier le manque d’information des articles scientifiques sur la distribution des données d’entrée, ainsi que les erreurs de mesure de ces données, mais aussi sur les expériences de validation et les mesures de la SRQ. Ceci fait que malgré le fait que l’intervalle d’incertitude sur l'erreur du modèle contient la valeur 0, l’intervalle est beaucoup trop large pour pouvoir affirmer que le modèle est complètement fiable. Des efforts de réduction</a:t>
                 </a:r>
                 <a:r>
-                  <a:rPr lang="en-CA" sz="1800" dirty="0">
-                    <a:highlight>
-                      <a:srgbClr val="FFFF00"/>
-                    </a:highlight>
-                  </a:rPr>
-                  <a:t> a </a:t>
-                </a:r>
-                <a:r>
-                  <a:rPr lang="en-CA" sz="1800" dirty="0" err="1">
-                    <a:highlight>
-                      <a:srgbClr val="FFFF00"/>
-                    </a:highlight>
-                  </a:rPr>
-                  <a:t>l’etape</a:t>
-                </a:r>
-                <a:r>
-                  <a:rPr lang="en-CA" sz="1800" dirty="0">
-                    <a:highlight>
-                      <a:srgbClr val="FFFF00"/>
-                    </a:highlight>
-                  </a:rPr>
-                  <a:t> de validation, </a:t>
-                </a:r>
-                <a:r>
-                  <a:rPr lang="en-CA" sz="1800" dirty="0" err="1">
-                    <a:highlight>
-                      <a:srgbClr val="FFFF00"/>
-                    </a:highlight>
-                  </a:rPr>
-                  <a:t>plusieurs</a:t>
-                </a:r>
-                <a:r>
-                  <a:rPr lang="en-CA" sz="1800" dirty="0">
-                    <a:highlight>
-                      <a:srgbClr val="FFFF00"/>
-                    </a:highlight>
-                  </a:rPr>
-                  <a:t> hypotheses </a:t>
-                </a:r>
-                <a:r>
-                  <a:rPr lang="en-CA" sz="1800" dirty="0" err="1">
-                    <a:highlight>
-                      <a:srgbClr val="FFFF00"/>
-                    </a:highlight>
-                  </a:rPr>
-                  <a:t>ont</a:t>
-                </a:r>
-                <a:r>
-                  <a:rPr lang="en-CA" sz="1800" dirty="0">
-                    <a:highlight>
-                      <a:srgbClr val="FFFF00"/>
-                    </a:highlight>
-                  </a:rPr>
-                  <a:t> du </a:t>
-                </a:r>
-                <a:r>
-                  <a:rPr lang="en-CA" sz="1800" dirty="0" err="1">
-                    <a:highlight>
-                      <a:srgbClr val="FFFF00"/>
-                    </a:highlight>
-                  </a:rPr>
-                  <a:t>etre</a:t>
-                </a:r>
-                <a:r>
-                  <a:rPr lang="en-CA" sz="1800" dirty="0">
-                    <a:highlight>
-                      <a:srgbClr val="FFFF00"/>
-                    </a:highlight>
-                  </a:rPr>
-                  <a:t> </a:t>
-                </a:r>
-                <a:r>
-                  <a:rPr lang="en-CA" sz="1800" dirty="0" err="1">
-                    <a:highlight>
-                      <a:srgbClr val="FFFF00"/>
-                    </a:highlight>
-                  </a:rPr>
-                  <a:t>effectuees</a:t>
-                </a:r>
-                <a:r>
-                  <a:rPr lang="en-CA" sz="1800" dirty="0">
-                    <a:highlight>
-                      <a:srgbClr val="FFFF00"/>
-                    </a:highlight>
-                  </a:rPr>
-                  <a:t> pour pallier aux manque </a:t>
-                </a:r>
-                <a:r>
-                  <a:rPr lang="en-CA" sz="1800" dirty="0" err="1">
-                    <a:highlight>
-                      <a:srgbClr val="FFFF00"/>
-                    </a:highlight>
-                  </a:rPr>
-                  <a:t>d’information</a:t>
-                </a:r>
-                <a:r>
-                  <a:rPr lang="en-CA" sz="1800" dirty="0">
-                    <a:highlight>
-                      <a:srgbClr val="FFFF00"/>
-                    </a:highlight>
-                  </a:rPr>
-                  <a:t> des articles </a:t>
-                </a:r>
-                <a:r>
-                  <a:rPr lang="en-CA" sz="1800" dirty="0" err="1">
-                    <a:highlight>
-                      <a:srgbClr val="FFFF00"/>
-                    </a:highlight>
-                  </a:rPr>
-                  <a:t>scientifiques</a:t>
-                </a:r>
-                <a:r>
-                  <a:rPr lang="en-CA" sz="1800" dirty="0">
-                    <a:highlight>
-                      <a:srgbClr val="FFFF00"/>
-                    </a:highlight>
-                  </a:rPr>
-                  <a:t> sur la distribution des </a:t>
-                </a:r>
-                <a:r>
-                  <a:rPr lang="en-CA" sz="1800" dirty="0" err="1">
-                    <a:highlight>
-                      <a:srgbClr val="FFFF00"/>
-                    </a:highlight>
-                  </a:rPr>
-                  <a:t>donnees</a:t>
-                </a:r>
-                <a:r>
-                  <a:rPr lang="en-CA" sz="1800" dirty="0">
-                    <a:highlight>
-                      <a:srgbClr val="FFFF00"/>
-                    </a:highlight>
-                  </a:rPr>
-                  <a:t> </a:t>
-                </a:r>
-                <a:r>
-                  <a:rPr lang="en-CA" sz="1800" dirty="0" err="1">
-                    <a:highlight>
-                      <a:srgbClr val="FFFF00"/>
-                    </a:highlight>
-                  </a:rPr>
-                  <a:t>d’entrees</a:t>
-                </a:r>
-                <a:r>
-                  <a:rPr lang="en-CA" sz="1800" dirty="0">
-                    <a:highlight>
-                      <a:srgbClr val="FFFF00"/>
-                    </a:highlight>
-                  </a:rPr>
-                  <a:t>, </a:t>
-                </a:r>
-                <a:r>
-                  <a:rPr lang="en-CA" sz="1800" dirty="0" err="1">
-                    <a:highlight>
-                      <a:srgbClr val="FFFF00"/>
-                    </a:highlight>
-                  </a:rPr>
-                  <a:t>ainsi</a:t>
-                </a:r>
-                <a:r>
-                  <a:rPr lang="en-CA" sz="1800" dirty="0">
-                    <a:highlight>
-                      <a:srgbClr val="FFFF00"/>
-                    </a:highlight>
-                  </a:rPr>
-                  <a:t> que les </a:t>
-                </a:r>
-                <a:r>
-                  <a:rPr lang="en-CA" sz="1800" dirty="0" err="1">
-                    <a:highlight>
-                      <a:srgbClr val="FFFF00"/>
-                    </a:highlight>
-                  </a:rPr>
-                  <a:t>erreurs</a:t>
-                </a:r>
-                <a:r>
-                  <a:rPr lang="en-CA" sz="1800" dirty="0">
-                    <a:highlight>
-                      <a:srgbClr val="FFFF00"/>
-                    </a:highlight>
-                  </a:rPr>
+                  <a:rPr lang="en-CA" sz="1800" dirty="0"/>
                   <a:t> de </a:t>
-                </a:r>
-                <a:r>
-                  <a:rPr lang="en-CA" sz="1800" dirty="0" err="1">
-                    <a:highlight>
-                      <a:srgbClr val="FFFF00"/>
-                    </a:highlight>
-                  </a:rPr>
-                  <a:t>mesure</a:t>
-                </a:r>
-                <a:r>
-                  <a:rPr lang="en-CA" sz="1800" dirty="0">
-                    <a:highlight>
-                      <a:srgbClr val="FFFF00"/>
-                    </a:highlight>
-                  </a:rPr>
-                  <a:t>  de </a:t>
-                </a:r>
-                <a:r>
-                  <a:rPr lang="en-CA" sz="1800" dirty="0" err="1">
-                    <a:highlight>
-                      <a:srgbClr val="FFFF00"/>
-                    </a:highlight>
-                  </a:rPr>
-                  <a:t>ces</a:t>
-                </a:r>
-                <a:r>
-                  <a:rPr lang="en-CA" sz="1800" dirty="0">
-                    <a:highlight>
-                      <a:srgbClr val="FFFF00"/>
-                    </a:highlight>
-                  </a:rPr>
-                  <a:t> </a:t>
-                </a:r>
-                <a:r>
-                  <a:rPr lang="en-CA" sz="1800" dirty="0" err="1">
-                    <a:highlight>
-                      <a:srgbClr val="FFFF00"/>
-                    </a:highlight>
-                  </a:rPr>
-                  <a:t>donnees</a:t>
-                </a:r>
-                <a:r>
-                  <a:rPr lang="en-CA" sz="1800" dirty="0">
-                    <a:highlight>
-                      <a:srgbClr val="FFFF00"/>
-                    </a:highlight>
-                  </a:rPr>
-                  <a:t> </a:t>
-                </a:r>
-                <a:r>
-                  <a:rPr lang="en-CA" sz="1800" dirty="0" err="1">
-                    <a:highlight>
-                      <a:srgbClr val="FFFF00"/>
-                    </a:highlight>
-                  </a:rPr>
-                  <a:t>mais</a:t>
-                </a:r>
-                <a:r>
-                  <a:rPr lang="en-CA" sz="1800" dirty="0">
-                    <a:highlight>
-                      <a:srgbClr val="FFFF00"/>
-                    </a:highlight>
-                  </a:rPr>
-                  <a:t> </a:t>
-                </a:r>
-                <a:r>
-                  <a:rPr lang="en-CA" sz="1800" dirty="0" err="1">
-                    <a:highlight>
-                      <a:srgbClr val="FFFF00"/>
-                    </a:highlight>
-                  </a:rPr>
-                  <a:t>aussi</a:t>
-                </a:r>
-                <a:r>
-                  <a:rPr lang="en-CA" sz="1800" dirty="0">
-                    <a:highlight>
-                      <a:srgbClr val="FFFF00"/>
-                    </a:highlight>
-                  </a:rPr>
-                  <a:t> sur les experiences de validation et les </a:t>
-                </a:r>
-                <a:r>
-                  <a:rPr lang="en-CA" sz="1800" dirty="0" err="1">
-                    <a:highlight>
-                      <a:srgbClr val="FFFF00"/>
-                    </a:highlight>
-                  </a:rPr>
-                  <a:t>mesures</a:t>
-                </a:r>
-                <a:r>
-                  <a:rPr lang="en-CA" sz="1800" dirty="0">
-                    <a:highlight>
-                      <a:srgbClr val="FFFF00"/>
-                    </a:highlight>
-                  </a:rPr>
-                  <a:t> de la SRQ. Ceci fait que malgré un </a:t>
-                </a:r>
-                <a:r>
-                  <a:rPr lang="en-CA" sz="1800" dirty="0" err="1">
-                    <a:highlight>
-                      <a:srgbClr val="FFFF00"/>
-                    </a:highlight>
-                  </a:rPr>
-                  <a:t>intervalle</a:t>
-                </a:r>
-                <a:r>
-                  <a:rPr lang="en-CA" sz="1800" dirty="0">
-                    <a:highlight>
-                      <a:srgbClr val="FFFF00"/>
-                    </a:highlight>
-                  </a:rPr>
-                  <a:t> </a:t>
-                </a:r>
-                <a:r>
-                  <a:rPr lang="en-CA" sz="1800" dirty="0" err="1">
-                    <a:highlight>
-                      <a:srgbClr val="FFFF00"/>
-                    </a:highlight>
-                  </a:rPr>
-                  <a:t>d’incertitude</a:t>
-                </a:r>
-                <a:r>
-                  <a:rPr lang="en-CA" sz="1800" dirty="0">
-                    <a:highlight>
-                      <a:srgbClr val="FFFF00"/>
-                    </a:highlight>
-                  </a:rPr>
-                  <a:t> sur </a:t>
-                </a:r>
-                <a:r>
-                  <a:rPr lang="en-CA" sz="1800" dirty="0" err="1">
-                    <a:highlight>
-                      <a:srgbClr val="FFFF00"/>
-                    </a:highlight>
-                  </a:rPr>
-                  <a:t>l;erreure</a:t>
-                </a:r>
-                <a:r>
-                  <a:rPr lang="en-CA" sz="1800" dirty="0">
-                    <a:highlight>
-                      <a:srgbClr val="FFFF00"/>
-                    </a:highlight>
-                  </a:rPr>
-                  <a:t> du </a:t>
-                </a:r>
-                <a:r>
-                  <a:rPr lang="en-CA" sz="1800" dirty="0" err="1">
-                    <a:highlight>
-                      <a:srgbClr val="FFFF00"/>
-                    </a:highlight>
-                  </a:rPr>
-                  <a:t>modele</a:t>
-                </a:r>
-                <a:r>
-                  <a:rPr lang="en-CA" sz="1800" dirty="0">
-                    <a:highlight>
-                      <a:srgbClr val="FFFF00"/>
-                    </a:highlight>
-                  </a:rPr>
-                  <a:t> qui englobe la </a:t>
-                </a:r>
-                <a:r>
-                  <a:rPr lang="en-CA" sz="1800" dirty="0" err="1">
-                    <a:highlight>
-                      <a:srgbClr val="FFFF00"/>
-                    </a:highlight>
-                  </a:rPr>
-                  <a:t>valeur</a:t>
-                </a:r>
-                <a:r>
-                  <a:rPr lang="en-CA" sz="1800" dirty="0">
-                    <a:highlight>
-                      <a:srgbClr val="FFFF00"/>
-                    </a:highlight>
-                  </a:rPr>
-                  <a:t> 0, </a:t>
-                </a:r>
-                <a:r>
-                  <a:rPr lang="en-CA" sz="1800" dirty="0" err="1">
-                    <a:highlight>
-                      <a:srgbClr val="FFFF00"/>
-                    </a:highlight>
-                  </a:rPr>
-                  <a:t>l’intervalle</a:t>
-                </a:r>
-                <a:r>
-                  <a:rPr lang="en-CA" sz="1800" dirty="0">
-                    <a:highlight>
-                      <a:srgbClr val="FFFF00"/>
-                    </a:highlight>
-                  </a:rPr>
-                  <a:t> </a:t>
-                </a:r>
-                <a:r>
-                  <a:rPr lang="en-CA" sz="1800" dirty="0" err="1">
-                    <a:highlight>
-                      <a:srgbClr val="FFFF00"/>
-                    </a:highlight>
-                  </a:rPr>
-                  <a:t>est</a:t>
-                </a:r>
-                <a:r>
-                  <a:rPr lang="en-CA" sz="1800" dirty="0">
-                    <a:highlight>
-                      <a:srgbClr val="FFFF00"/>
-                    </a:highlight>
-                  </a:rPr>
-                  <a:t> beaucoup trop large pour </a:t>
-                </a:r>
-                <a:r>
-                  <a:rPr lang="en-CA" sz="1800" dirty="0" err="1">
-                    <a:highlight>
-                      <a:srgbClr val="FFFF00"/>
-                    </a:highlight>
-                  </a:rPr>
-                  <a:t>pouvoir</a:t>
-                </a:r>
-                <a:r>
-                  <a:rPr lang="en-CA" sz="1800" dirty="0">
-                    <a:highlight>
-                      <a:srgbClr val="FFFF00"/>
-                    </a:highlight>
-                  </a:rPr>
-                  <a:t> affirmer que le </a:t>
-                </a:r>
-                <a:r>
-                  <a:rPr lang="en-CA" sz="1800" dirty="0" err="1">
-                    <a:highlight>
-                      <a:srgbClr val="FFFF00"/>
-                    </a:highlight>
-                  </a:rPr>
-                  <a:t>modele</a:t>
-                </a:r>
-                <a:r>
-                  <a:rPr lang="en-CA" sz="1800" dirty="0">
-                    <a:highlight>
-                      <a:srgbClr val="FFFF00"/>
-                    </a:highlight>
-                  </a:rPr>
-                  <a:t> </a:t>
-                </a:r>
-                <a:r>
-                  <a:rPr lang="en-CA" sz="1800" dirty="0" err="1">
-                    <a:highlight>
-                      <a:srgbClr val="FFFF00"/>
-                    </a:highlight>
-                  </a:rPr>
-                  <a:t>est</a:t>
-                </a:r>
-                <a:r>
-                  <a:rPr lang="en-CA" sz="1800" dirty="0">
-                    <a:highlight>
-                      <a:srgbClr val="FFFF00"/>
-                    </a:highlight>
-                  </a:rPr>
-                  <a:t> completement </a:t>
-                </a:r>
-                <a:r>
-                  <a:rPr lang="en-CA" sz="1800" dirty="0" err="1">
-                    <a:highlight>
-                      <a:srgbClr val="FFFF00"/>
-                    </a:highlight>
-                  </a:rPr>
-                  <a:t>fiable</a:t>
-                </a:r>
-                <a:r>
-                  <a:rPr lang="en-CA" sz="1800" dirty="0">
-                    <a:highlight>
-                      <a:srgbClr val="FFFF00"/>
-                    </a:highlight>
-                  </a:rPr>
-                  <a:t>. Des efforts de reduction de </a:t>
                 </a:r>
                 <a14:m>
                   <m:oMath xmlns:m="http://schemas.openxmlformats.org/officeDocument/2006/math">
@@ -25357,9 +25729,6 @@
                       <m:sSubPr>
                         <m:ctrlPr>
                           <a:rPr lang="en-CA" sz="1800" i="1" dirty="0">
-                            <a:highlight>
-                              <a:srgbClr val="FFFF00"/>
-                            </a:highlight>
                             <a:latin typeface="Cambria Math" panose="02040503050406030204" pitchFamily="18" charset="0"/>
                           </a:rPr>
                         </m:ctrlPr>
@@ -25367,9 +25736,6 @@
                       <m:e>
                         <m:r>
                           <a:rPr lang="en-CA" sz="1800" dirty="0">
-                            <a:highlight>
-                              <a:srgbClr val="FFFF00"/>
-                            </a:highlight>
                             <a:latin typeface="Cambria Math" panose="02040503050406030204" pitchFamily="18" charset="0"/>
                           </a:rPr>
                           <m:t>𝑢</m:t>
@@ -25378,18 +25744,12 @@
                       <m:sub>
                         <m:r>
                           <a:rPr lang="en-CA" sz="1800" b="0" i="1" dirty="0" smtClean="0">
-                            <a:highlight>
-                              <a:srgbClr val="FFFF00"/>
-                            </a:highlight>
                             <a:latin typeface="Cambria Math" panose="02040503050406030204" pitchFamily="18" charset="0"/>
                           </a:rPr>
                           <m:t>𝑣𝑎𝑙</m:t>
                         </m:r>
                         <m:r>
                           <a:rPr lang="en-CA" sz="1800" i="1" dirty="0">
-                            <a:highlight>
-                              <a:srgbClr val="FFFF00"/>
-                            </a:highlight>
                             <a:latin typeface="Cambria Math" panose="02040503050406030204" pitchFamily="18" charset="0"/>
                           </a:rPr>
                           <m:t> </m:t>
@@ -25399,52 +25759,8 @@
                   </m:oMath>
                 </a14:m>
                 <a:r>
-                  <a:rPr lang="en-CA" sz="1800" dirty="0" err="1">
-                    <a:highlight>
-                      <a:srgbClr val="FFFF00"/>
-                    </a:highlight>
-                  </a:rPr>
-                  <a:t>doivent</a:t>
-                </a:r>
-                <a:r>
-                  <a:rPr lang="en-CA" sz="1800" dirty="0">
-                    <a:highlight>
-                      <a:srgbClr val="FFFF00"/>
-                    </a:highlight>
-                  </a:rPr>
-                  <a:t> </a:t>
-                </a:r>
-                <a:r>
-                  <a:rPr lang="en-CA" sz="1800" dirty="0" err="1">
-                    <a:highlight>
-                      <a:srgbClr val="FFFF00"/>
-                    </a:highlight>
-                  </a:rPr>
-                  <a:t>etre</a:t>
-                </a:r>
-                <a:r>
-                  <a:rPr lang="en-CA" sz="1800" dirty="0">
-                    <a:highlight>
-                      <a:srgbClr val="FFFF00"/>
-                    </a:highlight>
-                  </a:rPr>
-                  <a:t> </a:t>
-                </a:r>
-                <a:r>
-                  <a:rPr lang="en-CA" sz="1800" dirty="0" err="1">
-                    <a:highlight>
-                      <a:srgbClr val="FFFF00"/>
-                    </a:highlight>
-                  </a:rPr>
-                  <a:t>entrepris</a:t>
-                </a:r>
-                <a:r>
-                  <a:rPr lang="en-CA" sz="1800" dirty="0">
-                    <a:highlight>
-                      <a:srgbClr val="FFFF00"/>
-                    </a:highlight>
-                  </a:rPr>
-                  <a:t> a travers la reduction de </a:t>
+                  <a:rPr lang="fr-FR" sz="1800" dirty="0"/>
+                  <a:t>doivent être entrepris à travers la réduction de </a:t>
                 </a:r>
                 <a14:m>
                   <m:oMath xmlns:m="http://schemas.openxmlformats.org/officeDocument/2006/math">
@@ -25515,11 +25831,7 @@
                   </m:oMath>
                 </a14:m>
                 <a:r>
-                  <a:rPr lang="en-CA" sz="1800" dirty="0">
-                    <a:highlight>
-                      <a:srgbClr val="FFFF00"/>
-                    </a:highlight>
-                  </a:rPr>
+                  <a:rPr lang="en-CA" sz="1800" dirty="0"/>
                   <a:t>.</a:t>
                 </a:r>
               </a:p>
@@ -25551,7 +25863,7 @@
               <a:blipFill>
                 <a:blip r:embed="rId2"/>
                 <a:stretch>
-                  <a:fillRect l="-522" t="-1142" r="-870"/>
+                  <a:fillRect l="-406" t="-799" r="-348"/>
                 </a:stretch>
               </a:blipFill>
             </p:spPr>
@@ -25570,6 +25882,87 @@
           </p:sp>
         </mc:Fallback>
       </mc:AlternateContent>
+      <p:sp>
+        <p:nvSpPr>
+          <p:cNvPr id="5" name="Slide Number Placeholder 4">
+            <a:extLst>
+              <a:ext uri="{FF2B5EF4-FFF2-40B4-BE49-F238E27FC236}">
+                <a16:creationId xmlns:a16="http://schemas.microsoft.com/office/drawing/2014/main" id="{CC554A85-9FD4-A3A3-F781-8C6ACBA4D72A}"/>
+              </a:ext>
+            </a:extLst>
+          </p:cNvPr>
+          <p:cNvSpPr>
+            <a:spLocks noGrp="1"/>
+          </p:cNvSpPr>
+          <p:nvPr>
+            <p:ph type="sldNum" sz="quarter" idx="12"/>
+          </p:nvPr>
+        </p:nvSpPr>
+        <p:spPr/>
+        <p:txBody>
+          <a:bodyPr/>
+          <a:lstStyle/>
+          <a:p>
+            <a:fld id="{4BD3201E-7DF8-462B-AC18-61E63795AE0D}" type="slidenum">
+              <a:rPr lang="en-CA" smtClean="0"/>
+              <a:t>24</a:t>
+            </a:fld>
+            <a:endParaRPr lang="en-CA"/>
+          </a:p>
+        </p:txBody>
+      </p:sp>
+      <p:sp>
+        <p:nvSpPr>
+          <p:cNvPr id="4" name="Rectangle 3">
+            <a:extLst>
+              <a:ext uri="{FF2B5EF4-FFF2-40B4-BE49-F238E27FC236}">
+                <a16:creationId xmlns:a16="http://schemas.microsoft.com/office/drawing/2014/main" id="{4E9F394D-3B01-35AF-A608-94FCD1B86ADC}"/>
+              </a:ext>
+            </a:extLst>
+          </p:cNvPr>
+          <p:cNvSpPr/>
+          <p:nvPr/>
+        </p:nvSpPr>
+        <p:spPr>
+          <a:xfrm>
+            <a:off x="0" y="365125"/>
+            <a:ext cx="678427" cy="556649"/>
+          </a:xfrm>
+          <a:prstGeom prst="rect">
+            <a:avLst/>
+          </a:prstGeom>
+          <a:solidFill>
+            <a:schemeClr val="accent6"/>
+          </a:solidFill>
+          <a:ln>
+            <a:noFill/>
+          </a:ln>
+        </p:spPr>
+        <p:style>
+          <a:lnRef idx="2">
+            <a:schemeClr val="accent1">
+              <a:shade val="15000"/>
+            </a:schemeClr>
+          </a:lnRef>
+          <a:fillRef idx="1">
+            <a:schemeClr val="accent1"/>
+          </a:fillRef>
+          <a:effectRef idx="0">
+            <a:schemeClr val="accent1"/>
+          </a:effectRef>
+          <a:fontRef idx="minor">
+            <a:schemeClr val="lt1"/>
+          </a:fontRef>
+        </p:style>
+        <p:txBody>
+          <a:bodyPr rtlCol="0" anchor="ctr"/>
+          <a:lstStyle/>
+          <a:p>
+            <a:pPr algn="ctr"/>
+            <a:endParaRPr lang="en-CA"/>
+          </a:p>
+        </p:txBody>
+      </p:sp>
     </p:spTree>
     <p:extLst>
       <p:ext uri="{BB962C8B-B14F-4D97-AF65-F5344CB8AC3E}">
@@ -26015,6 +26408,87 @@
                 <a:srgbClr val="FFFF00"/>
               </a:highlight>
             </a:endParaRPr>
+          </a:p>
+        </p:txBody>
+      </p:sp>
+      <p:sp>
+        <p:nvSpPr>
+          <p:cNvPr id="5" name="Slide Number Placeholder 4">
+            <a:extLst>
+              <a:ext uri="{FF2B5EF4-FFF2-40B4-BE49-F238E27FC236}">
+                <a16:creationId xmlns:a16="http://schemas.microsoft.com/office/drawing/2014/main" id="{AEC53A60-E2F1-78C3-773E-241090D039CD}"/>
+              </a:ext>
+            </a:extLst>
+          </p:cNvPr>
+          <p:cNvSpPr>
+            <a:spLocks noGrp="1"/>
+          </p:cNvSpPr>
+          <p:nvPr>
+            <p:ph type="sldNum" sz="quarter" idx="12"/>
+          </p:nvPr>
+        </p:nvSpPr>
+        <p:spPr/>
+        <p:txBody>
+          <a:bodyPr/>
+          <a:lstStyle/>
+          <a:p>
+            <a:fld id="{4BD3201E-7DF8-462B-AC18-61E63795AE0D}" type="slidenum">
+              <a:rPr lang="en-CA" smtClean="0"/>
+              <a:t>25</a:t>
+            </a:fld>
+            <a:endParaRPr lang="en-CA"/>
+          </a:p>
+        </p:txBody>
+      </p:sp>
+      <p:sp>
+        <p:nvSpPr>
+          <p:cNvPr id="4" name="Rectangle 3">
+            <a:extLst>
+              <a:ext uri="{FF2B5EF4-FFF2-40B4-BE49-F238E27FC236}">
+                <a16:creationId xmlns:a16="http://schemas.microsoft.com/office/drawing/2014/main" id="{3847DF2F-2D95-F5EB-B88C-9AABFAF26E74}"/>
+              </a:ext>
+            </a:extLst>
+          </p:cNvPr>
+          <p:cNvSpPr/>
+          <p:nvPr/>
+        </p:nvSpPr>
+        <p:spPr>
+          <a:xfrm>
+            <a:off x="0" y="365125"/>
+            <a:ext cx="678427" cy="556649"/>
+          </a:xfrm>
+          <a:prstGeom prst="rect">
+            <a:avLst/>
+          </a:prstGeom>
+          <a:solidFill>
+            <a:schemeClr val="accent6"/>
+          </a:solidFill>
+          <a:ln>
+            <a:noFill/>
+          </a:ln>
+        </p:spPr>
+        <p:style>
+          <a:lnRef idx="2">
+            <a:schemeClr val="accent1">
+              <a:shade val="15000"/>
+            </a:schemeClr>
+          </a:lnRef>
+          <a:fillRef idx="1">
+            <a:schemeClr val="accent1"/>
+          </a:fillRef>
+          <a:effectRef idx="0">
+            <a:schemeClr val="accent1"/>
+          </a:effectRef>
+          <a:fontRef idx="minor">
+            <a:schemeClr val="lt1"/>
+          </a:fontRef>
+        </p:style>
+        <p:txBody>
+          <a:bodyPr rtlCol="0" anchor="ctr"/>
+          <a:lstStyle/>
+          <a:p>
+            <a:pPr algn="ctr"/>
+            <a:endParaRPr lang="en-CA"/>
           </a:p>
         </p:txBody>
       </p:sp>
@@ -26707,6 +27181,89 @@
           </a:p>
         </p:txBody>
       </p:sp>
+      <p:sp>
+        <p:nvSpPr>
+          <p:cNvPr id="4" name="Slide Number Placeholder 3">
+            <a:extLst>
+              <a:ext uri="{FF2B5EF4-FFF2-40B4-BE49-F238E27FC236}">
+                <a16:creationId xmlns:a16="http://schemas.microsoft.com/office/drawing/2014/main" id="{1FC4FC90-A619-F30E-62A9-A165114ECF67}"/>
+              </a:ext>
+            </a:extLst>
+          </p:cNvPr>
+          <p:cNvSpPr>
+            <a:spLocks noGrp="1"/>
+          </p:cNvSpPr>
+          <p:nvPr>
+            <p:ph type="sldNum" sz="quarter" idx="12"/>
+          </p:nvPr>
+        </p:nvSpPr>
+        <p:spPr/>
+        <p:txBody>
+          <a:bodyPr/>
+          <a:lstStyle/>
+          <a:p>
+            <a:fld id="{4BD3201E-7DF8-462B-AC18-61E63795AE0D}" type="slidenum">
+              <a:rPr lang="en-CA" smtClean="0"/>
+              <a:t>3</a:t>
+            </a:fld>
+            <a:endParaRPr lang="en-CA"/>
+          </a:p>
+        </p:txBody>
+      </p:sp>
+      <p:sp>
+        <p:nvSpPr>
+          <p:cNvPr id="2" name="Rectangle 1">
+            <a:extLst>
+              <a:ext uri="{FF2B5EF4-FFF2-40B4-BE49-F238E27FC236}">
+                <a16:creationId xmlns:a16="http://schemas.microsoft.com/office/drawing/2014/main" id="{6464FEFB-F182-CF13-DBC8-0BA7513CA55E}"/>
+              </a:ext>
+            </a:extLst>
+          </p:cNvPr>
+          <p:cNvSpPr/>
+          <p:nvPr/>
+        </p:nvSpPr>
+        <p:spPr>
+          <a:xfrm>
+            <a:off x="0" y="365125"/>
+            <a:ext cx="678427" cy="556649"/>
+          </a:xfrm>
+          <a:prstGeom prst="rect">
+            <a:avLst/>
+          </a:prstGeom>
+          <a:solidFill>
+            <a:schemeClr val="accent2">
+              <a:lumMod val="75000"/>
+            </a:schemeClr>
+          </a:solidFill>
+          <a:ln>
+            <a:noFill/>
+          </a:ln>
+        </p:spPr>
+        <p:style>
+          <a:lnRef idx="2">
+            <a:schemeClr val="accent1">
+              <a:shade val="15000"/>
+            </a:schemeClr>
+          </a:lnRef>
+          <a:fillRef idx="1">
+            <a:schemeClr val="accent1"/>
+          </a:fillRef>
+          <a:effectRef idx="0">
+            <a:schemeClr val="accent1"/>
+          </a:effectRef>
+          <a:fontRef idx="minor">
+            <a:schemeClr val="lt1"/>
+          </a:fontRef>
+        </p:style>
+        <p:txBody>
+          <a:bodyPr rtlCol="0" anchor="ctr"/>
+          <a:lstStyle/>
+          <a:p>
+            <a:pPr algn="ctr"/>
+            <a:endParaRPr lang="en-CA"/>
+          </a:p>
+        </p:txBody>
+      </p:sp>
     </p:spTree>
     <p:extLst>
       <p:ext uri="{BB962C8B-B14F-4D97-AF65-F5344CB8AC3E}">
@@ -26972,6 +27529,89 @@
           </a:extLst>
         </p:spPr>
       </p:pic>
+      <p:sp>
+        <p:nvSpPr>
+          <p:cNvPr id="6" name="Slide Number Placeholder 5">
+            <a:extLst>
+              <a:ext uri="{FF2B5EF4-FFF2-40B4-BE49-F238E27FC236}">
+                <a16:creationId xmlns:a16="http://schemas.microsoft.com/office/drawing/2014/main" id="{2927BF17-FF71-1575-5407-9904723134DF}"/>
+              </a:ext>
+            </a:extLst>
+          </p:cNvPr>
+          <p:cNvSpPr>
+            <a:spLocks noGrp="1"/>
+          </p:cNvSpPr>
+          <p:nvPr>
+            <p:ph type="sldNum" sz="quarter" idx="12"/>
+          </p:nvPr>
+        </p:nvSpPr>
+        <p:spPr/>
+        <p:txBody>
+          <a:bodyPr/>
+          <a:lstStyle/>
+          <a:p>
+            <a:fld id="{4BD3201E-7DF8-462B-AC18-61E63795AE0D}" type="slidenum">
+              <a:rPr lang="en-CA" smtClean="0"/>
+              <a:t>4</a:t>
+            </a:fld>
+            <a:endParaRPr lang="en-CA"/>
+          </a:p>
+        </p:txBody>
+      </p:sp>
+      <p:sp>
+        <p:nvSpPr>
+          <p:cNvPr id="4" name="Rectangle 3">
+            <a:extLst>
+              <a:ext uri="{FF2B5EF4-FFF2-40B4-BE49-F238E27FC236}">
+                <a16:creationId xmlns:a16="http://schemas.microsoft.com/office/drawing/2014/main" id="{7F11DAA0-7588-79D3-E560-D79065B15B25}"/>
+              </a:ext>
+            </a:extLst>
+          </p:cNvPr>
+          <p:cNvSpPr/>
+          <p:nvPr/>
+        </p:nvSpPr>
+        <p:spPr>
+          <a:xfrm>
+            <a:off x="0" y="365125"/>
+            <a:ext cx="678427" cy="556649"/>
+          </a:xfrm>
+          <a:prstGeom prst="rect">
+            <a:avLst/>
+          </a:prstGeom>
+          <a:solidFill>
+            <a:schemeClr val="accent2">
+              <a:lumMod val="75000"/>
+            </a:schemeClr>
+          </a:solidFill>
+          <a:ln>
+            <a:noFill/>
+          </a:ln>
+        </p:spPr>
+        <p:style>
+          <a:lnRef idx="2">
+            <a:schemeClr val="accent1">
+              <a:shade val="15000"/>
+            </a:schemeClr>
+          </a:lnRef>
+          <a:fillRef idx="1">
+            <a:schemeClr val="accent1"/>
+          </a:fillRef>
+          <a:effectRef idx="0">
+            <a:schemeClr val="accent1"/>
+          </a:effectRef>
+          <a:fontRef idx="minor">
+            <a:schemeClr val="lt1"/>
+          </a:fontRef>
+        </p:style>
+        <p:txBody>
+          <a:bodyPr rtlCol="0" anchor="ctr"/>
+          <a:lstStyle/>
+          <a:p>
+            <a:pPr algn="ctr"/>
+            <a:endParaRPr lang="en-CA"/>
+          </a:p>
+        </p:txBody>
+      </p:sp>
     </p:spTree>
     <p:extLst>
       <p:ext uri="{BB962C8B-B14F-4D97-AF65-F5344CB8AC3E}">
@@ -27246,6 +27886,89 @@
           </a:p>
         </p:txBody>
       </p:sp>
+      <p:sp>
+        <p:nvSpPr>
+          <p:cNvPr id="4" name="Slide Number Placeholder 3">
+            <a:extLst>
+              <a:ext uri="{FF2B5EF4-FFF2-40B4-BE49-F238E27FC236}">
+                <a16:creationId xmlns:a16="http://schemas.microsoft.com/office/drawing/2014/main" id="{A13536B1-BF66-356D-1714-B061885C2D9F}"/>
+              </a:ext>
+            </a:extLst>
+          </p:cNvPr>
+          <p:cNvSpPr>
+            <a:spLocks noGrp="1"/>
+          </p:cNvSpPr>
+          <p:nvPr>
+            <p:ph type="sldNum" sz="quarter" idx="12"/>
+          </p:nvPr>
+        </p:nvSpPr>
+        <p:spPr/>
+        <p:txBody>
+          <a:bodyPr/>
+          <a:lstStyle/>
+          <a:p>
+            <a:fld id="{4BD3201E-7DF8-462B-AC18-61E63795AE0D}" type="slidenum">
+              <a:rPr lang="en-CA" smtClean="0"/>
+              <a:t>5</a:t>
+            </a:fld>
+            <a:endParaRPr lang="en-CA"/>
+          </a:p>
+        </p:txBody>
+      </p:sp>
+      <p:sp>
+        <p:nvSpPr>
+          <p:cNvPr id="2" name="Rectangle 1">
+            <a:extLst>
+              <a:ext uri="{FF2B5EF4-FFF2-40B4-BE49-F238E27FC236}">
+                <a16:creationId xmlns:a16="http://schemas.microsoft.com/office/drawing/2014/main" id="{DE39F9C8-0EC1-A0D7-DDEE-74703ED4A43A}"/>
+              </a:ext>
+            </a:extLst>
+          </p:cNvPr>
+          <p:cNvSpPr/>
+          <p:nvPr/>
+        </p:nvSpPr>
+        <p:spPr>
+          <a:xfrm>
+            <a:off x="0" y="365125"/>
+            <a:ext cx="678427" cy="556649"/>
+          </a:xfrm>
+          <a:prstGeom prst="rect">
+            <a:avLst/>
+          </a:prstGeom>
+          <a:solidFill>
+            <a:schemeClr val="accent2">
+              <a:lumMod val="75000"/>
+            </a:schemeClr>
+          </a:solidFill>
+          <a:ln>
+            <a:noFill/>
+          </a:ln>
+        </p:spPr>
+        <p:style>
+          <a:lnRef idx="2">
+            <a:schemeClr val="accent1">
+              <a:shade val="15000"/>
+            </a:schemeClr>
+          </a:lnRef>
+          <a:fillRef idx="1">
+            <a:schemeClr val="accent1"/>
+          </a:fillRef>
+          <a:effectRef idx="0">
+            <a:schemeClr val="accent1"/>
+          </a:effectRef>
+          <a:fontRef idx="minor">
+            <a:schemeClr val="lt1"/>
+          </a:fontRef>
+        </p:style>
+        <p:txBody>
+          <a:bodyPr rtlCol="0" anchor="ctr"/>
+          <a:lstStyle/>
+          <a:p>
+            <a:pPr algn="ctr"/>
+            <a:endParaRPr lang="en-CA"/>
+          </a:p>
+        </p:txBody>
+      </p:sp>
     </p:spTree>
     <p:extLst>
       <p:ext uri="{BB962C8B-B14F-4D97-AF65-F5344CB8AC3E}">
@@ -27367,19 +28090,7 @@
                 </a:pPr>
                 <a:r>
                   <a:rPr lang="fr-CA" sz="1800" dirty="0"/>
-                  <a:t>Cependant, notre modèle FEM de la colonne vertébrale est formé de 2 types d’éléments différents. Alors nous avons choisi, dans une tentative d’effectuer la vérification de code du logiciel SimCenter, de comparer la solution qu’il génère pour une poutre encastrée-libre (ce sera la solution numérique), avec le résultat la solution analytique connue</a:t>
-                </a:r>
-                <a:r>
-                  <a:rPr lang="fr-CA" sz="1800" dirty="0">
-                    <a:highlight>
-                      <a:srgbClr val="FFFF00"/>
-                    </a:highlight>
-                  </a:rPr>
-                  <a:t> </a:t>
-                </a:r>
-                <a:r>
-                  <a:rPr lang="fr-CA" sz="1800" dirty="0"/>
-                  <a:t>d’une poutre d’Euler soit </a:t>
+                  <a:t>Cependant, notre modèle FEM de la colonne vertébrale est formé de 2 types d’éléments différents. Alors nous avons choisi, dans une tentative d’effectuer la vérification de code du logiciel SimCenter, de comparer la solution qu’il génère pour une poutre encastrée-libre (ce sera la solution numérique), avec le résultat la solution analytique connue d’une poutre d’Euler soit </a:t>
                 </a:r>
                 <a14:m>
                   <m:oMath xmlns:m="http://schemas.openxmlformats.org/officeDocument/2006/math">
@@ -27555,7 +28266,7 @@
                 <a:ext cx="10515600" cy="5342501"/>
               </a:xfrm>
               <a:blipFill>
-                <a:blip r:embed="rId3"/>
+                <a:blip r:embed="rId2"/>
                 <a:stretch>
                   <a:fillRect l="-522" t="-571" r="-464"/>
                 </a:stretch>
@@ -27591,7 +28302,7 @@
           <p:nvPr>
             <p:extLst>
               <p:ext uri="{D42A27DB-BD31-4B8C-83A1-F6EECF244321}">
-                <p14:modId xmlns:p14="http://schemas.microsoft.com/office/powerpoint/2010/main" val="2053614699"/>
+                <p14:modId xmlns:p14="http://schemas.microsoft.com/office/powerpoint/2010/main" val="1877698152"/>
               </p:ext>
             </p:extLst>
           </p:nvPr>
@@ -27773,7 +28484,10 @@
                     <a:bodyPr/>
                     <a:lstStyle/>
                     <a:p>
-                      <a:endParaRPr lang="fr-FR" dirty="0"/>
+                      <a:r>
+                        <a:rPr lang="fr-FR" dirty="0"/>
+                        <a:t>7853.9814 mm⁴</a:t>
+                      </a:r>
                     </a:p>
                   </a:txBody>
                   <a:tcPr/>
@@ -27856,6 +28570,89 @@
           </a:p>
         </p:txBody>
       </p:sp>
+      <p:sp>
+        <p:nvSpPr>
+          <p:cNvPr id="5" name="Slide Number Placeholder 4">
+            <a:extLst>
+              <a:ext uri="{FF2B5EF4-FFF2-40B4-BE49-F238E27FC236}">
+                <a16:creationId xmlns:a16="http://schemas.microsoft.com/office/drawing/2014/main" id="{51C90362-E83D-C107-EA4F-FE82C4D2EACF}"/>
+              </a:ext>
+            </a:extLst>
+          </p:cNvPr>
+          <p:cNvSpPr>
+            <a:spLocks noGrp="1"/>
+          </p:cNvSpPr>
+          <p:nvPr>
+            <p:ph type="sldNum" sz="quarter" idx="12"/>
+          </p:nvPr>
+        </p:nvSpPr>
+        <p:spPr/>
+        <p:txBody>
+          <a:bodyPr/>
+          <a:lstStyle/>
+          <a:p>
+            <a:fld id="{4BD3201E-7DF8-462B-AC18-61E63795AE0D}" type="slidenum">
+              <a:rPr lang="en-CA" smtClean="0"/>
+              <a:t>6</a:t>
+            </a:fld>
+            <a:endParaRPr lang="en-CA"/>
+          </a:p>
+        </p:txBody>
+      </p:sp>
+      <p:sp>
+        <p:nvSpPr>
+          <p:cNvPr id="4" name="Rectangle 3">
+            <a:extLst>
+              <a:ext uri="{FF2B5EF4-FFF2-40B4-BE49-F238E27FC236}">
+                <a16:creationId xmlns:a16="http://schemas.microsoft.com/office/drawing/2014/main" id="{69B3D440-4D98-84F9-690C-0C2493438E13}"/>
+              </a:ext>
+            </a:extLst>
+          </p:cNvPr>
+          <p:cNvSpPr/>
+          <p:nvPr/>
+        </p:nvSpPr>
+        <p:spPr>
+          <a:xfrm>
+            <a:off x="0" y="365125"/>
+            <a:ext cx="678427" cy="556649"/>
+          </a:xfrm>
+          <a:prstGeom prst="rect">
+            <a:avLst/>
+          </a:prstGeom>
+          <a:solidFill>
+            <a:schemeClr val="accent2">
+              <a:lumMod val="75000"/>
+            </a:schemeClr>
+          </a:solidFill>
+          <a:ln>
+            <a:noFill/>
+          </a:ln>
+        </p:spPr>
+        <p:style>
+          <a:lnRef idx="2">
+            <a:schemeClr val="accent1">
+              <a:shade val="15000"/>
+            </a:schemeClr>
+          </a:lnRef>
+          <a:fillRef idx="1">
+            <a:schemeClr val="accent1"/>
+          </a:fillRef>
+          <a:effectRef idx="0">
+            <a:schemeClr val="accent1"/>
+          </a:effectRef>
+          <a:fontRef idx="minor">
+            <a:schemeClr val="lt1"/>
+          </a:fontRef>
+        </p:style>
+        <p:txBody>
+          <a:bodyPr rtlCol="0" anchor="ctr"/>
+          <a:lstStyle/>
+          <a:p>
+            <a:pPr algn="ctr"/>
+            <a:endParaRPr lang="en-CA"/>
+          </a:p>
+        </p:txBody>
+      </p:sp>
     </p:spTree>
     <p:extLst>
       <p:ext uri="{BB962C8B-B14F-4D97-AF65-F5344CB8AC3E}">
@@ -27866,11 +28663,6 @@
   <p:clrMapOvr>
     <a:masterClrMapping/>
   </p:clrMapOvr>
-  <p:extLst>
-    <p:ext uri="{6950BFC3-D8DA-4A85-94F7-54DA5524770B}">
-      <p188:commentRel xmlns:p188="http://schemas.microsoft.com/office/powerpoint/2018/8/main" r:id="rId2"/>
-    </p:ext>
-  </p:extLst>
 </p:sld>
 </file>
 
@@ -28012,8 +28804,91 @@
             </a:pPr>
             <a:r>
               <a:rPr lang="fr-FR" sz="1800" dirty="0"/>
-              <a:t>Les tentatives et résultats de notre analyse de convergence sont quand même présentés dans ce qui suit.</a:t>
-            </a:r>
+              <a:t>Les tentatives et résultats de notre analyse de convergence sont quand même présentés dans ce qui suit, ainsi qu’une méthode alternative basée sur l'énergie de déformation.</a:t>
+            </a:r>
+          </a:p>
+        </p:txBody>
+      </p:sp>
+      <p:sp>
+        <p:nvSpPr>
+          <p:cNvPr id="5" name="Slide Number Placeholder 4">
+            <a:extLst>
+              <a:ext uri="{FF2B5EF4-FFF2-40B4-BE49-F238E27FC236}">
+                <a16:creationId xmlns:a16="http://schemas.microsoft.com/office/drawing/2014/main" id="{0CC49781-8CB8-2B3A-3054-49AF4F2B1593}"/>
+              </a:ext>
+            </a:extLst>
+          </p:cNvPr>
+          <p:cNvSpPr>
+            <a:spLocks noGrp="1"/>
+          </p:cNvSpPr>
+          <p:nvPr>
+            <p:ph type="sldNum" sz="quarter" idx="12"/>
+          </p:nvPr>
+        </p:nvSpPr>
+        <p:spPr/>
+        <p:txBody>
+          <a:bodyPr/>
+          <a:lstStyle/>
+          <a:p>
+            <a:fld id="{4BD3201E-7DF8-462B-AC18-61E63795AE0D}" type="slidenum">
+              <a:rPr lang="en-CA" smtClean="0"/>
+              <a:t>7</a:t>
+            </a:fld>
+            <a:endParaRPr lang="en-CA"/>
+          </a:p>
+        </p:txBody>
+      </p:sp>
+      <p:sp>
+        <p:nvSpPr>
+          <p:cNvPr id="4" name="Rectangle 3">
+            <a:extLst>
+              <a:ext uri="{FF2B5EF4-FFF2-40B4-BE49-F238E27FC236}">
+                <a16:creationId xmlns:a16="http://schemas.microsoft.com/office/drawing/2014/main" id="{A6A18B2F-0561-C2D4-5B62-F517B3CC666A}"/>
+              </a:ext>
+            </a:extLst>
+          </p:cNvPr>
+          <p:cNvSpPr/>
+          <p:nvPr/>
+        </p:nvSpPr>
+        <p:spPr>
+          <a:xfrm>
+            <a:off x="0" y="365125"/>
+            <a:ext cx="678427" cy="556649"/>
+          </a:xfrm>
+          <a:prstGeom prst="rect">
+            <a:avLst/>
+          </a:prstGeom>
+          <a:solidFill>
+            <a:schemeClr val="accent2">
+              <a:lumMod val="75000"/>
+            </a:schemeClr>
+          </a:solidFill>
+          <a:ln>
+            <a:noFill/>
+          </a:ln>
+        </p:spPr>
+        <p:style>
+          <a:lnRef idx="2">
+            <a:schemeClr val="accent1">
+              <a:shade val="15000"/>
+            </a:schemeClr>
+          </a:lnRef>
+          <a:fillRef idx="1">
+            <a:schemeClr val="accent1"/>
+          </a:fillRef>
+          <a:effectRef idx="0">
+            <a:schemeClr val="accent1"/>
+          </a:effectRef>
+          <a:fontRef idx="minor">
+            <a:schemeClr val="lt1"/>
+          </a:fontRef>
+        </p:style>
+        <p:txBody>
+          <a:bodyPr rtlCol="0" anchor="ctr"/>
+          <a:lstStyle/>
+          <a:p>
+            <a:pPr algn="ctr"/>
+            <a:endParaRPr lang="en-CA"/>
           </a:p>
         </p:txBody>
       </p:sp>
@@ -28158,13 +29033,13 @@
           <p:nvPr>
             <p:extLst>
               <p:ext uri="{D42A27DB-BD31-4B8C-83A1-F6EECF244321}">
-                <p14:modId xmlns:p14="http://schemas.microsoft.com/office/powerpoint/2010/main" val="1112944858"/>
+                <p14:modId xmlns:p14="http://schemas.microsoft.com/office/powerpoint/2010/main" val="1018683162"/>
               </p:ext>
             </p:extLst>
           </p:nvPr>
         </p:nvGraphicFramePr>
         <p:xfrm>
-          <a:off x="4149214" y="909489"/>
+          <a:off x="4149214" y="850497"/>
           <a:ext cx="7852856" cy="5530644"/>
         </p:xfrm>
         <a:graphic>
@@ -28187,7 +29062,7 @@
         </p:nvSpPr>
         <p:spPr>
           <a:xfrm>
-            <a:off x="5740284" y="6440133"/>
+            <a:off x="5740284" y="6400805"/>
             <a:ext cx="5435048" cy="276999"/>
           </a:xfrm>
           <a:prstGeom prst="rect">
@@ -28230,6 +29105,89 @@
               <a:t> pour la verification de code</a:t>
             </a:r>
             <a:endParaRPr lang="fr-FR" sz="1200" dirty="0"/>
+          </a:p>
+        </p:txBody>
+      </p:sp>
+      <p:sp>
+        <p:nvSpPr>
+          <p:cNvPr id="7" name="Slide Number Placeholder 6">
+            <a:extLst>
+              <a:ext uri="{FF2B5EF4-FFF2-40B4-BE49-F238E27FC236}">
+                <a16:creationId xmlns:a16="http://schemas.microsoft.com/office/drawing/2014/main" id="{8EF3E544-C0B6-3487-B0B5-77EF553CD81F}"/>
+              </a:ext>
+            </a:extLst>
+          </p:cNvPr>
+          <p:cNvSpPr>
+            <a:spLocks noGrp="1"/>
+          </p:cNvSpPr>
+          <p:nvPr>
+            <p:ph type="sldNum" sz="quarter" idx="12"/>
+          </p:nvPr>
+        </p:nvSpPr>
+        <p:spPr/>
+        <p:txBody>
+          <a:bodyPr/>
+          <a:lstStyle/>
+          <a:p>
+            <a:fld id="{4BD3201E-7DF8-462B-AC18-61E63795AE0D}" type="slidenum">
+              <a:rPr lang="en-CA" smtClean="0"/>
+              <a:t>8</a:t>
+            </a:fld>
+            <a:endParaRPr lang="en-CA"/>
+          </a:p>
+        </p:txBody>
+      </p:sp>
+      <p:sp>
+        <p:nvSpPr>
+          <p:cNvPr id="6" name="Rectangle 5">
+            <a:extLst>
+              <a:ext uri="{FF2B5EF4-FFF2-40B4-BE49-F238E27FC236}">
+                <a16:creationId xmlns:a16="http://schemas.microsoft.com/office/drawing/2014/main" id="{0D518649-14CB-488E-A106-4F0F4B3ACC5E}"/>
+              </a:ext>
+            </a:extLst>
+          </p:cNvPr>
+          <p:cNvSpPr/>
+          <p:nvPr/>
+        </p:nvSpPr>
+        <p:spPr>
+          <a:xfrm>
+            <a:off x="0" y="365125"/>
+            <a:ext cx="678427" cy="556649"/>
+          </a:xfrm>
+          <a:prstGeom prst="rect">
+            <a:avLst/>
+          </a:prstGeom>
+          <a:solidFill>
+            <a:schemeClr val="accent2">
+              <a:lumMod val="75000"/>
+            </a:schemeClr>
+          </a:solidFill>
+          <a:ln>
+            <a:noFill/>
+          </a:ln>
+        </p:spPr>
+        <p:style>
+          <a:lnRef idx="2">
+            <a:schemeClr val="accent1">
+              <a:shade val="15000"/>
+            </a:schemeClr>
+          </a:lnRef>
+          <a:fillRef idx="1">
+            <a:schemeClr val="accent1"/>
+          </a:fillRef>
+          <a:effectRef idx="0">
+            <a:schemeClr val="accent1"/>
+          </a:effectRef>
+          <a:fontRef idx="minor">
+            <a:schemeClr val="lt1"/>
+          </a:fontRef>
+        </p:style>
+        <p:txBody>
+          <a:bodyPr rtlCol="0" anchor="ctr"/>
+          <a:lstStyle/>
+          <a:p>
+            <a:pPr algn="ctr"/>
+            <a:endParaRPr lang="en-CA"/>
           </a:p>
         </p:txBody>
       </p:sp>
@@ -29092,6 +30050,89 @@
           </a:p>
         </p:txBody>
       </p:sp>
+      <p:sp>
+        <p:nvSpPr>
+          <p:cNvPr id="9" name="Slide Number Placeholder 8">
+            <a:extLst>
+              <a:ext uri="{FF2B5EF4-FFF2-40B4-BE49-F238E27FC236}">
+                <a16:creationId xmlns:a16="http://schemas.microsoft.com/office/drawing/2014/main" id="{52DAC177-6727-0924-9725-9DE4004A16F6}"/>
+              </a:ext>
+            </a:extLst>
+          </p:cNvPr>
+          <p:cNvSpPr>
+            <a:spLocks noGrp="1"/>
+          </p:cNvSpPr>
+          <p:nvPr>
+            <p:ph type="sldNum" sz="quarter" idx="12"/>
+          </p:nvPr>
+        </p:nvSpPr>
+        <p:spPr/>
+        <p:txBody>
+          <a:bodyPr/>
+          <a:lstStyle/>
+          <a:p>
+            <a:fld id="{4BD3201E-7DF8-462B-AC18-61E63795AE0D}" type="slidenum">
+              <a:rPr lang="en-CA" smtClean="0"/>
+              <a:t>9</a:t>
+            </a:fld>
+            <a:endParaRPr lang="en-CA"/>
+          </a:p>
+        </p:txBody>
+      </p:sp>
+      <p:sp>
+        <p:nvSpPr>
+          <p:cNvPr id="8" name="Rectangle 7">
+            <a:extLst>
+              <a:ext uri="{FF2B5EF4-FFF2-40B4-BE49-F238E27FC236}">
+                <a16:creationId xmlns:a16="http://schemas.microsoft.com/office/drawing/2014/main" id="{4D8DAECE-8177-8147-E454-C7C5008EB363}"/>
+              </a:ext>
+            </a:extLst>
+          </p:cNvPr>
+          <p:cNvSpPr/>
+          <p:nvPr/>
+        </p:nvSpPr>
+        <p:spPr>
+          <a:xfrm>
+            <a:off x="0" y="365125"/>
+            <a:ext cx="678427" cy="556649"/>
+          </a:xfrm>
+          <a:prstGeom prst="rect">
+            <a:avLst/>
+          </a:prstGeom>
+          <a:solidFill>
+            <a:schemeClr val="accent2">
+              <a:lumMod val="75000"/>
+            </a:schemeClr>
+          </a:solidFill>
+          <a:ln>
+            <a:noFill/>
+          </a:ln>
+        </p:spPr>
+        <p:style>
+          <a:lnRef idx="2">
+            <a:schemeClr val="accent1">
+              <a:shade val="15000"/>
+            </a:schemeClr>
+          </a:lnRef>
+          <a:fillRef idx="1">
+            <a:schemeClr val="accent1"/>
+          </a:fillRef>
+          <a:effectRef idx="0">
+            <a:schemeClr val="accent1"/>
+          </a:effectRef>
+          <a:fontRef idx="minor">
+            <a:schemeClr val="lt1"/>
+          </a:fontRef>
+        </p:style>
+        <p:txBody>
+          <a:bodyPr rtlCol="0" anchor="ctr"/>
+          <a:lstStyle/>
+          <a:p>
+            <a:pPr algn="ctr"/>
+            <a:endParaRPr lang="en-CA"/>
+          </a:p>
+        </p:txBody>
+      </p:sp>
     </p:spTree>
     <p:extLst>
       <p:ext uri="{BB962C8B-B14F-4D97-AF65-F5344CB8AC3E}">
@@ -29736,6 +30777,26 @@
 </file>
 
 <file path=customXml/item1.xml><?xml version="1.0" encoding="utf-8"?>
+<?mso-contentType ?>
+<FormTemplates xmlns="http://schemas.microsoft.com/sharepoint/v3/contenttype/forms">
+  <Display>DocumentLibraryForm</Display>
+  <Edit>DocumentLibraryForm</Edit>
+  <New>DocumentLibraryForm</New>
+</FormTemplates>
+</file>
+
+<file path=customXml/item2.xml><?xml version="1.0" encoding="utf-8"?>
+<p:properties xmlns:p="http://schemas.microsoft.com/office/2006/metadata/properties" xmlns:xsi="http://www.w3.org/2001/XMLSchema-instance" xmlns:pc="http://schemas.microsoft.com/office/infopath/2007/PartnerControls">
+  <documentManagement>
+    <lcf76f155ced4ddcb4097134ff3c332f xmlns="ec825916-6f01-4646-bf11-4e97fdd06dc8">
+      <Terms xmlns="http://schemas.microsoft.com/office/infopath/2007/PartnerControls"/>
+    </lcf76f155ced4ddcb4097134ff3c332f>
+    <TaxCatchAll xmlns="10202d72-3646-4d36-9cf4-1feba2c78df0" xsi:nil="true"/>
+  </documentManagement>
+</p:properties>
+</file>
+
+<file path=customXml/item3.xml><?xml version="1.0" encoding="utf-8"?>
 <ct:contentTypeSchema xmlns:ct="http://schemas.microsoft.com/office/2006/metadata/contentType" xmlns:ma="http://schemas.microsoft.com/office/2006/metadata/properties/metaAttributes" ct:_="" ma:_="" ma:contentTypeName="Document" ma:contentTypeID="0x010100744768CFAF743F4A83B0523C20156377" ma:contentTypeVersion="11" ma:contentTypeDescription="Create a new document." ma:contentTypeScope="" ma:versionID="aafa440e1ffbdaf1b0956f4ac1c916a8">
   <xsd:schema xmlns:xsd="http://www.w3.org/2001/XMLSchema" xmlns:xs="http://www.w3.org/2001/XMLSchema" xmlns:p="http://schemas.microsoft.com/office/2006/metadata/properties" xmlns:ns2="ec825916-6f01-4646-bf11-4e97fdd06dc8" xmlns:ns3="10202d72-3646-4d36-9cf4-1feba2c78df0" targetNamespace="http://schemas.microsoft.com/office/2006/metadata/properties" ma:root="true" ma:fieldsID="7a73fe93b8aa32af4ca50956a2221801" ns2:_="" ns3:_="">
     <xsd:import namespace="ec825916-6f01-4646-bf11-4e97fdd06dc8"/>
@@ -29930,41 +30991,10 @@
 </ct:contentTypeSchema>
 </file>
 
-<file path=customXml/item2.xml><?xml version="1.0" encoding="utf-8"?>
-<p:properties xmlns:p="http://schemas.microsoft.com/office/2006/metadata/properties" xmlns:xsi="http://www.w3.org/2001/XMLSchema-instance" xmlns:pc="http://schemas.microsoft.com/office/infopath/2007/PartnerControls">
-  <documentManagement>
-    <lcf76f155ced4ddcb4097134ff3c332f xmlns="ec825916-6f01-4646-bf11-4e97fdd06dc8">
-      <Terms xmlns="http://schemas.microsoft.com/office/infopath/2007/PartnerControls"/>
-    </lcf76f155ced4ddcb4097134ff3c332f>
-    <TaxCatchAll xmlns="10202d72-3646-4d36-9cf4-1feba2c78df0" xsi:nil="true"/>
-  </documentManagement>
-</p:properties>
-</file>
-
-<file path=customXml/item3.xml><?xml version="1.0" encoding="utf-8"?>
-<?mso-contentType ?>
-<FormTemplates xmlns="http://schemas.microsoft.com/sharepoint/v3/contenttype/forms">
-  <Display>DocumentLibraryForm</Display>
-  <Edit>DocumentLibraryForm</Edit>
-  <New>DocumentLibraryForm</New>
-</FormTemplates>
-</file>
-
 <file path=customXml/itemProps1.xml><?xml version="1.0" encoding="utf-8"?>
-<ds:datastoreItem xmlns:ds="http://schemas.openxmlformats.org/officeDocument/2006/customXml" ds:itemID="{4AB5C90D-8262-4EAC-95BF-2CC4C44D50EC}">
+<ds:datastoreItem xmlns:ds="http://schemas.openxmlformats.org/officeDocument/2006/customXml" ds:itemID="{73F4A501-0066-4B8E-9AA2-A07CF344BF69}">
   <ds:schemaRefs>
-    <ds:schemaRef ds:uri="10202d72-3646-4d36-9cf4-1feba2c78df0"/>
-    <ds:schemaRef ds:uri="ec825916-6f01-4646-bf11-4e97fdd06dc8"/>
-    <ds:schemaRef ds:uri="http://purl.org/dc/elements/1.1/"/>
-    <ds:schemaRef ds:uri="http://purl.org/dc/terms/"/>
-    <ds:schemaRef ds:uri="http://schemas.microsoft.com/internal/obd"/>
-    <ds:schemaRef ds:uri="http://schemas.microsoft.com/office/2006/documentManagement/types"/>
-    <ds:schemaRef ds:uri="http://schemas.microsoft.com/office/2006/metadata/contentType"/>
-    <ds:schemaRef ds:uri="http://schemas.microsoft.com/office/2006/metadata/properties"/>
-    <ds:schemaRef ds:uri="http://schemas.microsoft.com/office/2006/metadata/properties/metaAttributes"/>
-    <ds:schemaRef ds:uri="http://schemas.microsoft.com/office/infopath/2007/PartnerControls"/>
-    <ds:schemaRef ds:uri="http://schemas.openxmlformats.org/package/2006/metadata/core-properties"/>
-    <ds:schemaRef ds:uri="http://www.w3.org/2001/XMLSchema"/>
+    <ds:schemaRef ds:uri="http://schemas.microsoft.com/sharepoint/v3/contenttype/forms"/>
   </ds:schemaRefs>
 </ds:datastoreItem>
 </file>
@@ -29987,9 +31017,20 @@
 </file>
 
 <file path=customXml/itemProps3.xml><?xml version="1.0" encoding="utf-8"?>
-<ds:datastoreItem xmlns:ds="http://schemas.openxmlformats.org/officeDocument/2006/customXml" ds:itemID="{73F4A501-0066-4B8E-9AA2-A07CF344BF69}">
+<ds:datastoreItem xmlns:ds="http://schemas.openxmlformats.org/officeDocument/2006/customXml" ds:itemID="{4AB5C90D-8262-4EAC-95BF-2CC4C44D50EC}">
   <ds:schemaRefs>
-    <ds:schemaRef ds:uri="http://schemas.microsoft.com/sharepoint/v3/contenttype/forms"/>
+    <ds:schemaRef ds:uri="10202d72-3646-4d36-9cf4-1feba2c78df0"/>
+    <ds:schemaRef ds:uri="ec825916-6f01-4646-bf11-4e97fdd06dc8"/>
+    <ds:schemaRef ds:uri="http://purl.org/dc/elements/1.1/"/>
+    <ds:schemaRef ds:uri="http://purl.org/dc/terms/"/>
+    <ds:schemaRef ds:uri="http://schemas.microsoft.com/internal/obd"/>
+    <ds:schemaRef ds:uri="http://schemas.microsoft.com/office/2006/documentManagement/types"/>
+    <ds:schemaRef ds:uri="http://schemas.microsoft.com/office/2006/metadata/contentType"/>
+    <ds:schemaRef ds:uri="http://schemas.microsoft.com/office/2006/metadata/properties"/>
+    <ds:schemaRef ds:uri="http://schemas.microsoft.com/office/2006/metadata/properties/metaAttributes"/>
+    <ds:schemaRef ds:uri="http://schemas.microsoft.com/office/infopath/2007/PartnerControls"/>
+    <ds:schemaRef ds:uri="http://schemas.openxmlformats.org/package/2006/metadata/core-properties"/>
+    <ds:schemaRef ds:uri="http://www.w3.org/2001/XMLSchema"/>
   </ds:schemaRefs>
 </ds:datastoreItem>
 </file>
--- a/Rapport_Projet_V1.pptx
+++ b/Rapport_Projet_V1.pptx
@@ -957,7 +957,7 @@
 <file path=ppt/charts/chart1.xml><?xml version="1.0" encoding="utf-8"?>
 <c:chartSpace xmlns:c="http://schemas.openxmlformats.org/drawingml/2006/chart" xmlns:a="http://schemas.openxmlformats.org/drawingml/2006/main" xmlns:r="http://schemas.openxmlformats.org/officeDocument/2006/relationships" xmlns:c16r2="http://schemas.microsoft.com/office/drawing/2015/06/chart">
   <c:date1904 val="0"/>
-  <c:lang val="en-US"/>
+  <c:lang val="fr-FR"/>
   <c:roundedCorners val="0"/>
   <mc:AlternateContent xmlns:mc="http://schemas.openxmlformats.org/markup-compatibility/2006">
     <mc:Choice xmlns:c14="http://schemas.microsoft.com/office/drawing/2007/8/2/chart" Requires="c14">
@@ -2083,7 +2083,7 @@
                   <a:cs typeface="+mn-cs"/>
                 </a:defRPr>
               </a:pPr>
-              <a:endParaRPr lang="en-US"/>
+              <a:endParaRPr lang="fr-FR"/>
             </a:p>
           </c:txPr>
         </c:title>
@@ -2121,7 +2121,7 @@
                 <a:cs typeface="+mn-cs"/>
               </a:defRPr>
             </a:pPr>
-            <a:endParaRPr lang="en-US"/>
+            <a:endParaRPr lang="fr-FR"/>
           </a:p>
         </c:txPr>
         <c:crossAx val="477271791"/>
@@ -2205,7 +2205,7 @@
                   <a:cs typeface="+mn-cs"/>
                 </a:defRPr>
               </a:pPr>
-              <a:endParaRPr lang="en-US"/>
+              <a:endParaRPr lang="fr-FR"/>
             </a:p>
           </c:txPr>
         </c:title>
@@ -2243,7 +2243,7 @@
                 <a:cs typeface="+mn-cs"/>
               </a:defRPr>
             </a:pPr>
-            <a:endParaRPr lang="en-US"/>
+            <a:endParaRPr lang="fr-FR"/>
           </a:p>
         </c:txPr>
         <c:crossAx val="477280911"/>
@@ -2295,7 +2295,7 @@
               <a:cs typeface="+mn-cs"/>
             </a:defRPr>
           </a:pPr>
-          <a:endParaRPr lang="en-US"/>
+          <a:endParaRPr lang="fr-FR"/>
         </a:p>
       </c:txPr>
     </c:legend>
@@ -2324,7 +2324,7 @@
       <a:pPr>
         <a:defRPr/>
       </a:pPr>
-      <a:endParaRPr lang="en-US"/>
+      <a:endParaRPr lang="fr-FR"/>
     </a:p>
   </c:txPr>
   <c:externalData r:id="rId3">
@@ -2336,7 +2336,7 @@
 <file path=ppt/charts/chart2.xml><?xml version="1.0" encoding="utf-8"?>
 <c:chartSpace xmlns:c="http://schemas.openxmlformats.org/drawingml/2006/chart" xmlns:a="http://schemas.openxmlformats.org/drawingml/2006/main" xmlns:r="http://schemas.openxmlformats.org/officeDocument/2006/relationships" xmlns:c16r2="http://schemas.microsoft.com/office/drawing/2015/06/chart">
   <c:date1904 val="0"/>
-  <c:lang val="en-US"/>
+  <c:lang val="fr-FR"/>
   <c:roundedCorners val="0"/>
   <mc:AlternateContent xmlns:mc="http://schemas.openxmlformats.org/markup-compatibility/2006">
     <mc:Choice xmlns:c14="http://schemas.microsoft.com/office/drawing/2007/8/2/chart" Requires="c14">
@@ -2411,7 +2411,7 @@
               <a:cs typeface="+mn-cs"/>
             </a:defRPr>
           </a:pPr>
-          <a:endParaRPr lang="en-US"/>
+          <a:endParaRPr lang="fr-FR"/>
         </a:p>
       </c:txPr>
     </c:title>
@@ -2502,7 +2502,7 @@
                       <a:cs typeface="+mn-cs"/>
                     </a:defRPr>
                   </a:pPr>
-                  <a:endParaRPr lang="en-US"/>
+                  <a:endParaRPr lang="fr-FR"/>
                 </a:p>
               </c:txPr>
             </c:trendlineLbl>
@@ -2645,7 +2645,7 @@
                             <a:cs typeface="+mn-cs"/>
                           </a:defRPr>
                         </a:pPr>
-                        <a:endParaRPr lang="en-US"/>
+                        <a:endParaRPr lang="fr-FR"/>
                       </a:p>
                     </c:txPr>
                   </c:trendlineLbl>
@@ -2787,7 +2787,7 @@
                   <a:cs typeface="+mn-cs"/>
                 </a:defRPr>
               </a:pPr>
-              <a:endParaRPr lang="en-US"/>
+              <a:endParaRPr lang="fr-FR"/>
             </a:p>
           </c:txPr>
         </c:title>
@@ -2825,7 +2825,7 @@
                 <a:cs typeface="+mn-cs"/>
               </a:defRPr>
             </a:pPr>
-            <a:endParaRPr lang="en-US"/>
+            <a:endParaRPr lang="fr-FR"/>
           </a:p>
         </c:txPr>
         <c:crossAx val="1420657695"/>
@@ -2909,7 +2909,7 @@
                   <a:cs typeface="+mn-cs"/>
                 </a:defRPr>
               </a:pPr>
-              <a:endParaRPr lang="en-US"/>
+              <a:endParaRPr lang="fr-FR"/>
             </a:p>
           </c:txPr>
         </c:title>
@@ -2947,7 +2947,7 @@
                 <a:cs typeface="+mn-cs"/>
               </a:defRPr>
             </a:pPr>
-            <a:endParaRPr lang="en-US"/>
+            <a:endParaRPr lang="fr-FR"/>
           </a:p>
         </c:txPr>
         <c:crossAx val="1911372511"/>
@@ -2987,7 +2987,7 @@
       <a:pPr>
         <a:defRPr/>
       </a:pPr>
-      <a:endParaRPr lang="en-US"/>
+      <a:endParaRPr lang="fr-FR"/>
     </a:p>
   </c:txPr>
   <c:externalData r:id="rId3">
@@ -2999,7 +2999,7 @@
 <file path=ppt/charts/chart3.xml><?xml version="1.0" encoding="utf-8"?>
 <c:chartSpace xmlns:c="http://schemas.openxmlformats.org/drawingml/2006/chart" xmlns:a="http://schemas.openxmlformats.org/drawingml/2006/main" xmlns:r="http://schemas.openxmlformats.org/officeDocument/2006/relationships" xmlns:c16r2="http://schemas.microsoft.com/office/drawing/2015/06/chart">
   <c:date1904 val="0"/>
-  <c:lang val="en-US"/>
+  <c:lang val="fr-FR"/>
   <c:roundedCorners val="0"/>
   <mc:AlternateContent xmlns:mc="http://schemas.openxmlformats.org/markup-compatibility/2006">
     <mc:Choice xmlns:c14="http://schemas.microsoft.com/office/drawing/2007/8/2/chart" Requires="c14">
@@ -3066,7 +3066,7 @@
               <a:cs typeface="+mn-cs"/>
             </a:defRPr>
           </a:pPr>
-          <a:endParaRPr lang="en-US"/>
+          <a:endParaRPr lang="fr-FR"/>
         </a:p>
       </c:txPr>
     </c:title>
@@ -3143,7 +3143,7 @@
                       <a:cs typeface="+mn-cs"/>
                     </a:defRPr>
                   </a:pPr>
-                  <a:endParaRPr lang="en-US"/>
+                  <a:endParaRPr lang="fr-FR"/>
                 </a:p>
               </c:txPr>
             </c:trendlineLbl>
@@ -3288,7 +3288,7 @@
                 <a:cs typeface="+mn-cs"/>
               </a:defRPr>
             </a:pPr>
-            <a:endParaRPr lang="en-US"/>
+            <a:endParaRPr lang="fr-FR"/>
           </a:p>
         </c:txPr>
         <c:crossAx val="642880048"/>
@@ -3351,7 +3351,7 @@
                 <a:cs typeface="+mn-cs"/>
               </a:defRPr>
             </a:pPr>
-            <a:endParaRPr lang="en-US"/>
+            <a:endParaRPr lang="fr-FR"/>
           </a:p>
         </c:txPr>
         <c:crossAx val="642881968"/>
@@ -3391,7 +3391,7 @@
       <a:pPr>
         <a:defRPr/>
       </a:pPr>
-      <a:endParaRPr lang="en-US"/>
+      <a:endParaRPr lang="fr-FR"/>
     </a:p>
   </c:txPr>
   <c:externalData r:id="rId3">
@@ -3403,7 +3403,7 @@
 <file path=ppt/charts/chart4.xml><?xml version="1.0" encoding="utf-8"?>
 <c:chartSpace xmlns:c="http://schemas.openxmlformats.org/drawingml/2006/chart" xmlns:a="http://schemas.openxmlformats.org/drawingml/2006/main" xmlns:r="http://schemas.openxmlformats.org/officeDocument/2006/relationships" xmlns:c16r2="http://schemas.microsoft.com/office/drawing/2015/06/chart">
   <c:date1904 val="0"/>
-  <c:lang val="en-US"/>
+  <c:lang val="fr-FR"/>
   <c:roundedCorners val="0"/>
   <mc:AlternateContent xmlns:mc="http://schemas.openxmlformats.org/markup-compatibility/2006">
     <mc:Choice xmlns:c14="http://schemas.microsoft.com/office/drawing/2007/8/2/chart" Requires="c14">
@@ -4164,7 +4164,7 @@
                   <a:cs typeface="+mn-cs"/>
                 </a:defRPr>
               </a:pPr>
-              <a:endParaRPr lang="en-US"/>
+              <a:endParaRPr lang="fr-FR"/>
             </a:p>
           </c:txPr>
         </c:title>
@@ -4202,7 +4202,7 @@
                 <a:cs typeface="+mn-cs"/>
               </a:defRPr>
             </a:pPr>
-            <a:endParaRPr lang="en-US"/>
+            <a:endParaRPr lang="fr-FR"/>
           </a:p>
         </c:txPr>
         <c:crossAx val="1457253920"/>
@@ -4282,7 +4282,7 @@
                   <a:cs typeface="+mn-cs"/>
                 </a:defRPr>
               </a:pPr>
-              <a:endParaRPr lang="en-US"/>
+              <a:endParaRPr lang="fr-FR"/>
             </a:p>
           </c:txPr>
         </c:title>
@@ -4320,7 +4320,7 @@
                 <a:cs typeface="+mn-cs"/>
               </a:defRPr>
             </a:pPr>
-            <a:endParaRPr lang="en-US"/>
+            <a:endParaRPr lang="fr-FR"/>
           </a:p>
         </c:txPr>
         <c:crossAx val="1457258720"/>
@@ -4360,7 +4360,7 @@
       <a:pPr>
         <a:defRPr/>
       </a:pPr>
-      <a:endParaRPr lang="en-US"/>
+      <a:endParaRPr lang="fr-FR"/>
     </a:p>
   </c:txPr>
   <c:externalData r:id="rId3">
@@ -4372,7 +4372,7 @@
 <file path=ppt/charts/chart5.xml><?xml version="1.0" encoding="utf-8"?>
 <c:chartSpace xmlns:c="http://schemas.openxmlformats.org/drawingml/2006/chart" xmlns:a="http://schemas.openxmlformats.org/drawingml/2006/main" xmlns:r="http://schemas.openxmlformats.org/officeDocument/2006/relationships" xmlns:c16r2="http://schemas.microsoft.com/office/drawing/2015/06/chart">
   <c:date1904 val="0"/>
-  <c:lang val="en-US"/>
+  <c:lang val="fr-FR"/>
   <c:roundedCorners val="0"/>
   <mc:AlternateContent xmlns:mc="http://schemas.openxmlformats.org/markup-compatibility/2006">
     <mc:Choice xmlns:c14="http://schemas.microsoft.com/office/drawing/2007/8/2/chart" Requires="c14">
@@ -5145,7 +5145,7 @@
                   <a:cs typeface="+mn-cs"/>
                 </a:defRPr>
               </a:pPr>
-              <a:endParaRPr lang="en-US"/>
+              <a:endParaRPr lang="fr-FR"/>
             </a:p>
           </c:txPr>
         </c:title>
@@ -5183,7 +5183,7 @@
                 <a:cs typeface="+mn-cs"/>
               </a:defRPr>
             </a:pPr>
-            <a:endParaRPr lang="en-US"/>
+            <a:endParaRPr lang="fr-FR"/>
           </a:p>
         </c:txPr>
         <c:crossAx val="2041938592"/>
@@ -5263,7 +5263,7 @@
                   <a:cs typeface="+mn-cs"/>
                 </a:defRPr>
               </a:pPr>
-              <a:endParaRPr lang="en-US"/>
+              <a:endParaRPr lang="fr-FR"/>
             </a:p>
           </c:txPr>
         </c:title>
@@ -5301,7 +5301,7 @@
                 <a:cs typeface="+mn-cs"/>
               </a:defRPr>
             </a:pPr>
-            <a:endParaRPr lang="en-US"/>
+            <a:endParaRPr lang="fr-FR"/>
           </a:p>
         </c:txPr>
         <c:crossAx val="2041944352"/>
@@ -5341,7 +5341,7 @@
       <a:pPr>
         <a:defRPr/>
       </a:pPr>
-      <a:endParaRPr lang="en-US"/>
+      <a:endParaRPr lang="fr-FR"/>
     </a:p>
   </c:txPr>
   <c:externalData r:id="rId3">
@@ -5353,7 +5353,7 @@
 <file path=ppt/charts/chart6.xml><?xml version="1.0" encoding="utf-8"?>
 <c:chartSpace xmlns:c="http://schemas.openxmlformats.org/drawingml/2006/chart" xmlns:a="http://schemas.openxmlformats.org/drawingml/2006/main" xmlns:r="http://schemas.openxmlformats.org/officeDocument/2006/relationships" xmlns:c16r2="http://schemas.microsoft.com/office/drawing/2015/06/chart">
   <c:date1904 val="0"/>
-  <c:lang val="en-US"/>
+  <c:lang val="fr-FR"/>
   <c:roundedCorners val="0"/>
   <mc:AlternateContent xmlns:mc="http://schemas.openxmlformats.org/markup-compatibility/2006">
     <mc:Choice xmlns:c14="http://schemas.microsoft.com/office/drawing/2007/8/2/chart" Requires="c14">
@@ -6160,7 +6160,7 @@
                   <a:cs typeface="+mn-cs"/>
                 </a:defRPr>
               </a:pPr>
-              <a:endParaRPr lang="en-US"/>
+              <a:endParaRPr lang="fr-FR"/>
             </a:p>
           </c:txPr>
         </c:title>
@@ -6198,7 +6198,7 @@
                 <a:cs typeface="+mn-cs"/>
               </a:defRPr>
             </a:pPr>
-            <a:endParaRPr lang="en-US"/>
+            <a:endParaRPr lang="fr-FR"/>
           </a:p>
         </c:txPr>
         <c:crossAx val="2041041472"/>
@@ -6278,7 +6278,7 @@
                   <a:cs typeface="+mn-cs"/>
                 </a:defRPr>
               </a:pPr>
-              <a:endParaRPr lang="en-US"/>
+              <a:endParaRPr lang="fr-FR"/>
             </a:p>
           </c:txPr>
         </c:title>
@@ -6316,7 +6316,7 @@
                 <a:cs typeface="+mn-cs"/>
               </a:defRPr>
             </a:pPr>
-            <a:endParaRPr lang="en-US"/>
+            <a:endParaRPr lang="fr-FR"/>
           </a:p>
         </c:txPr>
         <c:crossAx val="2041040032"/>
@@ -6356,7 +6356,7 @@
       <a:pPr>
         <a:defRPr/>
       </a:pPr>
-      <a:endParaRPr lang="en-US"/>
+      <a:endParaRPr lang="fr-FR"/>
     </a:p>
   </c:txPr>
   <c:externalData r:id="rId3">
@@ -6368,7 +6368,7 @@
 <file path=ppt/charts/chart7.xml><?xml version="1.0" encoding="utf-8"?>
 <c:chartSpace xmlns:c="http://schemas.openxmlformats.org/drawingml/2006/chart" xmlns:a="http://schemas.openxmlformats.org/drawingml/2006/main" xmlns:r="http://schemas.openxmlformats.org/officeDocument/2006/relationships" xmlns:c16r2="http://schemas.microsoft.com/office/drawing/2015/06/chart">
   <c:date1904 val="0"/>
-  <c:lang val="en-US"/>
+  <c:lang val="fr-FR"/>
   <c:roundedCorners val="0"/>
   <mc:AlternateContent xmlns:mc="http://schemas.openxmlformats.org/markup-compatibility/2006">
     <mc:Choice xmlns:c14="http://schemas.microsoft.com/office/drawing/2007/8/2/chart" Requires="c14">
@@ -6616,7 +6616,7 @@
                   <a:cs typeface="+mn-cs"/>
                 </a:defRPr>
               </a:pPr>
-              <a:endParaRPr lang="en-US"/>
+              <a:endParaRPr lang="fr-FR"/>
             </a:p>
           </c:txPr>
         </c:title>
@@ -6654,7 +6654,7 @@
                 <a:cs typeface="+mn-cs"/>
               </a:defRPr>
             </a:pPr>
-            <a:endParaRPr lang="en-US"/>
+            <a:endParaRPr lang="fr-FR"/>
           </a:p>
         </c:txPr>
         <c:crossAx val="1632011967"/>
@@ -6694,7 +6694,7 @@
       <a:pPr>
         <a:defRPr/>
       </a:pPr>
-      <a:endParaRPr lang="en-US"/>
+      <a:endParaRPr lang="fr-FR"/>
     </a:p>
   </c:txPr>
   <c:externalData r:id="rId3">
@@ -10669,6 +10669,15 @@
         </a:r>
       </a:p>
     </p188:txBody>
+    <p188:extLst>
+      <p:ext xmlns:p="http://schemas.openxmlformats.org/presentationml/2006/main" uri="{57CB4572-C831-44C2-8A1C-0ADB6CCDFE69}">
+        <p223:reactions xmlns:p223="http://schemas.microsoft.com/office/powerpoint/2022/03/main">
+          <p223:rxn type="👍">
+            <p223:instance time="2024-04-14T18:21:23.564" authorId="{E68F2F47-82E5-2BC7-0FEC-4F4EC863DDC3}"/>
+          </p223:rxn>
+        </p223:reactions>
+      </p:ext>
+    </p188:extLst>
   </p188:cm>
 </p188:cmLst>
 </file>
@@ -10755,7 +10764,7 @@
           <a:p>
             <a:fld id="{DAB5DE69-65B2-445A-B9D2-BC2BC199D49F}" type="datetimeFigureOut">
               <a:rPr lang="en-CA" smtClean="0"/>
-              <a:t>2024-04-13</a:t>
+              <a:t>2024-04-14</a:t>
             </a:fld>
             <a:endParaRPr lang="en-CA"/>
           </a:p>
@@ -10914,7 +10923,7 @@
           <a:p>
             <a:fld id="{603E9730-38DB-4F77-A139-6CE923099591}" type="slidenum">
               <a:rPr lang="en-CA" smtClean="0"/>
-              <a:t>‹#›</a:t>
+              <a:t>‹N°›</a:t>
             </a:fld>
             <a:endParaRPr lang="en-CA"/>
           </a:p>
@@ -11172,7 +11181,7 @@
           <a:p>
             <a:fld id="{9EA6847D-0F1C-4E6B-9D14-F86603C90A34}" type="datetime1">
               <a:rPr lang="en-CA" smtClean="0"/>
-              <a:t>2024-04-13</a:t>
+              <a:t>2024-04-14</a:t>
             </a:fld>
             <a:endParaRPr lang="en-CA"/>
           </a:p>
@@ -11226,7 +11235,7 @@
           <a:p>
             <a:fld id="{4BD3201E-7DF8-462B-AC18-61E63795AE0D}" type="slidenum">
               <a:rPr lang="en-CA" smtClean="0"/>
-              <a:t>‹#›</a:t>
+              <a:t>‹N°›</a:t>
             </a:fld>
             <a:endParaRPr lang="en-CA"/>
           </a:p>
@@ -11372,7 +11381,7 @@
           <a:p>
             <a:fld id="{CADE0B10-915C-4E23-BF3D-3A60511C290D}" type="datetime1">
               <a:rPr lang="en-CA" smtClean="0"/>
-              <a:t>2024-04-13</a:t>
+              <a:t>2024-04-14</a:t>
             </a:fld>
             <a:endParaRPr lang="en-CA"/>
           </a:p>
@@ -11426,7 +11435,7 @@
           <a:p>
             <a:fld id="{4BD3201E-7DF8-462B-AC18-61E63795AE0D}" type="slidenum">
               <a:rPr lang="en-CA" smtClean="0"/>
-              <a:t>‹#›</a:t>
+              <a:t>‹N°›</a:t>
             </a:fld>
             <a:endParaRPr lang="en-CA"/>
           </a:p>
@@ -11582,7 +11591,7 @@
           <a:p>
             <a:fld id="{18C01E2C-5F1C-40DF-9FFA-058BE0208EC5}" type="datetime1">
               <a:rPr lang="en-CA" smtClean="0"/>
-              <a:t>2024-04-13</a:t>
+              <a:t>2024-04-14</a:t>
             </a:fld>
             <a:endParaRPr lang="en-CA"/>
           </a:p>
@@ -11636,7 +11645,7 @@
           <a:p>
             <a:fld id="{4BD3201E-7DF8-462B-AC18-61E63795AE0D}" type="slidenum">
               <a:rPr lang="en-CA" smtClean="0"/>
-              <a:t>‹#›</a:t>
+              <a:t>‹N°›</a:t>
             </a:fld>
             <a:endParaRPr lang="en-CA"/>
           </a:p>
@@ -11782,7 +11791,7 @@
           <a:p>
             <a:fld id="{C4E66924-F8B7-484E-9572-FEB480D73625}" type="datetime1">
               <a:rPr lang="en-CA" smtClean="0"/>
-              <a:t>2024-04-13</a:t>
+              <a:t>2024-04-14</a:t>
             </a:fld>
             <a:endParaRPr lang="en-CA"/>
           </a:p>
@@ -11836,7 +11845,7 @@
           <a:p>
             <a:fld id="{4BD3201E-7DF8-462B-AC18-61E63795AE0D}" type="slidenum">
               <a:rPr lang="en-CA" smtClean="0"/>
-              <a:t>‹#›</a:t>
+              <a:t>‹N°›</a:t>
             </a:fld>
             <a:endParaRPr lang="en-CA"/>
           </a:p>
@@ -12058,7 +12067,7 @@
           <a:p>
             <a:fld id="{8DF54FAA-8BEB-4397-B05D-7E067FAA1D51}" type="datetime1">
               <a:rPr lang="en-CA" smtClean="0"/>
-              <a:t>2024-04-13</a:t>
+              <a:t>2024-04-14</a:t>
             </a:fld>
             <a:endParaRPr lang="en-CA"/>
           </a:p>
@@ -12112,7 +12121,7 @@
           <a:p>
             <a:fld id="{4BD3201E-7DF8-462B-AC18-61E63795AE0D}" type="slidenum">
               <a:rPr lang="en-CA" smtClean="0"/>
-              <a:t>‹#›</a:t>
+              <a:t>‹N°›</a:t>
             </a:fld>
             <a:endParaRPr lang="en-CA"/>
           </a:p>
@@ -12326,7 +12335,7 @@
           <a:p>
             <a:fld id="{91E49129-39F5-406C-9780-EBCC397C408D}" type="datetime1">
               <a:rPr lang="en-CA" smtClean="0"/>
-              <a:t>2024-04-13</a:t>
+              <a:t>2024-04-14</a:t>
             </a:fld>
             <a:endParaRPr lang="en-CA"/>
           </a:p>
@@ -12380,7 +12389,7 @@
           <a:p>
             <a:fld id="{4BD3201E-7DF8-462B-AC18-61E63795AE0D}" type="slidenum">
               <a:rPr lang="en-CA" smtClean="0"/>
-              <a:t>‹#›</a:t>
+              <a:t>‹N°›</a:t>
             </a:fld>
             <a:endParaRPr lang="en-CA"/>
           </a:p>
@@ -12741,7 +12750,7 @@
           <a:p>
             <a:fld id="{842BEFE3-C6EA-474C-97FD-ABDEA347D9FB}" type="datetime1">
               <a:rPr lang="en-CA" smtClean="0"/>
-              <a:t>2024-04-13</a:t>
+              <a:t>2024-04-14</a:t>
             </a:fld>
             <a:endParaRPr lang="en-CA"/>
           </a:p>
@@ -12795,7 +12804,7 @@
           <a:p>
             <a:fld id="{4BD3201E-7DF8-462B-AC18-61E63795AE0D}" type="slidenum">
               <a:rPr lang="en-CA" smtClean="0"/>
-              <a:t>‹#›</a:t>
+              <a:t>‹N°›</a:t>
             </a:fld>
             <a:endParaRPr lang="en-CA"/>
           </a:p>
@@ -12883,7 +12892,7 @@
           <a:p>
             <a:fld id="{6E136DE9-66C8-4178-B1EE-68BA1DDA6AC1}" type="datetime1">
               <a:rPr lang="en-CA" smtClean="0"/>
-              <a:t>2024-04-13</a:t>
+              <a:t>2024-04-14</a:t>
             </a:fld>
             <a:endParaRPr lang="en-CA"/>
           </a:p>
@@ -12937,7 +12946,7 @@
           <a:p>
             <a:fld id="{4BD3201E-7DF8-462B-AC18-61E63795AE0D}" type="slidenum">
               <a:rPr lang="en-CA" smtClean="0"/>
-              <a:t>‹#›</a:t>
+              <a:t>‹N°›</a:t>
             </a:fld>
             <a:endParaRPr lang="en-CA"/>
           </a:p>
@@ -12996,7 +13005,7 @@
           <a:p>
             <a:fld id="{9FB45C08-7649-49AF-BD7B-580DB8C99B7A}" type="datetime1">
               <a:rPr lang="en-CA" smtClean="0"/>
-              <a:t>2024-04-13</a:t>
+              <a:t>2024-04-14</a:t>
             </a:fld>
             <a:endParaRPr lang="en-CA"/>
           </a:p>
@@ -13050,7 +13059,7 @@
           <a:p>
             <a:fld id="{4BD3201E-7DF8-462B-AC18-61E63795AE0D}" type="slidenum">
               <a:rPr lang="en-CA" smtClean="0"/>
-              <a:t>‹#›</a:t>
+              <a:t>‹N°›</a:t>
             </a:fld>
             <a:endParaRPr lang="en-CA"/>
           </a:p>
@@ -13309,7 +13318,7 @@
           <a:p>
             <a:fld id="{C892CBF7-3610-449C-AFF4-F9E06E0A3AE6}" type="datetime1">
               <a:rPr lang="en-CA" smtClean="0"/>
-              <a:t>2024-04-13</a:t>
+              <a:t>2024-04-14</a:t>
             </a:fld>
             <a:endParaRPr lang="en-CA"/>
           </a:p>
@@ -13363,7 +13372,7 @@
           <a:p>
             <a:fld id="{4BD3201E-7DF8-462B-AC18-61E63795AE0D}" type="slidenum">
               <a:rPr lang="en-CA" smtClean="0"/>
-              <a:t>‹#›</a:t>
+              <a:t>‹N°›</a:t>
             </a:fld>
             <a:endParaRPr lang="en-CA"/>
           </a:p>
@@ -13598,7 +13607,7 @@
           <a:p>
             <a:fld id="{FEBB46D6-6F0E-424D-BC97-33481DE3A81C}" type="datetime1">
               <a:rPr lang="en-CA" smtClean="0"/>
-              <a:t>2024-04-13</a:t>
+              <a:t>2024-04-14</a:t>
             </a:fld>
             <a:endParaRPr lang="en-CA"/>
           </a:p>
@@ -13652,7 +13661,7 @@
           <a:p>
             <a:fld id="{4BD3201E-7DF8-462B-AC18-61E63795AE0D}" type="slidenum">
               <a:rPr lang="en-CA" smtClean="0"/>
-              <a:t>‹#›</a:t>
+              <a:t>‹N°›</a:t>
             </a:fld>
             <a:endParaRPr lang="en-CA"/>
           </a:p>
@@ -13841,7 +13850,7 @@
           <a:p>
             <a:fld id="{B73E6E16-3168-468D-A621-C54C80625A51}" type="datetime1">
               <a:rPr lang="en-CA" smtClean="0"/>
-              <a:t>2024-04-13</a:t>
+              <a:t>2024-04-14</a:t>
             </a:fld>
             <a:endParaRPr lang="en-CA"/>
           </a:p>
@@ -13931,7 +13940,7 @@
           <a:p>
             <a:fld id="{4BD3201E-7DF8-462B-AC18-61E63795AE0D}" type="slidenum">
               <a:rPr lang="en-CA" smtClean="0"/>
-              <a:t>‹#›</a:t>
+              <a:t>‹N°›</a:t>
             </a:fld>
             <a:endParaRPr lang="en-CA"/>
           </a:p>
@@ -30777,15 +30786,6 @@
 </file>
 
 <file path=customXml/item1.xml><?xml version="1.0" encoding="utf-8"?>
-<?mso-contentType ?>
-<FormTemplates xmlns="http://schemas.microsoft.com/sharepoint/v3/contenttype/forms">
-  <Display>DocumentLibraryForm</Display>
-  <Edit>DocumentLibraryForm</Edit>
-  <New>DocumentLibraryForm</New>
-</FormTemplates>
-</file>
-
-<file path=customXml/item2.xml><?xml version="1.0" encoding="utf-8"?>
 <p:properties xmlns:p="http://schemas.microsoft.com/office/2006/metadata/properties" xmlns:xsi="http://www.w3.org/2001/XMLSchema-instance" xmlns:pc="http://schemas.microsoft.com/office/infopath/2007/PartnerControls">
   <documentManagement>
     <lcf76f155ced4ddcb4097134ff3c332f xmlns="ec825916-6f01-4646-bf11-4e97fdd06dc8">
@@ -30794,6 +30794,15 @@
     <TaxCatchAll xmlns="10202d72-3646-4d36-9cf4-1feba2c78df0" xsi:nil="true"/>
   </documentManagement>
 </p:properties>
+</file>
+
+<file path=customXml/item2.xml><?xml version="1.0" encoding="utf-8"?>
+<?mso-contentType ?>
+<FormTemplates xmlns="http://schemas.microsoft.com/sharepoint/v3/contenttype/forms">
+  <Display>DocumentLibraryForm</Display>
+  <Edit>DocumentLibraryForm</Edit>
+  <New>DocumentLibraryForm</New>
+</FormTemplates>
 </file>
 
 <file path=customXml/item3.xml><?xml version="1.0" encoding="utf-8"?>
@@ -30992,14 +31001,6 @@
 </file>
 
 <file path=customXml/itemProps1.xml><?xml version="1.0" encoding="utf-8"?>
-<ds:datastoreItem xmlns:ds="http://schemas.openxmlformats.org/officeDocument/2006/customXml" ds:itemID="{73F4A501-0066-4B8E-9AA2-A07CF344BF69}">
-  <ds:schemaRefs>
-    <ds:schemaRef ds:uri="http://schemas.microsoft.com/sharepoint/v3/contenttype/forms"/>
-  </ds:schemaRefs>
-</ds:datastoreItem>
-</file>
-
-<file path=customXml/itemProps2.xml><?xml version="1.0" encoding="utf-8"?>
 <ds:datastoreItem xmlns:ds="http://schemas.openxmlformats.org/officeDocument/2006/customXml" ds:itemID="{CC0D4AF6-CA21-4510-812C-479171907BC9}">
   <ds:schemaRefs>
     <ds:schemaRef ds:uri="ec825916-6f01-4646-bf11-4e97fdd06dc8"/>
@@ -31012,6 +31013,14 @@
     <ds:schemaRef ds:uri="http://schemas.microsoft.com/office/2006/metadata/properties"/>
     <ds:schemaRef ds:uri="http://schemas.openxmlformats.org/package/2006/metadata/core-properties"/>
     <ds:schemaRef ds:uri="http://purl.org/dc/elements/1.1/"/>
+  </ds:schemaRefs>
+</ds:datastoreItem>
+</file>
+
+<file path=customXml/itemProps2.xml><?xml version="1.0" encoding="utf-8"?>
+<ds:datastoreItem xmlns:ds="http://schemas.openxmlformats.org/officeDocument/2006/customXml" ds:itemID="{73F4A501-0066-4B8E-9AA2-A07CF344BF69}">
+  <ds:schemaRefs>
+    <ds:schemaRef ds:uri="http://schemas.microsoft.com/sharepoint/v3/contenttype/forms"/>
   </ds:schemaRefs>
 </ds:datastoreItem>
 </file>

--- a/Rapport_Projet_V1.pptx
+++ b/Rapport_Projet_V1.pptx
@@ -957,7 +957,7 @@
 <file path=ppt/charts/chart1.xml><?xml version="1.0" encoding="utf-8"?>
 <c:chartSpace xmlns:c="http://schemas.openxmlformats.org/drawingml/2006/chart" xmlns:a="http://schemas.openxmlformats.org/drawingml/2006/main" xmlns:r="http://schemas.openxmlformats.org/officeDocument/2006/relationships" xmlns:c16r2="http://schemas.microsoft.com/office/drawing/2015/06/chart">
   <c:date1904 val="0"/>
-  <c:lang val="fr-FR"/>
+  <c:lang val="en-US"/>
   <c:roundedCorners val="0"/>
   <mc:AlternateContent xmlns:mc="http://schemas.openxmlformats.org/markup-compatibility/2006">
     <mc:Choice xmlns:c14="http://schemas.microsoft.com/office/drawing/2007/8/2/chart" Requires="c14">
@@ -2083,7 +2083,7 @@
                   <a:cs typeface="+mn-cs"/>
                 </a:defRPr>
               </a:pPr>
-              <a:endParaRPr lang="fr-FR"/>
+              <a:endParaRPr lang="en-US"/>
             </a:p>
           </c:txPr>
         </c:title>
@@ -2121,7 +2121,7 @@
                 <a:cs typeface="+mn-cs"/>
               </a:defRPr>
             </a:pPr>
-            <a:endParaRPr lang="fr-FR"/>
+            <a:endParaRPr lang="en-US"/>
           </a:p>
         </c:txPr>
         <c:crossAx val="477271791"/>
@@ -2205,7 +2205,7 @@
                   <a:cs typeface="+mn-cs"/>
                 </a:defRPr>
               </a:pPr>
-              <a:endParaRPr lang="fr-FR"/>
+              <a:endParaRPr lang="en-US"/>
             </a:p>
           </c:txPr>
         </c:title>
@@ -2243,7 +2243,7 @@
                 <a:cs typeface="+mn-cs"/>
               </a:defRPr>
             </a:pPr>
-            <a:endParaRPr lang="fr-FR"/>
+            <a:endParaRPr lang="en-US"/>
           </a:p>
         </c:txPr>
         <c:crossAx val="477280911"/>
@@ -2295,7 +2295,7 @@
               <a:cs typeface="+mn-cs"/>
             </a:defRPr>
           </a:pPr>
-          <a:endParaRPr lang="fr-FR"/>
+          <a:endParaRPr lang="en-US"/>
         </a:p>
       </c:txPr>
     </c:legend>
@@ -2324,7 +2324,7 @@
       <a:pPr>
         <a:defRPr/>
       </a:pPr>
-      <a:endParaRPr lang="fr-FR"/>
+      <a:endParaRPr lang="en-US"/>
     </a:p>
   </c:txPr>
   <c:externalData r:id="rId3">
@@ -2336,7 +2336,7 @@
 <file path=ppt/charts/chart2.xml><?xml version="1.0" encoding="utf-8"?>
 <c:chartSpace xmlns:c="http://schemas.openxmlformats.org/drawingml/2006/chart" xmlns:a="http://schemas.openxmlformats.org/drawingml/2006/main" xmlns:r="http://schemas.openxmlformats.org/officeDocument/2006/relationships" xmlns:c16r2="http://schemas.microsoft.com/office/drawing/2015/06/chart">
   <c:date1904 val="0"/>
-  <c:lang val="fr-FR"/>
+  <c:lang val="en-US"/>
   <c:roundedCorners val="0"/>
   <mc:AlternateContent xmlns:mc="http://schemas.openxmlformats.org/markup-compatibility/2006">
     <mc:Choice xmlns:c14="http://schemas.microsoft.com/office/drawing/2007/8/2/chart" Requires="c14">
@@ -2411,7 +2411,7 @@
               <a:cs typeface="+mn-cs"/>
             </a:defRPr>
           </a:pPr>
-          <a:endParaRPr lang="fr-FR"/>
+          <a:endParaRPr lang="en-US"/>
         </a:p>
       </c:txPr>
     </c:title>
@@ -2502,7 +2502,7 @@
                       <a:cs typeface="+mn-cs"/>
                     </a:defRPr>
                   </a:pPr>
-                  <a:endParaRPr lang="fr-FR"/>
+                  <a:endParaRPr lang="en-US"/>
                 </a:p>
               </c:txPr>
             </c:trendlineLbl>
@@ -2645,7 +2645,7 @@
                             <a:cs typeface="+mn-cs"/>
                           </a:defRPr>
                         </a:pPr>
-                        <a:endParaRPr lang="fr-FR"/>
+                        <a:endParaRPr lang="en-US"/>
                       </a:p>
                     </c:txPr>
                   </c:trendlineLbl>
@@ -2787,7 +2787,7 @@
                   <a:cs typeface="+mn-cs"/>
                 </a:defRPr>
               </a:pPr>
-              <a:endParaRPr lang="fr-FR"/>
+              <a:endParaRPr lang="en-US"/>
             </a:p>
           </c:txPr>
         </c:title>
@@ -2825,7 +2825,7 @@
                 <a:cs typeface="+mn-cs"/>
               </a:defRPr>
             </a:pPr>
-            <a:endParaRPr lang="fr-FR"/>
+            <a:endParaRPr lang="en-US"/>
           </a:p>
         </c:txPr>
         <c:crossAx val="1420657695"/>
@@ -2909,7 +2909,7 @@
                   <a:cs typeface="+mn-cs"/>
                 </a:defRPr>
               </a:pPr>
-              <a:endParaRPr lang="fr-FR"/>
+              <a:endParaRPr lang="en-US"/>
             </a:p>
           </c:txPr>
         </c:title>
@@ -2947,7 +2947,7 @@
                 <a:cs typeface="+mn-cs"/>
               </a:defRPr>
             </a:pPr>
-            <a:endParaRPr lang="fr-FR"/>
+            <a:endParaRPr lang="en-US"/>
           </a:p>
         </c:txPr>
         <c:crossAx val="1911372511"/>
@@ -2987,7 +2987,7 @@
       <a:pPr>
         <a:defRPr/>
       </a:pPr>
-      <a:endParaRPr lang="fr-FR"/>
+      <a:endParaRPr lang="en-US"/>
     </a:p>
   </c:txPr>
   <c:externalData r:id="rId3">
@@ -2999,7 +2999,7 @@
 <file path=ppt/charts/chart3.xml><?xml version="1.0" encoding="utf-8"?>
 <c:chartSpace xmlns:c="http://schemas.openxmlformats.org/drawingml/2006/chart" xmlns:a="http://schemas.openxmlformats.org/drawingml/2006/main" xmlns:r="http://schemas.openxmlformats.org/officeDocument/2006/relationships" xmlns:c16r2="http://schemas.microsoft.com/office/drawing/2015/06/chart">
   <c:date1904 val="0"/>
-  <c:lang val="fr-FR"/>
+  <c:lang val="en-US"/>
   <c:roundedCorners val="0"/>
   <mc:AlternateContent xmlns:mc="http://schemas.openxmlformats.org/markup-compatibility/2006">
     <mc:Choice xmlns:c14="http://schemas.microsoft.com/office/drawing/2007/8/2/chart" Requires="c14">
@@ -3066,7 +3066,7 @@
               <a:cs typeface="+mn-cs"/>
             </a:defRPr>
           </a:pPr>
-          <a:endParaRPr lang="fr-FR"/>
+          <a:endParaRPr lang="en-US"/>
         </a:p>
       </c:txPr>
     </c:title>
@@ -3143,7 +3143,7 @@
                       <a:cs typeface="+mn-cs"/>
                     </a:defRPr>
                   </a:pPr>
-                  <a:endParaRPr lang="fr-FR"/>
+                  <a:endParaRPr lang="en-US"/>
                 </a:p>
               </c:txPr>
             </c:trendlineLbl>
@@ -3288,7 +3288,7 @@
                 <a:cs typeface="+mn-cs"/>
               </a:defRPr>
             </a:pPr>
-            <a:endParaRPr lang="fr-FR"/>
+            <a:endParaRPr lang="en-US"/>
           </a:p>
         </c:txPr>
         <c:crossAx val="642880048"/>
@@ -3351,7 +3351,7 @@
                 <a:cs typeface="+mn-cs"/>
               </a:defRPr>
             </a:pPr>
-            <a:endParaRPr lang="fr-FR"/>
+            <a:endParaRPr lang="en-US"/>
           </a:p>
         </c:txPr>
         <c:crossAx val="642881968"/>
@@ -3391,7 +3391,7 @@
       <a:pPr>
         <a:defRPr/>
       </a:pPr>
-      <a:endParaRPr lang="fr-FR"/>
+      <a:endParaRPr lang="en-US"/>
     </a:p>
   </c:txPr>
   <c:externalData r:id="rId3">
@@ -3403,7 +3403,7 @@
 <file path=ppt/charts/chart4.xml><?xml version="1.0" encoding="utf-8"?>
 <c:chartSpace xmlns:c="http://schemas.openxmlformats.org/drawingml/2006/chart" xmlns:a="http://schemas.openxmlformats.org/drawingml/2006/main" xmlns:r="http://schemas.openxmlformats.org/officeDocument/2006/relationships" xmlns:c16r2="http://schemas.microsoft.com/office/drawing/2015/06/chart">
   <c:date1904 val="0"/>
-  <c:lang val="fr-FR"/>
+  <c:lang val="en-US"/>
   <c:roundedCorners val="0"/>
   <mc:AlternateContent xmlns:mc="http://schemas.openxmlformats.org/markup-compatibility/2006">
     <mc:Choice xmlns:c14="http://schemas.microsoft.com/office/drawing/2007/8/2/chart" Requires="c14">
@@ -4164,7 +4164,7 @@
                   <a:cs typeface="+mn-cs"/>
                 </a:defRPr>
               </a:pPr>
-              <a:endParaRPr lang="fr-FR"/>
+              <a:endParaRPr lang="en-US"/>
             </a:p>
           </c:txPr>
         </c:title>
@@ -4202,7 +4202,7 @@
                 <a:cs typeface="+mn-cs"/>
               </a:defRPr>
             </a:pPr>
-            <a:endParaRPr lang="fr-FR"/>
+            <a:endParaRPr lang="en-US"/>
           </a:p>
         </c:txPr>
         <c:crossAx val="1457253920"/>
@@ -4282,7 +4282,7 @@
                   <a:cs typeface="+mn-cs"/>
                 </a:defRPr>
               </a:pPr>
-              <a:endParaRPr lang="fr-FR"/>
+              <a:endParaRPr lang="en-US"/>
             </a:p>
           </c:txPr>
         </c:title>
@@ -4320,7 +4320,7 @@
                 <a:cs typeface="+mn-cs"/>
               </a:defRPr>
             </a:pPr>
-            <a:endParaRPr lang="fr-FR"/>
+            <a:endParaRPr lang="en-US"/>
           </a:p>
         </c:txPr>
         <c:crossAx val="1457258720"/>
@@ -4360,7 +4360,7 @@
       <a:pPr>
         <a:defRPr/>
       </a:pPr>
-      <a:endParaRPr lang="fr-FR"/>
+      <a:endParaRPr lang="en-US"/>
     </a:p>
   </c:txPr>
   <c:externalData r:id="rId3">
@@ -4372,7 +4372,7 @@
 <file path=ppt/charts/chart5.xml><?xml version="1.0" encoding="utf-8"?>
 <c:chartSpace xmlns:c="http://schemas.openxmlformats.org/drawingml/2006/chart" xmlns:a="http://schemas.openxmlformats.org/drawingml/2006/main" xmlns:r="http://schemas.openxmlformats.org/officeDocument/2006/relationships" xmlns:c16r2="http://schemas.microsoft.com/office/drawing/2015/06/chart">
   <c:date1904 val="0"/>
-  <c:lang val="fr-FR"/>
+  <c:lang val="en-US"/>
   <c:roundedCorners val="0"/>
   <mc:AlternateContent xmlns:mc="http://schemas.openxmlformats.org/markup-compatibility/2006">
     <mc:Choice xmlns:c14="http://schemas.microsoft.com/office/drawing/2007/8/2/chart" Requires="c14">
@@ -5145,7 +5145,7 @@
                   <a:cs typeface="+mn-cs"/>
                 </a:defRPr>
               </a:pPr>
-              <a:endParaRPr lang="fr-FR"/>
+              <a:endParaRPr lang="en-US"/>
             </a:p>
           </c:txPr>
         </c:title>
@@ -5183,7 +5183,7 @@
                 <a:cs typeface="+mn-cs"/>
               </a:defRPr>
             </a:pPr>
-            <a:endParaRPr lang="fr-FR"/>
+            <a:endParaRPr lang="en-US"/>
           </a:p>
         </c:txPr>
         <c:crossAx val="2041938592"/>
@@ -5263,7 +5263,7 @@
                   <a:cs typeface="+mn-cs"/>
                 </a:defRPr>
               </a:pPr>
-              <a:endParaRPr lang="fr-FR"/>
+              <a:endParaRPr lang="en-US"/>
             </a:p>
           </c:txPr>
         </c:title>
@@ -5301,7 +5301,7 @@
                 <a:cs typeface="+mn-cs"/>
               </a:defRPr>
             </a:pPr>
-            <a:endParaRPr lang="fr-FR"/>
+            <a:endParaRPr lang="en-US"/>
           </a:p>
         </c:txPr>
         <c:crossAx val="2041944352"/>
@@ -5341,7 +5341,7 @@
       <a:pPr>
         <a:defRPr/>
       </a:pPr>
-      <a:endParaRPr lang="fr-FR"/>
+      <a:endParaRPr lang="en-US"/>
     </a:p>
   </c:txPr>
   <c:externalData r:id="rId3">
@@ -5353,7 +5353,7 @@
 <file path=ppt/charts/chart6.xml><?xml version="1.0" encoding="utf-8"?>
 <c:chartSpace xmlns:c="http://schemas.openxmlformats.org/drawingml/2006/chart" xmlns:a="http://schemas.openxmlformats.org/drawingml/2006/main" xmlns:r="http://schemas.openxmlformats.org/officeDocument/2006/relationships" xmlns:c16r2="http://schemas.microsoft.com/office/drawing/2015/06/chart">
   <c:date1904 val="0"/>
-  <c:lang val="fr-FR"/>
+  <c:lang val="en-US"/>
   <c:roundedCorners val="0"/>
   <mc:AlternateContent xmlns:mc="http://schemas.openxmlformats.org/markup-compatibility/2006">
     <mc:Choice xmlns:c14="http://schemas.microsoft.com/office/drawing/2007/8/2/chart" Requires="c14">
@@ -6160,7 +6160,7 @@
                   <a:cs typeface="+mn-cs"/>
                 </a:defRPr>
               </a:pPr>
-              <a:endParaRPr lang="fr-FR"/>
+              <a:endParaRPr lang="en-US"/>
             </a:p>
           </c:txPr>
         </c:title>
@@ -6198,7 +6198,7 @@
                 <a:cs typeface="+mn-cs"/>
               </a:defRPr>
             </a:pPr>
-            <a:endParaRPr lang="fr-FR"/>
+            <a:endParaRPr lang="en-US"/>
           </a:p>
         </c:txPr>
         <c:crossAx val="2041041472"/>
@@ -6278,7 +6278,7 @@
                   <a:cs typeface="+mn-cs"/>
                 </a:defRPr>
               </a:pPr>
-              <a:endParaRPr lang="fr-FR"/>
+              <a:endParaRPr lang="en-US"/>
             </a:p>
           </c:txPr>
         </c:title>
@@ -6316,7 +6316,7 @@
                 <a:cs typeface="+mn-cs"/>
               </a:defRPr>
             </a:pPr>
-            <a:endParaRPr lang="fr-FR"/>
+            <a:endParaRPr lang="en-US"/>
           </a:p>
         </c:txPr>
         <c:crossAx val="2041040032"/>
@@ -6356,7 +6356,7 @@
       <a:pPr>
         <a:defRPr/>
       </a:pPr>
-      <a:endParaRPr lang="fr-FR"/>
+      <a:endParaRPr lang="en-US"/>
     </a:p>
   </c:txPr>
   <c:externalData r:id="rId3">
@@ -6368,7 +6368,7 @@
 <file path=ppt/charts/chart7.xml><?xml version="1.0" encoding="utf-8"?>
 <c:chartSpace xmlns:c="http://schemas.openxmlformats.org/drawingml/2006/chart" xmlns:a="http://schemas.openxmlformats.org/drawingml/2006/main" xmlns:r="http://schemas.openxmlformats.org/officeDocument/2006/relationships" xmlns:c16r2="http://schemas.microsoft.com/office/drawing/2015/06/chart">
   <c:date1904 val="0"/>
-  <c:lang val="fr-FR"/>
+  <c:lang val="en-US"/>
   <c:roundedCorners val="0"/>
   <mc:AlternateContent xmlns:mc="http://schemas.openxmlformats.org/markup-compatibility/2006">
     <mc:Choice xmlns:c14="http://schemas.microsoft.com/office/drawing/2007/8/2/chart" Requires="c14">
@@ -6616,7 +6616,7 @@
                   <a:cs typeface="+mn-cs"/>
                 </a:defRPr>
               </a:pPr>
-              <a:endParaRPr lang="fr-FR"/>
+              <a:endParaRPr lang="en-US"/>
             </a:p>
           </c:txPr>
         </c:title>
@@ -6654,7 +6654,7 @@
                 <a:cs typeface="+mn-cs"/>
               </a:defRPr>
             </a:pPr>
-            <a:endParaRPr lang="fr-FR"/>
+            <a:endParaRPr lang="en-US"/>
           </a:p>
         </c:txPr>
         <c:crossAx val="1632011967"/>
@@ -6694,7 +6694,7 @@
       <a:pPr>
         <a:defRPr/>
       </a:pPr>
-      <a:endParaRPr lang="fr-FR"/>
+      <a:endParaRPr lang="en-US"/>
     </a:p>
   </c:txPr>
   <c:externalData r:id="rId3">
@@ -10595,32 +10595,6 @@
 </cs:chartStyle>
 </file>
 
-<file path=ppt/comments/modernComment_106_4791FEFC.xml><?xml version="1.0" encoding="utf-8"?>
-<p188:cmLst xmlns:a="http://schemas.openxmlformats.org/drawingml/2006/main" xmlns:r="http://schemas.openxmlformats.org/officeDocument/2006/relationships" xmlns:p188="http://schemas.microsoft.com/office/powerpoint/2018/8/main">
-  <p188:cm id="{3724C460-C9F0-49DB-9DE2-9E5AD2B8FA85}" authorId="{53E43574-7A34-154C-E512-F6CBCA51E7C2}" created="2024-04-13T02:50:35.708">
-    <ac:txMkLst xmlns:ac="http://schemas.microsoft.com/office/drawing/2013/main/command">
-      <pc:docMk xmlns:pc="http://schemas.microsoft.com/office/powerpoint/2013/main/command"/>
-      <pc:sldMk xmlns:pc="http://schemas.microsoft.com/office/powerpoint/2013/main/command" cId="1200750332" sldId="262"/>
-      <ac:spMk id="3" creationId="{57846E6E-541E-C380-2EC3-91AF5BEE61F6}"/>
-      <ac:txMk cp="413" len="347">
-        <ac:context len="934" hash="2870726881"/>
-      </ac:txMk>
-    </ac:txMkLst>
-    <p188:pos x="10506075" y="2002400"/>
-    <p188:txBody>
-      <a:bodyPr/>
-      <a:lstStyle/>
-      <a:p>
-        <a:r>
-          <a:rPr lang="en-CA"/>
-          <a:t>Est-ce qu'on garde cette partie là?</a:t>
-        </a:r>
-      </a:p>
-    </p188:txBody>
-  </p188:cm>
-</p188:cmLst>
-</file>
-
 <file path=ppt/comments/modernComment_108_E5C5E786.xml><?xml version="1.0" encoding="utf-8"?>
 <p188:cmLst xmlns:a="http://schemas.openxmlformats.org/drawingml/2006/main" xmlns:r="http://schemas.openxmlformats.org/officeDocument/2006/relationships" xmlns:p188="http://schemas.microsoft.com/office/powerpoint/2018/8/main">
   <p188:cm id="{E208A256-2645-4215-A2E1-5835D144B8FF}" authorId="{4BB11620-EFBC-D13A-7B93-45F2C922ABDE}" created="2024-04-09T02:44:11.886">
@@ -10923,7 +10897,7 @@
           <a:p>
             <a:fld id="{603E9730-38DB-4F77-A139-6CE923099591}" type="slidenum">
               <a:rPr lang="en-CA" smtClean="0"/>
-              <a:t>‹N°›</a:t>
+              <a:t>‹#›</a:t>
             </a:fld>
             <a:endParaRPr lang="en-CA"/>
           </a:p>
@@ -11235,7 +11209,7 @@
           <a:p>
             <a:fld id="{4BD3201E-7DF8-462B-AC18-61E63795AE0D}" type="slidenum">
               <a:rPr lang="en-CA" smtClean="0"/>
-              <a:t>‹N°›</a:t>
+              <a:t>‹#›</a:t>
             </a:fld>
             <a:endParaRPr lang="en-CA"/>
           </a:p>
@@ -11435,7 +11409,7 @@
           <a:p>
             <a:fld id="{4BD3201E-7DF8-462B-AC18-61E63795AE0D}" type="slidenum">
               <a:rPr lang="en-CA" smtClean="0"/>
-              <a:t>‹N°›</a:t>
+              <a:t>‹#›</a:t>
             </a:fld>
             <a:endParaRPr lang="en-CA"/>
           </a:p>
@@ -11645,7 +11619,7 @@
           <a:p>
             <a:fld id="{4BD3201E-7DF8-462B-AC18-61E63795AE0D}" type="slidenum">
               <a:rPr lang="en-CA" smtClean="0"/>
-              <a:t>‹N°›</a:t>
+              <a:t>‹#›</a:t>
             </a:fld>
             <a:endParaRPr lang="en-CA"/>
           </a:p>
@@ -11845,7 +11819,7 @@
           <a:p>
             <a:fld id="{4BD3201E-7DF8-462B-AC18-61E63795AE0D}" type="slidenum">
               <a:rPr lang="en-CA" smtClean="0"/>
-              <a:t>‹N°›</a:t>
+              <a:t>‹#›</a:t>
             </a:fld>
             <a:endParaRPr lang="en-CA"/>
           </a:p>
@@ -12121,7 +12095,7 @@
           <a:p>
             <a:fld id="{4BD3201E-7DF8-462B-AC18-61E63795AE0D}" type="slidenum">
               <a:rPr lang="en-CA" smtClean="0"/>
-              <a:t>‹N°›</a:t>
+              <a:t>‹#›</a:t>
             </a:fld>
             <a:endParaRPr lang="en-CA"/>
           </a:p>
@@ -12389,7 +12363,7 @@
           <a:p>
             <a:fld id="{4BD3201E-7DF8-462B-AC18-61E63795AE0D}" type="slidenum">
               <a:rPr lang="en-CA" smtClean="0"/>
-              <a:t>‹N°›</a:t>
+              <a:t>‹#›</a:t>
             </a:fld>
             <a:endParaRPr lang="en-CA"/>
           </a:p>
@@ -12804,7 +12778,7 @@
           <a:p>
             <a:fld id="{4BD3201E-7DF8-462B-AC18-61E63795AE0D}" type="slidenum">
               <a:rPr lang="en-CA" smtClean="0"/>
-              <a:t>‹N°›</a:t>
+              <a:t>‹#›</a:t>
             </a:fld>
             <a:endParaRPr lang="en-CA"/>
           </a:p>
@@ -12946,7 +12920,7 @@
           <a:p>
             <a:fld id="{4BD3201E-7DF8-462B-AC18-61E63795AE0D}" type="slidenum">
               <a:rPr lang="en-CA" smtClean="0"/>
-              <a:t>‹N°›</a:t>
+              <a:t>‹#›</a:t>
             </a:fld>
             <a:endParaRPr lang="en-CA"/>
           </a:p>
@@ -13059,7 +13033,7 @@
           <a:p>
             <a:fld id="{4BD3201E-7DF8-462B-AC18-61E63795AE0D}" type="slidenum">
               <a:rPr lang="en-CA" smtClean="0"/>
-              <a:t>‹N°›</a:t>
+              <a:t>‹#›</a:t>
             </a:fld>
             <a:endParaRPr lang="en-CA"/>
           </a:p>
@@ -13372,7 +13346,7 @@
           <a:p>
             <a:fld id="{4BD3201E-7DF8-462B-AC18-61E63795AE0D}" type="slidenum">
               <a:rPr lang="en-CA" smtClean="0"/>
-              <a:t>‹N°›</a:t>
+              <a:t>‹#›</a:t>
             </a:fld>
             <a:endParaRPr lang="en-CA"/>
           </a:p>
@@ -13661,7 +13635,7 @@
           <a:p>
             <a:fld id="{4BD3201E-7DF8-462B-AC18-61E63795AE0D}" type="slidenum">
               <a:rPr lang="en-CA" smtClean="0"/>
-              <a:t>‹N°›</a:t>
+              <a:t>‹#›</a:t>
             </a:fld>
             <a:endParaRPr lang="en-CA"/>
           </a:p>
@@ -13940,7 +13914,7 @@
           <a:p>
             <a:fld id="{4BD3201E-7DF8-462B-AC18-61E63795AE0D}" type="slidenum">
               <a:rPr lang="en-CA" smtClean="0"/>
-              <a:t>‹N°›</a:t>
+              <a:t>‹#›</a:t>
             </a:fld>
             <a:endParaRPr lang="en-CA"/>
           </a:p>
@@ -15383,8 +15357,8 @@
           </a:p>
         </p:txBody>
       </p:sp>
-      <mc:AlternateContent xmlns:mc="http://schemas.openxmlformats.org/markup-compatibility/2006" xmlns:a14="http://schemas.microsoft.com/office/drawing/2010/main">
-        <mc:Choice Requires="a14">
+      <mc:AlternateContent xmlns:mc="http://schemas.openxmlformats.org/markup-compatibility/2006">
+        <mc:Choice xmlns:a14="http://schemas.microsoft.com/office/drawing/2010/main" Requires="a14">
           <p:sp>
             <p:nvSpPr>
               <p:cNvPr id="3" name="Content Placeholder 2">
@@ -15418,7 +15392,7 @@
                 </a:pPr>
                 <a:r>
                   <a:rPr lang="fr-CA" sz="1800" dirty="0"/>
-                  <a:t>Il est donc possible de remarquer qu’une différente méthode est nécessaire afin d’effectuer la vérification de code. Pour ce faire, il est possible d’utiliser l’énergie de déformation.</a:t>
+                  <a:t>Il est donc possible de remarquer qu’une différente méthode est nécessaire afin d’effectuer la vérification de code. Pour ce faire, il est possible d’utiliser l’énergie de déformation avec une charge répartie.</a:t>
                 </a:r>
               </a:p>
               <a:p>
@@ -15854,7 +15828,7 @@
             </p:txBody>
           </p:sp>
         </mc:Choice>
-        <mc:Fallback xmlns="">
+        <mc:Fallback>
           <p:sp>
             <p:nvSpPr>
               <p:cNvPr id="3" name="Content Placeholder 2">
@@ -18875,224 +18849,228 @@
                   <a:rPr lang="fr-FR" sz="1600" dirty="0">
                     <a:latin typeface="Aptos "/>
                   </a:rPr>
-                  <a:t>été utilisée en premier essai pour quantifier l’incertitude sur la solution obtenue, tel que </a:t>
+                  <a:t>été utilisée en premier essai pour quantifier l’incertitude sur la solution obtenue, tel que :</a:t>
                 </a:r>
+              </a:p>
+              <a:p>
+                <a:pPr marL="0" indent="0" algn="just">
+                  <a:lnSpc>
+                    <a:spcPct val="100000"/>
+                  </a:lnSpc>
+                  <a:buNone/>
+                </a:pPr>
                 <a14:m>
-                  <m:oMath xmlns:m="http://schemas.openxmlformats.org/officeDocument/2006/math">
-                    <m:r>
-                      <a:rPr lang="fr-FR" sz="1600" i="1">
-                        <a:latin typeface="Cambria Math" panose="02040503050406030204" pitchFamily="18" charset="0"/>
-                      </a:rPr>
-                      <m:t>𝑓</m:t>
-                    </m:r>
-                    <m:r>
-                      <a:rPr lang="fr-FR" sz="1600" i="1">
-                        <a:latin typeface="Cambria Math" panose="02040503050406030204" pitchFamily="18" charset="0"/>
-                      </a:rPr>
-                      <m:t>=</m:t>
-                    </m:r>
-                    <m:sSub>
-                      <m:sSubPr>
-                        <m:ctrlPr>
-                          <a:rPr lang="fr-CA" sz="1600" i="1">
-                            <a:latin typeface="Cambria Math" panose="02040503050406030204" pitchFamily="18" charset="0"/>
-                          </a:rPr>
-                        </m:ctrlPr>
-                      </m:sSubPr>
-                      <m:e>
-                        <m:r>
-                          <a:rPr lang="fr-FR" sz="1600" i="1">
-                            <a:latin typeface="Cambria Math" panose="02040503050406030204" pitchFamily="18" charset="0"/>
-                          </a:rPr>
-                          <m:t>𝑓</m:t>
-                        </m:r>
-                      </m:e>
-                      <m:sub>
-                        <m:r>
-                          <a:rPr lang="fr-FR" sz="1600" i="1">
-                            <a:latin typeface="Cambria Math" panose="02040503050406030204" pitchFamily="18" charset="0"/>
-                          </a:rPr>
-                          <m:t>h</m:t>
-                        </m:r>
-                      </m:sub>
-                    </m:sSub>
-                    <m:r>
-                      <a:rPr lang="fr-FR" sz="1600" i="1">
-                        <a:latin typeface="Cambria Math" panose="02040503050406030204" pitchFamily="18" charset="0"/>
-                      </a:rPr>
-                      <m:t>±</m:t>
-                    </m:r>
-                    <m:f>
-                      <m:fPr>
-                        <m:ctrlPr>
-                          <a:rPr lang="fr-CA" sz="1600" i="1">
-                            <a:latin typeface="Cambria Math" panose="02040503050406030204" pitchFamily="18" charset="0"/>
-                          </a:rPr>
-                        </m:ctrlPr>
-                      </m:fPr>
-                      <m:num>
-                        <m:sSub>
-                          <m:sSubPr>
-                            <m:ctrlPr>
-                              <a:rPr lang="fr-CA" sz="1600" i="1">
-                                <a:latin typeface="Cambria Math" panose="02040503050406030204" pitchFamily="18" charset="0"/>
-                              </a:rPr>
-                            </m:ctrlPr>
-                          </m:sSubPr>
-                          <m:e>
-                            <m:r>
-                              <a:rPr lang="fr-FR" sz="1600" i="1">
-                                <a:latin typeface="Cambria Math" panose="02040503050406030204" pitchFamily="18" charset="0"/>
-                              </a:rPr>
-                              <m:t>𝐹</m:t>
-                            </m:r>
-                          </m:e>
-                          <m:sub>
-                            <m:r>
-                              <a:rPr lang="fr-FR" sz="1600" i="1">
-                                <a:latin typeface="Cambria Math" panose="02040503050406030204" pitchFamily="18" charset="0"/>
-                              </a:rPr>
-                              <m:t>𝑆</m:t>
-                            </m:r>
-                          </m:sub>
-                        </m:sSub>
-                      </m:num>
-                      <m:den>
-                        <m:sSup>
-                          <m:sSupPr>
-                            <m:ctrlPr>
-                              <a:rPr lang="fr-CA" sz="1600" i="1">
-                                <a:latin typeface="Cambria Math" panose="02040503050406030204" pitchFamily="18" charset="0"/>
-                              </a:rPr>
-                            </m:ctrlPr>
-                          </m:sSupPr>
-                          <m:e>
-                            <m:r>
-                              <a:rPr lang="fr-FR" sz="1600" i="1">
-                                <a:latin typeface="Cambria Math" panose="02040503050406030204" pitchFamily="18" charset="0"/>
-                              </a:rPr>
-                              <m:t>𝑟</m:t>
-                            </m:r>
-                          </m:e>
-                          <m:sup>
-                            <m:sSub>
-                              <m:sSubPr>
-                                <m:ctrlPr>
-                                  <a:rPr lang="fr-CA" sz="1600" i="1">
-                                    <a:latin typeface="Cambria Math" panose="02040503050406030204" pitchFamily="18" charset="0"/>
-                                  </a:rPr>
-                                </m:ctrlPr>
-                              </m:sSubPr>
-                              <m:e>
-                                <m:r>
-                                  <a:rPr lang="fr-FR" sz="1600" i="1">
-                                    <a:latin typeface="Cambria Math" panose="02040503050406030204" pitchFamily="18" charset="0"/>
-                                  </a:rPr>
-                                  <m:t>𝑝</m:t>
-                                </m:r>
-                              </m:e>
-                              <m:sub>
-                                <m:r>
-                                  <a:rPr lang="fr-FR" sz="1600" i="1">
-                                    <a:latin typeface="Cambria Math" panose="02040503050406030204" pitchFamily="18" charset="0"/>
-                                  </a:rPr>
-                                  <m:t>𝑓</m:t>
-                                </m:r>
-                              </m:sub>
-                            </m:sSub>
-                          </m:sup>
-                        </m:sSup>
-                        <m:r>
-                          <a:rPr lang="fr-FR" sz="1600" i="1">
-                            <a:latin typeface="Cambria Math" panose="02040503050406030204" pitchFamily="18" charset="0"/>
-                          </a:rPr>
-                          <m:t>−1</m:t>
-                        </m:r>
-                      </m:den>
-                    </m:f>
-                    <m:d>
-                      <m:dPr>
-                        <m:begChr m:val="|"/>
-                        <m:endChr m:val="|"/>
-                        <m:ctrlPr>
-                          <a:rPr lang="fr-CA" sz="1600" i="1">
-                            <a:latin typeface="Cambria Math" panose="02040503050406030204" pitchFamily="18" charset="0"/>
-                          </a:rPr>
-                        </m:ctrlPr>
-                      </m:dPr>
-                      <m:e>
-                        <m:sSub>
-                          <m:sSubPr>
-                            <m:ctrlPr>
-                              <a:rPr lang="fr-CA" sz="1600" i="1">
-                                <a:latin typeface="Cambria Math" panose="02040503050406030204" pitchFamily="18" charset="0"/>
-                              </a:rPr>
-                            </m:ctrlPr>
-                          </m:sSubPr>
-                          <m:e>
-                            <m:r>
-                              <a:rPr lang="fr-FR" sz="1600" i="1">
-                                <a:latin typeface="Cambria Math" panose="02040503050406030204" pitchFamily="18" charset="0"/>
-                              </a:rPr>
-                              <m:t>𝑓</m:t>
-                            </m:r>
-                          </m:e>
-                          <m:sub>
-                            <m:r>
-                              <a:rPr lang="fr-FR" sz="1600" i="1">
-                                <a:latin typeface="Cambria Math" panose="02040503050406030204" pitchFamily="18" charset="0"/>
-                              </a:rPr>
-                              <m:t>h</m:t>
-                            </m:r>
-                          </m:sub>
-                        </m:sSub>
-                        <m:r>
-                          <a:rPr lang="fr-FR" sz="1600" i="1">
-                            <a:latin typeface="Cambria Math" panose="02040503050406030204" pitchFamily="18" charset="0"/>
-                          </a:rPr>
-                          <m:t>−</m:t>
-                        </m:r>
-                        <m:sSub>
-                          <m:sSubPr>
-                            <m:ctrlPr>
-                              <a:rPr lang="fr-CA" sz="1600" i="1">
-                                <a:latin typeface="Cambria Math" panose="02040503050406030204" pitchFamily="18" charset="0"/>
-                              </a:rPr>
-                            </m:ctrlPr>
-                          </m:sSubPr>
-                          <m:e>
-                            <m:r>
-                              <a:rPr lang="fr-FR" sz="1600" i="1">
-                                <a:latin typeface="Cambria Math" panose="02040503050406030204" pitchFamily="18" charset="0"/>
-                              </a:rPr>
-                              <m:t>𝑓</m:t>
-                            </m:r>
-                          </m:e>
-                          <m:sub>
-                            <m:r>
-                              <a:rPr lang="fr-FR" sz="1600" i="1">
-                                <a:latin typeface="Cambria Math" panose="02040503050406030204" pitchFamily="18" charset="0"/>
-                              </a:rPr>
-                              <m:t>𝑟h</m:t>
-                            </m:r>
-                          </m:sub>
-                        </m:sSub>
-                      </m:e>
-                    </m:d>
-                  </m:oMath>
+                  <m:oMathPara xmlns:m="http://schemas.openxmlformats.org/officeDocument/2006/math">
+                    <m:oMathParaPr>
+                      <m:jc m:val="centerGroup"/>
+                    </m:oMathParaPr>
+                    <m:oMath xmlns:m="http://schemas.openxmlformats.org/officeDocument/2006/math">
+                      <m:r>
+                        <a:rPr lang="fr-FR" sz="1600" i="1">
+                          <a:latin typeface="Cambria Math" panose="02040503050406030204" pitchFamily="18" charset="0"/>
+                        </a:rPr>
+                        <m:t>𝑓</m:t>
+                      </m:r>
+                      <m:r>
+                        <a:rPr lang="fr-FR" sz="1600" i="1">
+                          <a:latin typeface="Cambria Math" panose="02040503050406030204" pitchFamily="18" charset="0"/>
+                        </a:rPr>
+                        <m:t>=</m:t>
+                      </m:r>
+                      <m:sSub>
+                        <m:sSubPr>
+                          <m:ctrlPr>
+                            <a:rPr lang="fr-CA" sz="1600" i="1">
+                              <a:latin typeface="Cambria Math" panose="02040503050406030204" pitchFamily="18" charset="0"/>
+                            </a:rPr>
+                          </m:ctrlPr>
+                        </m:sSubPr>
+                        <m:e>
+                          <m:r>
+                            <a:rPr lang="fr-FR" sz="1600" i="1">
+                              <a:latin typeface="Cambria Math" panose="02040503050406030204" pitchFamily="18" charset="0"/>
+                            </a:rPr>
+                            <m:t>𝑓</m:t>
+                          </m:r>
+                        </m:e>
+                        <m:sub>
+                          <m:r>
+                            <a:rPr lang="fr-FR" sz="1600" i="1">
+                              <a:latin typeface="Cambria Math" panose="02040503050406030204" pitchFamily="18" charset="0"/>
+                            </a:rPr>
+                            <m:t>h</m:t>
+                          </m:r>
+                        </m:sub>
+                      </m:sSub>
+                      <m:r>
+                        <a:rPr lang="fr-FR" sz="1600" i="1">
+                          <a:latin typeface="Cambria Math" panose="02040503050406030204" pitchFamily="18" charset="0"/>
+                        </a:rPr>
+                        <m:t>±</m:t>
+                      </m:r>
+                      <m:f>
+                        <m:fPr>
+                          <m:ctrlPr>
+                            <a:rPr lang="fr-CA" sz="1600" i="1">
+                              <a:latin typeface="Cambria Math" panose="02040503050406030204" pitchFamily="18" charset="0"/>
+                            </a:rPr>
+                          </m:ctrlPr>
+                        </m:fPr>
+                        <m:num>
+                          <m:sSub>
+                            <m:sSubPr>
+                              <m:ctrlPr>
+                                <a:rPr lang="fr-CA" sz="1600" i="1">
+                                  <a:latin typeface="Cambria Math" panose="02040503050406030204" pitchFamily="18" charset="0"/>
+                                </a:rPr>
+                              </m:ctrlPr>
+                            </m:sSubPr>
+                            <m:e>
+                              <m:r>
+                                <a:rPr lang="fr-FR" sz="1600" i="1">
+                                  <a:latin typeface="Cambria Math" panose="02040503050406030204" pitchFamily="18" charset="0"/>
+                                </a:rPr>
+                                <m:t>𝐹</m:t>
+                              </m:r>
+                            </m:e>
+                            <m:sub>
+                              <m:r>
+                                <a:rPr lang="fr-FR" sz="1600" i="1">
+                                  <a:latin typeface="Cambria Math" panose="02040503050406030204" pitchFamily="18" charset="0"/>
+                                </a:rPr>
+                                <m:t>𝑆</m:t>
+                              </m:r>
+                            </m:sub>
+                          </m:sSub>
+                        </m:num>
+                        <m:den>
+                          <m:sSup>
+                            <m:sSupPr>
+                              <m:ctrlPr>
+                                <a:rPr lang="fr-CA" sz="1600" i="1">
+                                  <a:latin typeface="Cambria Math" panose="02040503050406030204" pitchFamily="18" charset="0"/>
+                                </a:rPr>
+                              </m:ctrlPr>
+                            </m:sSupPr>
+                            <m:e>
+                              <m:r>
+                                <a:rPr lang="fr-FR" sz="1600" i="1">
+                                  <a:latin typeface="Cambria Math" panose="02040503050406030204" pitchFamily="18" charset="0"/>
+                                </a:rPr>
+                                <m:t>𝑟</m:t>
+                              </m:r>
+                            </m:e>
+                            <m:sup>
+                              <m:sSub>
+                                <m:sSubPr>
+                                  <m:ctrlPr>
+                                    <a:rPr lang="fr-CA" sz="1600" i="1">
+                                      <a:latin typeface="Cambria Math" panose="02040503050406030204" pitchFamily="18" charset="0"/>
+                                    </a:rPr>
+                                  </m:ctrlPr>
+                                </m:sSubPr>
+                                <m:e>
+                                  <m:r>
+                                    <a:rPr lang="fr-FR" sz="1600" i="1">
+                                      <a:latin typeface="Cambria Math" panose="02040503050406030204" pitchFamily="18" charset="0"/>
+                                    </a:rPr>
+                                    <m:t>𝑝</m:t>
+                                  </m:r>
+                                </m:e>
+                                <m:sub>
+                                  <m:r>
+                                    <a:rPr lang="fr-FR" sz="1600" i="1">
+                                      <a:latin typeface="Cambria Math" panose="02040503050406030204" pitchFamily="18" charset="0"/>
+                                    </a:rPr>
+                                    <m:t>𝑓</m:t>
+                                  </m:r>
+                                </m:sub>
+                              </m:sSub>
+                            </m:sup>
+                          </m:sSup>
+                          <m:r>
+                            <a:rPr lang="fr-FR" sz="1600" i="1">
+                              <a:latin typeface="Cambria Math" panose="02040503050406030204" pitchFamily="18" charset="0"/>
+                            </a:rPr>
+                            <m:t>−1</m:t>
+                          </m:r>
+                        </m:den>
+                      </m:f>
+                      <m:d>
+                        <m:dPr>
+                          <m:begChr m:val="|"/>
+                          <m:endChr m:val="|"/>
+                          <m:ctrlPr>
+                            <a:rPr lang="fr-CA" sz="1600" i="1">
+                              <a:latin typeface="Cambria Math" panose="02040503050406030204" pitchFamily="18" charset="0"/>
+                            </a:rPr>
+                          </m:ctrlPr>
+                        </m:dPr>
+                        <m:e>
+                          <m:sSub>
+                            <m:sSubPr>
+                              <m:ctrlPr>
+                                <a:rPr lang="fr-CA" sz="1600" i="1">
+                                  <a:latin typeface="Cambria Math" panose="02040503050406030204" pitchFamily="18" charset="0"/>
+                                </a:rPr>
+                              </m:ctrlPr>
+                            </m:sSubPr>
+                            <m:e>
+                              <m:r>
+                                <a:rPr lang="fr-FR" sz="1600" i="1">
+                                  <a:latin typeface="Cambria Math" panose="02040503050406030204" pitchFamily="18" charset="0"/>
+                                </a:rPr>
+                                <m:t>𝑓</m:t>
+                              </m:r>
+                            </m:e>
+                            <m:sub>
+                              <m:r>
+                                <a:rPr lang="fr-FR" sz="1600" i="1">
+                                  <a:latin typeface="Cambria Math" panose="02040503050406030204" pitchFamily="18" charset="0"/>
+                                </a:rPr>
+                                <m:t>h</m:t>
+                              </m:r>
+                            </m:sub>
+                          </m:sSub>
+                          <m:r>
+                            <a:rPr lang="fr-FR" sz="1600" i="1">
+                              <a:latin typeface="Cambria Math" panose="02040503050406030204" pitchFamily="18" charset="0"/>
+                            </a:rPr>
+                            <m:t>−</m:t>
+                          </m:r>
+                          <m:sSub>
+                            <m:sSubPr>
+                              <m:ctrlPr>
+                                <a:rPr lang="fr-CA" sz="1600" i="1">
+                                  <a:latin typeface="Cambria Math" panose="02040503050406030204" pitchFamily="18" charset="0"/>
+                                </a:rPr>
+                              </m:ctrlPr>
+                            </m:sSubPr>
+                            <m:e>
+                              <m:r>
+                                <a:rPr lang="fr-FR" sz="1600" i="1">
+                                  <a:latin typeface="Cambria Math" panose="02040503050406030204" pitchFamily="18" charset="0"/>
+                                </a:rPr>
+                                <m:t>𝑓</m:t>
+                              </m:r>
+                            </m:e>
+                            <m:sub>
+                              <m:r>
+                                <a:rPr lang="fr-FR" sz="1600" i="1">
+                                  <a:latin typeface="Cambria Math" panose="02040503050406030204" pitchFamily="18" charset="0"/>
+                                </a:rPr>
+                                <m:t>𝑟h</m:t>
+                              </m:r>
+                            </m:sub>
+                          </m:sSub>
+                        </m:e>
+                      </m:d>
+                    </m:oMath>
+                  </m:oMathPara>
                 </a14:m>
-                <a:r>
-                  <a:rPr lang="fr-FR" sz="1600" dirty="0">
-                    <a:latin typeface="Aptos "/>
-                  </a:rPr>
-                  <a:t> </a:t>
-                </a:r>
-                <a:r>
-                  <a:rPr lang="fr-CA" sz="1600" dirty="0">
-                    <a:latin typeface="Aptos "/>
-                  </a:rPr>
-                  <a:t>.</a:t>
-                </a:r>
+                <a:endParaRPr lang="fr-CA" sz="1600" dirty="0">
+                  <a:latin typeface="Aptos "/>
+                </a:endParaRPr>
               </a:p>
               <a:p>
                 <a:pPr marL="0" indent="0" algn="just">
@@ -19105,7 +19083,7 @@
                   <a:rPr lang="fr-CA" sz="1600" dirty="0">
                     <a:latin typeface="Aptos "/>
                   </a:rPr>
-                  <a:t>Dans notre cas l’écart relativement faible entre l’ordre formel et observé a permis de d’opter pour un faible facteur de sécurité </a:t>
+                  <a:t>Dans notre cas l’écart relativement faible entre l’ordre formel et observé a permis d’opter pour un faible facteur de sécurité </a:t>
                 </a:r>
                 <a14:m>
                   <m:oMath xmlns:m="http://schemas.openxmlformats.org/officeDocument/2006/math">
@@ -19454,10 +19432,10 @@
                       </m:sSubPr>
                       <m:e>
                         <m:r>
-                          <a:rPr lang="fr-FR" sz="1600" i="1">
+                          <a:rPr lang="en-CA" sz="1600" b="0" i="1" smtClean="0">
                             <a:latin typeface="Cambria Math" panose="02040503050406030204" pitchFamily="18" charset="0"/>
                           </a:rPr>
-                          <m:t>𝑈</m:t>
+                          <m:t>𝑢</m:t>
                         </m:r>
                       </m:e>
                       <m:sub>
@@ -19495,10 +19473,10 @@
                       </m:sSubPr>
                       <m:e>
                         <m:r>
-                          <a:rPr lang="fr-FR" sz="1600" i="1">
+                          <a:rPr lang="en-CA" sz="1600" b="0" i="1" smtClean="0">
                             <a:latin typeface="Cambria Math" panose="02040503050406030204" pitchFamily="18" charset="0"/>
                           </a:rPr>
-                          <m:t>𝑈</m:t>
+                          <m:t>𝑢</m:t>
                         </m:r>
                       </m:e>
                       <m:sub>
@@ -26531,8 +26509,8 @@
           <a:chExt cx="0" cy="0"/>
         </a:xfrm>
       </p:grpSpPr>
-      <mc:AlternateContent xmlns:mc="http://schemas.openxmlformats.org/markup-compatibility/2006" xmlns:a14="http://schemas.microsoft.com/office/drawing/2010/main">
-        <mc:Choice Requires="a14">
+      <mc:AlternateContent xmlns:mc="http://schemas.openxmlformats.org/markup-compatibility/2006">
+        <mc:Choice xmlns:a14="http://schemas.microsoft.com/office/drawing/2010/main" Requires="a14">
           <p:sp>
             <p:nvSpPr>
               <p:cNvPr id="3" name="Content Placeholder 2">
@@ -26551,13 +26529,13 @@
             </p:nvSpPr>
             <p:spPr>
               <a:xfrm>
-                <a:off x="838200" y="1058022"/>
-                <a:ext cx="10515600" cy="5478872"/>
+                <a:off x="838200" y="1058021"/>
+                <a:ext cx="10515600" cy="5663453"/>
               </a:xfrm>
             </p:spPr>
             <p:txBody>
               <a:bodyPr>
-                <a:normAutofit/>
+                <a:normAutofit lnSpcReduction="10000"/>
               </a:bodyPr>
               <a:lstStyle/>
               <a:p>
@@ -26566,7 +26544,7 @@
                     <a:spcPct val="110000"/>
                   </a:lnSpc>
                   <a:spcAft>
-                    <a:spcPts val="800"/>
+                    <a:spcPts val="1200"/>
                   </a:spcAft>
                   <a:buNone/>
                 </a:pPr>
@@ -26610,210 +26588,8 @@
                   <a:rPr lang="fr-CA" sz="1600" dirty="0">
                     <a:latin typeface="Aptos "/>
                   </a:rPr>
-                  <a:t>utilisé pour la modélisation des éléments poutre (PBEAM) sur SimCenter 3D est le modèle de poutre de Timoshenko dont l’équation différentielle est d’ordre 2:</a:t>
+                  <a:t>utilisé pour la modélisation des éléments poutre (PBEAM) sur SimCenter 3D est le modèle de poutre de Timoshenko dont l’équation différentielle est d’ordre 2 (eq. [1]):</a:t>
                 </a:r>
-              </a:p>
-              <a:p>
-                <a:pPr marL="0" indent="0">
-                  <a:spcBef>
-                    <a:spcPts val="600"/>
-                  </a:spcBef>
-                  <a:spcAft>
-                    <a:spcPts val="1000"/>
-                  </a:spcAft>
-                  <a:buNone/>
-                </a:pPr>
-                <a14:m>
-                  <m:oMathPara xmlns:m="http://schemas.openxmlformats.org/officeDocument/2006/math">
-                    <m:oMathParaPr>
-                      <m:jc m:val="centerGroup"/>
-                    </m:oMathParaPr>
-                    <m:oMath xmlns:m="http://schemas.openxmlformats.org/officeDocument/2006/math">
-                      <m:f>
-                        <m:fPr>
-                          <m:ctrlPr>
-                            <a:rPr lang="fr-FR" sz="1600" i="1" smtClean="0">
-                              <a:latin typeface="Cambria Math" panose="02040503050406030204" pitchFamily="18" charset="0"/>
-                            </a:rPr>
-                          </m:ctrlPr>
-                        </m:fPr>
-                        <m:num>
-                          <m:sSup>
-                            <m:sSupPr>
-                              <m:ctrlPr>
-                                <a:rPr lang="fr-FR" sz="1600" i="1">
-                                  <a:latin typeface="Cambria Math" panose="02040503050406030204" pitchFamily="18" charset="0"/>
-                                </a:rPr>
-                              </m:ctrlPr>
-                            </m:sSupPr>
-                            <m:e>
-                              <m:r>
-                                <a:rPr lang="fr-FR" sz="1600" i="1">
-                                  <a:latin typeface="Cambria Math" panose="02040503050406030204" pitchFamily="18" charset="0"/>
-                                </a:rPr>
-                                <m:t>𝑑</m:t>
-                              </m:r>
-                            </m:e>
-                            <m:sup>
-                              <m:r>
-                                <a:rPr lang="fr-FR" sz="1600" i="1">
-                                  <a:latin typeface="Cambria Math" panose="02040503050406030204" pitchFamily="18" charset="0"/>
-                                </a:rPr>
-                                <m:t>2</m:t>
-                              </m:r>
-                            </m:sup>
-                          </m:sSup>
-                        </m:num>
-                        <m:den>
-                          <m:r>
-                            <a:rPr lang="fr-FR" sz="1600" i="1">
-                              <a:latin typeface="Cambria Math" panose="02040503050406030204" pitchFamily="18" charset="0"/>
-                            </a:rPr>
-                            <m:t>𝑑</m:t>
-                          </m:r>
-                          <m:sSup>
-                            <m:sSupPr>
-                              <m:ctrlPr>
-                                <a:rPr lang="fr-FR" sz="1600" i="1">
-                                  <a:latin typeface="Cambria Math" panose="02040503050406030204" pitchFamily="18" charset="0"/>
-                                </a:rPr>
-                              </m:ctrlPr>
-                            </m:sSupPr>
-                            <m:e>
-                              <m:r>
-                                <a:rPr lang="fr-FR" sz="1600" i="1">
-                                  <a:latin typeface="Cambria Math" panose="02040503050406030204" pitchFamily="18" charset="0"/>
-                                </a:rPr>
-                                <m:t>𝑥</m:t>
-                              </m:r>
-                            </m:e>
-                            <m:sup>
-                              <m:r>
-                                <a:rPr lang="fr-FR" sz="1600" i="1">
-                                  <a:latin typeface="Cambria Math" panose="02040503050406030204" pitchFamily="18" charset="0"/>
-                                </a:rPr>
-                                <m:t>2</m:t>
-                              </m:r>
-                            </m:sup>
-                          </m:sSup>
-                        </m:den>
-                      </m:f>
-                      <m:d>
-                        <m:dPr>
-                          <m:ctrlPr>
-                            <a:rPr lang="fr-FR" sz="1600" i="1">
-                              <a:latin typeface="Cambria Math" panose="02040503050406030204" pitchFamily="18" charset="0"/>
-                            </a:rPr>
-                          </m:ctrlPr>
-                        </m:dPr>
-                        <m:e>
-                          <m:r>
-                            <a:rPr lang="fr-FR" sz="1600" i="1">
-                              <a:latin typeface="Cambria Math" panose="02040503050406030204" pitchFamily="18" charset="0"/>
-                            </a:rPr>
-                            <m:t>𝐸</m:t>
-                          </m:r>
-                          <m:r>
-                            <a:rPr lang="fr-FR" sz="1600" b="0" i="1" smtClean="0">
-                              <a:latin typeface="Cambria Math" panose="02040503050406030204" pitchFamily="18" charset="0"/>
-                            </a:rPr>
-                            <m:t>𝐼</m:t>
-                          </m:r>
-                          <m:f>
-                            <m:fPr>
-                              <m:ctrlPr>
-                                <a:rPr lang="fr-FR" sz="1600" i="1">
-                                  <a:latin typeface="Cambria Math" panose="02040503050406030204" pitchFamily="18" charset="0"/>
-                                </a:rPr>
-                              </m:ctrlPr>
-                            </m:fPr>
-                            <m:num>
-                              <m:sSup>
-                                <m:sSupPr>
-                                  <m:ctrlPr>
-                                    <a:rPr lang="fr-FR" sz="1600" i="1">
-                                      <a:latin typeface="Cambria Math" panose="02040503050406030204" pitchFamily="18" charset="0"/>
-                                    </a:rPr>
-                                  </m:ctrlPr>
-                                </m:sSupPr>
-                                <m:e>
-                                  <m:r>
-                                    <a:rPr lang="fr-FR" sz="1600" i="1">
-                                      <a:latin typeface="Cambria Math" panose="02040503050406030204" pitchFamily="18" charset="0"/>
-                                    </a:rPr>
-                                    <m:t>𝑑</m:t>
-                                  </m:r>
-                                </m:e>
-                                <m:sup>
-                                  <m:r>
-                                    <a:rPr lang="fr-FR" sz="1600" i="1">
-                                      <a:latin typeface="Cambria Math" panose="02040503050406030204" pitchFamily="18" charset="0"/>
-                                    </a:rPr>
-                                    <m:t>2</m:t>
-                                  </m:r>
-                                </m:sup>
-                              </m:sSup>
-                              <m:r>
-                                <a:rPr lang="fr-FR" sz="1600" i="1" smtClean="0">
-                                  <a:latin typeface="Cambria Math" panose="02040503050406030204" pitchFamily="18" charset="0"/>
-                                  <a:ea typeface="Cambria Math" panose="02040503050406030204" pitchFamily="18" charset="0"/>
-                                </a:rPr>
-                                <m:t>𝜌</m:t>
-                              </m:r>
-                            </m:num>
-                            <m:den>
-                              <m:r>
-                                <a:rPr lang="fr-FR" sz="1600" i="1">
-                                  <a:latin typeface="Cambria Math" panose="02040503050406030204" pitchFamily="18" charset="0"/>
-                                </a:rPr>
-                                <m:t>𝑑</m:t>
-                              </m:r>
-                              <m:r>
-                                <a:rPr lang="fr-FR" sz="1600" b="0" i="1" smtClean="0">
-                                  <a:latin typeface="Cambria Math" panose="02040503050406030204" pitchFamily="18" charset="0"/>
-                                </a:rPr>
-                                <m:t>𝑥</m:t>
-                              </m:r>
-                            </m:den>
-                          </m:f>
-                        </m:e>
-                      </m:d>
-                      <m:r>
-                        <a:rPr lang="fr-FR" sz="1600" b="0" i="1" smtClean="0">
-                          <a:latin typeface="Cambria Math" panose="02040503050406030204" pitchFamily="18" charset="0"/>
-                        </a:rPr>
-                        <m:t>=</m:t>
-                      </m:r>
-                      <m:r>
-                        <a:rPr lang="fr-FR" sz="1600" b="0" i="1" smtClean="0">
-                          <a:latin typeface="Cambria Math" panose="02040503050406030204" pitchFamily="18" charset="0"/>
-                        </a:rPr>
-                        <m:t>𝑞</m:t>
-                      </m:r>
-                      <m:r>
-                        <a:rPr lang="fr-FR" sz="1600" b="0" i="1" smtClean="0">
-                          <a:latin typeface="Cambria Math" panose="02040503050406030204" pitchFamily="18" charset="0"/>
-                        </a:rPr>
-                        <m:t>(</m:t>
-                      </m:r>
-                      <m:r>
-                        <a:rPr lang="fr-FR" sz="1600" b="0" i="1" smtClean="0">
-                          <a:latin typeface="Cambria Math" panose="02040503050406030204" pitchFamily="18" charset="0"/>
-                        </a:rPr>
-                        <m:t>𝑥</m:t>
-                      </m:r>
-                      <m:r>
-                        <a:rPr lang="fr-FR" sz="1600" b="0" i="1" smtClean="0">
-                          <a:latin typeface="Cambria Math" panose="02040503050406030204" pitchFamily="18" charset="0"/>
-                        </a:rPr>
-                        <m:t>)</m:t>
-                      </m:r>
-                    </m:oMath>
-                  </m:oMathPara>
-                </a14:m>
-                <a:endParaRPr lang="fr-CA" sz="1600" dirty="0">
-                  <a:latin typeface="Aptos "/>
-                </a:endParaRPr>
               </a:p>
               <a:p>
                 <a:pPr marL="0" indent="0" algn="ctr">
@@ -26972,10 +26748,319 @@
                           </m:f>
                         </m:e>
                       </m:d>
+                      <m:r>
+                        <a:rPr lang="en-CA" sz="1600" b="0" i="1" smtClean="0">
+                          <a:latin typeface="Cambria Math" panose="02040503050406030204" pitchFamily="18" charset="0"/>
+                        </a:rPr>
+                        <m:t>         [1]</m:t>
+                      </m:r>
                     </m:oMath>
                   </m:oMathPara>
                 </a14:m>
                 <a:endParaRPr lang="en-CA" sz="1600" i="1" dirty="0">
+                  <a:latin typeface="Cambria Math" panose="02040503050406030204" pitchFamily="18" charset="0"/>
+                </a:endParaRPr>
+              </a:p>
+              <a:p>
+                <a:pPr marL="0" indent="0" algn="ctr">
+                  <a:buNone/>
+                </a:pPr>
+                <a:endParaRPr lang="en-CA" sz="1600" i="1" dirty="0">
+                  <a:latin typeface="Cambria Math" panose="02040503050406030204" pitchFamily="18" charset="0"/>
+                </a:endParaRPr>
+              </a:p>
+              <a:p>
+                <a:pPr marL="0" indent="0" algn="ctr">
+                  <a:buNone/>
+                </a:pPr>
+                <a14:m>
+                  <m:oMathPara xmlns:m="http://schemas.openxmlformats.org/officeDocument/2006/math">
+                    <m:oMathParaPr>
+                      <m:jc m:val="centerGroup"/>
+                    </m:oMathParaPr>
+                    <m:oMath xmlns:m="http://schemas.openxmlformats.org/officeDocument/2006/math">
+                      <m:f>
+                        <m:fPr>
+                          <m:ctrlPr>
+                            <a:rPr lang="fr-FR" sz="1600" i="1" smtClean="0">
+                              <a:solidFill>
+                                <a:schemeClr val="tx1"/>
+                              </a:solidFill>
+                              <a:latin typeface="Cambria Math" panose="02040503050406030204" pitchFamily="18" charset="0"/>
+                            </a:rPr>
+                          </m:ctrlPr>
+                        </m:fPr>
+                        <m:num>
+                          <m:sSup>
+                            <m:sSupPr>
+                              <m:ctrlPr>
+                                <a:rPr lang="fr-FR" sz="1600" i="1">
+                                  <a:solidFill>
+                                    <a:schemeClr val="tx1"/>
+                                  </a:solidFill>
+                                  <a:latin typeface="Cambria Math" panose="02040503050406030204" pitchFamily="18" charset="0"/>
+                                </a:rPr>
+                              </m:ctrlPr>
+                            </m:sSupPr>
+                            <m:e>
+                              <m:r>
+                                <a:rPr lang="fr-FR" sz="1600" i="1">
+                                  <a:solidFill>
+                                    <a:schemeClr val="tx1"/>
+                                  </a:solidFill>
+                                  <a:latin typeface="Cambria Math" panose="02040503050406030204" pitchFamily="18" charset="0"/>
+                                </a:rPr>
+                                <m:t>𝑑</m:t>
+                              </m:r>
+                            </m:e>
+                            <m:sup>
+                              <m:r>
+                                <a:rPr lang="fr-FR" sz="1600" i="1">
+                                  <a:solidFill>
+                                    <a:schemeClr val="tx1"/>
+                                  </a:solidFill>
+                                  <a:latin typeface="Cambria Math" panose="02040503050406030204" pitchFamily="18" charset="0"/>
+                                </a:rPr>
+                                <m:t>2</m:t>
+                              </m:r>
+                            </m:sup>
+                          </m:sSup>
+                        </m:num>
+                        <m:den>
+                          <m:r>
+                            <a:rPr lang="fr-FR" sz="1600" i="1">
+                              <a:solidFill>
+                                <a:schemeClr val="tx1"/>
+                              </a:solidFill>
+                              <a:latin typeface="Cambria Math" panose="02040503050406030204" pitchFamily="18" charset="0"/>
+                            </a:rPr>
+                            <m:t>𝑑</m:t>
+                          </m:r>
+                          <m:sSup>
+                            <m:sSupPr>
+                              <m:ctrlPr>
+                                <a:rPr lang="fr-FR" sz="1600" i="1">
+                                  <a:solidFill>
+                                    <a:schemeClr val="tx1"/>
+                                  </a:solidFill>
+                                  <a:latin typeface="Cambria Math" panose="02040503050406030204" pitchFamily="18" charset="0"/>
+                                </a:rPr>
+                              </m:ctrlPr>
+                            </m:sSupPr>
+                            <m:e>
+                              <m:r>
+                                <a:rPr lang="fr-FR" sz="1600" i="1">
+                                  <a:solidFill>
+                                    <a:schemeClr val="tx1"/>
+                                  </a:solidFill>
+                                  <a:latin typeface="Cambria Math" panose="02040503050406030204" pitchFamily="18" charset="0"/>
+                                </a:rPr>
+                                <m:t>𝑥</m:t>
+                              </m:r>
+                            </m:e>
+                            <m:sup>
+                              <m:r>
+                                <a:rPr lang="fr-FR" sz="1600" i="1">
+                                  <a:solidFill>
+                                    <a:schemeClr val="tx1"/>
+                                  </a:solidFill>
+                                  <a:latin typeface="Cambria Math" panose="02040503050406030204" pitchFamily="18" charset="0"/>
+                                </a:rPr>
+                                <m:t>2</m:t>
+                              </m:r>
+                            </m:sup>
+                          </m:sSup>
+                        </m:den>
+                      </m:f>
+                      <m:d>
+                        <m:dPr>
+                          <m:ctrlPr>
+                            <a:rPr lang="fr-FR" sz="1600" i="1">
+                              <a:solidFill>
+                                <a:schemeClr val="tx1"/>
+                              </a:solidFill>
+                              <a:latin typeface="Cambria Math" panose="02040503050406030204" pitchFamily="18" charset="0"/>
+                            </a:rPr>
+                          </m:ctrlPr>
+                        </m:dPr>
+                        <m:e>
+                          <m:r>
+                            <a:rPr lang="fr-FR" sz="1600" i="1">
+                              <a:solidFill>
+                                <a:schemeClr val="tx1"/>
+                              </a:solidFill>
+                              <a:latin typeface="Cambria Math" panose="02040503050406030204" pitchFamily="18" charset="0"/>
+                            </a:rPr>
+                            <m:t>𝐸</m:t>
+                          </m:r>
+                          <m:r>
+                            <a:rPr lang="fr-FR" sz="1600" b="0" i="1" smtClean="0">
+                              <a:solidFill>
+                                <a:schemeClr val="tx1"/>
+                              </a:solidFill>
+                              <a:latin typeface="Cambria Math" panose="02040503050406030204" pitchFamily="18" charset="0"/>
+                            </a:rPr>
+                            <m:t>𝐼</m:t>
+                          </m:r>
+                          <m:f>
+                            <m:fPr>
+                              <m:ctrlPr>
+                                <a:rPr lang="fr-FR" sz="1600" i="1">
+                                  <a:solidFill>
+                                    <a:schemeClr val="tx1"/>
+                                  </a:solidFill>
+                                  <a:latin typeface="Cambria Math" panose="02040503050406030204" pitchFamily="18" charset="0"/>
+                                </a:rPr>
+                              </m:ctrlPr>
+                            </m:fPr>
+                            <m:num>
+                              <m:sSup>
+                                <m:sSupPr>
+                                  <m:ctrlPr>
+                                    <a:rPr lang="fr-FR" sz="1600" i="1">
+                                      <a:solidFill>
+                                        <a:schemeClr val="tx1"/>
+                                      </a:solidFill>
+                                      <a:latin typeface="Cambria Math" panose="02040503050406030204" pitchFamily="18" charset="0"/>
+                                    </a:rPr>
+                                  </m:ctrlPr>
+                                </m:sSupPr>
+                                <m:e>
+                                  <m:r>
+                                    <a:rPr lang="fr-FR" sz="1600" i="1">
+                                      <a:solidFill>
+                                        <a:schemeClr val="tx1"/>
+                                      </a:solidFill>
+                                      <a:latin typeface="Cambria Math" panose="02040503050406030204" pitchFamily="18" charset="0"/>
+                                    </a:rPr>
+                                    <m:t>𝑑</m:t>
+                                  </m:r>
+                                </m:e>
+                                <m:sup>
+                                  <m:r>
+                                    <a:rPr lang="fr-FR" sz="1600" i="1">
+                                      <a:solidFill>
+                                        <a:schemeClr val="tx1"/>
+                                      </a:solidFill>
+                                      <a:latin typeface="Cambria Math" panose="02040503050406030204" pitchFamily="18" charset="0"/>
+                                    </a:rPr>
+                                    <m:t>2</m:t>
+                                  </m:r>
+                                </m:sup>
+                              </m:sSup>
+                              <m:r>
+                                <a:rPr lang="fr-FR" sz="1600" i="1" smtClean="0">
+                                  <a:solidFill>
+                                    <a:schemeClr val="tx1"/>
+                                  </a:solidFill>
+                                  <a:latin typeface="Cambria Math" panose="02040503050406030204" pitchFamily="18" charset="0"/>
+                                  <a:ea typeface="Cambria Math" panose="02040503050406030204" pitchFamily="18" charset="0"/>
+                                </a:rPr>
+                                <m:t>𝜌</m:t>
+                              </m:r>
+                            </m:num>
+                            <m:den>
+                              <m:r>
+                                <a:rPr lang="fr-FR" sz="1600" i="1">
+                                  <a:solidFill>
+                                    <a:schemeClr val="tx1"/>
+                                  </a:solidFill>
+                                  <a:latin typeface="Cambria Math" panose="02040503050406030204" pitchFamily="18" charset="0"/>
+                                </a:rPr>
+                                <m:t>𝑑</m:t>
+                              </m:r>
+                              <m:r>
+                                <a:rPr lang="fr-FR" sz="1600" b="0" i="1" smtClean="0">
+                                  <a:solidFill>
+                                    <a:schemeClr val="tx1"/>
+                                  </a:solidFill>
+                                  <a:latin typeface="Cambria Math" panose="02040503050406030204" pitchFamily="18" charset="0"/>
+                                </a:rPr>
+                                <m:t>𝑥</m:t>
+                              </m:r>
+                            </m:den>
+                          </m:f>
+                        </m:e>
+                      </m:d>
+                      <m:r>
+                        <a:rPr lang="fr-FR" sz="1600" b="0" i="1" smtClean="0">
+                          <a:solidFill>
+                            <a:schemeClr val="tx1"/>
+                          </a:solidFill>
+                          <a:latin typeface="Cambria Math" panose="02040503050406030204" pitchFamily="18" charset="0"/>
+                        </a:rPr>
+                        <m:t>=</m:t>
+                      </m:r>
+                      <m:r>
+                        <a:rPr lang="fr-FR" sz="1600" b="0" i="1" smtClean="0">
+                          <a:solidFill>
+                            <a:schemeClr val="tx1"/>
+                          </a:solidFill>
+                          <a:latin typeface="Cambria Math" panose="02040503050406030204" pitchFamily="18" charset="0"/>
+                        </a:rPr>
+                        <m:t>𝑞</m:t>
+                      </m:r>
+                      <m:d>
+                        <m:dPr>
+                          <m:ctrlPr>
+                            <a:rPr lang="fr-FR" sz="1600" b="0" i="1" smtClean="0">
+                              <a:solidFill>
+                                <a:schemeClr val="tx1"/>
+                              </a:solidFill>
+                              <a:latin typeface="Cambria Math" panose="02040503050406030204" pitchFamily="18" charset="0"/>
+                            </a:rPr>
+                          </m:ctrlPr>
+                        </m:dPr>
+                        <m:e>
+                          <m:r>
+                            <a:rPr lang="fr-FR" sz="1600" b="0" i="1" smtClean="0">
+                              <a:solidFill>
+                                <a:schemeClr val="tx1"/>
+                              </a:solidFill>
+                              <a:latin typeface="Cambria Math" panose="02040503050406030204" pitchFamily="18" charset="0"/>
+                            </a:rPr>
+                            <m:t>𝑥</m:t>
+                          </m:r>
+                        </m:e>
+                      </m:d>
+                      <m:r>
+                        <a:rPr lang="en-CA" sz="1600" b="0" i="1" smtClean="0">
+                          <a:solidFill>
+                            <a:schemeClr val="tx1"/>
+                          </a:solidFill>
+                          <a:latin typeface="Cambria Math" panose="02040503050406030204" pitchFamily="18" charset="0"/>
+                        </a:rPr>
+                        <m:t>                    [2]</m:t>
+                      </m:r>
+                    </m:oMath>
+                  </m:oMathPara>
+                </a14:m>
+                <a:endParaRPr lang="fr-CA" sz="1600" dirty="0">
+                  <a:latin typeface="Aptos "/>
+                </a:endParaRPr>
+              </a:p>
+              <a:p>
+                <a:pPr marL="0" indent="0" algn="ctr">
+                  <a:buNone/>
+                </a:pPr>
+                <a:r>
+                  <a:rPr lang="fr-CA" sz="1200" b="1" dirty="0">
+                    <a:latin typeface="Aptos "/>
+                  </a:rPr>
+                  <a:t>Note:</a:t>
+                </a:r>
+                <a:r>
+                  <a:rPr lang="fr-CA" sz="1200" dirty="0">
+                    <a:latin typeface="Aptos "/>
+                  </a:rPr>
+                  <a:t> l’équation [2] représente la formulation d’une charge répartie sur la poutre</a:t>
+                </a:r>
+              </a:p>
+              <a:p>
+                <a:pPr marL="0" indent="0" algn="ctr">
+                  <a:buNone/>
+                </a:pPr>
+                <a:endParaRPr lang="en-CA" sz="1200" dirty="0">
                   <a:latin typeface="Cambria Math" panose="02040503050406030204" pitchFamily="18" charset="0"/>
                 </a:endParaRPr>
               </a:p>
@@ -27073,6 +27158,15 @@
               </a:p>
               <a:p>
                 <a:pPr lvl="1"/>
+                <a:r>
+                  <a:rPr lang="fr-FR" sz="1400" i="1" dirty="0">
+                    <a:latin typeface="Aptos "/>
+                  </a:rPr>
+                  <a:t>A: section de la poutre,</a:t>
+                </a:r>
+              </a:p>
+              <a:p>
+                <a:pPr lvl="1"/>
                 <a14:m>
                   <m:oMath xmlns:m="http://schemas.openxmlformats.org/officeDocument/2006/math">
                     <m:r>
@@ -27102,7 +27196,7 @@
             </p:txBody>
           </p:sp>
         </mc:Choice>
-        <mc:Fallback xmlns="">
+        <mc:Fallback>
           <p:sp>
             <p:nvSpPr>
               <p:cNvPr id="3" name="Content Placeholder 2">
@@ -27121,13 +27215,13 @@
             </p:nvSpPr>
             <p:spPr>
               <a:xfrm>
-                <a:off x="838200" y="1058022"/>
-                <a:ext cx="10515600" cy="5478872"/>
+                <a:off x="838200" y="1058021"/>
+                <a:ext cx="10515600" cy="5663453"/>
               </a:xfrm>
               <a:blipFill>
                 <a:blip r:embed="rId2"/>
                 <a:stretch>
-                  <a:fillRect l="-348" t="-111" r="-290"/>
+                  <a:fillRect l="-348" t="-323" r="-290"/>
                 </a:stretch>
               </a:blipFill>
             </p:spPr>
@@ -27978,6 +28072,146 @@
           </a:p>
         </p:txBody>
       </p:sp>
+      <p:sp>
+        <p:nvSpPr>
+          <p:cNvPr id="5" name="Accolade ouvrante 4">
+            <a:extLst>
+              <a:ext uri="{FF2B5EF4-FFF2-40B4-BE49-F238E27FC236}">
+                <a16:creationId xmlns:a16="http://schemas.microsoft.com/office/drawing/2014/main" id="{E01A3948-E961-38B3-6F55-B5E84AB80F31}"/>
+              </a:ext>
+            </a:extLst>
+          </p:cNvPr>
+          <p:cNvSpPr/>
+          <p:nvPr/>
+        </p:nvSpPr>
+        <p:spPr>
+          <a:xfrm>
+            <a:off x="681037" y="4974982"/>
+            <a:ext cx="314325" cy="857250"/>
+          </a:xfrm>
+          <a:prstGeom prst="leftBrace">
+            <a:avLst>
+              <a:gd name="adj1" fmla="val 8333"/>
+              <a:gd name="adj2" fmla="val 48889"/>
+            </a:avLst>
+          </a:prstGeom>
+        </p:spPr>
+        <p:style>
+          <a:lnRef idx="2">
+            <a:schemeClr val="accent2"/>
+          </a:lnRef>
+          <a:fillRef idx="0">
+            <a:schemeClr val="accent2"/>
+          </a:fillRef>
+          <a:effectRef idx="1">
+            <a:schemeClr val="accent2"/>
+          </a:effectRef>
+          <a:fontRef idx="minor">
+            <a:schemeClr val="tx1"/>
+          </a:fontRef>
+        </p:style>
+        <p:txBody>
+          <a:bodyPr rtlCol="0" anchor="ctr"/>
+          <a:lstStyle/>
+          <a:p>
+            <a:pPr algn="ctr"/>
+            <a:endParaRPr lang="fr-FR">
+              <a:ln w="0"/>
+              <a:effectLst>
+                <a:outerShdw blurRad="38100" dist="19050" dir="2700000" algn="tl" rotWithShape="0">
+                  <a:schemeClr val="dk1">
+                    <a:alpha val="40000"/>
+                  </a:schemeClr>
+                </a:outerShdw>
+              </a:effectLst>
+            </a:endParaRPr>
+          </a:p>
+        </p:txBody>
+      </p:sp>
+      <p:sp>
+        <p:nvSpPr>
+          <p:cNvPr id="7" name="ZoneTexte 6">
+            <a:extLst>
+              <a:ext uri="{FF2B5EF4-FFF2-40B4-BE49-F238E27FC236}">
+                <a16:creationId xmlns:a16="http://schemas.microsoft.com/office/drawing/2014/main" id="{58E0FBBF-1B03-C9D6-5112-D7D633A776BB}"/>
+              </a:ext>
+            </a:extLst>
+          </p:cNvPr>
+          <p:cNvSpPr txBox="1"/>
+          <p:nvPr/>
+        </p:nvSpPr>
+        <p:spPr>
+          <a:xfrm>
+            <a:off x="-5308" y="4870898"/>
+            <a:ext cx="1000669" cy="954107"/>
+          </a:xfrm>
+          <a:prstGeom prst="rect">
+            <a:avLst/>
+          </a:prstGeom>
+          <a:noFill/>
+        </p:spPr>
+        <p:txBody>
+          <a:bodyPr wrap="square" rtlCol="0">
+            <a:spAutoFit/>
+          </a:bodyPr>
+          <a:lstStyle/>
+          <a:p>
+            <a:r>
+              <a:rPr lang="en-US" sz="1400" dirty="0">
+                <a:solidFill>
+                  <a:schemeClr val="accent2"/>
+                </a:solidFill>
+              </a:rPr>
+              <a:t>Données </a:t>
+            </a:r>
+            <a:r>
+              <a:rPr lang="en-CA" sz="1400" dirty="0" err="1">
+                <a:solidFill>
+                  <a:schemeClr val="accent2"/>
+                </a:solidFill>
+              </a:rPr>
+              <a:t>d’intérêt</a:t>
+            </a:r>
+            <a:r>
+              <a:rPr lang="en-CA" sz="1400" dirty="0">
+                <a:solidFill>
+                  <a:schemeClr val="accent2"/>
+                </a:solidFill>
+              </a:rPr>
+              <a:t> pour </a:t>
+            </a:r>
+            <a:r>
+              <a:rPr lang="en-CA" sz="1400" dirty="0" err="1">
+                <a:solidFill>
+                  <a:schemeClr val="accent2"/>
+                </a:solidFill>
+              </a:rPr>
+              <a:t>ce</a:t>
+            </a:r>
+            <a:r>
+              <a:rPr lang="en-CA" sz="1400" dirty="0">
+                <a:solidFill>
+                  <a:schemeClr val="accent2"/>
+                </a:solidFill>
+              </a:rPr>
+              <a:t> </a:t>
+            </a:r>
+            <a:r>
+              <a:rPr lang="en-CA" sz="1400" dirty="0" err="1">
+                <a:solidFill>
+                  <a:schemeClr val="accent2"/>
+                </a:solidFill>
+              </a:rPr>
+              <a:t>projet</a:t>
+            </a:r>
+            <a:endParaRPr lang="fr-CA" sz="1400" dirty="0">
+              <a:solidFill>
+                <a:schemeClr val="accent2"/>
+              </a:solidFill>
+            </a:endParaRPr>
+          </a:p>
+        </p:txBody>
+      </p:sp>
     </p:spTree>
     <p:extLst>
       <p:ext uri="{BB962C8B-B14F-4D97-AF65-F5344CB8AC3E}">
@@ -28228,7 +28462,7 @@
                 </a14:m>
                 <a:r>
                   <a:rPr lang="fr-CA" sz="1800" dirty="0"/>
-                  <a:t>avec P la force exercée sur la poutre, L sa longueur, E son module de Young et I son moment quadratique.</a:t>
+                  <a:t>avec P la force exercée sur la poutre, L sa longueur, E son module d’Young et I son moment quadratique.</a:t>
                 </a:r>
               </a:p>
               <a:p>
@@ -28911,11 +29145,6 @@
   <p:clrMapOvr>
     <a:masterClrMapping/>
   </p:clrMapOvr>
-  <p:extLst>
-    <p:ext uri="{6950BFC3-D8DA-4A85-94F7-54DA5524770B}">
-      <p188:commentRel xmlns:p188="http://schemas.microsoft.com/office/powerpoint/2018/8/main" r:id="rId2"/>
-    </p:ext>
-  </p:extLst>
 </p:sld>
 </file>
 
@@ -30786,26 +31015,6 @@
 </file>
 
 <file path=customXml/item1.xml><?xml version="1.0" encoding="utf-8"?>
-<p:properties xmlns:p="http://schemas.microsoft.com/office/2006/metadata/properties" xmlns:xsi="http://www.w3.org/2001/XMLSchema-instance" xmlns:pc="http://schemas.microsoft.com/office/infopath/2007/PartnerControls">
-  <documentManagement>
-    <lcf76f155ced4ddcb4097134ff3c332f xmlns="ec825916-6f01-4646-bf11-4e97fdd06dc8">
-      <Terms xmlns="http://schemas.microsoft.com/office/infopath/2007/PartnerControls"/>
-    </lcf76f155ced4ddcb4097134ff3c332f>
-    <TaxCatchAll xmlns="10202d72-3646-4d36-9cf4-1feba2c78df0" xsi:nil="true"/>
-  </documentManagement>
-</p:properties>
-</file>
-
-<file path=customXml/item2.xml><?xml version="1.0" encoding="utf-8"?>
-<?mso-contentType ?>
-<FormTemplates xmlns="http://schemas.microsoft.com/sharepoint/v3/contenttype/forms">
-  <Display>DocumentLibraryForm</Display>
-  <Edit>DocumentLibraryForm</Edit>
-  <New>DocumentLibraryForm</New>
-</FormTemplates>
-</file>
-
-<file path=customXml/item3.xml><?xml version="1.0" encoding="utf-8"?>
 <ct:contentTypeSchema xmlns:ct="http://schemas.microsoft.com/office/2006/metadata/contentType" xmlns:ma="http://schemas.microsoft.com/office/2006/metadata/properties/metaAttributes" ct:_="" ma:_="" ma:contentTypeName="Document" ma:contentTypeID="0x010100744768CFAF743F4A83B0523C20156377" ma:contentTypeVersion="11" ma:contentTypeDescription="Create a new document." ma:contentTypeScope="" ma:versionID="aafa440e1ffbdaf1b0956f4ac1c916a8">
   <xsd:schema xmlns:xsd="http://www.w3.org/2001/XMLSchema" xmlns:xs="http://www.w3.org/2001/XMLSchema" xmlns:p="http://schemas.microsoft.com/office/2006/metadata/properties" xmlns:ns2="ec825916-6f01-4646-bf11-4e97fdd06dc8" xmlns:ns3="10202d72-3646-4d36-9cf4-1feba2c78df0" targetNamespace="http://schemas.microsoft.com/office/2006/metadata/properties" ma:root="true" ma:fieldsID="7a73fe93b8aa32af4ca50956a2221801" ns2:_="" ns3:_="">
     <xsd:import namespace="ec825916-6f01-4646-bf11-4e97fdd06dc8"/>
@@ -31000,7 +31209,46 @@
 </ct:contentTypeSchema>
 </file>
 
+<file path=customXml/item2.xml><?xml version="1.0" encoding="utf-8"?>
+<p:properties xmlns:p="http://schemas.microsoft.com/office/2006/metadata/properties" xmlns:xsi="http://www.w3.org/2001/XMLSchema-instance" xmlns:pc="http://schemas.microsoft.com/office/infopath/2007/PartnerControls">
+  <documentManagement>
+    <lcf76f155ced4ddcb4097134ff3c332f xmlns="ec825916-6f01-4646-bf11-4e97fdd06dc8">
+      <Terms xmlns="http://schemas.microsoft.com/office/infopath/2007/PartnerControls"/>
+    </lcf76f155ced4ddcb4097134ff3c332f>
+    <TaxCatchAll xmlns="10202d72-3646-4d36-9cf4-1feba2c78df0" xsi:nil="true"/>
+  </documentManagement>
+</p:properties>
+</file>
+
+<file path=customXml/item3.xml><?xml version="1.0" encoding="utf-8"?>
+<?mso-contentType ?>
+<FormTemplates xmlns="http://schemas.microsoft.com/sharepoint/v3/contenttype/forms">
+  <Display>DocumentLibraryForm</Display>
+  <Edit>DocumentLibraryForm</Edit>
+  <New>DocumentLibraryForm</New>
+</FormTemplates>
+</file>
+
 <file path=customXml/itemProps1.xml><?xml version="1.0" encoding="utf-8"?>
+<ds:datastoreItem xmlns:ds="http://schemas.openxmlformats.org/officeDocument/2006/customXml" ds:itemID="{4AB5C90D-8262-4EAC-95BF-2CC4C44D50EC}">
+  <ds:schemaRefs>
+    <ds:schemaRef ds:uri="10202d72-3646-4d36-9cf4-1feba2c78df0"/>
+    <ds:schemaRef ds:uri="ec825916-6f01-4646-bf11-4e97fdd06dc8"/>
+    <ds:schemaRef ds:uri="http://purl.org/dc/elements/1.1/"/>
+    <ds:schemaRef ds:uri="http://purl.org/dc/terms/"/>
+    <ds:schemaRef ds:uri="http://schemas.microsoft.com/internal/obd"/>
+    <ds:schemaRef ds:uri="http://schemas.microsoft.com/office/2006/documentManagement/types"/>
+    <ds:schemaRef ds:uri="http://schemas.microsoft.com/office/2006/metadata/contentType"/>
+    <ds:schemaRef ds:uri="http://schemas.microsoft.com/office/2006/metadata/properties"/>
+    <ds:schemaRef ds:uri="http://schemas.microsoft.com/office/2006/metadata/properties/metaAttributes"/>
+    <ds:schemaRef ds:uri="http://schemas.microsoft.com/office/infopath/2007/PartnerControls"/>
+    <ds:schemaRef ds:uri="http://schemas.openxmlformats.org/package/2006/metadata/core-properties"/>
+    <ds:schemaRef ds:uri="http://www.w3.org/2001/XMLSchema"/>
+  </ds:schemaRefs>
+</ds:datastoreItem>
+</file>
+
+<file path=customXml/itemProps2.xml><?xml version="1.0" encoding="utf-8"?>
 <ds:datastoreItem xmlns:ds="http://schemas.openxmlformats.org/officeDocument/2006/customXml" ds:itemID="{CC0D4AF6-CA21-4510-812C-479171907BC9}">
   <ds:schemaRefs>
     <ds:schemaRef ds:uri="ec825916-6f01-4646-bf11-4e97fdd06dc8"/>
@@ -31017,29 +31265,10 @@
 </ds:datastoreItem>
 </file>
 
-<file path=customXml/itemProps2.xml><?xml version="1.0" encoding="utf-8"?>
+<file path=customXml/itemProps3.xml><?xml version="1.0" encoding="utf-8"?>
 <ds:datastoreItem xmlns:ds="http://schemas.openxmlformats.org/officeDocument/2006/customXml" ds:itemID="{73F4A501-0066-4B8E-9AA2-A07CF344BF69}">
   <ds:schemaRefs>
     <ds:schemaRef ds:uri="http://schemas.microsoft.com/sharepoint/v3/contenttype/forms"/>
   </ds:schemaRefs>
 </ds:datastoreItem>
-</file>
-
-<file path=customXml/itemProps3.xml><?xml version="1.0" encoding="utf-8"?>
-<ds:datastoreItem xmlns:ds="http://schemas.openxmlformats.org/officeDocument/2006/customXml" ds:itemID="{4AB5C90D-8262-4EAC-95BF-2CC4C44D50EC}">
-  <ds:schemaRefs>
-    <ds:schemaRef ds:uri="10202d72-3646-4d36-9cf4-1feba2c78df0"/>
-    <ds:schemaRef ds:uri="ec825916-6f01-4646-bf11-4e97fdd06dc8"/>
-    <ds:schemaRef ds:uri="http://purl.org/dc/elements/1.1/"/>
-    <ds:schemaRef ds:uri="http://purl.org/dc/terms/"/>
-    <ds:schemaRef ds:uri="http://schemas.microsoft.com/internal/obd"/>
-    <ds:schemaRef ds:uri="http://schemas.microsoft.com/office/2006/documentManagement/types"/>
-    <ds:schemaRef ds:uri="http://schemas.microsoft.com/office/2006/metadata/contentType"/>
-    <ds:schemaRef ds:uri="http://schemas.microsoft.com/office/2006/metadata/properties"/>
-    <ds:schemaRef ds:uri="http://schemas.microsoft.com/office/2006/metadata/properties/metaAttributes"/>
-    <ds:schemaRef ds:uri="http://schemas.microsoft.com/office/infopath/2007/PartnerControls"/>
-    <ds:schemaRef ds:uri="http://schemas.openxmlformats.org/package/2006/metadata/core-properties"/>
-    <ds:schemaRef ds:uri="http://www.w3.org/2001/XMLSchema"/>
-  </ds:schemaRefs>
-</ds:datastoreItem>
 </file>
--- a/Rapport_Projet_V1.pptx
+++ b/Rapport_Projet_V1.pptx
@@ -10738,7 +10738,7 @@
           <a:p>
             <a:fld id="{DAB5DE69-65B2-445A-B9D2-BC2BC199D49F}" type="datetimeFigureOut">
               <a:rPr lang="en-CA" smtClean="0"/>
-              <a:t>2024-04-14</a:t>
+              <a:t>2024-04-15</a:t>
             </a:fld>
             <a:endParaRPr lang="en-CA"/>
           </a:p>
@@ -11155,7 +11155,7 @@
           <a:p>
             <a:fld id="{9EA6847D-0F1C-4E6B-9D14-F86603C90A34}" type="datetime1">
               <a:rPr lang="en-CA" smtClean="0"/>
-              <a:t>2024-04-14</a:t>
+              <a:t>2024-04-15</a:t>
             </a:fld>
             <a:endParaRPr lang="en-CA"/>
           </a:p>
@@ -11355,7 +11355,7 @@
           <a:p>
             <a:fld id="{CADE0B10-915C-4E23-BF3D-3A60511C290D}" type="datetime1">
               <a:rPr lang="en-CA" smtClean="0"/>
-              <a:t>2024-04-14</a:t>
+              <a:t>2024-04-15</a:t>
             </a:fld>
             <a:endParaRPr lang="en-CA"/>
           </a:p>
@@ -11565,7 +11565,7 @@
           <a:p>
             <a:fld id="{18C01E2C-5F1C-40DF-9FFA-058BE0208EC5}" type="datetime1">
               <a:rPr lang="en-CA" smtClean="0"/>
-              <a:t>2024-04-14</a:t>
+              <a:t>2024-04-15</a:t>
             </a:fld>
             <a:endParaRPr lang="en-CA"/>
           </a:p>
@@ -11765,7 +11765,7 @@
           <a:p>
             <a:fld id="{C4E66924-F8B7-484E-9572-FEB480D73625}" type="datetime1">
               <a:rPr lang="en-CA" smtClean="0"/>
-              <a:t>2024-04-14</a:t>
+              <a:t>2024-04-15</a:t>
             </a:fld>
             <a:endParaRPr lang="en-CA"/>
           </a:p>
@@ -12041,7 +12041,7 @@
           <a:p>
             <a:fld id="{8DF54FAA-8BEB-4397-B05D-7E067FAA1D51}" type="datetime1">
               <a:rPr lang="en-CA" smtClean="0"/>
-              <a:t>2024-04-14</a:t>
+              <a:t>2024-04-15</a:t>
             </a:fld>
             <a:endParaRPr lang="en-CA"/>
           </a:p>
@@ -12309,7 +12309,7 @@
           <a:p>
             <a:fld id="{91E49129-39F5-406C-9780-EBCC397C408D}" type="datetime1">
               <a:rPr lang="en-CA" smtClean="0"/>
-              <a:t>2024-04-14</a:t>
+              <a:t>2024-04-15</a:t>
             </a:fld>
             <a:endParaRPr lang="en-CA"/>
           </a:p>
@@ -12724,7 +12724,7 @@
           <a:p>
             <a:fld id="{842BEFE3-C6EA-474C-97FD-ABDEA347D9FB}" type="datetime1">
               <a:rPr lang="en-CA" smtClean="0"/>
-              <a:t>2024-04-14</a:t>
+              <a:t>2024-04-15</a:t>
             </a:fld>
             <a:endParaRPr lang="en-CA"/>
           </a:p>
@@ -12866,7 +12866,7 @@
           <a:p>
             <a:fld id="{6E136DE9-66C8-4178-B1EE-68BA1DDA6AC1}" type="datetime1">
               <a:rPr lang="en-CA" smtClean="0"/>
-              <a:t>2024-04-14</a:t>
+              <a:t>2024-04-15</a:t>
             </a:fld>
             <a:endParaRPr lang="en-CA"/>
           </a:p>
@@ -12979,7 +12979,7 @@
           <a:p>
             <a:fld id="{9FB45C08-7649-49AF-BD7B-580DB8C99B7A}" type="datetime1">
               <a:rPr lang="en-CA" smtClean="0"/>
-              <a:t>2024-04-14</a:t>
+              <a:t>2024-04-15</a:t>
             </a:fld>
             <a:endParaRPr lang="en-CA"/>
           </a:p>
@@ -13292,7 +13292,7 @@
           <a:p>
             <a:fld id="{C892CBF7-3610-449C-AFF4-F9E06E0A3AE6}" type="datetime1">
               <a:rPr lang="en-CA" smtClean="0"/>
-              <a:t>2024-04-14</a:t>
+              <a:t>2024-04-15</a:t>
             </a:fld>
             <a:endParaRPr lang="en-CA"/>
           </a:p>
@@ -13581,7 +13581,7 @@
           <a:p>
             <a:fld id="{FEBB46D6-6F0E-424D-BC97-33481DE3A81C}" type="datetime1">
               <a:rPr lang="en-CA" smtClean="0"/>
-              <a:t>2024-04-14</a:t>
+              <a:t>2024-04-15</a:t>
             </a:fld>
             <a:endParaRPr lang="en-CA"/>
           </a:p>
@@ -13824,7 +13824,7 @@
           <a:p>
             <a:fld id="{B73E6E16-3168-468D-A621-C54C80625A51}" type="datetime1">
               <a:rPr lang="en-CA" smtClean="0"/>
-              <a:t>2024-04-14</a:t>
+              <a:t>2024-04-15</a:t>
             </a:fld>
             <a:endParaRPr lang="en-CA"/>
           </a:p>
@@ -15357,8 +15357,8 @@
           </a:p>
         </p:txBody>
       </p:sp>
-      <mc:AlternateContent xmlns:mc="http://schemas.openxmlformats.org/markup-compatibility/2006">
-        <mc:Choice xmlns:a14="http://schemas.microsoft.com/office/drawing/2010/main" Requires="a14">
+      <mc:AlternateContent xmlns:mc="http://schemas.openxmlformats.org/markup-compatibility/2006" xmlns:a14="http://schemas.microsoft.com/office/drawing/2010/main">
+        <mc:Choice Requires="a14">
           <p:sp>
             <p:nvSpPr>
               <p:cNvPr id="3" name="Content Placeholder 2">
@@ -15828,7 +15828,7 @@
             </p:txBody>
           </p:sp>
         </mc:Choice>
-        <mc:Fallback>
+        <mc:Fallback xmlns="">
           <p:sp>
             <p:nvSpPr>
               <p:cNvPr id="3" name="Content Placeholder 2">
@@ -16089,7 +16089,7 @@
           <p:nvPr>
             <p:extLst>
               <p:ext uri="{D42A27DB-BD31-4B8C-83A1-F6EECF244321}">
-                <p14:modId xmlns:p14="http://schemas.microsoft.com/office/powerpoint/2010/main" val="2676117715"/>
+                <p14:modId xmlns:p14="http://schemas.microsoft.com/office/powerpoint/2010/main" val="98177170"/>
               </p:ext>
             </p:extLst>
           </p:nvPr>
@@ -16165,7 +16165,7 @@
                           <a:effectLst/>
                           <a:latin typeface="Calibri" panose="020F0502020204030204" pitchFamily="34" charset="0"/>
                         </a:rPr>
-                        <a:t>Pas en espace dx [m]</a:t>
+                        <a:t>Pas en espace dx [mm]</a:t>
                       </a:r>
                     </a:p>
                   </a:txBody>
@@ -18079,7 +18079,7 @@
           <p:nvPr>
             <p:extLst>
               <p:ext uri="{D42A27DB-BD31-4B8C-83A1-F6EECF244321}">
-                <p14:modId xmlns:p14="http://schemas.microsoft.com/office/powerpoint/2010/main" val="672787777"/>
+                <p14:modId xmlns:p14="http://schemas.microsoft.com/office/powerpoint/2010/main" val="554517474"/>
               </p:ext>
             </p:extLst>
           </p:nvPr>
@@ -18095,14 +18095,14 @@
                 <a:tableStyleId>{073A0DAA-6AF3-43AB-8588-CEC1D06C72B9}</a:tableStyleId>
               </a:tblPr>
               <a:tblGrid>
-                <a:gridCol w="1404731">
+                <a:gridCol w="1321106">
                   <a:extLst>
                     <a:ext uri="{9D8B030D-6E8A-4147-A177-3AD203B41FA5}">
                       <a16:colId xmlns:a16="http://schemas.microsoft.com/office/drawing/2014/main" val="3415350444"/>
                     </a:ext>
                   </a:extLst>
                 </a:gridCol>
-                <a:gridCol w="2633869">
+                <a:gridCol w="2717494">
                   <a:extLst>
                     <a:ext uri="{9D8B030D-6E8A-4147-A177-3AD203B41FA5}">
                       <a16:colId xmlns:a16="http://schemas.microsoft.com/office/drawing/2014/main" val="2443206338"/>
@@ -18124,7 +18124,7 @@
                           </a:solidFill>
                           <a:effectLst/>
                         </a:rPr>
-                        <a:t>Taille d’élément</a:t>
+                        <a:t>Taille d’élément [mm]</a:t>
                       </a:r>
                       <a:endParaRPr lang="fr-CA" sz="1300" b="1" i="0" u="none" strike="noStrike" dirty="0">
                         <a:solidFill>
@@ -18157,7 +18157,7 @@
                           </a:solidFill>
                           <a:effectLst/>
                         </a:rPr>
-                        <a:t>Magnitude du déplacement de L1</a:t>
+                        <a:t>Magnitude du déplacement de L1 [mm]</a:t>
                       </a:r>
                       <a:endParaRPr lang="fr-FR" sz="1300" b="1" i="0" u="none" strike="noStrike" dirty="0">
                         <a:solidFill>
@@ -21268,8 +21268,8 @@
           </a:p>
         </p:txBody>
       </p:sp>
-      <mc:AlternateContent xmlns:mc="http://schemas.openxmlformats.org/markup-compatibility/2006" xmlns:a14="http://schemas.microsoft.com/office/drawing/2010/main">
-        <mc:Choice Requires="a14">
+      <mc:AlternateContent xmlns:mc="http://schemas.openxmlformats.org/markup-compatibility/2006">
+        <mc:Choice xmlns:a14="http://schemas.microsoft.com/office/drawing/2010/main" Requires="a14">
           <p:sp>
             <p:nvSpPr>
               <p:cNvPr id="3" name="Content Placeholder 2">
@@ -21357,7 +21357,7 @@
                 </a:pPr>
                 <a:r>
                   <a:rPr lang="fr-FR" sz="1600" dirty="0"/>
-                  <a:t>Une fois les paramètres de la distribution de la SRQ obtenus,  on peut calculer </a:t>
+                  <a:t>Une fois les paramètres de la distribution de la SRQ obtenus, on peut calculer </a:t>
                 </a:r>
                 <a14:m>
                   <m:oMath xmlns:m="http://schemas.openxmlformats.org/officeDocument/2006/math">
@@ -21614,6 +21614,18 @@
                           <a:latin typeface="Cambria Math" panose="02040503050406030204" pitchFamily="18" charset="0"/>
                         </a:rPr>
                         <m:t>0.706562643</m:t>
+                      </m:r>
+                      <m:r>
+                        <a:rPr lang="en-CA" sz="1600" b="0" i="1" smtClean="0">
+                          <a:latin typeface="Cambria Math" panose="02040503050406030204" pitchFamily="18" charset="0"/>
+                        </a:rPr>
+                        <m:t> </m:t>
+                      </m:r>
+                      <m:r>
+                        <a:rPr lang="en-CA" sz="1600" b="0" i="1" smtClean="0">
+                          <a:latin typeface="Cambria Math" panose="02040503050406030204" pitchFamily="18" charset="0"/>
+                        </a:rPr>
+                        <m:t>𝑚𝑚</m:t>
                       </m:r>
                     </m:oMath>
                   </m:oMathPara>
@@ -21901,7 +21913,7 @@
             </p:txBody>
           </p:sp>
         </mc:Choice>
-        <mc:Fallback xmlns="">
+        <mc:Fallback>
           <p:sp>
             <p:nvSpPr>
               <p:cNvPr id="3" name="Content Placeholder 2">
@@ -22089,8 +22101,8 @@
           </a:p>
         </p:txBody>
       </p:sp>
-      <mc:AlternateContent xmlns:mc="http://schemas.openxmlformats.org/markup-compatibility/2006" xmlns:a14="http://schemas.microsoft.com/office/drawing/2010/main">
-        <mc:Choice Requires="a14">
+      <mc:AlternateContent xmlns:mc="http://schemas.openxmlformats.org/markup-compatibility/2006">
+        <mc:Choice xmlns:a14="http://schemas.microsoft.com/office/drawing/2010/main" Requires="a14">
           <p:sp>
             <p:nvSpPr>
               <p:cNvPr id="3" name="Content Placeholder 2">
@@ -22323,6 +22335,12 @@
                     </m:oMathParaPr>
                     <m:oMath xmlns:m="http://schemas.openxmlformats.org/officeDocument/2006/math">
                       <m:r>
+                        <a:rPr lang="en-CA" sz="1600" b="0" i="0" smtClean="0">
+                          <a:latin typeface="Cambria Math" panose="02040503050406030204" pitchFamily="18" charset="0"/>
+                        </a:rPr>
+                        <m:t>(</m:t>
+                      </m:r>
+                      <m:r>
                         <m:rPr>
                           <m:sty m:val="p"/>
                         </m:rPr>
@@ -22446,6 +22464,12 @@
                         </a:rPr>
                         <m:t>𝐴</m:t>
                       </m:r>
+                      <m:r>
+                        <a:rPr lang="en-CA" sz="1600" b="0" i="1" smtClean="0">
+                          <a:latin typeface="Cambria Math" panose="02040503050406030204" pitchFamily="18" charset="0"/>
+                        </a:rPr>
+                        <m:t>)</m:t>
+                      </m:r>
                     </m:oMath>
                   </m:oMathPara>
                 </a14:m>
@@ -22509,7 +22533,7 @@
                 </a14:m>
                 <a:r>
                   <a:rPr lang="fr-FR" sz="1600" dirty="0"/>
-                  <a:t>, elle est alors proportionnelle à </a:t>
+                  <a:t> (loi d’Ohm), elle est alors proportionnelle à </a:t>
                 </a:r>
                 <a14:m>
                   <m:oMath xmlns:m="http://schemas.openxmlformats.org/officeDocument/2006/math">
@@ -22523,21 +22547,42 @@
                 </a14:m>
                 <a:r>
                   <a:rPr lang="fr-FR" sz="1600" dirty="0"/>
-                  <a:t>, et donc à la force </a:t>
+                  <a:t>, et donc à l’allongement</a:t>
+                </a:r>
+                <a:r>
+                  <a:rPr lang="en-CA" sz="1600" dirty="0"/>
+                  <a:t> </a:t>
                 </a:r>
                 <a14:m>
                   <m:oMath xmlns:m="http://schemas.openxmlformats.org/officeDocument/2006/math">
                     <m:r>
-                      <a:rPr lang="en-CA" sz="1600" b="0" i="1" smtClean="0">
+                      <m:rPr>
+                        <m:sty m:val="p"/>
+                      </m:rPr>
+                      <a:rPr lang="en-CA" sz="1600">
                         <a:latin typeface="Cambria Math" panose="02040503050406030204" pitchFamily="18" charset="0"/>
                       </a:rPr>
-                      <m:t>𝐹</m:t>
+                      <m:t>Δ</m:t>
+                    </m:r>
+                    <m:r>
+                      <a:rPr lang="en-CA" sz="1600" i="1">
+                        <a:latin typeface="Cambria Math" panose="02040503050406030204" pitchFamily="18" charset="0"/>
+                      </a:rPr>
+                      <m:t>𝑙</m:t>
                     </m:r>
                   </m:oMath>
                 </a14:m>
                 <a:r>
                   <a:rPr lang="fr-FR" sz="1600" dirty="0"/>
-                  <a:t> aussi.</a:t>
+                  <a:t> </a:t>
+                </a:r>
+                <a:r>
+                  <a:rPr lang="en-CA" sz="1600" dirty="0"/>
+                  <a:t>aussi</a:t>
+                </a:r>
+                <a:r>
+                  <a:rPr lang="fr-FR" sz="1600" dirty="0"/>
+                  <a:t>.</a:t>
                 </a:r>
               </a:p>
               <a:p>
@@ -22808,7 +22853,7 @@
             </p:txBody>
           </p:sp>
         </mc:Choice>
-        <mc:Fallback xmlns="">
+        <mc:Fallback>
           <p:sp>
             <p:nvSpPr>
               <p:cNvPr id="3" name="Content Placeholder 2">
@@ -23433,8 +23478,8 @@
           </a:p>
         </p:txBody>
       </p:sp>
-      <mc:AlternateContent xmlns:mc="http://schemas.openxmlformats.org/markup-compatibility/2006" xmlns:a14="http://schemas.microsoft.com/office/drawing/2010/main">
-        <mc:Choice Requires="a14">
+      <mc:AlternateContent xmlns:mc="http://schemas.openxmlformats.org/markup-compatibility/2006">
+        <mc:Choice xmlns:a14="http://schemas.microsoft.com/office/drawing/2010/main" Requires="a14">
           <p:sp>
             <p:nvSpPr>
               <p:cNvPr id="3" name="Content Placeholder 2">
@@ -23740,6 +23785,18 @@
                         </a:rPr>
                         <m:t>0.706788</m:t>
                       </m:r>
+                      <m:r>
+                        <a:rPr lang="en-CA" sz="1700" b="0" i="1" dirty="0" smtClean="0">
+                          <a:latin typeface="Cambria Math" panose="02040503050406030204" pitchFamily="18" charset="0"/>
+                        </a:rPr>
+                        <m:t> </m:t>
+                      </m:r>
+                      <m:r>
+                        <a:rPr lang="en-CA" sz="1700" b="0" i="1" dirty="0" smtClean="0">
+                          <a:latin typeface="Cambria Math" panose="02040503050406030204" pitchFamily="18" charset="0"/>
+                        </a:rPr>
+                        <m:t>𝑚𝑚</m:t>
+                      </m:r>
                     </m:oMath>
                   </m:oMathPara>
                 </a14:m>
@@ -23887,31 +23944,48 @@
                         <a:rPr lang="en-CA" sz="1700" b="0" i="1" dirty="0" smtClean="0">
                           <a:latin typeface="Cambria Math" panose="02040503050406030204" pitchFamily="18" charset="0"/>
                         </a:rPr>
-                        <m:t>=(</m:t>
+                        <m:t>=</m:t>
                       </m:r>
+                      <m:d>
+                        <m:dPr>
+                          <m:ctrlPr>
+                            <a:rPr lang="en-CA" sz="1700" b="0" i="1" dirty="0" smtClean="0">
+                              <a:latin typeface="Cambria Math" panose="02040503050406030204" pitchFamily="18" charset="0"/>
+                            </a:rPr>
+                          </m:ctrlPr>
+                        </m:dPr>
+                        <m:e>
+                          <m:r>
+                            <a:rPr lang="en-US" sz="1700" b="0" i="1" dirty="0" smtClean="0">
+                              <a:latin typeface="Cambria Math" panose="02040503050406030204" pitchFamily="18" charset="0"/>
+                            </a:rPr>
+                            <m:t>1.02</m:t>
+                          </m:r>
+                          <m:r>
+                            <a:rPr lang="en-CA" sz="1700" b="0" i="1" dirty="0" smtClean="0">
+                              <a:latin typeface="Cambria Math" panose="02040503050406030204" pitchFamily="18" charset="0"/>
+                            </a:rPr>
+                            <m:t>±</m:t>
+                          </m:r>
+                          <m:r>
+                            <a:rPr lang="en-US" sz="1700" b="0" i="1" dirty="0" smtClean="0">
+                              <a:latin typeface="Cambria Math" panose="02040503050406030204" pitchFamily="18" charset="0"/>
+                            </a:rPr>
+                            <m:t>1.413577</m:t>
+                          </m:r>
+                        </m:e>
+                      </m:d>
                       <m:r>
-                        <a:rPr lang="en-US" sz="1700" b="0" i="1" dirty="0" smtClean="0">
+                        <a:rPr lang="en-CA" sz="1700" b="0" i="1" dirty="0" smtClean="0">
                           <a:latin typeface="Cambria Math" panose="02040503050406030204" pitchFamily="18" charset="0"/>
                         </a:rPr>
-                        <m:t>1.02</m:t>
+                        <m:t> </m:t>
                       </m:r>
                       <m:r>
                         <a:rPr lang="en-CA" sz="1700" b="0" i="1" dirty="0" smtClean="0">
                           <a:latin typeface="Cambria Math" panose="02040503050406030204" pitchFamily="18" charset="0"/>
                         </a:rPr>
-                        <m:t>±</m:t>
-                      </m:r>
-                      <m:r>
-                        <a:rPr lang="en-US" sz="1700" b="0" i="1" dirty="0" smtClean="0">
-                          <a:latin typeface="Cambria Math" panose="02040503050406030204" pitchFamily="18" charset="0"/>
-                        </a:rPr>
-                        <m:t>1.413577</m:t>
-                      </m:r>
-                      <m:r>
-                        <a:rPr lang="en-CA" sz="1700" b="0" i="1" dirty="0" smtClean="0">
-                          <a:latin typeface="Cambria Math" panose="02040503050406030204" pitchFamily="18" charset="0"/>
-                        </a:rPr>
-                        <m:t>)</m:t>
+                        <m:t>𝑚𝑚</m:t>
                       </m:r>
                     </m:oMath>
                   </m:oMathPara>
@@ -23965,61 +24039,86 @@
                         <a:rPr lang="en-CA" sz="1700" b="1" i="1" dirty="0" smtClean="0">
                           <a:latin typeface="Cambria Math" panose="02040503050406030204" pitchFamily="18" charset="0"/>
                         </a:rPr>
-                        <m:t>∈[ </m:t>
+                        <m:t>∈</m:t>
                       </m:r>
+                      <m:d>
+                        <m:dPr>
+                          <m:begChr m:val="["/>
+                          <m:endChr m:val="]"/>
+                          <m:ctrlPr>
+                            <a:rPr lang="en-CA" sz="1700" b="1" i="1" dirty="0" smtClean="0">
+                              <a:latin typeface="Cambria Math" panose="02040503050406030204" pitchFamily="18" charset="0"/>
+                            </a:rPr>
+                          </m:ctrlPr>
+                        </m:dPr>
+                        <m:e>
+                          <m:r>
+                            <a:rPr lang="en-CA" sz="1700" b="1" i="1" dirty="0" smtClean="0">
+                              <a:latin typeface="Cambria Math" panose="02040503050406030204" pitchFamily="18" charset="0"/>
+                            </a:rPr>
+                            <m:t> </m:t>
+                          </m:r>
+                          <m:r>
+                            <a:rPr lang="en-US" sz="1700" b="1" i="1" dirty="0" smtClean="0">
+                              <a:latin typeface="Cambria Math" panose="02040503050406030204" pitchFamily="18" charset="0"/>
+                            </a:rPr>
+                            <m:t>−</m:t>
+                          </m:r>
+                          <m:r>
+                            <a:rPr lang="en-US" sz="1700" b="1" i="1" dirty="0" smtClean="0">
+                              <a:latin typeface="Cambria Math" panose="02040503050406030204" pitchFamily="18" charset="0"/>
+                            </a:rPr>
+                            <m:t>𝟎</m:t>
+                          </m:r>
+                          <m:r>
+                            <a:rPr lang="en-US" sz="1700" b="1" i="1" dirty="0" smtClean="0">
+                              <a:latin typeface="Cambria Math" panose="02040503050406030204" pitchFamily="18" charset="0"/>
+                            </a:rPr>
+                            <m:t>.</m:t>
+                          </m:r>
+                          <m:r>
+                            <a:rPr lang="en-US" sz="1700" b="1" i="1" dirty="0" smtClean="0">
+                              <a:latin typeface="Cambria Math" panose="02040503050406030204" pitchFamily="18" charset="0"/>
+                            </a:rPr>
+                            <m:t>𝟑𝟗𝟑𝟓𝟖</m:t>
+                          </m:r>
+                          <m:r>
+                            <a:rPr lang="en-CA" sz="1700" b="1" i="1" dirty="0" smtClean="0">
+                              <a:latin typeface="Cambria Math" panose="02040503050406030204" pitchFamily="18" charset="0"/>
+                            </a:rPr>
+                            <m:t> ;</m:t>
+                          </m:r>
+                          <m:r>
+                            <a:rPr lang="en-US" sz="1700" b="1" i="1" dirty="0" smtClean="0">
+                              <a:latin typeface="Cambria Math" panose="02040503050406030204" pitchFamily="18" charset="0"/>
+                            </a:rPr>
+                            <m:t>𝟐</m:t>
+                          </m:r>
+                          <m:r>
+                            <a:rPr lang="en-US" sz="1700" b="1" i="1" dirty="0" smtClean="0">
+                              <a:latin typeface="Cambria Math" panose="02040503050406030204" pitchFamily="18" charset="0"/>
+                            </a:rPr>
+                            <m:t>.</m:t>
+                          </m:r>
+                          <m:r>
+                            <a:rPr lang="en-US" sz="1700" b="1" i="1" dirty="0" smtClean="0">
+                              <a:latin typeface="Cambria Math" panose="02040503050406030204" pitchFamily="18" charset="0"/>
+                            </a:rPr>
+                            <m:t>𝟒𝟑𝟑𝟓𝟕𝟕</m:t>
+                          </m:r>
+                        </m:e>
+                      </m:d>
                       <m:r>
-                        <a:rPr lang="en-US" sz="1700" b="1" i="1" dirty="0" smtClean="0">
+                        <a:rPr lang="en-CA" sz="1700" b="1" i="1" dirty="0" smtClean="0">
                           <a:latin typeface="Cambria Math" panose="02040503050406030204" pitchFamily="18" charset="0"/>
                         </a:rPr>
-                        <m:t>−</m:t>
-                      </m:r>
-                      <m:r>
-                        <a:rPr lang="en-US" sz="1700" b="1" i="1" dirty="0" smtClean="0">
-                          <a:latin typeface="Cambria Math" panose="02040503050406030204" pitchFamily="18" charset="0"/>
-                        </a:rPr>
-                        <m:t>𝟎</m:t>
-                      </m:r>
-                      <m:r>
-                        <a:rPr lang="en-US" sz="1700" b="1" i="1" dirty="0" smtClean="0">
-                          <a:latin typeface="Cambria Math" panose="02040503050406030204" pitchFamily="18" charset="0"/>
-                        </a:rPr>
-                        <m:t>.</m:t>
-                      </m:r>
-                      <m:r>
-                        <a:rPr lang="en-US" sz="1700" b="1" i="1" dirty="0" smtClean="0">
-                          <a:latin typeface="Cambria Math" panose="02040503050406030204" pitchFamily="18" charset="0"/>
-                        </a:rPr>
-                        <m:t>𝟑𝟗𝟑𝟓𝟖</m:t>
+                        <m:t> </m:t>
                       </m:r>
                       <m:r>
                         <a:rPr lang="en-CA" sz="1700" b="1" i="1" dirty="0" smtClean="0">
                           <a:latin typeface="Cambria Math" panose="02040503050406030204" pitchFamily="18" charset="0"/>
                         </a:rPr>
-                        <m:t> ;</m:t>
-                      </m:r>
-                      <m:r>
-                        <a:rPr lang="en-US" sz="1700" b="1" i="1" dirty="0" smtClean="0">
-                          <a:latin typeface="Cambria Math" panose="02040503050406030204" pitchFamily="18" charset="0"/>
-                        </a:rPr>
-                        <m:t>𝟐</m:t>
-                      </m:r>
-                      <m:r>
-                        <a:rPr lang="en-US" sz="1700" b="1" i="1" dirty="0" smtClean="0">
-                          <a:latin typeface="Cambria Math" panose="02040503050406030204" pitchFamily="18" charset="0"/>
-                        </a:rPr>
-                        <m:t>.</m:t>
-                      </m:r>
-                      <m:r>
-                        <a:rPr lang="en-US" sz="1700" b="1" i="1" dirty="0" smtClean="0">
-                          <a:latin typeface="Cambria Math" panose="02040503050406030204" pitchFamily="18" charset="0"/>
-                        </a:rPr>
-                        <m:t>𝟒𝟑𝟑𝟓𝟕𝟕</m:t>
-                      </m:r>
-                      <m:r>
-                        <a:rPr lang="en-CA" sz="1700" b="1" i="1" dirty="0" smtClean="0">
-                          <a:latin typeface="Cambria Math" panose="02040503050406030204" pitchFamily="18" charset="0"/>
-                        </a:rPr>
-                        <m:t>]</m:t>
+                        <m:t>𝒎𝒎</m:t>
                       </m:r>
                     </m:oMath>
                   </m:oMathPara>
@@ -24274,7 +24373,7 @@
             </p:txBody>
           </p:sp>
         </mc:Choice>
-        <mc:Fallback xmlns="">
+        <mc:Fallback>
           <p:sp>
             <p:nvSpPr>
               <p:cNvPr id="3" name="Content Placeholder 2">
@@ -26509,8 +26608,8 @@
           <a:chExt cx="0" cy="0"/>
         </a:xfrm>
       </p:grpSpPr>
-      <mc:AlternateContent xmlns:mc="http://schemas.openxmlformats.org/markup-compatibility/2006">
-        <mc:Choice xmlns:a14="http://schemas.microsoft.com/office/drawing/2010/main" Requires="a14">
+      <mc:AlternateContent xmlns:mc="http://schemas.openxmlformats.org/markup-compatibility/2006" xmlns:a14="http://schemas.microsoft.com/office/drawing/2010/main">
+        <mc:Choice Requires="a14">
           <p:sp>
             <p:nvSpPr>
               <p:cNvPr id="3" name="Content Placeholder 2">
@@ -27196,7 +27295,7 @@
             </p:txBody>
           </p:sp>
         </mc:Choice>
-        <mc:Fallback>
+        <mc:Fallback xmlns="">
           <p:sp>
             <p:nvSpPr>
               <p:cNvPr id="3" name="Content Placeholder 2">
@@ -29563,7 +29662,7 @@
           <p:nvPr>
             <p:extLst>
               <p:ext uri="{D42A27DB-BD31-4B8C-83A1-F6EECF244321}">
-                <p14:modId xmlns:p14="http://schemas.microsoft.com/office/powerpoint/2010/main" val="1331906350"/>
+                <p14:modId xmlns:p14="http://schemas.microsoft.com/office/powerpoint/2010/main" val="1229097398"/>
               </p:ext>
             </p:extLst>
           </p:nvPr>
@@ -29639,7 +29738,7 @@
                           <a:effectLst/>
                           <a:latin typeface="Calibri" panose="020F0502020204030204" pitchFamily="34" charset="0"/>
                         </a:rPr>
-                        <a:t>Pas en espace dx [m]</a:t>
+                        <a:t>Pas en espace dx [mm]</a:t>
                       </a:r>
                     </a:p>
                   </a:txBody>
@@ -31015,6 +31114,17 @@
 </file>
 
 <file path=customXml/item1.xml><?xml version="1.0" encoding="utf-8"?>
+<p:properties xmlns:p="http://schemas.microsoft.com/office/2006/metadata/properties" xmlns:xsi="http://www.w3.org/2001/XMLSchema-instance" xmlns:pc="http://schemas.microsoft.com/office/infopath/2007/PartnerControls">
+  <documentManagement>
+    <lcf76f155ced4ddcb4097134ff3c332f xmlns="ec825916-6f01-4646-bf11-4e97fdd06dc8">
+      <Terms xmlns="http://schemas.microsoft.com/office/infopath/2007/PartnerControls"/>
+    </lcf76f155ced4ddcb4097134ff3c332f>
+    <TaxCatchAll xmlns="10202d72-3646-4d36-9cf4-1feba2c78df0" xsi:nil="true"/>
+  </documentManagement>
+</p:properties>
+</file>
+
+<file path=customXml/item2.xml><?xml version="1.0" encoding="utf-8"?>
 <ct:contentTypeSchema xmlns:ct="http://schemas.microsoft.com/office/2006/metadata/contentType" xmlns:ma="http://schemas.microsoft.com/office/2006/metadata/properties/metaAttributes" ct:_="" ma:_="" ma:contentTypeName="Document" ma:contentTypeID="0x010100744768CFAF743F4A83B0523C20156377" ma:contentTypeVersion="11" ma:contentTypeDescription="Create a new document." ma:contentTypeScope="" ma:versionID="aafa440e1ffbdaf1b0956f4ac1c916a8">
   <xsd:schema xmlns:xsd="http://www.w3.org/2001/XMLSchema" xmlns:xs="http://www.w3.org/2001/XMLSchema" xmlns:p="http://schemas.microsoft.com/office/2006/metadata/properties" xmlns:ns2="ec825916-6f01-4646-bf11-4e97fdd06dc8" xmlns:ns3="10202d72-3646-4d36-9cf4-1feba2c78df0" targetNamespace="http://schemas.microsoft.com/office/2006/metadata/properties" ma:root="true" ma:fieldsID="7a73fe93b8aa32af4ca50956a2221801" ns2:_="" ns3:_="">
     <xsd:import namespace="ec825916-6f01-4646-bf11-4e97fdd06dc8"/>
@@ -31209,17 +31319,6 @@
 </ct:contentTypeSchema>
 </file>
 
-<file path=customXml/item2.xml><?xml version="1.0" encoding="utf-8"?>
-<p:properties xmlns:p="http://schemas.microsoft.com/office/2006/metadata/properties" xmlns:xsi="http://www.w3.org/2001/XMLSchema-instance" xmlns:pc="http://schemas.microsoft.com/office/infopath/2007/PartnerControls">
-  <documentManagement>
-    <lcf76f155ced4ddcb4097134ff3c332f xmlns="ec825916-6f01-4646-bf11-4e97fdd06dc8">
-      <Terms xmlns="http://schemas.microsoft.com/office/infopath/2007/PartnerControls"/>
-    </lcf76f155ced4ddcb4097134ff3c332f>
-    <TaxCatchAll xmlns="10202d72-3646-4d36-9cf4-1feba2c78df0" xsi:nil="true"/>
-  </documentManagement>
-</p:properties>
-</file>
-
 <file path=customXml/item3.xml><?xml version="1.0" encoding="utf-8"?>
 <?mso-contentType ?>
 <FormTemplates xmlns="http://schemas.microsoft.com/sharepoint/v3/contenttype/forms">
@@ -31230,6 +31329,23 @@
 </file>
 
 <file path=customXml/itemProps1.xml><?xml version="1.0" encoding="utf-8"?>
+<ds:datastoreItem xmlns:ds="http://schemas.openxmlformats.org/officeDocument/2006/customXml" ds:itemID="{CC0D4AF6-CA21-4510-812C-479171907BC9}">
+  <ds:schemaRefs>
+    <ds:schemaRef ds:uri="ec825916-6f01-4646-bf11-4e97fdd06dc8"/>
+    <ds:schemaRef ds:uri="http://schemas.microsoft.com/office/2006/documentManagement/types"/>
+    <ds:schemaRef ds:uri="http://purl.org/dc/dcmitype/"/>
+    <ds:schemaRef ds:uri="http://schemas.microsoft.com/office/infopath/2007/PartnerControls"/>
+    <ds:schemaRef ds:uri="http://purl.org/dc/terms/"/>
+    <ds:schemaRef ds:uri="10202d72-3646-4d36-9cf4-1feba2c78df0"/>
+    <ds:schemaRef ds:uri="http://www.w3.org/XML/1998/namespace"/>
+    <ds:schemaRef ds:uri="http://schemas.microsoft.com/office/2006/metadata/properties"/>
+    <ds:schemaRef ds:uri="http://schemas.openxmlformats.org/package/2006/metadata/core-properties"/>
+    <ds:schemaRef ds:uri="http://purl.org/dc/elements/1.1/"/>
+  </ds:schemaRefs>
+</ds:datastoreItem>
+</file>
+
+<file path=customXml/itemProps2.xml><?xml version="1.0" encoding="utf-8"?>
 <ds:datastoreItem xmlns:ds="http://schemas.openxmlformats.org/officeDocument/2006/customXml" ds:itemID="{4AB5C90D-8262-4EAC-95BF-2CC4C44D50EC}">
   <ds:schemaRefs>
     <ds:schemaRef ds:uri="10202d72-3646-4d36-9cf4-1feba2c78df0"/>
@@ -31248,23 +31364,6 @@
 </ds:datastoreItem>
 </file>
 
-<file path=customXml/itemProps2.xml><?xml version="1.0" encoding="utf-8"?>
-<ds:datastoreItem xmlns:ds="http://schemas.openxmlformats.org/officeDocument/2006/customXml" ds:itemID="{CC0D4AF6-CA21-4510-812C-479171907BC9}">
-  <ds:schemaRefs>
-    <ds:schemaRef ds:uri="ec825916-6f01-4646-bf11-4e97fdd06dc8"/>
-    <ds:schemaRef ds:uri="http://schemas.microsoft.com/office/2006/documentManagement/types"/>
-    <ds:schemaRef ds:uri="http://purl.org/dc/dcmitype/"/>
-    <ds:schemaRef ds:uri="http://schemas.microsoft.com/office/infopath/2007/PartnerControls"/>
-    <ds:schemaRef ds:uri="http://purl.org/dc/terms/"/>
-    <ds:schemaRef ds:uri="10202d72-3646-4d36-9cf4-1feba2c78df0"/>
-    <ds:schemaRef ds:uri="http://www.w3.org/XML/1998/namespace"/>
-    <ds:schemaRef ds:uri="http://schemas.microsoft.com/office/2006/metadata/properties"/>
-    <ds:schemaRef ds:uri="http://schemas.openxmlformats.org/package/2006/metadata/core-properties"/>
-    <ds:schemaRef ds:uri="http://purl.org/dc/elements/1.1/"/>
-  </ds:schemaRefs>
-</ds:datastoreItem>
-</file>
-
 <file path=customXml/itemProps3.xml><?xml version="1.0" encoding="utf-8"?>
 <ds:datastoreItem xmlns:ds="http://schemas.openxmlformats.org/officeDocument/2006/customXml" ds:itemID="{73F4A501-0066-4B8E-9AA2-A07CF344BF69}">
   <ds:schemaRefs>

--- a/Rapport_Projet_V1.pptx
+++ b/Rapport_Projet_V1.pptx
@@ -21268,8 +21268,8 @@
           </a:p>
         </p:txBody>
       </p:sp>
-      <mc:AlternateContent xmlns:mc="http://schemas.openxmlformats.org/markup-compatibility/2006">
-        <mc:Choice xmlns:a14="http://schemas.microsoft.com/office/drawing/2010/main" Requires="a14">
+      <mc:AlternateContent xmlns:mc="http://schemas.openxmlformats.org/markup-compatibility/2006" xmlns:a14="http://schemas.microsoft.com/office/drawing/2010/main">
+        <mc:Choice Requires="a14">
           <p:sp>
             <p:nvSpPr>
               <p:cNvPr id="3" name="Content Placeholder 2">
@@ -21913,7 +21913,7 @@
             </p:txBody>
           </p:sp>
         </mc:Choice>
-        <mc:Fallback>
+        <mc:Fallback xmlns="">
           <p:sp>
             <p:nvSpPr>
               <p:cNvPr id="3" name="Content Placeholder 2">
@@ -22101,8 +22101,8 @@
           </a:p>
         </p:txBody>
       </p:sp>
-      <mc:AlternateContent xmlns:mc="http://schemas.openxmlformats.org/markup-compatibility/2006">
-        <mc:Choice xmlns:a14="http://schemas.microsoft.com/office/drawing/2010/main" Requires="a14">
+      <mc:AlternateContent xmlns:mc="http://schemas.openxmlformats.org/markup-compatibility/2006" xmlns:a14="http://schemas.microsoft.com/office/drawing/2010/main">
+        <mc:Choice Requires="a14">
           <p:sp>
             <p:nvSpPr>
               <p:cNvPr id="3" name="Content Placeholder 2">
@@ -22853,7 +22853,7 @@
             </p:txBody>
           </p:sp>
         </mc:Choice>
-        <mc:Fallback>
+        <mc:Fallback xmlns="">
           <p:sp>
             <p:nvSpPr>
               <p:cNvPr id="3" name="Content Placeholder 2">
@@ -24176,14 +24176,14 @@
                         <m:begChr m:val="|"/>
                         <m:endChr m:val="|"/>
                         <m:ctrlPr>
-                          <a:rPr lang="en-CA" sz="1700" b="0" i="1" dirty="0" smtClean="0">
+                          <a:rPr lang="en-CA" sz="1700" i="1" dirty="0">
                             <a:latin typeface="Cambria Math" panose="02040503050406030204" pitchFamily="18" charset="0"/>
                           </a:rPr>
                         </m:ctrlPr>
                       </m:dPr>
                       <m:e>
                         <m:r>
-                          <a:rPr lang="en-CA" sz="1700" b="0" i="1" dirty="0" smtClean="0">
+                          <a:rPr lang="en-CA" sz="1700" i="1" dirty="0">
                             <a:latin typeface="Cambria Math" panose="02040503050406030204" pitchFamily="18" charset="0"/>
                           </a:rPr>
                           <m:t>𝐸</m:t>
@@ -24191,19 +24191,19 @@
                       </m:e>
                     </m:d>
                     <m:r>
-                      <a:rPr lang="en-US" sz="1700" b="0" i="1" dirty="0" smtClean="0">
+                      <a:rPr lang="en-CA" sz="1700" i="1" dirty="0">
                         <a:latin typeface="Cambria Math" panose="02040503050406030204" pitchFamily="18" charset="0"/>
                       </a:rPr>
-                      <m:t>≪</m:t>
+                      <m:t>&lt;</m:t>
                     </m:r>
                     <m:r>
-                      <a:rPr lang="en-CA" sz="1700" b="0" i="1" dirty="0" smtClean="0">
+                      <a:rPr lang="en-CA" sz="1700" i="1" dirty="0">
                         <a:latin typeface="Cambria Math" panose="02040503050406030204" pitchFamily="18" charset="0"/>
                       </a:rPr>
                       <m:t>𝑘</m:t>
                     </m:r>
                     <m:r>
-                      <a:rPr lang="en-CA" sz="1700" b="0" i="1" dirty="0" smtClean="0">
+                      <a:rPr lang="en-CA" sz="1700" i="1" dirty="0">
                         <a:latin typeface="Cambria Math" panose="02040503050406030204" pitchFamily="18" charset="0"/>
                       </a:rPr>
                       <m:t>.</m:t>
@@ -24211,14 +24211,14 @@
                     <m:sSub>
                       <m:sSubPr>
                         <m:ctrlPr>
-                          <a:rPr lang="en-CA" sz="1700" b="0" i="1" dirty="0" smtClean="0">
+                          <a:rPr lang="en-CA" sz="1700" i="1" dirty="0">
                             <a:latin typeface="Cambria Math" panose="02040503050406030204" pitchFamily="18" charset="0"/>
                           </a:rPr>
                         </m:ctrlPr>
                       </m:sSubPr>
                       <m:e>
                         <m:r>
-                          <a:rPr lang="en-CA" sz="1700" b="0" i="1" dirty="0" smtClean="0">
+                          <a:rPr lang="en-CA" sz="1700" i="1" dirty="0">
                             <a:latin typeface="Cambria Math" panose="02040503050406030204" pitchFamily="18" charset="0"/>
                           </a:rPr>
                           <m:t>𝑢</m:t>
@@ -24226,7 +24226,7 @@
                       </m:e>
                       <m:sub>
                         <m:r>
-                          <a:rPr lang="en-CA" sz="1700" b="0" i="1" dirty="0" smtClean="0">
+                          <a:rPr lang="en-CA" sz="1700" i="1" dirty="0">
                             <a:latin typeface="Cambria Math" panose="02040503050406030204" pitchFamily="18" charset="0"/>
                           </a:rPr>
                           <m:t>𝑣𝑎𝑙</m:t>
@@ -24234,97 +24234,84 @@
                       </m:sub>
                     </m:sSub>
                     <m:r>
-                      <a:rPr lang="en-CA" sz="1700" b="0" i="1" dirty="0" smtClean="0">
+                      <a:rPr lang="en-CA" sz="1700" i="1" dirty="0">
                         <a:latin typeface="Cambria Math" panose="02040503050406030204" pitchFamily="18" charset="0"/>
                       </a:rPr>
                       <m:t>→</m:t>
+                    </m:r>
+                    <m:sSub>
+                      <m:sSubPr>
+                        <m:ctrlPr>
+                          <a:rPr lang="en-CA" sz="1700" i="1" dirty="0">
+                            <a:latin typeface="Cambria Math" panose="02040503050406030204" pitchFamily="18" charset="0"/>
+                          </a:rPr>
+                        </m:ctrlPr>
+                      </m:sSubPr>
+                      <m:e>
+                        <m:r>
+                          <a:rPr lang="en-CA" sz="1700" i="1" dirty="0">
+                            <a:latin typeface="Cambria Math" panose="02040503050406030204" pitchFamily="18" charset="0"/>
+                          </a:rPr>
+                          <m:t>𝛿</m:t>
+                        </m:r>
+                      </m:e>
+                      <m:sub>
+                        <m:r>
+                          <a:rPr lang="en-CA" sz="1700" i="1" dirty="0">
+                            <a:latin typeface="Cambria Math" panose="02040503050406030204" pitchFamily="18" charset="0"/>
+                          </a:rPr>
+                          <m:t>𝑚𝑜𝑑𝑒𝑙</m:t>
+                        </m:r>
+                      </m:sub>
+                    </m:sSub>
+                    <m:r>
+                      <a:rPr lang="en-CA" sz="1700" i="1" dirty="0">
+                        <a:latin typeface="Cambria Math" panose="02040503050406030204" pitchFamily="18" charset="0"/>
+                      </a:rPr>
+                      <m:t>&lt;</m:t>
                     </m:r>
                     <m:d>
                       <m:dPr>
                         <m:begChr m:val="|"/>
                         <m:endChr m:val="|"/>
                         <m:ctrlPr>
-                          <a:rPr lang="en-CA" sz="1700" b="0" i="1" dirty="0" smtClean="0">
+                          <a:rPr lang="en-CA" sz="1700" i="1" dirty="0">
                             <a:latin typeface="Cambria Math" panose="02040503050406030204" pitchFamily="18" charset="0"/>
                           </a:rPr>
                         </m:ctrlPr>
                       </m:dPr>
                       <m:e>
-                        <m:sSub>
-                          <m:sSubPr>
-                            <m:ctrlPr>
-                              <a:rPr lang="en-CA" sz="1700" b="0" i="1" dirty="0" smtClean="0">
-                                <a:latin typeface="Cambria Math" panose="02040503050406030204" pitchFamily="18" charset="0"/>
-                              </a:rPr>
-                            </m:ctrlPr>
-                          </m:sSubPr>
-                          <m:e>
-                            <m:r>
-                              <a:rPr lang="en-CA" sz="1700" b="0" i="1" dirty="0" smtClean="0">
-                                <a:latin typeface="Cambria Math" panose="02040503050406030204" pitchFamily="18" charset="0"/>
-                              </a:rPr>
-                              <m:t>𝛿</m:t>
-                            </m:r>
-                          </m:e>
-                          <m:sub>
-                            <m:r>
-                              <a:rPr lang="en-CA" sz="1700" b="0" i="1" dirty="0" smtClean="0">
-                                <a:latin typeface="Cambria Math" panose="02040503050406030204" pitchFamily="18" charset="0"/>
-                              </a:rPr>
-                              <m:t>𝑚𝑜𝑑𝑒𝑙</m:t>
-                            </m:r>
-                          </m:sub>
-                        </m:sSub>
+                        <m:r>
+                          <a:rPr lang="en-CA" sz="1700" i="1" dirty="0">
+                            <a:latin typeface="Cambria Math" panose="02040503050406030204" pitchFamily="18" charset="0"/>
+                          </a:rPr>
+                          <m:t>𝐸</m:t>
+                        </m:r>
                       </m:e>
                     </m:d>
                     <m:r>
-                      <a:rPr lang="en-CA" sz="1700" b="0" i="1" dirty="0" smtClean="0">
+                      <a:rPr lang="en-CA" sz="1700" i="1" dirty="0">
                         <a:latin typeface="Cambria Math" panose="02040503050406030204" pitchFamily="18" charset="0"/>
                       </a:rPr>
-                      <m:t>≤</m:t>
+                      <m:t>+</m:t>
                     </m:r>
                     <m:r>
-                      <a:rPr lang="en-CA" sz="1700" b="0" i="1" dirty="0" smtClean="0">
+                      <a:rPr lang="en-CA" sz="1700" i="1" dirty="0">
                         <a:latin typeface="Cambria Math" panose="02040503050406030204" pitchFamily="18" charset="0"/>
                       </a:rPr>
                       <m:t>𝑘</m:t>
                     </m:r>
                     <m:r>
-                      <a:rPr lang="en-CA" sz="1700" b="0" i="1" dirty="0" smtClean="0">
+                      <a:rPr lang="en-CA" sz="1700" i="1" dirty="0">
                         <a:latin typeface="Cambria Math" panose="02040503050406030204" pitchFamily="18" charset="0"/>
                       </a:rPr>
                       <m:t>.</m:t>
                     </m:r>
-                    <m:sSub>
-                      <m:sSubPr>
-                        <m:ctrlPr>
-                          <a:rPr lang="en-CA" sz="1700" b="0" i="1" dirty="0" smtClean="0">
-                            <a:latin typeface="Cambria Math" panose="02040503050406030204" pitchFamily="18" charset="0"/>
-                          </a:rPr>
-                        </m:ctrlPr>
-                      </m:sSubPr>
-                      <m:e>
-                        <m:r>
-                          <a:rPr lang="en-CA" sz="1700" b="0" i="1" dirty="0" smtClean="0">
-                            <a:latin typeface="Cambria Math" panose="02040503050406030204" pitchFamily="18" charset="0"/>
-                          </a:rPr>
-                          <m:t>𝑢</m:t>
-                        </m:r>
-                      </m:e>
-                      <m:sub>
-                        <m:r>
-                          <a:rPr lang="en-CA" sz="1700" b="0" i="1" dirty="0" smtClean="0">
-                            <a:latin typeface="Cambria Math" panose="02040503050406030204" pitchFamily="18" charset="0"/>
-                          </a:rPr>
-                          <m:t>𝑣𝑎𝑙</m:t>
-                        </m:r>
-                      </m:sub>
-                    </m:sSub>
                   </m:oMath>
                 </a14:m>
                 <a:r>
                   <a:rPr lang="fr-FR" sz="1700" dirty="0"/>
-                  <a:t>. Ceci est signe d’une validation de faible qualité et indique qu’un effort de réduction de </a:t>
+                  <a:t> Modèle non concluant; ceci est signe d’une validation de faible qualité et indique qu’un effort de réduction de </a:t>
                 </a:r>
                 <a14:m>
                   <m:oMath xmlns:m="http://schemas.openxmlformats.org/officeDocument/2006/math">
@@ -31125,6 +31112,15 @@
 </file>
 
 <file path=customXml/item2.xml><?xml version="1.0" encoding="utf-8"?>
+<?mso-contentType ?>
+<FormTemplates xmlns="http://schemas.microsoft.com/sharepoint/v3/contenttype/forms">
+  <Display>DocumentLibraryForm</Display>
+  <Edit>DocumentLibraryForm</Edit>
+  <New>DocumentLibraryForm</New>
+</FormTemplates>
+</file>
+
+<file path=customXml/item3.xml><?xml version="1.0" encoding="utf-8"?>
 <ct:contentTypeSchema xmlns:ct="http://schemas.microsoft.com/office/2006/metadata/contentType" xmlns:ma="http://schemas.microsoft.com/office/2006/metadata/properties/metaAttributes" ct:_="" ma:_="" ma:contentTypeName="Document" ma:contentTypeID="0x010100744768CFAF743F4A83B0523C20156377" ma:contentTypeVersion="11" ma:contentTypeDescription="Create a new document." ma:contentTypeScope="" ma:versionID="aafa440e1ffbdaf1b0956f4ac1c916a8">
   <xsd:schema xmlns:xsd="http://www.w3.org/2001/XMLSchema" xmlns:xs="http://www.w3.org/2001/XMLSchema" xmlns:p="http://schemas.microsoft.com/office/2006/metadata/properties" xmlns:ns2="ec825916-6f01-4646-bf11-4e97fdd06dc8" xmlns:ns3="10202d72-3646-4d36-9cf4-1feba2c78df0" targetNamespace="http://schemas.microsoft.com/office/2006/metadata/properties" ma:root="true" ma:fieldsID="7a73fe93b8aa32af4ca50956a2221801" ns2:_="" ns3:_="">
     <xsd:import namespace="ec825916-6f01-4646-bf11-4e97fdd06dc8"/>
@@ -31319,15 +31315,6 @@
 </ct:contentTypeSchema>
 </file>
 
-<file path=customXml/item3.xml><?xml version="1.0" encoding="utf-8"?>
-<?mso-contentType ?>
-<FormTemplates xmlns="http://schemas.microsoft.com/sharepoint/v3/contenttype/forms">
-  <Display>DocumentLibraryForm</Display>
-  <Edit>DocumentLibraryForm</Edit>
-  <New>DocumentLibraryForm</New>
-</FormTemplates>
-</file>
-
 <file path=customXml/itemProps1.xml><?xml version="1.0" encoding="utf-8"?>
 <ds:datastoreItem xmlns:ds="http://schemas.openxmlformats.org/officeDocument/2006/customXml" ds:itemID="{CC0D4AF6-CA21-4510-812C-479171907BC9}">
   <ds:schemaRefs>
@@ -31346,6 +31333,14 @@
 </file>
 
 <file path=customXml/itemProps2.xml><?xml version="1.0" encoding="utf-8"?>
+<ds:datastoreItem xmlns:ds="http://schemas.openxmlformats.org/officeDocument/2006/customXml" ds:itemID="{73F4A501-0066-4B8E-9AA2-A07CF344BF69}">
+  <ds:schemaRefs>
+    <ds:schemaRef ds:uri="http://schemas.microsoft.com/sharepoint/v3/contenttype/forms"/>
+  </ds:schemaRefs>
+</ds:datastoreItem>
+</file>
+
+<file path=customXml/itemProps3.xml><?xml version="1.0" encoding="utf-8"?>
 <ds:datastoreItem xmlns:ds="http://schemas.openxmlformats.org/officeDocument/2006/customXml" ds:itemID="{4AB5C90D-8262-4EAC-95BF-2CC4C44D50EC}">
   <ds:schemaRefs>
     <ds:schemaRef ds:uri="10202d72-3646-4d36-9cf4-1feba2c78df0"/>
@@ -31362,12 +31357,4 @@
     <ds:schemaRef ds:uri="http://www.w3.org/2001/XMLSchema"/>
   </ds:schemaRefs>
 </ds:datastoreItem>
-</file>
-
-<file path=customXml/itemProps3.xml><?xml version="1.0" encoding="utf-8"?>
-<ds:datastoreItem xmlns:ds="http://schemas.openxmlformats.org/officeDocument/2006/customXml" ds:itemID="{73F4A501-0066-4B8E-9AA2-A07CF344BF69}">
-  <ds:schemaRefs>
-    <ds:schemaRef ds:uri="http://schemas.microsoft.com/sharepoint/v3/contenttype/forms"/>
-  </ds:schemaRefs>
-</ds:datastoreItem>
 </file>
--- a/Rapport_Projet_V1.pptx
+++ b/Rapport_Projet_V1.pptx
@@ -2751,14 +2751,14 @@
                   </a:defRPr>
                 </a:pPr>
                 <a:r>
-                  <a:rPr lang="fr-CA"/>
+                  <a:rPr lang="fr-CA" dirty="0"/>
                   <a:t>dx</a:t>
                 </a:r>
                 <a:r>
-                  <a:rPr lang="fr-CA" baseline="0"/>
-                  <a:t> [m]</a:t>
+                  <a:rPr lang="fr-CA" baseline="0" dirty="0"/>
+                  <a:t> [mm]</a:t>
                 </a:r>
-                <a:endParaRPr lang="fr-CA"/>
+                <a:endParaRPr lang="fr-CA" dirty="0"/>
               </a:p>
             </c:rich>
           </c:tx>
@@ -3010,67 +3010,7 @@
     </mc:Fallback>
   </mc:AlternateContent>
   <c:chart>
-    <c:title>
-      <c:tx>
-        <c:rich>
-          <a:bodyPr rot="0" spcFirstLastPara="1" vertOverflow="ellipsis" vert="horz" wrap="square" anchor="ctr" anchorCtr="1"/>
-          <a:lstStyle/>
-          <a:p>
-            <a:pPr>
-              <a:defRPr sz="1400" b="0" i="0" u="none" strike="noStrike" kern="1200" spc="0" baseline="0">
-                <a:solidFill>
-                  <a:schemeClr val="tx1">
-                    <a:lumMod val="65000"/>
-                    <a:lumOff val="35000"/>
-                  </a:schemeClr>
-                </a:solidFill>
-                <a:latin typeface="+mn-lt"/>
-                <a:ea typeface="+mn-ea"/>
-                <a:cs typeface="+mn-cs"/>
-              </a:defRPr>
-            </a:pPr>
-            <a:r>
-              <a:rPr lang="en-CA"/>
-              <a:t>Convergence de l'erreur</a:t>
-            </a:r>
-            <a:r>
-              <a:rPr lang="en-CA" baseline="0"/>
-              <a:t> de déformation en fonction de h</a:t>
-            </a:r>
-            <a:endParaRPr lang="en-CA"/>
-          </a:p>
-        </c:rich>
-      </c:tx>
-      <c:overlay val="0"/>
-      <c:spPr>
-        <a:noFill/>
-        <a:ln>
-          <a:noFill/>
-        </a:ln>
-        <a:effectLst/>
-      </c:spPr>
-      <c:txPr>
-        <a:bodyPr rot="0" spcFirstLastPara="1" vertOverflow="ellipsis" vert="horz" wrap="square" anchor="ctr" anchorCtr="1"/>
-        <a:lstStyle/>
-        <a:p>
-          <a:pPr>
-            <a:defRPr sz="1400" b="0" i="0" u="none" strike="noStrike" kern="1200" spc="0" baseline="0">
-              <a:solidFill>
-                <a:schemeClr val="tx1">
-                  <a:lumMod val="65000"/>
-                  <a:lumOff val="35000"/>
-                </a:schemeClr>
-              </a:solidFill>
-              <a:latin typeface="+mn-lt"/>
-              <a:ea typeface="+mn-ea"/>
-              <a:cs typeface="+mn-cs"/>
-            </a:defRPr>
-          </a:pPr>
-          <a:endParaRPr lang="en-US"/>
-        </a:p>
-      </c:txPr>
-    </c:title>
-    <c:autoTitleDeleted val="0"/>
+    <c:autoTitleDeleted val="1"/>
     <c:plotArea>
       <c:layout/>
       <c:scatterChart>
@@ -3217,7 +3157,7 @@
           <c:smooth val="0"/>
           <c:extLst>
             <c:ext xmlns:c16="http://schemas.microsoft.com/office/drawing/2014/chart" uri="{C3380CC4-5D6E-409C-BE32-E72D297353CC}">
-              <c16:uniqueId val="{00000001-A80C-4654-A8AE-01D6AEE703EA}"/>
+              <c16:uniqueId val="{00000001-5544-4927-BE00-FC9DB2CC45EC}"/>
             </c:ext>
           </c:extLst>
         </c:ser>
@@ -3254,6 +3194,66 @@
             <a:effectLst/>
           </c:spPr>
         </c:majorGridlines>
+        <c:title>
+          <c:tx>
+            <c:rich>
+              <a:bodyPr rot="0" spcFirstLastPara="1" vertOverflow="ellipsis" vert="horz" wrap="square" anchor="ctr" anchorCtr="1"/>
+              <a:lstStyle/>
+              <a:p>
+                <a:pPr>
+                  <a:defRPr sz="1000" b="0" i="0" u="none" strike="noStrike" kern="1200" baseline="0">
+                    <a:solidFill>
+                      <a:schemeClr val="tx1">
+                        <a:lumMod val="65000"/>
+                        <a:lumOff val="35000"/>
+                      </a:schemeClr>
+                    </a:solidFill>
+                    <a:latin typeface="+mn-lt"/>
+                    <a:ea typeface="+mn-ea"/>
+                    <a:cs typeface="+mn-cs"/>
+                  </a:defRPr>
+                </a:pPr>
+                <a:r>
+                  <a:rPr lang="en-CA" dirty="0"/>
+                  <a:t>dx</a:t>
+                </a:r>
+                <a:r>
+                  <a:rPr lang="en-CA" baseline="0" dirty="0"/>
+                  <a:t> [mm]</a:t>
+                </a:r>
+                <a:endParaRPr lang="en-CA" dirty="0"/>
+              </a:p>
+            </c:rich>
+          </c:tx>
+          <c:overlay val="0"/>
+          <c:spPr>
+            <a:noFill/>
+            <a:ln>
+              <a:noFill/>
+            </a:ln>
+            <a:effectLst/>
+          </c:spPr>
+          <c:txPr>
+            <a:bodyPr rot="0" spcFirstLastPara="1" vertOverflow="ellipsis" vert="horz" wrap="square" anchor="ctr" anchorCtr="1"/>
+            <a:lstStyle/>
+            <a:p>
+              <a:pPr>
+                <a:defRPr sz="1000" b="0" i="0" u="none" strike="noStrike" kern="1200" baseline="0">
+                  <a:solidFill>
+                    <a:schemeClr val="tx1">
+                      <a:lumMod val="65000"/>
+                      <a:lumOff val="35000"/>
+                    </a:schemeClr>
+                  </a:solidFill>
+                  <a:latin typeface="+mn-lt"/>
+                  <a:ea typeface="+mn-ea"/>
+                  <a:cs typeface="+mn-cs"/>
+                </a:defRPr>
+              </a:pPr>
+              <a:endParaRPr lang="en-US"/>
+            </a:p>
+          </c:txPr>
+        </c:title>
         <c:numFmt formatCode="General" sourceLinked="1"/>
         <c:majorTickMark val="none"/>
         <c:minorTickMark val="none"/>
@@ -3317,6 +3317,65 @@
             <a:effectLst/>
           </c:spPr>
         </c:majorGridlines>
+        <c:title>
+          <c:tx>
+            <c:rich>
+              <a:bodyPr rot="-5400000" spcFirstLastPara="1" vertOverflow="ellipsis" vert="horz" wrap="square" anchor="ctr" anchorCtr="1"/>
+              <a:lstStyle/>
+              <a:p>
+                <a:pPr>
+                  <a:defRPr sz="1000" b="0" i="0" u="none" strike="noStrike" kern="1200" baseline="0">
+                    <a:solidFill>
+                      <a:schemeClr val="tx1">
+                        <a:lumMod val="65000"/>
+                        <a:lumOff val="35000"/>
+                      </a:schemeClr>
+                    </a:solidFill>
+                    <a:latin typeface="+mn-lt"/>
+                    <a:ea typeface="+mn-ea"/>
+                    <a:cs typeface="+mn-cs"/>
+                  </a:defRPr>
+                </a:pPr>
+                <a:r>
+                  <a:rPr lang="en-CA" dirty="0" err="1"/>
+                  <a:t>Erreur</a:t>
+                </a:r>
+                <a:r>
+                  <a:rPr lang="en-CA" dirty="0"/>
+                  <a:t> de deformation</a:t>
+                </a:r>
+              </a:p>
+            </c:rich>
+          </c:tx>
+          <c:overlay val="0"/>
+          <c:spPr>
+            <a:noFill/>
+            <a:ln>
+              <a:noFill/>
+            </a:ln>
+            <a:effectLst/>
+          </c:spPr>
+          <c:txPr>
+            <a:bodyPr rot="-5400000" spcFirstLastPara="1" vertOverflow="ellipsis" vert="horz" wrap="square" anchor="ctr" anchorCtr="1"/>
+            <a:lstStyle/>
+            <a:p>
+              <a:pPr>
+                <a:defRPr sz="1000" b="0" i="0" u="none" strike="noStrike" kern="1200" baseline="0">
+                  <a:solidFill>
+                    <a:schemeClr val="tx1">
+                      <a:lumMod val="65000"/>
+                      <a:lumOff val="35000"/>
+                    </a:schemeClr>
+                  </a:solidFill>
+                  <a:latin typeface="+mn-lt"/>
+                  <a:ea typeface="+mn-ea"/>
+                  <a:cs typeface="+mn-cs"/>
+                </a:defRPr>
+              </a:pPr>
+              <a:endParaRPr lang="en-US"/>
+            </a:p>
+          </c:txPr>
+        </c:title>
         <c:numFmt formatCode="General" sourceLinked="1"/>
         <c:majorTickMark val="none"/>
         <c:minorTickMark val="none"/>
@@ -10595,67 +10654,6 @@
 </cs:chartStyle>
 </file>
 
-<file path=ppt/comments/modernComment_108_E5C5E786.xml><?xml version="1.0" encoding="utf-8"?>
-<p188:cmLst xmlns:a="http://schemas.openxmlformats.org/drawingml/2006/main" xmlns:r="http://schemas.openxmlformats.org/officeDocument/2006/relationships" xmlns:p188="http://schemas.microsoft.com/office/powerpoint/2018/8/main">
-  <p188:cm id="{E208A256-2645-4215-A2E1-5835D144B8FF}" authorId="{4BB11620-EFBC-D13A-7B93-45F2C922ABDE}" created="2024-04-09T02:44:11.886">
-    <ac:txMkLst xmlns:ac="http://schemas.microsoft.com/office/drawing/2013/main/command">
-      <pc:docMk xmlns:pc="http://schemas.microsoft.com/office/powerpoint/2013/main/command"/>
-      <pc:sldMk xmlns:pc="http://schemas.microsoft.com/office/powerpoint/2013/main/command" cId="3854952326" sldId="264"/>
-      <ac:spMk id="13" creationId="{0A89B34A-8F02-C6EA-B396-FDA8E978F524}"/>
-      <ac:txMk cp="757" len="70">
-        <ac:context len="828" hash="3614477621"/>
-      </ac:txMk>
-    </ac:txMkLst>
-    <p188:pos x="6266996" y="3947369"/>
-    <p188:replyLst>
-      <p188:reply id="{4D2E3173-7F5B-494D-9B6F-EC70F917A23F}" authorId="{E68F2F47-82E5-2BC7-0FEC-4F4EC863DDC3}" created="2024-04-11T03:56:20.273">
-        <p188:txBody>
-          <a:bodyPr/>
-          <a:lstStyle/>
-          <a:p>
-            <a:r>
-              <a:rPr lang="fr-FR"/>
-              <a:t>La force est une condition de Neumann puisqu'elle agit sur une des dérivées de la flèche (dérivée seconde). Je ne sais pas si ces deux affirmations sont compatibles  </a:t>
-            </a:r>
-          </a:p>
-        </p188:txBody>
-      </p188:reply>
-      <p188:reply id="{ED1DFAE6-706E-4F5A-9066-E3A5E6431B52}" authorId="{4BB11620-EFBC-D13A-7B93-45F2C922ABDE}" created="2024-04-11T04:53:01.967">
-        <p188:txBody>
-          <a:bodyPr/>
-          <a:lstStyle/>
-          <a:p>
-            <a:r>
-              <a:rPr lang="en-CA"/>
-              <a:t>Oui "une force" est en general une condition de neumann mais dans ce cas particulier je ne crois pas que le role de la force soit une condition frontiere car on l'utilise aussi comme variable d'entrée qui varie</a:t>
-            </a:r>
-          </a:p>
-        </p188:txBody>
-      </p188:reply>
-    </p188:replyLst>
-    <p188:txBody>
-      <a:bodyPr/>
-      <a:lstStyle/>
-      <a:p>
-        <a:r>
-          <a:rPr lang="en-CA"/>
-          <a:t>La force ne peut pas etre une condition frontiere si c'est une donne d'entree</a:t>
-        </a:r>
-      </a:p>
-    </p188:txBody>
-    <p188:extLst>
-      <p:ext xmlns:p="http://schemas.openxmlformats.org/presentationml/2006/main" uri="{57CB4572-C831-44C2-8A1C-0ADB6CCDFE69}">
-        <p223:reactions xmlns:p223="http://schemas.microsoft.com/office/powerpoint/2022/03/main">
-          <p223:rxn type="👍">
-            <p223:instance time="2024-04-14T18:21:23.564" authorId="{E68F2F47-82E5-2BC7-0FEC-4F4EC863DDC3}"/>
-          </p223:rxn>
-        </p223:reactions>
-      </p:ext>
-    </p188:extLst>
-  </p188:cm>
-</p188:cmLst>
-</file>
-
 <file path=ppt/notesMasters/notesMaster1.xml><?xml version="1.0" encoding="utf-8"?>
 <p:notesMaster xmlns:a="http://schemas.openxmlformats.org/drawingml/2006/main" xmlns:r="http://schemas.openxmlformats.org/officeDocument/2006/relationships" xmlns:p="http://schemas.openxmlformats.org/presentationml/2006/main">
   <p:cSld>
@@ -16089,13 +16087,13 @@
           <p:nvPr>
             <p:extLst>
               <p:ext uri="{D42A27DB-BD31-4B8C-83A1-F6EECF244321}">
-                <p14:modId xmlns:p14="http://schemas.microsoft.com/office/powerpoint/2010/main" val="98177170"/>
+                <p14:modId xmlns:p14="http://schemas.microsoft.com/office/powerpoint/2010/main" val="1902468609"/>
               </p:ext>
             </p:extLst>
           </p:nvPr>
         </p:nvGraphicFramePr>
         <p:xfrm>
-          <a:off x="838200" y="1729331"/>
+          <a:off x="849261" y="2258212"/>
           <a:ext cx="2583426" cy="4098138"/>
         </p:xfrm>
         <a:graphic>
@@ -16862,7 +16860,7 @@
         </p:nvSpPr>
         <p:spPr>
           <a:xfrm>
-            <a:off x="776749" y="5866798"/>
+            <a:off x="779206" y="1786715"/>
             <a:ext cx="2723536" cy="461665"/>
           </a:xfrm>
           <a:prstGeom prst="rect">
@@ -16916,36 +16914,6 @@
           </a:p>
         </p:txBody>
       </p:sp>
-      <p:graphicFrame>
-        <p:nvGraphicFramePr>
-          <p:cNvPr id="8" name="Chart 7">
-            <a:extLst>
-              <a:ext uri="{FF2B5EF4-FFF2-40B4-BE49-F238E27FC236}">
-                <a16:creationId xmlns:a16="http://schemas.microsoft.com/office/drawing/2014/main" id="{6F0BDE2F-EA72-3241-7427-B88E7D002C01}"/>
-              </a:ext>
-            </a:extLst>
-          </p:cNvPr>
-          <p:cNvGraphicFramePr>
-            <a:graphicFrameLocks/>
-          </p:cNvGraphicFramePr>
-          <p:nvPr>
-            <p:extLst>
-              <p:ext uri="{D42A27DB-BD31-4B8C-83A1-F6EECF244321}">
-                <p14:modId xmlns:p14="http://schemas.microsoft.com/office/powerpoint/2010/main" val="2005764556"/>
-              </p:ext>
-            </p:extLst>
-          </p:nvPr>
-        </p:nvGraphicFramePr>
-        <p:xfrm>
-          <a:off x="4563344" y="1850608"/>
-          <a:ext cx="6291980" cy="3855584"/>
-        </p:xfrm>
-        <a:graphic>
-          <a:graphicData uri="http://schemas.openxmlformats.org/drawingml/2006/chart">
-            <c:chart xmlns:c="http://schemas.openxmlformats.org/drawingml/2006/chart" xmlns:r="http://schemas.openxmlformats.org/officeDocument/2006/relationships" r:id="rId2"/>
-          </a:graphicData>
-        </a:graphic>
-      </p:graphicFrame>
       <p:sp>
         <p:nvSpPr>
           <p:cNvPr id="9" name="Slide Number Placeholder 8">
@@ -17029,6 +16997,36 @@
           </a:p>
         </p:txBody>
       </p:sp>
+      <p:graphicFrame>
+        <p:nvGraphicFramePr>
+          <p:cNvPr id="10" name="Chart 9">
+            <a:extLst>
+              <a:ext uri="{FF2B5EF4-FFF2-40B4-BE49-F238E27FC236}">
+                <a16:creationId xmlns:a16="http://schemas.microsoft.com/office/drawing/2014/main" id="{C931D044-3E30-0FA2-150E-71C566018DD9}"/>
+              </a:ext>
+            </a:extLst>
+          </p:cNvPr>
+          <p:cNvGraphicFramePr>
+            <a:graphicFrameLocks/>
+          </p:cNvGraphicFramePr>
+          <p:nvPr>
+            <p:extLst>
+              <p:ext uri="{D42A27DB-BD31-4B8C-83A1-F6EECF244321}">
+                <p14:modId xmlns:p14="http://schemas.microsoft.com/office/powerpoint/2010/main" val="3657140264"/>
+              </p:ext>
+            </p:extLst>
+          </p:nvPr>
+        </p:nvGraphicFramePr>
+        <p:xfrm>
+          <a:off x="4563344" y="1850608"/>
+          <a:ext cx="6291980" cy="3855584"/>
+        </p:xfrm>
+        <a:graphic>
+          <a:graphicData uri="http://schemas.openxmlformats.org/drawingml/2006/chart">
+            <c:chart xmlns:c="http://schemas.openxmlformats.org/drawingml/2006/chart" xmlns:r="http://schemas.openxmlformats.org/officeDocument/2006/relationships" r:id="rId2"/>
+          </a:graphicData>
+        </a:graphic>
+      </p:graphicFrame>
     </p:spTree>
     <p:extLst>
       <p:ext uri="{BB962C8B-B14F-4D97-AF65-F5344CB8AC3E}">
@@ -18598,8 +18596,8 @@
           </a:p>
         </p:txBody>
       </p:sp>
-      <mc:AlternateContent xmlns:mc="http://schemas.openxmlformats.org/markup-compatibility/2006" xmlns:a14="http://schemas.microsoft.com/office/drawing/2010/main">
-        <mc:Choice Requires="a14">
+      <mc:AlternateContent xmlns:mc="http://schemas.openxmlformats.org/markup-compatibility/2006">
+        <mc:Choice xmlns:a14="http://schemas.microsoft.com/office/drawing/2010/main" Requires="a14">
           <p:sp>
             <p:nvSpPr>
               <p:cNvPr id="3" name="Content Placeholder 2">
@@ -19169,6 +19167,12 @@
                       <a:rPr lang="en-CA" sz="1600" b="0" i="1" smtClean="0">
                         <a:latin typeface="Cambria Math" panose="02040503050406030204" pitchFamily="18" charset="0"/>
                       </a:rPr>
+                      <m:t>𝑚</m:t>
+                    </m:r>
+                    <m:r>
+                      <a:rPr lang="en-CA" sz="1600" b="0" i="1" smtClean="0">
+                        <a:latin typeface="Cambria Math" panose="02040503050406030204" pitchFamily="18" charset="0"/>
+                      </a:rPr>
                       <m:t>.</m:t>
                     </m:r>
                   </m:oMath>
@@ -19395,6 +19399,18 @@
                         <m:t>41,54970188</m:t>
                       </m:r>
                       <m:r>
+                        <a:rPr lang="en-CA" sz="1600" b="0" i="0" smtClean="0">
+                          <a:latin typeface="Cambria Math" panose="02040503050406030204" pitchFamily="18" charset="0"/>
+                        </a:rPr>
+                        <m:t> </m:t>
+                      </m:r>
+                      <m:r>
+                        <a:rPr lang="en-CA" sz="1600" b="0" i="1" smtClean="0">
+                          <a:latin typeface="Cambria Math" panose="02040503050406030204" pitchFamily="18" charset="0"/>
+                        </a:rPr>
+                        <m:t>𝑚</m:t>
+                      </m:r>
+                      <m:r>
                         <a:rPr lang="en-CA" sz="1600">
                           <a:latin typeface="Cambria Math" panose="02040503050406030204" pitchFamily="18" charset="0"/>
                         </a:rPr>
@@ -19503,7 +19519,7 @@
             </p:txBody>
           </p:sp>
         </mc:Choice>
-        <mc:Fallback xmlns="">
+        <mc:Fallback>
           <p:sp>
             <p:nvSpPr>
               <p:cNvPr id="3" name="Content Placeholder 2">
@@ -23478,8 +23494,8 @@
           </a:p>
         </p:txBody>
       </p:sp>
-      <mc:AlternateContent xmlns:mc="http://schemas.openxmlformats.org/markup-compatibility/2006">
-        <mc:Choice xmlns:a14="http://schemas.microsoft.com/office/drawing/2010/main" Requires="a14">
+      <mc:AlternateContent xmlns:mc="http://schemas.openxmlformats.org/markup-compatibility/2006" xmlns:a14="http://schemas.microsoft.com/office/drawing/2010/main">
+        <mc:Choice Requires="a14">
           <p:sp>
             <p:nvSpPr>
               <p:cNvPr id="3" name="Content Placeholder 2">
@@ -24360,7 +24376,7 @@
             </p:txBody>
           </p:sp>
         </mc:Choice>
-        <mc:Fallback>
+        <mc:Fallback xmlns="">
           <p:sp>
             <p:nvSpPr>
               <p:cNvPr id="3" name="Content Placeholder 2">
@@ -27948,7 +27964,7 @@
           <p:nvPr/>
         </p:nvPicPr>
         <p:blipFill>
-          <a:blip r:embed="rId3"/>
+          <a:blip r:embed="rId2"/>
           <a:stretch>
             <a:fillRect/>
           </a:stretch>
@@ -28070,7 +28086,7 @@
             </a:pPr>
             <a:r>
               <a:rPr lang="fr-FR" sz="1600" dirty="0"/>
-              <a:t>	- Extrémité libre au niveau de la vertèbre L1 (condition de 	Neumann).</a:t>
+              <a:t>	- Force externe au niveau de la vertèbre L1 (condition de 	Neumann).</a:t>
             </a:r>
           </a:p>
         </p:txBody>
@@ -28308,11 +28324,6 @@
   <p:clrMapOvr>
     <a:masterClrMapping/>
   </p:clrMapOvr>
-  <p:extLst>
-    <p:ext uri="{6950BFC3-D8DA-4A85-94F7-54DA5524770B}">
-      <p188:commentRel xmlns:p188="http://schemas.microsoft.com/office/powerpoint/2018/8/main" r:id="rId2"/>
-    </p:ext>
-  </p:extLst>
 </p:sld>
 </file>
 
@@ -28631,7 +28642,7 @@
           <p:nvPr>
             <p:extLst>
               <p:ext uri="{D42A27DB-BD31-4B8C-83A1-F6EECF244321}">
-                <p14:modId xmlns:p14="http://schemas.microsoft.com/office/powerpoint/2010/main" val="1877698152"/>
+                <p14:modId xmlns:p14="http://schemas.microsoft.com/office/powerpoint/2010/main" val="330338573"/>
               </p:ext>
             </p:extLst>
           </p:nvPr>
@@ -28716,7 +28727,7 @@
                     <a:p>
                       <a:r>
                         <a:rPr lang="fr-FR" dirty="0"/>
-                        <a:t>1 N</a:t>
+                        <a:t>1 [N]</a:t>
                       </a:r>
                     </a:p>
                   </a:txBody>
@@ -28749,7 +28760,7 @@
                     <a:p>
                       <a:r>
                         <a:rPr lang="fr-FR" dirty="0"/>
-                        <a:t>500 mm</a:t>
+                        <a:t>500 [mm]</a:t>
                       </a:r>
                     </a:p>
                   </a:txBody>
@@ -28782,7 +28793,7 @@
                     <a:p>
                       <a:r>
                         <a:rPr lang="fr-FR" dirty="0"/>
-                        <a:t>100 MPa</a:t>
+                        <a:t>100 [MPa]</a:t>
                       </a:r>
                     </a:p>
                   </a:txBody>
@@ -28815,7 +28826,7 @@
                     <a:p>
                       <a:r>
                         <a:rPr lang="fr-FR" dirty="0"/>
-                        <a:t>7853.9814 mm⁴</a:t>
+                        <a:t>7853.9814 [mm⁴]</a:t>
                       </a:r>
                     </a:p>
                   </a:txBody>
@@ -29649,13 +29660,13 @@
           <p:nvPr>
             <p:extLst>
               <p:ext uri="{D42A27DB-BD31-4B8C-83A1-F6EECF244321}">
-                <p14:modId xmlns:p14="http://schemas.microsoft.com/office/powerpoint/2010/main" val="1229097398"/>
+                <p14:modId xmlns:p14="http://schemas.microsoft.com/office/powerpoint/2010/main" val="2599600657"/>
               </p:ext>
             </p:extLst>
           </p:nvPr>
         </p:nvGraphicFramePr>
         <p:xfrm>
-          <a:off x="838200" y="1887792"/>
+          <a:off x="838200" y="2348918"/>
           <a:ext cx="2583426" cy="3819832"/>
         </p:xfrm>
         <a:graphic>
@@ -30235,7 +30246,7 @@
           <p:nvPr>
             <p:extLst>
               <p:ext uri="{D42A27DB-BD31-4B8C-83A1-F6EECF244321}">
-                <p14:modId xmlns:p14="http://schemas.microsoft.com/office/powerpoint/2010/main" val="663502251"/>
+                <p14:modId xmlns:p14="http://schemas.microsoft.com/office/powerpoint/2010/main" val="887623337"/>
               </p:ext>
             </p:extLst>
           </p:nvPr>
@@ -30328,7 +30339,7 @@
         </p:nvSpPr>
         <p:spPr>
           <a:xfrm>
-            <a:off x="1113503" y="5866798"/>
+            <a:off x="759543" y="1872838"/>
             <a:ext cx="2111477" cy="461665"/>
           </a:xfrm>
           <a:prstGeom prst="rect">
@@ -31101,6 +31112,15 @@
 </file>
 
 <file path=customXml/item1.xml><?xml version="1.0" encoding="utf-8"?>
+<?mso-contentType ?>
+<FormTemplates xmlns="http://schemas.microsoft.com/sharepoint/v3/contenttype/forms">
+  <Display>DocumentLibraryForm</Display>
+  <Edit>DocumentLibraryForm</Edit>
+  <New>DocumentLibraryForm</New>
+</FormTemplates>
+</file>
+
+<file path=customXml/item2.xml><?xml version="1.0" encoding="utf-8"?>
 <p:properties xmlns:p="http://schemas.microsoft.com/office/2006/metadata/properties" xmlns:xsi="http://www.w3.org/2001/XMLSchema-instance" xmlns:pc="http://schemas.microsoft.com/office/infopath/2007/PartnerControls">
   <documentManagement>
     <lcf76f155ced4ddcb4097134ff3c332f xmlns="ec825916-6f01-4646-bf11-4e97fdd06dc8">
@@ -31109,15 +31129,6 @@
     <TaxCatchAll xmlns="10202d72-3646-4d36-9cf4-1feba2c78df0" xsi:nil="true"/>
   </documentManagement>
 </p:properties>
-</file>
-
-<file path=customXml/item2.xml><?xml version="1.0" encoding="utf-8"?>
-<?mso-contentType ?>
-<FormTemplates xmlns="http://schemas.microsoft.com/sharepoint/v3/contenttype/forms">
-  <Display>DocumentLibraryForm</Display>
-  <Edit>DocumentLibraryForm</Edit>
-  <New>DocumentLibraryForm</New>
-</FormTemplates>
 </file>
 
 <file path=customXml/item3.xml><?xml version="1.0" encoding="utf-8"?>
@@ -31316,6 +31327,14 @@
 </file>
 
 <file path=customXml/itemProps1.xml><?xml version="1.0" encoding="utf-8"?>
+<ds:datastoreItem xmlns:ds="http://schemas.openxmlformats.org/officeDocument/2006/customXml" ds:itemID="{73F4A501-0066-4B8E-9AA2-A07CF344BF69}">
+  <ds:schemaRefs>
+    <ds:schemaRef ds:uri="http://schemas.microsoft.com/sharepoint/v3/contenttype/forms"/>
+  </ds:schemaRefs>
+</ds:datastoreItem>
+</file>
+
+<file path=customXml/itemProps2.xml><?xml version="1.0" encoding="utf-8"?>
 <ds:datastoreItem xmlns:ds="http://schemas.openxmlformats.org/officeDocument/2006/customXml" ds:itemID="{CC0D4AF6-CA21-4510-812C-479171907BC9}">
   <ds:schemaRefs>
     <ds:schemaRef ds:uri="ec825916-6f01-4646-bf11-4e97fdd06dc8"/>
@@ -31328,14 +31347,6 @@
     <ds:schemaRef ds:uri="http://schemas.microsoft.com/office/2006/metadata/properties"/>
     <ds:schemaRef ds:uri="http://schemas.openxmlformats.org/package/2006/metadata/core-properties"/>
     <ds:schemaRef ds:uri="http://purl.org/dc/elements/1.1/"/>
-  </ds:schemaRefs>
-</ds:datastoreItem>
-</file>
-
-<file path=customXml/itemProps2.xml><?xml version="1.0" encoding="utf-8"?>
-<ds:datastoreItem xmlns:ds="http://schemas.openxmlformats.org/officeDocument/2006/customXml" ds:itemID="{73F4A501-0066-4B8E-9AA2-A07CF344BF69}">
-  <ds:schemaRefs>
-    <ds:schemaRef ds:uri="http://schemas.microsoft.com/sharepoint/v3/contenttype/forms"/>
   </ds:schemaRefs>
 </ds:datastoreItem>
 </file>
